--- a/修論画像作成.pptx
+++ b/修論画像作成.pptx
@@ -9,6 +9,7 @@
     <p:sldId id="258" r:id="rId3"/>
     <p:sldId id="257" r:id="rId4"/>
     <p:sldId id="259" r:id="rId5"/>
+    <p:sldId id="260" r:id="rId6"/>
   </p:sldIdLst>
   <p:sldSz cx="9144000" cy="6858000" type="screen4x3"/>
   <p:notesSz cx="6858000" cy="9144000"/>
@@ -250,7 +251,7 @@
           <a:p>
             <a:fld id="{C6AC7F0E-DDCA-4467-BA12-379A322E0DE2}" type="datetimeFigureOut">
               <a:rPr kumimoji="1" lang="ja-JP" altLang="en-US" smtClean="0"/>
-              <a:t>2017/6/15</a:t>
+              <a:t>2017/10/3</a:t>
             </a:fld>
             <a:endParaRPr kumimoji="1" lang="ja-JP" altLang="en-US"/>
           </a:p>
@@ -452,7 +453,7 @@
           <a:p>
             <a:fld id="{C6AC7F0E-DDCA-4467-BA12-379A322E0DE2}" type="datetimeFigureOut">
               <a:rPr kumimoji="1" lang="ja-JP" altLang="en-US" smtClean="0"/>
-              <a:t>2017/6/15</a:t>
+              <a:t>2017/10/3</a:t>
             </a:fld>
             <a:endParaRPr kumimoji="1" lang="ja-JP" altLang="en-US"/>
           </a:p>
@@ -664,7 +665,7 @@
           <a:p>
             <a:fld id="{C6AC7F0E-DDCA-4467-BA12-379A322E0DE2}" type="datetimeFigureOut">
               <a:rPr kumimoji="1" lang="ja-JP" altLang="en-US" smtClean="0"/>
-              <a:t>2017/6/15</a:t>
+              <a:t>2017/10/3</a:t>
             </a:fld>
             <a:endParaRPr kumimoji="1" lang="ja-JP" altLang="en-US"/>
           </a:p>
@@ -866,7 +867,7 @@
           <a:p>
             <a:fld id="{C6AC7F0E-DDCA-4467-BA12-379A322E0DE2}" type="datetimeFigureOut">
               <a:rPr kumimoji="1" lang="ja-JP" altLang="en-US" smtClean="0"/>
-              <a:t>2017/6/15</a:t>
+              <a:t>2017/10/3</a:t>
             </a:fld>
             <a:endParaRPr kumimoji="1" lang="ja-JP" altLang="en-US"/>
           </a:p>
@@ -1110,7 +1111,7 @@
           <a:p>
             <a:fld id="{C6AC7F0E-DDCA-4467-BA12-379A322E0DE2}" type="datetimeFigureOut">
               <a:rPr kumimoji="1" lang="ja-JP" altLang="en-US" smtClean="0"/>
-              <a:t>2017/6/15</a:t>
+              <a:t>2017/10/3</a:t>
             </a:fld>
             <a:endParaRPr kumimoji="1" lang="ja-JP" altLang="en-US"/>
           </a:p>
@@ -1406,7 +1407,7 @@
           <a:p>
             <a:fld id="{C6AC7F0E-DDCA-4467-BA12-379A322E0DE2}" type="datetimeFigureOut">
               <a:rPr kumimoji="1" lang="ja-JP" altLang="en-US" smtClean="0"/>
-              <a:t>2017/6/15</a:t>
+              <a:t>2017/10/3</a:t>
             </a:fld>
             <a:endParaRPr kumimoji="1" lang="ja-JP" altLang="en-US"/>
           </a:p>
@@ -1837,7 +1838,7 @@
           <a:p>
             <a:fld id="{C6AC7F0E-DDCA-4467-BA12-379A322E0DE2}" type="datetimeFigureOut">
               <a:rPr kumimoji="1" lang="ja-JP" altLang="en-US" smtClean="0"/>
-              <a:t>2017/6/15</a:t>
+              <a:t>2017/10/3</a:t>
             </a:fld>
             <a:endParaRPr kumimoji="1" lang="ja-JP" altLang="en-US"/>
           </a:p>
@@ -1955,7 +1956,7 @@
           <a:p>
             <a:fld id="{C6AC7F0E-DDCA-4467-BA12-379A322E0DE2}" type="datetimeFigureOut">
               <a:rPr kumimoji="1" lang="ja-JP" altLang="en-US" smtClean="0"/>
-              <a:t>2017/6/15</a:t>
+              <a:t>2017/10/3</a:t>
             </a:fld>
             <a:endParaRPr kumimoji="1" lang="ja-JP" altLang="en-US"/>
           </a:p>
@@ -2050,7 +2051,7 @@
           <a:p>
             <a:fld id="{C6AC7F0E-DDCA-4467-BA12-379A322E0DE2}" type="datetimeFigureOut">
               <a:rPr kumimoji="1" lang="ja-JP" altLang="en-US" smtClean="0"/>
-              <a:t>2017/6/15</a:t>
+              <a:t>2017/10/3</a:t>
             </a:fld>
             <a:endParaRPr kumimoji="1" lang="ja-JP" altLang="en-US"/>
           </a:p>
@@ -2359,7 +2360,7 @@
           <a:p>
             <a:fld id="{C6AC7F0E-DDCA-4467-BA12-379A322E0DE2}" type="datetimeFigureOut">
               <a:rPr kumimoji="1" lang="ja-JP" altLang="en-US" smtClean="0"/>
-              <a:t>2017/6/15</a:t>
+              <a:t>2017/10/3</a:t>
             </a:fld>
             <a:endParaRPr kumimoji="1" lang="ja-JP" altLang="en-US"/>
           </a:p>
@@ -2616,7 +2617,7 @@
           <a:p>
             <a:fld id="{C6AC7F0E-DDCA-4467-BA12-379A322E0DE2}" type="datetimeFigureOut">
               <a:rPr kumimoji="1" lang="ja-JP" altLang="en-US" smtClean="0"/>
-              <a:t>2017/6/15</a:t>
+              <a:t>2017/10/3</a:t>
             </a:fld>
             <a:endParaRPr kumimoji="1" lang="ja-JP" altLang="en-US"/>
           </a:p>
@@ -2861,7 +2862,7 @@
           <a:p>
             <a:fld id="{C6AC7F0E-DDCA-4467-BA12-379A322E0DE2}" type="datetimeFigureOut">
               <a:rPr kumimoji="1" lang="ja-JP" altLang="en-US" smtClean="0"/>
-              <a:t>2017/6/15</a:t>
+              <a:t>2017/10/3</a:t>
             </a:fld>
             <a:endParaRPr kumimoji="1" lang="ja-JP" altLang="en-US"/>
           </a:p>
@@ -6026,6 +6027,116 @@
 </p:sld>
 </file>
 
+<file path=ppt/slides/slide5.xml><?xml version="1.0" encoding="utf-8"?>
+<p:sld xmlns:a="http://schemas.openxmlformats.org/drawingml/2006/main" xmlns:r="http://schemas.openxmlformats.org/officeDocument/2006/relationships" xmlns:p="http://schemas.openxmlformats.org/presentationml/2006/main">
+  <p:cSld>
+    <p:spTree>
+      <p:nvGrpSpPr>
+        <p:cNvPr id="1" name=""/>
+        <p:cNvGrpSpPr/>
+        <p:nvPr/>
+      </p:nvGrpSpPr>
+      <p:grpSpPr>
+        <a:xfrm>
+          <a:off x="0" y="0"/>
+          <a:ext cx="0" cy="0"/>
+          <a:chOff x="0" y="0"/>
+          <a:chExt cx="0" cy="0"/>
+        </a:xfrm>
+      </p:grpSpPr>
+      <p:sp>
+        <p:nvSpPr>
+          <p:cNvPr id="2" name="タイトル 1">
+            <a:extLst>
+              <a:ext uri="{FF2B5EF4-FFF2-40B4-BE49-F238E27FC236}">
+                <a16:creationId xmlns:a16="http://schemas.microsoft.com/office/drawing/2014/main" id="{9D9EC6E1-8C42-40C4-8452-5A28BCF610CF}"/>
+              </a:ext>
+            </a:extLst>
+          </p:cNvPr>
+          <p:cNvSpPr>
+            <a:spLocks noGrp="1"/>
+          </p:cNvSpPr>
+          <p:nvPr>
+            <p:ph type="title"/>
+          </p:nvPr>
+        </p:nvSpPr>
+        <p:spPr/>
+        <p:txBody>
+          <a:bodyPr/>
+          <a:lstStyle/>
+          <a:p>
+            <a:endParaRPr kumimoji="1" lang="ja-JP" altLang="en-US"/>
+          </a:p>
+        </p:txBody>
+      </p:sp>
+      <p:sp>
+        <p:nvSpPr>
+          <p:cNvPr id="3" name="コンテンツ プレースホルダー 2">
+            <a:extLst>
+              <a:ext uri="{FF2B5EF4-FFF2-40B4-BE49-F238E27FC236}">
+                <a16:creationId xmlns:a16="http://schemas.microsoft.com/office/drawing/2014/main" id="{89D25E6E-4211-4530-A428-CBCD941CF2B2}"/>
+              </a:ext>
+            </a:extLst>
+          </p:cNvPr>
+          <p:cNvSpPr>
+            <a:spLocks noGrp="1"/>
+          </p:cNvSpPr>
+          <p:nvPr>
+            <p:ph idx="1"/>
+          </p:nvPr>
+        </p:nvSpPr>
+        <p:spPr/>
+        <p:txBody>
+          <a:bodyPr/>
+          <a:lstStyle/>
+          <a:p>
+            <a:endParaRPr kumimoji="1" lang="ja-JP" altLang="en-US"/>
+          </a:p>
+        </p:txBody>
+      </p:sp>
+      <p:pic>
+        <p:nvPicPr>
+          <p:cNvPr id="4" name="図 3">
+            <a:extLst>
+              <a:ext uri="{FF2B5EF4-FFF2-40B4-BE49-F238E27FC236}">
+                <a16:creationId xmlns:a16="http://schemas.microsoft.com/office/drawing/2014/main" id="{2B0F3CD8-B7F8-446D-9FC4-1C22E2BFC5C7}"/>
+              </a:ext>
+            </a:extLst>
+          </p:cNvPr>
+          <p:cNvPicPr>
+            <a:picLocks noChangeAspect="1"/>
+          </p:cNvPicPr>
+          <p:nvPr/>
+        </p:nvPicPr>
+        <p:blipFill>
+          <a:blip r:embed="rId2"/>
+          <a:stretch>
+            <a:fillRect/>
+          </a:stretch>
+        </p:blipFill>
+        <p:spPr>
+          <a:xfrm>
+            <a:off x="2084616" y="1536028"/>
+            <a:ext cx="4974767" cy="3785944"/>
+          </a:xfrm>
+          <a:prstGeom prst="rect">
+            <a:avLst/>
+          </a:prstGeom>
+        </p:spPr>
+      </p:pic>
+    </p:spTree>
+    <p:extLst>
+      <p:ext uri="{BB962C8B-B14F-4D97-AF65-F5344CB8AC3E}">
+        <p14:creationId xmlns:p14="http://schemas.microsoft.com/office/powerpoint/2010/main" val="3807760385"/>
+      </p:ext>
+    </p:extLst>
+  </p:cSld>
+  <p:clrMapOvr>
+    <a:masterClrMapping/>
+  </p:clrMapOvr>
+</p:sld>
+</file>
+
 <file path=ppt/theme/theme1.xml><?xml version="1.0" encoding="utf-8"?>
 <a:theme xmlns:a="http://schemas.openxmlformats.org/drawingml/2006/main" name="Office テーマ">
   <a:themeElements>

--- a/修論画像作成.pptx
+++ b/修論画像作成.pptx
@@ -10,6 +10,9 @@
     <p:sldId id="257" r:id="rId4"/>
     <p:sldId id="259" r:id="rId5"/>
     <p:sldId id="260" r:id="rId6"/>
+    <p:sldId id="261" r:id="rId7"/>
+    <p:sldId id="262" r:id="rId8"/>
+    <p:sldId id="263" r:id="rId9"/>
   </p:sldIdLst>
   <p:sldSz cx="9144000" cy="6858000" type="screen4x3"/>
   <p:notesSz cx="6858000" cy="9144000"/>
@@ -251,7 +254,7 @@
           <a:p>
             <a:fld id="{C6AC7F0E-DDCA-4467-BA12-379A322E0DE2}" type="datetimeFigureOut">
               <a:rPr kumimoji="1" lang="ja-JP" altLang="en-US" smtClean="0"/>
-              <a:t>2017/10/3</a:t>
+              <a:t>2017/11/14</a:t>
             </a:fld>
             <a:endParaRPr kumimoji="1" lang="ja-JP" altLang="en-US"/>
           </a:p>
@@ -453,7 +456,7 @@
           <a:p>
             <a:fld id="{C6AC7F0E-DDCA-4467-BA12-379A322E0DE2}" type="datetimeFigureOut">
               <a:rPr kumimoji="1" lang="ja-JP" altLang="en-US" smtClean="0"/>
-              <a:t>2017/10/3</a:t>
+              <a:t>2017/11/14</a:t>
             </a:fld>
             <a:endParaRPr kumimoji="1" lang="ja-JP" altLang="en-US"/>
           </a:p>
@@ -665,7 +668,7 @@
           <a:p>
             <a:fld id="{C6AC7F0E-DDCA-4467-BA12-379A322E0DE2}" type="datetimeFigureOut">
               <a:rPr kumimoji="1" lang="ja-JP" altLang="en-US" smtClean="0"/>
-              <a:t>2017/10/3</a:t>
+              <a:t>2017/11/14</a:t>
             </a:fld>
             <a:endParaRPr kumimoji="1" lang="ja-JP" altLang="en-US"/>
           </a:p>
@@ -867,7 +870,7 @@
           <a:p>
             <a:fld id="{C6AC7F0E-DDCA-4467-BA12-379A322E0DE2}" type="datetimeFigureOut">
               <a:rPr kumimoji="1" lang="ja-JP" altLang="en-US" smtClean="0"/>
-              <a:t>2017/10/3</a:t>
+              <a:t>2017/11/14</a:t>
             </a:fld>
             <a:endParaRPr kumimoji="1" lang="ja-JP" altLang="en-US"/>
           </a:p>
@@ -1111,7 +1114,7 @@
           <a:p>
             <a:fld id="{C6AC7F0E-DDCA-4467-BA12-379A322E0DE2}" type="datetimeFigureOut">
               <a:rPr kumimoji="1" lang="ja-JP" altLang="en-US" smtClean="0"/>
-              <a:t>2017/10/3</a:t>
+              <a:t>2017/11/14</a:t>
             </a:fld>
             <a:endParaRPr kumimoji="1" lang="ja-JP" altLang="en-US"/>
           </a:p>
@@ -1407,7 +1410,7 @@
           <a:p>
             <a:fld id="{C6AC7F0E-DDCA-4467-BA12-379A322E0DE2}" type="datetimeFigureOut">
               <a:rPr kumimoji="1" lang="ja-JP" altLang="en-US" smtClean="0"/>
-              <a:t>2017/10/3</a:t>
+              <a:t>2017/11/14</a:t>
             </a:fld>
             <a:endParaRPr kumimoji="1" lang="ja-JP" altLang="en-US"/>
           </a:p>
@@ -1838,7 +1841,7 @@
           <a:p>
             <a:fld id="{C6AC7F0E-DDCA-4467-BA12-379A322E0DE2}" type="datetimeFigureOut">
               <a:rPr kumimoji="1" lang="ja-JP" altLang="en-US" smtClean="0"/>
-              <a:t>2017/10/3</a:t>
+              <a:t>2017/11/14</a:t>
             </a:fld>
             <a:endParaRPr kumimoji="1" lang="ja-JP" altLang="en-US"/>
           </a:p>
@@ -1956,7 +1959,7 @@
           <a:p>
             <a:fld id="{C6AC7F0E-DDCA-4467-BA12-379A322E0DE2}" type="datetimeFigureOut">
               <a:rPr kumimoji="1" lang="ja-JP" altLang="en-US" smtClean="0"/>
-              <a:t>2017/10/3</a:t>
+              <a:t>2017/11/14</a:t>
             </a:fld>
             <a:endParaRPr kumimoji="1" lang="ja-JP" altLang="en-US"/>
           </a:p>
@@ -2051,7 +2054,7 @@
           <a:p>
             <a:fld id="{C6AC7F0E-DDCA-4467-BA12-379A322E0DE2}" type="datetimeFigureOut">
               <a:rPr kumimoji="1" lang="ja-JP" altLang="en-US" smtClean="0"/>
-              <a:t>2017/10/3</a:t>
+              <a:t>2017/11/14</a:t>
             </a:fld>
             <a:endParaRPr kumimoji="1" lang="ja-JP" altLang="en-US"/>
           </a:p>
@@ -2360,7 +2363,7 @@
           <a:p>
             <a:fld id="{C6AC7F0E-DDCA-4467-BA12-379A322E0DE2}" type="datetimeFigureOut">
               <a:rPr kumimoji="1" lang="ja-JP" altLang="en-US" smtClean="0"/>
-              <a:t>2017/10/3</a:t>
+              <a:t>2017/11/14</a:t>
             </a:fld>
             <a:endParaRPr kumimoji="1" lang="ja-JP" altLang="en-US"/>
           </a:p>
@@ -2617,7 +2620,7 @@
           <a:p>
             <a:fld id="{C6AC7F0E-DDCA-4467-BA12-379A322E0DE2}" type="datetimeFigureOut">
               <a:rPr kumimoji="1" lang="ja-JP" altLang="en-US" smtClean="0"/>
-              <a:t>2017/10/3</a:t>
+              <a:t>2017/11/14</a:t>
             </a:fld>
             <a:endParaRPr kumimoji="1" lang="ja-JP" altLang="en-US"/>
           </a:p>
@@ -2862,7 +2865,7 @@
           <a:p>
             <a:fld id="{C6AC7F0E-DDCA-4467-BA12-379A322E0DE2}" type="datetimeFigureOut">
               <a:rPr kumimoji="1" lang="ja-JP" altLang="en-US" smtClean="0"/>
-              <a:t>2017/10/3</a:t>
+              <a:t>2017/11/14</a:t>
             </a:fld>
             <a:endParaRPr kumimoji="1" lang="ja-JP" altLang="en-US"/>
           </a:p>
@@ -6137,6 +6140,4927 @@
 </p:sld>
 </file>
 
+<file path=ppt/slides/slide6.xml><?xml version="1.0" encoding="utf-8"?>
+<p:sld xmlns:a="http://schemas.openxmlformats.org/drawingml/2006/main" xmlns:r="http://schemas.openxmlformats.org/officeDocument/2006/relationships" xmlns:p="http://schemas.openxmlformats.org/presentationml/2006/main">
+  <p:cSld>
+    <p:spTree>
+      <p:nvGrpSpPr>
+        <p:cNvPr id="1" name=""/>
+        <p:cNvGrpSpPr/>
+        <p:nvPr/>
+      </p:nvGrpSpPr>
+      <p:grpSpPr>
+        <a:xfrm>
+          <a:off x="0" y="0"/>
+          <a:ext cx="0" cy="0"/>
+          <a:chOff x="0" y="0"/>
+          <a:chExt cx="0" cy="0"/>
+        </a:xfrm>
+      </p:grpSpPr>
+      <p:sp>
+        <p:nvSpPr>
+          <p:cNvPr id="6" name="正方形/長方形 5">
+            <a:extLst>
+              <a:ext uri="{FF2B5EF4-FFF2-40B4-BE49-F238E27FC236}">
+                <a16:creationId xmlns:a16="http://schemas.microsoft.com/office/drawing/2014/main" id="{B1578A1E-A918-4D17-BF4D-15695443B57B}"/>
+              </a:ext>
+            </a:extLst>
+          </p:cNvPr>
+          <p:cNvSpPr/>
+          <p:nvPr/>
+        </p:nvSpPr>
+        <p:spPr>
+          <a:xfrm>
+            <a:off x="2613991" y="5649349"/>
+            <a:ext cx="4149065" cy="363825"/>
+          </a:xfrm>
+          <a:prstGeom prst="rect">
+            <a:avLst/>
+          </a:prstGeom>
+          <a:noFill/>
+          <a:ln>
+            <a:noFill/>
+          </a:ln>
+        </p:spPr>
+        <p:style>
+          <a:lnRef idx="2">
+            <a:schemeClr val="accent1">
+              <a:shade val="50000"/>
+            </a:schemeClr>
+          </a:lnRef>
+          <a:fillRef idx="1">
+            <a:schemeClr val="accent1"/>
+          </a:fillRef>
+          <a:effectRef idx="0">
+            <a:schemeClr val="accent1"/>
+          </a:effectRef>
+          <a:fontRef idx="minor">
+            <a:schemeClr val="lt1"/>
+          </a:fontRef>
+        </p:style>
+        <p:txBody>
+          <a:bodyPr rtlCol="0" anchor="ctr"/>
+          <a:lstStyle/>
+          <a:p>
+            <a:pPr algn="ctr"/>
+            <a:endParaRPr kumimoji="1" lang="ja-JP" altLang="en-US" dirty="0"/>
+          </a:p>
+        </p:txBody>
+      </p:sp>
+      <p:grpSp>
+        <p:nvGrpSpPr>
+          <p:cNvPr id="151" name="グループ化 150">
+            <a:extLst>
+              <a:ext uri="{FF2B5EF4-FFF2-40B4-BE49-F238E27FC236}">
+                <a16:creationId xmlns:a16="http://schemas.microsoft.com/office/drawing/2014/main" id="{85E4B85A-820E-4C55-A9B2-DAB3FF4C8540}"/>
+              </a:ext>
+            </a:extLst>
+          </p:cNvPr>
+          <p:cNvGrpSpPr/>
+          <p:nvPr/>
+        </p:nvGrpSpPr>
+        <p:grpSpPr>
+          <a:xfrm>
+            <a:off x="396405" y="2441997"/>
+            <a:ext cx="3653549" cy="2667900"/>
+            <a:chOff x="-338583" y="975472"/>
+            <a:chExt cx="3653549" cy="2667900"/>
+          </a:xfrm>
+        </p:grpSpPr>
+        <p:grpSp>
+          <p:nvGrpSpPr>
+            <p:cNvPr id="8" name="グループ化 7">
+              <a:extLst>
+                <a:ext uri="{FF2B5EF4-FFF2-40B4-BE49-F238E27FC236}">
+                  <a16:creationId xmlns:a16="http://schemas.microsoft.com/office/drawing/2014/main" id="{0A1AE57E-8256-49D7-97B0-5E6FF43E4AE1}"/>
+                </a:ext>
+              </a:extLst>
+            </p:cNvPr>
+            <p:cNvGrpSpPr/>
+            <p:nvPr/>
+          </p:nvGrpSpPr>
+          <p:grpSpPr>
+            <a:xfrm>
+              <a:off x="-338583" y="1285142"/>
+              <a:ext cx="3653549" cy="1980460"/>
+              <a:chOff x="782077" y="3110947"/>
+              <a:chExt cx="7119732" cy="3508506"/>
+            </a:xfrm>
+          </p:grpSpPr>
+          <p:sp>
+            <p:nvSpPr>
+              <p:cNvPr id="31" name="直方体 30">
+                <a:extLst>
+                  <a:ext uri="{FF2B5EF4-FFF2-40B4-BE49-F238E27FC236}">
+                    <a16:creationId xmlns:a16="http://schemas.microsoft.com/office/drawing/2014/main" id="{0EF53851-3D9D-4266-8E66-3E69CB9FC5F2}"/>
+                  </a:ext>
+                </a:extLst>
+              </p:cNvPr>
+              <p:cNvSpPr/>
+              <p:nvPr/>
+            </p:nvSpPr>
+            <p:spPr>
+              <a:xfrm>
+                <a:off x="782077" y="5104331"/>
+                <a:ext cx="7116417" cy="1500809"/>
+              </a:xfrm>
+              <a:prstGeom prst="cube">
+                <a:avLst>
+                  <a:gd name="adj" fmla="val 55464"/>
+                </a:avLst>
+              </a:prstGeom>
+              <a:solidFill>
+                <a:srgbClr val="FFFF99"/>
+              </a:solidFill>
+              <a:ln>
+                <a:solidFill>
+                  <a:schemeClr val="tx1"/>
+                </a:solidFill>
+              </a:ln>
+            </p:spPr>
+            <p:style>
+              <a:lnRef idx="2">
+                <a:schemeClr val="accent1">
+                  <a:shade val="50000"/>
+                </a:schemeClr>
+              </a:lnRef>
+              <a:fillRef idx="1">
+                <a:schemeClr val="accent1"/>
+              </a:fillRef>
+              <a:effectRef idx="0">
+                <a:schemeClr val="accent1"/>
+              </a:effectRef>
+              <a:fontRef idx="minor">
+                <a:schemeClr val="lt1"/>
+              </a:fontRef>
+            </p:style>
+            <p:txBody>
+              <a:bodyPr rtlCol="0" anchor="ctr"/>
+              <a:lstStyle/>
+              <a:p>
+                <a:pPr algn="ctr"/>
+                <a:endParaRPr kumimoji="1" lang="ja-JP" altLang="en-US" dirty="0"/>
+              </a:p>
+            </p:txBody>
+          </p:sp>
+          <p:sp>
+            <p:nvSpPr>
+              <p:cNvPr id="32" name="直方体 31">
+                <a:extLst>
+                  <a:ext uri="{FF2B5EF4-FFF2-40B4-BE49-F238E27FC236}">
+                    <a16:creationId xmlns:a16="http://schemas.microsoft.com/office/drawing/2014/main" id="{8EC16F08-278A-4186-9A8B-4513A53D5939}"/>
+                  </a:ext>
+                </a:extLst>
+              </p:cNvPr>
+              <p:cNvSpPr/>
+              <p:nvPr/>
+            </p:nvSpPr>
+            <p:spPr>
+              <a:xfrm>
+                <a:off x="782078" y="3772487"/>
+                <a:ext cx="7116417" cy="2171113"/>
+              </a:xfrm>
+              <a:prstGeom prst="cube">
+                <a:avLst>
+                  <a:gd name="adj" fmla="val 38497"/>
+                </a:avLst>
+              </a:prstGeom>
+              <a:solidFill>
+                <a:srgbClr val="00FFFF">
+                  <a:alpha val="20000"/>
+                </a:srgbClr>
+              </a:solidFill>
+              <a:ln>
+                <a:solidFill>
+                  <a:schemeClr val="tx1"/>
+                </a:solidFill>
+              </a:ln>
+            </p:spPr>
+            <p:style>
+              <a:lnRef idx="2">
+                <a:schemeClr val="accent1">
+                  <a:shade val="50000"/>
+                </a:schemeClr>
+              </a:lnRef>
+              <a:fillRef idx="1">
+                <a:schemeClr val="accent1"/>
+              </a:fillRef>
+              <a:effectRef idx="0">
+                <a:schemeClr val="accent1"/>
+              </a:effectRef>
+              <a:fontRef idx="minor">
+                <a:schemeClr val="lt1"/>
+              </a:fontRef>
+            </p:style>
+            <p:txBody>
+              <a:bodyPr rtlCol="0" anchor="ctr"/>
+              <a:lstStyle/>
+              <a:p>
+                <a:pPr algn="ctr"/>
+                <a:endParaRPr kumimoji="1" lang="ja-JP" altLang="en-US"/>
+              </a:p>
+            </p:txBody>
+          </p:sp>
+          <p:sp>
+            <p:nvSpPr>
+              <p:cNvPr id="33" name="直方体 32">
+                <a:extLst>
+                  <a:ext uri="{FF2B5EF4-FFF2-40B4-BE49-F238E27FC236}">
+                    <a16:creationId xmlns:a16="http://schemas.microsoft.com/office/drawing/2014/main" id="{C2DEB239-6B17-4B9F-BC6A-790CAD938265}"/>
+                  </a:ext>
+                </a:extLst>
+              </p:cNvPr>
+              <p:cNvSpPr/>
+              <p:nvPr/>
+            </p:nvSpPr>
+            <p:spPr>
+              <a:xfrm>
+                <a:off x="782078" y="3110947"/>
+                <a:ext cx="7116417" cy="1500809"/>
+              </a:xfrm>
+              <a:prstGeom prst="cube">
+                <a:avLst>
+                  <a:gd name="adj" fmla="val 55464"/>
+                </a:avLst>
+              </a:prstGeom>
+              <a:solidFill>
+                <a:srgbClr val="FFFF99"/>
+              </a:solidFill>
+              <a:ln>
+                <a:solidFill>
+                  <a:schemeClr val="tx1"/>
+                </a:solidFill>
+              </a:ln>
+            </p:spPr>
+            <p:style>
+              <a:lnRef idx="2">
+                <a:schemeClr val="accent1">
+                  <a:shade val="50000"/>
+                </a:schemeClr>
+              </a:lnRef>
+              <a:fillRef idx="1">
+                <a:schemeClr val="accent1"/>
+              </a:fillRef>
+              <a:effectRef idx="0">
+                <a:schemeClr val="accent1"/>
+              </a:effectRef>
+              <a:fontRef idx="minor">
+                <a:schemeClr val="lt1"/>
+              </a:fontRef>
+            </p:style>
+            <p:txBody>
+              <a:bodyPr rtlCol="0" anchor="ctr"/>
+              <a:lstStyle/>
+              <a:p>
+                <a:pPr algn="ctr"/>
+                <a:endParaRPr kumimoji="1" lang="ja-JP" altLang="en-US" dirty="0"/>
+              </a:p>
+            </p:txBody>
+          </p:sp>
+          <p:cxnSp>
+            <p:nvCxnSpPr>
+              <p:cNvPr id="34" name="直線コネクタ 33">
+                <a:extLst>
+                  <a:ext uri="{FF2B5EF4-FFF2-40B4-BE49-F238E27FC236}">
+                    <a16:creationId xmlns:a16="http://schemas.microsoft.com/office/drawing/2014/main" id="{D69A44B4-DD23-4DB2-9048-E3BDF07B923A}"/>
+                  </a:ext>
+                </a:extLst>
+              </p:cNvPr>
+              <p:cNvCxnSpPr/>
+              <p:nvPr/>
+            </p:nvCxnSpPr>
+            <p:spPr>
+              <a:xfrm>
+                <a:off x="1616965" y="3110947"/>
+                <a:ext cx="0" cy="665921"/>
+              </a:xfrm>
+              <a:prstGeom prst="line">
+                <a:avLst/>
+              </a:prstGeom>
+              <a:ln>
+                <a:solidFill>
+                  <a:schemeClr val="tx1"/>
+                </a:solidFill>
+                <a:prstDash val="dash"/>
+              </a:ln>
+            </p:spPr>
+            <p:style>
+              <a:lnRef idx="1">
+                <a:schemeClr val="dk1"/>
+              </a:lnRef>
+              <a:fillRef idx="0">
+                <a:schemeClr val="dk1"/>
+              </a:fillRef>
+              <a:effectRef idx="0">
+                <a:schemeClr val="dk1"/>
+              </a:effectRef>
+              <a:fontRef idx="minor">
+                <a:schemeClr val="tx1"/>
+              </a:fontRef>
+            </p:style>
+          </p:cxnSp>
+          <p:cxnSp>
+            <p:nvCxnSpPr>
+              <p:cNvPr id="35" name="直線コネクタ 34">
+                <a:extLst>
+                  <a:ext uri="{FF2B5EF4-FFF2-40B4-BE49-F238E27FC236}">
+                    <a16:creationId xmlns:a16="http://schemas.microsoft.com/office/drawing/2014/main" id="{E619C060-7E00-41A9-AADC-D2E62E5B8B40}"/>
+                  </a:ext>
+                </a:extLst>
+              </p:cNvPr>
+              <p:cNvCxnSpPr/>
+              <p:nvPr/>
+            </p:nvCxnSpPr>
+            <p:spPr>
+              <a:xfrm>
+                <a:off x="1626904" y="5104331"/>
+                <a:ext cx="0" cy="665921"/>
+              </a:xfrm>
+              <a:prstGeom prst="line">
+                <a:avLst/>
+              </a:prstGeom>
+              <a:ln>
+                <a:solidFill>
+                  <a:schemeClr val="tx1"/>
+                </a:solidFill>
+                <a:prstDash val="dash"/>
+              </a:ln>
+            </p:spPr>
+            <p:style>
+              <a:lnRef idx="1">
+                <a:schemeClr val="dk1"/>
+              </a:lnRef>
+              <a:fillRef idx="0">
+                <a:schemeClr val="dk1"/>
+              </a:fillRef>
+              <a:effectRef idx="0">
+                <a:schemeClr val="dk1"/>
+              </a:effectRef>
+              <a:fontRef idx="minor">
+                <a:schemeClr val="tx1"/>
+              </a:fontRef>
+            </p:style>
+          </p:cxnSp>
+          <p:cxnSp>
+            <p:nvCxnSpPr>
+              <p:cNvPr id="36" name="直線コネクタ 35">
+                <a:extLst>
+                  <a:ext uri="{FF2B5EF4-FFF2-40B4-BE49-F238E27FC236}">
+                    <a16:creationId xmlns:a16="http://schemas.microsoft.com/office/drawing/2014/main" id="{8011718F-D262-4CFD-9A42-73BB2CF74767}"/>
+                  </a:ext>
+                </a:extLst>
+              </p:cNvPr>
+              <p:cNvCxnSpPr/>
+              <p:nvPr/>
+            </p:nvCxnSpPr>
+            <p:spPr>
+              <a:xfrm flipH="1">
+                <a:off x="782077" y="3776864"/>
+                <a:ext cx="834888" cy="824949"/>
+              </a:xfrm>
+              <a:prstGeom prst="line">
+                <a:avLst/>
+              </a:prstGeom>
+              <a:ln>
+                <a:prstDash val="dash"/>
+              </a:ln>
+            </p:spPr>
+            <p:style>
+              <a:lnRef idx="1">
+                <a:schemeClr val="dk1"/>
+              </a:lnRef>
+              <a:fillRef idx="0">
+                <a:schemeClr val="dk1"/>
+              </a:fillRef>
+              <a:effectRef idx="0">
+                <a:schemeClr val="dk1"/>
+              </a:effectRef>
+              <a:fontRef idx="minor">
+                <a:schemeClr val="tx1"/>
+              </a:fontRef>
+            </p:style>
+          </p:cxnSp>
+          <p:cxnSp>
+            <p:nvCxnSpPr>
+              <p:cNvPr id="37" name="直線コネクタ 36">
+                <a:extLst>
+                  <a:ext uri="{FF2B5EF4-FFF2-40B4-BE49-F238E27FC236}">
+                    <a16:creationId xmlns:a16="http://schemas.microsoft.com/office/drawing/2014/main" id="{560E8F62-C0D3-44D2-AB89-BC20228378BD}"/>
+                  </a:ext>
+                </a:extLst>
+              </p:cNvPr>
+              <p:cNvCxnSpPr/>
+              <p:nvPr/>
+            </p:nvCxnSpPr>
+            <p:spPr>
+              <a:xfrm flipH="1">
+                <a:off x="782077" y="5794504"/>
+                <a:ext cx="834888" cy="824949"/>
+              </a:xfrm>
+              <a:prstGeom prst="line">
+                <a:avLst/>
+              </a:prstGeom>
+              <a:ln>
+                <a:prstDash val="dash"/>
+              </a:ln>
+            </p:spPr>
+            <p:style>
+              <a:lnRef idx="1">
+                <a:schemeClr val="dk1"/>
+              </a:lnRef>
+              <a:fillRef idx="0">
+                <a:schemeClr val="dk1"/>
+              </a:fillRef>
+              <a:effectRef idx="0">
+                <a:schemeClr val="dk1"/>
+              </a:effectRef>
+              <a:fontRef idx="minor">
+                <a:schemeClr val="tx1"/>
+              </a:fontRef>
+            </p:style>
+          </p:cxnSp>
+          <p:cxnSp>
+            <p:nvCxnSpPr>
+              <p:cNvPr id="38" name="直線コネクタ 37">
+                <a:extLst>
+                  <a:ext uri="{FF2B5EF4-FFF2-40B4-BE49-F238E27FC236}">
+                    <a16:creationId xmlns:a16="http://schemas.microsoft.com/office/drawing/2014/main" id="{F2A8377D-34F0-4410-8FA0-C16C2B46A3B8}"/>
+                  </a:ext>
+                </a:extLst>
+              </p:cNvPr>
+              <p:cNvCxnSpPr/>
+              <p:nvPr/>
+            </p:nvCxnSpPr>
+            <p:spPr>
+              <a:xfrm>
+                <a:off x="1616965" y="3786808"/>
+                <a:ext cx="6281529" cy="0"/>
+              </a:xfrm>
+              <a:prstGeom prst="line">
+                <a:avLst/>
+              </a:prstGeom>
+              <a:ln>
+                <a:prstDash val="dash"/>
+              </a:ln>
+            </p:spPr>
+            <p:style>
+              <a:lnRef idx="1">
+                <a:schemeClr val="dk1"/>
+              </a:lnRef>
+              <a:fillRef idx="0">
+                <a:schemeClr val="dk1"/>
+              </a:fillRef>
+              <a:effectRef idx="0">
+                <a:schemeClr val="dk1"/>
+              </a:effectRef>
+              <a:fontRef idx="minor">
+                <a:schemeClr val="tx1"/>
+              </a:fontRef>
+            </p:style>
+          </p:cxnSp>
+          <p:cxnSp>
+            <p:nvCxnSpPr>
+              <p:cNvPr id="39" name="直線コネクタ 38">
+                <a:extLst>
+                  <a:ext uri="{FF2B5EF4-FFF2-40B4-BE49-F238E27FC236}">
+                    <a16:creationId xmlns:a16="http://schemas.microsoft.com/office/drawing/2014/main" id="{A4B5A8A5-80DA-4F0B-92A6-89D4670792BA}"/>
+                  </a:ext>
+                </a:extLst>
+              </p:cNvPr>
+              <p:cNvCxnSpPr/>
+              <p:nvPr/>
+            </p:nvCxnSpPr>
+            <p:spPr>
+              <a:xfrm>
+                <a:off x="1620280" y="5787888"/>
+                <a:ext cx="6281529" cy="0"/>
+              </a:xfrm>
+              <a:prstGeom prst="line">
+                <a:avLst/>
+              </a:prstGeom>
+              <a:ln>
+                <a:prstDash val="dash"/>
+              </a:ln>
+            </p:spPr>
+            <p:style>
+              <a:lnRef idx="1">
+                <a:schemeClr val="dk1"/>
+              </a:lnRef>
+              <a:fillRef idx="0">
+                <a:schemeClr val="dk1"/>
+              </a:fillRef>
+              <a:effectRef idx="0">
+                <a:schemeClr val="dk1"/>
+              </a:effectRef>
+              <a:fontRef idx="minor">
+                <a:schemeClr val="tx1"/>
+              </a:fontRef>
+            </p:style>
+          </p:cxnSp>
+          <p:cxnSp>
+            <p:nvCxnSpPr>
+              <p:cNvPr id="40" name="直線コネクタ 39">
+                <a:extLst>
+                  <a:ext uri="{FF2B5EF4-FFF2-40B4-BE49-F238E27FC236}">
+                    <a16:creationId xmlns:a16="http://schemas.microsoft.com/office/drawing/2014/main" id="{9E45532A-237A-4D22-8074-2ECC7F3CA2A9}"/>
+                  </a:ext>
+                </a:extLst>
+              </p:cNvPr>
+              <p:cNvCxnSpPr/>
+              <p:nvPr/>
+            </p:nvCxnSpPr>
+            <p:spPr>
+              <a:xfrm>
+                <a:off x="1626904" y="4607373"/>
+                <a:ext cx="0" cy="665921"/>
+              </a:xfrm>
+              <a:prstGeom prst="line">
+                <a:avLst/>
+              </a:prstGeom>
+              <a:ln>
+                <a:solidFill>
+                  <a:schemeClr val="tx1"/>
+                </a:solidFill>
+                <a:prstDash val="dash"/>
+              </a:ln>
+            </p:spPr>
+            <p:style>
+              <a:lnRef idx="1">
+                <a:schemeClr val="dk1"/>
+              </a:lnRef>
+              <a:fillRef idx="0">
+                <a:schemeClr val="dk1"/>
+              </a:fillRef>
+              <a:effectRef idx="0">
+                <a:schemeClr val="dk1"/>
+              </a:effectRef>
+              <a:fontRef idx="minor">
+                <a:schemeClr val="tx1"/>
+              </a:fontRef>
+            </p:style>
+          </p:cxnSp>
+        </p:grpSp>
+        <p:sp>
+          <p:nvSpPr>
+            <p:cNvPr id="41" name="楕円 40">
+              <a:extLst>
+                <a:ext uri="{FF2B5EF4-FFF2-40B4-BE49-F238E27FC236}">
+                  <a16:creationId xmlns:a16="http://schemas.microsoft.com/office/drawing/2014/main" id="{98368109-AAF7-493C-87BD-AD12BDAEB1C3}"/>
+                </a:ext>
+              </a:extLst>
+            </p:cNvPr>
+            <p:cNvSpPr/>
+            <p:nvPr/>
+          </p:nvSpPr>
+          <p:spPr>
+            <a:xfrm>
+              <a:off x="974472" y="1551753"/>
+              <a:ext cx="36000" cy="36000"/>
+            </a:xfrm>
+            <a:prstGeom prst="ellipse">
+              <a:avLst/>
+            </a:prstGeom>
+          </p:spPr>
+          <p:style>
+            <a:lnRef idx="2">
+              <a:schemeClr val="dk1">
+                <a:shade val="50000"/>
+              </a:schemeClr>
+            </a:lnRef>
+            <a:fillRef idx="1">
+              <a:schemeClr val="dk1"/>
+            </a:fillRef>
+            <a:effectRef idx="0">
+              <a:schemeClr val="dk1"/>
+            </a:effectRef>
+            <a:fontRef idx="minor">
+              <a:schemeClr val="lt1"/>
+            </a:fontRef>
+          </p:style>
+          <p:txBody>
+            <a:bodyPr rtlCol="0" anchor="ctr"/>
+            <a:lstStyle/>
+            <a:p>
+              <a:pPr algn="ctr"/>
+              <a:endParaRPr kumimoji="1" lang="ja-JP" altLang="en-US"/>
+            </a:p>
+          </p:txBody>
+        </p:sp>
+        <p:sp>
+          <p:nvSpPr>
+            <p:cNvPr id="42" name="楕円 41">
+              <a:extLst>
+                <a:ext uri="{FF2B5EF4-FFF2-40B4-BE49-F238E27FC236}">
+                  <a16:creationId xmlns:a16="http://schemas.microsoft.com/office/drawing/2014/main" id="{18461A8F-A537-416E-8F8B-8A04AFB9B59D}"/>
+                </a:ext>
+              </a:extLst>
+            </p:cNvPr>
+            <p:cNvSpPr/>
+            <p:nvPr/>
+          </p:nvSpPr>
+          <p:spPr>
+            <a:xfrm>
+              <a:off x="920472" y="1614516"/>
+              <a:ext cx="36000" cy="36000"/>
+            </a:xfrm>
+            <a:prstGeom prst="ellipse">
+              <a:avLst/>
+            </a:prstGeom>
+          </p:spPr>
+          <p:style>
+            <a:lnRef idx="2">
+              <a:schemeClr val="dk1">
+                <a:shade val="50000"/>
+              </a:schemeClr>
+            </a:lnRef>
+            <a:fillRef idx="1">
+              <a:schemeClr val="dk1"/>
+            </a:fillRef>
+            <a:effectRef idx="0">
+              <a:schemeClr val="dk1"/>
+            </a:effectRef>
+            <a:fontRef idx="minor">
+              <a:schemeClr val="lt1"/>
+            </a:fontRef>
+          </p:style>
+          <p:txBody>
+            <a:bodyPr rtlCol="0" anchor="ctr"/>
+            <a:lstStyle/>
+            <a:p>
+              <a:pPr algn="ctr"/>
+              <a:endParaRPr kumimoji="1" lang="ja-JP" altLang="en-US"/>
+            </a:p>
+          </p:txBody>
+        </p:sp>
+        <p:cxnSp>
+          <p:nvCxnSpPr>
+            <p:cNvPr id="50" name="直線コネクタ 49">
+              <a:extLst>
+                <a:ext uri="{FF2B5EF4-FFF2-40B4-BE49-F238E27FC236}">
+                  <a16:creationId xmlns:a16="http://schemas.microsoft.com/office/drawing/2014/main" id="{F9B8054E-8F12-41B0-9FAC-38C36594254F}"/>
+                </a:ext>
+              </a:extLst>
+            </p:cNvPr>
+            <p:cNvCxnSpPr>
+              <a:cxnSpLocks/>
+            </p:cNvCxnSpPr>
+            <p:nvPr/>
+          </p:nvCxnSpPr>
+          <p:spPr>
+            <a:xfrm flipH="1">
+              <a:off x="1001472" y="994668"/>
+              <a:ext cx="196200" cy="538055"/>
+            </a:xfrm>
+            <a:prstGeom prst="line">
+              <a:avLst/>
+            </a:prstGeom>
+          </p:spPr>
+          <p:style>
+            <a:lnRef idx="1">
+              <a:schemeClr val="dk1"/>
+            </a:lnRef>
+            <a:fillRef idx="0">
+              <a:schemeClr val="dk1"/>
+            </a:fillRef>
+            <a:effectRef idx="0">
+              <a:schemeClr val="dk1"/>
+            </a:effectRef>
+            <a:fontRef idx="minor">
+              <a:schemeClr val="tx1"/>
+            </a:fontRef>
+          </p:style>
+        </p:cxnSp>
+        <p:cxnSp>
+          <p:nvCxnSpPr>
+            <p:cNvPr id="52" name="直線矢印コネクタ 51">
+              <a:extLst>
+                <a:ext uri="{FF2B5EF4-FFF2-40B4-BE49-F238E27FC236}">
+                  <a16:creationId xmlns:a16="http://schemas.microsoft.com/office/drawing/2014/main" id="{02A21EAE-D99A-426B-BF99-3E10BF8D21E8}"/>
+                </a:ext>
+              </a:extLst>
+            </p:cNvPr>
+            <p:cNvCxnSpPr>
+              <a:cxnSpLocks/>
+            </p:cNvCxnSpPr>
+            <p:nvPr/>
+          </p:nvCxnSpPr>
+          <p:spPr>
+            <a:xfrm flipH="1">
+              <a:off x="395185" y="3254556"/>
+              <a:ext cx="109336" cy="388816"/>
+            </a:xfrm>
+            <a:prstGeom prst="straightConnector1">
+              <a:avLst/>
+            </a:prstGeom>
+            <a:ln>
+              <a:tailEnd type="triangle"/>
+            </a:ln>
+          </p:spPr>
+          <p:style>
+            <a:lnRef idx="1">
+              <a:schemeClr val="dk1"/>
+            </a:lnRef>
+            <a:fillRef idx="0">
+              <a:schemeClr val="dk1"/>
+            </a:fillRef>
+            <a:effectRef idx="0">
+              <a:schemeClr val="dk1"/>
+            </a:effectRef>
+            <a:fontRef idx="minor">
+              <a:schemeClr val="tx1"/>
+            </a:fontRef>
+          </p:style>
+        </p:cxnSp>
+        <p:sp>
+          <p:nvSpPr>
+            <p:cNvPr id="55" name="楕円 54">
+              <a:extLst>
+                <a:ext uri="{FF2B5EF4-FFF2-40B4-BE49-F238E27FC236}">
+                  <a16:creationId xmlns:a16="http://schemas.microsoft.com/office/drawing/2014/main" id="{79A60A2B-7061-402F-A720-8A26FBFFA27C}"/>
+                </a:ext>
+              </a:extLst>
+            </p:cNvPr>
+            <p:cNvSpPr/>
+            <p:nvPr/>
+          </p:nvSpPr>
+          <p:spPr>
+            <a:xfrm>
+              <a:off x="947472" y="1707752"/>
+              <a:ext cx="36000" cy="36000"/>
+            </a:xfrm>
+            <a:prstGeom prst="ellipse">
+              <a:avLst/>
+            </a:prstGeom>
+          </p:spPr>
+          <p:style>
+            <a:lnRef idx="2">
+              <a:schemeClr val="dk1">
+                <a:shade val="50000"/>
+              </a:schemeClr>
+            </a:lnRef>
+            <a:fillRef idx="1">
+              <a:schemeClr val="dk1"/>
+            </a:fillRef>
+            <a:effectRef idx="0">
+              <a:schemeClr val="dk1"/>
+            </a:effectRef>
+            <a:fontRef idx="minor">
+              <a:schemeClr val="lt1"/>
+            </a:fontRef>
+          </p:style>
+          <p:txBody>
+            <a:bodyPr rtlCol="0" anchor="ctr"/>
+            <a:lstStyle/>
+            <a:p>
+              <a:pPr algn="ctr"/>
+              <a:endParaRPr kumimoji="1" lang="ja-JP" altLang="en-US"/>
+            </a:p>
+          </p:txBody>
+        </p:sp>
+        <p:sp>
+          <p:nvSpPr>
+            <p:cNvPr id="56" name="楕円 55">
+              <a:extLst>
+                <a:ext uri="{FF2B5EF4-FFF2-40B4-BE49-F238E27FC236}">
+                  <a16:creationId xmlns:a16="http://schemas.microsoft.com/office/drawing/2014/main" id="{D1B59FDA-B530-442B-AF43-1EE78822ED49}"/>
+                </a:ext>
+              </a:extLst>
+            </p:cNvPr>
+            <p:cNvSpPr/>
+            <p:nvPr/>
+          </p:nvSpPr>
+          <p:spPr>
+            <a:xfrm>
+              <a:off x="898442" y="1781434"/>
+              <a:ext cx="36000" cy="36000"/>
+            </a:xfrm>
+            <a:prstGeom prst="ellipse">
+              <a:avLst/>
+            </a:prstGeom>
+          </p:spPr>
+          <p:style>
+            <a:lnRef idx="2">
+              <a:schemeClr val="dk1">
+                <a:shade val="50000"/>
+              </a:schemeClr>
+            </a:lnRef>
+            <a:fillRef idx="1">
+              <a:schemeClr val="dk1"/>
+            </a:fillRef>
+            <a:effectRef idx="0">
+              <a:schemeClr val="dk1"/>
+            </a:effectRef>
+            <a:fontRef idx="minor">
+              <a:schemeClr val="lt1"/>
+            </a:fontRef>
+          </p:style>
+          <p:txBody>
+            <a:bodyPr rtlCol="0" anchor="ctr"/>
+            <a:lstStyle/>
+            <a:p>
+              <a:pPr algn="ctr"/>
+              <a:endParaRPr kumimoji="1" lang="ja-JP" altLang="en-US"/>
+            </a:p>
+          </p:txBody>
+        </p:sp>
+        <p:sp>
+          <p:nvSpPr>
+            <p:cNvPr id="57" name="楕円 56">
+              <a:extLst>
+                <a:ext uri="{FF2B5EF4-FFF2-40B4-BE49-F238E27FC236}">
+                  <a16:creationId xmlns:a16="http://schemas.microsoft.com/office/drawing/2014/main" id="{ABE07B47-A961-4426-A7E9-F7FFF9716F5C}"/>
+                </a:ext>
+              </a:extLst>
+            </p:cNvPr>
+            <p:cNvSpPr/>
+            <p:nvPr/>
+          </p:nvSpPr>
+          <p:spPr>
+            <a:xfrm>
+              <a:off x="856533" y="1832958"/>
+              <a:ext cx="36000" cy="36000"/>
+            </a:xfrm>
+            <a:prstGeom prst="ellipse">
+              <a:avLst/>
+            </a:prstGeom>
+          </p:spPr>
+          <p:style>
+            <a:lnRef idx="2">
+              <a:schemeClr val="dk1">
+                <a:shade val="50000"/>
+              </a:schemeClr>
+            </a:lnRef>
+            <a:fillRef idx="1">
+              <a:schemeClr val="dk1"/>
+            </a:fillRef>
+            <a:effectRef idx="0">
+              <a:schemeClr val="dk1"/>
+            </a:effectRef>
+            <a:fontRef idx="minor">
+              <a:schemeClr val="lt1"/>
+            </a:fontRef>
+          </p:style>
+          <p:txBody>
+            <a:bodyPr rtlCol="0" anchor="ctr"/>
+            <a:lstStyle/>
+            <a:p>
+              <a:pPr algn="ctr"/>
+              <a:endParaRPr kumimoji="1" lang="ja-JP" altLang="en-US"/>
+            </a:p>
+          </p:txBody>
+        </p:sp>
+        <p:sp>
+          <p:nvSpPr>
+            <p:cNvPr id="58" name="楕円 57">
+              <a:extLst>
+                <a:ext uri="{FF2B5EF4-FFF2-40B4-BE49-F238E27FC236}">
+                  <a16:creationId xmlns:a16="http://schemas.microsoft.com/office/drawing/2014/main" id="{7F00979F-BF03-49B6-8B22-E1EDAA255A17}"/>
+                </a:ext>
+              </a:extLst>
+            </p:cNvPr>
+            <p:cNvSpPr/>
+            <p:nvPr/>
+          </p:nvSpPr>
+          <p:spPr>
+            <a:xfrm>
+              <a:off x="923628" y="1883763"/>
+              <a:ext cx="36000" cy="36000"/>
+            </a:xfrm>
+            <a:prstGeom prst="ellipse">
+              <a:avLst/>
+            </a:prstGeom>
+          </p:spPr>
+          <p:style>
+            <a:lnRef idx="2">
+              <a:schemeClr val="dk1">
+                <a:shade val="50000"/>
+              </a:schemeClr>
+            </a:lnRef>
+            <a:fillRef idx="1">
+              <a:schemeClr val="dk1"/>
+            </a:fillRef>
+            <a:effectRef idx="0">
+              <a:schemeClr val="dk1"/>
+            </a:effectRef>
+            <a:fontRef idx="minor">
+              <a:schemeClr val="lt1"/>
+            </a:fontRef>
+          </p:style>
+          <p:txBody>
+            <a:bodyPr rtlCol="0" anchor="ctr"/>
+            <a:lstStyle/>
+            <a:p>
+              <a:pPr algn="ctr"/>
+              <a:endParaRPr kumimoji="1" lang="ja-JP" altLang="en-US"/>
+            </a:p>
+          </p:txBody>
+        </p:sp>
+        <p:sp>
+          <p:nvSpPr>
+            <p:cNvPr id="59" name="楕円 58">
+              <a:extLst>
+                <a:ext uri="{FF2B5EF4-FFF2-40B4-BE49-F238E27FC236}">
+                  <a16:creationId xmlns:a16="http://schemas.microsoft.com/office/drawing/2014/main" id="{40C74E5F-AD43-413C-9C6F-9066269CC517}"/>
+                </a:ext>
+              </a:extLst>
+            </p:cNvPr>
+            <p:cNvSpPr/>
+            <p:nvPr/>
+          </p:nvSpPr>
+          <p:spPr>
+            <a:xfrm>
+              <a:off x="844442" y="1958799"/>
+              <a:ext cx="36000" cy="36000"/>
+            </a:xfrm>
+            <a:prstGeom prst="ellipse">
+              <a:avLst/>
+            </a:prstGeom>
+          </p:spPr>
+          <p:style>
+            <a:lnRef idx="2">
+              <a:schemeClr val="dk1">
+                <a:shade val="50000"/>
+              </a:schemeClr>
+            </a:lnRef>
+            <a:fillRef idx="1">
+              <a:schemeClr val="dk1"/>
+            </a:fillRef>
+            <a:effectRef idx="0">
+              <a:schemeClr val="dk1"/>
+            </a:effectRef>
+            <a:fontRef idx="minor">
+              <a:schemeClr val="lt1"/>
+            </a:fontRef>
+          </p:style>
+          <p:txBody>
+            <a:bodyPr rtlCol="0" anchor="ctr"/>
+            <a:lstStyle/>
+            <a:p>
+              <a:pPr algn="ctr"/>
+              <a:endParaRPr kumimoji="1" lang="ja-JP" altLang="en-US"/>
+            </a:p>
+          </p:txBody>
+        </p:sp>
+        <p:sp>
+          <p:nvSpPr>
+            <p:cNvPr id="60" name="楕円 59">
+              <a:extLst>
+                <a:ext uri="{FF2B5EF4-FFF2-40B4-BE49-F238E27FC236}">
+                  <a16:creationId xmlns:a16="http://schemas.microsoft.com/office/drawing/2014/main" id="{AF0F1FCB-5B29-4117-9124-B9F988D6524E}"/>
+                </a:ext>
+              </a:extLst>
+            </p:cNvPr>
+            <p:cNvSpPr/>
+            <p:nvPr/>
+          </p:nvSpPr>
+          <p:spPr>
+            <a:xfrm>
+              <a:off x="802533" y="2031867"/>
+              <a:ext cx="36000" cy="36000"/>
+            </a:xfrm>
+            <a:prstGeom prst="ellipse">
+              <a:avLst/>
+            </a:prstGeom>
+          </p:spPr>
+          <p:style>
+            <a:lnRef idx="2">
+              <a:schemeClr val="dk1">
+                <a:shade val="50000"/>
+              </a:schemeClr>
+            </a:lnRef>
+            <a:fillRef idx="1">
+              <a:schemeClr val="dk1"/>
+            </a:fillRef>
+            <a:effectRef idx="0">
+              <a:schemeClr val="dk1"/>
+            </a:effectRef>
+            <a:fontRef idx="minor">
+              <a:schemeClr val="lt1"/>
+            </a:fontRef>
+          </p:style>
+          <p:txBody>
+            <a:bodyPr rtlCol="0" anchor="ctr"/>
+            <a:lstStyle/>
+            <a:p>
+              <a:pPr algn="ctr"/>
+              <a:endParaRPr kumimoji="1" lang="ja-JP" altLang="en-US"/>
+            </a:p>
+          </p:txBody>
+        </p:sp>
+        <p:sp>
+          <p:nvSpPr>
+            <p:cNvPr id="61" name="楕円 60">
+              <a:extLst>
+                <a:ext uri="{FF2B5EF4-FFF2-40B4-BE49-F238E27FC236}">
+                  <a16:creationId xmlns:a16="http://schemas.microsoft.com/office/drawing/2014/main" id="{FFDDE1D3-9403-4539-9D2C-230B169A293F}"/>
+                </a:ext>
+              </a:extLst>
+            </p:cNvPr>
+            <p:cNvSpPr/>
+            <p:nvPr/>
+          </p:nvSpPr>
+          <p:spPr>
+            <a:xfrm>
+              <a:off x="827452" y="2084678"/>
+              <a:ext cx="36000" cy="36000"/>
+            </a:xfrm>
+            <a:prstGeom prst="ellipse">
+              <a:avLst/>
+            </a:prstGeom>
+          </p:spPr>
+          <p:style>
+            <a:lnRef idx="2">
+              <a:schemeClr val="dk1">
+                <a:shade val="50000"/>
+              </a:schemeClr>
+            </a:lnRef>
+            <a:fillRef idx="1">
+              <a:schemeClr val="dk1"/>
+            </a:fillRef>
+            <a:effectRef idx="0">
+              <a:schemeClr val="dk1"/>
+            </a:effectRef>
+            <a:fontRef idx="minor">
+              <a:schemeClr val="lt1"/>
+            </a:fontRef>
+          </p:style>
+          <p:txBody>
+            <a:bodyPr rtlCol="0" anchor="ctr"/>
+            <a:lstStyle/>
+            <a:p>
+              <a:pPr algn="ctr"/>
+              <a:endParaRPr kumimoji="1" lang="ja-JP" altLang="en-US"/>
+            </a:p>
+          </p:txBody>
+        </p:sp>
+        <p:sp>
+          <p:nvSpPr>
+            <p:cNvPr id="62" name="楕円 61">
+              <a:extLst>
+                <a:ext uri="{FF2B5EF4-FFF2-40B4-BE49-F238E27FC236}">
+                  <a16:creationId xmlns:a16="http://schemas.microsoft.com/office/drawing/2014/main" id="{E41BDF3C-6170-4FBB-94AF-1DB66272728E}"/>
+                </a:ext>
+              </a:extLst>
+            </p:cNvPr>
+            <p:cNvSpPr/>
+            <p:nvPr/>
+          </p:nvSpPr>
+          <p:spPr>
+            <a:xfrm>
+              <a:off x="638864" y="2704093"/>
+              <a:ext cx="36000" cy="36000"/>
+            </a:xfrm>
+            <a:prstGeom prst="ellipse">
+              <a:avLst/>
+            </a:prstGeom>
+          </p:spPr>
+          <p:style>
+            <a:lnRef idx="2">
+              <a:schemeClr val="dk1">
+                <a:shade val="50000"/>
+              </a:schemeClr>
+            </a:lnRef>
+            <a:fillRef idx="1">
+              <a:schemeClr val="dk1"/>
+            </a:fillRef>
+            <a:effectRef idx="0">
+              <a:schemeClr val="dk1"/>
+            </a:effectRef>
+            <a:fontRef idx="minor">
+              <a:schemeClr val="lt1"/>
+            </a:fontRef>
+          </p:style>
+          <p:txBody>
+            <a:bodyPr rtlCol="0" anchor="ctr"/>
+            <a:lstStyle/>
+            <a:p>
+              <a:pPr algn="ctr"/>
+              <a:endParaRPr kumimoji="1" lang="ja-JP" altLang="en-US"/>
+            </a:p>
+          </p:txBody>
+        </p:sp>
+        <p:sp>
+          <p:nvSpPr>
+            <p:cNvPr id="63" name="楕円 62">
+              <a:extLst>
+                <a:ext uri="{FF2B5EF4-FFF2-40B4-BE49-F238E27FC236}">
+                  <a16:creationId xmlns:a16="http://schemas.microsoft.com/office/drawing/2014/main" id="{52568589-03FE-4C17-BE68-99EC3349DF1B}"/>
+                </a:ext>
+              </a:extLst>
+            </p:cNvPr>
+            <p:cNvSpPr/>
+            <p:nvPr/>
+          </p:nvSpPr>
+          <p:spPr>
+            <a:xfrm>
+              <a:off x="665864" y="2797197"/>
+              <a:ext cx="36000" cy="36000"/>
+            </a:xfrm>
+            <a:prstGeom prst="ellipse">
+              <a:avLst/>
+            </a:prstGeom>
+          </p:spPr>
+          <p:style>
+            <a:lnRef idx="2">
+              <a:schemeClr val="dk1">
+                <a:shade val="50000"/>
+              </a:schemeClr>
+            </a:lnRef>
+            <a:fillRef idx="1">
+              <a:schemeClr val="dk1"/>
+            </a:fillRef>
+            <a:effectRef idx="0">
+              <a:schemeClr val="dk1"/>
+            </a:effectRef>
+            <a:fontRef idx="minor">
+              <a:schemeClr val="lt1"/>
+            </a:fontRef>
+          </p:style>
+          <p:txBody>
+            <a:bodyPr rtlCol="0" anchor="ctr"/>
+            <a:lstStyle/>
+            <a:p>
+              <a:pPr algn="ctr"/>
+              <a:endParaRPr kumimoji="1" lang="ja-JP" altLang="en-US"/>
+            </a:p>
+          </p:txBody>
+        </p:sp>
+        <p:sp>
+          <p:nvSpPr>
+            <p:cNvPr id="64" name="楕円 63">
+              <a:extLst>
+                <a:ext uri="{FF2B5EF4-FFF2-40B4-BE49-F238E27FC236}">
+                  <a16:creationId xmlns:a16="http://schemas.microsoft.com/office/drawing/2014/main" id="{D8D40697-B0DC-48AA-A824-C59CAA2800CC}"/>
+                </a:ext>
+              </a:extLst>
+            </p:cNvPr>
+            <p:cNvSpPr/>
+            <p:nvPr/>
+          </p:nvSpPr>
+          <p:spPr>
+            <a:xfrm>
+              <a:off x="603751" y="2850263"/>
+              <a:ext cx="36000" cy="36000"/>
+            </a:xfrm>
+            <a:prstGeom prst="ellipse">
+              <a:avLst/>
+            </a:prstGeom>
+          </p:spPr>
+          <p:style>
+            <a:lnRef idx="2">
+              <a:schemeClr val="dk1">
+                <a:shade val="50000"/>
+              </a:schemeClr>
+            </a:lnRef>
+            <a:fillRef idx="1">
+              <a:schemeClr val="dk1"/>
+            </a:fillRef>
+            <a:effectRef idx="0">
+              <a:schemeClr val="dk1"/>
+            </a:effectRef>
+            <a:fontRef idx="minor">
+              <a:schemeClr val="lt1"/>
+            </a:fontRef>
+          </p:style>
+          <p:txBody>
+            <a:bodyPr rtlCol="0" anchor="ctr"/>
+            <a:lstStyle/>
+            <a:p>
+              <a:pPr algn="ctr"/>
+              <a:endParaRPr kumimoji="1" lang="ja-JP" altLang="en-US"/>
+            </a:p>
+          </p:txBody>
+        </p:sp>
+        <p:sp>
+          <p:nvSpPr>
+            <p:cNvPr id="65" name="楕円 64">
+              <a:extLst>
+                <a:ext uri="{FF2B5EF4-FFF2-40B4-BE49-F238E27FC236}">
+                  <a16:creationId xmlns:a16="http://schemas.microsoft.com/office/drawing/2014/main" id="{C6549CF2-B2EC-49FF-AE27-5F3BF702F302}"/>
+                </a:ext>
+              </a:extLst>
+            </p:cNvPr>
+            <p:cNvSpPr/>
+            <p:nvPr/>
+          </p:nvSpPr>
+          <p:spPr>
+            <a:xfrm>
+              <a:off x="638864" y="2923447"/>
+              <a:ext cx="36000" cy="36000"/>
+            </a:xfrm>
+            <a:prstGeom prst="ellipse">
+              <a:avLst/>
+            </a:prstGeom>
+          </p:spPr>
+          <p:style>
+            <a:lnRef idx="2">
+              <a:schemeClr val="dk1">
+                <a:shade val="50000"/>
+              </a:schemeClr>
+            </a:lnRef>
+            <a:fillRef idx="1">
+              <a:schemeClr val="dk1"/>
+            </a:fillRef>
+            <a:effectRef idx="0">
+              <a:schemeClr val="dk1"/>
+            </a:effectRef>
+            <a:fontRef idx="minor">
+              <a:schemeClr val="lt1"/>
+            </a:fontRef>
+          </p:style>
+          <p:txBody>
+            <a:bodyPr rtlCol="0" anchor="ctr"/>
+            <a:lstStyle/>
+            <a:p>
+              <a:pPr algn="ctr"/>
+              <a:endParaRPr kumimoji="1" lang="ja-JP" altLang="en-US"/>
+            </a:p>
+          </p:txBody>
+        </p:sp>
+        <p:sp>
+          <p:nvSpPr>
+            <p:cNvPr id="66" name="楕円 65">
+              <a:extLst>
+                <a:ext uri="{FF2B5EF4-FFF2-40B4-BE49-F238E27FC236}">
+                  <a16:creationId xmlns:a16="http://schemas.microsoft.com/office/drawing/2014/main" id="{611CFCBA-7B7E-483F-AD20-35007D975B94}"/>
+                </a:ext>
+              </a:extLst>
+            </p:cNvPr>
+            <p:cNvSpPr/>
+            <p:nvPr/>
+          </p:nvSpPr>
+          <p:spPr>
+            <a:xfrm>
+              <a:off x="576751" y="2936912"/>
+              <a:ext cx="36000" cy="36000"/>
+            </a:xfrm>
+            <a:prstGeom prst="ellipse">
+              <a:avLst/>
+            </a:prstGeom>
+          </p:spPr>
+          <p:style>
+            <a:lnRef idx="2">
+              <a:schemeClr val="dk1">
+                <a:shade val="50000"/>
+              </a:schemeClr>
+            </a:lnRef>
+            <a:fillRef idx="1">
+              <a:schemeClr val="dk1"/>
+            </a:fillRef>
+            <a:effectRef idx="0">
+              <a:schemeClr val="dk1"/>
+            </a:effectRef>
+            <a:fontRef idx="minor">
+              <a:schemeClr val="lt1"/>
+            </a:fontRef>
+          </p:style>
+          <p:txBody>
+            <a:bodyPr rtlCol="0" anchor="ctr"/>
+            <a:lstStyle/>
+            <a:p>
+              <a:pPr algn="ctr"/>
+              <a:endParaRPr kumimoji="1" lang="ja-JP" altLang="en-US"/>
+            </a:p>
+          </p:txBody>
+        </p:sp>
+        <p:sp>
+          <p:nvSpPr>
+            <p:cNvPr id="67" name="楕円 66">
+              <a:extLst>
+                <a:ext uri="{FF2B5EF4-FFF2-40B4-BE49-F238E27FC236}">
+                  <a16:creationId xmlns:a16="http://schemas.microsoft.com/office/drawing/2014/main" id="{A28EDA11-8BDE-48C5-B802-C1AB378EEB7C}"/>
+                </a:ext>
+              </a:extLst>
+            </p:cNvPr>
+            <p:cNvSpPr/>
+            <p:nvPr/>
+          </p:nvSpPr>
+          <p:spPr>
+            <a:xfrm>
+              <a:off x="584864" y="3029752"/>
+              <a:ext cx="36000" cy="36000"/>
+            </a:xfrm>
+            <a:prstGeom prst="ellipse">
+              <a:avLst/>
+            </a:prstGeom>
+          </p:spPr>
+          <p:style>
+            <a:lnRef idx="2">
+              <a:schemeClr val="dk1">
+                <a:shade val="50000"/>
+              </a:schemeClr>
+            </a:lnRef>
+            <a:fillRef idx="1">
+              <a:schemeClr val="dk1"/>
+            </a:fillRef>
+            <a:effectRef idx="0">
+              <a:schemeClr val="dk1"/>
+            </a:effectRef>
+            <a:fontRef idx="minor">
+              <a:schemeClr val="lt1"/>
+            </a:fontRef>
+          </p:style>
+          <p:txBody>
+            <a:bodyPr rtlCol="0" anchor="ctr"/>
+            <a:lstStyle/>
+            <a:p>
+              <a:pPr algn="ctr"/>
+              <a:endParaRPr kumimoji="1" lang="ja-JP" altLang="en-US"/>
+            </a:p>
+          </p:txBody>
+        </p:sp>
+        <p:sp>
+          <p:nvSpPr>
+            <p:cNvPr id="68" name="楕円 67">
+              <a:extLst>
+                <a:ext uri="{FF2B5EF4-FFF2-40B4-BE49-F238E27FC236}">
+                  <a16:creationId xmlns:a16="http://schemas.microsoft.com/office/drawing/2014/main" id="{BCEBC1CC-8AFF-4590-813D-A5549230CA93}"/>
+                </a:ext>
+              </a:extLst>
+            </p:cNvPr>
+            <p:cNvSpPr/>
+            <p:nvPr/>
+          </p:nvSpPr>
+          <p:spPr>
+            <a:xfrm>
+              <a:off x="522751" y="3082771"/>
+              <a:ext cx="36000" cy="36000"/>
+            </a:xfrm>
+            <a:prstGeom prst="ellipse">
+              <a:avLst/>
+            </a:prstGeom>
+          </p:spPr>
+          <p:style>
+            <a:lnRef idx="2">
+              <a:schemeClr val="dk1">
+                <a:shade val="50000"/>
+              </a:schemeClr>
+            </a:lnRef>
+            <a:fillRef idx="1">
+              <a:schemeClr val="dk1"/>
+            </a:fillRef>
+            <a:effectRef idx="0">
+              <a:schemeClr val="dk1"/>
+            </a:effectRef>
+            <a:fontRef idx="minor">
+              <a:schemeClr val="lt1"/>
+            </a:fontRef>
+          </p:style>
+          <p:txBody>
+            <a:bodyPr rtlCol="0" anchor="ctr"/>
+            <a:lstStyle/>
+            <a:p>
+              <a:pPr algn="ctr"/>
+              <a:endParaRPr kumimoji="1" lang="ja-JP" altLang="en-US"/>
+            </a:p>
+          </p:txBody>
+        </p:sp>
+        <p:sp>
+          <p:nvSpPr>
+            <p:cNvPr id="69" name="楕円 68">
+              <a:extLst>
+                <a:ext uri="{FF2B5EF4-FFF2-40B4-BE49-F238E27FC236}">
+                  <a16:creationId xmlns:a16="http://schemas.microsoft.com/office/drawing/2014/main" id="{D0F3DCDC-573C-4F1B-819E-482B2BA195AC}"/>
+                </a:ext>
+              </a:extLst>
+            </p:cNvPr>
+            <p:cNvSpPr/>
+            <p:nvPr/>
+          </p:nvSpPr>
+          <p:spPr>
+            <a:xfrm>
+              <a:off x="522751" y="3175568"/>
+              <a:ext cx="36000" cy="36000"/>
+            </a:xfrm>
+            <a:prstGeom prst="ellipse">
+              <a:avLst/>
+            </a:prstGeom>
+          </p:spPr>
+          <p:style>
+            <a:lnRef idx="2">
+              <a:schemeClr val="dk1">
+                <a:shade val="50000"/>
+              </a:schemeClr>
+            </a:lnRef>
+            <a:fillRef idx="1">
+              <a:schemeClr val="dk1"/>
+            </a:fillRef>
+            <a:effectRef idx="0">
+              <a:schemeClr val="dk1"/>
+            </a:effectRef>
+            <a:fontRef idx="minor">
+              <a:schemeClr val="lt1"/>
+            </a:fontRef>
+          </p:style>
+          <p:txBody>
+            <a:bodyPr rtlCol="0" anchor="ctr"/>
+            <a:lstStyle/>
+            <a:p>
+              <a:pPr algn="ctr"/>
+              <a:endParaRPr kumimoji="1" lang="ja-JP" altLang="en-US"/>
+            </a:p>
+          </p:txBody>
+        </p:sp>
+        <p:sp>
+          <p:nvSpPr>
+            <p:cNvPr id="70" name="楕円 69">
+              <a:extLst>
+                <a:ext uri="{FF2B5EF4-FFF2-40B4-BE49-F238E27FC236}">
+                  <a16:creationId xmlns:a16="http://schemas.microsoft.com/office/drawing/2014/main" id="{63B5B0BC-F669-49DA-B8AD-E09019E43A0A}"/>
+                </a:ext>
+              </a:extLst>
+            </p:cNvPr>
+            <p:cNvSpPr/>
+            <p:nvPr/>
+          </p:nvSpPr>
+          <p:spPr>
+            <a:xfrm>
+              <a:off x="1988334" y="1588472"/>
+              <a:ext cx="36000" cy="36000"/>
+            </a:xfrm>
+            <a:prstGeom prst="ellipse">
+              <a:avLst/>
+            </a:prstGeom>
+          </p:spPr>
+          <p:style>
+            <a:lnRef idx="2">
+              <a:schemeClr val="dk1">
+                <a:shade val="50000"/>
+              </a:schemeClr>
+            </a:lnRef>
+            <a:fillRef idx="1">
+              <a:schemeClr val="dk1"/>
+            </a:fillRef>
+            <a:effectRef idx="0">
+              <a:schemeClr val="dk1"/>
+            </a:effectRef>
+            <a:fontRef idx="minor">
+              <a:schemeClr val="lt1"/>
+            </a:fontRef>
+          </p:style>
+          <p:txBody>
+            <a:bodyPr rtlCol="0" anchor="ctr"/>
+            <a:lstStyle/>
+            <a:p>
+              <a:pPr algn="ctr"/>
+              <a:endParaRPr kumimoji="1" lang="ja-JP" altLang="en-US"/>
+            </a:p>
+          </p:txBody>
+        </p:sp>
+        <p:sp>
+          <p:nvSpPr>
+            <p:cNvPr id="71" name="楕円 70">
+              <a:extLst>
+                <a:ext uri="{FF2B5EF4-FFF2-40B4-BE49-F238E27FC236}">
+                  <a16:creationId xmlns:a16="http://schemas.microsoft.com/office/drawing/2014/main" id="{F0642B46-1A50-42CD-819A-6EA9F236538E}"/>
+                </a:ext>
+              </a:extLst>
+            </p:cNvPr>
+            <p:cNvSpPr/>
+            <p:nvPr/>
+          </p:nvSpPr>
+          <p:spPr>
+            <a:xfrm>
+              <a:off x="2069709" y="1671154"/>
+              <a:ext cx="36000" cy="36000"/>
+            </a:xfrm>
+            <a:prstGeom prst="ellipse">
+              <a:avLst/>
+            </a:prstGeom>
+          </p:spPr>
+          <p:style>
+            <a:lnRef idx="2">
+              <a:schemeClr val="dk1">
+                <a:shade val="50000"/>
+              </a:schemeClr>
+            </a:lnRef>
+            <a:fillRef idx="1">
+              <a:schemeClr val="dk1"/>
+            </a:fillRef>
+            <a:effectRef idx="0">
+              <a:schemeClr val="dk1"/>
+            </a:effectRef>
+            <a:fontRef idx="minor">
+              <a:schemeClr val="lt1"/>
+            </a:fontRef>
+          </p:style>
+          <p:txBody>
+            <a:bodyPr rtlCol="0" anchor="ctr"/>
+            <a:lstStyle/>
+            <a:p>
+              <a:pPr algn="ctr"/>
+              <a:endParaRPr kumimoji="1" lang="ja-JP" altLang="en-US"/>
+            </a:p>
+          </p:txBody>
+        </p:sp>
+        <p:sp>
+          <p:nvSpPr>
+            <p:cNvPr id="72" name="楕円 71">
+              <a:extLst>
+                <a:ext uri="{FF2B5EF4-FFF2-40B4-BE49-F238E27FC236}">
+                  <a16:creationId xmlns:a16="http://schemas.microsoft.com/office/drawing/2014/main" id="{4129A01A-41BF-4EAF-9787-41EC0373F8AD}"/>
+                </a:ext>
+              </a:extLst>
+            </p:cNvPr>
+            <p:cNvSpPr/>
+            <p:nvPr/>
+          </p:nvSpPr>
+          <p:spPr>
+            <a:xfrm>
+              <a:off x="2020679" y="1803863"/>
+              <a:ext cx="36000" cy="36000"/>
+            </a:xfrm>
+            <a:prstGeom prst="ellipse">
+              <a:avLst/>
+            </a:prstGeom>
+          </p:spPr>
+          <p:style>
+            <a:lnRef idx="2">
+              <a:schemeClr val="dk1">
+                <a:shade val="50000"/>
+              </a:schemeClr>
+            </a:lnRef>
+            <a:fillRef idx="1">
+              <a:schemeClr val="dk1"/>
+            </a:fillRef>
+            <a:effectRef idx="0">
+              <a:schemeClr val="dk1"/>
+            </a:effectRef>
+            <a:fontRef idx="minor">
+              <a:schemeClr val="lt1"/>
+            </a:fontRef>
+          </p:style>
+          <p:txBody>
+            <a:bodyPr rtlCol="0" anchor="ctr"/>
+            <a:lstStyle/>
+            <a:p>
+              <a:pPr algn="ctr"/>
+              <a:endParaRPr kumimoji="1" lang="ja-JP" altLang="en-US"/>
+            </a:p>
+          </p:txBody>
+        </p:sp>
+        <p:sp>
+          <p:nvSpPr>
+            <p:cNvPr id="73" name="楕円 72">
+              <a:extLst>
+                <a:ext uri="{FF2B5EF4-FFF2-40B4-BE49-F238E27FC236}">
+                  <a16:creationId xmlns:a16="http://schemas.microsoft.com/office/drawing/2014/main" id="{7D63F6DC-C870-46C5-A80B-975BCC5BF92F}"/>
+                </a:ext>
+              </a:extLst>
+            </p:cNvPr>
+            <p:cNvSpPr/>
+            <p:nvPr/>
+          </p:nvSpPr>
+          <p:spPr>
+            <a:xfrm>
+              <a:off x="2081339" y="1747144"/>
+              <a:ext cx="36000" cy="36000"/>
+            </a:xfrm>
+            <a:prstGeom prst="ellipse">
+              <a:avLst/>
+            </a:prstGeom>
+          </p:spPr>
+          <p:style>
+            <a:lnRef idx="2">
+              <a:schemeClr val="dk1">
+                <a:shade val="50000"/>
+              </a:schemeClr>
+            </a:lnRef>
+            <a:fillRef idx="1">
+              <a:schemeClr val="dk1"/>
+            </a:fillRef>
+            <a:effectRef idx="0">
+              <a:schemeClr val="dk1"/>
+            </a:effectRef>
+            <a:fontRef idx="minor">
+              <a:schemeClr val="lt1"/>
+            </a:fontRef>
+          </p:style>
+          <p:txBody>
+            <a:bodyPr rtlCol="0" anchor="ctr"/>
+            <a:lstStyle/>
+            <a:p>
+              <a:pPr algn="ctr"/>
+              <a:endParaRPr kumimoji="1" lang="ja-JP" altLang="en-US"/>
+            </a:p>
+          </p:txBody>
+        </p:sp>
+        <p:sp>
+          <p:nvSpPr>
+            <p:cNvPr id="74" name="楕円 73">
+              <a:extLst>
+                <a:ext uri="{FF2B5EF4-FFF2-40B4-BE49-F238E27FC236}">
+                  <a16:creationId xmlns:a16="http://schemas.microsoft.com/office/drawing/2014/main" id="{65A6D633-94DF-4D16-96AD-862E604AFFE1}"/>
+                </a:ext>
+              </a:extLst>
+            </p:cNvPr>
+            <p:cNvSpPr/>
+            <p:nvPr/>
+          </p:nvSpPr>
+          <p:spPr>
+            <a:xfrm>
+              <a:off x="2079152" y="1879853"/>
+              <a:ext cx="36000" cy="36000"/>
+            </a:xfrm>
+            <a:prstGeom prst="ellipse">
+              <a:avLst/>
+            </a:prstGeom>
+          </p:spPr>
+          <p:style>
+            <a:lnRef idx="2">
+              <a:schemeClr val="dk1">
+                <a:shade val="50000"/>
+              </a:schemeClr>
+            </a:lnRef>
+            <a:fillRef idx="1">
+              <a:schemeClr val="dk1"/>
+            </a:fillRef>
+            <a:effectRef idx="0">
+              <a:schemeClr val="dk1"/>
+            </a:effectRef>
+            <a:fontRef idx="minor">
+              <a:schemeClr val="lt1"/>
+            </a:fontRef>
+          </p:style>
+          <p:txBody>
+            <a:bodyPr rtlCol="0" anchor="ctr"/>
+            <a:lstStyle/>
+            <a:p>
+              <a:pPr algn="ctr"/>
+              <a:endParaRPr kumimoji="1" lang="ja-JP" altLang="en-US"/>
+            </a:p>
+          </p:txBody>
+        </p:sp>
+        <p:sp>
+          <p:nvSpPr>
+            <p:cNvPr id="75" name="楕円 74">
+              <a:extLst>
+                <a:ext uri="{FF2B5EF4-FFF2-40B4-BE49-F238E27FC236}">
+                  <a16:creationId xmlns:a16="http://schemas.microsoft.com/office/drawing/2014/main" id="{33F16190-403A-4827-BE2F-F322A420F392}"/>
+                </a:ext>
+              </a:extLst>
+            </p:cNvPr>
+            <p:cNvSpPr/>
+            <p:nvPr/>
+          </p:nvSpPr>
+          <p:spPr>
+            <a:xfrm>
+              <a:off x="2035809" y="1932946"/>
+              <a:ext cx="36000" cy="36000"/>
+            </a:xfrm>
+            <a:prstGeom prst="ellipse">
+              <a:avLst/>
+            </a:prstGeom>
+          </p:spPr>
+          <p:style>
+            <a:lnRef idx="2">
+              <a:schemeClr val="dk1">
+                <a:shade val="50000"/>
+              </a:schemeClr>
+            </a:lnRef>
+            <a:fillRef idx="1">
+              <a:schemeClr val="dk1"/>
+            </a:fillRef>
+            <a:effectRef idx="0">
+              <a:schemeClr val="dk1"/>
+            </a:effectRef>
+            <a:fontRef idx="minor">
+              <a:schemeClr val="lt1"/>
+            </a:fontRef>
+          </p:style>
+          <p:txBody>
+            <a:bodyPr rtlCol="0" anchor="ctr"/>
+            <a:lstStyle/>
+            <a:p>
+              <a:pPr algn="ctr"/>
+              <a:endParaRPr kumimoji="1" lang="ja-JP" altLang="en-US"/>
+            </a:p>
+          </p:txBody>
+        </p:sp>
+        <p:sp>
+          <p:nvSpPr>
+            <p:cNvPr id="76" name="楕円 75">
+              <a:extLst>
+                <a:ext uri="{FF2B5EF4-FFF2-40B4-BE49-F238E27FC236}">
+                  <a16:creationId xmlns:a16="http://schemas.microsoft.com/office/drawing/2014/main" id="{37F5D0A3-9BD3-4881-BDE6-00CE854CE84C}"/>
+                </a:ext>
+              </a:extLst>
+            </p:cNvPr>
+            <p:cNvSpPr/>
+            <p:nvPr/>
+          </p:nvSpPr>
+          <p:spPr>
+            <a:xfrm>
+              <a:off x="2106152" y="1996011"/>
+              <a:ext cx="36000" cy="36000"/>
+            </a:xfrm>
+            <a:prstGeom prst="ellipse">
+              <a:avLst/>
+            </a:prstGeom>
+          </p:spPr>
+          <p:style>
+            <a:lnRef idx="2">
+              <a:schemeClr val="dk1">
+                <a:shade val="50000"/>
+              </a:schemeClr>
+            </a:lnRef>
+            <a:fillRef idx="1">
+              <a:schemeClr val="dk1"/>
+            </a:fillRef>
+            <a:effectRef idx="0">
+              <a:schemeClr val="dk1"/>
+            </a:effectRef>
+            <a:fontRef idx="minor">
+              <a:schemeClr val="lt1"/>
+            </a:fontRef>
+          </p:style>
+          <p:txBody>
+            <a:bodyPr rtlCol="0" anchor="ctr"/>
+            <a:lstStyle/>
+            <a:p>
+              <a:pPr algn="ctr"/>
+              <a:endParaRPr kumimoji="1" lang="ja-JP" altLang="en-US"/>
+            </a:p>
+          </p:txBody>
+        </p:sp>
+        <p:sp>
+          <p:nvSpPr>
+            <p:cNvPr id="77" name="楕円 76">
+              <a:extLst>
+                <a:ext uri="{FF2B5EF4-FFF2-40B4-BE49-F238E27FC236}">
+                  <a16:creationId xmlns:a16="http://schemas.microsoft.com/office/drawing/2014/main" id="{EB9F719F-645E-4C22-8626-9B9807A175D3}"/>
+                </a:ext>
+              </a:extLst>
+            </p:cNvPr>
+            <p:cNvSpPr/>
+            <p:nvPr/>
+          </p:nvSpPr>
+          <p:spPr>
+            <a:xfrm>
+              <a:off x="2042334" y="2049906"/>
+              <a:ext cx="36000" cy="36000"/>
+            </a:xfrm>
+            <a:prstGeom prst="ellipse">
+              <a:avLst/>
+            </a:prstGeom>
+          </p:spPr>
+          <p:style>
+            <a:lnRef idx="2">
+              <a:schemeClr val="dk1">
+                <a:shade val="50000"/>
+              </a:schemeClr>
+            </a:lnRef>
+            <a:fillRef idx="1">
+              <a:schemeClr val="dk1"/>
+            </a:fillRef>
+            <a:effectRef idx="0">
+              <a:schemeClr val="dk1"/>
+            </a:effectRef>
+            <a:fontRef idx="minor">
+              <a:schemeClr val="lt1"/>
+            </a:fontRef>
+          </p:style>
+          <p:txBody>
+            <a:bodyPr rtlCol="0" anchor="ctr"/>
+            <a:lstStyle/>
+            <a:p>
+              <a:pPr algn="ctr"/>
+              <a:endParaRPr kumimoji="1" lang="ja-JP" altLang="en-US"/>
+            </a:p>
+          </p:txBody>
+        </p:sp>
+        <p:sp>
+          <p:nvSpPr>
+            <p:cNvPr id="78" name="楕円 77">
+              <a:extLst>
+                <a:ext uri="{FF2B5EF4-FFF2-40B4-BE49-F238E27FC236}">
+                  <a16:creationId xmlns:a16="http://schemas.microsoft.com/office/drawing/2014/main" id="{73989439-DD9B-4B0E-A422-687708B5F383}"/>
+                </a:ext>
+              </a:extLst>
+            </p:cNvPr>
+            <p:cNvSpPr/>
+            <p:nvPr/>
+          </p:nvSpPr>
+          <p:spPr>
+            <a:xfrm>
+              <a:off x="2160152" y="2717073"/>
+              <a:ext cx="36000" cy="36000"/>
+            </a:xfrm>
+            <a:prstGeom prst="ellipse">
+              <a:avLst/>
+            </a:prstGeom>
+          </p:spPr>
+          <p:style>
+            <a:lnRef idx="2">
+              <a:schemeClr val="dk1">
+                <a:shade val="50000"/>
+              </a:schemeClr>
+            </a:lnRef>
+            <a:fillRef idx="1">
+              <a:schemeClr val="dk1"/>
+            </a:fillRef>
+            <a:effectRef idx="0">
+              <a:schemeClr val="dk1"/>
+            </a:effectRef>
+            <a:fontRef idx="minor">
+              <a:schemeClr val="lt1"/>
+            </a:fontRef>
+          </p:style>
+          <p:txBody>
+            <a:bodyPr rtlCol="0" anchor="ctr"/>
+            <a:lstStyle/>
+            <a:p>
+              <a:pPr algn="ctr"/>
+              <a:endParaRPr kumimoji="1" lang="ja-JP" altLang="en-US"/>
+            </a:p>
+          </p:txBody>
+        </p:sp>
+        <p:cxnSp>
+          <p:nvCxnSpPr>
+            <p:cNvPr id="81" name="直線コネクタ 80">
+              <a:extLst>
+                <a:ext uri="{FF2B5EF4-FFF2-40B4-BE49-F238E27FC236}">
+                  <a16:creationId xmlns:a16="http://schemas.microsoft.com/office/drawing/2014/main" id="{24B7617B-7DE2-4E0F-B63F-7E09E2F84781}"/>
+                </a:ext>
+              </a:extLst>
+            </p:cNvPr>
+            <p:cNvCxnSpPr>
+              <a:cxnSpLocks/>
+            </p:cNvCxnSpPr>
+            <p:nvPr/>
+          </p:nvCxnSpPr>
+          <p:spPr>
+            <a:xfrm>
+              <a:off x="1925811" y="1107231"/>
+              <a:ext cx="109998" cy="475343"/>
+            </a:xfrm>
+            <a:prstGeom prst="line">
+              <a:avLst/>
+            </a:prstGeom>
+          </p:spPr>
+          <p:style>
+            <a:lnRef idx="1">
+              <a:schemeClr val="dk1"/>
+            </a:lnRef>
+            <a:fillRef idx="0">
+              <a:schemeClr val="dk1"/>
+            </a:fillRef>
+            <a:effectRef idx="0">
+              <a:schemeClr val="dk1"/>
+            </a:effectRef>
+            <a:fontRef idx="minor">
+              <a:schemeClr val="tx1"/>
+            </a:fontRef>
+          </p:style>
+        </p:cxnSp>
+        <p:cxnSp>
+          <p:nvCxnSpPr>
+            <p:cNvPr id="83" name="直線矢印コネクタ 82">
+              <a:extLst>
+                <a:ext uri="{FF2B5EF4-FFF2-40B4-BE49-F238E27FC236}">
+                  <a16:creationId xmlns:a16="http://schemas.microsoft.com/office/drawing/2014/main" id="{B5C42CB2-73CC-4B7F-8006-FF50FA07AA32}"/>
+                </a:ext>
+              </a:extLst>
+            </p:cNvPr>
+            <p:cNvCxnSpPr>
+              <a:cxnSpLocks/>
+            </p:cNvCxnSpPr>
+            <p:nvPr/>
+          </p:nvCxnSpPr>
+          <p:spPr>
+            <a:xfrm>
+              <a:off x="2241122" y="3248281"/>
+              <a:ext cx="102132" cy="385901"/>
+            </a:xfrm>
+            <a:prstGeom prst="straightConnector1">
+              <a:avLst/>
+            </a:prstGeom>
+            <a:ln>
+              <a:tailEnd type="triangle"/>
+            </a:ln>
+          </p:spPr>
+          <p:style>
+            <a:lnRef idx="1">
+              <a:schemeClr val="dk1"/>
+            </a:lnRef>
+            <a:fillRef idx="0">
+              <a:schemeClr val="dk1"/>
+            </a:fillRef>
+            <a:effectRef idx="0">
+              <a:schemeClr val="dk1"/>
+            </a:effectRef>
+            <a:fontRef idx="minor">
+              <a:schemeClr val="tx1"/>
+            </a:fontRef>
+          </p:style>
+        </p:cxnSp>
+        <p:sp>
+          <p:nvSpPr>
+            <p:cNvPr id="85" name="楕円 84">
+              <a:extLst>
+                <a:ext uri="{FF2B5EF4-FFF2-40B4-BE49-F238E27FC236}">
+                  <a16:creationId xmlns:a16="http://schemas.microsoft.com/office/drawing/2014/main" id="{075F444A-69F7-4D06-ABB9-C399EB8FACBC}"/>
+                </a:ext>
+              </a:extLst>
+            </p:cNvPr>
+            <p:cNvSpPr/>
+            <p:nvPr/>
+          </p:nvSpPr>
+          <p:spPr>
+            <a:xfrm>
+              <a:off x="2133152" y="2790450"/>
+              <a:ext cx="36000" cy="36000"/>
+            </a:xfrm>
+            <a:prstGeom prst="ellipse">
+              <a:avLst/>
+            </a:prstGeom>
+          </p:spPr>
+          <p:style>
+            <a:lnRef idx="2">
+              <a:schemeClr val="dk1">
+                <a:shade val="50000"/>
+              </a:schemeClr>
+            </a:lnRef>
+            <a:fillRef idx="1">
+              <a:schemeClr val="dk1"/>
+            </a:fillRef>
+            <a:effectRef idx="0">
+              <a:schemeClr val="dk1"/>
+            </a:effectRef>
+            <a:fontRef idx="minor">
+              <a:schemeClr val="lt1"/>
+            </a:fontRef>
+          </p:style>
+          <p:txBody>
+            <a:bodyPr rtlCol="0" anchor="ctr"/>
+            <a:lstStyle/>
+            <a:p>
+              <a:pPr algn="ctr"/>
+              <a:endParaRPr kumimoji="1" lang="ja-JP" altLang="en-US"/>
+            </a:p>
+          </p:txBody>
+        </p:sp>
+        <p:sp>
+          <p:nvSpPr>
+            <p:cNvPr id="86" name="楕円 85">
+              <a:extLst>
+                <a:ext uri="{FF2B5EF4-FFF2-40B4-BE49-F238E27FC236}">
+                  <a16:creationId xmlns:a16="http://schemas.microsoft.com/office/drawing/2014/main" id="{0608C919-D6A1-461E-B35F-AB3AF02A75BE}"/>
+                </a:ext>
+              </a:extLst>
+            </p:cNvPr>
+            <p:cNvSpPr/>
+            <p:nvPr/>
+          </p:nvSpPr>
+          <p:spPr>
+            <a:xfrm>
+              <a:off x="2187152" y="2833938"/>
+              <a:ext cx="36000" cy="36000"/>
+            </a:xfrm>
+            <a:prstGeom prst="ellipse">
+              <a:avLst/>
+            </a:prstGeom>
+          </p:spPr>
+          <p:style>
+            <a:lnRef idx="2">
+              <a:schemeClr val="dk1">
+                <a:shade val="50000"/>
+              </a:schemeClr>
+            </a:lnRef>
+            <a:fillRef idx="1">
+              <a:schemeClr val="dk1"/>
+            </a:fillRef>
+            <a:effectRef idx="0">
+              <a:schemeClr val="dk1"/>
+            </a:effectRef>
+            <a:fontRef idx="minor">
+              <a:schemeClr val="lt1"/>
+            </a:fontRef>
+          </p:style>
+          <p:txBody>
+            <a:bodyPr rtlCol="0" anchor="ctr"/>
+            <a:lstStyle/>
+            <a:p>
+              <a:pPr algn="ctr"/>
+              <a:endParaRPr kumimoji="1" lang="ja-JP" altLang="en-US"/>
+            </a:p>
+          </p:txBody>
+        </p:sp>
+        <p:sp>
+          <p:nvSpPr>
+            <p:cNvPr id="87" name="楕円 86">
+              <a:extLst>
+                <a:ext uri="{FF2B5EF4-FFF2-40B4-BE49-F238E27FC236}">
+                  <a16:creationId xmlns:a16="http://schemas.microsoft.com/office/drawing/2014/main" id="{AD65057F-6A10-451C-8C4B-75B68EEDAB2D}"/>
+                </a:ext>
+              </a:extLst>
+            </p:cNvPr>
+            <p:cNvSpPr/>
+            <p:nvPr/>
+          </p:nvSpPr>
+          <p:spPr>
+            <a:xfrm>
+              <a:off x="2160152" y="2908131"/>
+              <a:ext cx="36000" cy="36000"/>
+            </a:xfrm>
+            <a:prstGeom prst="ellipse">
+              <a:avLst/>
+            </a:prstGeom>
+          </p:spPr>
+          <p:style>
+            <a:lnRef idx="2">
+              <a:schemeClr val="dk1">
+                <a:shade val="50000"/>
+              </a:schemeClr>
+            </a:lnRef>
+            <a:fillRef idx="1">
+              <a:schemeClr val="dk1"/>
+            </a:fillRef>
+            <a:effectRef idx="0">
+              <a:schemeClr val="dk1"/>
+            </a:effectRef>
+            <a:fontRef idx="minor">
+              <a:schemeClr val="lt1"/>
+            </a:fontRef>
+          </p:style>
+          <p:txBody>
+            <a:bodyPr rtlCol="0" anchor="ctr"/>
+            <a:lstStyle/>
+            <a:p>
+              <a:pPr algn="ctr"/>
+              <a:endParaRPr kumimoji="1" lang="ja-JP" altLang="en-US"/>
+            </a:p>
+          </p:txBody>
+        </p:sp>
+        <p:sp>
+          <p:nvSpPr>
+            <p:cNvPr id="88" name="楕円 87">
+              <a:extLst>
+                <a:ext uri="{FF2B5EF4-FFF2-40B4-BE49-F238E27FC236}">
+                  <a16:creationId xmlns:a16="http://schemas.microsoft.com/office/drawing/2014/main" id="{B9768F9B-FC6B-4DA4-B0E7-D1ADDC51D6A8}"/>
+                </a:ext>
+              </a:extLst>
+            </p:cNvPr>
+            <p:cNvSpPr/>
+            <p:nvPr/>
+          </p:nvSpPr>
+          <p:spPr>
+            <a:xfrm>
+              <a:off x="2238188" y="2941265"/>
+              <a:ext cx="36000" cy="36000"/>
+            </a:xfrm>
+            <a:prstGeom prst="ellipse">
+              <a:avLst/>
+            </a:prstGeom>
+          </p:spPr>
+          <p:style>
+            <a:lnRef idx="2">
+              <a:schemeClr val="dk1">
+                <a:shade val="50000"/>
+              </a:schemeClr>
+            </a:lnRef>
+            <a:fillRef idx="1">
+              <a:schemeClr val="dk1"/>
+            </a:fillRef>
+            <a:effectRef idx="0">
+              <a:schemeClr val="dk1"/>
+            </a:effectRef>
+            <a:fontRef idx="minor">
+              <a:schemeClr val="lt1"/>
+            </a:fontRef>
+          </p:style>
+          <p:txBody>
+            <a:bodyPr rtlCol="0" anchor="ctr"/>
+            <a:lstStyle/>
+            <a:p>
+              <a:pPr algn="ctr"/>
+              <a:endParaRPr kumimoji="1" lang="ja-JP" altLang="en-US"/>
+            </a:p>
+          </p:txBody>
+        </p:sp>
+        <p:sp>
+          <p:nvSpPr>
+            <p:cNvPr id="89" name="楕円 88">
+              <a:extLst>
+                <a:ext uri="{FF2B5EF4-FFF2-40B4-BE49-F238E27FC236}">
+                  <a16:creationId xmlns:a16="http://schemas.microsoft.com/office/drawing/2014/main" id="{C4A11DFE-D031-4BDE-8813-7DC002C73DC0}"/>
+                </a:ext>
+              </a:extLst>
+            </p:cNvPr>
+            <p:cNvSpPr/>
+            <p:nvPr/>
+          </p:nvSpPr>
+          <p:spPr>
+            <a:xfrm>
+              <a:off x="2187152" y="3032771"/>
+              <a:ext cx="36000" cy="36000"/>
+            </a:xfrm>
+            <a:prstGeom prst="ellipse">
+              <a:avLst/>
+            </a:prstGeom>
+          </p:spPr>
+          <p:style>
+            <a:lnRef idx="2">
+              <a:schemeClr val="dk1">
+                <a:shade val="50000"/>
+              </a:schemeClr>
+            </a:lnRef>
+            <a:fillRef idx="1">
+              <a:schemeClr val="dk1"/>
+            </a:fillRef>
+            <a:effectRef idx="0">
+              <a:schemeClr val="dk1"/>
+            </a:effectRef>
+            <a:fontRef idx="minor">
+              <a:schemeClr val="lt1"/>
+            </a:fontRef>
+          </p:style>
+          <p:txBody>
+            <a:bodyPr rtlCol="0" anchor="ctr"/>
+            <a:lstStyle/>
+            <a:p>
+              <a:pPr algn="ctr"/>
+              <a:endParaRPr kumimoji="1" lang="ja-JP" altLang="en-US"/>
+            </a:p>
+          </p:txBody>
+        </p:sp>
+        <p:sp>
+          <p:nvSpPr>
+            <p:cNvPr id="90" name="楕円 89">
+              <a:extLst>
+                <a:ext uri="{FF2B5EF4-FFF2-40B4-BE49-F238E27FC236}">
+                  <a16:creationId xmlns:a16="http://schemas.microsoft.com/office/drawing/2014/main" id="{1C9ED8C7-5128-43AD-8AE4-A1FF51DBE91C}"/>
+                </a:ext>
+              </a:extLst>
+            </p:cNvPr>
+            <p:cNvSpPr/>
+            <p:nvPr/>
+          </p:nvSpPr>
+          <p:spPr>
+            <a:xfrm>
+              <a:off x="2238188" y="3082771"/>
+              <a:ext cx="36000" cy="36000"/>
+            </a:xfrm>
+            <a:prstGeom prst="ellipse">
+              <a:avLst/>
+            </a:prstGeom>
+          </p:spPr>
+          <p:style>
+            <a:lnRef idx="2">
+              <a:schemeClr val="dk1">
+                <a:shade val="50000"/>
+              </a:schemeClr>
+            </a:lnRef>
+            <a:fillRef idx="1">
+              <a:schemeClr val="dk1"/>
+            </a:fillRef>
+            <a:effectRef idx="0">
+              <a:schemeClr val="dk1"/>
+            </a:effectRef>
+            <a:fontRef idx="minor">
+              <a:schemeClr val="lt1"/>
+            </a:fontRef>
+          </p:style>
+          <p:txBody>
+            <a:bodyPr rtlCol="0" anchor="ctr"/>
+            <a:lstStyle/>
+            <a:p>
+              <a:pPr algn="ctr"/>
+              <a:endParaRPr kumimoji="1" lang="ja-JP" altLang="en-US"/>
+            </a:p>
+          </p:txBody>
+        </p:sp>
+        <p:sp>
+          <p:nvSpPr>
+            <p:cNvPr id="91" name="楕円 90">
+              <a:extLst>
+                <a:ext uri="{FF2B5EF4-FFF2-40B4-BE49-F238E27FC236}">
+                  <a16:creationId xmlns:a16="http://schemas.microsoft.com/office/drawing/2014/main" id="{929BAA59-8273-465B-B935-1CE899BDEEF7}"/>
+                </a:ext>
+              </a:extLst>
+            </p:cNvPr>
+            <p:cNvSpPr/>
+            <p:nvPr/>
+          </p:nvSpPr>
+          <p:spPr>
+            <a:xfrm>
+              <a:off x="2214152" y="3136819"/>
+              <a:ext cx="36000" cy="36000"/>
+            </a:xfrm>
+            <a:prstGeom prst="ellipse">
+              <a:avLst/>
+            </a:prstGeom>
+          </p:spPr>
+          <p:style>
+            <a:lnRef idx="2">
+              <a:schemeClr val="dk1">
+                <a:shade val="50000"/>
+              </a:schemeClr>
+            </a:lnRef>
+            <a:fillRef idx="1">
+              <a:schemeClr val="dk1"/>
+            </a:fillRef>
+            <a:effectRef idx="0">
+              <a:schemeClr val="dk1"/>
+            </a:effectRef>
+            <a:fontRef idx="minor">
+              <a:schemeClr val="lt1"/>
+            </a:fontRef>
+          </p:style>
+          <p:txBody>
+            <a:bodyPr rtlCol="0" anchor="ctr"/>
+            <a:lstStyle/>
+            <a:p>
+              <a:pPr algn="ctr"/>
+              <a:endParaRPr kumimoji="1" lang="ja-JP" altLang="en-US"/>
+            </a:p>
+          </p:txBody>
+        </p:sp>
+        <p:sp>
+          <p:nvSpPr>
+            <p:cNvPr id="92" name="楕円 91">
+              <a:extLst>
+                <a:ext uri="{FF2B5EF4-FFF2-40B4-BE49-F238E27FC236}">
+                  <a16:creationId xmlns:a16="http://schemas.microsoft.com/office/drawing/2014/main" id="{130C6C56-B49D-4CE2-BD24-AEF0F8A49A4D}"/>
+                </a:ext>
+              </a:extLst>
+            </p:cNvPr>
+            <p:cNvSpPr/>
+            <p:nvPr/>
+          </p:nvSpPr>
+          <p:spPr>
+            <a:xfrm>
+              <a:off x="2238188" y="3200644"/>
+              <a:ext cx="36000" cy="36000"/>
+            </a:xfrm>
+            <a:prstGeom prst="ellipse">
+              <a:avLst/>
+            </a:prstGeom>
+          </p:spPr>
+          <p:style>
+            <a:lnRef idx="2">
+              <a:schemeClr val="dk1">
+                <a:shade val="50000"/>
+              </a:schemeClr>
+            </a:lnRef>
+            <a:fillRef idx="1">
+              <a:schemeClr val="dk1"/>
+            </a:fillRef>
+            <a:effectRef idx="0">
+              <a:schemeClr val="dk1"/>
+            </a:effectRef>
+            <a:fontRef idx="minor">
+              <a:schemeClr val="lt1"/>
+            </a:fontRef>
+          </p:style>
+          <p:txBody>
+            <a:bodyPr rtlCol="0" anchor="ctr"/>
+            <a:lstStyle/>
+            <a:p>
+              <a:pPr algn="ctr"/>
+              <a:endParaRPr kumimoji="1" lang="ja-JP" altLang="en-US"/>
+            </a:p>
+          </p:txBody>
+        </p:sp>
+        <p:sp>
+          <p:nvSpPr>
+            <p:cNvPr id="95" name="テキスト ボックス 94">
+              <a:extLst>
+                <a:ext uri="{FF2B5EF4-FFF2-40B4-BE49-F238E27FC236}">
+                  <a16:creationId xmlns:a16="http://schemas.microsoft.com/office/drawing/2014/main" id="{788476B0-FC46-4CF6-B763-4A618984E62A}"/>
+                </a:ext>
+              </a:extLst>
+            </p:cNvPr>
+            <p:cNvSpPr txBox="1"/>
+            <p:nvPr/>
+          </p:nvSpPr>
+          <p:spPr>
+            <a:xfrm>
+              <a:off x="2015334" y="975472"/>
+              <a:ext cx="1140056" cy="338554"/>
+            </a:xfrm>
+            <a:prstGeom prst="rect">
+              <a:avLst/>
+            </a:prstGeom>
+            <a:noFill/>
+          </p:spPr>
+          <p:txBody>
+            <a:bodyPr wrap="none" rtlCol="0">
+              <a:spAutoFit/>
+            </a:bodyPr>
+            <a:lstStyle/>
+            <a:p>
+              <a:r>
+                <a:rPr kumimoji="1" lang="ja-JP" altLang="en-US" sz="1600" dirty="0">
+                  <a:solidFill>
+                    <a:sysClr val="windowText" lastClr="000000"/>
+                  </a:solidFill>
+                </a:rPr>
+                <a:t>潜像核</a:t>
+              </a:r>
+              <a:r>
+                <a:rPr kumimoji="1" lang="en-US" altLang="ja-JP" sz="1600" dirty="0">
+                  <a:solidFill>
+                    <a:sysClr val="windowText" lastClr="000000"/>
+                  </a:solidFill>
+                </a:rPr>
+                <a:t>(</a:t>
+              </a:r>
+              <a:r>
+                <a:rPr kumimoji="1" lang="en-US" altLang="ja-JP" sz="1600" dirty="0">
+                  <a:solidFill>
+                    <a:srgbClr val="FF0000"/>
+                  </a:solidFill>
+                </a:rPr>
+                <a:t>Ag</a:t>
+              </a:r>
+              <a:r>
+                <a:rPr kumimoji="1" lang="en-US" altLang="ja-JP" sz="1600" dirty="0">
+                  <a:solidFill>
+                    <a:sysClr val="windowText" lastClr="000000"/>
+                  </a:solidFill>
+                </a:rPr>
+                <a:t>)</a:t>
+              </a:r>
+              <a:endParaRPr kumimoji="1" lang="ja-JP" altLang="en-US" sz="1600" dirty="0">
+                <a:solidFill>
+                  <a:sysClr val="windowText" lastClr="000000"/>
+                </a:solidFill>
+              </a:endParaRPr>
+            </a:p>
+          </p:txBody>
+        </p:sp>
+        <p:sp>
+          <p:nvSpPr>
+            <p:cNvPr id="96" name="テキスト ボックス 95">
+              <a:extLst>
+                <a:ext uri="{FF2B5EF4-FFF2-40B4-BE49-F238E27FC236}">
+                  <a16:creationId xmlns:a16="http://schemas.microsoft.com/office/drawing/2014/main" id="{DB293613-2174-48E1-8ED2-42E86EE2F22F}"/>
+                </a:ext>
+              </a:extLst>
+            </p:cNvPr>
+            <p:cNvSpPr txBox="1"/>
+            <p:nvPr/>
+          </p:nvSpPr>
+          <p:spPr>
+            <a:xfrm>
+              <a:off x="-134553" y="1821963"/>
+              <a:ext cx="583814" cy="338554"/>
+            </a:xfrm>
+            <a:prstGeom prst="rect">
+              <a:avLst/>
+            </a:prstGeom>
+            <a:noFill/>
+          </p:spPr>
+          <p:txBody>
+            <a:bodyPr wrap="none" rtlCol="0">
+              <a:spAutoFit/>
+            </a:bodyPr>
+            <a:lstStyle/>
+            <a:p>
+              <a:r>
+                <a:rPr kumimoji="1" lang="en-US" altLang="ja-JP" sz="1600" dirty="0" err="1">
+                  <a:solidFill>
+                    <a:srgbClr val="FF0000"/>
+                  </a:solidFill>
+                </a:rPr>
+                <a:t>AgBr</a:t>
+              </a:r>
+              <a:endParaRPr kumimoji="1" lang="ja-JP" altLang="en-US" sz="1600" dirty="0">
+                <a:solidFill>
+                  <a:sysClr val="windowText" lastClr="000000"/>
+                </a:solidFill>
+              </a:endParaRPr>
+            </a:p>
+          </p:txBody>
+        </p:sp>
+      </p:grpSp>
+      <p:grpSp>
+        <p:nvGrpSpPr>
+          <p:cNvPr id="98" name="グループ化 97">
+            <a:extLst>
+              <a:ext uri="{FF2B5EF4-FFF2-40B4-BE49-F238E27FC236}">
+                <a16:creationId xmlns:a16="http://schemas.microsoft.com/office/drawing/2014/main" id="{FABD8E65-DACC-4145-883B-560D69DF2DDF}"/>
+              </a:ext>
+            </a:extLst>
+          </p:cNvPr>
+          <p:cNvGrpSpPr/>
+          <p:nvPr/>
+        </p:nvGrpSpPr>
+        <p:grpSpPr>
+          <a:xfrm>
+            <a:off x="4736908" y="1117237"/>
+            <a:ext cx="3653549" cy="2667900"/>
+            <a:chOff x="2307606" y="2424318"/>
+            <a:chExt cx="3653549" cy="2667900"/>
+          </a:xfrm>
+        </p:grpSpPr>
+        <p:grpSp>
+          <p:nvGrpSpPr>
+            <p:cNvPr id="99" name="グループ化 98">
+              <a:extLst>
+                <a:ext uri="{FF2B5EF4-FFF2-40B4-BE49-F238E27FC236}">
+                  <a16:creationId xmlns:a16="http://schemas.microsoft.com/office/drawing/2014/main" id="{20A361FB-B3AF-4A16-9F7F-863B71BD84ED}"/>
+                </a:ext>
+              </a:extLst>
+            </p:cNvPr>
+            <p:cNvGrpSpPr/>
+            <p:nvPr/>
+          </p:nvGrpSpPr>
+          <p:grpSpPr>
+            <a:xfrm>
+              <a:off x="2307606" y="2443514"/>
+              <a:ext cx="3653549" cy="2648704"/>
+              <a:chOff x="2307606" y="2443514"/>
+              <a:chExt cx="3653549" cy="2648704"/>
+            </a:xfrm>
+          </p:grpSpPr>
+          <p:grpSp>
+            <p:nvGrpSpPr>
+              <p:cNvPr id="102" name="グループ化 101">
+                <a:extLst>
+                  <a:ext uri="{FF2B5EF4-FFF2-40B4-BE49-F238E27FC236}">
+                    <a16:creationId xmlns:a16="http://schemas.microsoft.com/office/drawing/2014/main" id="{2D17190A-F91D-4E65-A1ED-B4483108D916}"/>
+                  </a:ext>
+                </a:extLst>
+              </p:cNvPr>
+              <p:cNvGrpSpPr/>
+              <p:nvPr/>
+            </p:nvGrpSpPr>
+            <p:grpSpPr>
+              <a:xfrm>
+                <a:off x="2307606" y="2733988"/>
+                <a:ext cx="3653549" cy="1980460"/>
+                <a:chOff x="782077" y="3110947"/>
+                <a:chExt cx="7119732" cy="3508506"/>
+              </a:xfrm>
+            </p:grpSpPr>
+            <p:sp>
+              <p:nvSpPr>
+                <p:cNvPr id="141" name="直方体 140">
+                  <a:extLst>
+                    <a:ext uri="{FF2B5EF4-FFF2-40B4-BE49-F238E27FC236}">
+                      <a16:creationId xmlns:a16="http://schemas.microsoft.com/office/drawing/2014/main" id="{CC68318C-E7C7-4755-A800-A86769EB3C31}"/>
+                    </a:ext>
+                  </a:extLst>
+                </p:cNvPr>
+                <p:cNvSpPr/>
+                <p:nvPr/>
+              </p:nvSpPr>
+              <p:spPr>
+                <a:xfrm>
+                  <a:off x="782077" y="5104331"/>
+                  <a:ext cx="7116417" cy="1500809"/>
+                </a:xfrm>
+                <a:prstGeom prst="cube">
+                  <a:avLst>
+                    <a:gd name="adj" fmla="val 55464"/>
+                  </a:avLst>
+                </a:prstGeom>
+                <a:solidFill>
+                  <a:schemeClr val="bg1">
+                    <a:lumMod val="85000"/>
+                  </a:schemeClr>
+                </a:solidFill>
+                <a:ln>
+                  <a:solidFill>
+                    <a:schemeClr val="tx1"/>
+                  </a:solidFill>
+                </a:ln>
+              </p:spPr>
+              <p:style>
+                <a:lnRef idx="2">
+                  <a:schemeClr val="accent1">
+                    <a:shade val="50000"/>
+                  </a:schemeClr>
+                </a:lnRef>
+                <a:fillRef idx="1">
+                  <a:schemeClr val="accent1"/>
+                </a:fillRef>
+                <a:effectRef idx="0">
+                  <a:schemeClr val="accent1"/>
+                </a:effectRef>
+                <a:fontRef idx="minor">
+                  <a:schemeClr val="lt1"/>
+                </a:fontRef>
+              </p:style>
+              <p:txBody>
+                <a:bodyPr rtlCol="0" anchor="ctr"/>
+                <a:lstStyle/>
+                <a:p>
+                  <a:pPr algn="ctr"/>
+                  <a:endParaRPr kumimoji="1" lang="ja-JP" altLang="en-US" dirty="0"/>
+                </a:p>
+              </p:txBody>
+            </p:sp>
+            <p:sp>
+              <p:nvSpPr>
+                <p:cNvPr id="142" name="直方体 141">
+                  <a:extLst>
+                    <a:ext uri="{FF2B5EF4-FFF2-40B4-BE49-F238E27FC236}">
+                      <a16:creationId xmlns:a16="http://schemas.microsoft.com/office/drawing/2014/main" id="{DB339FD3-35A8-49AB-8EC3-D60FDC1180A2}"/>
+                    </a:ext>
+                  </a:extLst>
+                </p:cNvPr>
+                <p:cNvSpPr/>
+                <p:nvPr/>
+              </p:nvSpPr>
+              <p:spPr>
+                <a:xfrm>
+                  <a:off x="782078" y="3772487"/>
+                  <a:ext cx="7116417" cy="2171113"/>
+                </a:xfrm>
+                <a:prstGeom prst="cube">
+                  <a:avLst>
+                    <a:gd name="adj" fmla="val 38497"/>
+                  </a:avLst>
+                </a:prstGeom>
+                <a:solidFill>
+                  <a:srgbClr val="00FFFF">
+                    <a:alpha val="20000"/>
+                  </a:srgbClr>
+                </a:solidFill>
+                <a:ln>
+                  <a:solidFill>
+                    <a:schemeClr val="tx1"/>
+                  </a:solidFill>
+                </a:ln>
+              </p:spPr>
+              <p:style>
+                <a:lnRef idx="2">
+                  <a:schemeClr val="accent1">
+                    <a:shade val="50000"/>
+                  </a:schemeClr>
+                </a:lnRef>
+                <a:fillRef idx="1">
+                  <a:schemeClr val="accent1"/>
+                </a:fillRef>
+                <a:effectRef idx="0">
+                  <a:schemeClr val="accent1"/>
+                </a:effectRef>
+                <a:fontRef idx="minor">
+                  <a:schemeClr val="lt1"/>
+                </a:fontRef>
+              </p:style>
+              <p:txBody>
+                <a:bodyPr rtlCol="0" anchor="ctr"/>
+                <a:lstStyle/>
+                <a:p>
+                  <a:pPr algn="ctr"/>
+                  <a:endParaRPr kumimoji="1" lang="ja-JP" altLang="en-US"/>
+                </a:p>
+              </p:txBody>
+            </p:sp>
+            <p:sp>
+              <p:nvSpPr>
+                <p:cNvPr id="143" name="直方体 142">
+                  <a:extLst>
+                    <a:ext uri="{FF2B5EF4-FFF2-40B4-BE49-F238E27FC236}">
+                      <a16:creationId xmlns:a16="http://schemas.microsoft.com/office/drawing/2014/main" id="{7D5A43CF-2A62-4FC7-9073-F052C68EB5FB}"/>
+                    </a:ext>
+                  </a:extLst>
+                </p:cNvPr>
+                <p:cNvSpPr/>
+                <p:nvPr/>
+              </p:nvSpPr>
+              <p:spPr>
+                <a:xfrm>
+                  <a:off x="782078" y="3110947"/>
+                  <a:ext cx="7116417" cy="1500809"/>
+                </a:xfrm>
+                <a:prstGeom prst="cube">
+                  <a:avLst>
+                    <a:gd name="adj" fmla="val 55464"/>
+                  </a:avLst>
+                </a:prstGeom>
+                <a:solidFill>
+                  <a:schemeClr val="bg1">
+                    <a:lumMod val="85000"/>
+                  </a:schemeClr>
+                </a:solidFill>
+                <a:ln>
+                  <a:solidFill>
+                    <a:schemeClr val="tx1"/>
+                  </a:solidFill>
+                </a:ln>
+              </p:spPr>
+              <p:style>
+                <a:lnRef idx="2">
+                  <a:schemeClr val="accent1">
+                    <a:shade val="50000"/>
+                  </a:schemeClr>
+                </a:lnRef>
+                <a:fillRef idx="1">
+                  <a:schemeClr val="accent1"/>
+                </a:fillRef>
+                <a:effectRef idx="0">
+                  <a:schemeClr val="accent1"/>
+                </a:effectRef>
+                <a:fontRef idx="minor">
+                  <a:schemeClr val="lt1"/>
+                </a:fontRef>
+              </p:style>
+              <p:txBody>
+                <a:bodyPr rtlCol="0" anchor="ctr"/>
+                <a:lstStyle/>
+                <a:p>
+                  <a:pPr algn="ctr"/>
+                  <a:endParaRPr kumimoji="1" lang="ja-JP" altLang="en-US" dirty="0"/>
+                </a:p>
+              </p:txBody>
+            </p:sp>
+            <p:cxnSp>
+              <p:nvCxnSpPr>
+                <p:cNvPr id="144" name="直線コネクタ 143">
+                  <a:extLst>
+                    <a:ext uri="{FF2B5EF4-FFF2-40B4-BE49-F238E27FC236}">
+                      <a16:creationId xmlns:a16="http://schemas.microsoft.com/office/drawing/2014/main" id="{ACFFBA38-7498-4D5C-82B3-23D9E08AB4A8}"/>
+                    </a:ext>
+                  </a:extLst>
+                </p:cNvPr>
+                <p:cNvCxnSpPr/>
+                <p:nvPr/>
+              </p:nvCxnSpPr>
+              <p:spPr>
+                <a:xfrm>
+                  <a:off x="1616965" y="3110947"/>
+                  <a:ext cx="0" cy="665921"/>
+                </a:xfrm>
+                <a:prstGeom prst="line">
+                  <a:avLst/>
+                </a:prstGeom>
+                <a:ln>
+                  <a:solidFill>
+                    <a:schemeClr val="tx1"/>
+                  </a:solidFill>
+                  <a:prstDash val="dash"/>
+                </a:ln>
+              </p:spPr>
+              <p:style>
+                <a:lnRef idx="1">
+                  <a:schemeClr val="dk1"/>
+                </a:lnRef>
+                <a:fillRef idx="0">
+                  <a:schemeClr val="dk1"/>
+                </a:fillRef>
+                <a:effectRef idx="0">
+                  <a:schemeClr val="dk1"/>
+                </a:effectRef>
+                <a:fontRef idx="minor">
+                  <a:schemeClr val="tx1"/>
+                </a:fontRef>
+              </p:style>
+            </p:cxnSp>
+            <p:cxnSp>
+              <p:nvCxnSpPr>
+                <p:cNvPr id="145" name="直線コネクタ 144">
+                  <a:extLst>
+                    <a:ext uri="{FF2B5EF4-FFF2-40B4-BE49-F238E27FC236}">
+                      <a16:creationId xmlns:a16="http://schemas.microsoft.com/office/drawing/2014/main" id="{851FD4A3-DB2C-4445-ACCD-51A988A504A2}"/>
+                    </a:ext>
+                  </a:extLst>
+                </p:cNvPr>
+                <p:cNvCxnSpPr/>
+                <p:nvPr/>
+              </p:nvCxnSpPr>
+              <p:spPr>
+                <a:xfrm>
+                  <a:off x="1626904" y="5104331"/>
+                  <a:ext cx="0" cy="665921"/>
+                </a:xfrm>
+                <a:prstGeom prst="line">
+                  <a:avLst/>
+                </a:prstGeom>
+                <a:ln>
+                  <a:solidFill>
+                    <a:schemeClr val="tx1"/>
+                  </a:solidFill>
+                  <a:prstDash val="dash"/>
+                </a:ln>
+              </p:spPr>
+              <p:style>
+                <a:lnRef idx="1">
+                  <a:schemeClr val="dk1"/>
+                </a:lnRef>
+                <a:fillRef idx="0">
+                  <a:schemeClr val="dk1"/>
+                </a:fillRef>
+                <a:effectRef idx="0">
+                  <a:schemeClr val="dk1"/>
+                </a:effectRef>
+                <a:fontRef idx="minor">
+                  <a:schemeClr val="tx1"/>
+                </a:fontRef>
+              </p:style>
+            </p:cxnSp>
+            <p:cxnSp>
+              <p:nvCxnSpPr>
+                <p:cNvPr id="146" name="直線コネクタ 145">
+                  <a:extLst>
+                    <a:ext uri="{FF2B5EF4-FFF2-40B4-BE49-F238E27FC236}">
+                      <a16:creationId xmlns:a16="http://schemas.microsoft.com/office/drawing/2014/main" id="{69702ABF-8F62-480F-8B5B-57C645BE003F}"/>
+                    </a:ext>
+                  </a:extLst>
+                </p:cNvPr>
+                <p:cNvCxnSpPr/>
+                <p:nvPr/>
+              </p:nvCxnSpPr>
+              <p:spPr>
+                <a:xfrm flipH="1">
+                  <a:off x="782077" y="3776864"/>
+                  <a:ext cx="834888" cy="824949"/>
+                </a:xfrm>
+                <a:prstGeom prst="line">
+                  <a:avLst/>
+                </a:prstGeom>
+                <a:ln>
+                  <a:prstDash val="dash"/>
+                </a:ln>
+              </p:spPr>
+              <p:style>
+                <a:lnRef idx="1">
+                  <a:schemeClr val="dk1"/>
+                </a:lnRef>
+                <a:fillRef idx="0">
+                  <a:schemeClr val="dk1"/>
+                </a:fillRef>
+                <a:effectRef idx="0">
+                  <a:schemeClr val="dk1"/>
+                </a:effectRef>
+                <a:fontRef idx="minor">
+                  <a:schemeClr val="tx1"/>
+                </a:fontRef>
+              </p:style>
+            </p:cxnSp>
+            <p:cxnSp>
+              <p:nvCxnSpPr>
+                <p:cNvPr id="147" name="直線コネクタ 146">
+                  <a:extLst>
+                    <a:ext uri="{FF2B5EF4-FFF2-40B4-BE49-F238E27FC236}">
+                      <a16:creationId xmlns:a16="http://schemas.microsoft.com/office/drawing/2014/main" id="{3661078B-4762-46B9-AA24-6A0DB7CDD323}"/>
+                    </a:ext>
+                  </a:extLst>
+                </p:cNvPr>
+                <p:cNvCxnSpPr/>
+                <p:nvPr/>
+              </p:nvCxnSpPr>
+              <p:spPr>
+                <a:xfrm flipH="1">
+                  <a:off x="782077" y="5794504"/>
+                  <a:ext cx="834888" cy="824949"/>
+                </a:xfrm>
+                <a:prstGeom prst="line">
+                  <a:avLst/>
+                </a:prstGeom>
+                <a:ln>
+                  <a:prstDash val="dash"/>
+                </a:ln>
+              </p:spPr>
+              <p:style>
+                <a:lnRef idx="1">
+                  <a:schemeClr val="dk1"/>
+                </a:lnRef>
+                <a:fillRef idx="0">
+                  <a:schemeClr val="dk1"/>
+                </a:fillRef>
+                <a:effectRef idx="0">
+                  <a:schemeClr val="dk1"/>
+                </a:effectRef>
+                <a:fontRef idx="minor">
+                  <a:schemeClr val="tx1"/>
+                </a:fontRef>
+              </p:style>
+            </p:cxnSp>
+            <p:cxnSp>
+              <p:nvCxnSpPr>
+                <p:cNvPr id="148" name="直線コネクタ 147">
+                  <a:extLst>
+                    <a:ext uri="{FF2B5EF4-FFF2-40B4-BE49-F238E27FC236}">
+                      <a16:creationId xmlns:a16="http://schemas.microsoft.com/office/drawing/2014/main" id="{6EF681FD-B12F-4652-BBB0-53D5F50953AD}"/>
+                    </a:ext>
+                  </a:extLst>
+                </p:cNvPr>
+                <p:cNvCxnSpPr/>
+                <p:nvPr/>
+              </p:nvCxnSpPr>
+              <p:spPr>
+                <a:xfrm>
+                  <a:off x="1616965" y="3786808"/>
+                  <a:ext cx="6281529" cy="0"/>
+                </a:xfrm>
+                <a:prstGeom prst="line">
+                  <a:avLst/>
+                </a:prstGeom>
+                <a:ln>
+                  <a:prstDash val="dash"/>
+                </a:ln>
+              </p:spPr>
+              <p:style>
+                <a:lnRef idx="1">
+                  <a:schemeClr val="dk1"/>
+                </a:lnRef>
+                <a:fillRef idx="0">
+                  <a:schemeClr val="dk1"/>
+                </a:fillRef>
+                <a:effectRef idx="0">
+                  <a:schemeClr val="dk1"/>
+                </a:effectRef>
+                <a:fontRef idx="minor">
+                  <a:schemeClr val="tx1"/>
+                </a:fontRef>
+              </p:style>
+            </p:cxnSp>
+            <p:cxnSp>
+              <p:nvCxnSpPr>
+                <p:cNvPr id="149" name="直線コネクタ 148">
+                  <a:extLst>
+                    <a:ext uri="{FF2B5EF4-FFF2-40B4-BE49-F238E27FC236}">
+                      <a16:creationId xmlns:a16="http://schemas.microsoft.com/office/drawing/2014/main" id="{EF9B9B6A-F650-4550-9C5D-E2DD7B1797C7}"/>
+                    </a:ext>
+                  </a:extLst>
+                </p:cNvPr>
+                <p:cNvCxnSpPr/>
+                <p:nvPr/>
+              </p:nvCxnSpPr>
+              <p:spPr>
+                <a:xfrm>
+                  <a:off x="1620280" y="5787888"/>
+                  <a:ext cx="6281529" cy="0"/>
+                </a:xfrm>
+                <a:prstGeom prst="line">
+                  <a:avLst/>
+                </a:prstGeom>
+                <a:ln>
+                  <a:prstDash val="dash"/>
+                </a:ln>
+              </p:spPr>
+              <p:style>
+                <a:lnRef idx="1">
+                  <a:schemeClr val="dk1"/>
+                </a:lnRef>
+                <a:fillRef idx="0">
+                  <a:schemeClr val="dk1"/>
+                </a:fillRef>
+                <a:effectRef idx="0">
+                  <a:schemeClr val="dk1"/>
+                </a:effectRef>
+                <a:fontRef idx="minor">
+                  <a:schemeClr val="tx1"/>
+                </a:fontRef>
+              </p:style>
+            </p:cxnSp>
+            <p:cxnSp>
+              <p:nvCxnSpPr>
+                <p:cNvPr id="150" name="直線コネクタ 149">
+                  <a:extLst>
+                    <a:ext uri="{FF2B5EF4-FFF2-40B4-BE49-F238E27FC236}">
+                      <a16:creationId xmlns:a16="http://schemas.microsoft.com/office/drawing/2014/main" id="{81B894E9-C511-47F3-9F4B-F7D4DEACA851}"/>
+                    </a:ext>
+                  </a:extLst>
+                </p:cNvPr>
+                <p:cNvCxnSpPr/>
+                <p:nvPr/>
+              </p:nvCxnSpPr>
+              <p:spPr>
+                <a:xfrm>
+                  <a:off x="1626904" y="4607373"/>
+                  <a:ext cx="0" cy="665921"/>
+                </a:xfrm>
+                <a:prstGeom prst="line">
+                  <a:avLst/>
+                </a:prstGeom>
+                <a:ln>
+                  <a:solidFill>
+                    <a:schemeClr val="tx1"/>
+                  </a:solidFill>
+                  <a:prstDash val="dash"/>
+                </a:ln>
+              </p:spPr>
+              <p:style>
+                <a:lnRef idx="1">
+                  <a:schemeClr val="dk1"/>
+                </a:lnRef>
+                <a:fillRef idx="0">
+                  <a:schemeClr val="dk1"/>
+                </a:fillRef>
+                <a:effectRef idx="0">
+                  <a:schemeClr val="dk1"/>
+                </a:effectRef>
+                <a:fontRef idx="minor">
+                  <a:schemeClr val="tx1"/>
+                </a:fontRef>
+              </p:style>
+            </p:cxnSp>
+          </p:grpSp>
+          <p:sp>
+            <p:nvSpPr>
+              <p:cNvPr id="103" name="楕円 102">
+                <a:extLst>
+                  <a:ext uri="{FF2B5EF4-FFF2-40B4-BE49-F238E27FC236}">
+                    <a16:creationId xmlns:a16="http://schemas.microsoft.com/office/drawing/2014/main" id="{F51B19F8-B358-42A2-A679-118F4DE26D94}"/>
+                  </a:ext>
+                </a:extLst>
+              </p:cNvPr>
+              <p:cNvSpPr/>
+              <p:nvPr/>
+            </p:nvSpPr>
+            <p:spPr>
+              <a:xfrm>
+                <a:off x="3620661" y="3000599"/>
+                <a:ext cx="54000" cy="54000"/>
+              </a:xfrm>
+              <a:prstGeom prst="ellipse">
+                <a:avLst/>
+              </a:prstGeom>
+            </p:spPr>
+            <p:style>
+              <a:lnRef idx="2">
+                <a:schemeClr val="dk1">
+                  <a:shade val="50000"/>
+                </a:schemeClr>
+              </a:lnRef>
+              <a:fillRef idx="1">
+                <a:schemeClr val="dk1"/>
+              </a:fillRef>
+              <a:effectRef idx="0">
+                <a:schemeClr val="dk1"/>
+              </a:effectRef>
+              <a:fontRef idx="minor">
+                <a:schemeClr val="lt1"/>
+              </a:fontRef>
+            </p:style>
+            <p:txBody>
+              <a:bodyPr rtlCol="0" anchor="ctr"/>
+              <a:lstStyle/>
+              <a:p>
+                <a:pPr algn="ctr"/>
+                <a:endParaRPr kumimoji="1" lang="ja-JP" altLang="en-US"/>
+              </a:p>
+            </p:txBody>
+          </p:sp>
+          <p:sp>
+            <p:nvSpPr>
+              <p:cNvPr id="104" name="楕円 103">
+                <a:extLst>
+                  <a:ext uri="{FF2B5EF4-FFF2-40B4-BE49-F238E27FC236}">
+                    <a16:creationId xmlns:a16="http://schemas.microsoft.com/office/drawing/2014/main" id="{10C0783A-E59D-46BC-AF8F-1BDFAA19FBFD}"/>
+                  </a:ext>
+                </a:extLst>
+              </p:cNvPr>
+              <p:cNvSpPr/>
+              <p:nvPr/>
+            </p:nvSpPr>
+            <p:spPr>
+              <a:xfrm>
+                <a:off x="3566661" y="3063362"/>
+                <a:ext cx="54000" cy="54000"/>
+              </a:xfrm>
+              <a:prstGeom prst="ellipse">
+                <a:avLst/>
+              </a:prstGeom>
+            </p:spPr>
+            <p:style>
+              <a:lnRef idx="2">
+                <a:schemeClr val="dk1">
+                  <a:shade val="50000"/>
+                </a:schemeClr>
+              </a:lnRef>
+              <a:fillRef idx="1">
+                <a:schemeClr val="dk1"/>
+              </a:fillRef>
+              <a:effectRef idx="0">
+                <a:schemeClr val="dk1"/>
+              </a:effectRef>
+              <a:fontRef idx="minor">
+                <a:schemeClr val="lt1"/>
+              </a:fontRef>
+            </p:style>
+            <p:txBody>
+              <a:bodyPr rtlCol="0" anchor="ctr"/>
+              <a:lstStyle/>
+              <a:p>
+                <a:pPr algn="ctr"/>
+                <a:endParaRPr kumimoji="1" lang="ja-JP" altLang="en-US"/>
+              </a:p>
+            </p:txBody>
+          </p:sp>
+          <p:cxnSp>
+            <p:nvCxnSpPr>
+              <p:cNvPr id="105" name="直線コネクタ 104">
+                <a:extLst>
+                  <a:ext uri="{FF2B5EF4-FFF2-40B4-BE49-F238E27FC236}">
+                    <a16:creationId xmlns:a16="http://schemas.microsoft.com/office/drawing/2014/main" id="{E43C9757-ECB6-4369-9394-7D2C1AE3713E}"/>
+                  </a:ext>
+                </a:extLst>
+              </p:cNvPr>
+              <p:cNvCxnSpPr>
+                <a:cxnSpLocks/>
+              </p:cNvCxnSpPr>
+              <p:nvPr/>
+            </p:nvCxnSpPr>
+            <p:spPr>
+              <a:xfrm flipH="1">
+                <a:off x="3647661" y="2443514"/>
+                <a:ext cx="196200" cy="538055"/>
+              </a:xfrm>
+              <a:prstGeom prst="line">
+                <a:avLst/>
+              </a:prstGeom>
+            </p:spPr>
+            <p:style>
+              <a:lnRef idx="1">
+                <a:schemeClr val="dk1"/>
+              </a:lnRef>
+              <a:fillRef idx="0">
+                <a:schemeClr val="dk1"/>
+              </a:fillRef>
+              <a:effectRef idx="0">
+                <a:schemeClr val="dk1"/>
+              </a:effectRef>
+              <a:fontRef idx="minor">
+                <a:schemeClr val="tx1"/>
+              </a:fontRef>
+            </p:style>
+          </p:cxnSp>
+          <p:cxnSp>
+            <p:nvCxnSpPr>
+              <p:cNvPr id="106" name="直線矢印コネクタ 105">
+                <a:extLst>
+                  <a:ext uri="{FF2B5EF4-FFF2-40B4-BE49-F238E27FC236}">
+                    <a16:creationId xmlns:a16="http://schemas.microsoft.com/office/drawing/2014/main" id="{91E797F9-061F-4056-9361-3A5F5AA45411}"/>
+                  </a:ext>
+                </a:extLst>
+              </p:cNvPr>
+              <p:cNvCxnSpPr>
+                <a:cxnSpLocks/>
+              </p:cNvCxnSpPr>
+              <p:nvPr/>
+            </p:nvCxnSpPr>
+            <p:spPr>
+              <a:xfrm flipH="1">
+                <a:off x="3041374" y="4703402"/>
+                <a:ext cx="109336" cy="388816"/>
+              </a:xfrm>
+              <a:prstGeom prst="straightConnector1">
+                <a:avLst/>
+              </a:prstGeom>
+              <a:ln>
+                <a:tailEnd type="triangle"/>
+              </a:ln>
+            </p:spPr>
+            <p:style>
+              <a:lnRef idx="1">
+                <a:schemeClr val="dk1"/>
+              </a:lnRef>
+              <a:fillRef idx="0">
+                <a:schemeClr val="dk1"/>
+              </a:fillRef>
+              <a:effectRef idx="0">
+                <a:schemeClr val="dk1"/>
+              </a:effectRef>
+              <a:fontRef idx="minor">
+                <a:schemeClr val="tx1"/>
+              </a:fontRef>
+            </p:style>
+          </p:cxnSp>
+          <p:sp>
+            <p:nvSpPr>
+              <p:cNvPr id="107" name="楕円 106">
+                <a:extLst>
+                  <a:ext uri="{FF2B5EF4-FFF2-40B4-BE49-F238E27FC236}">
+                    <a16:creationId xmlns:a16="http://schemas.microsoft.com/office/drawing/2014/main" id="{41204671-66AA-472E-9663-6096C4703CE8}"/>
+                  </a:ext>
+                </a:extLst>
+              </p:cNvPr>
+              <p:cNvSpPr/>
+              <p:nvPr/>
+            </p:nvSpPr>
+            <p:spPr>
+              <a:xfrm>
+                <a:off x="3593661" y="3156598"/>
+                <a:ext cx="54000" cy="54000"/>
+              </a:xfrm>
+              <a:prstGeom prst="ellipse">
+                <a:avLst/>
+              </a:prstGeom>
+            </p:spPr>
+            <p:style>
+              <a:lnRef idx="2">
+                <a:schemeClr val="dk1">
+                  <a:shade val="50000"/>
+                </a:schemeClr>
+              </a:lnRef>
+              <a:fillRef idx="1">
+                <a:schemeClr val="dk1"/>
+              </a:fillRef>
+              <a:effectRef idx="0">
+                <a:schemeClr val="dk1"/>
+              </a:effectRef>
+              <a:fontRef idx="minor">
+                <a:schemeClr val="lt1"/>
+              </a:fontRef>
+            </p:style>
+            <p:txBody>
+              <a:bodyPr rtlCol="0" anchor="ctr"/>
+              <a:lstStyle/>
+              <a:p>
+                <a:pPr algn="ctr"/>
+                <a:endParaRPr kumimoji="1" lang="ja-JP" altLang="en-US"/>
+              </a:p>
+            </p:txBody>
+          </p:sp>
+          <p:sp>
+            <p:nvSpPr>
+              <p:cNvPr id="108" name="楕円 107">
+                <a:extLst>
+                  <a:ext uri="{FF2B5EF4-FFF2-40B4-BE49-F238E27FC236}">
+                    <a16:creationId xmlns:a16="http://schemas.microsoft.com/office/drawing/2014/main" id="{556D8104-CDB9-4FA4-91AC-7BDA87E6EA8D}"/>
+                  </a:ext>
+                </a:extLst>
+              </p:cNvPr>
+              <p:cNvSpPr/>
+              <p:nvPr/>
+            </p:nvSpPr>
+            <p:spPr>
+              <a:xfrm>
+                <a:off x="3544631" y="3230280"/>
+                <a:ext cx="54000" cy="54000"/>
+              </a:xfrm>
+              <a:prstGeom prst="ellipse">
+                <a:avLst/>
+              </a:prstGeom>
+            </p:spPr>
+            <p:style>
+              <a:lnRef idx="2">
+                <a:schemeClr val="dk1">
+                  <a:shade val="50000"/>
+                </a:schemeClr>
+              </a:lnRef>
+              <a:fillRef idx="1">
+                <a:schemeClr val="dk1"/>
+              </a:fillRef>
+              <a:effectRef idx="0">
+                <a:schemeClr val="dk1"/>
+              </a:effectRef>
+              <a:fontRef idx="minor">
+                <a:schemeClr val="lt1"/>
+              </a:fontRef>
+            </p:style>
+            <p:txBody>
+              <a:bodyPr rtlCol="0" anchor="ctr"/>
+              <a:lstStyle/>
+              <a:p>
+                <a:pPr algn="ctr"/>
+                <a:endParaRPr kumimoji="1" lang="ja-JP" altLang="en-US"/>
+              </a:p>
+            </p:txBody>
+          </p:sp>
+          <p:sp>
+            <p:nvSpPr>
+              <p:cNvPr id="109" name="楕円 108">
+                <a:extLst>
+                  <a:ext uri="{FF2B5EF4-FFF2-40B4-BE49-F238E27FC236}">
+                    <a16:creationId xmlns:a16="http://schemas.microsoft.com/office/drawing/2014/main" id="{47FC46F1-C643-4E6D-8DF9-3DD63E1FDE67}"/>
+                  </a:ext>
+                </a:extLst>
+              </p:cNvPr>
+              <p:cNvSpPr/>
+              <p:nvPr/>
+            </p:nvSpPr>
+            <p:spPr>
+              <a:xfrm>
+                <a:off x="3502722" y="3281804"/>
+                <a:ext cx="54000" cy="54000"/>
+              </a:xfrm>
+              <a:prstGeom prst="ellipse">
+                <a:avLst/>
+              </a:prstGeom>
+            </p:spPr>
+            <p:style>
+              <a:lnRef idx="2">
+                <a:schemeClr val="dk1">
+                  <a:shade val="50000"/>
+                </a:schemeClr>
+              </a:lnRef>
+              <a:fillRef idx="1">
+                <a:schemeClr val="dk1"/>
+              </a:fillRef>
+              <a:effectRef idx="0">
+                <a:schemeClr val="dk1"/>
+              </a:effectRef>
+              <a:fontRef idx="minor">
+                <a:schemeClr val="lt1"/>
+              </a:fontRef>
+            </p:style>
+            <p:txBody>
+              <a:bodyPr rtlCol="0" anchor="ctr"/>
+              <a:lstStyle/>
+              <a:p>
+                <a:pPr algn="ctr"/>
+                <a:endParaRPr kumimoji="1" lang="ja-JP" altLang="en-US"/>
+              </a:p>
+            </p:txBody>
+          </p:sp>
+          <p:sp>
+            <p:nvSpPr>
+              <p:cNvPr id="110" name="楕円 109">
+                <a:extLst>
+                  <a:ext uri="{FF2B5EF4-FFF2-40B4-BE49-F238E27FC236}">
+                    <a16:creationId xmlns:a16="http://schemas.microsoft.com/office/drawing/2014/main" id="{55F6CFA4-E107-4022-845D-6BB8187930A1}"/>
+                  </a:ext>
+                </a:extLst>
+              </p:cNvPr>
+              <p:cNvSpPr/>
+              <p:nvPr/>
+            </p:nvSpPr>
+            <p:spPr>
+              <a:xfrm>
+                <a:off x="3569817" y="3332609"/>
+                <a:ext cx="54000" cy="54000"/>
+              </a:xfrm>
+              <a:prstGeom prst="ellipse">
+                <a:avLst/>
+              </a:prstGeom>
+            </p:spPr>
+            <p:style>
+              <a:lnRef idx="2">
+                <a:schemeClr val="dk1">
+                  <a:shade val="50000"/>
+                </a:schemeClr>
+              </a:lnRef>
+              <a:fillRef idx="1">
+                <a:schemeClr val="dk1"/>
+              </a:fillRef>
+              <a:effectRef idx="0">
+                <a:schemeClr val="dk1"/>
+              </a:effectRef>
+              <a:fontRef idx="minor">
+                <a:schemeClr val="lt1"/>
+              </a:fontRef>
+            </p:style>
+            <p:txBody>
+              <a:bodyPr rtlCol="0" anchor="ctr"/>
+              <a:lstStyle/>
+              <a:p>
+                <a:pPr algn="ctr"/>
+                <a:endParaRPr kumimoji="1" lang="ja-JP" altLang="en-US"/>
+              </a:p>
+            </p:txBody>
+          </p:sp>
+          <p:sp>
+            <p:nvSpPr>
+              <p:cNvPr id="111" name="楕円 110">
+                <a:extLst>
+                  <a:ext uri="{FF2B5EF4-FFF2-40B4-BE49-F238E27FC236}">
+                    <a16:creationId xmlns:a16="http://schemas.microsoft.com/office/drawing/2014/main" id="{758CCCCC-8A7B-456B-B6CC-2FE09E256144}"/>
+                  </a:ext>
+                </a:extLst>
+              </p:cNvPr>
+              <p:cNvSpPr/>
+              <p:nvPr/>
+            </p:nvSpPr>
+            <p:spPr>
+              <a:xfrm>
+                <a:off x="3490631" y="3407645"/>
+                <a:ext cx="54000" cy="54000"/>
+              </a:xfrm>
+              <a:prstGeom prst="ellipse">
+                <a:avLst/>
+              </a:prstGeom>
+            </p:spPr>
+            <p:style>
+              <a:lnRef idx="2">
+                <a:schemeClr val="dk1">
+                  <a:shade val="50000"/>
+                </a:schemeClr>
+              </a:lnRef>
+              <a:fillRef idx="1">
+                <a:schemeClr val="dk1"/>
+              </a:fillRef>
+              <a:effectRef idx="0">
+                <a:schemeClr val="dk1"/>
+              </a:effectRef>
+              <a:fontRef idx="minor">
+                <a:schemeClr val="lt1"/>
+              </a:fontRef>
+            </p:style>
+            <p:txBody>
+              <a:bodyPr rtlCol="0" anchor="ctr"/>
+              <a:lstStyle/>
+              <a:p>
+                <a:pPr algn="ctr"/>
+                <a:endParaRPr kumimoji="1" lang="ja-JP" altLang="en-US"/>
+              </a:p>
+            </p:txBody>
+          </p:sp>
+          <p:sp>
+            <p:nvSpPr>
+              <p:cNvPr id="112" name="楕円 111">
+                <a:extLst>
+                  <a:ext uri="{FF2B5EF4-FFF2-40B4-BE49-F238E27FC236}">
+                    <a16:creationId xmlns:a16="http://schemas.microsoft.com/office/drawing/2014/main" id="{71C457CF-6EA6-4C2C-AD6D-EDCBA757808B}"/>
+                  </a:ext>
+                </a:extLst>
+              </p:cNvPr>
+              <p:cNvSpPr/>
+              <p:nvPr/>
+            </p:nvSpPr>
+            <p:spPr>
+              <a:xfrm>
+                <a:off x="3448722" y="3480713"/>
+                <a:ext cx="54000" cy="54000"/>
+              </a:xfrm>
+              <a:prstGeom prst="ellipse">
+                <a:avLst/>
+              </a:prstGeom>
+            </p:spPr>
+            <p:style>
+              <a:lnRef idx="2">
+                <a:schemeClr val="dk1">
+                  <a:shade val="50000"/>
+                </a:schemeClr>
+              </a:lnRef>
+              <a:fillRef idx="1">
+                <a:schemeClr val="dk1"/>
+              </a:fillRef>
+              <a:effectRef idx="0">
+                <a:schemeClr val="dk1"/>
+              </a:effectRef>
+              <a:fontRef idx="minor">
+                <a:schemeClr val="lt1"/>
+              </a:fontRef>
+            </p:style>
+            <p:txBody>
+              <a:bodyPr rtlCol="0" anchor="ctr"/>
+              <a:lstStyle/>
+              <a:p>
+                <a:pPr algn="ctr"/>
+                <a:endParaRPr kumimoji="1" lang="ja-JP" altLang="en-US"/>
+              </a:p>
+            </p:txBody>
+          </p:sp>
+          <p:sp>
+            <p:nvSpPr>
+              <p:cNvPr id="113" name="楕円 112">
+                <a:extLst>
+                  <a:ext uri="{FF2B5EF4-FFF2-40B4-BE49-F238E27FC236}">
+                    <a16:creationId xmlns:a16="http://schemas.microsoft.com/office/drawing/2014/main" id="{533D01FD-C421-4410-AAC2-2223B79831C5}"/>
+                  </a:ext>
+                </a:extLst>
+              </p:cNvPr>
+              <p:cNvSpPr/>
+              <p:nvPr/>
+            </p:nvSpPr>
+            <p:spPr>
+              <a:xfrm>
+                <a:off x="3473641" y="3533524"/>
+                <a:ext cx="54000" cy="54000"/>
+              </a:xfrm>
+              <a:prstGeom prst="ellipse">
+                <a:avLst/>
+              </a:prstGeom>
+            </p:spPr>
+            <p:style>
+              <a:lnRef idx="2">
+                <a:schemeClr val="dk1">
+                  <a:shade val="50000"/>
+                </a:schemeClr>
+              </a:lnRef>
+              <a:fillRef idx="1">
+                <a:schemeClr val="dk1"/>
+              </a:fillRef>
+              <a:effectRef idx="0">
+                <a:schemeClr val="dk1"/>
+              </a:effectRef>
+              <a:fontRef idx="minor">
+                <a:schemeClr val="lt1"/>
+              </a:fontRef>
+            </p:style>
+            <p:txBody>
+              <a:bodyPr rtlCol="0" anchor="ctr"/>
+              <a:lstStyle/>
+              <a:p>
+                <a:pPr algn="ctr"/>
+                <a:endParaRPr kumimoji="1" lang="ja-JP" altLang="en-US"/>
+              </a:p>
+            </p:txBody>
+          </p:sp>
+          <p:sp>
+            <p:nvSpPr>
+              <p:cNvPr id="114" name="楕円 113">
+                <a:extLst>
+                  <a:ext uri="{FF2B5EF4-FFF2-40B4-BE49-F238E27FC236}">
+                    <a16:creationId xmlns:a16="http://schemas.microsoft.com/office/drawing/2014/main" id="{C98C6673-CD8B-4072-818C-3272101C42F3}"/>
+                  </a:ext>
+                </a:extLst>
+              </p:cNvPr>
+              <p:cNvSpPr/>
+              <p:nvPr/>
+            </p:nvSpPr>
+            <p:spPr>
+              <a:xfrm>
+                <a:off x="3285053" y="4152939"/>
+                <a:ext cx="54000" cy="54000"/>
+              </a:xfrm>
+              <a:prstGeom prst="ellipse">
+                <a:avLst/>
+              </a:prstGeom>
+            </p:spPr>
+            <p:style>
+              <a:lnRef idx="2">
+                <a:schemeClr val="dk1">
+                  <a:shade val="50000"/>
+                </a:schemeClr>
+              </a:lnRef>
+              <a:fillRef idx="1">
+                <a:schemeClr val="dk1"/>
+              </a:fillRef>
+              <a:effectRef idx="0">
+                <a:schemeClr val="dk1"/>
+              </a:effectRef>
+              <a:fontRef idx="minor">
+                <a:schemeClr val="lt1"/>
+              </a:fontRef>
+            </p:style>
+            <p:txBody>
+              <a:bodyPr rtlCol="0" anchor="ctr"/>
+              <a:lstStyle/>
+              <a:p>
+                <a:pPr algn="ctr"/>
+                <a:endParaRPr kumimoji="1" lang="ja-JP" altLang="en-US"/>
+              </a:p>
+            </p:txBody>
+          </p:sp>
+          <p:sp>
+            <p:nvSpPr>
+              <p:cNvPr id="115" name="楕円 114">
+                <a:extLst>
+                  <a:ext uri="{FF2B5EF4-FFF2-40B4-BE49-F238E27FC236}">
+                    <a16:creationId xmlns:a16="http://schemas.microsoft.com/office/drawing/2014/main" id="{8949AA42-AECB-48B5-93BE-6A068EF75913}"/>
+                  </a:ext>
+                </a:extLst>
+              </p:cNvPr>
+              <p:cNvSpPr/>
+              <p:nvPr/>
+            </p:nvSpPr>
+            <p:spPr>
+              <a:xfrm>
+                <a:off x="3312053" y="4246043"/>
+                <a:ext cx="54000" cy="54000"/>
+              </a:xfrm>
+              <a:prstGeom prst="ellipse">
+                <a:avLst/>
+              </a:prstGeom>
+            </p:spPr>
+            <p:style>
+              <a:lnRef idx="2">
+                <a:schemeClr val="dk1">
+                  <a:shade val="50000"/>
+                </a:schemeClr>
+              </a:lnRef>
+              <a:fillRef idx="1">
+                <a:schemeClr val="dk1"/>
+              </a:fillRef>
+              <a:effectRef idx="0">
+                <a:schemeClr val="dk1"/>
+              </a:effectRef>
+              <a:fontRef idx="minor">
+                <a:schemeClr val="lt1"/>
+              </a:fontRef>
+            </p:style>
+            <p:txBody>
+              <a:bodyPr rtlCol="0" anchor="ctr"/>
+              <a:lstStyle/>
+              <a:p>
+                <a:pPr algn="ctr"/>
+                <a:endParaRPr kumimoji="1" lang="ja-JP" altLang="en-US"/>
+              </a:p>
+            </p:txBody>
+          </p:sp>
+          <p:sp>
+            <p:nvSpPr>
+              <p:cNvPr id="116" name="楕円 115">
+                <a:extLst>
+                  <a:ext uri="{FF2B5EF4-FFF2-40B4-BE49-F238E27FC236}">
+                    <a16:creationId xmlns:a16="http://schemas.microsoft.com/office/drawing/2014/main" id="{4431B271-BBE3-4E08-8ECA-C4C900C9FAD7}"/>
+                  </a:ext>
+                </a:extLst>
+              </p:cNvPr>
+              <p:cNvSpPr/>
+              <p:nvPr/>
+            </p:nvSpPr>
+            <p:spPr>
+              <a:xfrm>
+                <a:off x="3249940" y="4299109"/>
+                <a:ext cx="54000" cy="54000"/>
+              </a:xfrm>
+              <a:prstGeom prst="ellipse">
+                <a:avLst/>
+              </a:prstGeom>
+            </p:spPr>
+            <p:style>
+              <a:lnRef idx="2">
+                <a:schemeClr val="dk1">
+                  <a:shade val="50000"/>
+                </a:schemeClr>
+              </a:lnRef>
+              <a:fillRef idx="1">
+                <a:schemeClr val="dk1"/>
+              </a:fillRef>
+              <a:effectRef idx="0">
+                <a:schemeClr val="dk1"/>
+              </a:effectRef>
+              <a:fontRef idx="minor">
+                <a:schemeClr val="lt1"/>
+              </a:fontRef>
+            </p:style>
+            <p:txBody>
+              <a:bodyPr rtlCol="0" anchor="ctr"/>
+              <a:lstStyle/>
+              <a:p>
+                <a:pPr algn="ctr"/>
+                <a:endParaRPr kumimoji="1" lang="ja-JP" altLang="en-US"/>
+              </a:p>
+            </p:txBody>
+          </p:sp>
+          <p:sp>
+            <p:nvSpPr>
+              <p:cNvPr id="117" name="楕円 116">
+                <a:extLst>
+                  <a:ext uri="{FF2B5EF4-FFF2-40B4-BE49-F238E27FC236}">
+                    <a16:creationId xmlns:a16="http://schemas.microsoft.com/office/drawing/2014/main" id="{33334796-F6FD-46C3-AAD0-076C688F8F00}"/>
+                  </a:ext>
+                </a:extLst>
+              </p:cNvPr>
+              <p:cNvSpPr/>
+              <p:nvPr/>
+            </p:nvSpPr>
+            <p:spPr>
+              <a:xfrm>
+                <a:off x="3285053" y="4372293"/>
+                <a:ext cx="54000" cy="54000"/>
+              </a:xfrm>
+              <a:prstGeom prst="ellipse">
+                <a:avLst/>
+              </a:prstGeom>
+            </p:spPr>
+            <p:style>
+              <a:lnRef idx="2">
+                <a:schemeClr val="dk1">
+                  <a:shade val="50000"/>
+                </a:schemeClr>
+              </a:lnRef>
+              <a:fillRef idx="1">
+                <a:schemeClr val="dk1"/>
+              </a:fillRef>
+              <a:effectRef idx="0">
+                <a:schemeClr val="dk1"/>
+              </a:effectRef>
+              <a:fontRef idx="minor">
+                <a:schemeClr val="lt1"/>
+              </a:fontRef>
+            </p:style>
+            <p:txBody>
+              <a:bodyPr rtlCol="0" anchor="ctr"/>
+              <a:lstStyle/>
+              <a:p>
+                <a:pPr algn="ctr"/>
+                <a:endParaRPr kumimoji="1" lang="ja-JP" altLang="en-US"/>
+              </a:p>
+            </p:txBody>
+          </p:sp>
+          <p:sp>
+            <p:nvSpPr>
+              <p:cNvPr id="118" name="楕円 117">
+                <a:extLst>
+                  <a:ext uri="{FF2B5EF4-FFF2-40B4-BE49-F238E27FC236}">
+                    <a16:creationId xmlns:a16="http://schemas.microsoft.com/office/drawing/2014/main" id="{23E005B5-6C33-40CB-98FE-5C011B4AB127}"/>
+                  </a:ext>
+                </a:extLst>
+              </p:cNvPr>
+              <p:cNvSpPr/>
+              <p:nvPr/>
+            </p:nvSpPr>
+            <p:spPr>
+              <a:xfrm>
+                <a:off x="3222940" y="4385758"/>
+                <a:ext cx="54000" cy="54000"/>
+              </a:xfrm>
+              <a:prstGeom prst="ellipse">
+                <a:avLst/>
+              </a:prstGeom>
+            </p:spPr>
+            <p:style>
+              <a:lnRef idx="2">
+                <a:schemeClr val="dk1">
+                  <a:shade val="50000"/>
+                </a:schemeClr>
+              </a:lnRef>
+              <a:fillRef idx="1">
+                <a:schemeClr val="dk1"/>
+              </a:fillRef>
+              <a:effectRef idx="0">
+                <a:schemeClr val="dk1"/>
+              </a:effectRef>
+              <a:fontRef idx="minor">
+                <a:schemeClr val="lt1"/>
+              </a:fontRef>
+            </p:style>
+            <p:txBody>
+              <a:bodyPr rtlCol="0" anchor="ctr"/>
+              <a:lstStyle/>
+              <a:p>
+                <a:pPr algn="ctr"/>
+                <a:endParaRPr kumimoji="1" lang="ja-JP" altLang="en-US"/>
+              </a:p>
+            </p:txBody>
+          </p:sp>
+          <p:sp>
+            <p:nvSpPr>
+              <p:cNvPr id="119" name="楕円 118">
+                <a:extLst>
+                  <a:ext uri="{FF2B5EF4-FFF2-40B4-BE49-F238E27FC236}">
+                    <a16:creationId xmlns:a16="http://schemas.microsoft.com/office/drawing/2014/main" id="{29A75B6A-5E2D-4E3B-B3C6-9629F10803BD}"/>
+                  </a:ext>
+                </a:extLst>
+              </p:cNvPr>
+              <p:cNvSpPr/>
+              <p:nvPr/>
+            </p:nvSpPr>
+            <p:spPr>
+              <a:xfrm>
+                <a:off x="3231053" y="4478598"/>
+                <a:ext cx="54000" cy="54000"/>
+              </a:xfrm>
+              <a:prstGeom prst="ellipse">
+                <a:avLst/>
+              </a:prstGeom>
+            </p:spPr>
+            <p:style>
+              <a:lnRef idx="2">
+                <a:schemeClr val="dk1">
+                  <a:shade val="50000"/>
+                </a:schemeClr>
+              </a:lnRef>
+              <a:fillRef idx="1">
+                <a:schemeClr val="dk1"/>
+              </a:fillRef>
+              <a:effectRef idx="0">
+                <a:schemeClr val="dk1"/>
+              </a:effectRef>
+              <a:fontRef idx="minor">
+                <a:schemeClr val="lt1"/>
+              </a:fontRef>
+            </p:style>
+            <p:txBody>
+              <a:bodyPr rtlCol="0" anchor="ctr"/>
+              <a:lstStyle/>
+              <a:p>
+                <a:pPr algn="ctr"/>
+                <a:endParaRPr kumimoji="1" lang="ja-JP" altLang="en-US"/>
+              </a:p>
+            </p:txBody>
+          </p:sp>
+          <p:sp>
+            <p:nvSpPr>
+              <p:cNvPr id="120" name="楕円 119">
+                <a:extLst>
+                  <a:ext uri="{FF2B5EF4-FFF2-40B4-BE49-F238E27FC236}">
+                    <a16:creationId xmlns:a16="http://schemas.microsoft.com/office/drawing/2014/main" id="{CBA8D1E9-81F7-48F0-9F1B-DFCA3280AF9A}"/>
+                  </a:ext>
+                </a:extLst>
+              </p:cNvPr>
+              <p:cNvSpPr/>
+              <p:nvPr/>
+            </p:nvSpPr>
+            <p:spPr>
+              <a:xfrm>
+                <a:off x="3168940" y="4531617"/>
+                <a:ext cx="54000" cy="54000"/>
+              </a:xfrm>
+              <a:prstGeom prst="ellipse">
+                <a:avLst/>
+              </a:prstGeom>
+            </p:spPr>
+            <p:style>
+              <a:lnRef idx="2">
+                <a:schemeClr val="dk1">
+                  <a:shade val="50000"/>
+                </a:schemeClr>
+              </a:lnRef>
+              <a:fillRef idx="1">
+                <a:schemeClr val="dk1"/>
+              </a:fillRef>
+              <a:effectRef idx="0">
+                <a:schemeClr val="dk1"/>
+              </a:effectRef>
+              <a:fontRef idx="minor">
+                <a:schemeClr val="lt1"/>
+              </a:fontRef>
+            </p:style>
+            <p:txBody>
+              <a:bodyPr rtlCol="0" anchor="ctr"/>
+              <a:lstStyle/>
+              <a:p>
+                <a:pPr algn="ctr"/>
+                <a:endParaRPr kumimoji="1" lang="ja-JP" altLang="en-US"/>
+              </a:p>
+            </p:txBody>
+          </p:sp>
+          <p:sp>
+            <p:nvSpPr>
+              <p:cNvPr id="121" name="楕円 120">
+                <a:extLst>
+                  <a:ext uri="{FF2B5EF4-FFF2-40B4-BE49-F238E27FC236}">
+                    <a16:creationId xmlns:a16="http://schemas.microsoft.com/office/drawing/2014/main" id="{192E2726-3EF5-4CF7-AAE4-61F7C5328B87}"/>
+                  </a:ext>
+                </a:extLst>
+              </p:cNvPr>
+              <p:cNvSpPr/>
+              <p:nvPr/>
+            </p:nvSpPr>
+            <p:spPr>
+              <a:xfrm>
+                <a:off x="3168940" y="4624414"/>
+                <a:ext cx="54000" cy="54000"/>
+              </a:xfrm>
+              <a:prstGeom prst="ellipse">
+                <a:avLst/>
+              </a:prstGeom>
+            </p:spPr>
+            <p:style>
+              <a:lnRef idx="2">
+                <a:schemeClr val="dk1">
+                  <a:shade val="50000"/>
+                </a:schemeClr>
+              </a:lnRef>
+              <a:fillRef idx="1">
+                <a:schemeClr val="dk1"/>
+              </a:fillRef>
+              <a:effectRef idx="0">
+                <a:schemeClr val="dk1"/>
+              </a:effectRef>
+              <a:fontRef idx="minor">
+                <a:schemeClr val="lt1"/>
+              </a:fontRef>
+            </p:style>
+            <p:txBody>
+              <a:bodyPr rtlCol="0" anchor="ctr"/>
+              <a:lstStyle/>
+              <a:p>
+                <a:pPr algn="ctr"/>
+                <a:endParaRPr kumimoji="1" lang="ja-JP" altLang="en-US"/>
+              </a:p>
+            </p:txBody>
+          </p:sp>
+          <p:sp>
+            <p:nvSpPr>
+              <p:cNvPr id="122" name="楕円 121">
+                <a:extLst>
+                  <a:ext uri="{FF2B5EF4-FFF2-40B4-BE49-F238E27FC236}">
+                    <a16:creationId xmlns:a16="http://schemas.microsoft.com/office/drawing/2014/main" id="{FC07DE9F-7170-4567-82CE-A76A58921B5F}"/>
+                  </a:ext>
+                </a:extLst>
+              </p:cNvPr>
+              <p:cNvSpPr/>
+              <p:nvPr/>
+            </p:nvSpPr>
+            <p:spPr>
+              <a:xfrm>
+                <a:off x="4634523" y="3037318"/>
+                <a:ext cx="54000" cy="54000"/>
+              </a:xfrm>
+              <a:prstGeom prst="ellipse">
+                <a:avLst/>
+              </a:prstGeom>
+            </p:spPr>
+            <p:style>
+              <a:lnRef idx="2">
+                <a:schemeClr val="dk1">
+                  <a:shade val="50000"/>
+                </a:schemeClr>
+              </a:lnRef>
+              <a:fillRef idx="1">
+                <a:schemeClr val="dk1"/>
+              </a:fillRef>
+              <a:effectRef idx="0">
+                <a:schemeClr val="dk1"/>
+              </a:effectRef>
+              <a:fontRef idx="minor">
+                <a:schemeClr val="lt1"/>
+              </a:fontRef>
+            </p:style>
+            <p:txBody>
+              <a:bodyPr rtlCol="0" anchor="ctr"/>
+              <a:lstStyle/>
+              <a:p>
+                <a:pPr algn="ctr"/>
+                <a:endParaRPr kumimoji="1" lang="ja-JP" altLang="en-US"/>
+              </a:p>
+            </p:txBody>
+          </p:sp>
+          <p:sp>
+            <p:nvSpPr>
+              <p:cNvPr id="123" name="楕円 122">
+                <a:extLst>
+                  <a:ext uri="{FF2B5EF4-FFF2-40B4-BE49-F238E27FC236}">
+                    <a16:creationId xmlns:a16="http://schemas.microsoft.com/office/drawing/2014/main" id="{6C868D26-F2DE-40BD-A8C2-C2A77BB5B904}"/>
+                  </a:ext>
+                </a:extLst>
+              </p:cNvPr>
+              <p:cNvSpPr/>
+              <p:nvPr/>
+            </p:nvSpPr>
+            <p:spPr>
+              <a:xfrm>
+                <a:off x="4715898" y="3120000"/>
+                <a:ext cx="54000" cy="54000"/>
+              </a:xfrm>
+              <a:prstGeom prst="ellipse">
+                <a:avLst/>
+              </a:prstGeom>
+            </p:spPr>
+            <p:style>
+              <a:lnRef idx="2">
+                <a:schemeClr val="dk1">
+                  <a:shade val="50000"/>
+                </a:schemeClr>
+              </a:lnRef>
+              <a:fillRef idx="1">
+                <a:schemeClr val="dk1"/>
+              </a:fillRef>
+              <a:effectRef idx="0">
+                <a:schemeClr val="dk1"/>
+              </a:effectRef>
+              <a:fontRef idx="minor">
+                <a:schemeClr val="lt1"/>
+              </a:fontRef>
+            </p:style>
+            <p:txBody>
+              <a:bodyPr rtlCol="0" anchor="ctr"/>
+              <a:lstStyle/>
+              <a:p>
+                <a:pPr algn="ctr"/>
+                <a:endParaRPr kumimoji="1" lang="ja-JP" altLang="en-US"/>
+              </a:p>
+            </p:txBody>
+          </p:sp>
+          <p:sp>
+            <p:nvSpPr>
+              <p:cNvPr id="124" name="楕円 123">
+                <a:extLst>
+                  <a:ext uri="{FF2B5EF4-FFF2-40B4-BE49-F238E27FC236}">
+                    <a16:creationId xmlns:a16="http://schemas.microsoft.com/office/drawing/2014/main" id="{E6F8DEC9-EDB1-4D2A-83FD-C8047257CC78}"/>
+                  </a:ext>
+                </a:extLst>
+              </p:cNvPr>
+              <p:cNvSpPr/>
+              <p:nvPr/>
+            </p:nvSpPr>
+            <p:spPr>
+              <a:xfrm>
+                <a:off x="4666868" y="3252709"/>
+                <a:ext cx="54000" cy="54000"/>
+              </a:xfrm>
+              <a:prstGeom prst="ellipse">
+                <a:avLst/>
+              </a:prstGeom>
+            </p:spPr>
+            <p:style>
+              <a:lnRef idx="2">
+                <a:schemeClr val="dk1">
+                  <a:shade val="50000"/>
+                </a:schemeClr>
+              </a:lnRef>
+              <a:fillRef idx="1">
+                <a:schemeClr val="dk1"/>
+              </a:fillRef>
+              <a:effectRef idx="0">
+                <a:schemeClr val="dk1"/>
+              </a:effectRef>
+              <a:fontRef idx="minor">
+                <a:schemeClr val="lt1"/>
+              </a:fontRef>
+            </p:style>
+            <p:txBody>
+              <a:bodyPr rtlCol="0" anchor="ctr"/>
+              <a:lstStyle/>
+              <a:p>
+                <a:pPr algn="ctr"/>
+                <a:endParaRPr kumimoji="1" lang="ja-JP" altLang="en-US"/>
+              </a:p>
+            </p:txBody>
+          </p:sp>
+          <p:sp>
+            <p:nvSpPr>
+              <p:cNvPr id="125" name="楕円 124">
+                <a:extLst>
+                  <a:ext uri="{FF2B5EF4-FFF2-40B4-BE49-F238E27FC236}">
+                    <a16:creationId xmlns:a16="http://schemas.microsoft.com/office/drawing/2014/main" id="{3EBD2C69-922D-4629-BC7A-CE0F580C9250}"/>
+                  </a:ext>
+                </a:extLst>
+              </p:cNvPr>
+              <p:cNvSpPr/>
+              <p:nvPr/>
+            </p:nvSpPr>
+            <p:spPr>
+              <a:xfrm>
+                <a:off x="4727528" y="3195990"/>
+                <a:ext cx="54000" cy="54000"/>
+              </a:xfrm>
+              <a:prstGeom prst="ellipse">
+                <a:avLst/>
+              </a:prstGeom>
+            </p:spPr>
+            <p:style>
+              <a:lnRef idx="2">
+                <a:schemeClr val="dk1">
+                  <a:shade val="50000"/>
+                </a:schemeClr>
+              </a:lnRef>
+              <a:fillRef idx="1">
+                <a:schemeClr val="dk1"/>
+              </a:fillRef>
+              <a:effectRef idx="0">
+                <a:schemeClr val="dk1"/>
+              </a:effectRef>
+              <a:fontRef idx="minor">
+                <a:schemeClr val="lt1"/>
+              </a:fontRef>
+            </p:style>
+            <p:txBody>
+              <a:bodyPr rtlCol="0" anchor="ctr"/>
+              <a:lstStyle/>
+              <a:p>
+                <a:pPr algn="ctr"/>
+                <a:endParaRPr kumimoji="1" lang="ja-JP" altLang="en-US"/>
+              </a:p>
+            </p:txBody>
+          </p:sp>
+          <p:sp>
+            <p:nvSpPr>
+              <p:cNvPr id="126" name="楕円 125">
+                <a:extLst>
+                  <a:ext uri="{FF2B5EF4-FFF2-40B4-BE49-F238E27FC236}">
+                    <a16:creationId xmlns:a16="http://schemas.microsoft.com/office/drawing/2014/main" id="{E273F27B-7788-413A-A2B1-51CB1292C24B}"/>
+                  </a:ext>
+                </a:extLst>
+              </p:cNvPr>
+              <p:cNvSpPr/>
+              <p:nvPr/>
+            </p:nvSpPr>
+            <p:spPr>
+              <a:xfrm>
+                <a:off x="4725341" y="3328699"/>
+                <a:ext cx="54000" cy="54000"/>
+              </a:xfrm>
+              <a:prstGeom prst="ellipse">
+                <a:avLst/>
+              </a:prstGeom>
+            </p:spPr>
+            <p:style>
+              <a:lnRef idx="2">
+                <a:schemeClr val="dk1">
+                  <a:shade val="50000"/>
+                </a:schemeClr>
+              </a:lnRef>
+              <a:fillRef idx="1">
+                <a:schemeClr val="dk1"/>
+              </a:fillRef>
+              <a:effectRef idx="0">
+                <a:schemeClr val="dk1"/>
+              </a:effectRef>
+              <a:fontRef idx="minor">
+                <a:schemeClr val="lt1"/>
+              </a:fontRef>
+            </p:style>
+            <p:txBody>
+              <a:bodyPr rtlCol="0" anchor="ctr"/>
+              <a:lstStyle/>
+              <a:p>
+                <a:pPr algn="ctr"/>
+                <a:endParaRPr kumimoji="1" lang="ja-JP" altLang="en-US"/>
+              </a:p>
+            </p:txBody>
+          </p:sp>
+          <p:sp>
+            <p:nvSpPr>
+              <p:cNvPr id="127" name="楕円 126">
+                <a:extLst>
+                  <a:ext uri="{FF2B5EF4-FFF2-40B4-BE49-F238E27FC236}">
+                    <a16:creationId xmlns:a16="http://schemas.microsoft.com/office/drawing/2014/main" id="{CD127535-E687-49E7-AC5E-B5AFABC06D4C}"/>
+                  </a:ext>
+                </a:extLst>
+              </p:cNvPr>
+              <p:cNvSpPr/>
+              <p:nvPr/>
+            </p:nvSpPr>
+            <p:spPr>
+              <a:xfrm>
+                <a:off x="4681998" y="3381792"/>
+                <a:ext cx="54000" cy="54000"/>
+              </a:xfrm>
+              <a:prstGeom prst="ellipse">
+                <a:avLst/>
+              </a:prstGeom>
+            </p:spPr>
+            <p:style>
+              <a:lnRef idx="2">
+                <a:schemeClr val="dk1">
+                  <a:shade val="50000"/>
+                </a:schemeClr>
+              </a:lnRef>
+              <a:fillRef idx="1">
+                <a:schemeClr val="dk1"/>
+              </a:fillRef>
+              <a:effectRef idx="0">
+                <a:schemeClr val="dk1"/>
+              </a:effectRef>
+              <a:fontRef idx="minor">
+                <a:schemeClr val="lt1"/>
+              </a:fontRef>
+            </p:style>
+            <p:txBody>
+              <a:bodyPr rtlCol="0" anchor="ctr"/>
+              <a:lstStyle/>
+              <a:p>
+                <a:pPr algn="ctr"/>
+                <a:endParaRPr kumimoji="1" lang="ja-JP" altLang="en-US"/>
+              </a:p>
+            </p:txBody>
+          </p:sp>
+          <p:sp>
+            <p:nvSpPr>
+              <p:cNvPr id="128" name="楕円 127">
+                <a:extLst>
+                  <a:ext uri="{FF2B5EF4-FFF2-40B4-BE49-F238E27FC236}">
+                    <a16:creationId xmlns:a16="http://schemas.microsoft.com/office/drawing/2014/main" id="{AC8FA63C-8E2E-4D48-B52C-74F8FF816076}"/>
+                  </a:ext>
+                </a:extLst>
+              </p:cNvPr>
+              <p:cNvSpPr/>
+              <p:nvPr/>
+            </p:nvSpPr>
+            <p:spPr>
+              <a:xfrm>
+                <a:off x="4752341" y="3444857"/>
+                <a:ext cx="54000" cy="54000"/>
+              </a:xfrm>
+              <a:prstGeom prst="ellipse">
+                <a:avLst/>
+              </a:prstGeom>
+            </p:spPr>
+            <p:style>
+              <a:lnRef idx="2">
+                <a:schemeClr val="dk1">
+                  <a:shade val="50000"/>
+                </a:schemeClr>
+              </a:lnRef>
+              <a:fillRef idx="1">
+                <a:schemeClr val="dk1"/>
+              </a:fillRef>
+              <a:effectRef idx="0">
+                <a:schemeClr val="dk1"/>
+              </a:effectRef>
+              <a:fontRef idx="minor">
+                <a:schemeClr val="lt1"/>
+              </a:fontRef>
+            </p:style>
+            <p:txBody>
+              <a:bodyPr rtlCol="0" anchor="ctr"/>
+              <a:lstStyle/>
+              <a:p>
+                <a:pPr algn="ctr"/>
+                <a:endParaRPr kumimoji="1" lang="ja-JP" altLang="en-US"/>
+              </a:p>
+            </p:txBody>
+          </p:sp>
+          <p:sp>
+            <p:nvSpPr>
+              <p:cNvPr id="129" name="楕円 128">
+                <a:extLst>
+                  <a:ext uri="{FF2B5EF4-FFF2-40B4-BE49-F238E27FC236}">
+                    <a16:creationId xmlns:a16="http://schemas.microsoft.com/office/drawing/2014/main" id="{C99F3D81-8F42-4B94-B9B4-B05FABBAF24B}"/>
+                  </a:ext>
+                </a:extLst>
+              </p:cNvPr>
+              <p:cNvSpPr/>
+              <p:nvPr/>
+            </p:nvSpPr>
+            <p:spPr>
+              <a:xfrm>
+                <a:off x="4688523" y="3498752"/>
+                <a:ext cx="54000" cy="54000"/>
+              </a:xfrm>
+              <a:prstGeom prst="ellipse">
+                <a:avLst/>
+              </a:prstGeom>
+            </p:spPr>
+            <p:style>
+              <a:lnRef idx="2">
+                <a:schemeClr val="dk1">
+                  <a:shade val="50000"/>
+                </a:schemeClr>
+              </a:lnRef>
+              <a:fillRef idx="1">
+                <a:schemeClr val="dk1"/>
+              </a:fillRef>
+              <a:effectRef idx="0">
+                <a:schemeClr val="dk1"/>
+              </a:effectRef>
+              <a:fontRef idx="minor">
+                <a:schemeClr val="lt1"/>
+              </a:fontRef>
+            </p:style>
+            <p:txBody>
+              <a:bodyPr rtlCol="0" anchor="ctr"/>
+              <a:lstStyle/>
+              <a:p>
+                <a:pPr algn="ctr"/>
+                <a:endParaRPr kumimoji="1" lang="ja-JP" altLang="en-US"/>
+              </a:p>
+            </p:txBody>
+          </p:sp>
+          <p:sp>
+            <p:nvSpPr>
+              <p:cNvPr id="130" name="楕円 129">
+                <a:extLst>
+                  <a:ext uri="{FF2B5EF4-FFF2-40B4-BE49-F238E27FC236}">
+                    <a16:creationId xmlns:a16="http://schemas.microsoft.com/office/drawing/2014/main" id="{419193A8-3041-4AEC-83AB-319C77630973}"/>
+                  </a:ext>
+                </a:extLst>
+              </p:cNvPr>
+              <p:cNvSpPr/>
+              <p:nvPr/>
+            </p:nvSpPr>
+            <p:spPr>
+              <a:xfrm>
+                <a:off x="4806341" y="4165919"/>
+                <a:ext cx="54000" cy="54000"/>
+              </a:xfrm>
+              <a:prstGeom prst="ellipse">
+                <a:avLst/>
+              </a:prstGeom>
+            </p:spPr>
+            <p:style>
+              <a:lnRef idx="2">
+                <a:schemeClr val="dk1">
+                  <a:shade val="50000"/>
+                </a:schemeClr>
+              </a:lnRef>
+              <a:fillRef idx="1">
+                <a:schemeClr val="dk1"/>
+              </a:fillRef>
+              <a:effectRef idx="0">
+                <a:schemeClr val="dk1"/>
+              </a:effectRef>
+              <a:fontRef idx="minor">
+                <a:schemeClr val="lt1"/>
+              </a:fontRef>
+            </p:style>
+            <p:txBody>
+              <a:bodyPr rtlCol="0" anchor="ctr"/>
+              <a:lstStyle/>
+              <a:p>
+                <a:pPr algn="ctr"/>
+                <a:endParaRPr kumimoji="1" lang="ja-JP" altLang="en-US"/>
+              </a:p>
+            </p:txBody>
+          </p:sp>
+          <p:cxnSp>
+            <p:nvCxnSpPr>
+              <p:cNvPr id="131" name="直線コネクタ 130">
+                <a:extLst>
+                  <a:ext uri="{FF2B5EF4-FFF2-40B4-BE49-F238E27FC236}">
+                    <a16:creationId xmlns:a16="http://schemas.microsoft.com/office/drawing/2014/main" id="{114547AE-5D52-4D62-80E5-4F65E94D26D0}"/>
+                  </a:ext>
+                </a:extLst>
+              </p:cNvPr>
+              <p:cNvCxnSpPr>
+                <a:cxnSpLocks/>
+              </p:cNvCxnSpPr>
+              <p:nvPr/>
+            </p:nvCxnSpPr>
+            <p:spPr>
+              <a:xfrm>
+                <a:off x="4572000" y="2556077"/>
+                <a:ext cx="109998" cy="475343"/>
+              </a:xfrm>
+              <a:prstGeom prst="line">
+                <a:avLst/>
+              </a:prstGeom>
+            </p:spPr>
+            <p:style>
+              <a:lnRef idx="1">
+                <a:schemeClr val="dk1"/>
+              </a:lnRef>
+              <a:fillRef idx="0">
+                <a:schemeClr val="dk1"/>
+              </a:fillRef>
+              <a:effectRef idx="0">
+                <a:schemeClr val="dk1"/>
+              </a:effectRef>
+              <a:fontRef idx="minor">
+                <a:schemeClr val="tx1"/>
+              </a:fontRef>
+            </p:style>
+          </p:cxnSp>
+          <p:cxnSp>
+            <p:nvCxnSpPr>
+              <p:cNvPr id="132" name="直線矢印コネクタ 131">
+                <a:extLst>
+                  <a:ext uri="{FF2B5EF4-FFF2-40B4-BE49-F238E27FC236}">
+                    <a16:creationId xmlns:a16="http://schemas.microsoft.com/office/drawing/2014/main" id="{46E736B1-E55D-41DA-A3D3-76464FC8B8E7}"/>
+                  </a:ext>
+                </a:extLst>
+              </p:cNvPr>
+              <p:cNvCxnSpPr>
+                <a:cxnSpLocks/>
+              </p:cNvCxnSpPr>
+              <p:nvPr/>
+            </p:nvCxnSpPr>
+            <p:spPr>
+              <a:xfrm>
+                <a:off x="4887311" y="4697127"/>
+                <a:ext cx="102132" cy="385901"/>
+              </a:xfrm>
+              <a:prstGeom prst="straightConnector1">
+                <a:avLst/>
+              </a:prstGeom>
+              <a:ln>
+                <a:tailEnd type="triangle"/>
+              </a:ln>
+            </p:spPr>
+            <p:style>
+              <a:lnRef idx="1">
+                <a:schemeClr val="dk1"/>
+              </a:lnRef>
+              <a:fillRef idx="0">
+                <a:schemeClr val="dk1"/>
+              </a:fillRef>
+              <a:effectRef idx="0">
+                <a:schemeClr val="dk1"/>
+              </a:effectRef>
+              <a:fontRef idx="minor">
+                <a:schemeClr val="tx1"/>
+              </a:fontRef>
+            </p:style>
+          </p:cxnSp>
+          <p:sp>
+            <p:nvSpPr>
+              <p:cNvPr id="133" name="楕円 132">
+                <a:extLst>
+                  <a:ext uri="{FF2B5EF4-FFF2-40B4-BE49-F238E27FC236}">
+                    <a16:creationId xmlns:a16="http://schemas.microsoft.com/office/drawing/2014/main" id="{79145DF6-8558-4ACB-9AF5-22A82BEA93C1}"/>
+                  </a:ext>
+                </a:extLst>
+              </p:cNvPr>
+              <p:cNvSpPr/>
+              <p:nvPr/>
+            </p:nvSpPr>
+            <p:spPr>
+              <a:xfrm>
+                <a:off x="4779341" y="4239296"/>
+                <a:ext cx="54000" cy="54000"/>
+              </a:xfrm>
+              <a:prstGeom prst="ellipse">
+                <a:avLst/>
+              </a:prstGeom>
+            </p:spPr>
+            <p:style>
+              <a:lnRef idx="2">
+                <a:schemeClr val="dk1">
+                  <a:shade val="50000"/>
+                </a:schemeClr>
+              </a:lnRef>
+              <a:fillRef idx="1">
+                <a:schemeClr val="dk1"/>
+              </a:fillRef>
+              <a:effectRef idx="0">
+                <a:schemeClr val="dk1"/>
+              </a:effectRef>
+              <a:fontRef idx="minor">
+                <a:schemeClr val="lt1"/>
+              </a:fontRef>
+            </p:style>
+            <p:txBody>
+              <a:bodyPr rtlCol="0" anchor="ctr"/>
+              <a:lstStyle/>
+              <a:p>
+                <a:pPr algn="ctr"/>
+                <a:endParaRPr kumimoji="1" lang="ja-JP" altLang="en-US"/>
+              </a:p>
+            </p:txBody>
+          </p:sp>
+          <p:sp>
+            <p:nvSpPr>
+              <p:cNvPr id="134" name="楕円 133">
+                <a:extLst>
+                  <a:ext uri="{FF2B5EF4-FFF2-40B4-BE49-F238E27FC236}">
+                    <a16:creationId xmlns:a16="http://schemas.microsoft.com/office/drawing/2014/main" id="{40225B27-A51A-4162-826F-72C19925B417}"/>
+                  </a:ext>
+                </a:extLst>
+              </p:cNvPr>
+              <p:cNvSpPr/>
+              <p:nvPr/>
+            </p:nvSpPr>
+            <p:spPr>
+              <a:xfrm>
+                <a:off x="4833341" y="4282784"/>
+                <a:ext cx="54000" cy="54000"/>
+              </a:xfrm>
+              <a:prstGeom prst="ellipse">
+                <a:avLst/>
+              </a:prstGeom>
+            </p:spPr>
+            <p:style>
+              <a:lnRef idx="2">
+                <a:schemeClr val="dk1">
+                  <a:shade val="50000"/>
+                </a:schemeClr>
+              </a:lnRef>
+              <a:fillRef idx="1">
+                <a:schemeClr val="dk1"/>
+              </a:fillRef>
+              <a:effectRef idx="0">
+                <a:schemeClr val="dk1"/>
+              </a:effectRef>
+              <a:fontRef idx="minor">
+                <a:schemeClr val="lt1"/>
+              </a:fontRef>
+            </p:style>
+            <p:txBody>
+              <a:bodyPr rtlCol="0" anchor="ctr"/>
+              <a:lstStyle/>
+              <a:p>
+                <a:pPr algn="ctr"/>
+                <a:endParaRPr kumimoji="1" lang="ja-JP" altLang="en-US"/>
+              </a:p>
+            </p:txBody>
+          </p:sp>
+          <p:sp>
+            <p:nvSpPr>
+              <p:cNvPr id="135" name="楕円 134">
+                <a:extLst>
+                  <a:ext uri="{FF2B5EF4-FFF2-40B4-BE49-F238E27FC236}">
+                    <a16:creationId xmlns:a16="http://schemas.microsoft.com/office/drawing/2014/main" id="{15EC5BE3-E70A-4D64-96D7-A6B3E16C928D}"/>
+                  </a:ext>
+                </a:extLst>
+              </p:cNvPr>
+              <p:cNvSpPr/>
+              <p:nvPr/>
+            </p:nvSpPr>
+            <p:spPr>
+              <a:xfrm>
+                <a:off x="4806341" y="4356977"/>
+                <a:ext cx="54000" cy="54000"/>
+              </a:xfrm>
+              <a:prstGeom prst="ellipse">
+                <a:avLst/>
+              </a:prstGeom>
+            </p:spPr>
+            <p:style>
+              <a:lnRef idx="2">
+                <a:schemeClr val="dk1">
+                  <a:shade val="50000"/>
+                </a:schemeClr>
+              </a:lnRef>
+              <a:fillRef idx="1">
+                <a:schemeClr val="dk1"/>
+              </a:fillRef>
+              <a:effectRef idx="0">
+                <a:schemeClr val="dk1"/>
+              </a:effectRef>
+              <a:fontRef idx="minor">
+                <a:schemeClr val="lt1"/>
+              </a:fontRef>
+            </p:style>
+            <p:txBody>
+              <a:bodyPr rtlCol="0" anchor="ctr"/>
+              <a:lstStyle/>
+              <a:p>
+                <a:pPr algn="ctr"/>
+                <a:endParaRPr kumimoji="1" lang="ja-JP" altLang="en-US"/>
+              </a:p>
+            </p:txBody>
+          </p:sp>
+          <p:sp>
+            <p:nvSpPr>
+              <p:cNvPr id="136" name="楕円 135">
+                <a:extLst>
+                  <a:ext uri="{FF2B5EF4-FFF2-40B4-BE49-F238E27FC236}">
+                    <a16:creationId xmlns:a16="http://schemas.microsoft.com/office/drawing/2014/main" id="{3E022506-8119-4730-AEE1-AB3F362F258E}"/>
+                  </a:ext>
+                </a:extLst>
+              </p:cNvPr>
+              <p:cNvSpPr/>
+              <p:nvPr/>
+            </p:nvSpPr>
+            <p:spPr>
+              <a:xfrm>
+                <a:off x="4884377" y="4390111"/>
+                <a:ext cx="54000" cy="54000"/>
+              </a:xfrm>
+              <a:prstGeom prst="ellipse">
+                <a:avLst/>
+              </a:prstGeom>
+            </p:spPr>
+            <p:style>
+              <a:lnRef idx="2">
+                <a:schemeClr val="dk1">
+                  <a:shade val="50000"/>
+                </a:schemeClr>
+              </a:lnRef>
+              <a:fillRef idx="1">
+                <a:schemeClr val="dk1"/>
+              </a:fillRef>
+              <a:effectRef idx="0">
+                <a:schemeClr val="dk1"/>
+              </a:effectRef>
+              <a:fontRef idx="minor">
+                <a:schemeClr val="lt1"/>
+              </a:fontRef>
+            </p:style>
+            <p:txBody>
+              <a:bodyPr rtlCol="0" anchor="ctr"/>
+              <a:lstStyle/>
+              <a:p>
+                <a:pPr algn="ctr"/>
+                <a:endParaRPr kumimoji="1" lang="ja-JP" altLang="en-US"/>
+              </a:p>
+            </p:txBody>
+          </p:sp>
+          <p:sp>
+            <p:nvSpPr>
+              <p:cNvPr id="137" name="楕円 136">
+                <a:extLst>
+                  <a:ext uri="{FF2B5EF4-FFF2-40B4-BE49-F238E27FC236}">
+                    <a16:creationId xmlns:a16="http://schemas.microsoft.com/office/drawing/2014/main" id="{B363F514-2BC8-4C01-B2CF-D0F5FA26B723}"/>
+                  </a:ext>
+                </a:extLst>
+              </p:cNvPr>
+              <p:cNvSpPr/>
+              <p:nvPr/>
+            </p:nvSpPr>
+            <p:spPr>
+              <a:xfrm>
+                <a:off x="4833341" y="4481617"/>
+                <a:ext cx="54000" cy="54000"/>
+              </a:xfrm>
+              <a:prstGeom prst="ellipse">
+                <a:avLst/>
+              </a:prstGeom>
+            </p:spPr>
+            <p:style>
+              <a:lnRef idx="2">
+                <a:schemeClr val="dk1">
+                  <a:shade val="50000"/>
+                </a:schemeClr>
+              </a:lnRef>
+              <a:fillRef idx="1">
+                <a:schemeClr val="dk1"/>
+              </a:fillRef>
+              <a:effectRef idx="0">
+                <a:schemeClr val="dk1"/>
+              </a:effectRef>
+              <a:fontRef idx="minor">
+                <a:schemeClr val="lt1"/>
+              </a:fontRef>
+            </p:style>
+            <p:txBody>
+              <a:bodyPr rtlCol="0" anchor="ctr"/>
+              <a:lstStyle/>
+              <a:p>
+                <a:pPr algn="ctr"/>
+                <a:endParaRPr kumimoji="1" lang="ja-JP" altLang="en-US"/>
+              </a:p>
+            </p:txBody>
+          </p:sp>
+          <p:sp>
+            <p:nvSpPr>
+              <p:cNvPr id="138" name="楕円 137">
+                <a:extLst>
+                  <a:ext uri="{FF2B5EF4-FFF2-40B4-BE49-F238E27FC236}">
+                    <a16:creationId xmlns:a16="http://schemas.microsoft.com/office/drawing/2014/main" id="{6679B389-CB4E-472C-BE12-654F937D503E}"/>
+                  </a:ext>
+                </a:extLst>
+              </p:cNvPr>
+              <p:cNvSpPr/>
+              <p:nvPr/>
+            </p:nvSpPr>
+            <p:spPr>
+              <a:xfrm>
+                <a:off x="4884377" y="4531617"/>
+                <a:ext cx="54000" cy="54000"/>
+              </a:xfrm>
+              <a:prstGeom prst="ellipse">
+                <a:avLst/>
+              </a:prstGeom>
+            </p:spPr>
+            <p:style>
+              <a:lnRef idx="2">
+                <a:schemeClr val="dk1">
+                  <a:shade val="50000"/>
+                </a:schemeClr>
+              </a:lnRef>
+              <a:fillRef idx="1">
+                <a:schemeClr val="dk1"/>
+              </a:fillRef>
+              <a:effectRef idx="0">
+                <a:schemeClr val="dk1"/>
+              </a:effectRef>
+              <a:fontRef idx="minor">
+                <a:schemeClr val="lt1"/>
+              </a:fontRef>
+            </p:style>
+            <p:txBody>
+              <a:bodyPr rtlCol="0" anchor="ctr"/>
+              <a:lstStyle/>
+              <a:p>
+                <a:pPr algn="ctr"/>
+                <a:endParaRPr kumimoji="1" lang="ja-JP" altLang="en-US"/>
+              </a:p>
+            </p:txBody>
+          </p:sp>
+          <p:sp>
+            <p:nvSpPr>
+              <p:cNvPr id="139" name="楕円 138">
+                <a:extLst>
+                  <a:ext uri="{FF2B5EF4-FFF2-40B4-BE49-F238E27FC236}">
+                    <a16:creationId xmlns:a16="http://schemas.microsoft.com/office/drawing/2014/main" id="{049CE393-47AF-4FB6-87C7-5C3A85B30C2A}"/>
+                  </a:ext>
+                </a:extLst>
+              </p:cNvPr>
+              <p:cNvSpPr/>
+              <p:nvPr/>
+            </p:nvSpPr>
+            <p:spPr>
+              <a:xfrm>
+                <a:off x="4860341" y="4585665"/>
+                <a:ext cx="54000" cy="54000"/>
+              </a:xfrm>
+              <a:prstGeom prst="ellipse">
+                <a:avLst/>
+              </a:prstGeom>
+            </p:spPr>
+            <p:style>
+              <a:lnRef idx="2">
+                <a:schemeClr val="dk1">
+                  <a:shade val="50000"/>
+                </a:schemeClr>
+              </a:lnRef>
+              <a:fillRef idx="1">
+                <a:schemeClr val="dk1"/>
+              </a:fillRef>
+              <a:effectRef idx="0">
+                <a:schemeClr val="dk1"/>
+              </a:effectRef>
+              <a:fontRef idx="minor">
+                <a:schemeClr val="lt1"/>
+              </a:fontRef>
+            </p:style>
+            <p:txBody>
+              <a:bodyPr rtlCol="0" anchor="ctr"/>
+              <a:lstStyle/>
+              <a:p>
+                <a:pPr algn="ctr"/>
+                <a:endParaRPr kumimoji="1" lang="ja-JP" altLang="en-US"/>
+              </a:p>
+            </p:txBody>
+          </p:sp>
+          <p:sp>
+            <p:nvSpPr>
+              <p:cNvPr id="140" name="楕円 139">
+                <a:extLst>
+                  <a:ext uri="{FF2B5EF4-FFF2-40B4-BE49-F238E27FC236}">
+                    <a16:creationId xmlns:a16="http://schemas.microsoft.com/office/drawing/2014/main" id="{183B460B-8407-4CE8-AEFC-70376106840B}"/>
+                  </a:ext>
+                </a:extLst>
+              </p:cNvPr>
+              <p:cNvSpPr/>
+              <p:nvPr/>
+            </p:nvSpPr>
+            <p:spPr>
+              <a:xfrm>
+                <a:off x="4884377" y="4649490"/>
+                <a:ext cx="54000" cy="54000"/>
+              </a:xfrm>
+              <a:prstGeom prst="ellipse">
+                <a:avLst/>
+              </a:prstGeom>
+            </p:spPr>
+            <p:style>
+              <a:lnRef idx="2">
+                <a:schemeClr val="dk1">
+                  <a:shade val="50000"/>
+                </a:schemeClr>
+              </a:lnRef>
+              <a:fillRef idx="1">
+                <a:schemeClr val="dk1"/>
+              </a:fillRef>
+              <a:effectRef idx="0">
+                <a:schemeClr val="dk1"/>
+              </a:effectRef>
+              <a:fontRef idx="minor">
+                <a:schemeClr val="lt1"/>
+              </a:fontRef>
+            </p:style>
+            <p:txBody>
+              <a:bodyPr rtlCol="0" anchor="ctr"/>
+              <a:lstStyle/>
+              <a:p>
+                <a:pPr algn="ctr"/>
+                <a:endParaRPr kumimoji="1" lang="ja-JP" altLang="en-US"/>
+              </a:p>
+            </p:txBody>
+          </p:sp>
+        </p:grpSp>
+        <p:sp>
+          <p:nvSpPr>
+            <p:cNvPr id="100" name="テキスト ボックス 99">
+              <a:extLst>
+                <a:ext uri="{FF2B5EF4-FFF2-40B4-BE49-F238E27FC236}">
+                  <a16:creationId xmlns:a16="http://schemas.microsoft.com/office/drawing/2014/main" id="{0AA8AC71-B2F1-48C8-98E6-A97B3D7784BD}"/>
+                </a:ext>
+              </a:extLst>
+            </p:cNvPr>
+            <p:cNvSpPr txBox="1"/>
+            <p:nvPr/>
+          </p:nvSpPr>
+          <p:spPr>
+            <a:xfrm>
+              <a:off x="4661523" y="2424318"/>
+              <a:ext cx="1140056" cy="338554"/>
+            </a:xfrm>
+            <a:prstGeom prst="rect">
+              <a:avLst/>
+            </a:prstGeom>
+            <a:noFill/>
+          </p:spPr>
+          <p:txBody>
+            <a:bodyPr wrap="none" rtlCol="0">
+              <a:spAutoFit/>
+            </a:bodyPr>
+            <a:lstStyle/>
+            <a:p>
+              <a:r>
+                <a:rPr kumimoji="1" lang="ja-JP" altLang="en-US" sz="1600" dirty="0">
+                  <a:solidFill>
+                    <a:sysClr val="windowText" lastClr="000000"/>
+                  </a:solidFill>
+                </a:rPr>
+                <a:t>潜像核</a:t>
+              </a:r>
+              <a:r>
+                <a:rPr kumimoji="1" lang="en-US" altLang="ja-JP" sz="1600" dirty="0">
+                  <a:solidFill>
+                    <a:sysClr val="windowText" lastClr="000000"/>
+                  </a:solidFill>
+                </a:rPr>
+                <a:t>(</a:t>
+              </a:r>
+              <a:r>
+                <a:rPr kumimoji="1" lang="en-US" altLang="ja-JP" sz="1600" dirty="0">
+                  <a:solidFill>
+                    <a:srgbClr val="FF0000"/>
+                  </a:solidFill>
+                </a:rPr>
+                <a:t>Ag</a:t>
+              </a:r>
+              <a:r>
+                <a:rPr kumimoji="1" lang="en-US" altLang="ja-JP" sz="1600" dirty="0">
+                  <a:solidFill>
+                    <a:sysClr val="windowText" lastClr="000000"/>
+                  </a:solidFill>
+                </a:rPr>
+                <a:t>)</a:t>
+              </a:r>
+              <a:endParaRPr kumimoji="1" lang="ja-JP" altLang="en-US" sz="1600" dirty="0">
+                <a:solidFill>
+                  <a:sysClr val="windowText" lastClr="000000"/>
+                </a:solidFill>
+              </a:endParaRPr>
+            </a:p>
+          </p:txBody>
+        </p:sp>
+        <p:sp>
+          <p:nvSpPr>
+            <p:cNvPr id="101" name="テキスト ボックス 100">
+              <a:extLst>
+                <a:ext uri="{FF2B5EF4-FFF2-40B4-BE49-F238E27FC236}">
+                  <a16:creationId xmlns:a16="http://schemas.microsoft.com/office/drawing/2014/main" id="{FF5705B9-FCBE-4557-AB0B-EC13A3E6119B}"/>
+                </a:ext>
+              </a:extLst>
+            </p:cNvPr>
+            <p:cNvSpPr txBox="1"/>
+            <p:nvPr/>
+          </p:nvSpPr>
+          <p:spPr>
+            <a:xfrm>
+              <a:off x="2511636" y="3270809"/>
+              <a:ext cx="583814" cy="338554"/>
+            </a:xfrm>
+            <a:prstGeom prst="rect">
+              <a:avLst/>
+            </a:prstGeom>
+            <a:noFill/>
+          </p:spPr>
+          <p:txBody>
+            <a:bodyPr wrap="none" rtlCol="0">
+              <a:spAutoFit/>
+            </a:bodyPr>
+            <a:lstStyle/>
+            <a:p>
+              <a:r>
+                <a:rPr kumimoji="1" lang="en-US" altLang="ja-JP" sz="1600" dirty="0" err="1">
+                  <a:solidFill>
+                    <a:srgbClr val="FF0000"/>
+                  </a:solidFill>
+                </a:rPr>
+                <a:t>AgBr</a:t>
+              </a:r>
+              <a:endParaRPr kumimoji="1" lang="ja-JP" altLang="en-US" sz="1600" dirty="0">
+                <a:solidFill>
+                  <a:sysClr val="windowText" lastClr="000000"/>
+                </a:solidFill>
+              </a:endParaRPr>
+            </a:p>
+          </p:txBody>
+        </p:sp>
+      </p:grpSp>
+    </p:spTree>
+    <p:extLst>
+      <p:ext uri="{BB962C8B-B14F-4D97-AF65-F5344CB8AC3E}">
+        <p14:creationId xmlns:p14="http://schemas.microsoft.com/office/powerpoint/2010/main" val="2264275955"/>
+      </p:ext>
+    </p:extLst>
+  </p:cSld>
+  <p:clrMapOvr>
+    <a:masterClrMapping/>
+  </p:clrMapOvr>
+</p:sld>
+</file>
+
+<file path=ppt/slides/slide7.xml><?xml version="1.0" encoding="utf-8"?>
+<p:sld xmlns:a="http://schemas.openxmlformats.org/drawingml/2006/main" xmlns:r="http://schemas.openxmlformats.org/officeDocument/2006/relationships" xmlns:p="http://schemas.openxmlformats.org/presentationml/2006/main">
+  <p:cSld>
+    <p:spTree>
+      <p:nvGrpSpPr>
+        <p:cNvPr id="1" name=""/>
+        <p:cNvGrpSpPr/>
+        <p:nvPr/>
+      </p:nvGrpSpPr>
+      <p:grpSpPr>
+        <a:xfrm>
+          <a:off x="0" y="0"/>
+          <a:ext cx="0" cy="0"/>
+          <a:chOff x="0" y="0"/>
+          <a:chExt cx="0" cy="0"/>
+        </a:xfrm>
+      </p:grpSpPr>
+      <p:sp>
+        <p:nvSpPr>
+          <p:cNvPr id="6" name="正方形/長方形 5">
+            <a:extLst>
+              <a:ext uri="{FF2B5EF4-FFF2-40B4-BE49-F238E27FC236}">
+                <a16:creationId xmlns:a16="http://schemas.microsoft.com/office/drawing/2014/main" id="{B1578A1E-A918-4D17-BF4D-15695443B57B}"/>
+              </a:ext>
+            </a:extLst>
+          </p:cNvPr>
+          <p:cNvSpPr/>
+          <p:nvPr/>
+        </p:nvSpPr>
+        <p:spPr>
+          <a:xfrm>
+            <a:off x="2613991" y="5649349"/>
+            <a:ext cx="4149065" cy="363825"/>
+          </a:xfrm>
+          <a:prstGeom prst="rect">
+            <a:avLst/>
+          </a:prstGeom>
+          <a:noFill/>
+          <a:ln>
+            <a:noFill/>
+          </a:ln>
+        </p:spPr>
+        <p:style>
+          <a:lnRef idx="2">
+            <a:schemeClr val="accent1">
+              <a:shade val="50000"/>
+            </a:schemeClr>
+          </a:lnRef>
+          <a:fillRef idx="1">
+            <a:schemeClr val="accent1"/>
+          </a:fillRef>
+          <a:effectRef idx="0">
+            <a:schemeClr val="accent1"/>
+          </a:effectRef>
+          <a:fontRef idx="minor">
+            <a:schemeClr val="lt1"/>
+          </a:fontRef>
+        </p:style>
+        <p:txBody>
+          <a:bodyPr rtlCol="0" anchor="ctr"/>
+          <a:lstStyle/>
+          <a:p>
+            <a:pPr algn="ctr"/>
+            <a:endParaRPr kumimoji="1" lang="ja-JP" altLang="en-US" dirty="0"/>
+          </a:p>
+        </p:txBody>
+      </p:sp>
+    </p:spTree>
+    <p:extLst>
+      <p:ext uri="{BB962C8B-B14F-4D97-AF65-F5344CB8AC3E}">
+        <p14:creationId xmlns:p14="http://schemas.microsoft.com/office/powerpoint/2010/main" val="3441906100"/>
+      </p:ext>
+    </p:extLst>
+  </p:cSld>
+  <p:clrMapOvr>
+    <a:masterClrMapping/>
+  </p:clrMapOvr>
+</p:sld>
+</file>
+
+<file path=ppt/slides/slide8.xml><?xml version="1.0" encoding="utf-8"?>
+<p:sld xmlns:a="http://schemas.openxmlformats.org/drawingml/2006/main" xmlns:r="http://schemas.openxmlformats.org/officeDocument/2006/relationships" xmlns:p="http://schemas.openxmlformats.org/presentationml/2006/main">
+  <p:cSld>
+    <p:spTree>
+      <p:nvGrpSpPr>
+        <p:cNvPr id="1" name=""/>
+        <p:cNvGrpSpPr/>
+        <p:nvPr/>
+      </p:nvGrpSpPr>
+      <p:grpSpPr>
+        <a:xfrm>
+          <a:off x="0" y="0"/>
+          <a:ext cx="0" cy="0"/>
+          <a:chOff x="0" y="0"/>
+          <a:chExt cx="0" cy="0"/>
+        </a:xfrm>
+      </p:grpSpPr>
+      <p:sp>
+        <p:nvSpPr>
+          <p:cNvPr id="6" name="正方形/長方形 5">
+            <a:extLst>
+              <a:ext uri="{FF2B5EF4-FFF2-40B4-BE49-F238E27FC236}">
+                <a16:creationId xmlns:a16="http://schemas.microsoft.com/office/drawing/2014/main" id="{B1578A1E-A918-4D17-BF4D-15695443B57B}"/>
+              </a:ext>
+            </a:extLst>
+          </p:cNvPr>
+          <p:cNvSpPr/>
+          <p:nvPr/>
+        </p:nvSpPr>
+        <p:spPr>
+          <a:xfrm>
+            <a:off x="2613991" y="5649349"/>
+            <a:ext cx="4149065" cy="363825"/>
+          </a:xfrm>
+          <a:prstGeom prst="rect">
+            <a:avLst/>
+          </a:prstGeom>
+          <a:noFill/>
+          <a:ln>
+            <a:noFill/>
+          </a:ln>
+        </p:spPr>
+        <p:style>
+          <a:lnRef idx="2">
+            <a:schemeClr val="accent1">
+              <a:shade val="50000"/>
+            </a:schemeClr>
+          </a:lnRef>
+          <a:fillRef idx="1">
+            <a:schemeClr val="accent1"/>
+          </a:fillRef>
+          <a:effectRef idx="0">
+            <a:schemeClr val="accent1"/>
+          </a:effectRef>
+          <a:fontRef idx="minor">
+            <a:schemeClr val="lt1"/>
+          </a:fontRef>
+        </p:style>
+        <p:txBody>
+          <a:bodyPr rtlCol="0" anchor="ctr"/>
+          <a:lstStyle/>
+          <a:p>
+            <a:pPr algn="ctr"/>
+            <a:endParaRPr kumimoji="1" lang="ja-JP" altLang="en-US" dirty="0"/>
+          </a:p>
+        </p:txBody>
+      </p:sp>
+    </p:spTree>
+    <p:extLst>
+      <p:ext uri="{BB962C8B-B14F-4D97-AF65-F5344CB8AC3E}">
+        <p14:creationId xmlns:p14="http://schemas.microsoft.com/office/powerpoint/2010/main" val="138966123"/>
+      </p:ext>
+    </p:extLst>
+  </p:cSld>
+  <p:clrMapOvr>
+    <a:masterClrMapping/>
+  </p:clrMapOvr>
+</p:sld>
+</file>
+
 <file path=ppt/theme/theme1.xml><?xml version="1.0" encoding="utf-8"?>
 <a:theme xmlns:a="http://schemas.openxmlformats.org/drawingml/2006/main" name="Office テーマ">
   <a:themeElements>

--- a/修論画像作成.pptx
+++ b/修論画像作成.pptx
@@ -13,6 +13,9 @@
     <p:sldId id="261" r:id="rId7"/>
     <p:sldId id="262" r:id="rId8"/>
     <p:sldId id="263" r:id="rId9"/>
+    <p:sldId id="264" r:id="rId10"/>
+    <p:sldId id="265" r:id="rId11"/>
+    <p:sldId id="266" r:id="rId12"/>
   </p:sldIdLst>
   <p:sldSz cx="9144000" cy="6858000" type="screen4x3"/>
   <p:notesSz cx="6858000" cy="9144000"/>
@@ -4549,6 +4552,166 @@
     <p:extLst>
       <p:ext uri="{BB962C8B-B14F-4D97-AF65-F5344CB8AC3E}">
         <p14:creationId xmlns:p14="http://schemas.microsoft.com/office/powerpoint/2010/main" val="2988689476"/>
+      </p:ext>
+    </p:extLst>
+  </p:cSld>
+  <p:clrMapOvr>
+    <a:masterClrMapping/>
+  </p:clrMapOvr>
+</p:sld>
+</file>
+
+<file path=ppt/slides/slide10.xml><?xml version="1.0" encoding="utf-8"?>
+<p:sld xmlns:a="http://schemas.openxmlformats.org/drawingml/2006/main" xmlns:r="http://schemas.openxmlformats.org/officeDocument/2006/relationships" xmlns:p="http://schemas.openxmlformats.org/presentationml/2006/main">
+  <p:cSld>
+    <p:spTree>
+      <p:nvGrpSpPr>
+        <p:cNvPr id="1" name=""/>
+        <p:cNvGrpSpPr/>
+        <p:nvPr/>
+      </p:nvGrpSpPr>
+      <p:grpSpPr>
+        <a:xfrm>
+          <a:off x="0" y="0"/>
+          <a:ext cx="0" cy="0"/>
+          <a:chOff x="0" y="0"/>
+          <a:chExt cx="0" cy="0"/>
+        </a:xfrm>
+      </p:grpSpPr>
+      <p:sp>
+        <p:nvSpPr>
+          <p:cNvPr id="6" name="正方形/長方形 5">
+            <a:extLst>
+              <a:ext uri="{FF2B5EF4-FFF2-40B4-BE49-F238E27FC236}">
+                <a16:creationId xmlns:a16="http://schemas.microsoft.com/office/drawing/2014/main" id="{B1578A1E-A918-4D17-BF4D-15695443B57B}"/>
+              </a:ext>
+            </a:extLst>
+          </p:cNvPr>
+          <p:cNvSpPr/>
+          <p:nvPr/>
+        </p:nvSpPr>
+        <p:spPr>
+          <a:xfrm>
+            <a:off x="2613991" y="5649349"/>
+            <a:ext cx="4149065" cy="363825"/>
+          </a:xfrm>
+          <a:prstGeom prst="rect">
+            <a:avLst/>
+          </a:prstGeom>
+          <a:noFill/>
+          <a:ln>
+            <a:noFill/>
+          </a:ln>
+        </p:spPr>
+        <p:style>
+          <a:lnRef idx="2">
+            <a:schemeClr val="accent1">
+              <a:shade val="50000"/>
+            </a:schemeClr>
+          </a:lnRef>
+          <a:fillRef idx="1">
+            <a:schemeClr val="accent1"/>
+          </a:fillRef>
+          <a:effectRef idx="0">
+            <a:schemeClr val="accent1"/>
+          </a:effectRef>
+          <a:fontRef idx="minor">
+            <a:schemeClr val="lt1"/>
+          </a:fontRef>
+        </p:style>
+        <p:txBody>
+          <a:bodyPr rtlCol="0" anchor="ctr"/>
+          <a:lstStyle/>
+          <a:p>
+            <a:pPr algn="ctr"/>
+            <a:endParaRPr kumimoji="1" lang="ja-JP" altLang="en-US" dirty="0"/>
+          </a:p>
+        </p:txBody>
+      </p:sp>
+    </p:spTree>
+    <p:extLst>
+      <p:ext uri="{BB962C8B-B14F-4D97-AF65-F5344CB8AC3E}">
+        <p14:creationId xmlns:p14="http://schemas.microsoft.com/office/powerpoint/2010/main" val="535404427"/>
+      </p:ext>
+    </p:extLst>
+  </p:cSld>
+  <p:clrMapOvr>
+    <a:masterClrMapping/>
+  </p:clrMapOvr>
+</p:sld>
+</file>
+
+<file path=ppt/slides/slide11.xml><?xml version="1.0" encoding="utf-8"?>
+<p:sld xmlns:a="http://schemas.openxmlformats.org/drawingml/2006/main" xmlns:r="http://schemas.openxmlformats.org/officeDocument/2006/relationships" xmlns:p="http://schemas.openxmlformats.org/presentationml/2006/main">
+  <p:cSld>
+    <p:spTree>
+      <p:nvGrpSpPr>
+        <p:cNvPr id="1" name=""/>
+        <p:cNvGrpSpPr/>
+        <p:nvPr/>
+      </p:nvGrpSpPr>
+      <p:grpSpPr>
+        <a:xfrm>
+          <a:off x="0" y="0"/>
+          <a:ext cx="0" cy="0"/>
+          <a:chOff x="0" y="0"/>
+          <a:chExt cx="0" cy="0"/>
+        </a:xfrm>
+      </p:grpSpPr>
+      <p:sp>
+        <p:nvSpPr>
+          <p:cNvPr id="6" name="正方形/長方形 5">
+            <a:extLst>
+              <a:ext uri="{FF2B5EF4-FFF2-40B4-BE49-F238E27FC236}">
+                <a16:creationId xmlns:a16="http://schemas.microsoft.com/office/drawing/2014/main" id="{B1578A1E-A918-4D17-BF4D-15695443B57B}"/>
+              </a:ext>
+            </a:extLst>
+          </p:cNvPr>
+          <p:cNvSpPr/>
+          <p:nvPr/>
+        </p:nvSpPr>
+        <p:spPr>
+          <a:xfrm>
+            <a:off x="2613991" y="5649349"/>
+            <a:ext cx="4149065" cy="363825"/>
+          </a:xfrm>
+          <a:prstGeom prst="rect">
+            <a:avLst/>
+          </a:prstGeom>
+          <a:noFill/>
+          <a:ln>
+            <a:noFill/>
+          </a:ln>
+        </p:spPr>
+        <p:style>
+          <a:lnRef idx="2">
+            <a:schemeClr val="accent1">
+              <a:shade val="50000"/>
+            </a:schemeClr>
+          </a:lnRef>
+          <a:fillRef idx="1">
+            <a:schemeClr val="accent1"/>
+          </a:fillRef>
+          <a:effectRef idx="0">
+            <a:schemeClr val="accent1"/>
+          </a:effectRef>
+          <a:fontRef idx="minor">
+            <a:schemeClr val="lt1"/>
+          </a:fontRef>
+        </p:style>
+        <p:txBody>
+          <a:bodyPr rtlCol="0" anchor="ctr"/>
+          <a:lstStyle/>
+          <a:p>
+            <a:pPr algn="ctr"/>
+            <a:endParaRPr kumimoji="1" lang="ja-JP" altLang="en-US" dirty="0"/>
+          </a:p>
+        </p:txBody>
+      </p:sp>
+    </p:spTree>
+    <p:extLst>
+      <p:ext uri="{BB962C8B-B14F-4D97-AF65-F5344CB8AC3E}">
+        <p14:creationId xmlns:p14="http://schemas.microsoft.com/office/powerpoint/2010/main" val="1337592460"/>
       </p:ext>
     </p:extLst>
   </p:cSld>
@@ -10918,56 +11081,106 @@
           <a:chExt cx="0" cy="0"/>
         </a:xfrm>
       </p:grpSpPr>
-      <p:sp>
-        <p:nvSpPr>
-          <p:cNvPr id="6" name="正方形/長方形 5">
+      <p:grpSp>
+        <p:nvGrpSpPr>
+          <p:cNvPr id="4" name="グループ化 3">
             <a:extLst>
               <a:ext uri="{FF2B5EF4-FFF2-40B4-BE49-F238E27FC236}">
-                <a16:creationId xmlns:a16="http://schemas.microsoft.com/office/drawing/2014/main" id="{B1578A1E-A918-4D17-BF4D-15695443B57B}"/>
+                <a16:creationId xmlns:a16="http://schemas.microsoft.com/office/drawing/2014/main" id="{25DA6A6F-949A-4CAE-AACC-1A2D1CB283C7}"/>
               </a:ext>
             </a:extLst>
           </p:cNvPr>
-          <p:cNvSpPr/>
+          <p:cNvGrpSpPr/>
           <p:nvPr/>
-        </p:nvSpPr>
-        <p:spPr>
+        </p:nvGrpSpPr>
+        <p:grpSpPr>
           <a:xfrm>
-            <a:off x="2613991" y="5649349"/>
-            <a:ext cx="4149065" cy="363825"/>
+            <a:off x="203752" y="377521"/>
+            <a:ext cx="8736496" cy="5379592"/>
+            <a:chOff x="203752" y="377521"/>
+            <a:chExt cx="8736496" cy="5379592"/>
           </a:xfrm>
-          <a:prstGeom prst="rect">
-            <a:avLst/>
-          </a:prstGeom>
-          <a:noFill/>
-          <a:ln>
+        </p:grpSpPr>
+        <p:pic>
+          <p:nvPicPr>
+            <p:cNvPr id="3" name="図 2">
+              <a:extLst>
+                <a:ext uri="{FF2B5EF4-FFF2-40B4-BE49-F238E27FC236}">
+                  <a16:creationId xmlns:a16="http://schemas.microsoft.com/office/drawing/2014/main" id="{724AA68A-383C-41B6-BF26-DF17D9006847}"/>
+                </a:ext>
+              </a:extLst>
+            </p:cNvPr>
+            <p:cNvPicPr>
+              <a:picLocks noChangeAspect="1"/>
+            </p:cNvPicPr>
+            <p:nvPr/>
+          </p:nvPicPr>
+          <p:blipFill rotWithShape="1">
+            <a:blip r:embed="rId2">
+              <a:extLst>
+                <a:ext uri="{28A0092B-C50C-407E-A947-70E740481C1C}">
+                  <a14:useLocalDpi xmlns:a14="http://schemas.microsoft.com/office/drawing/2010/main" val="0"/>
+                </a:ext>
+              </a:extLst>
+            </a:blip>
+            <a:srcRect l="4456"/>
+            <a:stretch/>
+          </p:blipFill>
+          <p:spPr>
+            <a:xfrm>
+              <a:off x="203752" y="377521"/>
+              <a:ext cx="8736496" cy="5148802"/>
+            </a:xfrm>
+            <a:prstGeom prst="rect">
+              <a:avLst/>
+            </a:prstGeom>
+          </p:spPr>
+        </p:pic>
+        <p:sp>
+          <p:nvSpPr>
+            <p:cNvPr id="5" name="テキスト ボックス 4">
+              <a:extLst>
+                <a:ext uri="{FF2B5EF4-FFF2-40B4-BE49-F238E27FC236}">
+                  <a16:creationId xmlns:a16="http://schemas.microsoft.com/office/drawing/2014/main" id="{64ABC3FD-CDED-4C15-A143-7E3A23BF938D}"/>
+                </a:ext>
+              </a:extLst>
+            </p:cNvPr>
+            <p:cNvSpPr txBox="1"/>
+            <p:nvPr/>
+          </p:nvSpPr>
+          <p:spPr>
+            <a:xfrm>
+              <a:off x="2423640" y="5418559"/>
+              <a:ext cx="4337662" cy="338554"/>
+            </a:xfrm>
+            <a:prstGeom prst="rect">
+              <a:avLst/>
+            </a:prstGeom>
             <a:noFill/>
-          </a:ln>
-        </p:spPr>
-        <p:style>
-          <a:lnRef idx="2">
-            <a:schemeClr val="accent1">
-              <a:shade val="50000"/>
-            </a:schemeClr>
-          </a:lnRef>
-          <a:fillRef idx="1">
-            <a:schemeClr val="accent1"/>
-          </a:fillRef>
-          <a:effectRef idx="0">
-            <a:schemeClr val="accent1"/>
-          </a:effectRef>
-          <a:fontRef idx="minor">
-            <a:schemeClr val="lt1"/>
-          </a:fontRef>
-        </p:style>
-        <p:txBody>
-          <a:bodyPr rtlCol="0" anchor="ctr"/>
-          <a:lstStyle/>
-          <a:p>
-            <a:pPr algn="ctr"/>
-            <a:endParaRPr kumimoji="1" lang="ja-JP" altLang="en-US" dirty="0"/>
-          </a:p>
-        </p:txBody>
-      </p:sp>
+          </p:spPr>
+          <p:txBody>
+            <a:bodyPr wrap="none" rtlCol="0">
+              <a:spAutoFit/>
+            </a:bodyPr>
+            <a:lstStyle/>
+            <a:p>
+              <a:r>
+                <a:rPr kumimoji="1" lang="en-US" altLang="ja-JP" sz="1600" dirty="0">
+                  <a:solidFill>
+                    <a:sysClr val="windowText" lastClr="000000"/>
+                  </a:solidFill>
+                </a:rPr>
+                <a:t>Y. Endo, Master. Thesis, Gifu University (2017) P10</a:t>
+              </a:r>
+              <a:endParaRPr kumimoji="1" lang="ja-JP" altLang="en-US" sz="1600" dirty="0">
+                <a:solidFill>
+                  <a:sysClr val="windowText" lastClr="000000"/>
+                </a:solidFill>
+              </a:endParaRPr>
+            </a:p>
+          </p:txBody>
+        </p:sp>
+      </p:grpSp>
     </p:spTree>
     <p:extLst>
       <p:ext uri="{BB962C8B-B14F-4D97-AF65-F5344CB8AC3E}">
@@ -11052,6 +11265,86 @@
     <p:extLst>
       <p:ext uri="{BB962C8B-B14F-4D97-AF65-F5344CB8AC3E}">
         <p14:creationId xmlns:p14="http://schemas.microsoft.com/office/powerpoint/2010/main" val="138966123"/>
+      </p:ext>
+    </p:extLst>
+  </p:cSld>
+  <p:clrMapOvr>
+    <a:masterClrMapping/>
+  </p:clrMapOvr>
+</p:sld>
+</file>
+
+<file path=ppt/slides/slide9.xml><?xml version="1.0" encoding="utf-8"?>
+<p:sld xmlns:a="http://schemas.openxmlformats.org/drawingml/2006/main" xmlns:r="http://schemas.openxmlformats.org/officeDocument/2006/relationships" xmlns:p="http://schemas.openxmlformats.org/presentationml/2006/main">
+  <p:cSld>
+    <p:spTree>
+      <p:nvGrpSpPr>
+        <p:cNvPr id="1" name=""/>
+        <p:cNvGrpSpPr/>
+        <p:nvPr/>
+      </p:nvGrpSpPr>
+      <p:grpSpPr>
+        <a:xfrm>
+          <a:off x="0" y="0"/>
+          <a:ext cx="0" cy="0"/>
+          <a:chOff x="0" y="0"/>
+          <a:chExt cx="0" cy="0"/>
+        </a:xfrm>
+      </p:grpSpPr>
+      <p:sp>
+        <p:nvSpPr>
+          <p:cNvPr id="6" name="正方形/長方形 5">
+            <a:extLst>
+              <a:ext uri="{FF2B5EF4-FFF2-40B4-BE49-F238E27FC236}">
+                <a16:creationId xmlns:a16="http://schemas.microsoft.com/office/drawing/2014/main" id="{B1578A1E-A918-4D17-BF4D-15695443B57B}"/>
+              </a:ext>
+            </a:extLst>
+          </p:cNvPr>
+          <p:cNvSpPr/>
+          <p:nvPr/>
+        </p:nvSpPr>
+        <p:spPr>
+          <a:xfrm>
+            <a:off x="2613991" y="5649349"/>
+            <a:ext cx="4149065" cy="363825"/>
+          </a:xfrm>
+          <a:prstGeom prst="rect">
+            <a:avLst/>
+          </a:prstGeom>
+          <a:noFill/>
+          <a:ln>
+            <a:noFill/>
+          </a:ln>
+        </p:spPr>
+        <p:style>
+          <a:lnRef idx="2">
+            <a:schemeClr val="accent1">
+              <a:shade val="50000"/>
+            </a:schemeClr>
+          </a:lnRef>
+          <a:fillRef idx="1">
+            <a:schemeClr val="accent1"/>
+          </a:fillRef>
+          <a:effectRef idx="0">
+            <a:schemeClr val="accent1"/>
+          </a:effectRef>
+          <a:fontRef idx="minor">
+            <a:schemeClr val="lt1"/>
+          </a:fontRef>
+        </p:style>
+        <p:txBody>
+          <a:bodyPr rtlCol="0" anchor="ctr"/>
+          <a:lstStyle/>
+          <a:p>
+            <a:pPr algn="ctr"/>
+            <a:endParaRPr kumimoji="1" lang="ja-JP" altLang="en-US" dirty="0"/>
+          </a:p>
+        </p:txBody>
+      </p:sp>
+    </p:spTree>
+    <p:extLst>
+      <p:ext uri="{BB962C8B-B14F-4D97-AF65-F5344CB8AC3E}">
+        <p14:creationId xmlns:p14="http://schemas.microsoft.com/office/powerpoint/2010/main" val="1146742975"/>
       </p:ext>
     </p:extLst>
   </p:cSld>

--- a/修論画像作成.pptx
+++ b/修論画像作成.pptx
@@ -11,11 +11,12 @@
     <p:sldId id="259" r:id="rId5"/>
     <p:sldId id="260" r:id="rId6"/>
     <p:sldId id="261" r:id="rId7"/>
-    <p:sldId id="262" r:id="rId8"/>
-    <p:sldId id="263" r:id="rId9"/>
-    <p:sldId id="264" r:id="rId10"/>
-    <p:sldId id="265" r:id="rId11"/>
-    <p:sldId id="266" r:id="rId12"/>
+    <p:sldId id="267" r:id="rId8"/>
+    <p:sldId id="262" r:id="rId9"/>
+    <p:sldId id="263" r:id="rId10"/>
+    <p:sldId id="264" r:id="rId11"/>
+    <p:sldId id="265" r:id="rId12"/>
+    <p:sldId id="266" r:id="rId13"/>
   </p:sldIdLst>
   <p:sldSz cx="9144000" cy="6858000" type="screen4x3"/>
   <p:notesSz cx="6858000" cy="9144000"/>
@@ -257,7 +258,7 @@
           <a:p>
             <a:fld id="{C6AC7F0E-DDCA-4467-BA12-379A322E0DE2}" type="datetimeFigureOut">
               <a:rPr kumimoji="1" lang="ja-JP" altLang="en-US" smtClean="0"/>
-              <a:t>2017/11/14</a:t>
+              <a:t>2017/11/15</a:t>
             </a:fld>
             <a:endParaRPr kumimoji="1" lang="ja-JP" altLang="en-US"/>
           </a:p>
@@ -459,7 +460,7 @@
           <a:p>
             <a:fld id="{C6AC7F0E-DDCA-4467-BA12-379A322E0DE2}" type="datetimeFigureOut">
               <a:rPr kumimoji="1" lang="ja-JP" altLang="en-US" smtClean="0"/>
-              <a:t>2017/11/14</a:t>
+              <a:t>2017/11/15</a:t>
             </a:fld>
             <a:endParaRPr kumimoji="1" lang="ja-JP" altLang="en-US"/>
           </a:p>
@@ -671,7 +672,7 @@
           <a:p>
             <a:fld id="{C6AC7F0E-DDCA-4467-BA12-379A322E0DE2}" type="datetimeFigureOut">
               <a:rPr kumimoji="1" lang="ja-JP" altLang="en-US" smtClean="0"/>
-              <a:t>2017/11/14</a:t>
+              <a:t>2017/11/15</a:t>
             </a:fld>
             <a:endParaRPr kumimoji="1" lang="ja-JP" altLang="en-US"/>
           </a:p>
@@ -873,7 +874,7 @@
           <a:p>
             <a:fld id="{C6AC7F0E-DDCA-4467-BA12-379A322E0DE2}" type="datetimeFigureOut">
               <a:rPr kumimoji="1" lang="ja-JP" altLang="en-US" smtClean="0"/>
-              <a:t>2017/11/14</a:t>
+              <a:t>2017/11/15</a:t>
             </a:fld>
             <a:endParaRPr kumimoji="1" lang="ja-JP" altLang="en-US"/>
           </a:p>
@@ -1117,7 +1118,7 @@
           <a:p>
             <a:fld id="{C6AC7F0E-DDCA-4467-BA12-379A322E0DE2}" type="datetimeFigureOut">
               <a:rPr kumimoji="1" lang="ja-JP" altLang="en-US" smtClean="0"/>
-              <a:t>2017/11/14</a:t>
+              <a:t>2017/11/15</a:t>
             </a:fld>
             <a:endParaRPr kumimoji="1" lang="ja-JP" altLang="en-US"/>
           </a:p>
@@ -1413,7 +1414,7 @@
           <a:p>
             <a:fld id="{C6AC7F0E-DDCA-4467-BA12-379A322E0DE2}" type="datetimeFigureOut">
               <a:rPr kumimoji="1" lang="ja-JP" altLang="en-US" smtClean="0"/>
-              <a:t>2017/11/14</a:t>
+              <a:t>2017/11/15</a:t>
             </a:fld>
             <a:endParaRPr kumimoji="1" lang="ja-JP" altLang="en-US"/>
           </a:p>
@@ -1844,7 +1845,7 @@
           <a:p>
             <a:fld id="{C6AC7F0E-DDCA-4467-BA12-379A322E0DE2}" type="datetimeFigureOut">
               <a:rPr kumimoji="1" lang="ja-JP" altLang="en-US" smtClean="0"/>
-              <a:t>2017/11/14</a:t>
+              <a:t>2017/11/15</a:t>
             </a:fld>
             <a:endParaRPr kumimoji="1" lang="ja-JP" altLang="en-US"/>
           </a:p>
@@ -1962,7 +1963,7 @@
           <a:p>
             <a:fld id="{C6AC7F0E-DDCA-4467-BA12-379A322E0DE2}" type="datetimeFigureOut">
               <a:rPr kumimoji="1" lang="ja-JP" altLang="en-US" smtClean="0"/>
-              <a:t>2017/11/14</a:t>
+              <a:t>2017/11/15</a:t>
             </a:fld>
             <a:endParaRPr kumimoji="1" lang="ja-JP" altLang="en-US"/>
           </a:p>
@@ -2057,7 +2058,7 @@
           <a:p>
             <a:fld id="{C6AC7F0E-DDCA-4467-BA12-379A322E0DE2}" type="datetimeFigureOut">
               <a:rPr kumimoji="1" lang="ja-JP" altLang="en-US" smtClean="0"/>
-              <a:t>2017/11/14</a:t>
+              <a:t>2017/11/15</a:t>
             </a:fld>
             <a:endParaRPr kumimoji="1" lang="ja-JP" altLang="en-US"/>
           </a:p>
@@ -2366,7 +2367,7 @@
           <a:p>
             <a:fld id="{C6AC7F0E-DDCA-4467-BA12-379A322E0DE2}" type="datetimeFigureOut">
               <a:rPr kumimoji="1" lang="ja-JP" altLang="en-US" smtClean="0"/>
-              <a:t>2017/11/14</a:t>
+              <a:t>2017/11/15</a:t>
             </a:fld>
             <a:endParaRPr kumimoji="1" lang="ja-JP" altLang="en-US"/>
           </a:p>
@@ -2623,7 +2624,7 @@
           <a:p>
             <a:fld id="{C6AC7F0E-DDCA-4467-BA12-379A322E0DE2}" type="datetimeFigureOut">
               <a:rPr kumimoji="1" lang="ja-JP" altLang="en-US" smtClean="0"/>
-              <a:t>2017/11/14</a:t>
+              <a:t>2017/11/15</a:t>
             </a:fld>
             <a:endParaRPr kumimoji="1" lang="ja-JP" altLang="en-US"/>
           </a:p>
@@ -2868,7 +2869,7 @@
           <a:p>
             <a:fld id="{C6AC7F0E-DDCA-4467-BA12-379A322E0DE2}" type="datetimeFigureOut">
               <a:rPr kumimoji="1" lang="ja-JP" altLang="en-US" smtClean="0"/>
-              <a:t>2017/11/14</a:t>
+              <a:t>2017/11/15</a:t>
             </a:fld>
             <a:endParaRPr kumimoji="1" lang="ja-JP" altLang="en-US"/>
           </a:p>
@@ -4631,6 +4632,86 @@
     </p:spTree>
     <p:extLst>
       <p:ext uri="{BB962C8B-B14F-4D97-AF65-F5344CB8AC3E}">
+        <p14:creationId xmlns:p14="http://schemas.microsoft.com/office/powerpoint/2010/main" val="1146742975"/>
+      </p:ext>
+    </p:extLst>
+  </p:cSld>
+  <p:clrMapOvr>
+    <a:masterClrMapping/>
+  </p:clrMapOvr>
+</p:sld>
+</file>
+
+<file path=ppt/slides/slide11.xml><?xml version="1.0" encoding="utf-8"?>
+<p:sld xmlns:a="http://schemas.openxmlformats.org/drawingml/2006/main" xmlns:r="http://schemas.openxmlformats.org/officeDocument/2006/relationships" xmlns:p="http://schemas.openxmlformats.org/presentationml/2006/main">
+  <p:cSld>
+    <p:spTree>
+      <p:nvGrpSpPr>
+        <p:cNvPr id="1" name=""/>
+        <p:cNvGrpSpPr/>
+        <p:nvPr/>
+      </p:nvGrpSpPr>
+      <p:grpSpPr>
+        <a:xfrm>
+          <a:off x="0" y="0"/>
+          <a:ext cx="0" cy="0"/>
+          <a:chOff x="0" y="0"/>
+          <a:chExt cx="0" cy="0"/>
+        </a:xfrm>
+      </p:grpSpPr>
+      <p:sp>
+        <p:nvSpPr>
+          <p:cNvPr id="6" name="正方形/長方形 5">
+            <a:extLst>
+              <a:ext uri="{FF2B5EF4-FFF2-40B4-BE49-F238E27FC236}">
+                <a16:creationId xmlns:a16="http://schemas.microsoft.com/office/drawing/2014/main" id="{B1578A1E-A918-4D17-BF4D-15695443B57B}"/>
+              </a:ext>
+            </a:extLst>
+          </p:cNvPr>
+          <p:cNvSpPr/>
+          <p:nvPr/>
+        </p:nvSpPr>
+        <p:spPr>
+          <a:xfrm>
+            <a:off x="2613991" y="5649349"/>
+            <a:ext cx="4149065" cy="363825"/>
+          </a:xfrm>
+          <a:prstGeom prst="rect">
+            <a:avLst/>
+          </a:prstGeom>
+          <a:noFill/>
+          <a:ln>
+            <a:noFill/>
+          </a:ln>
+        </p:spPr>
+        <p:style>
+          <a:lnRef idx="2">
+            <a:schemeClr val="accent1">
+              <a:shade val="50000"/>
+            </a:schemeClr>
+          </a:lnRef>
+          <a:fillRef idx="1">
+            <a:schemeClr val="accent1"/>
+          </a:fillRef>
+          <a:effectRef idx="0">
+            <a:schemeClr val="accent1"/>
+          </a:effectRef>
+          <a:fontRef idx="minor">
+            <a:schemeClr val="lt1"/>
+          </a:fontRef>
+        </p:style>
+        <p:txBody>
+          <a:bodyPr rtlCol="0" anchor="ctr"/>
+          <a:lstStyle/>
+          <a:p>
+            <a:pPr algn="ctr"/>
+            <a:endParaRPr kumimoji="1" lang="ja-JP" altLang="en-US" dirty="0"/>
+          </a:p>
+        </p:txBody>
+      </p:sp>
+    </p:spTree>
+    <p:extLst>
+      <p:ext uri="{BB962C8B-B14F-4D97-AF65-F5344CB8AC3E}">
         <p14:creationId xmlns:p14="http://schemas.microsoft.com/office/powerpoint/2010/main" val="535404427"/>
       </p:ext>
     </p:extLst>
@@ -4641,7 +4722,7 @@
 </p:sld>
 </file>
 
-<file path=ppt/slides/slide11.xml><?xml version="1.0" encoding="utf-8"?>
+<file path=ppt/slides/slide12.xml><?xml version="1.0" encoding="utf-8"?>
 <p:sld xmlns:a="http://schemas.openxmlformats.org/drawingml/2006/main" xmlns:r="http://schemas.openxmlformats.org/officeDocument/2006/relationships" xmlns:p="http://schemas.openxmlformats.org/presentationml/2006/main">
   <p:cSld>
     <p:spTree>
@@ -11083,6 +11164,7247 @@
       </p:grpSpPr>
       <p:grpSp>
         <p:nvGrpSpPr>
+          <p:cNvPr id="2" name="グループ化 1">
+            <a:extLst>
+              <a:ext uri="{FF2B5EF4-FFF2-40B4-BE49-F238E27FC236}">
+                <a16:creationId xmlns:a16="http://schemas.microsoft.com/office/drawing/2014/main" id="{C0A9D8F4-A2F4-4726-A9B2-2BF534FB5FE3}"/>
+              </a:ext>
+            </a:extLst>
+          </p:cNvPr>
+          <p:cNvGrpSpPr/>
+          <p:nvPr/>
+        </p:nvGrpSpPr>
+        <p:grpSpPr>
+          <a:xfrm>
+            <a:off x="543425" y="1313545"/>
+            <a:ext cx="3653549" cy="2290130"/>
+            <a:chOff x="543425" y="1313545"/>
+            <a:chExt cx="3653549" cy="2290130"/>
+          </a:xfrm>
+        </p:grpSpPr>
+        <p:grpSp>
+          <p:nvGrpSpPr>
+            <p:cNvPr id="8" name="グループ化 7">
+              <a:extLst>
+                <a:ext uri="{FF2B5EF4-FFF2-40B4-BE49-F238E27FC236}">
+                  <a16:creationId xmlns:a16="http://schemas.microsoft.com/office/drawing/2014/main" id="{0A1AE57E-8256-49D7-97B0-5E6FF43E4AE1}"/>
+                </a:ext>
+              </a:extLst>
+            </p:cNvPr>
+            <p:cNvGrpSpPr/>
+            <p:nvPr/>
+          </p:nvGrpSpPr>
+          <p:grpSpPr>
+            <a:xfrm>
+              <a:off x="543425" y="1623215"/>
+              <a:ext cx="3653549" cy="1980460"/>
+              <a:chOff x="782077" y="3110947"/>
+              <a:chExt cx="7119732" cy="3508506"/>
+            </a:xfrm>
+          </p:grpSpPr>
+          <p:sp>
+            <p:nvSpPr>
+              <p:cNvPr id="31" name="直方体 30">
+                <a:extLst>
+                  <a:ext uri="{FF2B5EF4-FFF2-40B4-BE49-F238E27FC236}">
+                    <a16:creationId xmlns:a16="http://schemas.microsoft.com/office/drawing/2014/main" id="{0EF53851-3D9D-4266-8E66-3E69CB9FC5F2}"/>
+                  </a:ext>
+                </a:extLst>
+              </p:cNvPr>
+              <p:cNvSpPr/>
+              <p:nvPr/>
+            </p:nvSpPr>
+            <p:spPr>
+              <a:xfrm>
+                <a:off x="782077" y="5104331"/>
+                <a:ext cx="7116417" cy="1500809"/>
+              </a:xfrm>
+              <a:prstGeom prst="cube">
+                <a:avLst>
+                  <a:gd name="adj" fmla="val 55464"/>
+                </a:avLst>
+              </a:prstGeom>
+              <a:solidFill>
+                <a:srgbClr val="FFFF99"/>
+              </a:solidFill>
+              <a:ln>
+                <a:solidFill>
+                  <a:schemeClr val="tx1"/>
+                </a:solidFill>
+              </a:ln>
+            </p:spPr>
+            <p:style>
+              <a:lnRef idx="2">
+                <a:schemeClr val="accent1">
+                  <a:shade val="50000"/>
+                </a:schemeClr>
+              </a:lnRef>
+              <a:fillRef idx="1">
+                <a:schemeClr val="accent1"/>
+              </a:fillRef>
+              <a:effectRef idx="0">
+                <a:schemeClr val="accent1"/>
+              </a:effectRef>
+              <a:fontRef idx="minor">
+                <a:schemeClr val="lt1"/>
+              </a:fontRef>
+            </p:style>
+            <p:txBody>
+              <a:bodyPr rtlCol="0" anchor="ctr"/>
+              <a:lstStyle/>
+              <a:p>
+                <a:pPr algn="ctr"/>
+                <a:endParaRPr kumimoji="1" lang="ja-JP" altLang="en-US" dirty="0"/>
+              </a:p>
+            </p:txBody>
+          </p:sp>
+          <p:sp>
+            <p:nvSpPr>
+              <p:cNvPr id="32" name="直方体 31">
+                <a:extLst>
+                  <a:ext uri="{FF2B5EF4-FFF2-40B4-BE49-F238E27FC236}">
+                    <a16:creationId xmlns:a16="http://schemas.microsoft.com/office/drawing/2014/main" id="{8EC16F08-278A-4186-9A8B-4513A53D5939}"/>
+                  </a:ext>
+                </a:extLst>
+              </p:cNvPr>
+              <p:cNvSpPr/>
+              <p:nvPr/>
+            </p:nvSpPr>
+            <p:spPr>
+              <a:xfrm>
+                <a:off x="782078" y="3772487"/>
+                <a:ext cx="7116417" cy="2171113"/>
+              </a:xfrm>
+              <a:prstGeom prst="cube">
+                <a:avLst>
+                  <a:gd name="adj" fmla="val 38497"/>
+                </a:avLst>
+              </a:prstGeom>
+              <a:solidFill>
+                <a:srgbClr val="00FFFF">
+                  <a:alpha val="20000"/>
+                </a:srgbClr>
+              </a:solidFill>
+              <a:ln>
+                <a:solidFill>
+                  <a:schemeClr val="tx1"/>
+                </a:solidFill>
+              </a:ln>
+            </p:spPr>
+            <p:style>
+              <a:lnRef idx="2">
+                <a:schemeClr val="accent1">
+                  <a:shade val="50000"/>
+                </a:schemeClr>
+              </a:lnRef>
+              <a:fillRef idx="1">
+                <a:schemeClr val="accent1"/>
+              </a:fillRef>
+              <a:effectRef idx="0">
+                <a:schemeClr val="accent1"/>
+              </a:effectRef>
+              <a:fontRef idx="minor">
+                <a:schemeClr val="lt1"/>
+              </a:fontRef>
+            </p:style>
+            <p:txBody>
+              <a:bodyPr rtlCol="0" anchor="ctr"/>
+              <a:lstStyle/>
+              <a:p>
+                <a:pPr algn="ctr"/>
+                <a:endParaRPr kumimoji="1" lang="ja-JP" altLang="en-US"/>
+              </a:p>
+            </p:txBody>
+          </p:sp>
+          <p:sp>
+            <p:nvSpPr>
+              <p:cNvPr id="33" name="直方体 32">
+                <a:extLst>
+                  <a:ext uri="{FF2B5EF4-FFF2-40B4-BE49-F238E27FC236}">
+                    <a16:creationId xmlns:a16="http://schemas.microsoft.com/office/drawing/2014/main" id="{C2DEB239-6B17-4B9F-BC6A-790CAD938265}"/>
+                  </a:ext>
+                </a:extLst>
+              </p:cNvPr>
+              <p:cNvSpPr/>
+              <p:nvPr/>
+            </p:nvSpPr>
+            <p:spPr>
+              <a:xfrm>
+                <a:off x="782078" y="3110947"/>
+                <a:ext cx="7116417" cy="1500809"/>
+              </a:xfrm>
+              <a:prstGeom prst="cube">
+                <a:avLst>
+                  <a:gd name="adj" fmla="val 55464"/>
+                </a:avLst>
+              </a:prstGeom>
+              <a:solidFill>
+                <a:srgbClr val="FFFF99"/>
+              </a:solidFill>
+              <a:ln>
+                <a:solidFill>
+                  <a:schemeClr val="tx1"/>
+                </a:solidFill>
+              </a:ln>
+            </p:spPr>
+            <p:style>
+              <a:lnRef idx="2">
+                <a:schemeClr val="accent1">
+                  <a:shade val="50000"/>
+                </a:schemeClr>
+              </a:lnRef>
+              <a:fillRef idx="1">
+                <a:schemeClr val="accent1"/>
+              </a:fillRef>
+              <a:effectRef idx="0">
+                <a:schemeClr val="accent1"/>
+              </a:effectRef>
+              <a:fontRef idx="minor">
+                <a:schemeClr val="lt1"/>
+              </a:fontRef>
+            </p:style>
+            <p:txBody>
+              <a:bodyPr rtlCol="0" anchor="ctr"/>
+              <a:lstStyle/>
+              <a:p>
+                <a:pPr algn="ctr"/>
+                <a:endParaRPr kumimoji="1" lang="ja-JP" altLang="en-US" dirty="0"/>
+              </a:p>
+            </p:txBody>
+          </p:sp>
+          <p:cxnSp>
+            <p:nvCxnSpPr>
+              <p:cNvPr id="34" name="直線コネクタ 33">
+                <a:extLst>
+                  <a:ext uri="{FF2B5EF4-FFF2-40B4-BE49-F238E27FC236}">
+                    <a16:creationId xmlns:a16="http://schemas.microsoft.com/office/drawing/2014/main" id="{D69A44B4-DD23-4DB2-9048-E3BDF07B923A}"/>
+                  </a:ext>
+                </a:extLst>
+              </p:cNvPr>
+              <p:cNvCxnSpPr/>
+              <p:nvPr/>
+            </p:nvCxnSpPr>
+            <p:spPr>
+              <a:xfrm>
+                <a:off x="1616965" y="3110947"/>
+                <a:ext cx="0" cy="665921"/>
+              </a:xfrm>
+              <a:prstGeom prst="line">
+                <a:avLst/>
+              </a:prstGeom>
+              <a:ln>
+                <a:solidFill>
+                  <a:schemeClr val="tx1"/>
+                </a:solidFill>
+                <a:prstDash val="dash"/>
+              </a:ln>
+            </p:spPr>
+            <p:style>
+              <a:lnRef idx="1">
+                <a:schemeClr val="dk1"/>
+              </a:lnRef>
+              <a:fillRef idx="0">
+                <a:schemeClr val="dk1"/>
+              </a:fillRef>
+              <a:effectRef idx="0">
+                <a:schemeClr val="dk1"/>
+              </a:effectRef>
+              <a:fontRef idx="minor">
+                <a:schemeClr val="tx1"/>
+              </a:fontRef>
+            </p:style>
+          </p:cxnSp>
+          <p:cxnSp>
+            <p:nvCxnSpPr>
+              <p:cNvPr id="35" name="直線コネクタ 34">
+                <a:extLst>
+                  <a:ext uri="{FF2B5EF4-FFF2-40B4-BE49-F238E27FC236}">
+                    <a16:creationId xmlns:a16="http://schemas.microsoft.com/office/drawing/2014/main" id="{E619C060-7E00-41A9-AADC-D2E62E5B8B40}"/>
+                  </a:ext>
+                </a:extLst>
+              </p:cNvPr>
+              <p:cNvCxnSpPr/>
+              <p:nvPr/>
+            </p:nvCxnSpPr>
+            <p:spPr>
+              <a:xfrm>
+                <a:off x="1626904" y="5104331"/>
+                <a:ext cx="0" cy="665921"/>
+              </a:xfrm>
+              <a:prstGeom prst="line">
+                <a:avLst/>
+              </a:prstGeom>
+              <a:ln>
+                <a:solidFill>
+                  <a:schemeClr val="tx1"/>
+                </a:solidFill>
+                <a:prstDash val="dash"/>
+              </a:ln>
+            </p:spPr>
+            <p:style>
+              <a:lnRef idx="1">
+                <a:schemeClr val="dk1"/>
+              </a:lnRef>
+              <a:fillRef idx="0">
+                <a:schemeClr val="dk1"/>
+              </a:fillRef>
+              <a:effectRef idx="0">
+                <a:schemeClr val="dk1"/>
+              </a:effectRef>
+              <a:fontRef idx="minor">
+                <a:schemeClr val="tx1"/>
+              </a:fontRef>
+            </p:style>
+          </p:cxnSp>
+          <p:cxnSp>
+            <p:nvCxnSpPr>
+              <p:cNvPr id="36" name="直線コネクタ 35">
+                <a:extLst>
+                  <a:ext uri="{FF2B5EF4-FFF2-40B4-BE49-F238E27FC236}">
+                    <a16:creationId xmlns:a16="http://schemas.microsoft.com/office/drawing/2014/main" id="{8011718F-D262-4CFD-9A42-73BB2CF74767}"/>
+                  </a:ext>
+                </a:extLst>
+              </p:cNvPr>
+              <p:cNvCxnSpPr/>
+              <p:nvPr/>
+            </p:nvCxnSpPr>
+            <p:spPr>
+              <a:xfrm flipH="1">
+                <a:off x="782077" y="3776864"/>
+                <a:ext cx="834888" cy="824949"/>
+              </a:xfrm>
+              <a:prstGeom prst="line">
+                <a:avLst/>
+              </a:prstGeom>
+              <a:ln>
+                <a:prstDash val="dash"/>
+              </a:ln>
+            </p:spPr>
+            <p:style>
+              <a:lnRef idx="1">
+                <a:schemeClr val="dk1"/>
+              </a:lnRef>
+              <a:fillRef idx="0">
+                <a:schemeClr val="dk1"/>
+              </a:fillRef>
+              <a:effectRef idx="0">
+                <a:schemeClr val="dk1"/>
+              </a:effectRef>
+              <a:fontRef idx="minor">
+                <a:schemeClr val="tx1"/>
+              </a:fontRef>
+            </p:style>
+          </p:cxnSp>
+          <p:cxnSp>
+            <p:nvCxnSpPr>
+              <p:cNvPr id="37" name="直線コネクタ 36">
+                <a:extLst>
+                  <a:ext uri="{FF2B5EF4-FFF2-40B4-BE49-F238E27FC236}">
+                    <a16:creationId xmlns:a16="http://schemas.microsoft.com/office/drawing/2014/main" id="{560E8F62-C0D3-44D2-AB89-BC20228378BD}"/>
+                  </a:ext>
+                </a:extLst>
+              </p:cNvPr>
+              <p:cNvCxnSpPr/>
+              <p:nvPr/>
+            </p:nvCxnSpPr>
+            <p:spPr>
+              <a:xfrm flipH="1">
+                <a:off x="782077" y="5794504"/>
+                <a:ext cx="834888" cy="824949"/>
+              </a:xfrm>
+              <a:prstGeom prst="line">
+                <a:avLst/>
+              </a:prstGeom>
+              <a:ln>
+                <a:prstDash val="dash"/>
+              </a:ln>
+            </p:spPr>
+            <p:style>
+              <a:lnRef idx="1">
+                <a:schemeClr val="dk1"/>
+              </a:lnRef>
+              <a:fillRef idx="0">
+                <a:schemeClr val="dk1"/>
+              </a:fillRef>
+              <a:effectRef idx="0">
+                <a:schemeClr val="dk1"/>
+              </a:effectRef>
+              <a:fontRef idx="minor">
+                <a:schemeClr val="tx1"/>
+              </a:fontRef>
+            </p:style>
+          </p:cxnSp>
+          <p:cxnSp>
+            <p:nvCxnSpPr>
+              <p:cNvPr id="38" name="直線コネクタ 37">
+                <a:extLst>
+                  <a:ext uri="{FF2B5EF4-FFF2-40B4-BE49-F238E27FC236}">
+                    <a16:creationId xmlns:a16="http://schemas.microsoft.com/office/drawing/2014/main" id="{F2A8377D-34F0-4410-8FA0-C16C2B46A3B8}"/>
+                  </a:ext>
+                </a:extLst>
+              </p:cNvPr>
+              <p:cNvCxnSpPr/>
+              <p:nvPr/>
+            </p:nvCxnSpPr>
+            <p:spPr>
+              <a:xfrm>
+                <a:off x="1616965" y="3786808"/>
+                <a:ext cx="6281529" cy="0"/>
+              </a:xfrm>
+              <a:prstGeom prst="line">
+                <a:avLst/>
+              </a:prstGeom>
+              <a:ln>
+                <a:prstDash val="dash"/>
+              </a:ln>
+            </p:spPr>
+            <p:style>
+              <a:lnRef idx="1">
+                <a:schemeClr val="dk1"/>
+              </a:lnRef>
+              <a:fillRef idx="0">
+                <a:schemeClr val="dk1"/>
+              </a:fillRef>
+              <a:effectRef idx="0">
+                <a:schemeClr val="dk1"/>
+              </a:effectRef>
+              <a:fontRef idx="minor">
+                <a:schemeClr val="tx1"/>
+              </a:fontRef>
+            </p:style>
+          </p:cxnSp>
+          <p:cxnSp>
+            <p:nvCxnSpPr>
+              <p:cNvPr id="39" name="直線コネクタ 38">
+                <a:extLst>
+                  <a:ext uri="{FF2B5EF4-FFF2-40B4-BE49-F238E27FC236}">
+                    <a16:creationId xmlns:a16="http://schemas.microsoft.com/office/drawing/2014/main" id="{A4B5A8A5-80DA-4F0B-92A6-89D4670792BA}"/>
+                  </a:ext>
+                </a:extLst>
+              </p:cNvPr>
+              <p:cNvCxnSpPr/>
+              <p:nvPr/>
+            </p:nvCxnSpPr>
+            <p:spPr>
+              <a:xfrm>
+                <a:off x="1620280" y="5787888"/>
+                <a:ext cx="6281529" cy="0"/>
+              </a:xfrm>
+              <a:prstGeom prst="line">
+                <a:avLst/>
+              </a:prstGeom>
+              <a:ln>
+                <a:prstDash val="dash"/>
+              </a:ln>
+            </p:spPr>
+            <p:style>
+              <a:lnRef idx="1">
+                <a:schemeClr val="dk1"/>
+              </a:lnRef>
+              <a:fillRef idx="0">
+                <a:schemeClr val="dk1"/>
+              </a:fillRef>
+              <a:effectRef idx="0">
+                <a:schemeClr val="dk1"/>
+              </a:effectRef>
+              <a:fontRef idx="minor">
+                <a:schemeClr val="tx1"/>
+              </a:fontRef>
+            </p:style>
+          </p:cxnSp>
+          <p:cxnSp>
+            <p:nvCxnSpPr>
+              <p:cNvPr id="40" name="直線コネクタ 39">
+                <a:extLst>
+                  <a:ext uri="{FF2B5EF4-FFF2-40B4-BE49-F238E27FC236}">
+                    <a16:creationId xmlns:a16="http://schemas.microsoft.com/office/drawing/2014/main" id="{9E45532A-237A-4D22-8074-2ECC7F3CA2A9}"/>
+                  </a:ext>
+                </a:extLst>
+              </p:cNvPr>
+              <p:cNvCxnSpPr/>
+              <p:nvPr/>
+            </p:nvCxnSpPr>
+            <p:spPr>
+              <a:xfrm>
+                <a:off x="1626904" y="4607373"/>
+                <a:ext cx="0" cy="665921"/>
+              </a:xfrm>
+              <a:prstGeom prst="line">
+                <a:avLst/>
+              </a:prstGeom>
+              <a:ln>
+                <a:solidFill>
+                  <a:schemeClr val="tx1"/>
+                </a:solidFill>
+                <a:prstDash val="dash"/>
+              </a:ln>
+            </p:spPr>
+            <p:style>
+              <a:lnRef idx="1">
+                <a:schemeClr val="dk1"/>
+              </a:lnRef>
+              <a:fillRef idx="0">
+                <a:schemeClr val="dk1"/>
+              </a:fillRef>
+              <a:effectRef idx="0">
+                <a:schemeClr val="dk1"/>
+              </a:effectRef>
+              <a:fontRef idx="minor">
+                <a:schemeClr val="tx1"/>
+              </a:fontRef>
+            </p:style>
+          </p:cxnSp>
+        </p:grpSp>
+        <p:sp>
+          <p:nvSpPr>
+            <p:cNvPr id="41" name="楕円 40">
+              <a:extLst>
+                <a:ext uri="{FF2B5EF4-FFF2-40B4-BE49-F238E27FC236}">
+                  <a16:creationId xmlns:a16="http://schemas.microsoft.com/office/drawing/2014/main" id="{98368109-AAF7-493C-87BD-AD12BDAEB1C3}"/>
+                </a:ext>
+              </a:extLst>
+            </p:cNvPr>
+            <p:cNvSpPr/>
+            <p:nvPr/>
+          </p:nvSpPr>
+          <p:spPr>
+            <a:xfrm>
+              <a:off x="1856480" y="1889826"/>
+              <a:ext cx="36000" cy="36000"/>
+            </a:xfrm>
+            <a:prstGeom prst="ellipse">
+              <a:avLst/>
+            </a:prstGeom>
+          </p:spPr>
+          <p:style>
+            <a:lnRef idx="2">
+              <a:schemeClr val="dk1">
+                <a:shade val="50000"/>
+              </a:schemeClr>
+            </a:lnRef>
+            <a:fillRef idx="1">
+              <a:schemeClr val="dk1"/>
+            </a:fillRef>
+            <a:effectRef idx="0">
+              <a:schemeClr val="dk1"/>
+            </a:effectRef>
+            <a:fontRef idx="minor">
+              <a:schemeClr val="lt1"/>
+            </a:fontRef>
+          </p:style>
+          <p:txBody>
+            <a:bodyPr rtlCol="0" anchor="ctr"/>
+            <a:lstStyle/>
+            <a:p>
+              <a:pPr algn="ctr"/>
+              <a:endParaRPr kumimoji="1" lang="ja-JP" altLang="en-US"/>
+            </a:p>
+          </p:txBody>
+        </p:sp>
+        <p:sp>
+          <p:nvSpPr>
+            <p:cNvPr id="42" name="楕円 41">
+              <a:extLst>
+                <a:ext uri="{FF2B5EF4-FFF2-40B4-BE49-F238E27FC236}">
+                  <a16:creationId xmlns:a16="http://schemas.microsoft.com/office/drawing/2014/main" id="{18461A8F-A537-416E-8F8B-8A04AFB9B59D}"/>
+                </a:ext>
+              </a:extLst>
+            </p:cNvPr>
+            <p:cNvSpPr/>
+            <p:nvPr/>
+          </p:nvSpPr>
+          <p:spPr>
+            <a:xfrm>
+              <a:off x="1802480" y="1952589"/>
+              <a:ext cx="36000" cy="36000"/>
+            </a:xfrm>
+            <a:prstGeom prst="ellipse">
+              <a:avLst/>
+            </a:prstGeom>
+          </p:spPr>
+          <p:style>
+            <a:lnRef idx="2">
+              <a:schemeClr val="dk1">
+                <a:shade val="50000"/>
+              </a:schemeClr>
+            </a:lnRef>
+            <a:fillRef idx="1">
+              <a:schemeClr val="dk1"/>
+            </a:fillRef>
+            <a:effectRef idx="0">
+              <a:schemeClr val="dk1"/>
+            </a:effectRef>
+            <a:fontRef idx="minor">
+              <a:schemeClr val="lt1"/>
+            </a:fontRef>
+          </p:style>
+          <p:txBody>
+            <a:bodyPr rtlCol="0" anchor="ctr"/>
+            <a:lstStyle/>
+            <a:p>
+              <a:pPr algn="ctr"/>
+              <a:endParaRPr kumimoji="1" lang="ja-JP" altLang="en-US"/>
+            </a:p>
+          </p:txBody>
+        </p:sp>
+        <p:sp>
+          <p:nvSpPr>
+            <p:cNvPr id="55" name="楕円 54">
+              <a:extLst>
+                <a:ext uri="{FF2B5EF4-FFF2-40B4-BE49-F238E27FC236}">
+                  <a16:creationId xmlns:a16="http://schemas.microsoft.com/office/drawing/2014/main" id="{79A60A2B-7061-402F-A720-8A26FBFFA27C}"/>
+                </a:ext>
+              </a:extLst>
+            </p:cNvPr>
+            <p:cNvSpPr/>
+            <p:nvPr/>
+          </p:nvSpPr>
+          <p:spPr>
+            <a:xfrm>
+              <a:off x="1829480" y="2045825"/>
+              <a:ext cx="36000" cy="36000"/>
+            </a:xfrm>
+            <a:prstGeom prst="ellipse">
+              <a:avLst/>
+            </a:prstGeom>
+          </p:spPr>
+          <p:style>
+            <a:lnRef idx="2">
+              <a:schemeClr val="dk1">
+                <a:shade val="50000"/>
+              </a:schemeClr>
+            </a:lnRef>
+            <a:fillRef idx="1">
+              <a:schemeClr val="dk1"/>
+            </a:fillRef>
+            <a:effectRef idx="0">
+              <a:schemeClr val="dk1"/>
+            </a:effectRef>
+            <a:fontRef idx="minor">
+              <a:schemeClr val="lt1"/>
+            </a:fontRef>
+          </p:style>
+          <p:txBody>
+            <a:bodyPr rtlCol="0" anchor="ctr"/>
+            <a:lstStyle/>
+            <a:p>
+              <a:pPr algn="ctr"/>
+              <a:endParaRPr kumimoji="1" lang="ja-JP" altLang="en-US"/>
+            </a:p>
+          </p:txBody>
+        </p:sp>
+        <p:sp>
+          <p:nvSpPr>
+            <p:cNvPr id="56" name="楕円 55">
+              <a:extLst>
+                <a:ext uri="{FF2B5EF4-FFF2-40B4-BE49-F238E27FC236}">
+                  <a16:creationId xmlns:a16="http://schemas.microsoft.com/office/drawing/2014/main" id="{D1B59FDA-B530-442B-AF43-1EE78822ED49}"/>
+                </a:ext>
+              </a:extLst>
+            </p:cNvPr>
+            <p:cNvSpPr/>
+            <p:nvPr/>
+          </p:nvSpPr>
+          <p:spPr>
+            <a:xfrm>
+              <a:off x="1780450" y="2119507"/>
+              <a:ext cx="36000" cy="36000"/>
+            </a:xfrm>
+            <a:prstGeom prst="ellipse">
+              <a:avLst/>
+            </a:prstGeom>
+          </p:spPr>
+          <p:style>
+            <a:lnRef idx="2">
+              <a:schemeClr val="dk1">
+                <a:shade val="50000"/>
+              </a:schemeClr>
+            </a:lnRef>
+            <a:fillRef idx="1">
+              <a:schemeClr val="dk1"/>
+            </a:fillRef>
+            <a:effectRef idx="0">
+              <a:schemeClr val="dk1"/>
+            </a:effectRef>
+            <a:fontRef idx="minor">
+              <a:schemeClr val="lt1"/>
+            </a:fontRef>
+          </p:style>
+          <p:txBody>
+            <a:bodyPr rtlCol="0" anchor="ctr"/>
+            <a:lstStyle/>
+            <a:p>
+              <a:pPr algn="ctr"/>
+              <a:endParaRPr kumimoji="1" lang="ja-JP" altLang="en-US"/>
+            </a:p>
+          </p:txBody>
+        </p:sp>
+        <p:sp>
+          <p:nvSpPr>
+            <p:cNvPr id="57" name="楕円 56">
+              <a:extLst>
+                <a:ext uri="{FF2B5EF4-FFF2-40B4-BE49-F238E27FC236}">
+                  <a16:creationId xmlns:a16="http://schemas.microsoft.com/office/drawing/2014/main" id="{ABE07B47-A961-4426-A7E9-F7FFF9716F5C}"/>
+                </a:ext>
+              </a:extLst>
+            </p:cNvPr>
+            <p:cNvSpPr/>
+            <p:nvPr/>
+          </p:nvSpPr>
+          <p:spPr>
+            <a:xfrm>
+              <a:off x="1738541" y="2171031"/>
+              <a:ext cx="36000" cy="36000"/>
+            </a:xfrm>
+            <a:prstGeom prst="ellipse">
+              <a:avLst/>
+            </a:prstGeom>
+          </p:spPr>
+          <p:style>
+            <a:lnRef idx="2">
+              <a:schemeClr val="dk1">
+                <a:shade val="50000"/>
+              </a:schemeClr>
+            </a:lnRef>
+            <a:fillRef idx="1">
+              <a:schemeClr val="dk1"/>
+            </a:fillRef>
+            <a:effectRef idx="0">
+              <a:schemeClr val="dk1"/>
+            </a:effectRef>
+            <a:fontRef idx="minor">
+              <a:schemeClr val="lt1"/>
+            </a:fontRef>
+          </p:style>
+          <p:txBody>
+            <a:bodyPr rtlCol="0" anchor="ctr"/>
+            <a:lstStyle/>
+            <a:p>
+              <a:pPr algn="ctr"/>
+              <a:endParaRPr kumimoji="1" lang="ja-JP" altLang="en-US"/>
+            </a:p>
+          </p:txBody>
+        </p:sp>
+        <p:sp>
+          <p:nvSpPr>
+            <p:cNvPr id="58" name="楕円 57">
+              <a:extLst>
+                <a:ext uri="{FF2B5EF4-FFF2-40B4-BE49-F238E27FC236}">
+                  <a16:creationId xmlns:a16="http://schemas.microsoft.com/office/drawing/2014/main" id="{7F00979F-BF03-49B6-8B22-E1EDAA255A17}"/>
+                </a:ext>
+              </a:extLst>
+            </p:cNvPr>
+            <p:cNvSpPr/>
+            <p:nvPr/>
+          </p:nvSpPr>
+          <p:spPr>
+            <a:xfrm>
+              <a:off x="1805636" y="2221836"/>
+              <a:ext cx="36000" cy="36000"/>
+            </a:xfrm>
+            <a:prstGeom prst="ellipse">
+              <a:avLst/>
+            </a:prstGeom>
+          </p:spPr>
+          <p:style>
+            <a:lnRef idx="2">
+              <a:schemeClr val="dk1">
+                <a:shade val="50000"/>
+              </a:schemeClr>
+            </a:lnRef>
+            <a:fillRef idx="1">
+              <a:schemeClr val="dk1"/>
+            </a:fillRef>
+            <a:effectRef idx="0">
+              <a:schemeClr val="dk1"/>
+            </a:effectRef>
+            <a:fontRef idx="minor">
+              <a:schemeClr val="lt1"/>
+            </a:fontRef>
+          </p:style>
+          <p:txBody>
+            <a:bodyPr rtlCol="0" anchor="ctr"/>
+            <a:lstStyle/>
+            <a:p>
+              <a:pPr algn="ctr"/>
+              <a:endParaRPr kumimoji="1" lang="ja-JP" altLang="en-US"/>
+            </a:p>
+          </p:txBody>
+        </p:sp>
+        <p:sp>
+          <p:nvSpPr>
+            <p:cNvPr id="59" name="楕円 58">
+              <a:extLst>
+                <a:ext uri="{FF2B5EF4-FFF2-40B4-BE49-F238E27FC236}">
+                  <a16:creationId xmlns:a16="http://schemas.microsoft.com/office/drawing/2014/main" id="{40C74E5F-AD43-413C-9C6F-9066269CC517}"/>
+                </a:ext>
+              </a:extLst>
+            </p:cNvPr>
+            <p:cNvSpPr/>
+            <p:nvPr/>
+          </p:nvSpPr>
+          <p:spPr>
+            <a:xfrm>
+              <a:off x="1726450" y="2296872"/>
+              <a:ext cx="36000" cy="36000"/>
+            </a:xfrm>
+            <a:prstGeom prst="ellipse">
+              <a:avLst/>
+            </a:prstGeom>
+          </p:spPr>
+          <p:style>
+            <a:lnRef idx="2">
+              <a:schemeClr val="dk1">
+                <a:shade val="50000"/>
+              </a:schemeClr>
+            </a:lnRef>
+            <a:fillRef idx="1">
+              <a:schemeClr val="dk1"/>
+            </a:fillRef>
+            <a:effectRef idx="0">
+              <a:schemeClr val="dk1"/>
+            </a:effectRef>
+            <a:fontRef idx="minor">
+              <a:schemeClr val="lt1"/>
+            </a:fontRef>
+          </p:style>
+          <p:txBody>
+            <a:bodyPr rtlCol="0" anchor="ctr"/>
+            <a:lstStyle/>
+            <a:p>
+              <a:pPr algn="ctr"/>
+              <a:endParaRPr kumimoji="1" lang="ja-JP" altLang="en-US"/>
+            </a:p>
+          </p:txBody>
+        </p:sp>
+        <p:sp>
+          <p:nvSpPr>
+            <p:cNvPr id="60" name="楕円 59">
+              <a:extLst>
+                <a:ext uri="{FF2B5EF4-FFF2-40B4-BE49-F238E27FC236}">
+                  <a16:creationId xmlns:a16="http://schemas.microsoft.com/office/drawing/2014/main" id="{AF0F1FCB-5B29-4117-9124-B9F988D6524E}"/>
+                </a:ext>
+              </a:extLst>
+            </p:cNvPr>
+            <p:cNvSpPr/>
+            <p:nvPr/>
+          </p:nvSpPr>
+          <p:spPr>
+            <a:xfrm>
+              <a:off x="1684541" y="2369940"/>
+              <a:ext cx="36000" cy="36000"/>
+            </a:xfrm>
+            <a:prstGeom prst="ellipse">
+              <a:avLst/>
+            </a:prstGeom>
+          </p:spPr>
+          <p:style>
+            <a:lnRef idx="2">
+              <a:schemeClr val="dk1">
+                <a:shade val="50000"/>
+              </a:schemeClr>
+            </a:lnRef>
+            <a:fillRef idx="1">
+              <a:schemeClr val="dk1"/>
+            </a:fillRef>
+            <a:effectRef idx="0">
+              <a:schemeClr val="dk1"/>
+            </a:effectRef>
+            <a:fontRef idx="minor">
+              <a:schemeClr val="lt1"/>
+            </a:fontRef>
+          </p:style>
+          <p:txBody>
+            <a:bodyPr rtlCol="0" anchor="ctr"/>
+            <a:lstStyle/>
+            <a:p>
+              <a:pPr algn="ctr"/>
+              <a:endParaRPr kumimoji="1" lang="ja-JP" altLang="en-US"/>
+            </a:p>
+          </p:txBody>
+        </p:sp>
+        <p:sp>
+          <p:nvSpPr>
+            <p:cNvPr id="61" name="楕円 60">
+              <a:extLst>
+                <a:ext uri="{FF2B5EF4-FFF2-40B4-BE49-F238E27FC236}">
+                  <a16:creationId xmlns:a16="http://schemas.microsoft.com/office/drawing/2014/main" id="{FFDDE1D3-9403-4539-9D2C-230B169A293F}"/>
+                </a:ext>
+              </a:extLst>
+            </p:cNvPr>
+            <p:cNvSpPr/>
+            <p:nvPr/>
+          </p:nvSpPr>
+          <p:spPr>
+            <a:xfrm>
+              <a:off x="1709460" y="2422751"/>
+              <a:ext cx="36000" cy="36000"/>
+            </a:xfrm>
+            <a:prstGeom prst="ellipse">
+              <a:avLst/>
+            </a:prstGeom>
+          </p:spPr>
+          <p:style>
+            <a:lnRef idx="2">
+              <a:schemeClr val="dk1">
+                <a:shade val="50000"/>
+              </a:schemeClr>
+            </a:lnRef>
+            <a:fillRef idx="1">
+              <a:schemeClr val="dk1"/>
+            </a:fillRef>
+            <a:effectRef idx="0">
+              <a:schemeClr val="dk1"/>
+            </a:effectRef>
+            <a:fontRef idx="minor">
+              <a:schemeClr val="lt1"/>
+            </a:fontRef>
+          </p:style>
+          <p:txBody>
+            <a:bodyPr rtlCol="0" anchor="ctr"/>
+            <a:lstStyle/>
+            <a:p>
+              <a:pPr algn="ctr"/>
+              <a:endParaRPr kumimoji="1" lang="ja-JP" altLang="en-US"/>
+            </a:p>
+          </p:txBody>
+        </p:sp>
+        <p:sp>
+          <p:nvSpPr>
+            <p:cNvPr id="62" name="楕円 61">
+              <a:extLst>
+                <a:ext uri="{FF2B5EF4-FFF2-40B4-BE49-F238E27FC236}">
+                  <a16:creationId xmlns:a16="http://schemas.microsoft.com/office/drawing/2014/main" id="{E41BDF3C-6170-4FBB-94AF-1DB66272728E}"/>
+                </a:ext>
+              </a:extLst>
+            </p:cNvPr>
+            <p:cNvSpPr/>
+            <p:nvPr/>
+          </p:nvSpPr>
+          <p:spPr>
+            <a:xfrm>
+              <a:off x="1520872" y="3042166"/>
+              <a:ext cx="36000" cy="36000"/>
+            </a:xfrm>
+            <a:prstGeom prst="ellipse">
+              <a:avLst/>
+            </a:prstGeom>
+          </p:spPr>
+          <p:style>
+            <a:lnRef idx="2">
+              <a:schemeClr val="dk1">
+                <a:shade val="50000"/>
+              </a:schemeClr>
+            </a:lnRef>
+            <a:fillRef idx="1">
+              <a:schemeClr val="dk1"/>
+            </a:fillRef>
+            <a:effectRef idx="0">
+              <a:schemeClr val="dk1"/>
+            </a:effectRef>
+            <a:fontRef idx="minor">
+              <a:schemeClr val="lt1"/>
+            </a:fontRef>
+          </p:style>
+          <p:txBody>
+            <a:bodyPr rtlCol="0" anchor="ctr"/>
+            <a:lstStyle/>
+            <a:p>
+              <a:pPr algn="ctr"/>
+              <a:endParaRPr kumimoji="1" lang="ja-JP" altLang="en-US"/>
+            </a:p>
+          </p:txBody>
+        </p:sp>
+        <p:sp>
+          <p:nvSpPr>
+            <p:cNvPr id="63" name="楕円 62">
+              <a:extLst>
+                <a:ext uri="{FF2B5EF4-FFF2-40B4-BE49-F238E27FC236}">
+                  <a16:creationId xmlns:a16="http://schemas.microsoft.com/office/drawing/2014/main" id="{52568589-03FE-4C17-BE68-99EC3349DF1B}"/>
+                </a:ext>
+              </a:extLst>
+            </p:cNvPr>
+            <p:cNvSpPr/>
+            <p:nvPr/>
+          </p:nvSpPr>
+          <p:spPr>
+            <a:xfrm>
+              <a:off x="1547872" y="3135270"/>
+              <a:ext cx="36000" cy="36000"/>
+            </a:xfrm>
+            <a:prstGeom prst="ellipse">
+              <a:avLst/>
+            </a:prstGeom>
+          </p:spPr>
+          <p:style>
+            <a:lnRef idx="2">
+              <a:schemeClr val="dk1">
+                <a:shade val="50000"/>
+              </a:schemeClr>
+            </a:lnRef>
+            <a:fillRef idx="1">
+              <a:schemeClr val="dk1"/>
+            </a:fillRef>
+            <a:effectRef idx="0">
+              <a:schemeClr val="dk1"/>
+            </a:effectRef>
+            <a:fontRef idx="minor">
+              <a:schemeClr val="lt1"/>
+            </a:fontRef>
+          </p:style>
+          <p:txBody>
+            <a:bodyPr rtlCol="0" anchor="ctr"/>
+            <a:lstStyle/>
+            <a:p>
+              <a:pPr algn="ctr"/>
+              <a:endParaRPr kumimoji="1" lang="ja-JP" altLang="en-US"/>
+            </a:p>
+          </p:txBody>
+        </p:sp>
+        <p:sp>
+          <p:nvSpPr>
+            <p:cNvPr id="64" name="楕円 63">
+              <a:extLst>
+                <a:ext uri="{FF2B5EF4-FFF2-40B4-BE49-F238E27FC236}">
+                  <a16:creationId xmlns:a16="http://schemas.microsoft.com/office/drawing/2014/main" id="{D8D40697-B0DC-48AA-A824-C59CAA2800CC}"/>
+                </a:ext>
+              </a:extLst>
+            </p:cNvPr>
+            <p:cNvSpPr/>
+            <p:nvPr/>
+          </p:nvSpPr>
+          <p:spPr>
+            <a:xfrm>
+              <a:off x="1485759" y="3188336"/>
+              <a:ext cx="36000" cy="36000"/>
+            </a:xfrm>
+            <a:prstGeom prst="ellipse">
+              <a:avLst/>
+            </a:prstGeom>
+          </p:spPr>
+          <p:style>
+            <a:lnRef idx="2">
+              <a:schemeClr val="dk1">
+                <a:shade val="50000"/>
+              </a:schemeClr>
+            </a:lnRef>
+            <a:fillRef idx="1">
+              <a:schemeClr val="dk1"/>
+            </a:fillRef>
+            <a:effectRef idx="0">
+              <a:schemeClr val="dk1"/>
+            </a:effectRef>
+            <a:fontRef idx="minor">
+              <a:schemeClr val="lt1"/>
+            </a:fontRef>
+          </p:style>
+          <p:txBody>
+            <a:bodyPr rtlCol="0" anchor="ctr"/>
+            <a:lstStyle/>
+            <a:p>
+              <a:pPr algn="ctr"/>
+              <a:endParaRPr kumimoji="1" lang="ja-JP" altLang="en-US"/>
+            </a:p>
+          </p:txBody>
+        </p:sp>
+        <p:sp>
+          <p:nvSpPr>
+            <p:cNvPr id="65" name="楕円 64">
+              <a:extLst>
+                <a:ext uri="{FF2B5EF4-FFF2-40B4-BE49-F238E27FC236}">
+                  <a16:creationId xmlns:a16="http://schemas.microsoft.com/office/drawing/2014/main" id="{C6549CF2-B2EC-49FF-AE27-5F3BF702F302}"/>
+                </a:ext>
+              </a:extLst>
+            </p:cNvPr>
+            <p:cNvSpPr/>
+            <p:nvPr/>
+          </p:nvSpPr>
+          <p:spPr>
+            <a:xfrm>
+              <a:off x="1520872" y="3261520"/>
+              <a:ext cx="36000" cy="36000"/>
+            </a:xfrm>
+            <a:prstGeom prst="ellipse">
+              <a:avLst/>
+            </a:prstGeom>
+          </p:spPr>
+          <p:style>
+            <a:lnRef idx="2">
+              <a:schemeClr val="dk1">
+                <a:shade val="50000"/>
+              </a:schemeClr>
+            </a:lnRef>
+            <a:fillRef idx="1">
+              <a:schemeClr val="dk1"/>
+            </a:fillRef>
+            <a:effectRef idx="0">
+              <a:schemeClr val="dk1"/>
+            </a:effectRef>
+            <a:fontRef idx="minor">
+              <a:schemeClr val="lt1"/>
+            </a:fontRef>
+          </p:style>
+          <p:txBody>
+            <a:bodyPr rtlCol="0" anchor="ctr"/>
+            <a:lstStyle/>
+            <a:p>
+              <a:pPr algn="ctr"/>
+              <a:endParaRPr kumimoji="1" lang="ja-JP" altLang="en-US"/>
+            </a:p>
+          </p:txBody>
+        </p:sp>
+        <p:sp>
+          <p:nvSpPr>
+            <p:cNvPr id="66" name="楕円 65">
+              <a:extLst>
+                <a:ext uri="{FF2B5EF4-FFF2-40B4-BE49-F238E27FC236}">
+                  <a16:creationId xmlns:a16="http://schemas.microsoft.com/office/drawing/2014/main" id="{611CFCBA-7B7E-483F-AD20-35007D975B94}"/>
+                </a:ext>
+              </a:extLst>
+            </p:cNvPr>
+            <p:cNvSpPr/>
+            <p:nvPr/>
+          </p:nvSpPr>
+          <p:spPr>
+            <a:xfrm>
+              <a:off x="1458759" y="3274985"/>
+              <a:ext cx="36000" cy="36000"/>
+            </a:xfrm>
+            <a:prstGeom prst="ellipse">
+              <a:avLst/>
+            </a:prstGeom>
+          </p:spPr>
+          <p:style>
+            <a:lnRef idx="2">
+              <a:schemeClr val="dk1">
+                <a:shade val="50000"/>
+              </a:schemeClr>
+            </a:lnRef>
+            <a:fillRef idx="1">
+              <a:schemeClr val="dk1"/>
+            </a:fillRef>
+            <a:effectRef idx="0">
+              <a:schemeClr val="dk1"/>
+            </a:effectRef>
+            <a:fontRef idx="minor">
+              <a:schemeClr val="lt1"/>
+            </a:fontRef>
+          </p:style>
+          <p:txBody>
+            <a:bodyPr rtlCol="0" anchor="ctr"/>
+            <a:lstStyle/>
+            <a:p>
+              <a:pPr algn="ctr"/>
+              <a:endParaRPr kumimoji="1" lang="ja-JP" altLang="en-US"/>
+            </a:p>
+          </p:txBody>
+        </p:sp>
+        <p:sp>
+          <p:nvSpPr>
+            <p:cNvPr id="67" name="楕円 66">
+              <a:extLst>
+                <a:ext uri="{FF2B5EF4-FFF2-40B4-BE49-F238E27FC236}">
+                  <a16:creationId xmlns:a16="http://schemas.microsoft.com/office/drawing/2014/main" id="{A28EDA11-8BDE-48C5-B802-C1AB378EEB7C}"/>
+                </a:ext>
+              </a:extLst>
+            </p:cNvPr>
+            <p:cNvSpPr/>
+            <p:nvPr/>
+          </p:nvSpPr>
+          <p:spPr>
+            <a:xfrm>
+              <a:off x="1466872" y="3367825"/>
+              <a:ext cx="36000" cy="36000"/>
+            </a:xfrm>
+            <a:prstGeom prst="ellipse">
+              <a:avLst/>
+            </a:prstGeom>
+          </p:spPr>
+          <p:style>
+            <a:lnRef idx="2">
+              <a:schemeClr val="dk1">
+                <a:shade val="50000"/>
+              </a:schemeClr>
+            </a:lnRef>
+            <a:fillRef idx="1">
+              <a:schemeClr val="dk1"/>
+            </a:fillRef>
+            <a:effectRef idx="0">
+              <a:schemeClr val="dk1"/>
+            </a:effectRef>
+            <a:fontRef idx="minor">
+              <a:schemeClr val="lt1"/>
+            </a:fontRef>
+          </p:style>
+          <p:txBody>
+            <a:bodyPr rtlCol="0" anchor="ctr"/>
+            <a:lstStyle/>
+            <a:p>
+              <a:pPr algn="ctr"/>
+              <a:endParaRPr kumimoji="1" lang="ja-JP" altLang="en-US"/>
+            </a:p>
+          </p:txBody>
+        </p:sp>
+        <p:sp>
+          <p:nvSpPr>
+            <p:cNvPr id="68" name="楕円 67">
+              <a:extLst>
+                <a:ext uri="{FF2B5EF4-FFF2-40B4-BE49-F238E27FC236}">
+                  <a16:creationId xmlns:a16="http://schemas.microsoft.com/office/drawing/2014/main" id="{BCEBC1CC-8AFF-4590-813D-A5549230CA93}"/>
+                </a:ext>
+              </a:extLst>
+            </p:cNvPr>
+            <p:cNvSpPr/>
+            <p:nvPr/>
+          </p:nvSpPr>
+          <p:spPr>
+            <a:xfrm>
+              <a:off x="1404759" y="3420844"/>
+              <a:ext cx="36000" cy="36000"/>
+            </a:xfrm>
+            <a:prstGeom prst="ellipse">
+              <a:avLst/>
+            </a:prstGeom>
+          </p:spPr>
+          <p:style>
+            <a:lnRef idx="2">
+              <a:schemeClr val="dk1">
+                <a:shade val="50000"/>
+              </a:schemeClr>
+            </a:lnRef>
+            <a:fillRef idx="1">
+              <a:schemeClr val="dk1"/>
+            </a:fillRef>
+            <a:effectRef idx="0">
+              <a:schemeClr val="dk1"/>
+            </a:effectRef>
+            <a:fontRef idx="minor">
+              <a:schemeClr val="lt1"/>
+            </a:fontRef>
+          </p:style>
+          <p:txBody>
+            <a:bodyPr rtlCol="0" anchor="ctr"/>
+            <a:lstStyle/>
+            <a:p>
+              <a:pPr algn="ctr"/>
+              <a:endParaRPr kumimoji="1" lang="ja-JP" altLang="en-US"/>
+            </a:p>
+          </p:txBody>
+        </p:sp>
+        <p:sp>
+          <p:nvSpPr>
+            <p:cNvPr id="69" name="楕円 68">
+              <a:extLst>
+                <a:ext uri="{FF2B5EF4-FFF2-40B4-BE49-F238E27FC236}">
+                  <a16:creationId xmlns:a16="http://schemas.microsoft.com/office/drawing/2014/main" id="{D0F3DCDC-573C-4F1B-819E-482B2BA195AC}"/>
+                </a:ext>
+              </a:extLst>
+            </p:cNvPr>
+            <p:cNvSpPr/>
+            <p:nvPr/>
+          </p:nvSpPr>
+          <p:spPr>
+            <a:xfrm>
+              <a:off x="1404759" y="3513641"/>
+              <a:ext cx="36000" cy="36000"/>
+            </a:xfrm>
+            <a:prstGeom prst="ellipse">
+              <a:avLst/>
+            </a:prstGeom>
+          </p:spPr>
+          <p:style>
+            <a:lnRef idx="2">
+              <a:schemeClr val="dk1">
+                <a:shade val="50000"/>
+              </a:schemeClr>
+            </a:lnRef>
+            <a:fillRef idx="1">
+              <a:schemeClr val="dk1"/>
+            </a:fillRef>
+            <a:effectRef idx="0">
+              <a:schemeClr val="dk1"/>
+            </a:effectRef>
+            <a:fontRef idx="minor">
+              <a:schemeClr val="lt1"/>
+            </a:fontRef>
+          </p:style>
+          <p:txBody>
+            <a:bodyPr rtlCol="0" anchor="ctr"/>
+            <a:lstStyle/>
+            <a:p>
+              <a:pPr algn="ctr"/>
+              <a:endParaRPr kumimoji="1" lang="ja-JP" altLang="en-US"/>
+            </a:p>
+          </p:txBody>
+        </p:sp>
+        <p:sp>
+          <p:nvSpPr>
+            <p:cNvPr id="70" name="楕円 69">
+              <a:extLst>
+                <a:ext uri="{FF2B5EF4-FFF2-40B4-BE49-F238E27FC236}">
+                  <a16:creationId xmlns:a16="http://schemas.microsoft.com/office/drawing/2014/main" id="{63B5B0BC-F669-49DA-B8AD-E09019E43A0A}"/>
+                </a:ext>
+              </a:extLst>
+            </p:cNvPr>
+            <p:cNvSpPr/>
+            <p:nvPr/>
+          </p:nvSpPr>
+          <p:spPr>
+            <a:xfrm>
+              <a:off x="2870342" y="1926545"/>
+              <a:ext cx="36000" cy="36000"/>
+            </a:xfrm>
+            <a:prstGeom prst="ellipse">
+              <a:avLst/>
+            </a:prstGeom>
+          </p:spPr>
+          <p:style>
+            <a:lnRef idx="2">
+              <a:schemeClr val="dk1">
+                <a:shade val="50000"/>
+              </a:schemeClr>
+            </a:lnRef>
+            <a:fillRef idx="1">
+              <a:schemeClr val="dk1"/>
+            </a:fillRef>
+            <a:effectRef idx="0">
+              <a:schemeClr val="dk1"/>
+            </a:effectRef>
+            <a:fontRef idx="minor">
+              <a:schemeClr val="lt1"/>
+            </a:fontRef>
+          </p:style>
+          <p:txBody>
+            <a:bodyPr rtlCol="0" anchor="ctr"/>
+            <a:lstStyle/>
+            <a:p>
+              <a:pPr algn="ctr"/>
+              <a:endParaRPr kumimoji="1" lang="ja-JP" altLang="en-US"/>
+            </a:p>
+          </p:txBody>
+        </p:sp>
+        <p:sp>
+          <p:nvSpPr>
+            <p:cNvPr id="71" name="楕円 70">
+              <a:extLst>
+                <a:ext uri="{FF2B5EF4-FFF2-40B4-BE49-F238E27FC236}">
+                  <a16:creationId xmlns:a16="http://schemas.microsoft.com/office/drawing/2014/main" id="{F0642B46-1A50-42CD-819A-6EA9F236538E}"/>
+                </a:ext>
+              </a:extLst>
+            </p:cNvPr>
+            <p:cNvSpPr/>
+            <p:nvPr/>
+          </p:nvSpPr>
+          <p:spPr>
+            <a:xfrm>
+              <a:off x="2951717" y="2009227"/>
+              <a:ext cx="36000" cy="36000"/>
+            </a:xfrm>
+            <a:prstGeom prst="ellipse">
+              <a:avLst/>
+            </a:prstGeom>
+          </p:spPr>
+          <p:style>
+            <a:lnRef idx="2">
+              <a:schemeClr val="dk1">
+                <a:shade val="50000"/>
+              </a:schemeClr>
+            </a:lnRef>
+            <a:fillRef idx="1">
+              <a:schemeClr val="dk1"/>
+            </a:fillRef>
+            <a:effectRef idx="0">
+              <a:schemeClr val="dk1"/>
+            </a:effectRef>
+            <a:fontRef idx="minor">
+              <a:schemeClr val="lt1"/>
+            </a:fontRef>
+          </p:style>
+          <p:txBody>
+            <a:bodyPr rtlCol="0" anchor="ctr"/>
+            <a:lstStyle/>
+            <a:p>
+              <a:pPr algn="ctr"/>
+              <a:endParaRPr kumimoji="1" lang="ja-JP" altLang="en-US"/>
+            </a:p>
+          </p:txBody>
+        </p:sp>
+        <p:sp>
+          <p:nvSpPr>
+            <p:cNvPr id="72" name="楕円 71">
+              <a:extLst>
+                <a:ext uri="{FF2B5EF4-FFF2-40B4-BE49-F238E27FC236}">
+                  <a16:creationId xmlns:a16="http://schemas.microsoft.com/office/drawing/2014/main" id="{4129A01A-41BF-4EAF-9787-41EC0373F8AD}"/>
+                </a:ext>
+              </a:extLst>
+            </p:cNvPr>
+            <p:cNvSpPr/>
+            <p:nvPr/>
+          </p:nvSpPr>
+          <p:spPr>
+            <a:xfrm>
+              <a:off x="2902687" y="2141936"/>
+              <a:ext cx="36000" cy="36000"/>
+            </a:xfrm>
+            <a:prstGeom prst="ellipse">
+              <a:avLst/>
+            </a:prstGeom>
+          </p:spPr>
+          <p:style>
+            <a:lnRef idx="2">
+              <a:schemeClr val="dk1">
+                <a:shade val="50000"/>
+              </a:schemeClr>
+            </a:lnRef>
+            <a:fillRef idx="1">
+              <a:schemeClr val="dk1"/>
+            </a:fillRef>
+            <a:effectRef idx="0">
+              <a:schemeClr val="dk1"/>
+            </a:effectRef>
+            <a:fontRef idx="minor">
+              <a:schemeClr val="lt1"/>
+            </a:fontRef>
+          </p:style>
+          <p:txBody>
+            <a:bodyPr rtlCol="0" anchor="ctr"/>
+            <a:lstStyle/>
+            <a:p>
+              <a:pPr algn="ctr"/>
+              <a:endParaRPr kumimoji="1" lang="ja-JP" altLang="en-US"/>
+            </a:p>
+          </p:txBody>
+        </p:sp>
+        <p:sp>
+          <p:nvSpPr>
+            <p:cNvPr id="73" name="楕円 72">
+              <a:extLst>
+                <a:ext uri="{FF2B5EF4-FFF2-40B4-BE49-F238E27FC236}">
+                  <a16:creationId xmlns:a16="http://schemas.microsoft.com/office/drawing/2014/main" id="{7D63F6DC-C870-46C5-A80B-975BCC5BF92F}"/>
+                </a:ext>
+              </a:extLst>
+            </p:cNvPr>
+            <p:cNvSpPr/>
+            <p:nvPr/>
+          </p:nvSpPr>
+          <p:spPr>
+            <a:xfrm>
+              <a:off x="2963347" y="2085217"/>
+              <a:ext cx="36000" cy="36000"/>
+            </a:xfrm>
+            <a:prstGeom prst="ellipse">
+              <a:avLst/>
+            </a:prstGeom>
+          </p:spPr>
+          <p:style>
+            <a:lnRef idx="2">
+              <a:schemeClr val="dk1">
+                <a:shade val="50000"/>
+              </a:schemeClr>
+            </a:lnRef>
+            <a:fillRef idx="1">
+              <a:schemeClr val="dk1"/>
+            </a:fillRef>
+            <a:effectRef idx="0">
+              <a:schemeClr val="dk1"/>
+            </a:effectRef>
+            <a:fontRef idx="minor">
+              <a:schemeClr val="lt1"/>
+            </a:fontRef>
+          </p:style>
+          <p:txBody>
+            <a:bodyPr rtlCol="0" anchor="ctr"/>
+            <a:lstStyle/>
+            <a:p>
+              <a:pPr algn="ctr"/>
+              <a:endParaRPr kumimoji="1" lang="ja-JP" altLang="en-US"/>
+            </a:p>
+          </p:txBody>
+        </p:sp>
+        <p:sp>
+          <p:nvSpPr>
+            <p:cNvPr id="74" name="楕円 73">
+              <a:extLst>
+                <a:ext uri="{FF2B5EF4-FFF2-40B4-BE49-F238E27FC236}">
+                  <a16:creationId xmlns:a16="http://schemas.microsoft.com/office/drawing/2014/main" id="{65A6D633-94DF-4D16-96AD-862E604AFFE1}"/>
+                </a:ext>
+              </a:extLst>
+            </p:cNvPr>
+            <p:cNvSpPr/>
+            <p:nvPr/>
+          </p:nvSpPr>
+          <p:spPr>
+            <a:xfrm>
+              <a:off x="2961160" y="2217926"/>
+              <a:ext cx="36000" cy="36000"/>
+            </a:xfrm>
+            <a:prstGeom prst="ellipse">
+              <a:avLst/>
+            </a:prstGeom>
+          </p:spPr>
+          <p:style>
+            <a:lnRef idx="2">
+              <a:schemeClr val="dk1">
+                <a:shade val="50000"/>
+              </a:schemeClr>
+            </a:lnRef>
+            <a:fillRef idx="1">
+              <a:schemeClr val="dk1"/>
+            </a:fillRef>
+            <a:effectRef idx="0">
+              <a:schemeClr val="dk1"/>
+            </a:effectRef>
+            <a:fontRef idx="minor">
+              <a:schemeClr val="lt1"/>
+            </a:fontRef>
+          </p:style>
+          <p:txBody>
+            <a:bodyPr rtlCol="0" anchor="ctr"/>
+            <a:lstStyle/>
+            <a:p>
+              <a:pPr algn="ctr"/>
+              <a:endParaRPr kumimoji="1" lang="ja-JP" altLang="en-US"/>
+            </a:p>
+          </p:txBody>
+        </p:sp>
+        <p:sp>
+          <p:nvSpPr>
+            <p:cNvPr id="75" name="楕円 74">
+              <a:extLst>
+                <a:ext uri="{FF2B5EF4-FFF2-40B4-BE49-F238E27FC236}">
+                  <a16:creationId xmlns:a16="http://schemas.microsoft.com/office/drawing/2014/main" id="{33F16190-403A-4827-BE2F-F322A420F392}"/>
+                </a:ext>
+              </a:extLst>
+            </p:cNvPr>
+            <p:cNvSpPr/>
+            <p:nvPr/>
+          </p:nvSpPr>
+          <p:spPr>
+            <a:xfrm>
+              <a:off x="2917817" y="2271019"/>
+              <a:ext cx="36000" cy="36000"/>
+            </a:xfrm>
+            <a:prstGeom prst="ellipse">
+              <a:avLst/>
+            </a:prstGeom>
+          </p:spPr>
+          <p:style>
+            <a:lnRef idx="2">
+              <a:schemeClr val="dk1">
+                <a:shade val="50000"/>
+              </a:schemeClr>
+            </a:lnRef>
+            <a:fillRef idx="1">
+              <a:schemeClr val="dk1"/>
+            </a:fillRef>
+            <a:effectRef idx="0">
+              <a:schemeClr val="dk1"/>
+            </a:effectRef>
+            <a:fontRef idx="minor">
+              <a:schemeClr val="lt1"/>
+            </a:fontRef>
+          </p:style>
+          <p:txBody>
+            <a:bodyPr rtlCol="0" anchor="ctr"/>
+            <a:lstStyle/>
+            <a:p>
+              <a:pPr algn="ctr"/>
+              <a:endParaRPr kumimoji="1" lang="ja-JP" altLang="en-US"/>
+            </a:p>
+          </p:txBody>
+        </p:sp>
+        <p:sp>
+          <p:nvSpPr>
+            <p:cNvPr id="76" name="楕円 75">
+              <a:extLst>
+                <a:ext uri="{FF2B5EF4-FFF2-40B4-BE49-F238E27FC236}">
+                  <a16:creationId xmlns:a16="http://schemas.microsoft.com/office/drawing/2014/main" id="{37F5D0A3-9BD3-4881-BDE6-00CE854CE84C}"/>
+                </a:ext>
+              </a:extLst>
+            </p:cNvPr>
+            <p:cNvSpPr/>
+            <p:nvPr/>
+          </p:nvSpPr>
+          <p:spPr>
+            <a:xfrm>
+              <a:off x="2988160" y="2334084"/>
+              <a:ext cx="36000" cy="36000"/>
+            </a:xfrm>
+            <a:prstGeom prst="ellipse">
+              <a:avLst/>
+            </a:prstGeom>
+          </p:spPr>
+          <p:style>
+            <a:lnRef idx="2">
+              <a:schemeClr val="dk1">
+                <a:shade val="50000"/>
+              </a:schemeClr>
+            </a:lnRef>
+            <a:fillRef idx="1">
+              <a:schemeClr val="dk1"/>
+            </a:fillRef>
+            <a:effectRef idx="0">
+              <a:schemeClr val="dk1"/>
+            </a:effectRef>
+            <a:fontRef idx="minor">
+              <a:schemeClr val="lt1"/>
+            </a:fontRef>
+          </p:style>
+          <p:txBody>
+            <a:bodyPr rtlCol="0" anchor="ctr"/>
+            <a:lstStyle/>
+            <a:p>
+              <a:pPr algn="ctr"/>
+              <a:endParaRPr kumimoji="1" lang="ja-JP" altLang="en-US"/>
+            </a:p>
+          </p:txBody>
+        </p:sp>
+        <p:sp>
+          <p:nvSpPr>
+            <p:cNvPr id="77" name="楕円 76">
+              <a:extLst>
+                <a:ext uri="{FF2B5EF4-FFF2-40B4-BE49-F238E27FC236}">
+                  <a16:creationId xmlns:a16="http://schemas.microsoft.com/office/drawing/2014/main" id="{EB9F719F-645E-4C22-8626-9B9807A175D3}"/>
+                </a:ext>
+              </a:extLst>
+            </p:cNvPr>
+            <p:cNvSpPr/>
+            <p:nvPr/>
+          </p:nvSpPr>
+          <p:spPr>
+            <a:xfrm>
+              <a:off x="2924342" y="2387979"/>
+              <a:ext cx="36000" cy="36000"/>
+            </a:xfrm>
+            <a:prstGeom prst="ellipse">
+              <a:avLst/>
+            </a:prstGeom>
+          </p:spPr>
+          <p:style>
+            <a:lnRef idx="2">
+              <a:schemeClr val="dk1">
+                <a:shade val="50000"/>
+              </a:schemeClr>
+            </a:lnRef>
+            <a:fillRef idx="1">
+              <a:schemeClr val="dk1"/>
+            </a:fillRef>
+            <a:effectRef idx="0">
+              <a:schemeClr val="dk1"/>
+            </a:effectRef>
+            <a:fontRef idx="minor">
+              <a:schemeClr val="lt1"/>
+            </a:fontRef>
+          </p:style>
+          <p:txBody>
+            <a:bodyPr rtlCol="0" anchor="ctr"/>
+            <a:lstStyle/>
+            <a:p>
+              <a:pPr algn="ctr"/>
+              <a:endParaRPr kumimoji="1" lang="ja-JP" altLang="en-US"/>
+            </a:p>
+          </p:txBody>
+        </p:sp>
+        <p:sp>
+          <p:nvSpPr>
+            <p:cNvPr id="78" name="楕円 77">
+              <a:extLst>
+                <a:ext uri="{FF2B5EF4-FFF2-40B4-BE49-F238E27FC236}">
+                  <a16:creationId xmlns:a16="http://schemas.microsoft.com/office/drawing/2014/main" id="{73989439-DD9B-4B0E-A422-687708B5F383}"/>
+                </a:ext>
+              </a:extLst>
+            </p:cNvPr>
+            <p:cNvSpPr/>
+            <p:nvPr/>
+          </p:nvSpPr>
+          <p:spPr>
+            <a:xfrm>
+              <a:off x="3042160" y="3055146"/>
+              <a:ext cx="36000" cy="36000"/>
+            </a:xfrm>
+            <a:prstGeom prst="ellipse">
+              <a:avLst/>
+            </a:prstGeom>
+          </p:spPr>
+          <p:style>
+            <a:lnRef idx="2">
+              <a:schemeClr val="dk1">
+                <a:shade val="50000"/>
+              </a:schemeClr>
+            </a:lnRef>
+            <a:fillRef idx="1">
+              <a:schemeClr val="dk1"/>
+            </a:fillRef>
+            <a:effectRef idx="0">
+              <a:schemeClr val="dk1"/>
+            </a:effectRef>
+            <a:fontRef idx="minor">
+              <a:schemeClr val="lt1"/>
+            </a:fontRef>
+          </p:style>
+          <p:txBody>
+            <a:bodyPr rtlCol="0" anchor="ctr"/>
+            <a:lstStyle/>
+            <a:p>
+              <a:pPr algn="ctr"/>
+              <a:endParaRPr kumimoji="1" lang="ja-JP" altLang="en-US"/>
+            </a:p>
+          </p:txBody>
+        </p:sp>
+        <p:sp>
+          <p:nvSpPr>
+            <p:cNvPr id="85" name="楕円 84">
+              <a:extLst>
+                <a:ext uri="{FF2B5EF4-FFF2-40B4-BE49-F238E27FC236}">
+                  <a16:creationId xmlns:a16="http://schemas.microsoft.com/office/drawing/2014/main" id="{075F444A-69F7-4D06-ABB9-C399EB8FACBC}"/>
+                </a:ext>
+              </a:extLst>
+            </p:cNvPr>
+            <p:cNvSpPr/>
+            <p:nvPr/>
+          </p:nvSpPr>
+          <p:spPr>
+            <a:xfrm>
+              <a:off x="3015160" y="3128523"/>
+              <a:ext cx="36000" cy="36000"/>
+            </a:xfrm>
+            <a:prstGeom prst="ellipse">
+              <a:avLst/>
+            </a:prstGeom>
+          </p:spPr>
+          <p:style>
+            <a:lnRef idx="2">
+              <a:schemeClr val="dk1">
+                <a:shade val="50000"/>
+              </a:schemeClr>
+            </a:lnRef>
+            <a:fillRef idx="1">
+              <a:schemeClr val="dk1"/>
+            </a:fillRef>
+            <a:effectRef idx="0">
+              <a:schemeClr val="dk1"/>
+            </a:effectRef>
+            <a:fontRef idx="minor">
+              <a:schemeClr val="lt1"/>
+            </a:fontRef>
+          </p:style>
+          <p:txBody>
+            <a:bodyPr rtlCol="0" anchor="ctr"/>
+            <a:lstStyle/>
+            <a:p>
+              <a:pPr algn="ctr"/>
+              <a:endParaRPr kumimoji="1" lang="ja-JP" altLang="en-US"/>
+            </a:p>
+          </p:txBody>
+        </p:sp>
+        <p:sp>
+          <p:nvSpPr>
+            <p:cNvPr id="86" name="楕円 85">
+              <a:extLst>
+                <a:ext uri="{FF2B5EF4-FFF2-40B4-BE49-F238E27FC236}">
+                  <a16:creationId xmlns:a16="http://schemas.microsoft.com/office/drawing/2014/main" id="{0608C919-D6A1-461E-B35F-AB3AF02A75BE}"/>
+                </a:ext>
+              </a:extLst>
+            </p:cNvPr>
+            <p:cNvSpPr/>
+            <p:nvPr/>
+          </p:nvSpPr>
+          <p:spPr>
+            <a:xfrm>
+              <a:off x="3069160" y="3172011"/>
+              <a:ext cx="36000" cy="36000"/>
+            </a:xfrm>
+            <a:prstGeom prst="ellipse">
+              <a:avLst/>
+            </a:prstGeom>
+          </p:spPr>
+          <p:style>
+            <a:lnRef idx="2">
+              <a:schemeClr val="dk1">
+                <a:shade val="50000"/>
+              </a:schemeClr>
+            </a:lnRef>
+            <a:fillRef idx="1">
+              <a:schemeClr val="dk1"/>
+            </a:fillRef>
+            <a:effectRef idx="0">
+              <a:schemeClr val="dk1"/>
+            </a:effectRef>
+            <a:fontRef idx="minor">
+              <a:schemeClr val="lt1"/>
+            </a:fontRef>
+          </p:style>
+          <p:txBody>
+            <a:bodyPr rtlCol="0" anchor="ctr"/>
+            <a:lstStyle/>
+            <a:p>
+              <a:pPr algn="ctr"/>
+              <a:endParaRPr kumimoji="1" lang="ja-JP" altLang="en-US"/>
+            </a:p>
+          </p:txBody>
+        </p:sp>
+        <p:sp>
+          <p:nvSpPr>
+            <p:cNvPr id="87" name="楕円 86">
+              <a:extLst>
+                <a:ext uri="{FF2B5EF4-FFF2-40B4-BE49-F238E27FC236}">
+                  <a16:creationId xmlns:a16="http://schemas.microsoft.com/office/drawing/2014/main" id="{AD65057F-6A10-451C-8C4B-75B68EEDAB2D}"/>
+                </a:ext>
+              </a:extLst>
+            </p:cNvPr>
+            <p:cNvSpPr/>
+            <p:nvPr/>
+          </p:nvSpPr>
+          <p:spPr>
+            <a:xfrm>
+              <a:off x="3042160" y="3246204"/>
+              <a:ext cx="36000" cy="36000"/>
+            </a:xfrm>
+            <a:prstGeom prst="ellipse">
+              <a:avLst/>
+            </a:prstGeom>
+          </p:spPr>
+          <p:style>
+            <a:lnRef idx="2">
+              <a:schemeClr val="dk1">
+                <a:shade val="50000"/>
+              </a:schemeClr>
+            </a:lnRef>
+            <a:fillRef idx="1">
+              <a:schemeClr val="dk1"/>
+            </a:fillRef>
+            <a:effectRef idx="0">
+              <a:schemeClr val="dk1"/>
+            </a:effectRef>
+            <a:fontRef idx="minor">
+              <a:schemeClr val="lt1"/>
+            </a:fontRef>
+          </p:style>
+          <p:txBody>
+            <a:bodyPr rtlCol="0" anchor="ctr"/>
+            <a:lstStyle/>
+            <a:p>
+              <a:pPr algn="ctr"/>
+              <a:endParaRPr kumimoji="1" lang="ja-JP" altLang="en-US"/>
+            </a:p>
+          </p:txBody>
+        </p:sp>
+        <p:sp>
+          <p:nvSpPr>
+            <p:cNvPr id="88" name="楕円 87">
+              <a:extLst>
+                <a:ext uri="{FF2B5EF4-FFF2-40B4-BE49-F238E27FC236}">
+                  <a16:creationId xmlns:a16="http://schemas.microsoft.com/office/drawing/2014/main" id="{B9768F9B-FC6B-4DA4-B0E7-D1ADDC51D6A8}"/>
+                </a:ext>
+              </a:extLst>
+            </p:cNvPr>
+            <p:cNvSpPr/>
+            <p:nvPr/>
+          </p:nvSpPr>
+          <p:spPr>
+            <a:xfrm>
+              <a:off x="3120196" y="3279338"/>
+              <a:ext cx="36000" cy="36000"/>
+            </a:xfrm>
+            <a:prstGeom prst="ellipse">
+              <a:avLst/>
+            </a:prstGeom>
+          </p:spPr>
+          <p:style>
+            <a:lnRef idx="2">
+              <a:schemeClr val="dk1">
+                <a:shade val="50000"/>
+              </a:schemeClr>
+            </a:lnRef>
+            <a:fillRef idx="1">
+              <a:schemeClr val="dk1"/>
+            </a:fillRef>
+            <a:effectRef idx="0">
+              <a:schemeClr val="dk1"/>
+            </a:effectRef>
+            <a:fontRef idx="minor">
+              <a:schemeClr val="lt1"/>
+            </a:fontRef>
+          </p:style>
+          <p:txBody>
+            <a:bodyPr rtlCol="0" anchor="ctr"/>
+            <a:lstStyle/>
+            <a:p>
+              <a:pPr algn="ctr"/>
+              <a:endParaRPr kumimoji="1" lang="ja-JP" altLang="en-US"/>
+            </a:p>
+          </p:txBody>
+        </p:sp>
+        <p:sp>
+          <p:nvSpPr>
+            <p:cNvPr id="89" name="楕円 88">
+              <a:extLst>
+                <a:ext uri="{FF2B5EF4-FFF2-40B4-BE49-F238E27FC236}">
+                  <a16:creationId xmlns:a16="http://schemas.microsoft.com/office/drawing/2014/main" id="{C4A11DFE-D031-4BDE-8813-7DC002C73DC0}"/>
+                </a:ext>
+              </a:extLst>
+            </p:cNvPr>
+            <p:cNvSpPr/>
+            <p:nvPr/>
+          </p:nvSpPr>
+          <p:spPr>
+            <a:xfrm>
+              <a:off x="3069160" y="3370844"/>
+              <a:ext cx="36000" cy="36000"/>
+            </a:xfrm>
+            <a:prstGeom prst="ellipse">
+              <a:avLst/>
+            </a:prstGeom>
+          </p:spPr>
+          <p:style>
+            <a:lnRef idx="2">
+              <a:schemeClr val="dk1">
+                <a:shade val="50000"/>
+              </a:schemeClr>
+            </a:lnRef>
+            <a:fillRef idx="1">
+              <a:schemeClr val="dk1"/>
+            </a:fillRef>
+            <a:effectRef idx="0">
+              <a:schemeClr val="dk1"/>
+            </a:effectRef>
+            <a:fontRef idx="minor">
+              <a:schemeClr val="lt1"/>
+            </a:fontRef>
+          </p:style>
+          <p:txBody>
+            <a:bodyPr rtlCol="0" anchor="ctr"/>
+            <a:lstStyle/>
+            <a:p>
+              <a:pPr algn="ctr"/>
+              <a:endParaRPr kumimoji="1" lang="ja-JP" altLang="en-US"/>
+            </a:p>
+          </p:txBody>
+        </p:sp>
+        <p:sp>
+          <p:nvSpPr>
+            <p:cNvPr id="90" name="楕円 89">
+              <a:extLst>
+                <a:ext uri="{FF2B5EF4-FFF2-40B4-BE49-F238E27FC236}">
+                  <a16:creationId xmlns:a16="http://schemas.microsoft.com/office/drawing/2014/main" id="{1C9ED8C7-5128-43AD-8AE4-A1FF51DBE91C}"/>
+                </a:ext>
+              </a:extLst>
+            </p:cNvPr>
+            <p:cNvSpPr/>
+            <p:nvPr/>
+          </p:nvSpPr>
+          <p:spPr>
+            <a:xfrm>
+              <a:off x="3120196" y="3420844"/>
+              <a:ext cx="36000" cy="36000"/>
+            </a:xfrm>
+            <a:prstGeom prst="ellipse">
+              <a:avLst/>
+            </a:prstGeom>
+          </p:spPr>
+          <p:style>
+            <a:lnRef idx="2">
+              <a:schemeClr val="dk1">
+                <a:shade val="50000"/>
+              </a:schemeClr>
+            </a:lnRef>
+            <a:fillRef idx="1">
+              <a:schemeClr val="dk1"/>
+            </a:fillRef>
+            <a:effectRef idx="0">
+              <a:schemeClr val="dk1"/>
+            </a:effectRef>
+            <a:fontRef idx="minor">
+              <a:schemeClr val="lt1"/>
+            </a:fontRef>
+          </p:style>
+          <p:txBody>
+            <a:bodyPr rtlCol="0" anchor="ctr"/>
+            <a:lstStyle/>
+            <a:p>
+              <a:pPr algn="ctr"/>
+              <a:endParaRPr kumimoji="1" lang="ja-JP" altLang="en-US"/>
+            </a:p>
+          </p:txBody>
+        </p:sp>
+        <p:sp>
+          <p:nvSpPr>
+            <p:cNvPr id="91" name="楕円 90">
+              <a:extLst>
+                <a:ext uri="{FF2B5EF4-FFF2-40B4-BE49-F238E27FC236}">
+                  <a16:creationId xmlns:a16="http://schemas.microsoft.com/office/drawing/2014/main" id="{929BAA59-8273-465B-B935-1CE899BDEEF7}"/>
+                </a:ext>
+              </a:extLst>
+            </p:cNvPr>
+            <p:cNvSpPr/>
+            <p:nvPr/>
+          </p:nvSpPr>
+          <p:spPr>
+            <a:xfrm>
+              <a:off x="3096160" y="3474892"/>
+              <a:ext cx="36000" cy="36000"/>
+            </a:xfrm>
+            <a:prstGeom prst="ellipse">
+              <a:avLst/>
+            </a:prstGeom>
+          </p:spPr>
+          <p:style>
+            <a:lnRef idx="2">
+              <a:schemeClr val="dk1">
+                <a:shade val="50000"/>
+              </a:schemeClr>
+            </a:lnRef>
+            <a:fillRef idx="1">
+              <a:schemeClr val="dk1"/>
+            </a:fillRef>
+            <a:effectRef idx="0">
+              <a:schemeClr val="dk1"/>
+            </a:effectRef>
+            <a:fontRef idx="minor">
+              <a:schemeClr val="lt1"/>
+            </a:fontRef>
+          </p:style>
+          <p:txBody>
+            <a:bodyPr rtlCol="0" anchor="ctr"/>
+            <a:lstStyle/>
+            <a:p>
+              <a:pPr algn="ctr"/>
+              <a:endParaRPr kumimoji="1" lang="ja-JP" altLang="en-US"/>
+            </a:p>
+          </p:txBody>
+        </p:sp>
+        <p:sp>
+          <p:nvSpPr>
+            <p:cNvPr id="92" name="楕円 91">
+              <a:extLst>
+                <a:ext uri="{FF2B5EF4-FFF2-40B4-BE49-F238E27FC236}">
+                  <a16:creationId xmlns:a16="http://schemas.microsoft.com/office/drawing/2014/main" id="{130C6C56-B49D-4CE2-BD24-AEF0F8A49A4D}"/>
+                </a:ext>
+              </a:extLst>
+            </p:cNvPr>
+            <p:cNvSpPr/>
+            <p:nvPr/>
+          </p:nvSpPr>
+          <p:spPr>
+            <a:xfrm>
+              <a:off x="3120196" y="3538717"/>
+              <a:ext cx="36000" cy="36000"/>
+            </a:xfrm>
+            <a:prstGeom prst="ellipse">
+              <a:avLst/>
+            </a:prstGeom>
+          </p:spPr>
+          <p:style>
+            <a:lnRef idx="2">
+              <a:schemeClr val="dk1">
+                <a:shade val="50000"/>
+              </a:schemeClr>
+            </a:lnRef>
+            <a:fillRef idx="1">
+              <a:schemeClr val="dk1"/>
+            </a:fillRef>
+            <a:effectRef idx="0">
+              <a:schemeClr val="dk1"/>
+            </a:effectRef>
+            <a:fontRef idx="minor">
+              <a:schemeClr val="lt1"/>
+            </a:fontRef>
+          </p:style>
+          <p:txBody>
+            <a:bodyPr rtlCol="0" anchor="ctr"/>
+            <a:lstStyle/>
+            <a:p>
+              <a:pPr algn="ctr"/>
+              <a:endParaRPr kumimoji="1" lang="ja-JP" altLang="en-US"/>
+            </a:p>
+          </p:txBody>
+        </p:sp>
+        <p:sp>
+          <p:nvSpPr>
+            <p:cNvPr id="95" name="テキスト ボックス 94">
+              <a:extLst>
+                <a:ext uri="{FF2B5EF4-FFF2-40B4-BE49-F238E27FC236}">
+                  <a16:creationId xmlns:a16="http://schemas.microsoft.com/office/drawing/2014/main" id="{788476B0-FC46-4CF6-B763-4A618984E62A}"/>
+                </a:ext>
+              </a:extLst>
+            </p:cNvPr>
+            <p:cNvSpPr txBox="1"/>
+            <p:nvPr/>
+          </p:nvSpPr>
+          <p:spPr>
+            <a:xfrm>
+              <a:off x="2897342" y="1313545"/>
+              <a:ext cx="1140056" cy="338554"/>
+            </a:xfrm>
+            <a:prstGeom prst="rect">
+              <a:avLst/>
+            </a:prstGeom>
+            <a:noFill/>
+          </p:spPr>
+          <p:txBody>
+            <a:bodyPr wrap="none" rtlCol="0">
+              <a:spAutoFit/>
+            </a:bodyPr>
+            <a:lstStyle/>
+            <a:p>
+              <a:r>
+                <a:rPr kumimoji="1" lang="ja-JP" altLang="en-US" sz="1600" dirty="0">
+                  <a:solidFill>
+                    <a:sysClr val="windowText" lastClr="000000"/>
+                  </a:solidFill>
+                </a:rPr>
+                <a:t>潜像核</a:t>
+              </a:r>
+              <a:r>
+                <a:rPr kumimoji="1" lang="en-US" altLang="ja-JP" sz="1600" dirty="0">
+                  <a:solidFill>
+                    <a:sysClr val="windowText" lastClr="000000"/>
+                  </a:solidFill>
+                </a:rPr>
+                <a:t>(</a:t>
+              </a:r>
+              <a:r>
+                <a:rPr kumimoji="1" lang="en-US" altLang="ja-JP" sz="1600" dirty="0">
+                  <a:solidFill>
+                    <a:srgbClr val="FF0000"/>
+                  </a:solidFill>
+                </a:rPr>
+                <a:t>Ag</a:t>
+              </a:r>
+              <a:r>
+                <a:rPr kumimoji="1" lang="en-US" altLang="ja-JP" sz="1600" dirty="0">
+                  <a:solidFill>
+                    <a:sysClr val="windowText" lastClr="000000"/>
+                  </a:solidFill>
+                </a:rPr>
+                <a:t>)</a:t>
+              </a:r>
+              <a:endParaRPr kumimoji="1" lang="ja-JP" altLang="en-US" sz="1600" dirty="0">
+                <a:solidFill>
+                  <a:sysClr val="windowText" lastClr="000000"/>
+                </a:solidFill>
+              </a:endParaRPr>
+            </a:p>
+          </p:txBody>
+        </p:sp>
+        <p:sp>
+          <p:nvSpPr>
+            <p:cNvPr id="96" name="テキスト ボックス 95">
+              <a:extLst>
+                <a:ext uri="{FF2B5EF4-FFF2-40B4-BE49-F238E27FC236}">
+                  <a16:creationId xmlns:a16="http://schemas.microsoft.com/office/drawing/2014/main" id="{DB293613-2174-48E1-8ED2-42E86EE2F22F}"/>
+                </a:ext>
+              </a:extLst>
+            </p:cNvPr>
+            <p:cNvSpPr txBox="1"/>
+            <p:nvPr/>
+          </p:nvSpPr>
+          <p:spPr>
+            <a:xfrm>
+              <a:off x="747455" y="2160036"/>
+              <a:ext cx="583814" cy="338554"/>
+            </a:xfrm>
+            <a:prstGeom prst="rect">
+              <a:avLst/>
+            </a:prstGeom>
+            <a:noFill/>
+          </p:spPr>
+          <p:txBody>
+            <a:bodyPr wrap="none" rtlCol="0">
+              <a:spAutoFit/>
+            </a:bodyPr>
+            <a:lstStyle/>
+            <a:p>
+              <a:r>
+                <a:rPr kumimoji="1" lang="en-US" altLang="ja-JP" sz="1600" dirty="0" err="1">
+                  <a:solidFill>
+                    <a:srgbClr val="FF0000"/>
+                  </a:solidFill>
+                </a:rPr>
+                <a:t>AgBr</a:t>
+              </a:r>
+              <a:endParaRPr kumimoji="1" lang="ja-JP" altLang="en-US" sz="1600" dirty="0">
+                <a:solidFill>
+                  <a:sysClr val="windowText" lastClr="000000"/>
+                </a:solidFill>
+              </a:endParaRPr>
+            </a:p>
+          </p:txBody>
+        </p:sp>
+      </p:grpSp>
+      <p:grpSp>
+        <p:nvGrpSpPr>
+          <p:cNvPr id="98" name="グループ化 97">
+            <a:extLst>
+              <a:ext uri="{FF2B5EF4-FFF2-40B4-BE49-F238E27FC236}">
+                <a16:creationId xmlns:a16="http://schemas.microsoft.com/office/drawing/2014/main" id="{FABD8E65-DACC-4145-883B-560D69DF2DDF}"/>
+              </a:ext>
+            </a:extLst>
+          </p:cNvPr>
+          <p:cNvGrpSpPr/>
+          <p:nvPr/>
+        </p:nvGrpSpPr>
+        <p:grpSpPr>
+          <a:xfrm>
+            <a:off x="4736908" y="1117237"/>
+            <a:ext cx="3653549" cy="2667900"/>
+            <a:chOff x="2307606" y="2424318"/>
+            <a:chExt cx="3653549" cy="2667900"/>
+          </a:xfrm>
+        </p:grpSpPr>
+        <p:grpSp>
+          <p:nvGrpSpPr>
+            <p:cNvPr id="99" name="グループ化 98">
+              <a:extLst>
+                <a:ext uri="{FF2B5EF4-FFF2-40B4-BE49-F238E27FC236}">
+                  <a16:creationId xmlns:a16="http://schemas.microsoft.com/office/drawing/2014/main" id="{20A361FB-B3AF-4A16-9F7F-863B71BD84ED}"/>
+                </a:ext>
+              </a:extLst>
+            </p:cNvPr>
+            <p:cNvGrpSpPr/>
+            <p:nvPr/>
+          </p:nvGrpSpPr>
+          <p:grpSpPr>
+            <a:xfrm>
+              <a:off x="2307606" y="2443514"/>
+              <a:ext cx="3653549" cy="2648704"/>
+              <a:chOff x="2307606" y="2443514"/>
+              <a:chExt cx="3653549" cy="2648704"/>
+            </a:xfrm>
+          </p:grpSpPr>
+          <p:grpSp>
+            <p:nvGrpSpPr>
+              <p:cNvPr id="102" name="グループ化 101">
+                <a:extLst>
+                  <a:ext uri="{FF2B5EF4-FFF2-40B4-BE49-F238E27FC236}">
+                    <a16:creationId xmlns:a16="http://schemas.microsoft.com/office/drawing/2014/main" id="{2D17190A-F91D-4E65-A1ED-B4483108D916}"/>
+                  </a:ext>
+                </a:extLst>
+              </p:cNvPr>
+              <p:cNvGrpSpPr/>
+              <p:nvPr/>
+            </p:nvGrpSpPr>
+            <p:grpSpPr>
+              <a:xfrm>
+                <a:off x="2307606" y="2733988"/>
+                <a:ext cx="3653549" cy="1980460"/>
+                <a:chOff x="782077" y="3110947"/>
+                <a:chExt cx="7119732" cy="3508506"/>
+              </a:xfrm>
+            </p:grpSpPr>
+            <p:sp>
+              <p:nvSpPr>
+                <p:cNvPr id="141" name="直方体 140">
+                  <a:extLst>
+                    <a:ext uri="{FF2B5EF4-FFF2-40B4-BE49-F238E27FC236}">
+                      <a16:creationId xmlns:a16="http://schemas.microsoft.com/office/drawing/2014/main" id="{CC68318C-E7C7-4755-A800-A86769EB3C31}"/>
+                    </a:ext>
+                  </a:extLst>
+                </p:cNvPr>
+                <p:cNvSpPr/>
+                <p:nvPr/>
+              </p:nvSpPr>
+              <p:spPr>
+                <a:xfrm>
+                  <a:off x="782077" y="5104331"/>
+                  <a:ext cx="7116417" cy="1500809"/>
+                </a:xfrm>
+                <a:prstGeom prst="cube">
+                  <a:avLst>
+                    <a:gd name="adj" fmla="val 55464"/>
+                  </a:avLst>
+                </a:prstGeom>
+                <a:solidFill>
+                  <a:schemeClr val="bg1">
+                    <a:lumMod val="85000"/>
+                  </a:schemeClr>
+                </a:solidFill>
+                <a:ln>
+                  <a:solidFill>
+                    <a:schemeClr val="tx1"/>
+                  </a:solidFill>
+                </a:ln>
+              </p:spPr>
+              <p:style>
+                <a:lnRef idx="2">
+                  <a:schemeClr val="accent1">
+                    <a:shade val="50000"/>
+                  </a:schemeClr>
+                </a:lnRef>
+                <a:fillRef idx="1">
+                  <a:schemeClr val="accent1"/>
+                </a:fillRef>
+                <a:effectRef idx="0">
+                  <a:schemeClr val="accent1"/>
+                </a:effectRef>
+                <a:fontRef idx="minor">
+                  <a:schemeClr val="lt1"/>
+                </a:fontRef>
+              </p:style>
+              <p:txBody>
+                <a:bodyPr rtlCol="0" anchor="ctr"/>
+                <a:lstStyle/>
+                <a:p>
+                  <a:pPr algn="ctr"/>
+                  <a:endParaRPr kumimoji="1" lang="ja-JP" altLang="en-US" dirty="0"/>
+                </a:p>
+              </p:txBody>
+            </p:sp>
+            <p:sp>
+              <p:nvSpPr>
+                <p:cNvPr id="142" name="直方体 141">
+                  <a:extLst>
+                    <a:ext uri="{FF2B5EF4-FFF2-40B4-BE49-F238E27FC236}">
+                      <a16:creationId xmlns:a16="http://schemas.microsoft.com/office/drawing/2014/main" id="{DB339FD3-35A8-49AB-8EC3-D60FDC1180A2}"/>
+                    </a:ext>
+                  </a:extLst>
+                </p:cNvPr>
+                <p:cNvSpPr/>
+                <p:nvPr/>
+              </p:nvSpPr>
+              <p:spPr>
+                <a:xfrm>
+                  <a:off x="782078" y="3772487"/>
+                  <a:ext cx="7116417" cy="2171113"/>
+                </a:xfrm>
+                <a:prstGeom prst="cube">
+                  <a:avLst>
+                    <a:gd name="adj" fmla="val 38497"/>
+                  </a:avLst>
+                </a:prstGeom>
+                <a:solidFill>
+                  <a:srgbClr val="00FFFF">
+                    <a:alpha val="20000"/>
+                  </a:srgbClr>
+                </a:solidFill>
+                <a:ln>
+                  <a:solidFill>
+                    <a:schemeClr val="tx1"/>
+                  </a:solidFill>
+                </a:ln>
+              </p:spPr>
+              <p:style>
+                <a:lnRef idx="2">
+                  <a:schemeClr val="accent1">
+                    <a:shade val="50000"/>
+                  </a:schemeClr>
+                </a:lnRef>
+                <a:fillRef idx="1">
+                  <a:schemeClr val="accent1"/>
+                </a:fillRef>
+                <a:effectRef idx="0">
+                  <a:schemeClr val="accent1"/>
+                </a:effectRef>
+                <a:fontRef idx="minor">
+                  <a:schemeClr val="lt1"/>
+                </a:fontRef>
+              </p:style>
+              <p:txBody>
+                <a:bodyPr rtlCol="0" anchor="ctr"/>
+                <a:lstStyle/>
+                <a:p>
+                  <a:pPr algn="ctr"/>
+                  <a:endParaRPr kumimoji="1" lang="ja-JP" altLang="en-US"/>
+                </a:p>
+              </p:txBody>
+            </p:sp>
+            <p:sp>
+              <p:nvSpPr>
+                <p:cNvPr id="143" name="直方体 142">
+                  <a:extLst>
+                    <a:ext uri="{FF2B5EF4-FFF2-40B4-BE49-F238E27FC236}">
+                      <a16:creationId xmlns:a16="http://schemas.microsoft.com/office/drawing/2014/main" id="{7D5A43CF-2A62-4FC7-9073-F052C68EB5FB}"/>
+                    </a:ext>
+                  </a:extLst>
+                </p:cNvPr>
+                <p:cNvSpPr/>
+                <p:nvPr/>
+              </p:nvSpPr>
+              <p:spPr>
+                <a:xfrm>
+                  <a:off x="782078" y="3110947"/>
+                  <a:ext cx="7116417" cy="1500809"/>
+                </a:xfrm>
+                <a:prstGeom prst="cube">
+                  <a:avLst>
+                    <a:gd name="adj" fmla="val 55464"/>
+                  </a:avLst>
+                </a:prstGeom>
+                <a:solidFill>
+                  <a:schemeClr val="bg1">
+                    <a:lumMod val="85000"/>
+                  </a:schemeClr>
+                </a:solidFill>
+                <a:ln>
+                  <a:solidFill>
+                    <a:schemeClr val="tx1"/>
+                  </a:solidFill>
+                </a:ln>
+              </p:spPr>
+              <p:style>
+                <a:lnRef idx="2">
+                  <a:schemeClr val="accent1">
+                    <a:shade val="50000"/>
+                  </a:schemeClr>
+                </a:lnRef>
+                <a:fillRef idx="1">
+                  <a:schemeClr val="accent1"/>
+                </a:fillRef>
+                <a:effectRef idx="0">
+                  <a:schemeClr val="accent1"/>
+                </a:effectRef>
+                <a:fontRef idx="minor">
+                  <a:schemeClr val="lt1"/>
+                </a:fontRef>
+              </p:style>
+              <p:txBody>
+                <a:bodyPr rtlCol="0" anchor="ctr"/>
+                <a:lstStyle/>
+                <a:p>
+                  <a:pPr algn="ctr"/>
+                  <a:endParaRPr kumimoji="1" lang="ja-JP" altLang="en-US" dirty="0"/>
+                </a:p>
+              </p:txBody>
+            </p:sp>
+            <p:cxnSp>
+              <p:nvCxnSpPr>
+                <p:cNvPr id="144" name="直線コネクタ 143">
+                  <a:extLst>
+                    <a:ext uri="{FF2B5EF4-FFF2-40B4-BE49-F238E27FC236}">
+                      <a16:creationId xmlns:a16="http://schemas.microsoft.com/office/drawing/2014/main" id="{ACFFBA38-7498-4D5C-82B3-23D9E08AB4A8}"/>
+                    </a:ext>
+                  </a:extLst>
+                </p:cNvPr>
+                <p:cNvCxnSpPr/>
+                <p:nvPr/>
+              </p:nvCxnSpPr>
+              <p:spPr>
+                <a:xfrm>
+                  <a:off x="1616965" y="3110947"/>
+                  <a:ext cx="0" cy="665921"/>
+                </a:xfrm>
+                <a:prstGeom prst="line">
+                  <a:avLst/>
+                </a:prstGeom>
+                <a:ln>
+                  <a:solidFill>
+                    <a:schemeClr val="tx1"/>
+                  </a:solidFill>
+                  <a:prstDash val="dash"/>
+                </a:ln>
+              </p:spPr>
+              <p:style>
+                <a:lnRef idx="1">
+                  <a:schemeClr val="dk1"/>
+                </a:lnRef>
+                <a:fillRef idx="0">
+                  <a:schemeClr val="dk1"/>
+                </a:fillRef>
+                <a:effectRef idx="0">
+                  <a:schemeClr val="dk1"/>
+                </a:effectRef>
+                <a:fontRef idx="minor">
+                  <a:schemeClr val="tx1"/>
+                </a:fontRef>
+              </p:style>
+            </p:cxnSp>
+            <p:cxnSp>
+              <p:nvCxnSpPr>
+                <p:cNvPr id="145" name="直線コネクタ 144">
+                  <a:extLst>
+                    <a:ext uri="{FF2B5EF4-FFF2-40B4-BE49-F238E27FC236}">
+                      <a16:creationId xmlns:a16="http://schemas.microsoft.com/office/drawing/2014/main" id="{851FD4A3-DB2C-4445-ACCD-51A988A504A2}"/>
+                    </a:ext>
+                  </a:extLst>
+                </p:cNvPr>
+                <p:cNvCxnSpPr/>
+                <p:nvPr/>
+              </p:nvCxnSpPr>
+              <p:spPr>
+                <a:xfrm>
+                  <a:off x="1626904" y="5104331"/>
+                  <a:ext cx="0" cy="665921"/>
+                </a:xfrm>
+                <a:prstGeom prst="line">
+                  <a:avLst/>
+                </a:prstGeom>
+                <a:ln>
+                  <a:solidFill>
+                    <a:schemeClr val="tx1"/>
+                  </a:solidFill>
+                  <a:prstDash val="dash"/>
+                </a:ln>
+              </p:spPr>
+              <p:style>
+                <a:lnRef idx="1">
+                  <a:schemeClr val="dk1"/>
+                </a:lnRef>
+                <a:fillRef idx="0">
+                  <a:schemeClr val="dk1"/>
+                </a:fillRef>
+                <a:effectRef idx="0">
+                  <a:schemeClr val="dk1"/>
+                </a:effectRef>
+                <a:fontRef idx="minor">
+                  <a:schemeClr val="tx1"/>
+                </a:fontRef>
+              </p:style>
+            </p:cxnSp>
+            <p:cxnSp>
+              <p:nvCxnSpPr>
+                <p:cNvPr id="146" name="直線コネクタ 145">
+                  <a:extLst>
+                    <a:ext uri="{FF2B5EF4-FFF2-40B4-BE49-F238E27FC236}">
+                      <a16:creationId xmlns:a16="http://schemas.microsoft.com/office/drawing/2014/main" id="{69702ABF-8F62-480F-8B5B-57C645BE003F}"/>
+                    </a:ext>
+                  </a:extLst>
+                </p:cNvPr>
+                <p:cNvCxnSpPr/>
+                <p:nvPr/>
+              </p:nvCxnSpPr>
+              <p:spPr>
+                <a:xfrm flipH="1">
+                  <a:off x="782077" y="3776864"/>
+                  <a:ext cx="834888" cy="824949"/>
+                </a:xfrm>
+                <a:prstGeom prst="line">
+                  <a:avLst/>
+                </a:prstGeom>
+                <a:ln>
+                  <a:prstDash val="dash"/>
+                </a:ln>
+              </p:spPr>
+              <p:style>
+                <a:lnRef idx="1">
+                  <a:schemeClr val="dk1"/>
+                </a:lnRef>
+                <a:fillRef idx="0">
+                  <a:schemeClr val="dk1"/>
+                </a:fillRef>
+                <a:effectRef idx="0">
+                  <a:schemeClr val="dk1"/>
+                </a:effectRef>
+                <a:fontRef idx="minor">
+                  <a:schemeClr val="tx1"/>
+                </a:fontRef>
+              </p:style>
+            </p:cxnSp>
+            <p:cxnSp>
+              <p:nvCxnSpPr>
+                <p:cNvPr id="147" name="直線コネクタ 146">
+                  <a:extLst>
+                    <a:ext uri="{FF2B5EF4-FFF2-40B4-BE49-F238E27FC236}">
+                      <a16:creationId xmlns:a16="http://schemas.microsoft.com/office/drawing/2014/main" id="{3661078B-4762-46B9-AA24-6A0DB7CDD323}"/>
+                    </a:ext>
+                  </a:extLst>
+                </p:cNvPr>
+                <p:cNvCxnSpPr/>
+                <p:nvPr/>
+              </p:nvCxnSpPr>
+              <p:spPr>
+                <a:xfrm flipH="1">
+                  <a:off x="782077" y="5794504"/>
+                  <a:ext cx="834888" cy="824949"/>
+                </a:xfrm>
+                <a:prstGeom prst="line">
+                  <a:avLst/>
+                </a:prstGeom>
+                <a:ln>
+                  <a:prstDash val="dash"/>
+                </a:ln>
+              </p:spPr>
+              <p:style>
+                <a:lnRef idx="1">
+                  <a:schemeClr val="dk1"/>
+                </a:lnRef>
+                <a:fillRef idx="0">
+                  <a:schemeClr val="dk1"/>
+                </a:fillRef>
+                <a:effectRef idx="0">
+                  <a:schemeClr val="dk1"/>
+                </a:effectRef>
+                <a:fontRef idx="minor">
+                  <a:schemeClr val="tx1"/>
+                </a:fontRef>
+              </p:style>
+            </p:cxnSp>
+            <p:cxnSp>
+              <p:nvCxnSpPr>
+                <p:cNvPr id="148" name="直線コネクタ 147">
+                  <a:extLst>
+                    <a:ext uri="{FF2B5EF4-FFF2-40B4-BE49-F238E27FC236}">
+                      <a16:creationId xmlns:a16="http://schemas.microsoft.com/office/drawing/2014/main" id="{6EF681FD-B12F-4652-BBB0-53D5F50953AD}"/>
+                    </a:ext>
+                  </a:extLst>
+                </p:cNvPr>
+                <p:cNvCxnSpPr/>
+                <p:nvPr/>
+              </p:nvCxnSpPr>
+              <p:spPr>
+                <a:xfrm>
+                  <a:off x="1616965" y="3786808"/>
+                  <a:ext cx="6281529" cy="0"/>
+                </a:xfrm>
+                <a:prstGeom prst="line">
+                  <a:avLst/>
+                </a:prstGeom>
+                <a:ln>
+                  <a:prstDash val="dash"/>
+                </a:ln>
+              </p:spPr>
+              <p:style>
+                <a:lnRef idx="1">
+                  <a:schemeClr val="dk1"/>
+                </a:lnRef>
+                <a:fillRef idx="0">
+                  <a:schemeClr val="dk1"/>
+                </a:fillRef>
+                <a:effectRef idx="0">
+                  <a:schemeClr val="dk1"/>
+                </a:effectRef>
+                <a:fontRef idx="minor">
+                  <a:schemeClr val="tx1"/>
+                </a:fontRef>
+              </p:style>
+            </p:cxnSp>
+            <p:cxnSp>
+              <p:nvCxnSpPr>
+                <p:cNvPr id="149" name="直線コネクタ 148">
+                  <a:extLst>
+                    <a:ext uri="{FF2B5EF4-FFF2-40B4-BE49-F238E27FC236}">
+                      <a16:creationId xmlns:a16="http://schemas.microsoft.com/office/drawing/2014/main" id="{EF9B9B6A-F650-4550-9C5D-E2DD7B1797C7}"/>
+                    </a:ext>
+                  </a:extLst>
+                </p:cNvPr>
+                <p:cNvCxnSpPr/>
+                <p:nvPr/>
+              </p:nvCxnSpPr>
+              <p:spPr>
+                <a:xfrm>
+                  <a:off x="1620280" y="5787888"/>
+                  <a:ext cx="6281529" cy="0"/>
+                </a:xfrm>
+                <a:prstGeom prst="line">
+                  <a:avLst/>
+                </a:prstGeom>
+                <a:ln>
+                  <a:prstDash val="dash"/>
+                </a:ln>
+              </p:spPr>
+              <p:style>
+                <a:lnRef idx="1">
+                  <a:schemeClr val="dk1"/>
+                </a:lnRef>
+                <a:fillRef idx="0">
+                  <a:schemeClr val="dk1"/>
+                </a:fillRef>
+                <a:effectRef idx="0">
+                  <a:schemeClr val="dk1"/>
+                </a:effectRef>
+                <a:fontRef idx="minor">
+                  <a:schemeClr val="tx1"/>
+                </a:fontRef>
+              </p:style>
+            </p:cxnSp>
+            <p:cxnSp>
+              <p:nvCxnSpPr>
+                <p:cNvPr id="150" name="直線コネクタ 149">
+                  <a:extLst>
+                    <a:ext uri="{FF2B5EF4-FFF2-40B4-BE49-F238E27FC236}">
+                      <a16:creationId xmlns:a16="http://schemas.microsoft.com/office/drawing/2014/main" id="{81B894E9-C511-47F3-9F4B-F7D4DEACA851}"/>
+                    </a:ext>
+                  </a:extLst>
+                </p:cNvPr>
+                <p:cNvCxnSpPr/>
+                <p:nvPr/>
+              </p:nvCxnSpPr>
+              <p:spPr>
+                <a:xfrm>
+                  <a:off x="1626904" y="4607373"/>
+                  <a:ext cx="0" cy="665921"/>
+                </a:xfrm>
+                <a:prstGeom prst="line">
+                  <a:avLst/>
+                </a:prstGeom>
+                <a:ln>
+                  <a:solidFill>
+                    <a:schemeClr val="tx1"/>
+                  </a:solidFill>
+                  <a:prstDash val="dash"/>
+                </a:ln>
+              </p:spPr>
+              <p:style>
+                <a:lnRef idx="1">
+                  <a:schemeClr val="dk1"/>
+                </a:lnRef>
+                <a:fillRef idx="0">
+                  <a:schemeClr val="dk1"/>
+                </a:fillRef>
+                <a:effectRef idx="0">
+                  <a:schemeClr val="dk1"/>
+                </a:effectRef>
+                <a:fontRef idx="minor">
+                  <a:schemeClr val="tx1"/>
+                </a:fontRef>
+              </p:style>
+            </p:cxnSp>
+          </p:grpSp>
+          <p:sp>
+            <p:nvSpPr>
+              <p:cNvPr id="103" name="楕円 102">
+                <a:extLst>
+                  <a:ext uri="{FF2B5EF4-FFF2-40B4-BE49-F238E27FC236}">
+                    <a16:creationId xmlns:a16="http://schemas.microsoft.com/office/drawing/2014/main" id="{F51B19F8-B358-42A2-A679-118F4DE26D94}"/>
+                  </a:ext>
+                </a:extLst>
+              </p:cNvPr>
+              <p:cNvSpPr/>
+              <p:nvPr/>
+            </p:nvSpPr>
+            <p:spPr>
+              <a:xfrm>
+                <a:off x="3620661" y="3000599"/>
+                <a:ext cx="54000" cy="54000"/>
+              </a:xfrm>
+              <a:prstGeom prst="ellipse">
+                <a:avLst/>
+              </a:prstGeom>
+            </p:spPr>
+            <p:style>
+              <a:lnRef idx="2">
+                <a:schemeClr val="dk1">
+                  <a:shade val="50000"/>
+                </a:schemeClr>
+              </a:lnRef>
+              <a:fillRef idx="1">
+                <a:schemeClr val="dk1"/>
+              </a:fillRef>
+              <a:effectRef idx="0">
+                <a:schemeClr val="dk1"/>
+              </a:effectRef>
+              <a:fontRef idx="minor">
+                <a:schemeClr val="lt1"/>
+              </a:fontRef>
+            </p:style>
+            <p:txBody>
+              <a:bodyPr rtlCol="0" anchor="ctr"/>
+              <a:lstStyle/>
+              <a:p>
+                <a:pPr algn="ctr"/>
+                <a:endParaRPr kumimoji="1" lang="ja-JP" altLang="en-US"/>
+              </a:p>
+            </p:txBody>
+          </p:sp>
+          <p:sp>
+            <p:nvSpPr>
+              <p:cNvPr id="104" name="楕円 103">
+                <a:extLst>
+                  <a:ext uri="{FF2B5EF4-FFF2-40B4-BE49-F238E27FC236}">
+                    <a16:creationId xmlns:a16="http://schemas.microsoft.com/office/drawing/2014/main" id="{10C0783A-E59D-46BC-AF8F-1BDFAA19FBFD}"/>
+                  </a:ext>
+                </a:extLst>
+              </p:cNvPr>
+              <p:cNvSpPr/>
+              <p:nvPr/>
+            </p:nvSpPr>
+            <p:spPr>
+              <a:xfrm>
+                <a:off x="3566661" y="3063362"/>
+                <a:ext cx="54000" cy="54000"/>
+              </a:xfrm>
+              <a:prstGeom prst="ellipse">
+                <a:avLst/>
+              </a:prstGeom>
+            </p:spPr>
+            <p:style>
+              <a:lnRef idx="2">
+                <a:schemeClr val="dk1">
+                  <a:shade val="50000"/>
+                </a:schemeClr>
+              </a:lnRef>
+              <a:fillRef idx="1">
+                <a:schemeClr val="dk1"/>
+              </a:fillRef>
+              <a:effectRef idx="0">
+                <a:schemeClr val="dk1"/>
+              </a:effectRef>
+              <a:fontRef idx="minor">
+                <a:schemeClr val="lt1"/>
+              </a:fontRef>
+            </p:style>
+            <p:txBody>
+              <a:bodyPr rtlCol="0" anchor="ctr"/>
+              <a:lstStyle/>
+              <a:p>
+                <a:pPr algn="ctr"/>
+                <a:endParaRPr kumimoji="1" lang="ja-JP" altLang="en-US"/>
+              </a:p>
+            </p:txBody>
+          </p:sp>
+          <p:cxnSp>
+            <p:nvCxnSpPr>
+              <p:cNvPr id="105" name="直線コネクタ 104">
+                <a:extLst>
+                  <a:ext uri="{FF2B5EF4-FFF2-40B4-BE49-F238E27FC236}">
+                    <a16:creationId xmlns:a16="http://schemas.microsoft.com/office/drawing/2014/main" id="{E43C9757-ECB6-4369-9394-7D2C1AE3713E}"/>
+                  </a:ext>
+                </a:extLst>
+              </p:cNvPr>
+              <p:cNvCxnSpPr>
+                <a:cxnSpLocks/>
+              </p:cNvCxnSpPr>
+              <p:nvPr/>
+            </p:nvCxnSpPr>
+            <p:spPr>
+              <a:xfrm flipH="1">
+                <a:off x="3647661" y="2443514"/>
+                <a:ext cx="196200" cy="538055"/>
+              </a:xfrm>
+              <a:prstGeom prst="line">
+                <a:avLst/>
+              </a:prstGeom>
+            </p:spPr>
+            <p:style>
+              <a:lnRef idx="1">
+                <a:schemeClr val="dk1"/>
+              </a:lnRef>
+              <a:fillRef idx="0">
+                <a:schemeClr val="dk1"/>
+              </a:fillRef>
+              <a:effectRef idx="0">
+                <a:schemeClr val="dk1"/>
+              </a:effectRef>
+              <a:fontRef idx="minor">
+                <a:schemeClr val="tx1"/>
+              </a:fontRef>
+            </p:style>
+          </p:cxnSp>
+          <p:cxnSp>
+            <p:nvCxnSpPr>
+              <p:cNvPr id="106" name="直線矢印コネクタ 105">
+                <a:extLst>
+                  <a:ext uri="{FF2B5EF4-FFF2-40B4-BE49-F238E27FC236}">
+                    <a16:creationId xmlns:a16="http://schemas.microsoft.com/office/drawing/2014/main" id="{91E797F9-061F-4056-9361-3A5F5AA45411}"/>
+                  </a:ext>
+                </a:extLst>
+              </p:cNvPr>
+              <p:cNvCxnSpPr>
+                <a:cxnSpLocks/>
+              </p:cNvCxnSpPr>
+              <p:nvPr/>
+            </p:nvCxnSpPr>
+            <p:spPr>
+              <a:xfrm flipH="1">
+                <a:off x="3041374" y="4703402"/>
+                <a:ext cx="109336" cy="388816"/>
+              </a:xfrm>
+              <a:prstGeom prst="straightConnector1">
+                <a:avLst/>
+              </a:prstGeom>
+              <a:ln>
+                <a:tailEnd type="triangle"/>
+              </a:ln>
+            </p:spPr>
+            <p:style>
+              <a:lnRef idx="1">
+                <a:schemeClr val="dk1"/>
+              </a:lnRef>
+              <a:fillRef idx="0">
+                <a:schemeClr val="dk1"/>
+              </a:fillRef>
+              <a:effectRef idx="0">
+                <a:schemeClr val="dk1"/>
+              </a:effectRef>
+              <a:fontRef idx="minor">
+                <a:schemeClr val="tx1"/>
+              </a:fontRef>
+            </p:style>
+          </p:cxnSp>
+          <p:sp>
+            <p:nvSpPr>
+              <p:cNvPr id="107" name="楕円 106">
+                <a:extLst>
+                  <a:ext uri="{FF2B5EF4-FFF2-40B4-BE49-F238E27FC236}">
+                    <a16:creationId xmlns:a16="http://schemas.microsoft.com/office/drawing/2014/main" id="{41204671-66AA-472E-9663-6096C4703CE8}"/>
+                  </a:ext>
+                </a:extLst>
+              </p:cNvPr>
+              <p:cNvSpPr/>
+              <p:nvPr/>
+            </p:nvSpPr>
+            <p:spPr>
+              <a:xfrm>
+                <a:off x="3593661" y="3156598"/>
+                <a:ext cx="54000" cy="54000"/>
+              </a:xfrm>
+              <a:prstGeom prst="ellipse">
+                <a:avLst/>
+              </a:prstGeom>
+            </p:spPr>
+            <p:style>
+              <a:lnRef idx="2">
+                <a:schemeClr val="dk1">
+                  <a:shade val="50000"/>
+                </a:schemeClr>
+              </a:lnRef>
+              <a:fillRef idx="1">
+                <a:schemeClr val="dk1"/>
+              </a:fillRef>
+              <a:effectRef idx="0">
+                <a:schemeClr val="dk1"/>
+              </a:effectRef>
+              <a:fontRef idx="minor">
+                <a:schemeClr val="lt1"/>
+              </a:fontRef>
+            </p:style>
+            <p:txBody>
+              <a:bodyPr rtlCol="0" anchor="ctr"/>
+              <a:lstStyle/>
+              <a:p>
+                <a:pPr algn="ctr"/>
+                <a:endParaRPr kumimoji="1" lang="ja-JP" altLang="en-US"/>
+              </a:p>
+            </p:txBody>
+          </p:sp>
+          <p:sp>
+            <p:nvSpPr>
+              <p:cNvPr id="108" name="楕円 107">
+                <a:extLst>
+                  <a:ext uri="{FF2B5EF4-FFF2-40B4-BE49-F238E27FC236}">
+                    <a16:creationId xmlns:a16="http://schemas.microsoft.com/office/drawing/2014/main" id="{556D8104-CDB9-4FA4-91AC-7BDA87E6EA8D}"/>
+                  </a:ext>
+                </a:extLst>
+              </p:cNvPr>
+              <p:cNvSpPr/>
+              <p:nvPr/>
+            </p:nvSpPr>
+            <p:spPr>
+              <a:xfrm>
+                <a:off x="3544631" y="3230280"/>
+                <a:ext cx="54000" cy="54000"/>
+              </a:xfrm>
+              <a:prstGeom prst="ellipse">
+                <a:avLst/>
+              </a:prstGeom>
+            </p:spPr>
+            <p:style>
+              <a:lnRef idx="2">
+                <a:schemeClr val="dk1">
+                  <a:shade val="50000"/>
+                </a:schemeClr>
+              </a:lnRef>
+              <a:fillRef idx="1">
+                <a:schemeClr val="dk1"/>
+              </a:fillRef>
+              <a:effectRef idx="0">
+                <a:schemeClr val="dk1"/>
+              </a:effectRef>
+              <a:fontRef idx="minor">
+                <a:schemeClr val="lt1"/>
+              </a:fontRef>
+            </p:style>
+            <p:txBody>
+              <a:bodyPr rtlCol="0" anchor="ctr"/>
+              <a:lstStyle/>
+              <a:p>
+                <a:pPr algn="ctr"/>
+                <a:endParaRPr kumimoji="1" lang="ja-JP" altLang="en-US"/>
+              </a:p>
+            </p:txBody>
+          </p:sp>
+          <p:sp>
+            <p:nvSpPr>
+              <p:cNvPr id="109" name="楕円 108">
+                <a:extLst>
+                  <a:ext uri="{FF2B5EF4-FFF2-40B4-BE49-F238E27FC236}">
+                    <a16:creationId xmlns:a16="http://schemas.microsoft.com/office/drawing/2014/main" id="{47FC46F1-C643-4E6D-8DF9-3DD63E1FDE67}"/>
+                  </a:ext>
+                </a:extLst>
+              </p:cNvPr>
+              <p:cNvSpPr/>
+              <p:nvPr/>
+            </p:nvSpPr>
+            <p:spPr>
+              <a:xfrm>
+                <a:off x="3502722" y="3281804"/>
+                <a:ext cx="54000" cy="54000"/>
+              </a:xfrm>
+              <a:prstGeom prst="ellipse">
+                <a:avLst/>
+              </a:prstGeom>
+            </p:spPr>
+            <p:style>
+              <a:lnRef idx="2">
+                <a:schemeClr val="dk1">
+                  <a:shade val="50000"/>
+                </a:schemeClr>
+              </a:lnRef>
+              <a:fillRef idx="1">
+                <a:schemeClr val="dk1"/>
+              </a:fillRef>
+              <a:effectRef idx="0">
+                <a:schemeClr val="dk1"/>
+              </a:effectRef>
+              <a:fontRef idx="minor">
+                <a:schemeClr val="lt1"/>
+              </a:fontRef>
+            </p:style>
+            <p:txBody>
+              <a:bodyPr rtlCol="0" anchor="ctr"/>
+              <a:lstStyle/>
+              <a:p>
+                <a:pPr algn="ctr"/>
+                <a:endParaRPr kumimoji="1" lang="ja-JP" altLang="en-US"/>
+              </a:p>
+            </p:txBody>
+          </p:sp>
+          <p:sp>
+            <p:nvSpPr>
+              <p:cNvPr id="110" name="楕円 109">
+                <a:extLst>
+                  <a:ext uri="{FF2B5EF4-FFF2-40B4-BE49-F238E27FC236}">
+                    <a16:creationId xmlns:a16="http://schemas.microsoft.com/office/drawing/2014/main" id="{55F6CFA4-E107-4022-845D-6BB8187930A1}"/>
+                  </a:ext>
+                </a:extLst>
+              </p:cNvPr>
+              <p:cNvSpPr/>
+              <p:nvPr/>
+            </p:nvSpPr>
+            <p:spPr>
+              <a:xfrm>
+                <a:off x="3569817" y="3332609"/>
+                <a:ext cx="54000" cy="54000"/>
+              </a:xfrm>
+              <a:prstGeom prst="ellipse">
+                <a:avLst/>
+              </a:prstGeom>
+            </p:spPr>
+            <p:style>
+              <a:lnRef idx="2">
+                <a:schemeClr val="dk1">
+                  <a:shade val="50000"/>
+                </a:schemeClr>
+              </a:lnRef>
+              <a:fillRef idx="1">
+                <a:schemeClr val="dk1"/>
+              </a:fillRef>
+              <a:effectRef idx="0">
+                <a:schemeClr val="dk1"/>
+              </a:effectRef>
+              <a:fontRef idx="minor">
+                <a:schemeClr val="lt1"/>
+              </a:fontRef>
+            </p:style>
+            <p:txBody>
+              <a:bodyPr rtlCol="0" anchor="ctr"/>
+              <a:lstStyle/>
+              <a:p>
+                <a:pPr algn="ctr"/>
+                <a:endParaRPr kumimoji="1" lang="ja-JP" altLang="en-US"/>
+              </a:p>
+            </p:txBody>
+          </p:sp>
+          <p:sp>
+            <p:nvSpPr>
+              <p:cNvPr id="111" name="楕円 110">
+                <a:extLst>
+                  <a:ext uri="{FF2B5EF4-FFF2-40B4-BE49-F238E27FC236}">
+                    <a16:creationId xmlns:a16="http://schemas.microsoft.com/office/drawing/2014/main" id="{758CCCCC-8A7B-456B-B6CC-2FE09E256144}"/>
+                  </a:ext>
+                </a:extLst>
+              </p:cNvPr>
+              <p:cNvSpPr/>
+              <p:nvPr/>
+            </p:nvSpPr>
+            <p:spPr>
+              <a:xfrm>
+                <a:off x="3490631" y="3407645"/>
+                <a:ext cx="54000" cy="54000"/>
+              </a:xfrm>
+              <a:prstGeom prst="ellipse">
+                <a:avLst/>
+              </a:prstGeom>
+            </p:spPr>
+            <p:style>
+              <a:lnRef idx="2">
+                <a:schemeClr val="dk1">
+                  <a:shade val="50000"/>
+                </a:schemeClr>
+              </a:lnRef>
+              <a:fillRef idx="1">
+                <a:schemeClr val="dk1"/>
+              </a:fillRef>
+              <a:effectRef idx="0">
+                <a:schemeClr val="dk1"/>
+              </a:effectRef>
+              <a:fontRef idx="minor">
+                <a:schemeClr val="lt1"/>
+              </a:fontRef>
+            </p:style>
+            <p:txBody>
+              <a:bodyPr rtlCol="0" anchor="ctr"/>
+              <a:lstStyle/>
+              <a:p>
+                <a:pPr algn="ctr"/>
+                <a:endParaRPr kumimoji="1" lang="ja-JP" altLang="en-US"/>
+              </a:p>
+            </p:txBody>
+          </p:sp>
+          <p:sp>
+            <p:nvSpPr>
+              <p:cNvPr id="112" name="楕円 111">
+                <a:extLst>
+                  <a:ext uri="{FF2B5EF4-FFF2-40B4-BE49-F238E27FC236}">
+                    <a16:creationId xmlns:a16="http://schemas.microsoft.com/office/drawing/2014/main" id="{71C457CF-6EA6-4C2C-AD6D-EDCBA757808B}"/>
+                  </a:ext>
+                </a:extLst>
+              </p:cNvPr>
+              <p:cNvSpPr/>
+              <p:nvPr/>
+            </p:nvSpPr>
+            <p:spPr>
+              <a:xfrm>
+                <a:off x="3448722" y="3480713"/>
+                <a:ext cx="54000" cy="54000"/>
+              </a:xfrm>
+              <a:prstGeom prst="ellipse">
+                <a:avLst/>
+              </a:prstGeom>
+            </p:spPr>
+            <p:style>
+              <a:lnRef idx="2">
+                <a:schemeClr val="dk1">
+                  <a:shade val="50000"/>
+                </a:schemeClr>
+              </a:lnRef>
+              <a:fillRef idx="1">
+                <a:schemeClr val="dk1"/>
+              </a:fillRef>
+              <a:effectRef idx="0">
+                <a:schemeClr val="dk1"/>
+              </a:effectRef>
+              <a:fontRef idx="minor">
+                <a:schemeClr val="lt1"/>
+              </a:fontRef>
+            </p:style>
+            <p:txBody>
+              <a:bodyPr rtlCol="0" anchor="ctr"/>
+              <a:lstStyle/>
+              <a:p>
+                <a:pPr algn="ctr"/>
+                <a:endParaRPr kumimoji="1" lang="ja-JP" altLang="en-US"/>
+              </a:p>
+            </p:txBody>
+          </p:sp>
+          <p:sp>
+            <p:nvSpPr>
+              <p:cNvPr id="113" name="楕円 112">
+                <a:extLst>
+                  <a:ext uri="{FF2B5EF4-FFF2-40B4-BE49-F238E27FC236}">
+                    <a16:creationId xmlns:a16="http://schemas.microsoft.com/office/drawing/2014/main" id="{533D01FD-C421-4410-AAC2-2223B79831C5}"/>
+                  </a:ext>
+                </a:extLst>
+              </p:cNvPr>
+              <p:cNvSpPr/>
+              <p:nvPr/>
+            </p:nvSpPr>
+            <p:spPr>
+              <a:xfrm>
+                <a:off x="3473641" y="3533524"/>
+                <a:ext cx="54000" cy="54000"/>
+              </a:xfrm>
+              <a:prstGeom prst="ellipse">
+                <a:avLst/>
+              </a:prstGeom>
+            </p:spPr>
+            <p:style>
+              <a:lnRef idx="2">
+                <a:schemeClr val="dk1">
+                  <a:shade val="50000"/>
+                </a:schemeClr>
+              </a:lnRef>
+              <a:fillRef idx="1">
+                <a:schemeClr val="dk1"/>
+              </a:fillRef>
+              <a:effectRef idx="0">
+                <a:schemeClr val="dk1"/>
+              </a:effectRef>
+              <a:fontRef idx="minor">
+                <a:schemeClr val="lt1"/>
+              </a:fontRef>
+            </p:style>
+            <p:txBody>
+              <a:bodyPr rtlCol="0" anchor="ctr"/>
+              <a:lstStyle/>
+              <a:p>
+                <a:pPr algn="ctr"/>
+                <a:endParaRPr kumimoji="1" lang="ja-JP" altLang="en-US"/>
+              </a:p>
+            </p:txBody>
+          </p:sp>
+          <p:sp>
+            <p:nvSpPr>
+              <p:cNvPr id="114" name="楕円 113">
+                <a:extLst>
+                  <a:ext uri="{FF2B5EF4-FFF2-40B4-BE49-F238E27FC236}">
+                    <a16:creationId xmlns:a16="http://schemas.microsoft.com/office/drawing/2014/main" id="{C98C6673-CD8B-4072-818C-3272101C42F3}"/>
+                  </a:ext>
+                </a:extLst>
+              </p:cNvPr>
+              <p:cNvSpPr/>
+              <p:nvPr/>
+            </p:nvSpPr>
+            <p:spPr>
+              <a:xfrm>
+                <a:off x="3285053" y="4152939"/>
+                <a:ext cx="54000" cy="54000"/>
+              </a:xfrm>
+              <a:prstGeom prst="ellipse">
+                <a:avLst/>
+              </a:prstGeom>
+            </p:spPr>
+            <p:style>
+              <a:lnRef idx="2">
+                <a:schemeClr val="dk1">
+                  <a:shade val="50000"/>
+                </a:schemeClr>
+              </a:lnRef>
+              <a:fillRef idx="1">
+                <a:schemeClr val="dk1"/>
+              </a:fillRef>
+              <a:effectRef idx="0">
+                <a:schemeClr val="dk1"/>
+              </a:effectRef>
+              <a:fontRef idx="minor">
+                <a:schemeClr val="lt1"/>
+              </a:fontRef>
+            </p:style>
+            <p:txBody>
+              <a:bodyPr rtlCol="0" anchor="ctr"/>
+              <a:lstStyle/>
+              <a:p>
+                <a:pPr algn="ctr"/>
+                <a:endParaRPr kumimoji="1" lang="ja-JP" altLang="en-US"/>
+              </a:p>
+            </p:txBody>
+          </p:sp>
+          <p:sp>
+            <p:nvSpPr>
+              <p:cNvPr id="115" name="楕円 114">
+                <a:extLst>
+                  <a:ext uri="{FF2B5EF4-FFF2-40B4-BE49-F238E27FC236}">
+                    <a16:creationId xmlns:a16="http://schemas.microsoft.com/office/drawing/2014/main" id="{8949AA42-AECB-48B5-93BE-6A068EF75913}"/>
+                  </a:ext>
+                </a:extLst>
+              </p:cNvPr>
+              <p:cNvSpPr/>
+              <p:nvPr/>
+            </p:nvSpPr>
+            <p:spPr>
+              <a:xfrm>
+                <a:off x="3312053" y="4246043"/>
+                <a:ext cx="54000" cy="54000"/>
+              </a:xfrm>
+              <a:prstGeom prst="ellipse">
+                <a:avLst/>
+              </a:prstGeom>
+            </p:spPr>
+            <p:style>
+              <a:lnRef idx="2">
+                <a:schemeClr val="dk1">
+                  <a:shade val="50000"/>
+                </a:schemeClr>
+              </a:lnRef>
+              <a:fillRef idx="1">
+                <a:schemeClr val="dk1"/>
+              </a:fillRef>
+              <a:effectRef idx="0">
+                <a:schemeClr val="dk1"/>
+              </a:effectRef>
+              <a:fontRef idx="minor">
+                <a:schemeClr val="lt1"/>
+              </a:fontRef>
+            </p:style>
+            <p:txBody>
+              <a:bodyPr rtlCol="0" anchor="ctr"/>
+              <a:lstStyle/>
+              <a:p>
+                <a:pPr algn="ctr"/>
+                <a:endParaRPr kumimoji="1" lang="ja-JP" altLang="en-US"/>
+              </a:p>
+            </p:txBody>
+          </p:sp>
+          <p:sp>
+            <p:nvSpPr>
+              <p:cNvPr id="116" name="楕円 115">
+                <a:extLst>
+                  <a:ext uri="{FF2B5EF4-FFF2-40B4-BE49-F238E27FC236}">
+                    <a16:creationId xmlns:a16="http://schemas.microsoft.com/office/drawing/2014/main" id="{4431B271-BBE3-4E08-8ECA-C4C900C9FAD7}"/>
+                  </a:ext>
+                </a:extLst>
+              </p:cNvPr>
+              <p:cNvSpPr/>
+              <p:nvPr/>
+            </p:nvSpPr>
+            <p:spPr>
+              <a:xfrm>
+                <a:off x="3249940" y="4299109"/>
+                <a:ext cx="54000" cy="54000"/>
+              </a:xfrm>
+              <a:prstGeom prst="ellipse">
+                <a:avLst/>
+              </a:prstGeom>
+            </p:spPr>
+            <p:style>
+              <a:lnRef idx="2">
+                <a:schemeClr val="dk1">
+                  <a:shade val="50000"/>
+                </a:schemeClr>
+              </a:lnRef>
+              <a:fillRef idx="1">
+                <a:schemeClr val="dk1"/>
+              </a:fillRef>
+              <a:effectRef idx="0">
+                <a:schemeClr val="dk1"/>
+              </a:effectRef>
+              <a:fontRef idx="minor">
+                <a:schemeClr val="lt1"/>
+              </a:fontRef>
+            </p:style>
+            <p:txBody>
+              <a:bodyPr rtlCol="0" anchor="ctr"/>
+              <a:lstStyle/>
+              <a:p>
+                <a:pPr algn="ctr"/>
+                <a:endParaRPr kumimoji="1" lang="ja-JP" altLang="en-US"/>
+              </a:p>
+            </p:txBody>
+          </p:sp>
+          <p:sp>
+            <p:nvSpPr>
+              <p:cNvPr id="117" name="楕円 116">
+                <a:extLst>
+                  <a:ext uri="{FF2B5EF4-FFF2-40B4-BE49-F238E27FC236}">
+                    <a16:creationId xmlns:a16="http://schemas.microsoft.com/office/drawing/2014/main" id="{33334796-F6FD-46C3-AAD0-076C688F8F00}"/>
+                  </a:ext>
+                </a:extLst>
+              </p:cNvPr>
+              <p:cNvSpPr/>
+              <p:nvPr/>
+            </p:nvSpPr>
+            <p:spPr>
+              <a:xfrm>
+                <a:off x="3285053" y="4372293"/>
+                <a:ext cx="54000" cy="54000"/>
+              </a:xfrm>
+              <a:prstGeom prst="ellipse">
+                <a:avLst/>
+              </a:prstGeom>
+            </p:spPr>
+            <p:style>
+              <a:lnRef idx="2">
+                <a:schemeClr val="dk1">
+                  <a:shade val="50000"/>
+                </a:schemeClr>
+              </a:lnRef>
+              <a:fillRef idx="1">
+                <a:schemeClr val="dk1"/>
+              </a:fillRef>
+              <a:effectRef idx="0">
+                <a:schemeClr val="dk1"/>
+              </a:effectRef>
+              <a:fontRef idx="minor">
+                <a:schemeClr val="lt1"/>
+              </a:fontRef>
+            </p:style>
+            <p:txBody>
+              <a:bodyPr rtlCol="0" anchor="ctr"/>
+              <a:lstStyle/>
+              <a:p>
+                <a:pPr algn="ctr"/>
+                <a:endParaRPr kumimoji="1" lang="ja-JP" altLang="en-US"/>
+              </a:p>
+            </p:txBody>
+          </p:sp>
+          <p:sp>
+            <p:nvSpPr>
+              <p:cNvPr id="118" name="楕円 117">
+                <a:extLst>
+                  <a:ext uri="{FF2B5EF4-FFF2-40B4-BE49-F238E27FC236}">
+                    <a16:creationId xmlns:a16="http://schemas.microsoft.com/office/drawing/2014/main" id="{23E005B5-6C33-40CB-98FE-5C011B4AB127}"/>
+                  </a:ext>
+                </a:extLst>
+              </p:cNvPr>
+              <p:cNvSpPr/>
+              <p:nvPr/>
+            </p:nvSpPr>
+            <p:spPr>
+              <a:xfrm>
+                <a:off x="3222940" y="4385758"/>
+                <a:ext cx="54000" cy="54000"/>
+              </a:xfrm>
+              <a:prstGeom prst="ellipse">
+                <a:avLst/>
+              </a:prstGeom>
+            </p:spPr>
+            <p:style>
+              <a:lnRef idx="2">
+                <a:schemeClr val="dk1">
+                  <a:shade val="50000"/>
+                </a:schemeClr>
+              </a:lnRef>
+              <a:fillRef idx="1">
+                <a:schemeClr val="dk1"/>
+              </a:fillRef>
+              <a:effectRef idx="0">
+                <a:schemeClr val="dk1"/>
+              </a:effectRef>
+              <a:fontRef idx="minor">
+                <a:schemeClr val="lt1"/>
+              </a:fontRef>
+            </p:style>
+            <p:txBody>
+              <a:bodyPr rtlCol="0" anchor="ctr"/>
+              <a:lstStyle/>
+              <a:p>
+                <a:pPr algn="ctr"/>
+                <a:endParaRPr kumimoji="1" lang="ja-JP" altLang="en-US"/>
+              </a:p>
+            </p:txBody>
+          </p:sp>
+          <p:sp>
+            <p:nvSpPr>
+              <p:cNvPr id="119" name="楕円 118">
+                <a:extLst>
+                  <a:ext uri="{FF2B5EF4-FFF2-40B4-BE49-F238E27FC236}">
+                    <a16:creationId xmlns:a16="http://schemas.microsoft.com/office/drawing/2014/main" id="{29A75B6A-5E2D-4E3B-B3C6-9629F10803BD}"/>
+                  </a:ext>
+                </a:extLst>
+              </p:cNvPr>
+              <p:cNvSpPr/>
+              <p:nvPr/>
+            </p:nvSpPr>
+            <p:spPr>
+              <a:xfrm>
+                <a:off x="3231053" y="4478598"/>
+                <a:ext cx="54000" cy="54000"/>
+              </a:xfrm>
+              <a:prstGeom prst="ellipse">
+                <a:avLst/>
+              </a:prstGeom>
+            </p:spPr>
+            <p:style>
+              <a:lnRef idx="2">
+                <a:schemeClr val="dk1">
+                  <a:shade val="50000"/>
+                </a:schemeClr>
+              </a:lnRef>
+              <a:fillRef idx="1">
+                <a:schemeClr val="dk1"/>
+              </a:fillRef>
+              <a:effectRef idx="0">
+                <a:schemeClr val="dk1"/>
+              </a:effectRef>
+              <a:fontRef idx="minor">
+                <a:schemeClr val="lt1"/>
+              </a:fontRef>
+            </p:style>
+            <p:txBody>
+              <a:bodyPr rtlCol="0" anchor="ctr"/>
+              <a:lstStyle/>
+              <a:p>
+                <a:pPr algn="ctr"/>
+                <a:endParaRPr kumimoji="1" lang="ja-JP" altLang="en-US"/>
+              </a:p>
+            </p:txBody>
+          </p:sp>
+          <p:sp>
+            <p:nvSpPr>
+              <p:cNvPr id="120" name="楕円 119">
+                <a:extLst>
+                  <a:ext uri="{FF2B5EF4-FFF2-40B4-BE49-F238E27FC236}">
+                    <a16:creationId xmlns:a16="http://schemas.microsoft.com/office/drawing/2014/main" id="{CBA8D1E9-81F7-48F0-9F1B-DFCA3280AF9A}"/>
+                  </a:ext>
+                </a:extLst>
+              </p:cNvPr>
+              <p:cNvSpPr/>
+              <p:nvPr/>
+            </p:nvSpPr>
+            <p:spPr>
+              <a:xfrm>
+                <a:off x="3168940" y="4531617"/>
+                <a:ext cx="54000" cy="54000"/>
+              </a:xfrm>
+              <a:prstGeom prst="ellipse">
+                <a:avLst/>
+              </a:prstGeom>
+            </p:spPr>
+            <p:style>
+              <a:lnRef idx="2">
+                <a:schemeClr val="dk1">
+                  <a:shade val="50000"/>
+                </a:schemeClr>
+              </a:lnRef>
+              <a:fillRef idx="1">
+                <a:schemeClr val="dk1"/>
+              </a:fillRef>
+              <a:effectRef idx="0">
+                <a:schemeClr val="dk1"/>
+              </a:effectRef>
+              <a:fontRef idx="minor">
+                <a:schemeClr val="lt1"/>
+              </a:fontRef>
+            </p:style>
+            <p:txBody>
+              <a:bodyPr rtlCol="0" anchor="ctr"/>
+              <a:lstStyle/>
+              <a:p>
+                <a:pPr algn="ctr"/>
+                <a:endParaRPr kumimoji="1" lang="ja-JP" altLang="en-US"/>
+              </a:p>
+            </p:txBody>
+          </p:sp>
+          <p:sp>
+            <p:nvSpPr>
+              <p:cNvPr id="121" name="楕円 120">
+                <a:extLst>
+                  <a:ext uri="{FF2B5EF4-FFF2-40B4-BE49-F238E27FC236}">
+                    <a16:creationId xmlns:a16="http://schemas.microsoft.com/office/drawing/2014/main" id="{192E2726-3EF5-4CF7-AAE4-61F7C5328B87}"/>
+                  </a:ext>
+                </a:extLst>
+              </p:cNvPr>
+              <p:cNvSpPr/>
+              <p:nvPr/>
+            </p:nvSpPr>
+            <p:spPr>
+              <a:xfrm>
+                <a:off x="3168940" y="4624414"/>
+                <a:ext cx="54000" cy="54000"/>
+              </a:xfrm>
+              <a:prstGeom prst="ellipse">
+                <a:avLst/>
+              </a:prstGeom>
+            </p:spPr>
+            <p:style>
+              <a:lnRef idx="2">
+                <a:schemeClr val="dk1">
+                  <a:shade val="50000"/>
+                </a:schemeClr>
+              </a:lnRef>
+              <a:fillRef idx="1">
+                <a:schemeClr val="dk1"/>
+              </a:fillRef>
+              <a:effectRef idx="0">
+                <a:schemeClr val="dk1"/>
+              </a:effectRef>
+              <a:fontRef idx="minor">
+                <a:schemeClr val="lt1"/>
+              </a:fontRef>
+            </p:style>
+            <p:txBody>
+              <a:bodyPr rtlCol="0" anchor="ctr"/>
+              <a:lstStyle/>
+              <a:p>
+                <a:pPr algn="ctr"/>
+                <a:endParaRPr kumimoji="1" lang="ja-JP" altLang="en-US"/>
+              </a:p>
+            </p:txBody>
+          </p:sp>
+          <p:sp>
+            <p:nvSpPr>
+              <p:cNvPr id="122" name="楕円 121">
+                <a:extLst>
+                  <a:ext uri="{FF2B5EF4-FFF2-40B4-BE49-F238E27FC236}">
+                    <a16:creationId xmlns:a16="http://schemas.microsoft.com/office/drawing/2014/main" id="{FC07DE9F-7170-4567-82CE-A76A58921B5F}"/>
+                  </a:ext>
+                </a:extLst>
+              </p:cNvPr>
+              <p:cNvSpPr/>
+              <p:nvPr/>
+            </p:nvSpPr>
+            <p:spPr>
+              <a:xfrm>
+                <a:off x="4634523" y="3037318"/>
+                <a:ext cx="54000" cy="54000"/>
+              </a:xfrm>
+              <a:prstGeom prst="ellipse">
+                <a:avLst/>
+              </a:prstGeom>
+            </p:spPr>
+            <p:style>
+              <a:lnRef idx="2">
+                <a:schemeClr val="dk1">
+                  <a:shade val="50000"/>
+                </a:schemeClr>
+              </a:lnRef>
+              <a:fillRef idx="1">
+                <a:schemeClr val="dk1"/>
+              </a:fillRef>
+              <a:effectRef idx="0">
+                <a:schemeClr val="dk1"/>
+              </a:effectRef>
+              <a:fontRef idx="minor">
+                <a:schemeClr val="lt1"/>
+              </a:fontRef>
+            </p:style>
+            <p:txBody>
+              <a:bodyPr rtlCol="0" anchor="ctr"/>
+              <a:lstStyle/>
+              <a:p>
+                <a:pPr algn="ctr"/>
+                <a:endParaRPr kumimoji="1" lang="ja-JP" altLang="en-US"/>
+              </a:p>
+            </p:txBody>
+          </p:sp>
+          <p:sp>
+            <p:nvSpPr>
+              <p:cNvPr id="123" name="楕円 122">
+                <a:extLst>
+                  <a:ext uri="{FF2B5EF4-FFF2-40B4-BE49-F238E27FC236}">
+                    <a16:creationId xmlns:a16="http://schemas.microsoft.com/office/drawing/2014/main" id="{6C868D26-F2DE-40BD-A8C2-C2A77BB5B904}"/>
+                  </a:ext>
+                </a:extLst>
+              </p:cNvPr>
+              <p:cNvSpPr/>
+              <p:nvPr/>
+            </p:nvSpPr>
+            <p:spPr>
+              <a:xfrm>
+                <a:off x="4715898" y="3120000"/>
+                <a:ext cx="54000" cy="54000"/>
+              </a:xfrm>
+              <a:prstGeom prst="ellipse">
+                <a:avLst/>
+              </a:prstGeom>
+            </p:spPr>
+            <p:style>
+              <a:lnRef idx="2">
+                <a:schemeClr val="dk1">
+                  <a:shade val="50000"/>
+                </a:schemeClr>
+              </a:lnRef>
+              <a:fillRef idx="1">
+                <a:schemeClr val="dk1"/>
+              </a:fillRef>
+              <a:effectRef idx="0">
+                <a:schemeClr val="dk1"/>
+              </a:effectRef>
+              <a:fontRef idx="minor">
+                <a:schemeClr val="lt1"/>
+              </a:fontRef>
+            </p:style>
+            <p:txBody>
+              <a:bodyPr rtlCol="0" anchor="ctr"/>
+              <a:lstStyle/>
+              <a:p>
+                <a:pPr algn="ctr"/>
+                <a:endParaRPr kumimoji="1" lang="ja-JP" altLang="en-US"/>
+              </a:p>
+            </p:txBody>
+          </p:sp>
+          <p:sp>
+            <p:nvSpPr>
+              <p:cNvPr id="124" name="楕円 123">
+                <a:extLst>
+                  <a:ext uri="{FF2B5EF4-FFF2-40B4-BE49-F238E27FC236}">
+                    <a16:creationId xmlns:a16="http://schemas.microsoft.com/office/drawing/2014/main" id="{E6F8DEC9-EDB1-4D2A-83FD-C8047257CC78}"/>
+                  </a:ext>
+                </a:extLst>
+              </p:cNvPr>
+              <p:cNvSpPr/>
+              <p:nvPr/>
+            </p:nvSpPr>
+            <p:spPr>
+              <a:xfrm>
+                <a:off x="4666868" y="3252709"/>
+                <a:ext cx="54000" cy="54000"/>
+              </a:xfrm>
+              <a:prstGeom prst="ellipse">
+                <a:avLst/>
+              </a:prstGeom>
+            </p:spPr>
+            <p:style>
+              <a:lnRef idx="2">
+                <a:schemeClr val="dk1">
+                  <a:shade val="50000"/>
+                </a:schemeClr>
+              </a:lnRef>
+              <a:fillRef idx="1">
+                <a:schemeClr val="dk1"/>
+              </a:fillRef>
+              <a:effectRef idx="0">
+                <a:schemeClr val="dk1"/>
+              </a:effectRef>
+              <a:fontRef idx="minor">
+                <a:schemeClr val="lt1"/>
+              </a:fontRef>
+            </p:style>
+            <p:txBody>
+              <a:bodyPr rtlCol="0" anchor="ctr"/>
+              <a:lstStyle/>
+              <a:p>
+                <a:pPr algn="ctr"/>
+                <a:endParaRPr kumimoji="1" lang="ja-JP" altLang="en-US"/>
+              </a:p>
+            </p:txBody>
+          </p:sp>
+          <p:sp>
+            <p:nvSpPr>
+              <p:cNvPr id="125" name="楕円 124">
+                <a:extLst>
+                  <a:ext uri="{FF2B5EF4-FFF2-40B4-BE49-F238E27FC236}">
+                    <a16:creationId xmlns:a16="http://schemas.microsoft.com/office/drawing/2014/main" id="{3EBD2C69-922D-4629-BC7A-CE0F580C9250}"/>
+                  </a:ext>
+                </a:extLst>
+              </p:cNvPr>
+              <p:cNvSpPr/>
+              <p:nvPr/>
+            </p:nvSpPr>
+            <p:spPr>
+              <a:xfrm>
+                <a:off x="4727528" y="3195990"/>
+                <a:ext cx="54000" cy="54000"/>
+              </a:xfrm>
+              <a:prstGeom prst="ellipse">
+                <a:avLst/>
+              </a:prstGeom>
+            </p:spPr>
+            <p:style>
+              <a:lnRef idx="2">
+                <a:schemeClr val="dk1">
+                  <a:shade val="50000"/>
+                </a:schemeClr>
+              </a:lnRef>
+              <a:fillRef idx="1">
+                <a:schemeClr val="dk1"/>
+              </a:fillRef>
+              <a:effectRef idx="0">
+                <a:schemeClr val="dk1"/>
+              </a:effectRef>
+              <a:fontRef idx="minor">
+                <a:schemeClr val="lt1"/>
+              </a:fontRef>
+            </p:style>
+            <p:txBody>
+              <a:bodyPr rtlCol="0" anchor="ctr"/>
+              <a:lstStyle/>
+              <a:p>
+                <a:pPr algn="ctr"/>
+                <a:endParaRPr kumimoji="1" lang="ja-JP" altLang="en-US"/>
+              </a:p>
+            </p:txBody>
+          </p:sp>
+          <p:sp>
+            <p:nvSpPr>
+              <p:cNvPr id="126" name="楕円 125">
+                <a:extLst>
+                  <a:ext uri="{FF2B5EF4-FFF2-40B4-BE49-F238E27FC236}">
+                    <a16:creationId xmlns:a16="http://schemas.microsoft.com/office/drawing/2014/main" id="{E273F27B-7788-413A-A2B1-51CB1292C24B}"/>
+                  </a:ext>
+                </a:extLst>
+              </p:cNvPr>
+              <p:cNvSpPr/>
+              <p:nvPr/>
+            </p:nvSpPr>
+            <p:spPr>
+              <a:xfrm>
+                <a:off x="4725341" y="3328699"/>
+                <a:ext cx="54000" cy="54000"/>
+              </a:xfrm>
+              <a:prstGeom prst="ellipse">
+                <a:avLst/>
+              </a:prstGeom>
+            </p:spPr>
+            <p:style>
+              <a:lnRef idx="2">
+                <a:schemeClr val="dk1">
+                  <a:shade val="50000"/>
+                </a:schemeClr>
+              </a:lnRef>
+              <a:fillRef idx="1">
+                <a:schemeClr val="dk1"/>
+              </a:fillRef>
+              <a:effectRef idx="0">
+                <a:schemeClr val="dk1"/>
+              </a:effectRef>
+              <a:fontRef idx="minor">
+                <a:schemeClr val="lt1"/>
+              </a:fontRef>
+            </p:style>
+            <p:txBody>
+              <a:bodyPr rtlCol="0" anchor="ctr"/>
+              <a:lstStyle/>
+              <a:p>
+                <a:pPr algn="ctr"/>
+                <a:endParaRPr kumimoji="1" lang="ja-JP" altLang="en-US"/>
+              </a:p>
+            </p:txBody>
+          </p:sp>
+          <p:sp>
+            <p:nvSpPr>
+              <p:cNvPr id="127" name="楕円 126">
+                <a:extLst>
+                  <a:ext uri="{FF2B5EF4-FFF2-40B4-BE49-F238E27FC236}">
+                    <a16:creationId xmlns:a16="http://schemas.microsoft.com/office/drawing/2014/main" id="{CD127535-E687-49E7-AC5E-B5AFABC06D4C}"/>
+                  </a:ext>
+                </a:extLst>
+              </p:cNvPr>
+              <p:cNvSpPr/>
+              <p:nvPr/>
+            </p:nvSpPr>
+            <p:spPr>
+              <a:xfrm>
+                <a:off x="4681998" y="3381792"/>
+                <a:ext cx="54000" cy="54000"/>
+              </a:xfrm>
+              <a:prstGeom prst="ellipse">
+                <a:avLst/>
+              </a:prstGeom>
+            </p:spPr>
+            <p:style>
+              <a:lnRef idx="2">
+                <a:schemeClr val="dk1">
+                  <a:shade val="50000"/>
+                </a:schemeClr>
+              </a:lnRef>
+              <a:fillRef idx="1">
+                <a:schemeClr val="dk1"/>
+              </a:fillRef>
+              <a:effectRef idx="0">
+                <a:schemeClr val="dk1"/>
+              </a:effectRef>
+              <a:fontRef idx="minor">
+                <a:schemeClr val="lt1"/>
+              </a:fontRef>
+            </p:style>
+            <p:txBody>
+              <a:bodyPr rtlCol="0" anchor="ctr"/>
+              <a:lstStyle/>
+              <a:p>
+                <a:pPr algn="ctr"/>
+                <a:endParaRPr kumimoji="1" lang="ja-JP" altLang="en-US"/>
+              </a:p>
+            </p:txBody>
+          </p:sp>
+          <p:sp>
+            <p:nvSpPr>
+              <p:cNvPr id="128" name="楕円 127">
+                <a:extLst>
+                  <a:ext uri="{FF2B5EF4-FFF2-40B4-BE49-F238E27FC236}">
+                    <a16:creationId xmlns:a16="http://schemas.microsoft.com/office/drawing/2014/main" id="{AC8FA63C-8E2E-4D48-B52C-74F8FF816076}"/>
+                  </a:ext>
+                </a:extLst>
+              </p:cNvPr>
+              <p:cNvSpPr/>
+              <p:nvPr/>
+            </p:nvSpPr>
+            <p:spPr>
+              <a:xfrm>
+                <a:off x="4752341" y="3444857"/>
+                <a:ext cx="54000" cy="54000"/>
+              </a:xfrm>
+              <a:prstGeom prst="ellipse">
+                <a:avLst/>
+              </a:prstGeom>
+            </p:spPr>
+            <p:style>
+              <a:lnRef idx="2">
+                <a:schemeClr val="dk1">
+                  <a:shade val="50000"/>
+                </a:schemeClr>
+              </a:lnRef>
+              <a:fillRef idx="1">
+                <a:schemeClr val="dk1"/>
+              </a:fillRef>
+              <a:effectRef idx="0">
+                <a:schemeClr val="dk1"/>
+              </a:effectRef>
+              <a:fontRef idx="minor">
+                <a:schemeClr val="lt1"/>
+              </a:fontRef>
+            </p:style>
+            <p:txBody>
+              <a:bodyPr rtlCol="0" anchor="ctr"/>
+              <a:lstStyle/>
+              <a:p>
+                <a:pPr algn="ctr"/>
+                <a:endParaRPr kumimoji="1" lang="ja-JP" altLang="en-US"/>
+              </a:p>
+            </p:txBody>
+          </p:sp>
+          <p:sp>
+            <p:nvSpPr>
+              <p:cNvPr id="129" name="楕円 128">
+                <a:extLst>
+                  <a:ext uri="{FF2B5EF4-FFF2-40B4-BE49-F238E27FC236}">
+                    <a16:creationId xmlns:a16="http://schemas.microsoft.com/office/drawing/2014/main" id="{C99F3D81-8F42-4B94-B9B4-B05FABBAF24B}"/>
+                  </a:ext>
+                </a:extLst>
+              </p:cNvPr>
+              <p:cNvSpPr/>
+              <p:nvPr/>
+            </p:nvSpPr>
+            <p:spPr>
+              <a:xfrm>
+                <a:off x="4688523" y="3498752"/>
+                <a:ext cx="54000" cy="54000"/>
+              </a:xfrm>
+              <a:prstGeom prst="ellipse">
+                <a:avLst/>
+              </a:prstGeom>
+            </p:spPr>
+            <p:style>
+              <a:lnRef idx="2">
+                <a:schemeClr val="dk1">
+                  <a:shade val="50000"/>
+                </a:schemeClr>
+              </a:lnRef>
+              <a:fillRef idx="1">
+                <a:schemeClr val="dk1"/>
+              </a:fillRef>
+              <a:effectRef idx="0">
+                <a:schemeClr val="dk1"/>
+              </a:effectRef>
+              <a:fontRef idx="minor">
+                <a:schemeClr val="lt1"/>
+              </a:fontRef>
+            </p:style>
+            <p:txBody>
+              <a:bodyPr rtlCol="0" anchor="ctr"/>
+              <a:lstStyle/>
+              <a:p>
+                <a:pPr algn="ctr"/>
+                <a:endParaRPr kumimoji="1" lang="ja-JP" altLang="en-US"/>
+              </a:p>
+            </p:txBody>
+          </p:sp>
+          <p:sp>
+            <p:nvSpPr>
+              <p:cNvPr id="130" name="楕円 129">
+                <a:extLst>
+                  <a:ext uri="{FF2B5EF4-FFF2-40B4-BE49-F238E27FC236}">
+                    <a16:creationId xmlns:a16="http://schemas.microsoft.com/office/drawing/2014/main" id="{419193A8-3041-4AEC-83AB-319C77630973}"/>
+                  </a:ext>
+                </a:extLst>
+              </p:cNvPr>
+              <p:cNvSpPr/>
+              <p:nvPr/>
+            </p:nvSpPr>
+            <p:spPr>
+              <a:xfrm>
+                <a:off x="4806341" y="4165919"/>
+                <a:ext cx="54000" cy="54000"/>
+              </a:xfrm>
+              <a:prstGeom prst="ellipse">
+                <a:avLst/>
+              </a:prstGeom>
+            </p:spPr>
+            <p:style>
+              <a:lnRef idx="2">
+                <a:schemeClr val="dk1">
+                  <a:shade val="50000"/>
+                </a:schemeClr>
+              </a:lnRef>
+              <a:fillRef idx="1">
+                <a:schemeClr val="dk1"/>
+              </a:fillRef>
+              <a:effectRef idx="0">
+                <a:schemeClr val="dk1"/>
+              </a:effectRef>
+              <a:fontRef idx="minor">
+                <a:schemeClr val="lt1"/>
+              </a:fontRef>
+            </p:style>
+            <p:txBody>
+              <a:bodyPr rtlCol="0" anchor="ctr"/>
+              <a:lstStyle/>
+              <a:p>
+                <a:pPr algn="ctr"/>
+                <a:endParaRPr kumimoji="1" lang="ja-JP" altLang="en-US"/>
+              </a:p>
+            </p:txBody>
+          </p:sp>
+          <p:cxnSp>
+            <p:nvCxnSpPr>
+              <p:cNvPr id="131" name="直線コネクタ 130">
+                <a:extLst>
+                  <a:ext uri="{FF2B5EF4-FFF2-40B4-BE49-F238E27FC236}">
+                    <a16:creationId xmlns:a16="http://schemas.microsoft.com/office/drawing/2014/main" id="{114547AE-5D52-4D62-80E5-4F65E94D26D0}"/>
+                  </a:ext>
+                </a:extLst>
+              </p:cNvPr>
+              <p:cNvCxnSpPr>
+                <a:cxnSpLocks/>
+              </p:cNvCxnSpPr>
+              <p:nvPr/>
+            </p:nvCxnSpPr>
+            <p:spPr>
+              <a:xfrm>
+                <a:off x="4572000" y="2556077"/>
+                <a:ext cx="109998" cy="475343"/>
+              </a:xfrm>
+              <a:prstGeom prst="line">
+                <a:avLst/>
+              </a:prstGeom>
+            </p:spPr>
+            <p:style>
+              <a:lnRef idx="1">
+                <a:schemeClr val="dk1"/>
+              </a:lnRef>
+              <a:fillRef idx="0">
+                <a:schemeClr val="dk1"/>
+              </a:fillRef>
+              <a:effectRef idx="0">
+                <a:schemeClr val="dk1"/>
+              </a:effectRef>
+              <a:fontRef idx="minor">
+                <a:schemeClr val="tx1"/>
+              </a:fontRef>
+            </p:style>
+          </p:cxnSp>
+          <p:cxnSp>
+            <p:nvCxnSpPr>
+              <p:cNvPr id="132" name="直線矢印コネクタ 131">
+                <a:extLst>
+                  <a:ext uri="{FF2B5EF4-FFF2-40B4-BE49-F238E27FC236}">
+                    <a16:creationId xmlns:a16="http://schemas.microsoft.com/office/drawing/2014/main" id="{46E736B1-E55D-41DA-A3D3-76464FC8B8E7}"/>
+                  </a:ext>
+                </a:extLst>
+              </p:cNvPr>
+              <p:cNvCxnSpPr>
+                <a:cxnSpLocks/>
+              </p:cNvCxnSpPr>
+              <p:nvPr/>
+            </p:nvCxnSpPr>
+            <p:spPr>
+              <a:xfrm>
+                <a:off x="4887311" y="4697127"/>
+                <a:ext cx="102132" cy="385901"/>
+              </a:xfrm>
+              <a:prstGeom prst="straightConnector1">
+                <a:avLst/>
+              </a:prstGeom>
+              <a:ln>
+                <a:tailEnd type="triangle"/>
+              </a:ln>
+            </p:spPr>
+            <p:style>
+              <a:lnRef idx="1">
+                <a:schemeClr val="dk1"/>
+              </a:lnRef>
+              <a:fillRef idx="0">
+                <a:schemeClr val="dk1"/>
+              </a:fillRef>
+              <a:effectRef idx="0">
+                <a:schemeClr val="dk1"/>
+              </a:effectRef>
+              <a:fontRef idx="minor">
+                <a:schemeClr val="tx1"/>
+              </a:fontRef>
+            </p:style>
+          </p:cxnSp>
+          <p:sp>
+            <p:nvSpPr>
+              <p:cNvPr id="133" name="楕円 132">
+                <a:extLst>
+                  <a:ext uri="{FF2B5EF4-FFF2-40B4-BE49-F238E27FC236}">
+                    <a16:creationId xmlns:a16="http://schemas.microsoft.com/office/drawing/2014/main" id="{79145DF6-8558-4ACB-9AF5-22A82BEA93C1}"/>
+                  </a:ext>
+                </a:extLst>
+              </p:cNvPr>
+              <p:cNvSpPr/>
+              <p:nvPr/>
+            </p:nvSpPr>
+            <p:spPr>
+              <a:xfrm>
+                <a:off x="4779341" y="4239296"/>
+                <a:ext cx="54000" cy="54000"/>
+              </a:xfrm>
+              <a:prstGeom prst="ellipse">
+                <a:avLst/>
+              </a:prstGeom>
+            </p:spPr>
+            <p:style>
+              <a:lnRef idx="2">
+                <a:schemeClr val="dk1">
+                  <a:shade val="50000"/>
+                </a:schemeClr>
+              </a:lnRef>
+              <a:fillRef idx="1">
+                <a:schemeClr val="dk1"/>
+              </a:fillRef>
+              <a:effectRef idx="0">
+                <a:schemeClr val="dk1"/>
+              </a:effectRef>
+              <a:fontRef idx="minor">
+                <a:schemeClr val="lt1"/>
+              </a:fontRef>
+            </p:style>
+            <p:txBody>
+              <a:bodyPr rtlCol="0" anchor="ctr"/>
+              <a:lstStyle/>
+              <a:p>
+                <a:pPr algn="ctr"/>
+                <a:endParaRPr kumimoji="1" lang="ja-JP" altLang="en-US"/>
+              </a:p>
+            </p:txBody>
+          </p:sp>
+          <p:sp>
+            <p:nvSpPr>
+              <p:cNvPr id="134" name="楕円 133">
+                <a:extLst>
+                  <a:ext uri="{FF2B5EF4-FFF2-40B4-BE49-F238E27FC236}">
+                    <a16:creationId xmlns:a16="http://schemas.microsoft.com/office/drawing/2014/main" id="{40225B27-A51A-4162-826F-72C19925B417}"/>
+                  </a:ext>
+                </a:extLst>
+              </p:cNvPr>
+              <p:cNvSpPr/>
+              <p:nvPr/>
+            </p:nvSpPr>
+            <p:spPr>
+              <a:xfrm>
+                <a:off x="4833341" y="4282784"/>
+                <a:ext cx="54000" cy="54000"/>
+              </a:xfrm>
+              <a:prstGeom prst="ellipse">
+                <a:avLst/>
+              </a:prstGeom>
+            </p:spPr>
+            <p:style>
+              <a:lnRef idx="2">
+                <a:schemeClr val="dk1">
+                  <a:shade val="50000"/>
+                </a:schemeClr>
+              </a:lnRef>
+              <a:fillRef idx="1">
+                <a:schemeClr val="dk1"/>
+              </a:fillRef>
+              <a:effectRef idx="0">
+                <a:schemeClr val="dk1"/>
+              </a:effectRef>
+              <a:fontRef idx="minor">
+                <a:schemeClr val="lt1"/>
+              </a:fontRef>
+            </p:style>
+            <p:txBody>
+              <a:bodyPr rtlCol="0" anchor="ctr"/>
+              <a:lstStyle/>
+              <a:p>
+                <a:pPr algn="ctr"/>
+                <a:endParaRPr kumimoji="1" lang="ja-JP" altLang="en-US"/>
+              </a:p>
+            </p:txBody>
+          </p:sp>
+          <p:sp>
+            <p:nvSpPr>
+              <p:cNvPr id="135" name="楕円 134">
+                <a:extLst>
+                  <a:ext uri="{FF2B5EF4-FFF2-40B4-BE49-F238E27FC236}">
+                    <a16:creationId xmlns:a16="http://schemas.microsoft.com/office/drawing/2014/main" id="{15EC5BE3-E70A-4D64-96D7-A6B3E16C928D}"/>
+                  </a:ext>
+                </a:extLst>
+              </p:cNvPr>
+              <p:cNvSpPr/>
+              <p:nvPr/>
+            </p:nvSpPr>
+            <p:spPr>
+              <a:xfrm>
+                <a:off x="4806341" y="4356977"/>
+                <a:ext cx="54000" cy="54000"/>
+              </a:xfrm>
+              <a:prstGeom prst="ellipse">
+                <a:avLst/>
+              </a:prstGeom>
+            </p:spPr>
+            <p:style>
+              <a:lnRef idx="2">
+                <a:schemeClr val="dk1">
+                  <a:shade val="50000"/>
+                </a:schemeClr>
+              </a:lnRef>
+              <a:fillRef idx="1">
+                <a:schemeClr val="dk1"/>
+              </a:fillRef>
+              <a:effectRef idx="0">
+                <a:schemeClr val="dk1"/>
+              </a:effectRef>
+              <a:fontRef idx="minor">
+                <a:schemeClr val="lt1"/>
+              </a:fontRef>
+            </p:style>
+            <p:txBody>
+              <a:bodyPr rtlCol="0" anchor="ctr"/>
+              <a:lstStyle/>
+              <a:p>
+                <a:pPr algn="ctr"/>
+                <a:endParaRPr kumimoji="1" lang="ja-JP" altLang="en-US"/>
+              </a:p>
+            </p:txBody>
+          </p:sp>
+          <p:sp>
+            <p:nvSpPr>
+              <p:cNvPr id="136" name="楕円 135">
+                <a:extLst>
+                  <a:ext uri="{FF2B5EF4-FFF2-40B4-BE49-F238E27FC236}">
+                    <a16:creationId xmlns:a16="http://schemas.microsoft.com/office/drawing/2014/main" id="{3E022506-8119-4730-AEE1-AB3F362F258E}"/>
+                  </a:ext>
+                </a:extLst>
+              </p:cNvPr>
+              <p:cNvSpPr/>
+              <p:nvPr/>
+            </p:nvSpPr>
+            <p:spPr>
+              <a:xfrm>
+                <a:off x="4884377" y="4390111"/>
+                <a:ext cx="54000" cy="54000"/>
+              </a:xfrm>
+              <a:prstGeom prst="ellipse">
+                <a:avLst/>
+              </a:prstGeom>
+            </p:spPr>
+            <p:style>
+              <a:lnRef idx="2">
+                <a:schemeClr val="dk1">
+                  <a:shade val="50000"/>
+                </a:schemeClr>
+              </a:lnRef>
+              <a:fillRef idx="1">
+                <a:schemeClr val="dk1"/>
+              </a:fillRef>
+              <a:effectRef idx="0">
+                <a:schemeClr val="dk1"/>
+              </a:effectRef>
+              <a:fontRef idx="minor">
+                <a:schemeClr val="lt1"/>
+              </a:fontRef>
+            </p:style>
+            <p:txBody>
+              <a:bodyPr rtlCol="0" anchor="ctr"/>
+              <a:lstStyle/>
+              <a:p>
+                <a:pPr algn="ctr"/>
+                <a:endParaRPr kumimoji="1" lang="ja-JP" altLang="en-US"/>
+              </a:p>
+            </p:txBody>
+          </p:sp>
+          <p:sp>
+            <p:nvSpPr>
+              <p:cNvPr id="137" name="楕円 136">
+                <a:extLst>
+                  <a:ext uri="{FF2B5EF4-FFF2-40B4-BE49-F238E27FC236}">
+                    <a16:creationId xmlns:a16="http://schemas.microsoft.com/office/drawing/2014/main" id="{B363F514-2BC8-4C01-B2CF-D0F5FA26B723}"/>
+                  </a:ext>
+                </a:extLst>
+              </p:cNvPr>
+              <p:cNvSpPr/>
+              <p:nvPr/>
+            </p:nvSpPr>
+            <p:spPr>
+              <a:xfrm>
+                <a:off x="4833341" y="4481617"/>
+                <a:ext cx="54000" cy="54000"/>
+              </a:xfrm>
+              <a:prstGeom prst="ellipse">
+                <a:avLst/>
+              </a:prstGeom>
+            </p:spPr>
+            <p:style>
+              <a:lnRef idx="2">
+                <a:schemeClr val="dk1">
+                  <a:shade val="50000"/>
+                </a:schemeClr>
+              </a:lnRef>
+              <a:fillRef idx="1">
+                <a:schemeClr val="dk1"/>
+              </a:fillRef>
+              <a:effectRef idx="0">
+                <a:schemeClr val="dk1"/>
+              </a:effectRef>
+              <a:fontRef idx="minor">
+                <a:schemeClr val="lt1"/>
+              </a:fontRef>
+            </p:style>
+            <p:txBody>
+              <a:bodyPr rtlCol="0" anchor="ctr"/>
+              <a:lstStyle/>
+              <a:p>
+                <a:pPr algn="ctr"/>
+                <a:endParaRPr kumimoji="1" lang="ja-JP" altLang="en-US"/>
+              </a:p>
+            </p:txBody>
+          </p:sp>
+          <p:sp>
+            <p:nvSpPr>
+              <p:cNvPr id="138" name="楕円 137">
+                <a:extLst>
+                  <a:ext uri="{FF2B5EF4-FFF2-40B4-BE49-F238E27FC236}">
+                    <a16:creationId xmlns:a16="http://schemas.microsoft.com/office/drawing/2014/main" id="{6679B389-CB4E-472C-BE12-654F937D503E}"/>
+                  </a:ext>
+                </a:extLst>
+              </p:cNvPr>
+              <p:cNvSpPr/>
+              <p:nvPr/>
+            </p:nvSpPr>
+            <p:spPr>
+              <a:xfrm>
+                <a:off x="4884377" y="4531617"/>
+                <a:ext cx="54000" cy="54000"/>
+              </a:xfrm>
+              <a:prstGeom prst="ellipse">
+                <a:avLst/>
+              </a:prstGeom>
+            </p:spPr>
+            <p:style>
+              <a:lnRef idx="2">
+                <a:schemeClr val="dk1">
+                  <a:shade val="50000"/>
+                </a:schemeClr>
+              </a:lnRef>
+              <a:fillRef idx="1">
+                <a:schemeClr val="dk1"/>
+              </a:fillRef>
+              <a:effectRef idx="0">
+                <a:schemeClr val="dk1"/>
+              </a:effectRef>
+              <a:fontRef idx="minor">
+                <a:schemeClr val="lt1"/>
+              </a:fontRef>
+            </p:style>
+            <p:txBody>
+              <a:bodyPr rtlCol="0" anchor="ctr"/>
+              <a:lstStyle/>
+              <a:p>
+                <a:pPr algn="ctr"/>
+                <a:endParaRPr kumimoji="1" lang="ja-JP" altLang="en-US"/>
+              </a:p>
+            </p:txBody>
+          </p:sp>
+          <p:sp>
+            <p:nvSpPr>
+              <p:cNvPr id="139" name="楕円 138">
+                <a:extLst>
+                  <a:ext uri="{FF2B5EF4-FFF2-40B4-BE49-F238E27FC236}">
+                    <a16:creationId xmlns:a16="http://schemas.microsoft.com/office/drawing/2014/main" id="{049CE393-47AF-4FB6-87C7-5C3A85B30C2A}"/>
+                  </a:ext>
+                </a:extLst>
+              </p:cNvPr>
+              <p:cNvSpPr/>
+              <p:nvPr/>
+            </p:nvSpPr>
+            <p:spPr>
+              <a:xfrm>
+                <a:off x="4860341" y="4585665"/>
+                <a:ext cx="54000" cy="54000"/>
+              </a:xfrm>
+              <a:prstGeom prst="ellipse">
+                <a:avLst/>
+              </a:prstGeom>
+            </p:spPr>
+            <p:style>
+              <a:lnRef idx="2">
+                <a:schemeClr val="dk1">
+                  <a:shade val="50000"/>
+                </a:schemeClr>
+              </a:lnRef>
+              <a:fillRef idx="1">
+                <a:schemeClr val="dk1"/>
+              </a:fillRef>
+              <a:effectRef idx="0">
+                <a:schemeClr val="dk1"/>
+              </a:effectRef>
+              <a:fontRef idx="minor">
+                <a:schemeClr val="lt1"/>
+              </a:fontRef>
+            </p:style>
+            <p:txBody>
+              <a:bodyPr rtlCol="0" anchor="ctr"/>
+              <a:lstStyle/>
+              <a:p>
+                <a:pPr algn="ctr"/>
+                <a:endParaRPr kumimoji="1" lang="ja-JP" altLang="en-US"/>
+              </a:p>
+            </p:txBody>
+          </p:sp>
+          <p:sp>
+            <p:nvSpPr>
+              <p:cNvPr id="140" name="楕円 139">
+                <a:extLst>
+                  <a:ext uri="{FF2B5EF4-FFF2-40B4-BE49-F238E27FC236}">
+                    <a16:creationId xmlns:a16="http://schemas.microsoft.com/office/drawing/2014/main" id="{183B460B-8407-4CE8-AEFC-70376106840B}"/>
+                  </a:ext>
+                </a:extLst>
+              </p:cNvPr>
+              <p:cNvSpPr/>
+              <p:nvPr/>
+            </p:nvSpPr>
+            <p:spPr>
+              <a:xfrm>
+                <a:off x="4884377" y="4649490"/>
+                <a:ext cx="54000" cy="54000"/>
+              </a:xfrm>
+              <a:prstGeom prst="ellipse">
+                <a:avLst/>
+              </a:prstGeom>
+            </p:spPr>
+            <p:style>
+              <a:lnRef idx="2">
+                <a:schemeClr val="dk1">
+                  <a:shade val="50000"/>
+                </a:schemeClr>
+              </a:lnRef>
+              <a:fillRef idx="1">
+                <a:schemeClr val="dk1"/>
+              </a:fillRef>
+              <a:effectRef idx="0">
+                <a:schemeClr val="dk1"/>
+              </a:effectRef>
+              <a:fontRef idx="minor">
+                <a:schemeClr val="lt1"/>
+              </a:fontRef>
+            </p:style>
+            <p:txBody>
+              <a:bodyPr rtlCol="0" anchor="ctr"/>
+              <a:lstStyle/>
+              <a:p>
+                <a:pPr algn="ctr"/>
+                <a:endParaRPr kumimoji="1" lang="ja-JP" altLang="en-US"/>
+              </a:p>
+            </p:txBody>
+          </p:sp>
+        </p:grpSp>
+        <p:sp>
+          <p:nvSpPr>
+            <p:cNvPr id="100" name="テキスト ボックス 99">
+              <a:extLst>
+                <a:ext uri="{FF2B5EF4-FFF2-40B4-BE49-F238E27FC236}">
+                  <a16:creationId xmlns:a16="http://schemas.microsoft.com/office/drawing/2014/main" id="{0AA8AC71-B2F1-48C8-98E6-A97B3D7784BD}"/>
+                </a:ext>
+              </a:extLst>
+            </p:cNvPr>
+            <p:cNvSpPr txBox="1"/>
+            <p:nvPr/>
+          </p:nvSpPr>
+          <p:spPr>
+            <a:xfrm>
+              <a:off x="4661523" y="2424318"/>
+              <a:ext cx="1140056" cy="338554"/>
+            </a:xfrm>
+            <a:prstGeom prst="rect">
+              <a:avLst/>
+            </a:prstGeom>
+            <a:noFill/>
+          </p:spPr>
+          <p:txBody>
+            <a:bodyPr wrap="none" rtlCol="0">
+              <a:spAutoFit/>
+            </a:bodyPr>
+            <a:lstStyle/>
+            <a:p>
+              <a:r>
+                <a:rPr kumimoji="1" lang="ja-JP" altLang="en-US" sz="1600" dirty="0">
+                  <a:solidFill>
+                    <a:sysClr val="windowText" lastClr="000000"/>
+                  </a:solidFill>
+                </a:rPr>
+                <a:t>潜像核</a:t>
+              </a:r>
+              <a:r>
+                <a:rPr kumimoji="1" lang="en-US" altLang="ja-JP" sz="1600" dirty="0">
+                  <a:solidFill>
+                    <a:sysClr val="windowText" lastClr="000000"/>
+                  </a:solidFill>
+                </a:rPr>
+                <a:t>(</a:t>
+              </a:r>
+              <a:r>
+                <a:rPr kumimoji="1" lang="en-US" altLang="ja-JP" sz="1600" dirty="0">
+                  <a:solidFill>
+                    <a:srgbClr val="FF0000"/>
+                  </a:solidFill>
+                </a:rPr>
+                <a:t>Ag</a:t>
+              </a:r>
+              <a:r>
+                <a:rPr kumimoji="1" lang="en-US" altLang="ja-JP" sz="1600" dirty="0">
+                  <a:solidFill>
+                    <a:sysClr val="windowText" lastClr="000000"/>
+                  </a:solidFill>
+                </a:rPr>
+                <a:t>)</a:t>
+              </a:r>
+              <a:endParaRPr kumimoji="1" lang="ja-JP" altLang="en-US" sz="1600" dirty="0">
+                <a:solidFill>
+                  <a:sysClr val="windowText" lastClr="000000"/>
+                </a:solidFill>
+              </a:endParaRPr>
+            </a:p>
+          </p:txBody>
+        </p:sp>
+        <p:sp>
+          <p:nvSpPr>
+            <p:cNvPr id="101" name="テキスト ボックス 100">
+              <a:extLst>
+                <a:ext uri="{FF2B5EF4-FFF2-40B4-BE49-F238E27FC236}">
+                  <a16:creationId xmlns:a16="http://schemas.microsoft.com/office/drawing/2014/main" id="{FF5705B9-FCBE-4557-AB0B-EC13A3E6119B}"/>
+                </a:ext>
+              </a:extLst>
+            </p:cNvPr>
+            <p:cNvSpPr txBox="1"/>
+            <p:nvPr/>
+          </p:nvSpPr>
+          <p:spPr>
+            <a:xfrm>
+              <a:off x="2511636" y="3270809"/>
+              <a:ext cx="583814" cy="338554"/>
+            </a:xfrm>
+            <a:prstGeom prst="rect">
+              <a:avLst/>
+            </a:prstGeom>
+            <a:noFill/>
+          </p:spPr>
+          <p:txBody>
+            <a:bodyPr wrap="none" rtlCol="0">
+              <a:spAutoFit/>
+            </a:bodyPr>
+            <a:lstStyle/>
+            <a:p>
+              <a:r>
+                <a:rPr kumimoji="1" lang="en-US" altLang="ja-JP" sz="1600" dirty="0" err="1">
+                  <a:solidFill>
+                    <a:srgbClr val="FF0000"/>
+                  </a:solidFill>
+                </a:rPr>
+                <a:t>AgBr</a:t>
+              </a:r>
+              <a:endParaRPr kumimoji="1" lang="ja-JP" altLang="en-US" sz="1600" dirty="0">
+                <a:solidFill>
+                  <a:sysClr val="windowText" lastClr="000000"/>
+                </a:solidFill>
+              </a:endParaRPr>
+            </a:p>
+          </p:txBody>
+        </p:sp>
+      </p:grpSp>
+      <p:grpSp>
+        <p:nvGrpSpPr>
+          <p:cNvPr id="3" name="グループ化 2">
+            <a:extLst>
+              <a:ext uri="{FF2B5EF4-FFF2-40B4-BE49-F238E27FC236}">
+                <a16:creationId xmlns:a16="http://schemas.microsoft.com/office/drawing/2014/main" id="{B1978FCF-8A4A-43DA-A3C4-77B332A06F73}"/>
+              </a:ext>
+            </a:extLst>
+          </p:cNvPr>
+          <p:cNvGrpSpPr/>
+          <p:nvPr/>
+        </p:nvGrpSpPr>
+        <p:grpSpPr>
+          <a:xfrm>
+            <a:off x="457288" y="3662490"/>
+            <a:ext cx="3653549" cy="2290130"/>
+            <a:chOff x="457288" y="3662490"/>
+            <a:chExt cx="3653549" cy="2290130"/>
+          </a:xfrm>
+        </p:grpSpPr>
+        <p:grpSp>
+          <p:nvGrpSpPr>
+            <p:cNvPr id="225" name="グループ化 224">
+              <a:extLst>
+                <a:ext uri="{FF2B5EF4-FFF2-40B4-BE49-F238E27FC236}">
+                  <a16:creationId xmlns:a16="http://schemas.microsoft.com/office/drawing/2014/main" id="{5D9D7A7B-2296-4690-AD2E-D6B85C54D346}"/>
+                </a:ext>
+              </a:extLst>
+            </p:cNvPr>
+            <p:cNvGrpSpPr/>
+            <p:nvPr/>
+          </p:nvGrpSpPr>
+          <p:grpSpPr>
+            <a:xfrm>
+              <a:off x="457288" y="3972160"/>
+              <a:ext cx="3653549" cy="1980460"/>
+              <a:chOff x="782077" y="3110947"/>
+              <a:chExt cx="7119732" cy="3508506"/>
+            </a:xfrm>
+          </p:grpSpPr>
+          <p:sp>
+            <p:nvSpPr>
+              <p:cNvPr id="262" name="直方体 261">
+                <a:extLst>
+                  <a:ext uri="{FF2B5EF4-FFF2-40B4-BE49-F238E27FC236}">
+                    <a16:creationId xmlns:a16="http://schemas.microsoft.com/office/drawing/2014/main" id="{BDDD4A06-D0FD-41A7-9DE8-639796134234}"/>
+                  </a:ext>
+                </a:extLst>
+              </p:cNvPr>
+              <p:cNvSpPr/>
+              <p:nvPr/>
+            </p:nvSpPr>
+            <p:spPr>
+              <a:xfrm>
+                <a:off x="782077" y="5104331"/>
+                <a:ext cx="7116417" cy="1500809"/>
+              </a:xfrm>
+              <a:prstGeom prst="cube">
+                <a:avLst>
+                  <a:gd name="adj" fmla="val 55464"/>
+                </a:avLst>
+              </a:prstGeom>
+              <a:solidFill>
+                <a:srgbClr val="FFFF99"/>
+              </a:solidFill>
+              <a:ln>
+                <a:solidFill>
+                  <a:schemeClr val="tx1"/>
+                </a:solidFill>
+              </a:ln>
+            </p:spPr>
+            <p:style>
+              <a:lnRef idx="2">
+                <a:schemeClr val="accent1">
+                  <a:shade val="50000"/>
+                </a:schemeClr>
+              </a:lnRef>
+              <a:fillRef idx="1">
+                <a:schemeClr val="accent1"/>
+              </a:fillRef>
+              <a:effectRef idx="0">
+                <a:schemeClr val="accent1"/>
+              </a:effectRef>
+              <a:fontRef idx="minor">
+                <a:schemeClr val="lt1"/>
+              </a:fontRef>
+            </p:style>
+            <p:txBody>
+              <a:bodyPr rtlCol="0" anchor="ctr"/>
+              <a:lstStyle/>
+              <a:p>
+                <a:pPr algn="ctr"/>
+                <a:endParaRPr kumimoji="1" lang="ja-JP" altLang="en-US" dirty="0"/>
+              </a:p>
+            </p:txBody>
+          </p:sp>
+          <p:sp>
+            <p:nvSpPr>
+              <p:cNvPr id="263" name="直方体 262">
+                <a:extLst>
+                  <a:ext uri="{FF2B5EF4-FFF2-40B4-BE49-F238E27FC236}">
+                    <a16:creationId xmlns:a16="http://schemas.microsoft.com/office/drawing/2014/main" id="{9FF84146-C3DF-42C7-B5EF-6FCB4CE6ECB6}"/>
+                  </a:ext>
+                </a:extLst>
+              </p:cNvPr>
+              <p:cNvSpPr/>
+              <p:nvPr/>
+            </p:nvSpPr>
+            <p:spPr>
+              <a:xfrm>
+                <a:off x="782078" y="3772487"/>
+                <a:ext cx="7116417" cy="2171113"/>
+              </a:xfrm>
+              <a:prstGeom prst="cube">
+                <a:avLst>
+                  <a:gd name="adj" fmla="val 38497"/>
+                </a:avLst>
+              </a:prstGeom>
+              <a:solidFill>
+                <a:srgbClr val="00FFFF">
+                  <a:alpha val="20000"/>
+                </a:srgbClr>
+              </a:solidFill>
+              <a:ln>
+                <a:solidFill>
+                  <a:schemeClr val="tx1"/>
+                </a:solidFill>
+              </a:ln>
+            </p:spPr>
+            <p:style>
+              <a:lnRef idx="2">
+                <a:schemeClr val="accent1">
+                  <a:shade val="50000"/>
+                </a:schemeClr>
+              </a:lnRef>
+              <a:fillRef idx="1">
+                <a:schemeClr val="accent1"/>
+              </a:fillRef>
+              <a:effectRef idx="0">
+                <a:schemeClr val="accent1"/>
+              </a:effectRef>
+              <a:fontRef idx="minor">
+                <a:schemeClr val="lt1"/>
+              </a:fontRef>
+            </p:style>
+            <p:txBody>
+              <a:bodyPr rtlCol="0" anchor="ctr"/>
+              <a:lstStyle/>
+              <a:p>
+                <a:pPr algn="ctr"/>
+                <a:endParaRPr kumimoji="1" lang="ja-JP" altLang="en-US"/>
+              </a:p>
+            </p:txBody>
+          </p:sp>
+          <p:sp>
+            <p:nvSpPr>
+              <p:cNvPr id="264" name="直方体 263">
+                <a:extLst>
+                  <a:ext uri="{FF2B5EF4-FFF2-40B4-BE49-F238E27FC236}">
+                    <a16:creationId xmlns:a16="http://schemas.microsoft.com/office/drawing/2014/main" id="{98F0260B-7750-4D10-83AD-ED1EFF4AA034}"/>
+                  </a:ext>
+                </a:extLst>
+              </p:cNvPr>
+              <p:cNvSpPr/>
+              <p:nvPr/>
+            </p:nvSpPr>
+            <p:spPr>
+              <a:xfrm>
+                <a:off x="782078" y="3110947"/>
+                <a:ext cx="7116417" cy="1500809"/>
+              </a:xfrm>
+              <a:prstGeom prst="cube">
+                <a:avLst>
+                  <a:gd name="adj" fmla="val 55464"/>
+                </a:avLst>
+              </a:prstGeom>
+              <a:solidFill>
+                <a:srgbClr val="FFFF99"/>
+              </a:solidFill>
+              <a:ln>
+                <a:solidFill>
+                  <a:schemeClr val="tx1"/>
+                </a:solidFill>
+              </a:ln>
+            </p:spPr>
+            <p:style>
+              <a:lnRef idx="2">
+                <a:schemeClr val="accent1">
+                  <a:shade val="50000"/>
+                </a:schemeClr>
+              </a:lnRef>
+              <a:fillRef idx="1">
+                <a:schemeClr val="accent1"/>
+              </a:fillRef>
+              <a:effectRef idx="0">
+                <a:schemeClr val="accent1"/>
+              </a:effectRef>
+              <a:fontRef idx="minor">
+                <a:schemeClr val="lt1"/>
+              </a:fontRef>
+            </p:style>
+            <p:txBody>
+              <a:bodyPr rtlCol="0" anchor="ctr"/>
+              <a:lstStyle/>
+              <a:p>
+                <a:pPr algn="ctr"/>
+                <a:endParaRPr kumimoji="1" lang="ja-JP" altLang="en-US" dirty="0"/>
+              </a:p>
+            </p:txBody>
+          </p:sp>
+          <p:cxnSp>
+            <p:nvCxnSpPr>
+              <p:cNvPr id="265" name="直線コネクタ 264">
+                <a:extLst>
+                  <a:ext uri="{FF2B5EF4-FFF2-40B4-BE49-F238E27FC236}">
+                    <a16:creationId xmlns:a16="http://schemas.microsoft.com/office/drawing/2014/main" id="{9D51F125-1BF0-4424-8CD4-1EB348AA316C}"/>
+                  </a:ext>
+                </a:extLst>
+              </p:cNvPr>
+              <p:cNvCxnSpPr/>
+              <p:nvPr/>
+            </p:nvCxnSpPr>
+            <p:spPr>
+              <a:xfrm>
+                <a:off x="1616965" y="3110947"/>
+                <a:ext cx="0" cy="665921"/>
+              </a:xfrm>
+              <a:prstGeom prst="line">
+                <a:avLst/>
+              </a:prstGeom>
+              <a:ln>
+                <a:solidFill>
+                  <a:schemeClr val="tx1"/>
+                </a:solidFill>
+                <a:prstDash val="dash"/>
+              </a:ln>
+            </p:spPr>
+            <p:style>
+              <a:lnRef idx="1">
+                <a:schemeClr val="dk1"/>
+              </a:lnRef>
+              <a:fillRef idx="0">
+                <a:schemeClr val="dk1"/>
+              </a:fillRef>
+              <a:effectRef idx="0">
+                <a:schemeClr val="dk1"/>
+              </a:effectRef>
+              <a:fontRef idx="minor">
+                <a:schemeClr val="tx1"/>
+              </a:fontRef>
+            </p:style>
+          </p:cxnSp>
+          <p:cxnSp>
+            <p:nvCxnSpPr>
+              <p:cNvPr id="266" name="直線コネクタ 265">
+                <a:extLst>
+                  <a:ext uri="{FF2B5EF4-FFF2-40B4-BE49-F238E27FC236}">
+                    <a16:creationId xmlns:a16="http://schemas.microsoft.com/office/drawing/2014/main" id="{C41BDB5A-C400-4732-AA5C-40CAAA66D57A}"/>
+                  </a:ext>
+                </a:extLst>
+              </p:cNvPr>
+              <p:cNvCxnSpPr/>
+              <p:nvPr/>
+            </p:nvCxnSpPr>
+            <p:spPr>
+              <a:xfrm>
+                <a:off x="1626904" y="5104331"/>
+                <a:ext cx="0" cy="665921"/>
+              </a:xfrm>
+              <a:prstGeom prst="line">
+                <a:avLst/>
+              </a:prstGeom>
+              <a:ln>
+                <a:solidFill>
+                  <a:schemeClr val="tx1"/>
+                </a:solidFill>
+                <a:prstDash val="dash"/>
+              </a:ln>
+            </p:spPr>
+            <p:style>
+              <a:lnRef idx="1">
+                <a:schemeClr val="dk1"/>
+              </a:lnRef>
+              <a:fillRef idx="0">
+                <a:schemeClr val="dk1"/>
+              </a:fillRef>
+              <a:effectRef idx="0">
+                <a:schemeClr val="dk1"/>
+              </a:effectRef>
+              <a:fontRef idx="minor">
+                <a:schemeClr val="tx1"/>
+              </a:fontRef>
+            </p:style>
+          </p:cxnSp>
+          <p:cxnSp>
+            <p:nvCxnSpPr>
+              <p:cNvPr id="267" name="直線コネクタ 266">
+                <a:extLst>
+                  <a:ext uri="{FF2B5EF4-FFF2-40B4-BE49-F238E27FC236}">
+                    <a16:creationId xmlns:a16="http://schemas.microsoft.com/office/drawing/2014/main" id="{7DC4E3EE-2623-44AF-960B-0C7EE0DCFDAD}"/>
+                  </a:ext>
+                </a:extLst>
+              </p:cNvPr>
+              <p:cNvCxnSpPr/>
+              <p:nvPr/>
+            </p:nvCxnSpPr>
+            <p:spPr>
+              <a:xfrm flipH="1">
+                <a:off x="782077" y="3776864"/>
+                <a:ext cx="834888" cy="824949"/>
+              </a:xfrm>
+              <a:prstGeom prst="line">
+                <a:avLst/>
+              </a:prstGeom>
+              <a:ln>
+                <a:prstDash val="dash"/>
+              </a:ln>
+            </p:spPr>
+            <p:style>
+              <a:lnRef idx="1">
+                <a:schemeClr val="dk1"/>
+              </a:lnRef>
+              <a:fillRef idx="0">
+                <a:schemeClr val="dk1"/>
+              </a:fillRef>
+              <a:effectRef idx="0">
+                <a:schemeClr val="dk1"/>
+              </a:effectRef>
+              <a:fontRef idx="minor">
+                <a:schemeClr val="tx1"/>
+              </a:fontRef>
+            </p:style>
+          </p:cxnSp>
+          <p:cxnSp>
+            <p:nvCxnSpPr>
+              <p:cNvPr id="268" name="直線コネクタ 267">
+                <a:extLst>
+                  <a:ext uri="{FF2B5EF4-FFF2-40B4-BE49-F238E27FC236}">
+                    <a16:creationId xmlns:a16="http://schemas.microsoft.com/office/drawing/2014/main" id="{F87CEF4E-E86C-4334-BEC9-1D9C988DF016}"/>
+                  </a:ext>
+                </a:extLst>
+              </p:cNvPr>
+              <p:cNvCxnSpPr/>
+              <p:nvPr/>
+            </p:nvCxnSpPr>
+            <p:spPr>
+              <a:xfrm flipH="1">
+                <a:off x="782077" y="5794504"/>
+                <a:ext cx="834888" cy="824949"/>
+              </a:xfrm>
+              <a:prstGeom prst="line">
+                <a:avLst/>
+              </a:prstGeom>
+              <a:ln>
+                <a:prstDash val="dash"/>
+              </a:ln>
+            </p:spPr>
+            <p:style>
+              <a:lnRef idx="1">
+                <a:schemeClr val="dk1"/>
+              </a:lnRef>
+              <a:fillRef idx="0">
+                <a:schemeClr val="dk1"/>
+              </a:fillRef>
+              <a:effectRef idx="0">
+                <a:schemeClr val="dk1"/>
+              </a:effectRef>
+              <a:fontRef idx="minor">
+                <a:schemeClr val="tx1"/>
+              </a:fontRef>
+            </p:style>
+          </p:cxnSp>
+          <p:cxnSp>
+            <p:nvCxnSpPr>
+              <p:cNvPr id="269" name="直線コネクタ 268">
+                <a:extLst>
+                  <a:ext uri="{FF2B5EF4-FFF2-40B4-BE49-F238E27FC236}">
+                    <a16:creationId xmlns:a16="http://schemas.microsoft.com/office/drawing/2014/main" id="{5B51FD32-9FBF-4EBE-89D8-D86ECD8C4FC0}"/>
+                  </a:ext>
+                </a:extLst>
+              </p:cNvPr>
+              <p:cNvCxnSpPr/>
+              <p:nvPr/>
+            </p:nvCxnSpPr>
+            <p:spPr>
+              <a:xfrm>
+                <a:off x="1616965" y="3786808"/>
+                <a:ext cx="6281529" cy="0"/>
+              </a:xfrm>
+              <a:prstGeom prst="line">
+                <a:avLst/>
+              </a:prstGeom>
+              <a:ln>
+                <a:prstDash val="dash"/>
+              </a:ln>
+            </p:spPr>
+            <p:style>
+              <a:lnRef idx="1">
+                <a:schemeClr val="dk1"/>
+              </a:lnRef>
+              <a:fillRef idx="0">
+                <a:schemeClr val="dk1"/>
+              </a:fillRef>
+              <a:effectRef idx="0">
+                <a:schemeClr val="dk1"/>
+              </a:effectRef>
+              <a:fontRef idx="minor">
+                <a:schemeClr val="tx1"/>
+              </a:fontRef>
+            </p:style>
+          </p:cxnSp>
+          <p:cxnSp>
+            <p:nvCxnSpPr>
+              <p:cNvPr id="270" name="直線コネクタ 269">
+                <a:extLst>
+                  <a:ext uri="{FF2B5EF4-FFF2-40B4-BE49-F238E27FC236}">
+                    <a16:creationId xmlns:a16="http://schemas.microsoft.com/office/drawing/2014/main" id="{AA481787-0342-42F8-82C7-97E5AAC2A162}"/>
+                  </a:ext>
+                </a:extLst>
+              </p:cNvPr>
+              <p:cNvCxnSpPr/>
+              <p:nvPr/>
+            </p:nvCxnSpPr>
+            <p:spPr>
+              <a:xfrm>
+                <a:off x="1620280" y="5787888"/>
+                <a:ext cx="6281529" cy="0"/>
+              </a:xfrm>
+              <a:prstGeom prst="line">
+                <a:avLst/>
+              </a:prstGeom>
+              <a:ln>
+                <a:prstDash val="dash"/>
+              </a:ln>
+            </p:spPr>
+            <p:style>
+              <a:lnRef idx="1">
+                <a:schemeClr val="dk1"/>
+              </a:lnRef>
+              <a:fillRef idx="0">
+                <a:schemeClr val="dk1"/>
+              </a:fillRef>
+              <a:effectRef idx="0">
+                <a:schemeClr val="dk1"/>
+              </a:effectRef>
+              <a:fontRef idx="minor">
+                <a:schemeClr val="tx1"/>
+              </a:fontRef>
+            </p:style>
+          </p:cxnSp>
+          <p:cxnSp>
+            <p:nvCxnSpPr>
+              <p:cNvPr id="271" name="直線コネクタ 270">
+                <a:extLst>
+                  <a:ext uri="{FF2B5EF4-FFF2-40B4-BE49-F238E27FC236}">
+                    <a16:creationId xmlns:a16="http://schemas.microsoft.com/office/drawing/2014/main" id="{71D1BF02-92B5-407D-B1A5-EAAFA53836BF}"/>
+                  </a:ext>
+                </a:extLst>
+              </p:cNvPr>
+              <p:cNvCxnSpPr/>
+              <p:nvPr/>
+            </p:nvCxnSpPr>
+            <p:spPr>
+              <a:xfrm>
+                <a:off x="1626904" y="4607373"/>
+                <a:ext cx="0" cy="665921"/>
+              </a:xfrm>
+              <a:prstGeom prst="line">
+                <a:avLst/>
+              </a:prstGeom>
+              <a:ln>
+                <a:solidFill>
+                  <a:schemeClr val="tx1"/>
+                </a:solidFill>
+                <a:prstDash val="dash"/>
+              </a:ln>
+            </p:spPr>
+            <p:style>
+              <a:lnRef idx="1">
+                <a:schemeClr val="dk1"/>
+              </a:lnRef>
+              <a:fillRef idx="0">
+                <a:schemeClr val="dk1"/>
+              </a:fillRef>
+              <a:effectRef idx="0">
+                <a:schemeClr val="dk1"/>
+              </a:effectRef>
+              <a:fontRef idx="minor">
+                <a:schemeClr val="tx1"/>
+              </a:fontRef>
+            </p:style>
+          </p:cxnSp>
+        </p:grpSp>
+        <p:sp>
+          <p:nvSpPr>
+            <p:cNvPr id="227" name="楕円 226">
+              <a:extLst>
+                <a:ext uri="{FF2B5EF4-FFF2-40B4-BE49-F238E27FC236}">
+                  <a16:creationId xmlns:a16="http://schemas.microsoft.com/office/drawing/2014/main" id="{889D8925-D639-48C2-B9FA-43A83FA1110B}"/>
+                </a:ext>
+              </a:extLst>
+            </p:cNvPr>
+            <p:cNvSpPr/>
+            <p:nvPr/>
+          </p:nvSpPr>
+          <p:spPr>
+            <a:xfrm>
+              <a:off x="1716343" y="4301534"/>
+              <a:ext cx="36000" cy="36000"/>
+            </a:xfrm>
+            <a:prstGeom prst="ellipse">
+              <a:avLst/>
+            </a:prstGeom>
+          </p:spPr>
+          <p:style>
+            <a:lnRef idx="2">
+              <a:schemeClr val="dk1">
+                <a:shade val="50000"/>
+              </a:schemeClr>
+            </a:lnRef>
+            <a:fillRef idx="1">
+              <a:schemeClr val="dk1"/>
+            </a:fillRef>
+            <a:effectRef idx="0">
+              <a:schemeClr val="dk1"/>
+            </a:effectRef>
+            <a:fontRef idx="minor">
+              <a:schemeClr val="lt1"/>
+            </a:fontRef>
+          </p:style>
+          <p:txBody>
+            <a:bodyPr rtlCol="0" anchor="ctr"/>
+            <a:lstStyle/>
+            <a:p>
+              <a:pPr algn="ctr"/>
+              <a:endParaRPr kumimoji="1" lang="ja-JP" altLang="en-US"/>
+            </a:p>
+          </p:txBody>
+        </p:sp>
+        <p:sp>
+          <p:nvSpPr>
+            <p:cNvPr id="230" name="楕円 229">
+              <a:extLst>
+                <a:ext uri="{FF2B5EF4-FFF2-40B4-BE49-F238E27FC236}">
+                  <a16:creationId xmlns:a16="http://schemas.microsoft.com/office/drawing/2014/main" id="{72D48B25-0A92-4DD0-889D-CD51B8CD494A}"/>
+                </a:ext>
+              </a:extLst>
+            </p:cNvPr>
+            <p:cNvSpPr/>
+            <p:nvPr/>
+          </p:nvSpPr>
+          <p:spPr>
+            <a:xfrm>
+              <a:off x="1652404" y="4519976"/>
+              <a:ext cx="36000" cy="36000"/>
+            </a:xfrm>
+            <a:prstGeom prst="ellipse">
+              <a:avLst/>
+            </a:prstGeom>
+          </p:spPr>
+          <p:style>
+            <a:lnRef idx="2">
+              <a:schemeClr val="dk1">
+                <a:shade val="50000"/>
+              </a:schemeClr>
+            </a:lnRef>
+            <a:fillRef idx="1">
+              <a:schemeClr val="dk1"/>
+            </a:fillRef>
+            <a:effectRef idx="0">
+              <a:schemeClr val="dk1"/>
+            </a:effectRef>
+            <a:fontRef idx="minor">
+              <a:schemeClr val="lt1"/>
+            </a:fontRef>
+          </p:style>
+          <p:txBody>
+            <a:bodyPr rtlCol="0" anchor="ctr"/>
+            <a:lstStyle/>
+            <a:p>
+              <a:pPr algn="ctr"/>
+              <a:endParaRPr kumimoji="1" lang="ja-JP" altLang="en-US"/>
+            </a:p>
+          </p:txBody>
+        </p:sp>
+        <p:sp>
+          <p:nvSpPr>
+            <p:cNvPr id="233" name="楕円 232">
+              <a:extLst>
+                <a:ext uri="{FF2B5EF4-FFF2-40B4-BE49-F238E27FC236}">
+                  <a16:creationId xmlns:a16="http://schemas.microsoft.com/office/drawing/2014/main" id="{FEA31928-56F5-4566-87D8-5C520D4DE4A5}"/>
+                </a:ext>
+              </a:extLst>
+            </p:cNvPr>
+            <p:cNvSpPr/>
+            <p:nvPr/>
+          </p:nvSpPr>
+          <p:spPr>
+            <a:xfrm>
+              <a:off x="1598404" y="4718885"/>
+              <a:ext cx="36000" cy="36000"/>
+            </a:xfrm>
+            <a:prstGeom prst="ellipse">
+              <a:avLst/>
+            </a:prstGeom>
+          </p:spPr>
+          <p:style>
+            <a:lnRef idx="2">
+              <a:schemeClr val="dk1">
+                <a:shade val="50000"/>
+              </a:schemeClr>
+            </a:lnRef>
+            <a:fillRef idx="1">
+              <a:schemeClr val="dk1"/>
+            </a:fillRef>
+            <a:effectRef idx="0">
+              <a:schemeClr val="dk1"/>
+            </a:effectRef>
+            <a:fontRef idx="minor">
+              <a:schemeClr val="lt1"/>
+            </a:fontRef>
+          </p:style>
+          <p:txBody>
+            <a:bodyPr rtlCol="0" anchor="ctr"/>
+            <a:lstStyle/>
+            <a:p>
+              <a:pPr algn="ctr"/>
+              <a:endParaRPr kumimoji="1" lang="ja-JP" altLang="en-US"/>
+            </a:p>
+          </p:txBody>
+        </p:sp>
+        <p:sp>
+          <p:nvSpPr>
+            <p:cNvPr id="234" name="楕円 233">
+              <a:extLst>
+                <a:ext uri="{FF2B5EF4-FFF2-40B4-BE49-F238E27FC236}">
+                  <a16:creationId xmlns:a16="http://schemas.microsoft.com/office/drawing/2014/main" id="{D9C7B640-9527-4CD8-A6C3-548763270A8E}"/>
+                </a:ext>
+              </a:extLst>
+            </p:cNvPr>
+            <p:cNvSpPr/>
+            <p:nvPr/>
+          </p:nvSpPr>
+          <p:spPr>
+            <a:xfrm>
+              <a:off x="1623323" y="4771696"/>
+              <a:ext cx="36000" cy="36000"/>
+            </a:xfrm>
+            <a:prstGeom prst="ellipse">
+              <a:avLst/>
+            </a:prstGeom>
+          </p:spPr>
+          <p:style>
+            <a:lnRef idx="2">
+              <a:schemeClr val="dk1">
+                <a:shade val="50000"/>
+              </a:schemeClr>
+            </a:lnRef>
+            <a:fillRef idx="1">
+              <a:schemeClr val="dk1"/>
+            </a:fillRef>
+            <a:effectRef idx="0">
+              <a:schemeClr val="dk1"/>
+            </a:effectRef>
+            <a:fontRef idx="minor">
+              <a:schemeClr val="lt1"/>
+            </a:fontRef>
+          </p:style>
+          <p:txBody>
+            <a:bodyPr rtlCol="0" anchor="ctr"/>
+            <a:lstStyle/>
+            <a:p>
+              <a:pPr algn="ctr"/>
+              <a:endParaRPr kumimoji="1" lang="ja-JP" altLang="en-US"/>
+            </a:p>
+          </p:txBody>
+        </p:sp>
+        <p:sp>
+          <p:nvSpPr>
+            <p:cNvPr id="235" name="楕円 234">
+              <a:extLst>
+                <a:ext uri="{FF2B5EF4-FFF2-40B4-BE49-F238E27FC236}">
+                  <a16:creationId xmlns:a16="http://schemas.microsoft.com/office/drawing/2014/main" id="{23819831-8E06-470D-8C54-019ED859EC45}"/>
+                </a:ext>
+              </a:extLst>
+            </p:cNvPr>
+            <p:cNvSpPr/>
+            <p:nvPr/>
+          </p:nvSpPr>
+          <p:spPr>
+            <a:xfrm>
+              <a:off x="1434735" y="5391111"/>
+              <a:ext cx="36000" cy="36000"/>
+            </a:xfrm>
+            <a:prstGeom prst="ellipse">
+              <a:avLst/>
+            </a:prstGeom>
+          </p:spPr>
+          <p:style>
+            <a:lnRef idx="2">
+              <a:schemeClr val="dk1">
+                <a:shade val="50000"/>
+              </a:schemeClr>
+            </a:lnRef>
+            <a:fillRef idx="1">
+              <a:schemeClr val="dk1"/>
+            </a:fillRef>
+            <a:effectRef idx="0">
+              <a:schemeClr val="dk1"/>
+            </a:effectRef>
+            <a:fontRef idx="minor">
+              <a:schemeClr val="lt1"/>
+            </a:fontRef>
+          </p:style>
+          <p:txBody>
+            <a:bodyPr rtlCol="0" anchor="ctr"/>
+            <a:lstStyle/>
+            <a:p>
+              <a:pPr algn="ctr"/>
+              <a:endParaRPr kumimoji="1" lang="ja-JP" altLang="en-US"/>
+            </a:p>
+          </p:txBody>
+        </p:sp>
+        <p:sp>
+          <p:nvSpPr>
+            <p:cNvPr id="236" name="楕円 235">
+              <a:extLst>
+                <a:ext uri="{FF2B5EF4-FFF2-40B4-BE49-F238E27FC236}">
+                  <a16:creationId xmlns:a16="http://schemas.microsoft.com/office/drawing/2014/main" id="{46D6AE73-7B7C-4FB1-ADDC-EEE5EEEEB6D5}"/>
+                </a:ext>
+              </a:extLst>
+            </p:cNvPr>
+            <p:cNvSpPr/>
+            <p:nvPr/>
+          </p:nvSpPr>
+          <p:spPr>
+            <a:xfrm>
+              <a:off x="1461735" y="5484215"/>
+              <a:ext cx="36000" cy="36000"/>
+            </a:xfrm>
+            <a:prstGeom prst="ellipse">
+              <a:avLst/>
+            </a:prstGeom>
+          </p:spPr>
+          <p:style>
+            <a:lnRef idx="2">
+              <a:schemeClr val="dk1">
+                <a:shade val="50000"/>
+              </a:schemeClr>
+            </a:lnRef>
+            <a:fillRef idx="1">
+              <a:schemeClr val="dk1"/>
+            </a:fillRef>
+            <a:effectRef idx="0">
+              <a:schemeClr val="dk1"/>
+            </a:effectRef>
+            <a:fontRef idx="minor">
+              <a:schemeClr val="lt1"/>
+            </a:fontRef>
+          </p:style>
+          <p:txBody>
+            <a:bodyPr rtlCol="0" anchor="ctr"/>
+            <a:lstStyle/>
+            <a:p>
+              <a:pPr algn="ctr"/>
+              <a:endParaRPr kumimoji="1" lang="ja-JP" altLang="en-US"/>
+            </a:p>
+          </p:txBody>
+        </p:sp>
+        <p:sp>
+          <p:nvSpPr>
+            <p:cNvPr id="239" name="楕円 238">
+              <a:extLst>
+                <a:ext uri="{FF2B5EF4-FFF2-40B4-BE49-F238E27FC236}">
+                  <a16:creationId xmlns:a16="http://schemas.microsoft.com/office/drawing/2014/main" id="{FB9A3E5F-727F-4E60-B729-09322084C093}"/>
+                </a:ext>
+              </a:extLst>
+            </p:cNvPr>
+            <p:cNvSpPr/>
+            <p:nvPr/>
+          </p:nvSpPr>
+          <p:spPr>
+            <a:xfrm>
+              <a:off x="1372622" y="5623930"/>
+              <a:ext cx="36000" cy="36000"/>
+            </a:xfrm>
+            <a:prstGeom prst="ellipse">
+              <a:avLst/>
+            </a:prstGeom>
+          </p:spPr>
+          <p:style>
+            <a:lnRef idx="2">
+              <a:schemeClr val="dk1">
+                <a:shade val="50000"/>
+              </a:schemeClr>
+            </a:lnRef>
+            <a:fillRef idx="1">
+              <a:schemeClr val="dk1"/>
+            </a:fillRef>
+            <a:effectRef idx="0">
+              <a:schemeClr val="dk1"/>
+            </a:effectRef>
+            <a:fontRef idx="minor">
+              <a:schemeClr val="lt1"/>
+            </a:fontRef>
+          </p:style>
+          <p:txBody>
+            <a:bodyPr rtlCol="0" anchor="ctr"/>
+            <a:lstStyle/>
+            <a:p>
+              <a:pPr algn="ctr"/>
+              <a:endParaRPr kumimoji="1" lang="ja-JP" altLang="en-US"/>
+            </a:p>
+          </p:txBody>
+        </p:sp>
+        <p:sp>
+          <p:nvSpPr>
+            <p:cNvPr id="242" name="楕円 241">
+              <a:extLst>
+                <a:ext uri="{FF2B5EF4-FFF2-40B4-BE49-F238E27FC236}">
+                  <a16:creationId xmlns:a16="http://schemas.microsoft.com/office/drawing/2014/main" id="{340634CC-F83C-4046-B17A-FD32E171E44C}"/>
+                </a:ext>
+              </a:extLst>
+            </p:cNvPr>
+            <p:cNvSpPr/>
+            <p:nvPr/>
+          </p:nvSpPr>
+          <p:spPr>
+            <a:xfrm>
+              <a:off x="1318622" y="5862586"/>
+              <a:ext cx="36000" cy="36000"/>
+            </a:xfrm>
+            <a:prstGeom prst="ellipse">
+              <a:avLst/>
+            </a:prstGeom>
+          </p:spPr>
+          <p:style>
+            <a:lnRef idx="2">
+              <a:schemeClr val="dk1">
+                <a:shade val="50000"/>
+              </a:schemeClr>
+            </a:lnRef>
+            <a:fillRef idx="1">
+              <a:schemeClr val="dk1"/>
+            </a:fillRef>
+            <a:effectRef idx="0">
+              <a:schemeClr val="dk1"/>
+            </a:effectRef>
+            <a:fontRef idx="minor">
+              <a:schemeClr val="lt1"/>
+            </a:fontRef>
+          </p:style>
+          <p:txBody>
+            <a:bodyPr rtlCol="0" anchor="ctr"/>
+            <a:lstStyle/>
+            <a:p>
+              <a:pPr algn="ctr"/>
+              <a:endParaRPr kumimoji="1" lang="ja-JP" altLang="en-US"/>
+            </a:p>
+          </p:txBody>
+        </p:sp>
+        <p:sp>
+          <p:nvSpPr>
+            <p:cNvPr id="243" name="楕円 242">
+              <a:extLst>
+                <a:ext uri="{FF2B5EF4-FFF2-40B4-BE49-F238E27FC236}">
+                  <a16:creationId xmlns:a16="http://schemas.microsoft.com/office/drawing/2014/main" id="{BF93FD00-7E93-4BE2-AC20-8E8CEBFB58D1}"/>
+                </a:ext>
+              </a:extLst>
+            </p:cNvPr>
+            <p:cNvSpPr/>
+            <p:nvPr/>
+          </p:nvSpPr>
+          <p:spPr>
+            <a:xfrm>
+              <a:off x="2784205" y="4275490"/>
+              <a:ext cx="36000" cy="36000"/>
+            </a:xfrm>
+            <a:prstGeom prst="ellipse">
+              <a:avLst/>
+            </a:prstGeom>
+          </p:spPr>
+          <p:style>
+            <a:lnRef idx="2">
+              <a:schemeClr val="dk1">
+                <a:shade val="50000"/>
+              </a:schemeClr>
+            </a:lnRef>
+            <a:fillRef idx="1">
+              <a:schemeClr val="dk1"/>
+            </a:fillRef>
+            <a:effectRef idx="0">
+              <a:schemeClr val="dk1"/>
+            </a:effectRef>
+            <a:fontRef idx="minor">
+              <a:schemeClr val="lt1"/>
+            </a:fontRef>
+          </p:style>
+          <p:txBody>
+            <a:bodyPr rtlCol="0" anchor="ctr"/>
+            <a:lstStyle/>
+            <a:p>
+              <a:pPr algn="ctr"/>
+              <a:endParaRPr kumimoji="1" lang="ja-JP" altLang="en-US"/>
+            </a:p>
+          </p:txBody>
+        </p:sp>
+        <p:sp>
+          <p:nvSpPr>
+            <p:cNvPr id="246" name="楕円 245">
+              <a:extLst>
+                <a:ext uri="{FF2B5EF4-FFF2-40B4-BE49-F238E27FC236}">
+                  <a16:creationId xmlns:a16="http://schemas.microsoft.com/office/drawing/2014/main" id="{4A58CD9D-5631-4FCF-B4A7-6A710E08C5B9}"/>
+                </a:ext>
+              </a:extLst>
+            </p:cNvPr>
+            <p:cNvSpPr/>
+            <p:nvPr/>
+          </p:nvSpPr>
+          <p:spPr>
+            <a:xfrm>
+              <a:off x="2877210" y="4434162"/>
+              <a:ext cx="36000" cy="36000"/>
+            </a:xfrm>
+            <a:prstGeom prst="ellipse">
+              <a:avLst/>
+            </a:prstGeom>
+          </p:spPr>
+          <p:style>
+            <a:lnRef idx="2">
+              <a:schemeClr val="dk1">
+                <a:shade val="50000"/>
+              </a:schemeClr>
+            </a:lnRef>
+            <a:fillRef idx="1">
+              <a:schemeClr val="dk1"/>
+            </a:fillRef>
+            <a:effectRef idx="0">
+              <a:schemeClr val="dk1"/>
+            </a:effectRef>
+            <a:fontRef idx="minor">
+              <a:schemeClr val="lt1"/>
+            </a:fontRef>
+          </p:style>
+          <p:txBody>
+            <a:bodyPr rtlCol="0" anchor="ctr"/>
+            <a:lstStyle/>
+            <a:p>
+              <a:pPr algn="ctr"/>
+              <a:endParaRPr kumimoji="1" lang="ja-JP" altLang="en-US"/>
+            </a:p>
+          </p:txBody>
+        </p:sp>
+        <p:sp>
+          <p:nvSpPr>
+            <p:cNvPr id="247" name="楕円 246">
+              <a:extLst>
+                <a:ext uri="{FF2B5EF4-FFF2-40B4-BE49-F238E27FC236}">
+                  <a16:creationId xmlns:a16="http://schemas.microsoft.com/office/drawing/2014/main" id="{A7B44312-57F7-43D0-97D7-22863D74A100}"/>
+                </a:ext>
+              </a:extLst>
+            </p:cNvPr>
+            <p:cNvSpPr/>
+            <p:nvPr/>
+          </p:nvSpPr>
+          <p:spPr>
+            <a:xfrm>
+              <a:off x="2875023" y="4566871"/>
+              <a:ext cx="36000" cy="36000"/>
+            </a:xfrm>
+            <a:prstGeom prst="ellipse">
+              <a:avLst/>
+            </a:prstGeom>
+          </p:spPr>
+          <p:style>
+            <a:lnRef idx="2">
+              <a:schemeClr val="dk1">
+                <a:shade val="50000"/>
+              </a:schemeClr>
+            </a:lnRef>
+            <a:fillRef idx="1">
+              <a:schemeClr val="dk1"/>
+            </a:fillRef>
+            <a:effectRef idx="0">
+              <a:schemeClr val="dk1"/>
+            </a:effectRef>
+            <a:fontRef idx="minor">
+              <a:schemeClr val="lt1"/>
+            </a:fontRef>
+          </p:style>
+          <p:txBody>
+            <a:bodyPr rtlCol="0" anchor="ctr"/>
+            <a:lstStyle/>
+            <a:p>
+              <a:pPr algn="ctr"/>
+              <a:endParaRPr kumimoji="1" lang="ja-JP" altLang="en-US"/>
+            </a:p>
+          </p:txBody>
+        </p:sp>
+        <p:sp>
+          <p:nvSpPr>
+            <p:cNvPr id="250" name="楕円 249">
+              <a:extLst>
+                <a:ext uri="{FF2B5EF4-FFF2-40B4-BE49-F238E27FC236}">
+                  <a16:creationId xmlns:a16="http://schemas.microsoft.com/office/drawing/2014/main" id="{6EA883CA-9FE4-4959-80F4-08A85F28B747}"/>
+                </a:ext>
+              </a:extLst>
+            </p:cNvPr>
+            <p:cNvSpPr/>
+            <p:nvPr/>
+          </p:nvSpPr>
+          <p:spPr>
+            <a:xfrm>
+              <a:off x="2838205" y="4736924"/>
+              <a:ext cx="36000" cy="36000"/>
+            </a:xfrm>
+            <a:prstGeom prst="ellipse">
+              <a:avLst/>
+            </a:prstGeom>
+          </p:spPr>
+          <p:style>
+            <a:lnRef idx="2">
+              <a:schemeClr val="dk1">
+                <a:shade val="50000"/>
+              </a:schemeClr>
+            </a:lnRef>
+            <a:fillRef idx="1">
+              <a:schemeClr val="dk1"/>
+            </a:fillRef>
+            <a:effectRef idx="0">
+              <a:schemeClr val="dk1"/>
+            </a:effectRef>
+            <a:fontRef idx="minor">
+              <a:schemeClr val="lt1"/>
+            </a:fontRef>
+          </p:style>
+          <p:txBody>
+            <a:bodyPr rtlCol="0" anchor="ctr"/>
+            <a:lstStyle/>
+            <a:p>
+              <a:pPr algn="ctr"/>
+              <a:endParaRPr kumimoji="1" lang="ja-JP" altLang="en-US"/>
+            </a:p>
+          </p:txBody>
+        </p:sp>
+        <p:sp>
+          <p:nvSpPr>
+            <p:cNvPr id="251" name="楕円 250">
+              <a:extLst>
+                <a:ext uri="{FF2B5EF4-FFF2-40B4-BE49-F238E27FC236}">
+                  <a16:creationId xmlns:a16="http://schemas.microsoft.com/office/drawing/2014/main" id="{3EEB3879-C22F-48D8-8FEF-33902692CDC5}"/>
+                </a:ext>
+              </a:extLst>
+            </p:cNvPr>
+            <p:cNvSpPr/>
+            <p:nvPr/>
+          </p:nvSpPr>
+          <p:spPr>
+            <a:xfrm>
+              <a:off x="2956023" y="5404091"/>
+              <a:ext cx="36000" cy="36000"/>
+            </a:xfrm>
+            <a:prstGeom prst="ellipse">
+              <a:avLst/>
+            </a:prstGeom>
+          </p:spPr>
+          <p:style>
+            <a:lnRef idx="2">
+              <a:schemeClr val="dk1">
+                <a:shade val="50000"/>
+              </a:schemeClr>
+            </a:lnRef>
+            <a:fillRef idx="1">
+              <a:schemeClr val="dk1"/>
+            </a:fillRef>
+            <a:effectRef idx="0">
+              <a:schemeClr val="dk1"/>
+            </a:effectRef>
+            <a:fontRef idx="minor">
+              <a:schemeClr val="lt1"/>
+            </a:fontRef>
+          </p:style>
+          <p:txBody>
+            <a:bodyPr rtlCol="0" anchor="ctr"/>
+            <a:lstStyle/>
+            <a:p>
+              <a:pPr algn="ctr"/>
+              <a:endParaRPr kumimoji="1" lang="ja-JP" altLang="en-US"/>
+            </a:p>
+          </p:txBody>
+        </p:sp>
+        <p:sp>
+          <p:nvSpPr>
+            <p:cNvPr id="254" name="楕円 253">
+              <a:extLst>
+                <a:ext uri="{FF2B5EF4-FFF2-40B4-BE49-F238E27FC236}">
+                  <a16:creationId xmlns:a16="http://schemas.microsoft.com/office/drawing/2014/main" id="{221BED82-DB7E-48F1-82FF-6A07C81C2D35}"/>
+                </a:ext>
+              </a:extLst>
+            </p:cNvPr>
+            <p:cNvSpPr/>
+            <p:nvPr/>
+          </p:nvSpPr>
+          <p:spPr>
+            <a:xfrm>
+              <a:off x="2956023" y="5595149"/>
+              <a:ext cx="36000" cy="36000"/>
+            </a:xfrm>
+            <a:prstGeom prst="ellipse">
+              <a:avLst/>
+            </a:prstGeom>
+          </p:spPr>
+          <p:style>
+            <a:lnRef idx="2">
+              <a:schemeClr val="dk1">
+                <a:shade val="50000"/>
+              </a:schemeClr>
+            </a:lnRef>
+            <a:fillRef idx="1">
+              <a:schemeClr val="dk1"/>
+            </a:fillRef>
+            <a:effectRef idx="0">
+              <a:schemeClr val="dk1"/>
+            </a:effectRef>
+            <a:fontRef idx="minor">
+              <a:schemeClr val="lt1"/>
+            </a:fontRef>
+          </p:style>
+          <p:txBody>
+            <a:bodyPr rtlCol="0" anchor="ctr"/>
+            <a:lstStyle/>
+            <a:p>
+              <a:pPr algn="ctr"/>
+              <a:endParaRPr kumimoji="1" lang="ja-JP" altLang="en-US"/>
+            </a:p>
+          </p:txBody>
+        </p:sp>
+        <p:sp>
+          <p:nvSpPr>
+            <p:cNvPr id="257" name="楕円 256">
+              <a:extLst>
+                <a:ext uri="{FF2B5EF4-FFF2-40B4-BE49-F238E27FC236}">
+                  <a16:creationId xmlns:a16="http://schemas.microsoft.com/office/drawing/2014/main" id="{1C0E5280-C161-4064-94A7-2F57AB8DDE6E}"/>
+                </a:ext>
+              </a:extLst>
+            </p:cNvPr>
+            <p:cNvSpPr/>
+            <p:nvPr/>
+          </p:nvSpPr>
+          <p:spPr>
+            <a:xfrm>
+              <a:off x="3034059" y="5769789"/>
+              <a:ext cx="36000" cy="36000"/>
+            </a:xfrm>
+            <a:prstGeom prst="ellipse">
+              <a:avLst/>
+            </a:prstGeom>
+          </p:spPr>
+          <p:style>
+            <a:lnRef idx="2">
+              <a:schemeClr val="dk1">
+                <a:shade val="50000"/>
+              </a:schemeClr>
+            </a:lnRef>
+            <a:fillRef idx="1">
+              <a:schemeClr val="dk1"/>
+            </a:fillRef>
+            <a:effectRef idx="0">
+              <a:schemeClr val="dk1"/>
+            </a:effectRef>
+            <a:fontRef idx="minor">
+              <a:schemeClr val="lt1"/>
+            </a:fontRef>
+          </p:style>
+          <p:txBody>
+            <a:bodyPr rtlCol="0" anchor="ctr"/>
+            <a:lstStyle/>
+            <a:p>
+              <a:pPr algn="ctr"/>
+              <a:endParaRPr kumimoji="1" lang="ja-JP" altLang="en-US"/>
+            </a:p>
+          </p:txBody>
+        </p:sp>
+        <p:sp>
+          <p:nvSpPr>
+            <p:cNvPr id="259" name="楕円 258">
+              <a:extLst>
+                <a:ext uri="{FF2B5EF4-FFF2-40B4-BE49-F238E27FC236}">
+                  <a16:creationId xmlns:a16="http://schemas.microsoft.com/office/drawing/2014/main" id="{859EFAD1-B7BE-4A69-A00C-50BA3176163D}"/>
+                </a:ext>
+              </a:extLst>
+            </p:cNvPr>
+            <p:cNvSpPr/>
+            <p:nvPr/>
+          </p:nvSpPr>
+          <p:spPr>
+            <a:xfrm>
+              <a:off x="3034059" y="5887662"/>
+              <a:ext cx="36000" cy="36000"/>
+            </a:xfrm>
+            <a:prstGeom prst="ellipse">
+              <a:avLst/>
+            </a:prstGeom>
+          </p:spPr>
+          <p:style>
+            <a:lnRef idx="2">
+              <a:schemeClr val="dk1">
+                <a:shade val="50000"/>
+              </a:schemeClr>
+            </a:lnRef>
+            <a:fillRef idx="1">
+              <a:schemeClr val="dk1"/>
+            </a:fillRef>
+            <a:effectRef idx="0">
+              <a:schemeClr val="dk1"/>
+            </a:effectRef>
+            <a:fontRef idx="minor">
+              <a:schemeClr val="lt1"/>
+            </a:fontRef>
+          </p:style>
+          <p:txBody>
+            <a:bodyPr rtlCol="0" anchor="ctr"/>
+            <a:lstStyle/>
+            <a:p>
+              <a:pPr algn="ctr"/>
+              <a:endParaRPr kumimoji="1" lang="ja-JP" altLang="en-US"/>
+            </a:p>
+          </p:txBody>
+        </p:sp>
+        <p:sp>
+          <p:nvSpPr>
+            <p:cNvPr id="260" name="テキスト ボックス 259">
+              <a:extLst>
+                <a:ext uri="{FF2B5EF4-FFF2-40B4-BE49-F238E27FC236}">
+                  <a16:creationId xmlns:a16="http://schemas.microsoft.com/office/drawing/2014/main" id="{786B7E2B-07FE-49B1-AF8E-C88B133E4D0C}"/>
+                </a:ext>
+              </a:extLst>
+            </p:cNvPr>
+            <p:cNvSpPr txBox="1"/>
+            <p:nvPr/>
+          </p:nvSpPr>
+          <p:spPr>
+            <a:xfrm>
+              <a:off x="2811205" y="3662490"/>
+              <a:ext cx="1140056" cy="338554"/>
+            </a:xfrm>
+            <a:prstGeom prst="rect">
+              <a:avLst/>
+            </a:prstGeom>
+            <a:noFill/>
+          </p:spPr>
+          <p:txBody>
+            <a:bodyPr wrap="none" rtlCol="0">
+              <a:spAutoFit/>
+            </a:bodyPr>
+            <a:lstStyle/>
+            <a:p>
+              <a:r>
+                <a:rPr kumimoji="1" lang="ja-JP" altLang="en-US" sz="1600" dirty="0">
+                  <a:solidFill>
+                    <a:sysClr val="windowText" lastClr="000000"/>
+                  </a:solidFill>
+                </a:rPr>
+                <a:t>潜像核</a:t>
+              </a:r>
+              <a:r>
+                <a:rPr kumimoji="1" lang="en-US" altLang="ja-JP" sz="1600" dirty="0">
+                  <a:solidFill>
+                    <a:sysClr val="windowText" lastClr="000000"/>
+                  </a:solidFill>
+                </a:rPr>
+                <a:t>(</a:t>
+              </a:r>
+              <a:r>
+                <a:rPr kumimoji="1" lang="en-US" altLang="ja-JP" sz="1600" dirty="0">
+                  <a:solidFill>
+                    <a:srgbClr val="FF0000"/>
+                  </a:solidFill>
+                </a:rPr>
+                <a:t>Ag</a:t>
+              </a:r>
+              <a:r>
+                <a:rPr kumimoji="1" lang="en-US" altLang="ja-JP" sz="1600" dirty="0">
+                  <a:solidFill>
+                    <a:sysClr val="windowText" lastClr="000000"/>
+                  </a:solidFill>
+                </a:rPr>
+                <a:t>)</a:t>
+              </a:r>
+              <a:endParaRPr kumimoji="1" lang="ja-JP" altLang="en-US" sz="1600" dirty="0">
+                <a:solidFill>
+                  <a:sysClr val="windowText" lastClr="000000"/>
+                </a:solidFill>
+              </a:endParaRPr>
+            </a:p>
+          </p:txBody>
+        </p:sp>
+        <p:sp>
+          <p:nvSpPr>
+            <p:cNvPr id="261" name="テキスト ボックス 260">
+              <a:extLst>
+                <a:ext uri="{FF2B5EF4-FFF2-40B4-BE49-F238E27FC236}">
+                  <a16:creationId xmlns:a16="http://schemas.microsoft.com/office/drawing/2014/main" id="{165C35F5-8BB7-4CD0-9DFB-56CFF1906521}"/>
+                </a:ext>
+              </a:extLst>
+            </p:cNvPr>
+            <p:cNvSpPr txBox="1"/>
+            <p:nvPr/>
+          </p:nvSpPr>
+          <p:spPr>
+            <a:xfrm>
+              <a:off x="661318" y="4508981"/>
+              <a:ext cx="583814" cy="338554"/>
+            </a:xfrm>
+            <a:prstGeom prst="rect">
+              <a:avLst/>
+            </a:prstGeom>
+            <a:noFill/>
+          </p:spPr>
+          <p:txBody>
+            <a:bodyPr wrap="none" rtlCol="0">
+              <a:spAutoFit/>
+            </a:bodyPr>
+            <a:lstStyle/>
+            <a:p>
+              <a:r>
+                <a:rPr kumimoji="1" lang="en-US" altLang="ja-JP" sz="1600" dirty="0" err="1">
+                  <a:solidFill>
+                    <a:srgbClr val="FF0000"/>
+                  </a:solidFill>
+                </a:rPr>
+                <a:t>AgBr</a:t>
+              </a:r>
+              <a:endParaRPr kumimoji="1" lang="ja-JP" altLang="en-US" sz="1600" dirty="0">
+                <a:solidFill>
+                  <a:sysClr val="windowText" lastClr="000000"/>
+                </a:solidFill>
+              </a:endParaRPr>
+            </a:p>
+          </p:txBody>
+        </p:sp>
+      </p:grpSp>
+      <p:grpSp>
+        <p:nvGrpSpPr>
+          <p:cNvPr id="4" name="グループ化 3">
+            <a:extLst>
+              <a:ext uri="{FF2B5EF4-FFF2-40B4-BE49-F238E27FC236}">
+                <a16:creationId xmlns:a16="http://schemas.microsoft.com/office/drawing/2014/main" id="{18FE78E8-180B-41F9-B6D5-8684564D06F6}"/>
+              </a:ext>
+            </a:extLst>
+          </p:cNvPr>
+          <p:cNvGrpSpPr/>
+          <p:nvPr/>
+        </p:nvGrpSpPr>
+        <p:grpSpPr>
+          <a:xfrm>
+            <a:off x="4735207" y="3706005"/>
+            <a:ext cx="3653549" cy="2290130"/>
+            <a:chOff x="4735207" y="3706005"/>
+            <a:chExt cx="3653549" cy="2290130"/>
+          </a:xfrm>
+        </p:grpSpPr>
+        <p:grpSp>
+          <p:nvGrpSpPr>
+            <p:cNvPr id="273" name="グループ化 272">
+              <a:extLst>
+                <a:ext uri="{FF2B5EF4-FFF2-40B4-BE49-F238E27FC236}">
+                  <a16:creationId xmlns:a16="http://schemas.microsoft.com/office/drawing/2014/main" id="{7CDDDA6F-61BD-4201-AD02-186748DDBD50}"/>
+                </a:ext>
+              </a:extLst>
+            </p:cNvPr>
+            <p:cNvGrpSpPr/>
+            <p:nvPr/>
+          </p:nvGrpSpPr>
+          <p:grpSpPr>
+            <a:xfrm>
+              <a:off x="4735207" y="4015675"/>
+              <a:ext cx="3653549" cy="1980460"/>
+              <a:chOff x="782077" y="3110947"/>
+              <a:chExt cx="7119732" cy="3508506"/>
+            </a:xfrm>
+          </p:grpSpPr>
+          <p:sp>
+            <p:nvSpPr>
+              <p:cNvPr id="292" name="直方体 291">
+                <a:extLst>
+                  <a:ext uri="{FF2B5EF4-FFF2-40B4-BE49-F238E27FC236}">
+                    <a16:creationId xmlns:a16="http://schemas.microsoft.com/office/drawing/2014/main" id="{1C34AE69-5EA8-4966-ABF4-EEB97793DB34}"/>
+                  </a:ext>
+                </a:extLst>
+              </p:cNvPr>
+              <p:cNvSpPr/>
+              <p:nvPr/>
+            </p:nvSpPr>
+            <p:spPr>
+              <a:xfrm>
+                <a:off x="782077" y="5104331"/>
+                <a:ext cx="7116417" cy="1500809"/>
+              </a:xfrm>
+              <a:prstGeom prst="cube">
+                <a:avLst>
+                  <a:gd name="adj" fmla="val 55464"/>
+                </a:avLst>
+              </a:prstGeom>
+              <a:solidFill>
+                <a:schemeClr val="bg1">
+                  <a:lumMod val="85000"/>
+                </a:schemeClr>
+              </a:solidFill>
+              <a:ln>
+                <a:solidFill>
+                  <a:schemeClr val="tx1"/>
+                </a:solidFill>
+              </a:ln>
+            </p:spPr>
+            <p:style>
+              <a:lnRef idx="2">
+                <a:schemeClr val="accent1">
+                  <a:shade val="50000"/>
+                </a:schemeClr>
+              </a:lnRef>
+              <a:fillRef idx="1">
+                <a:schemeClr val="accent1"/>
+              </a:fillRef>
+              <a:effectRef idx="0">
+                <a:schemeClr val="accent1"/>
+              </a:effectRef>
+              <a:fontRef idx="minor">
+                <a:schemeClr val="lt1"/>
+              </a:fontRef>
+            </p:style>
+            <p:txBody>
+              <a:bodyPr rtlCol="0" anchor="ctr"/>
+              <a:lstStyle/>
+              <a:p>
+                <a:pPr algn="ctr"/>
+                <a:endParaRPr kumimoji="1" lang="ja-JP" altLang="en-US" dirty="0"/>
+              </a:p>
+            </p:txBody>
+          </p:sp>
+          <p:sp>
+            <p:nvSpPr>
+              <p:cNvPr id="293" name="直方体 292">
+                <a:extLst>
+                  <a:ext uri="{FF2B5EF4-FFF2-40B4-BE49-F238E27FC236}">
+                    <a16:creationId xmlns:a16="http://schemas.microsoft.com/office/drawing/2014/main" id="{33760854-F1AA-4E17-A228-EF57B654FF37}"/>
+                  </a:ext>
+                </a:extLst>
+              </p:cNvPr>
+              <p:cNvSpPr/>
+              <p:nvPr/>
+            </p:nvSpPr>
+            <p:spPr>
+              <a:xfrm>
+                <a:off x="782078" y="3772487"/>
+                <a:ext cx="7116417" cy="2171113"/>
+              </a:xfrm>
+              <a:prstGeom prst="cube">
+                <a:avLst>
+                  <a:gd name="adj" fmla="val 38497"/>
+                </a:avLst>
+              </a:prstGeom>
+              <a:solidFill>
+                <a:srgbClr val="00FFFF">
+                  <a:alpha val="20000"/>
+                </a:srgbClr>
+              </a:solidFill>
+              <a:ln>
+                <a:solidFill>
+                  <a:schemeClr val="tx1"/>
+                </a:solidFill>
+              </a:ln>
+            </p:spPr>
+            <p:style>
+              <a:lnRef idx="2">
+                <a:schemeClr val="accent1">
+                  <a:shade val="50000"/>
+                </a:schemeClr>
+              </a:lnRef>
+              <a:fillRef idx="1">
+                <a:schemeClr val="accent1"/>
+              </a:fillRef>
+              <a:effectRef idx="0">
+                <a:schemeClr val="accent1"/>
+              </a:effectRef>
+              <a:fontRef idx="minor">
+                <a:schemeClr val="lt1"/>
+              </a:fontRef>
+            </p:style>
+            <p:txBody>
+              <a:bodyPr rtlCol="0" anchor="ctr"/>
+              <a:lstStyle/>
+              <a:p>
+                <a:pPr algn="ctr"/>
+                <a:endParaRPr kumimoji="1" lang="ja-JP" altLang="en-US"/>
+              </a:p>
+            </p:txBody>
+          </p:sp>
+          <p:sp>
+            <p:nvSpPr>
+              <p:cNvPr id="294" name="直方体 293">
+                <a:extLst>
+                  <a:ext uri="{FF2B5EF4-FFF2-40B4-BE49-F238E27FC236}">
+                    <a16:creationId xmlns:a16="http://schemas.microsoft.com/office/drawing/2014/main" id="{9503E715-47F1-4853-A178-17F86E06C8DB}"/>
+                  </a:ext>
+                </a:extLst>
+              </p:cNvPr>
+              <p:cNvSpPr/>
+              <p:nvPr/>
+            </p:nvSpPr>
+            <p:spPr>
+              <a:xfrm>
+                <a:off x="782078" y="3110947"/>
+                <a:ext cx="7116417" cy="1500809"/>
+              </a:xfrm>
+              <a:prstGeom prst="cube">
+                <a:avLst>
+                  <a:gd name="adj" fmla="val 55464"/>
+                </a:avLst>
+              </a:prstGeom>
+              <a:solidFill>
+                <a:schemeClr val="bg1">
+                  <a:lumMod val="85000"/>
+                </a:schemeClr>
+              </a:solidFill>
+              <a:ln>
+                <a:solidFill>
+                  <a:schemeClr val="tx1"/>
+                </a:solidFill>
+              </a:ln>
+            </p:spPr>
+            <p:style>
+              <a:lnRef idx="2">
+                <a:schemeClr val="accent1">
+                  <a:shade val="50000"/>
+                </a:schemeClr>
+              </a:lnRef>
+              <a:fillRef idx="1">
+                <a:schemeClr val="accent1"/>
+              </a:fillRef>
+              <a:effectRef idx="0">
+                <a:schemeClr val="accent1"/>
+              </a:effectRef>
+              <a:fontRef idx="minor">
+                <a:schemeClr val="lt1"/>
+              </a:fontRef>
+            </p:style>
+            <p:txBody>
+              <a:bodyPr rtlCol="0" anchor="ctr"/>
+              <a:lstStyle/>
+              <a:p>
+                <a:pPr algn="ctr"/>
+                <a:endParaRPr kumimoji="1" lang="ja-JP" altLang="en-US" dirty="0"/>
+              </a:p>
+            </p:txBody>
+          </p:sp>
+          <p:cxnSp>
+            <p:nvCxnSpPr>
+              <p:cNvPr id="295" name="直線コネクタ 294">
+                <a:extLst>
+                  <a:ext uri="{FF2B5EF4-FFF2-40B4-BE49-F238E27FC236}">
+                    <a16:creationId xmlns:a16="http://schemas.microsoft.com/office/drawing/2014/main" id="{293015FD-BC2B-47A9-8BAD-A1A08421D895}"/>
+                  </a:ext>
+                </a:extLst>
+              </p:cNvPr>
+              <p:cNvCxnSpPr/>
+              <p:nvPr/>
+            </p:nvCxnSpPr>
+            <p:spPr>
+              <a:xfrm>
+                <a:off x="1616965" y="3110947"/>
+                <a:ext cx="0" cy="665921"/>
+              </a:xfrm>
+              <a:prstGeom prst="line">
+                <a:avLst/>
+              </a:prstGeom>
+              <a:ln>
+                <a:solidFill>
+                  <a:schemeClr val="tx1"/>
+                </a:solidFill>
+                <a:prstDash val="dash"/>
+              </a:ln>
+            </p:spPr>
+            <p:style>
+              <a:lnRef idx="1">
+                <a:schemeClr val="dk1"/>
+              </a:lnRef>
+              <a:fillRef idx="0">
+                <a:schemeClr val="dk1"/>
+              </a:fillRef>
+              <a:effectRef idx="0">
+                <a:schemeClr val="dk1"/>
+              </a:effectRef>
+              <a:fontRef idx="minor">
+                <a:schemeClr val="tx1"/>
+              </a:fontRef>
+            </p:style>
+          </p:cxnSp>
+          <p:cxnSp>
+            <p:nvCxnSpPr>
+              <p:cNvPr id="296" name="直線コネクタ 295">
+                <a:extLst>
+                  <a:ext uri="{FF2B5EF4-FFF2-40B4-BE49-F238E27FC236}">
+                    <a16:creationId xmlns:a16="http://schemas.microsoft.com/office/drawing/2014/main" id="{F1E85908-68CB-4C9B-917A-DE7ED337D38A}"/>
+                  </a:ext>
+                </a:extLst>
+              </p:cNvPr>
+              <p:cNvCxnSpPr/>
+              <p:nvPr/>
+            </p:nvCxnSpPr>
+            <p:spPr>
+              <a:xfrm>
+                <a:off x="1626904" y="5104331"/>
+                <a:ext cx="0" cy="665921"/>
+              </a:xfrm>
+              <a:prstGeom prst="line">
+                <a:avLst/>
+              </a:prstGeom>
+              <a:ln>
+                <a:solidFill>
+                  <a:schemeClr val="tx1"/>
+                </a:solidFill>
+                <a:prstDash val="dash"/>
+              </a:ln>
+            </p:spPr>
+            <p:style>
+              <a:lnRef idx="1">
+                <a:schemeClr val="dk1"/>
+              </a:lnRef>
+              <a:fillRef idx="0">
+                <a:schemeClr val="dk1"/>
+              </a:fillRef>
+              <a:effectRef idx="0">
+                <a:schemeClr val="dk1"/>
+              </a:effectRef>
+              <a:fontRef idx="minor">
+                <a:schemeClr val="tx1"/>
+              </a:fontRef>
+            </p:style>
+          </p:cxnSp>
+          <p:cxnSp>
+            <p:nvCxnSpPr>
+              <p:cNvPr id="297" name="直線コネクタ 296">
+                <a:extLst>
+                  <a:ext uri="{FF2B5EF4-FFF2-40B4-BE49-F238E27FC236}">
+                    <a16:creationId xmlns:a16="http://schemas.microsoft.com/office/drawing/2014/main" id="{0D5648BA-74BA-4F8F-BA36-988A92F924DB}"/>
+                  </a:ext>
+                </a:extLst>
+              </p:cNvPr>
+              <p:cNvCxnSpPr/>
+              <p:nvPr/>
+            </p:nvCxnSpPr>
+            <p:spPr>
+              <a:xfrm flipH="1">
+                <a:off x="782077" y="3776864"/>
+                <a:ext cx="834888" cy="824949"/>
+              </a:xfrm>
+              <a:prstGeom prst="line">
+                <a:avLst/>
+              </a:prstGeom>
+              <a:ln>
+                <a:prstDash val="dash"/>
+              </a:ln>
+            </p:spPr>
+            <p:style>
+              <a:lnRef idx="1">
+                <a:schemeClr val="dk1"/>
+              </a:lnRef>
+              <a:fillRef idx="0">
+                <a:schemeClr val="dk1"/>
+              </a:fillRef>
+              <a:effectRef idx="0">
+                <a:schemeClr val="dk1"/>
+              </a:effectRef>
+              <a:fontRef idx="minor">
+                <a:schemeClr val="tx1"/>
+              </a:fontRef>
+            </p:style>
+          </p:cxnSp>
+          <p:cxnSp>
+            <p:nvCxnSpPr>
+              <p:cNvPr id="298" name="直線コネクタ 297">
+                <a:extLst>
+                  <a:ext uri="{FF2B5EF4-FFF2-40B4-BE49-F238E27FC236}">
+                    <a16:creationId xmlns:a16="http://schemas.microsoft.com/office/drawing/2014/main" id="{7CB918A0-AFDC-48DD-B18C-E3FC8B1FAC8B}"/>
+                  </a:ext>
+                </a:extLst>
+              </p:cNvPr>
+              <p:cNvCxnSpPr/>
+              <p:nvPr/>
+            </p:nvCxnSpPr>
+            <p:spPr>
+              <a:xfrm flipH="1">
+                <a:off x="782077" y="5794504"/>
+                <a:ext cx="834888" cy="824949"/>
+              </a:xfrm>
+              <a:prstGeom prst="line">
+                <a:avLst/>
+              </a:prstGeom>
+              <a:ln>
+                <a:prstDash val="dash"/>
+              </a:ln>
+            </p:spPr>
+            <p:style>
+              <a:lnRef idx="1">
+                <a:schemeClr val="dk1"/>
+              </a:lnRef>
+              <a:fillRef idx="0">
+                <a:schemeClr val="dk1"/>
+              </a:fillRef>
+              <a:effectRef idx="0">
+                <a:schemeClr val="dk1"/>
+              </a:effectRef>
+              <a:fontRef idx="minor">
+                <a:schemeClr val="tx1"/>
+              </a:fontRef>
+            </p:style>
+          </p:cxnSp>
+          <p:cxnSp>
+            <p:nvCxnSpPr>
+              <p:cNvPr id="299" name="直線コネクタ 298">
+                <a:extLst>
+                  <a:ext uri="{FF2B5EF4-FFF2-40B4-BE49-F238E27FC236}">
+                    <a16:creationId xmlns:a16="http://schemas.microsoft.com/office/drawing/2014/main" id="{D089F827-833A-452D-80F1-CE29CD59B5A6}"/>
+                  </a:ext>
+                </a:extLst>
+              </p:cNvPr>
+              <p:cNvCxnSpPr/>
+              <p:nvPr/>
+            </p:nvCxnSpPr>
+            <p:spPr>
+              <a:xfrm>
+                <a:off x="1616965" y="3786808"/>
+                <a:ext cx="6281529" cy="0"/>
+              </a:xfrm>
+              <a:prstGeom prst="line">
+                <a:avLst/>
+              </a:prstGeom>
+              <a:ln>
+                <a:prstDash val="dash"/>
+              </a:ln>
+            </p:spPr>
+            <p:style>
+              <a:lnRef idx="1">
+                <a:schemeClr val="dk1"/>
+              </a:lnRef>
+              <a:fillRef idx="0">
+                <a:schemeClr val="dk1"/>
+              </a:fillRef>
+              <a:effectRef idx="0">
+                <a:schemeClr val="dk1"/>
+              </a:effectRef>
+              <a:fontRef idx="minor">
+                <a:schemeClr val="tx1"/>
+              </a:fontRef>
+            </p:style>
+          </p:cxnSp>
+          <p:cxnSp>
+            <p:nvCxnSpPr>
+              <p:cNvPr id="300" name="直線コネクタ 299">
+                <a:extLst>
+                  <a:ext uri="{FF2B5EF4-FFF2-40B4-BE49-F238E27FC236}">
+                    <a16:creationId xmlns:a16="http://schemas.microsoft.com/office/drawing/2014/main" id="{3DFA1628-2F8F-4C7A-BF6C-48CCAA75BB82}"/>
+                  </a:ext>
+                </a:extLst>
+              </p:cNvPr>
+              <p:cNvCxnSpPr/>
+              <p:nvPr/>
+            </p:nvCxnSpPr>
+            <p:spPr>
+              <a:xfrm>
+                <a:off x="1620280" y="5787888"/>
+                <a:ext cx="6281529" cy="0"/>
+              </a:xfrm>
+              <a:prstGeom prst="line">
+                <a:avLst/>
+              </a:prstGeom>
+              <a:ln>
+                <a:prstDash val="dash"/>
+              </a:ln>
+            </p:spPr>
+            <p:style>
+              <a:lnRef idx="1">
+                <a:schemeClr val="dk1"/>
+              </a:lnRef>
+              <a:fillRef idx="0">
+                <a:schemeClr val="dk1"/>
+              </a:fillRef>
+              <a:effectRef idx="0">
+                <a:schemeClr val="dk1"/>
+              </a:effectRef>
+              <a:fontRef idx="minor">
+                <a:schemeClr val="tx1"/>
+              </a:fontRef>
+            </p:style>
+          </p:cxnSp>
+          <p:cxnSp>
+            <p:nvCxnSpPr>
+              <p:cNvPr id="301" name="直線コネクタ 300">
+                <a:extLst>
+                  <a:ext uri="{FF2B5EF4-FFF2-40B4-BE49-F238E27FC236}">
+                    <a16:creationId xmlns:a16="http://schemas.microsoft.com/office/drawing/2014/main" id="{AA68A302-6B25-4F61-AE94-6EFD5F31CB9E}"/>
+                  </a:ext>
+                </a:extLst>
+              </p:cNvPr>
+              <p:cNvCxnSpPr/>
+              <p:nvPr/>
+            </p:nvCxnSpPr>
+            <p:spPr>
+              <a:xfrm>
+                <a:off x="1626904" y="4607373"/>
+                <a:ext cx="0" cy="665921"/>
+              </a:xfrm>
+              <a:prstGeom prst="line">
+                <a:avLst/>
+              </a:prstGeom>
+              <a:ln>
+                <a:solidFill>
+                  <a:schemeClr val="tx1"/>
+                </a:solidFill>
+                <a:prstDash val="dash"/>
+              </a:ln>
+            </p:spPr>
+            <p:style>
+              <a:lnRef idx="1">
+                <a:schemeClr val="dk1"/>
+              </a:lnRef>
+              <a:fillRef idx="0">
+                <a:schemeClr val="dk1"/>
+              </a:fillRef>
+              <a:effectRef idx="0">
+                <a:schemeClr val="dk1"/>
+              </a:effectRef>
+              <a:fontRef idx="minor">
+                <a:schemeClr val="tx1"/>
+              </a:fontRef>
+            </p:style>
+          </p:cxnSp>
+        </p:grpSp>
+        <p:sp>
+          <p:nvSpPr>
+            <p:cNvPr id="274" name="楕円 273">
+              <a:extLst>
+                <a:ext uri="{FF2B5EF4-FFF2-40B4-BE49-F238E27FC236}">
+                  <a16:creationId xmlns:a16="http://schemas.microsoft.com/office/drawing/2014/main" id="{8E1DBBEC-85A4-4942-813D-60AA88131846}"/>
+                </a:ext>
+              </a:extLst>
+            </p:cNvPr>
+            <p:cNvSpPr/>
+            <p:nvPr/>
+          </p:nvSpPr>
+          <p:spPr>
+            <a:xfrm>
+              <a:off x="5994262" y="4345049"/>
+              <a:ext cx="54000" cy="54000"/>
+            </a:xfrm>
+            <a:prstGeom prst="ellipse">
+              <a:avLst/>
+            </a:prstGeom>
+          </p:spPr>
+          <p:style>
+            <a:lnRef idx="2">
+              <a:schemeClr val="dk1">
+                <a:shade val="50000"/>
+              </a:schemeClr>
+            </a:lnRef>
+            <a:fillRef idx="1">
+              <a:schemeClr val="dk1"/>
+            </a:fillRef>
+            <a:effectRef idx="0">
+              <a:schemeClr val="dk1"/>
+            </a:effectRef>
+            <a:fontRef idx="minor">
+              <a:schemeClr val="lt1"/>
+            </a:fontRef>
+          </p:style>
+          <p:txBody>
+            <a:bodyPr rtlCol="0" anchor="ctr"/>
+            <a:lstStyle/>
+            <a:p>
+              <a:pPr algn="ctr"/>
+              <a:endParaRPr kumimoji="1" lang="ja-JP" altLang="en-US"/>
+            </a:p>
+          </p:txBody>
+        </p:sp>
+        <p:sp>
+          <p:nvSpPr>
+            <p:cNvPr id="275" name="楕円 274">
+              <a:extLst>
+                <a:ext uri="{FF2B5EF4-FFF2-40B4-BE49-F238E27FC236}">
+                  <a16:creationId xmlns:a16="http://schemas.microsoft.com/office/drawing/2014/main" id="{533E11A2-F5D5-4827-A6A9-F323B2E20DC4}"/>
+                </a:ext>
+              </a:extLst>
+            </p:cNvPr>
+            <p:cNvSpPr/>
+            <p:nvPr/>
+          </p:nvSpPr>
+          <p:spPr>
+            <a:xfrm>
+              <a:off x="5930323" y="4563491"/>
+              <a:ext cx="54000" cy="54000"/>
+            </a:xfrm>
+            <a:prstGeom prst="ellipse">
+              <a:avLst/>
+            </a:prstGeom>
+          </p:spPr>
+          <p:style>
+            <a:lnRef idx="2">
+              <a:schemeClr val="dk1">
+                <a:shade val="50000"/>
+              </a:schemeClr>
+            </a:lnRef>
+            <a:fillRef idx="1">
+              <a:schemeClr val="dk1"/>
+            </a:fillRef>
+            <a:effectRef idx="0">
+              <a:schemeClr val="dk1"/>
+            </a:effectRef>
+            <a:fontRef idx="minor">
+              <a:schemeClr val="lt1"/>
+            </a:fontRef>
+          </p:style>
+          <p:txBody>
+            <a:bodyPr rtlCol="0" anchor="ctr"/>
+            <a:lstStyle/>
+            <a:p>
+              <a:pPr algn="ctr"/>
+              <a:endParaRPr kumimoji="1" lang="ja-JP" altLang="en-US"/>
+            </a:p>
+          </p:txBody>
+        </p:sp>
+        <p:sp>
+          <p:nvSpPr>
+            <p:cNvPr id="276" name="楕円 275">
+              <a:extLst>
+                <a:ext uri="{FF2B5EF4-FFF2-40B4-BE49-F238E27FC236}">
+                  <a16:creationId xmlns:a16="http://schemas.microsoft.com/office/drawing/2014/main" id="{294BD061-907A-4949-89C7-2B2D975EF173}"/>
+                </a:ext>
+              </a:extLst>
+            </p:cNvPr>
+            <p:cNvSpPr/>
+            <p:nvPr/>
+          </p:nvSpPr>
+          <p:spPr>
+            <a:xfrm>
+              <a:off x="5876323" y="4762400"/>
+              <a:ext cx="54000" cy="54000"/>
+            </a:xfrm>
+            <a:prstGeom prst="ellipse">
+              <a:avLst/>
+            </a:prstGeom>
+          </p:spPr>
+          <p:style>
+            <a:lnRef idx="2">
+              <a:schemeClr val="dk1">
+                <a:shade val="50000"/>
+              </a:schemeClr>
+            </a:lnRef>
+            <a:fillRef idx="1">
+              <a:schemeClr val="dk1"/>
+            </a:fillRef>
+            <a:effectRef idx="0">
+              <a:schemeClr val="dk1"/>
+            </a:effectRef>
+            <a:fontRef idx="minor">
+              <a:schemeClr val="lt1"/>
+            </a:fontRef>
+          </p:style>
+          <p:txBody>
+            <a:bodyPr rtlCol="0" anchor="ctr"/>
+            <a:lstStyle/>
+            <a:p>
+              <a:pPr algn="ctr"/>
+              <a:endParaRPr kumimoji="1" lang="ja-JP" altLang="en-US"/>
+            </a:p>
+          </p:txBody>
+        </p:sp>
+        <p:sp>
+          <p:nvSpPr>
+            <p:cNvPr id="277" name="楕円 276">
+              <a:extLst>
+                <a:ext uri="{FF2B5EF4-FFF2-40B4-BE49-F238E27FC236}">
+                  <a16:creationId xmlns:a16="http://schemas.microsoft.com/office/drawing/2014/main" id="{DB3E9CBB-E19E-482A-8DA2-2DFC02C233A3}"/>
+                </a:ext>
+              </a:extLst>
+            </p:cNvPr>
+            <p:cNvSpPr/>
+            <p:nvPr/>
+          </p:nvSpPr>
+          <p:spPr>
+            <a:xfrm>
+              <a:off x="5901242" y="4815211"/>
+              <a:ext cx="54000" cy="54000"/>
+            </a:xfrm>
+            <a:prstGeom prst="ellipse">
+              <a:avLst/>
+            </a:prstGeom>
+          </p:spPr>
+          <p:style>
+            <a:lnRef idx="2">
+              <a:schemeClr val="dk1">
+                <a:shade val="50000"/>
+              </a:schemeClr>
+            </a:lnRef>
+            <a:fillRef idx="1">
+              <a:schemeClr val="dk1"/>
+            </a:fillRef>
+            <a:effectRef idx="0">
+              <a:schemeClr val="dk1"/>
+            </a:effectRef>
+            <a:fontRef idx="minor">
+              <a:schemeClr val="lt1"/>
+            </a:fontRef>
+          </p:style>
+          <p:txBody>
+            <a:bodyPr rtlCol="0" anchor="ctr"/>
+            <a:lstStyle/>
+            <a:p>
+              <a:pPr algn="ctr"/>
+              <a:endParaRPr kumimoji="1" lang="ja-JP" altLang="en-US"/>
+            </a:p>
+          </p:txBody>
+        </p:sp>
+        <p:sp>
+          <p:nvSpPr>
+            <p:cNvPr id="278" name="楕円 277">
+              <a:extLst>
+                <a:ext uri="{FF2B5EF4-FFF2-40B4-BE49-F238E27FC236}">
+                  <a16:creationId xmlns:a16="http://schemas.microsoft.com/office/drawing/2014/main" id="{215A2CEC-225B-427E-B312-CFD91CA3673A}"/>
+                </a:ext>
+              </a:extLst>
+            </p:cNvPr>
+            <p:cNvSpPr/>
+            <p:nvPr/>
+          </p:nvSpPr>
+          <p:spPr>
+            <a:xfrm>
+              <a:off x="5712654" y="5434626"/>
+              <a:ext cx="54000" cy="54000"/>
+            </a:xfrm>
+            <a:prstGeom prst="ellipse">
+              <a:avLst/>
+            </a:prstGeom>
+          </p:spPr>
+          <p:style>
+            <a:lnRef idx="2">
+              <a:schemeClr val="dk1">
+                <a:shade val="50000"/>
+              </a:schemeClr>
+            </a:lnRef>
+            <a:fillRef idx="1">
+              <a:schemeClr val="dk1"/>
+            </a:fillRef>
+            <a:effectRef idx="0">
+              <a:schemeClr val="dk1"/>
+            </a:effectRef>
+            <a:fontRef idx="minor">
+              <a:schemeClr val="lt1"/>
+            </a:fontRef>
+          </p:style>
+          <p:txBody>
+            <a:bodyPr rtlCol="0" anchor="ctr"/>
+            <a:lstStyle/>
+            <a:p>
+              <a:pPr algn="ctr"/>
+              <a:endParaRPr kumimoji="1" lang="ja-JP" altLang="en-US"/>
+            </a:p>
+          </p:txBody>
+        </p:sp>
+        <p:sp>
+          <p:nvSpPr>
+            <p:cNvPr id="279" name="楕円 278">
+              <a:extLst>
+                <a:ext uri="{FF2B5EF4-FFF2-40B4-BE49-F238E27FC236}">
+                  <a16:creationId xmlns:a16="http://schemas.microsoft.com/office/drawing/2014/main" id="{CD0EDBFB-9F61-4CF6-915B-9652D3FECE4A}"/>
+                </a:ext>
+              </a:extLst>
+            </p:cNvPr>
+            <p:cNvSpPr/>
+            <p:nvPr/>
+          </p:nvSpPr>
+          <p:spPr>
+            <a:xfrm>
+              <a:off x="5739654" y="5527730"/>
+              <a:ext cx="54000" cy="54000"/>
+            </a:xfrm>
+            <a:prstGeom prst="ellipse">
+              <a:avLst/>
+            </a:prstGeom>
+          </p:spPr>
+          <p:style>
+            <a:lnRef idx="2">
+              <a:schemeClr val="dk1">
+                <a:shade val="50000"/>
+              </a:schemeClr>
+            </a:lnRef>
+            <a:fillRef idx="1">
+              <a:schemeClr val="dk1"/>
+            </a:fillRef>
+            <a:effectRef idx="0">
+              <a:schemeClr val="dk1"/>
+            </a:effectRef>
+            <a:fontRef idx="minor">
+              <a:schemeClr val="lt1"/>
+            </a:fontRef>
+          </p:style>
+          <p:txBody>
+            <a:bodyPr rtlCol="0" anchor="ctr"/>
+            <a:lstStyle/>
+            <a:p>
+              <a:pPr algn="ctr"/>
+              <a:endParaRPr kumimoji="1" lang="ja-JP" altLang="en-US"/>
+            </a:p>
+          </p:txBody>
+        </p:sp>
+        <p:sp>
+          <p:nvSpPr>
+            <p:cNvPr id="280" name="楕円 279">
+              <a:extLst>
+                <a:ext uri="{FF2B5EF4-FFF2-40B4-BE49-F238E27FC236}">
+                  <a16:creationId xmlns:a16="http://schemas.microsoft.com/office/drawing/2014/main" id="{B0AF0167-5321-4354-9055-B444358813BC}"/>
+                </a:ext>
+              </a:extLst>
+            </p:cNvPr>
+            <p:cNvSpPr/>
+            <p:nvPr/>
+          </p:nvSpPr>
+          <p:spPr>
+            <a:xfrm>
+              <a:off x="5650541" y="5667445"/>
+              <a:ext cx="54000" cy="54000"/>
+            </a:xfrm>
+            <a:prstGeom prst="ellipse">
+              <a:avLst/>
+            </a:prstGeom>
+          </p:spPr>
+          <p:style>
+            <a:lnRef idx="2">
+              <a:schemeClr val="dk1">
+                <a:shade val="50000"/>
+              </a:schemeClr>
+            </a:lnRef>
+            <a:fillRef idx="1">
+              <a:schemeClr val="dk1"/>
+            </a:fillRef>
+            <a:effectRef idx="0">
+              <a:schemeClr val="dk1"/>
+            </a:effectRef>
+            <a:fontRef idx="minor">
+              <a:schemeClr val="lt1"/>
+            </a:fontRef>
+          </p:style>
+          <p:txBody>
+            <a:bodyPr rtlCol="0" anchor="ctr"/>
+            <a:lstStyle/>
+            <a:p>
+              <a:pPr algn="ctr"/>
+              <a:endParaRPr kumimoji="1" lang="ja-JP" altLang="en-US"/>
+            </a:p>
+          </p:txBody>
+        </p:sp>
+        <p:sp>
+          <p:nvSpPr>
+            <p:cNvPr id="281" name="楕円 280">
+              <a:extLst>
+                <a:ext uri="{FF2B5EF4-FFF2-40B4-BE49-F238E27FC236}">
+                  <a16:creationId xmlns:a16="http://schemas.microsoft.com/office/drawing/2014/main" id="{A6EF4239-20E6-404F-BD08-92AABF808485}"/>
+                </a:ext>
+              </a:extLst>
+            </p:cNvPr>
+            <p:cNvSpPr/>
+            <p:nvPr/>
+          </p:nvSpPr>
+          <p:spPr>
+            <a:xfrm>
+              <a:off x="5596541" y="5906101"/>
+              <a:ext cx="54000" cy="54000"/>
+            </a:xfrm>
+            <a:prstGeom prst="ellipse">
+              <a:avLst/>
+            </a:prstGeom>
+          </p:spPr>
+          <p:style>
+            <a:lnRef idx="2">
+              <a:schemeClr val="dk1">
+                <a:shade val="50000"/>
+              </a:schemeClr>
+            </a:lnRef>
+            <a:fillRef idx="1">
+              <a:schemeClr val="dk1"/>
+            </a:fillRef>
+            <a:effectRef idx="0">
+              <a:schemeClr val="dk1"/>
+            </a:effectRef>
+            <a:fontRef idx="minor">
+              <a:schemeClr val="lt1"/>
+            </a:fontRef>
+          </p:style>
+          <p:txBody>
+            <a:bodyPr rtlCol="0" anchor="ctr"/>
+            <a:lstStyle/>
+            <a:p>
+              <a:pPr algn="ctr"/>
+              <a:endParaRPr kumimoji="1" lang="ja-JP" altLang="en-US"/>
+            </a:p>
+          </p:txBody>
+        </p:sp>
+        <p:sp>
+          <p:nvSpPr>
+            <p:cNvPr id="282" name="楕円 281">
+              <a:extLst>
+                <a:ext uri="{FF2B5EF4-FFF2-40B4-BE49-F238E27FC236}">
+                  <a16:creationId xmlns:a16="http://schemas.microsoft.com/office/drawing/2014/main" id="{6985C43E-3DBC-456A-AB27-2383CB2E9461}"/>
+                </a:ext>
+              </a:extLst>
+            </p:cNvPr>
+            <p:cNvSpPr/>
+            <p:nvPr/>
+          </p:nvSpPr>
+          <p:spPr>
+            <a:xfrm>
+              <a:off x="7062124" y="4319005"/>
+              <a:ext cx="54000" cy="54000"/>
+            </a:xfrm>
+            <a:prstGeom prst="ellipse">
+              <a:avLst/>
+            </a:prstGeom>
+          </p:spPr>
+          <p:style>
+            <a:lnRef idx="2">
+              <a:schemeClr val="dk1">
+                <a:shade val="50000"/>
+              </a:schemeClr>
+            </a:lnRef>
+            <a:fillRef idx="1">
+              <a:schemeClr val="dk1"/>
+            </a:fillRef>
+            <a:effectRef idx="0">
+              <a:schemeClr val="dk1"/>
+            </a:effectRef>
+            <a:fontRef idx="minor">
+              <a:schemeClr val="lt1"/>
+            </a:fontRef>
+          </p:style>
+          <p:txBody>
+            <a:bodyPr rtlCol="0" anchor="ctr"/>
+            <a:lstStyle/>
+            <a:p>
+              <a:pPr algn="ctr"/>
+              <a:endParaRPr kumimoji="1" lang="ja-JP" altLang="en-US"/>
+            </a:p>
+          </p:txBody>
+        </p:sp>
+        <p:sp>
+          <p:nvSpPr>
+            <p:cNvPr id="283" name="楕円 282">
+              <a:extLst>
+                <a:ext uri="{FF2B5EF4-FFF2-40B4-BE49-F238E27FC236}">
+                  <a16:creationId xmlns:a16="http://schemas.microsoft.com/office/drawing/2014/main" id="{04456412-585E-4C6F-A917-0682E10648EF}"/>
+                </a:ext>
+              </a:extLst>
+            </p:cNvPr>
+            <p:cNvSpPr/>
+            <p:nvPr/>
+          </p:nvSpPr>
+          <p:spPr>
+            <a:xfrm>
+              <a:off x="7155129" y="4477677"/>
+              <a:ext cx="54000" cy="54000"/>
+            </a:xfrm>
+            <a:prstGeom prst="ellipse">
+              <a:avLst/>
+            </a:prstGeom>
+          </p:spPr>
+          <p:style>
+            <a:lnRef idx="2">
+              <a:schemeClr val="dk1">
+                <a:shade val="50000"/>
+              </a:schemeClr>
+            </a:lnRef>
+            <a:fillRef idx="1">
+              <a:schemeClr val="dk1"/>
+            </a:fillRef>
+            <a:effectRef idx="0">
+              <a:schemeClr val="dk1"/>
+            </a:effectRef>
+            <a:fontRef idx="minor">
+              <a:schemeClr val="lt1"/>
+            </a:fontRef>
+          </p:style>
+          <p:txBody>
+            <a:bodyPr rtlCol="0" anchor="ctr"/>
+            <a:lstStyle/>
+            <a:p>
+              <a:pPr algn="ctr"/>
+              <a:endParaRPr kumimoji="1" lang="ja-JP" altLang="en-US"/>
+            </a:p>
+          </p:txBody>
+        </p:sp>
+        <p:sp>
+          <p:nvSpPr>
+            <p:cNvPr id="284" name="楕円 283">
+              <a:extLst>
+                <a:ext uri="{FF2B5EF4-FFF2-40B4-BE49-F238E27FC236}">
+                  <a16:creationId xmlns:a16="http://schemas.microsoft.com/office/drawing/2014/main" id="{709B090E-C780-445E-889B-149EA78E412B}"/>
+                </a:ext>
+              </a:extLst>
+            </p:cNvPr>
+            <p:cNvSpPr/>
+            <p:nvPr/>
+          </p:nvSpPr>
+          <p:spPr>
+            <a:xfrm>
+              <a:off x="7152942" y="4610386"/>
+              <a:ext cx="54000" cy="54000"/>
+            </a:xfrm>
+            <a:prstGeom prst="ellipse">
+              <a:avLst/>
+            </a:prstGeom>
+          </p:spPr>
+          <p:style>
+            <a:lnRef idx="2">
+              <a:schemeClr val="dk1">
+                <a:shade val="50000"/>
+              </a:schemeClr>
+            </a:lnRef>
+            <a:fillRef idx="1">
+              <a:schemeClr val="dk1"/>
+            </a:fillRef>
+            <a:effectRef idx="0">
+              <a:schemeClr val="dk1"/>
+            </a:effectRef>
+            <a:fontRef idx="minor">
+              <a:schemeClr val="lt1"/>
+            </a:fontRef>
+          </p:style>
+          <p:txBody>
+            <a:bodyPr rtlCol="0" anchor="ctr"/>
+            <a:lstStyle/>
+            <a:p>
+              <a:pPr algn="ctr"/>
+              <a:endParaRPr kumimoji="1" lang="ja-JP" altLang="en-US"/>
+            </a:p>
+          </p:txBody>
+        </p:sp>
+        <p:sp>
+          <p:nvSpPr>
+            <p:cNvPr id="285" name="楕円 284">
+              <a:extLst>
+                <a:ext uri="{FF2B5EF4-FFF2-40B4-BE49-F238E27FC236}">
+                  <a16:creationId xmlns:a16="http://schemas.microsoft.com/office/drawing/2014/main" id="{E10985D0-3A90-47E9-920E-1C813C77BCBD}"/>
+                </a:ext>
+              </a:extLst>
+            </p:cNvPr>
+            <p:cNvSpPr/>
+            <p:nvPr/>
+          </p:nvSpPr>
+          <p:spPr>
+            <a:xfrm>
+              <a:off x="7116124" y="4780439"/>
+              <a:ext cx="54000" cy="54000"/>
+            </a:xfrm>
+            <a:prstGeom prst="ellipse">
+              <a:avLst/>
+            </a:prstGeom>
+          </p:spPr>
+          <p:style>
+            <a:lnRef idx="2">
+              <a:schemeClr val="dk1">
+                <a:shade val="50000"/>
+              </a:schemeClr>
+            </a:lnRef>
+            <a:fillRef idx="1">
+              <a:schemeClr val="dk1"/>
+            </a:fillRef>
+            <a:effectRef idx="0">
+              <a:schemeClr val="dk1"/>
+            </a:effectRef>
+            <a:fontRef idx="minor">
+              <a:schemeClr val="lt1"/>
+            </a:fontRef>
+          </p:style>
+          <p:txBody>
+            <a:bodyPr rtlCol="0" anchor="ctr"/>
+            <a:lstStyle/>
+            <a:p>
+              <a:pPr algn="ctr"/>
+              <a:endParaRPr kumimoji="1" lang="ja-JP" altLang="en-US"/>
+            </a:p>
+          </p:txBody>
+        </p:sp>
+        <p:sp>
+          <p:nvSpPr>
+            <p:cNvPr id="286" name="楕円 285">
+              <a:extLst>
+                <a:ext uri="{FF2B5EF4-FFF2-40B4-BE49-F238E27FC236}">
+                  <a16:creationId xmlns:a16="http://schemas.microsoft.com/office/drawing/2014/main" id="{05F95394-25E5-466A-BA61-B87B0A2E0ECD}"/>
+                </a:ext>
+              </a:extLst>
+            </p:cNvPr>
+            <p:cNvSpPr/>
+            <p:nvPr/>
+          </p:nvSpPr>
+          <p:spPr>
+            <a:xfrm>
+              <a:off x="7233942" y="5447606"/>
+              <a:ext cx="54000" cy="54000"/>
+            </a:xfrm>
+            <a:prstGeom prst="ellipse">
+              <a:avLst/>
+            </a:prstGeom>
+          </p:spPr>
+          <p:style>
+            <a:lnRef idx="2">
+              <a:schemeClr val="dk1">
+                <a:shade val="50000"/>
+              </a:schemeClr>
+            </a:lnRef>
+            <a:fillRef idx="1">
+              <a:schemeClr val="dk1"/>
+            </a:fillRef>
+            <a:effectRef idx="0">
+              <a:schemeClr val="dk1"/>
+            </a:effectRef>
+            <a:fontRef idx="minor">
+              <a:schemeClr val="lt1"/>
+            </a:fontRef>
+          </p:style>
+          <p:txBody>
+            <a:bodyPr rtlCol="0" anchor="ctr"/>
+            <a:lstStyle/>
+            <a:p>
+              <a:pPr algn="ctr"/>
+              <a:endParaRPr kumimoji="1" lang="ja-JP" altLang="en-US"/>
+            </a:p>
+          </p:txBody>
+        </p:sp>
+        <p:sp>
+          <p:nvSpPr>
+            <p:cNvPr id="287" name="楕円 286">
+              <a:extLst>
+                <a:ext uri="{FF2B5EF4-FFF2-40B4-BE49-F238E27FC236}">
+                  <a16:creationId xmlns:a16="http://schemas.microsoft.com/office/drawing/2014/main" id="{03D9889B-D696-4F89-B332-17F0A735BD86}"/>
+                </a:ext>
+              </a:extLst>
+            </p:cNvPr>
+            <p:cNvSpPr/>
+            <p:nvPr/>
+          </p:nvSpPr>
+          <p:spPr>
+            <a:xfrm>
+              <a:off x="7233942" y="5638664"/>
+              <a:ext cx="54000" cy="54000"/>
+            </a:xfrm>
+            <a:prstGeom prst="ellipse">
+              <a:avLst/>
+            </a:prstGeom>
+          </p:spPr>
+          <p:style>
+            <a:lnRef idx="2">
+              <a:schemeClr val="dk1">
+                <a:shade val="50000"/>
+              </a:schemeClr>
+            </a:lnRef>
+            <a:fillRef idx="1">
+              <a:schemeClr val="dk1"/>
+            </a:fillRef>
+            <a:effectRef idx="0">
+              <a:schemeClr val="dk1"/>
+            </a:effectRef>
+            <a:fontRef idx="minor">
+              <a:schemeClr val="lt1"/>
+            </a:fontRef>
+          </p:style>
+          <p:txBody>
+            <a:bodyPr rtlCol="0" anchor="ctr"/>
+            <a:lstStyle/>
+            <a:p>
+              <a:pPr algn="ctr"/>
+              <a:endParaRPr kumimoji="1" lang="ja-JP" altLang="en-US"/>
+            </a:p>
+          </p:txBody>
+        </p:sp>
+        <p:sp>
+          <p:nvSpPr>
+            <p:cNvPr id="288" name="楕円 287">
+              <a:extLst>
+                <a:ext uri="{FF2B5EF4-FFF2-40B4-BE49-F238E27FC236}">
+                  <a16:creationId xmlns:a16="http://schemas.microsoft.com/office/drawing/2014/main" id="{ED65E17D-E029-4ED2-B774-866D46C44BEA}"/>
+                </a:ext>
+              </a:extLst>
+            </p:cNvPr>
+            <p:cNvSpPr/>
+            <p:nvPr/>
+          </p:nvSpPr>
+          <p:spPr>
+            <a:xfrm>
+              <a:off x="7311978" y="5813304"/>
+              <a:ext cx="54000" cy="54000"/>
+            </a:xfrm>
+            <a:prstGeom prst="ellipse">
+              <a:avLst/>
+            </a:prstGeom>
+          </p:spPr>
+          <p:style>
+            <a:lnRef idx="2">
+              <a:schemeClr val="dk1">
+                <a:shade val="50000"/>
+              </a:schemeClr>
+            </a:lnRef>
+            <a:fillRef idx="1">
+              <a:schemeClr val="dk1"/>
+            </a:fillRef>
+            <a:effectRef idx="0">
+              <a:schemeClr val="dk1"/>
+            </a:effectRef>
+            <a:fontRef idx="minor">
+              <a:schemeClr val="lt1"/>
+            </a:fontRef>
+          </p:style>
+          <p:txBody>
+            <a:bodyPr rtlCol="0" anchor="ctr"/>
+            <a:lstStyle/>
+            <a:p>
+              <a:pPr algn="ctr"/>
+              <a:endParaRPr kumimoji="1" lang="ja-JP" altLang="en-US"/>
+            </a:p>
+          </p:txBody>
+        </p:sp>
+        <p:sp>
+          <p:nvSpPr>
+            <p:cNvPr id="289" name="楕円 288">
+              <a:extLst>
+                <a:ext uri="{FF2B5EF4-FFF2-40B4-BE49-F238E27FC236}">
+                  <a16:creationId xmlns:a16="http://schemas.microsoft.com/office/drawing/2014/main" id="{D82F20B4-B94F-4272-BBCD-DDE7412951F5}"/>
+                </a:ext>
+              </a:extLst>
+            </p:cNvPr>
+            <p:cNvSpPr/>
+            <p:nvPr/>
+          </p:nvSpPr>
+          <p:spPr>
+            <a:xfrm>
+              <a:off x="7311978" y="5931177"/>
+              <a:ext cx="54000" cy="54000"/>
+            </a:xfrm>
+            <a:prstGeom prst="ellipse">
+              <a:avLst/>
+            </a:prstGeom>
+          </p:spPr>
+          <p:style>
+            <a:lnRef idx="2">
+              <a:schemeClr val="dk1">
+                <a:shade val="50000"/>
+              </a:schemeClr>
+            </a:lnRef>
+            <a:fillRef idx="1">
+              <a:schemeClr val="dk1"/>
+            </a:fillRef>
+            <a:effectRef idx="0">
+              <a:schemeClr val="dk1"/>
+            </a:effectRef>
+            <a:fontRef idx="minor">
+              <a:schemeClr val="lt1"/>
+            </a:fontRef>
+          </p:style>
+          <p:txBody>
+            <a:bodyPr rtlCol="0" anchor="ctr"/>
+            <a:lstStyle/>
+            <a:p>
+              <a:pPr algn="ctr"/>
+              <a:endParaRPr kumimoji="1" lang="ja-JP" altLang="en-US"/>
+            </a:p>
+          </p:txBody>
+        </p:sp>
+        <p:sp>
+          <p:nvSpPr>
+            <p:cNvPr id="290" name="テキスト ボックス 289">
+              <a:extLst>
+                <a:ext uri="{FF2B5EF4-FFF2-40B4-BE49-F238E27FC236}">
+                  <a16:creationId xmlns:a16="http://schemas.microsoft.com/office/drawing/2014/main" id="{D29F4765-C4BC-492A-887E-A4F86B33E14E}"/>
+                </a:ext>
+              </a:extLst>
+            </p:cNvPr>
+            <p:cNvSpPr txBox="1"/>
+            <p:nvPr/>
+          </p:nvSpPr>
+          <p:spPr>
+            <a:xfrm>
+              <a:off x="7089124" y="3706005"/>
+              <a:ext cx="1140056" cy="338554"/>
+            </a:xfrm>
+            <a:prstGeom prst="rect">
+              <a:avLst/>
+            </a:prstGeom>
+            <a:noFill/>
+          </p:spPr>
+          <p:txBody>
+            <a:bodyPr wrap="none" rtlCol="0">
+              <a:spAutoFit/>
+            </a:bodyPr>
+            <a:lstStyle/>
+            <a:p>
+              <a:r>
+                <a:rPr kumimoji="1" lang="ja-JP" altLang="en-US" sz="1600" dirty="0">
+                  <a:solidFill>
+                    <a:sysClr val="windowText" lastClr="000000"/>
+                  </a:solidFill>
+                </a:rPr>
+                <a:t>潜像核</a:t>
+              </a:r>
+              <a:r>
+                <a:rPr kumimoji="1" lang="en-US" altLang="ja-JP" sz="1600" dirty="0">
+                  <a:solidFill>
+                    <a:sysClr val="windowText" lastClr="000000"/>
+                  </a:solidFill>
+                </a:rPr>
+                <a:t>(</a:t>
+              </a:r>
+              <a:r>
+                <a:rPr kumimoji="1" lang="en-US" altLang="ja-JP" sz="1600" dirty="0">
+                  <a:solidFill>
+                    <a:srgbClr val="FF0000"/>
+                  </a:solidFill>
+                </a:rPr>
+                <a:t>Ag</a:t>
+              </a:r>
+              <a:r>
+                <a:rPr kumimoji="1" lang="en-US" altLang="ja-JP" sz="1600" dirty="0">
+                  <a:solidFill>
+                    <a:sysClr val="windowText" lastClr="000000"/>
+                  </a:solidFill>
+                </a:rPr>
+                <a:t>)</a:t>
+              </a:r>
+              <a:endParaRPr kumimoji="1" lang="ja-JP" altLang="en-US" sz="1600" dirty="0">
+                <a:solidFill>
+                  <a:sysClr val="windowText" lastClr="000000"/>
+                </a:solidFill>
+              </a:endParaRPr>
+            </a:p>
+          </p:txBody>
+        </p:sp>
+        <p:sp>
+          <p:nvSpPr>
+            <p:cNvPr id="291" name="テキスト ボックス 290">
+              <a:extLst>
+                <a:ext uri="{FF2B5EF4-FFF2-40B4-BE49-F238E27FC236}">
+                  <a16:creationId xmlns:a16="http://schemas.microsoft.com/office/drawing/2014/main" id="{E016A7CB-B4D8-4986-AB4B-BBE6B96D7A40}"/>
+                </a:ext>
+              </a:extLst>
+            </p:cNvPr>
+            <p:cNvSpPr txBox="1"/>
+            <p:nvPr/>
+          </p:nvSpPr>
+          <p:spPr>
+            <a:xfrm>
+              <a:off x="4939237" y="4552496"/>
+              <a:ext cx="583814" cy="338554"/>
+            </a:xfrm>
+            <a:prstGeom prst="rect">
+              <a:avLst/>
+            </a:prstGeom>
+            <a:noFill/>
+          </p:spPr>
+          <p:txBody>
+            <a:bodyPr wrap="none" rtlCol="0">
+              <a:spAutoFit/>
+            </a:bodyPr>
+            <a:lstStyle/>
+            <a:p>
+              <a:r>
+                <a:rPr kumimoji="1" lang="en-US" altLang="ja-JP" sz="1600" dirty="0" err="1">
+                  <a:solidFill>
+                    <a:srgbClr val="FF0000"/>
+                  </a:solidFill>
+                </a:rPr>
+                <a:t>AgBr</a:t>
+              </a:r>
+              <a:endParaRPr kumimoji="1" lang="ja-JP" altLang="en-US" sz="1600" dirty="0">
+                <a:solidFill>
+                  <a:sysClr val="windowText" lastClr="000000"/>
+                </a:solidFill>
+              </a:endParaRPr>
+            </a:p>
+          </p:txBody>
+        </p:sp>
+      </p:grpSp>
+    </p:spTree>
+    <p:extLst>
+      <p:ext uri="{BB962C8B-B14F-4D97-AF65-F5344CB8AC3E}">
+        <p14:creationId xmlns:p14="http://schemas.microsoft.com/office/powerpoint/2010/main" val="3075940029"/>
+      </p:ext>
+    </p:extLst>
+  </p:cSld>
+  <p:clrMapOvr>
+    <a:masterClrMapping/>
+  </p:clrMapOvr>
+</p:sld>
+</file>
+
+<file path=ppt/slides/slide8.xml><?xml version="1.0" encoding="utf-8"?>
+<p:sld xmlns:a="http://schemas.openxmlformats.org/drawingml/2006/main" xmlns:r="http://schemas.openxmlformats.org/officeDocument/2006/relationships" xmlns:p="http://schemas.openxmlformats.org/presentationml/2006/main">
+  <p:cSld>
+    <p:spTree>
+      <p:nvGrpSpPr>
+        <p:cNvPr id="1" name=""/>
+        <p:cNvGrpSpPr/>
+        <p:nvPr/>
+      </p:nvGrpSpPr>
+      <p:grpSpPr>
+        <a:xfrm>
+          <a:off x="0" y="0"/>
+          <a:ext cx="0" cy="0"/>
+          <a:chOff x="0" y="0"/>
+          <a:chExt cx="0" cy="0"/>
+        </a:xfrm>
+      </p:grpSpPr>
+      <p:grpSp>
+        <p:nvGrpSpPr>
           <p:cNvPr id="4" name="グループ化 3">
             <a:extLst>
               <a:ext uri="{FF2B5EF4-FFF2-40B4-BE49-F238E27FC236}">
@@ -11194,7 +18516,7 @@
 </p:sld>
 </file>
 
-<file path=ppt/slides/slide8.xml><?xml version="1.0" encoding="utf-8"?>
+<file path=ppt/slides/slide9.xml><?xml version="1.0" encoding="utf-8"?>
 <p:sld xmlns:a="http://schemas.openxmlformats.org/drawingml/2006/main" xmlns:r="http://schemas.openxmlformats.org/officeDocument/2006/relationships" xmlns:p="http://schemas.openxmlformats.org/presentationml/2006/main">
   <p:cSld>
     <p:spTree>
@@ -11265,86 +18587,6 @@
     <p:extLst>
       <p:ext uri="{BB962C8B-B14F-4D97-AF65-F5344CB8AC3E}">
         <p14:creationId xmlns:p14="http://schemas.microsoft.com/office/powerpoint/2010/main" val="138966123"/>
-      </p:ext>
-    </p:extLst>
-  </p:cSld>
-  <p:clrMapOvr>
-    <a:masterClrMapping/>
-  </p:clrMapOvr>
-</p:sld>
-</file>
-
-<file path=ppt/slides/slide9.xml><?xml version="1.0" encoding="utf-8"?>
-<p:sld xmlns:a="http://schemas.openxmlformats.org/drawingml/2006/main" xmlns:r="http://schemas.openxmlformats.org/officeDocument/2006/relationships" xmlns:p="http://schemas.openxmlformats.org/presentationml/2006/main">
-  <p:cSld>
-    <p:spTree>
-      <p:nvGrpSpPr>
-        <p:cNvPr id="1" name=""/>
-        <p:cNvGrpSpPr/>
-        <p:nvPr/>
-      </p:nvGrpSpPr>
-      <p:grpSpPr>
-        <a:xfrm>
-          <a:off x="0" y="0"/>
-          <a:ext cx="0" cy="0"/>
-          <a:chOff x="0" y="0"/>
-          <a:chExt cx="0" cy="0"/>
-        </a:xfrm>
-      </p:grpSpPr>
-      <p:sp>
-        <p:nvSpPr>
-          <p:cNvPr id="6" name="正方形/長方形 5">
-            <a:extLst>
-              <a:ext uri="{FF2B5EF4-FFF2-40B4-BE49-F238E27FC236}">
-                <a16:creationId xmlns:a16="http://schemas.microsoft.com/office/drawing/2014/main" id="{B1578A1E-A918-4D17-BF4D-15695443B57B}"/>
-              </a:ext>
-            </a:extLst>
-          </p:cNvPr>
-          <p:cNvSpPr/>
-          <p:nvPr/>
-        </p:nvSpPr>
-        <p:spPr>
-          <a:xfrm>
-            <a:off x="2613991" y="5649349"/>
-            <a:ext cx="4149065" cy="363825"/>
-          </a:xfrm>
-          <a:prstGeom prst="rect">
-            <a:avLst/>
-          </a:prstGeom>
-          <a:noFill/>
-          <a:ln>
-            <a:noFill/>
-          </a:ln>
-        </p:spPr>
-        <p:style>
-          <a:lnRef idx="2">
-            <a:schemeClr val="accent1">
-              <a:shade val="50000"/>
-            </a:schemeClr>
-          </a:lnRef>
-          <a:fillRef idx="1">
-            <a:schemeClr val="accent1"/>
-          </a:fillRef>
-          <a:effectRef idx="0">
-            <a:schemeClr val="accent1"/>
-          </a:effectRef>
-          <a:fontRef idx="minor">
-            <a:schemeClr val="lt1"/>
-          </a:fontRef>
-        </p:style>
-        <p:txBody>
-          <a:bodyPr rtlCol="0" anchor="ctr"/>
-          <a:lstStyle/>
-          <a:p>
-            <a:pPr algn="ctr"/>
-            <a:endParaRPr kumimoji="1" lang="ja-JP" altLang="en-US" dirty="0"/>
-          </a:p>
-        </p:txBody>
-      </p:sp>
-    </p:spTree>
-    <p:extLst>
-      <p:ext uri="{BB962C8B-B14F-4D97-AF65-F5344CB8AC3E}">
-        <p14:creationId xmlns:p14="http://schemas.microsoft.com/office/powerpoint/2010/main" val="1146742975"/>
       </p:ext>
     </p:extLst>
   </p:cSld>

--- a/修論画像作成.pptx
+++ b/修論画像作成.pptx
@@ -16,7 +16,15 @@
     <p:sldId id="263" r:id="rId10"/>
     <p:sldId id="264" r:id="rId11"/>
     <p:sldId id="265" r:id="rId12"/>
-    <p:sldId id="266" r:id="rId13"/>
+    <p:sldId id="268" r:id="rId13"/>
+    <p:sldId id="275" r:id="rId14"/>
+    <p:sldId id="269" r:id="rId15"/>
+    <p:sldId id="276" r:id="rId16"/>
+    <p:sldId id="270" r:id="rId17"/>
+    <p:sldId id="271" r:id="rId18"/>
+    <p:sldId id="272" r:id="rId19"/>
+    <p:sldId id="273" r:id="rId20"/>
+    <p:sldId id="274" r:id="rId21"/>
   </p:sldIdLst>
   <p:sldSz cx="9144000" cy="6858000" type="screen4x3"/>
   <p:notesSz cx="6858000" cy="9144000"/>
@@ -258,7 +266,7 @@
           <a:p>
             <a:fld id="{C6AC7F0E-DDCA-4467-BA12-379A322E0DE2}" type="datetimeFigureOut">
               <a:rPr kumimoji="1" lang="ja-JP" altLang="en-US" smtClean="0"/>
-              <a:t>2017/11/15</a:t>
+              <a:t>2017/11/27</a:t>
             </a:fld>
             <a:endParaRPr kumimoji="1" lang="ja-JP" altLang="en-US"/>
           </a:p>
@@ -460,7 +468,7 @@
           <a:p>
             <a:fld id="{C6AC7F0E-DDCA-4467-BA12-379A322E0DE2}" type="datetimeFigureOut">
               <a:rPr kumimoji="1" lang="ja-JP" altLang="en-US" smtClean="0"/>
-              <a:t>2017/11/15</a:t>
+              <a:t>2017/11/27</a:t>
             </a:fld>
             <a:endParaRPr kumimoji="1" lang="ja-JP" altLang="en-US"/>
           </a:p>
@@ -672,7 +680,7 @@
           <a:p>
             <a:fld id="{C6AC7F0E-DDCA-4467-BA12-379A322E0DE2}" type="datetimeFigureOut">
               <a:rPr kumimoji="1" lang="ja-JP" altLang="en-US" smtClean="0"/>
-              <a:t>2017/11/15</a:t>
+              <a:t>2017/11/27</a:t>
             </a:fld>
             <a:endParaRPr kumimoji="1" lang="ja-JP" altLang="en-US"/>
           </a:p>
@@ -874,7 +882,7 @@
           <a:p>
             <a:fld id="{C6AC7F0E-DDCA-4467-BA12-379A322E0DE2}" type="datetimeFigureOut">
               <a:rPr kumimoji="1" lang="ja-JP" altLang="en-US" smtClean="0"/>
-              <a:t>2017/11/15</a:t>
+              <a:t>2017/11/27</a:t>
             </a:fld>
             <a:endParaRPr kumimoji="1" lang="ja-JP" altLang="en-US"/>
           </a:p>
@@ -1118,7 +1126,7 @@
           <a:p>
             <a:fld id="{C6AC7F0E-DDCA-4467-BA12-379A322E0DE2}" type="datetimeFigureOut">
               <a:rPr kumimoji="1" lang="ja-JP" altLang="en-US" smtClean="0"/>
-              <a:t>2017/11/15</a:t>
+              <a:t>2017/11/27</a:t>
             </a:fld>
             <a:endParaRPr kumimoji="1" lang="ja-JP" altLang="en-US"/>
           </a:p>
@@ -1414,7 +1422,7 @@
           <a:p>
             <a:fld id="{C6AC7F0E-DDCA-4467-BA12-379A322E0DE2}" type="datetimeFigureOut">
               <a:rPr kumimoji="1" lang="ja-JP" altLang="en-US" smtClean="0"/>
-              <a:t>2017/11/15</a:t>
+              <a:t>2017/11/27</a:t>
             </a:fld>
             <a:endParaRPr kumimoji="1" lang="ja-JP" altLang="en-US"/>
           </a:p>
@@ -1845,7 +1853,7 @@
           <a:p>
             <a:fld id="{C6AC7F0E-DDCA-4467-BA12-379A322E0DE2}" type="datetimeFigureOut">
               <a:rPr kumimoji="1" lang="ja-JP" altLang="en-US" smtClean="0"/>
-              <a:t>2017/11/15</a:t>
+              <a:t>2017/11/27</a:t>
             </a:fld>
             <a:endParaRPr kumimoji="1" lang="ja-JP" altLang="en-US"/>
           </a:p>
@@ -1963,7 +1971,7 @@
           <a:p>
             <a:fld id="{C6AC7F0E-DDCA-4467-BA12-379A322E0DE2}" type="datetimeFigureOut">
               <a:rPr kumimoji="1" lang="ja-JP" altLang="en-US" smtClean="0"/>
-              <a:t>2017/11/15</a:t>
+              <a:t>2017/11/27</a:t>
             </a:fld>
             <a:endParaRPr kumimoji="1" lang="ja-JP" altLang="en-US"/>
           </a:p>
@@ -2058,7 +2066,7 @@
           <a:p>
             <a:fld id="{C6AC7F0E-DDCA-4467-BA12-379A322E0DE2}" type="datetimeFigureOut">
               <a:rPr kumimoji="1" lang="ja-JP" altLang="en-US" smtClean="0"/>
-              <a:t>2017/11/15</a:t>
+              <a:t>2017/11/27</a:t>
             </a:fld>
             <a:endParaRPr kumimoji="1" lang="ja-JP" altLang="en-US"/>
           </a:p>
@@ -2367,7 +2375,7 @@
           <a:p>
             <a:fld id="{C6AC7F0E-DDCA-4467-BA12-379A322E0DE2}" type="datetimeFigureOut">
               <a:rPr kumimoji="1" lang="ja-JP" altLang="en-US" smtClean="0"/>
-              <a:t>2017/11/15</a:t>
+              <a:t>2017/11/27</a:t>
             </a:fld>
             <a:endParaRPr kumimoji="1" lang="ja-JP" altLang="en-US"/>
           </a:p>
@@ -2624,7 +2632,7 @@
           <a:p>
             <a:fld id="{C6AC7F0E-DDCA-4467-BA12-379A322E0DE2}" type="datetimeFigureOut">
               <a:rPr kumimoji="1" lang="ja-JP" altLang="en-US" smtClean="0"/>
-              <a:t>2017/11/15</a:t>
+              <a:t>2017/11/27</a:t>
             </a:fld>
             <a:endParaRPr kumimoji="1" lang="ja-JP" altLang="en-US"/>
           </a:p>
@@ -2869,7 +2877,7 @@
           <a:p>
             <a:fld id="{C6AC7F0E-DDCA-4467-BA12-379A322E0DE2}" type="datetimeFigureOut">
               <a:rPr kumimoji="1" lang="ja-JP" altLang="en-US" smtClean="0"/>
-              <a:t>2017/11/15</a:t>
+              <a:t>2017/11/27</a:t>
             </a:fld>
             <a:endParaRPr kumimoji="1" lang="ja-JP" altLang="en-US"/>
           </a:p>
@@ -4579,56 +4587,206 @@
           <a:chExt cx="0" cy="0"/>
         </a:xfrm>
       </p:grpSpPr>
-      <p:sp>
-        <p:nvSpPr>
-          <p:cNvPr id="6" name="正方形/長方形 5">
+      <p:grpSp>
+        <p:nvGrpSpPr>
+          <p:cNvPr id="2" name="グループ化 1">
             <a:extLst>
               <a:ext uri="{FF2B5EF4-FFF2-40B4-BE49-F238E27FC236}">
-                <a16:creationId xmlns:a16="http://schemas.microsoft.com/office/drawing/2014/main" id="{B1578A1E-A918-4D17-BF4D-15695443B57B}"/>
+                <a16:creationId xmlns:a16="http://schemas.microsoft.com/office/drawing/2014/main" id="{D42E16E6-E411-482F-935A-B90D96B4306A}"/>
               </a:ext>
             </a:extLst>
           </p:cNvPr>
-          <p:cNvSpPr/>
+          <p:cNvGrpSpPr/>
           <p:nvPr/>
-        </p:nvSpPr>
-        <p:spPr>
+        </p:nvGrpSpPr>
+        <p:grpSpPr>
           <a:xfrm>
-            <a:off x="2613991" y="5649349"/>
-            <a:ext cx="4149065" cy="363825"/>
+            <a:off x="234338" y="573881"/>
+            <a:ext cx="4337662" cy="4330344"/>
+            <a:chOff x="1790151" y="921751"/>
+            <a:chExt cx="4337662" cy="4330344"/>
           </a:xfrm>
-          <a:prstGeom prst="rect">
-            <a:avLst/>
-          </a:prstGeom>
-          <a:noFill/>
-          <a:ln>
+        </p:grpSpPr>
+        <p:pic>
+          <p:nvPicPr>
+            <p:cNvPr id="3" name="図 2">
+              <a:extLst>
+                <a:ext uri="{FF2B5EF4-FFF2-40B4-BE49-F238E27FC236}">
+                  <a16:creationId xmlns:a16="http://schemas.microsoft.com/office/drawing/2014/main" id="{0252D80D-38D3-41F6-8536-E41DC1FD9B08}"/>
+                </a:ext>
+              </a:extLst>
+            </p:cNvPr>
+            <p:cNvPicPr>
+              <a:picLocks noChangeAspect="1"/>
+            </p:cNvPicPr>
+            <p:nvPr/>
+          </p:nvPicPr>
+          <p:blipFill rotWithShape="1">
+            <a:blip r:embed="rId2">
+              <a:extLst>
+                <a:ext uri="{28A0092B-C50C-407E-A947-70E740481C1C}">
+                  <a14:useLocalDpi xmlns:a14="http://schemas.microsoft.com/office/drawing/2010/main" val="0"/>
+                </a:ext>
+              </a:extLst>
+            </a:blip>
+            <a:srcRect l="26914" r="16483" b="3078"/>
+            <a:stretch/>
+          </p:blipFill>
+          <p:spPr>
+            <a:xfrm>
+              <a:off x="1798982" y="921751"/>
+              <a:ext cx="4320000" cy="4161067"/>
+            </a:xfrm>
+            <a:prstGeom prst="rect">
+              <a:avLst/>
+            </a:prstGeom>
+          </p:spPr>
+        </p:pic>
+        <p:sp>
+          <p:nvSpPr>
+            <p:cNvPr id="4" name="テキスト ボックス 3">
+              <a:extLst>
+                <a:ext uri="{FF2B5EF4-FFF2-40B4-BE49-F238E27FC236}">
+                  <a16:creationId xmlns:a16="http://schemas.microsoft.com/office/drawing/2014/main" id="{51160A53-47F5-4E42-9736-39DE66F07859}"/>
+                </a:ext>
+              </a:extLst>
+            </p:cNvPr>
+            <p:cNvSpPr txBox="1"/>
+            <p:nvPr/>
+          </p:nvSpPr>
+          <p:spPr>
+            <a:xfrm>
+              <a:off x="1790151" y="4913541"/>
+              <a:ext cx="4337662" cy="338554"/>
+            </a:xfrm>
+            <a:prstGeom prst="rect">
+              <a:avLst/>
+            </a:prstGeom>
             <a:noFill/>
-          </a:ln>
-        </p:spPr>
-        <p:style>
-          <a:lnRef idx="2">
-            <a:schemeClr val="accent1">
-              <a:shade val="50000"/>
-            </a:schemeClr>
-          </a:lnRef>
-          <a:fillRef idx="1">
-            <a:schemeClr val="accent1"/>
-          </a:fillRef>
-          <a:effectRef idx="0">
-            <a:schemeClr val="accent1"/>
-          </a:effectRef>
-          <a:fontRef idx="minor">
-            <a:schemeClr val="lt1"/>
-          </a:fontRef>
-        </p:style>
-        <p:txBody>
-          <a:bodyPr rtlCol="0" anchor="ctr"/>
-          <a:lstStyle/>
-          <a:p>
-            <a:pPr algn="ctr"/>
-            <a:endParaRPr kumimoji="1" lang="ja-JP" altLang="en-US" dirty="0"/>
-          </a:p>
-        </p:txBody>
-      </p:sp>
+          </p:spPr>
+          <p:txBody>
+            <a:bodyPr wrap="none" rtlCol="0">
+              <a:spAutoFit/>
+            </a:bodyPr>
+            <a:lstStyle/>
+            <a:p>
+              <a:r>
+                <a:rPr kumimoji="1" lang="en-US" altLang="ja-JP" sz="1600" dirty="0">
+                  <a:solidFill>
+                    <a:sysClr val="windowText" lastClr="000000"/>
+                  </a:solidFill>
+                </a:rPr>
+                <a:t>Y. Endo, Master. Thesis, Gifu University (2017) P38</a:t>
+              </a:r>
+              <a:endParaRPr kumimoji="1" lang="ja-JP" altLang="en-US" sz="1600" dirty="0">
+                <a:solidFill>
+                  <a:sysClr val="windowText" lastClr="000000"/>
+                </a:solidFill>
+              </a:endParaRPr>
+            </a:p>
+          </p:txBody>
+        </p:sp>
+      </p:grpSp>
+      <p:grpSp>
+        <p:nvGrpSpPr>
+          <p:cNvPr id="7" name="グループ化 6">
+            <a:extLst>
+              <a:ext uri="{FF2B5EF4-FFF2-40B4-BE49-F238E27FC236}">
+                <a16:creationId xmlns:a16="http://schemas.microsoft.com/office/drawing/2014/main" id="{319E6CFB-5DC9-4711-A29D-09BCE0D23E62}"/>
+              </a:ext>
+            </a:extLst>
+          </p:cNvPr>
+          <p:cNvGrpSpPr/>
+          <p:nvPr/>
+        </p:nvGrpSpPr>
+        <p:grpSpPr>
+          <a:xfrm>
+            <a:off x="4929808" y="844826"/>
+            <a:ext cx="5446644" cy="3326573"/>
+            <a:chOff x="1908313" y="1928191"/>
+            <a:chExt cx="5446644" cy="3326573"/>
+          </a:xfrm>
+        </p:grpSpPr>
+        <p:pic>
+          <p:nvPicPr>
+            <p:cNvPr id="8" name="図 7">
+              <a:extLst>
+                <a:ext uri="{FF2B5EF4-FFF2-40B4-BE49-F238E27FC236}">
+                  <a16:creationId xmlns:a16="http://schemas.microsoft.com/office/drawing/2014/main" id="{070062BE-EAAC-481B-A416-5FB04B2A751F}"/>
+                </a:ext>
+              </a:extLst>
+            </p:cNvPr>
+            <p:cNvPicPr>
+              <a:picLocks noChangeAspect="1"/>
+            </p:cNvPicPr>
+            <p:nvPr/>
+          </p:nvPicPr>
+          <p:blipFill rotWithShape="1">
+            <a:blip r:embed="rId3">
+              <a:extLst>
+                <a:ext uri="{28A0092B-C50C-407E-A947-70E740481C1C}">
+                  <a14:useLocalDpi xmlns:a14="http://schemas.microsoft.com/office/drawing/2010/main" val="0"/>
+                </a:ext>
+              </a:extLst>
+            </a:blip>
+            <a:srcRect l="4237" t="4202" r="2188" b="3899"/>
+            <a:stretch/>
+          </p:blipFill>
+          <p:spPr>
+            <a:xfrm>
+              <a:off x="1908313" y="1928191"/>
+              <a:ext cx="5446644" cy="3011557"/>
+            </a:xfrm>
+            <a:prstGeom prst="rect">
+              <a:avLst/>
+            </a:prstGeom>
+          </p:spPr>
+        </p:pic>
+        <p:sp>
+          <p:nvSpPr>
+            <p:cNvPr id="9" name="テキスト ボックス 8">
+              <a:extLst>
+                <a:ext uri="{FF2B5EF4-FFF2-40B4-BE49-F238E27FC236}">
+                  <a16:creationId xmlns:a16="http://schemas.microsoft.com/office/drawing/2014/main" id="{93BD3964-7D12-4135-8AF4-2971F7E0FCA0}"/>
+                </a:ext>
+              </a:extLst>
+            </p:cNvPr>
+            <p:cNvSpPr txBox="1"/>
+            <p:nvPr/>
+          </p:nvSpPr>
+          <p:spPr>
+            <a:xfrm>
+              <a:off x="2403169" y="4916210"/>
+              <a:ext cx="4337662" cy="338554"/>
+            </a:xfrm>
+            <a:prstGeom prst="rect">
+              <a:avLst/>
+            </a:prstGeom>
+            <a:noFill/>
+          </p:spPr>
+          <p:txBody>
+            <a:bodyPr wrap="none" rtlCol="0">
+              <a:spAutoFit/>
+            </a:bodyPr>
+            <a:lstStyle/>
+            <a:p>
+              <a:r>
+                <a:rPr kumimoji="1" lang="en-US" altLang="ja-JP" sz="1600" dirty="0">
+                  <a:solidFill>
+                    <a:sysClr val="windowText" lastClr="000000"/>
+                  </a:solidFill>
+                </a:rPr>
+                <a:t>Y. Endo, Master. Thesis, Gifu University (2017) P38</a:t>
+              </a:r>
+              <a:endParaRPr kumimoji="1" lang="ja-JP" altLang="en-US" sz="1600" dirty="0">
+                <a:solidFill>
+                  <a:sysClr val="windowText" lastClr="000000"/>
+                </a:solidFill>
+              </a:endParaRPr>
+            </a:p>
+          </p:txBody>
+        </p:sp>
+      </p:grpSp>
     </p:spTree>
     <p:extLst>
       <p:ext uri="{BB962C8B-B14F-4D97-AF65-F5344CB8AC3E}">
@@ -4659,56 +4817,106 @@
           <a:chExt cx="0" cy="0"/>
         </a:xfrm>
       </p:grpSpPr>
-      <p:sp>
-        <p:nvSpPr>
-          <p:cNvPr id="6" name="正方形/長方形 5">
+      <p:grpSp>
+        <p:nvGrpSpPr>
+          <p:cNvPr id="2" name="グループ化 1">
             <a:extLst>
               <a:ext uri="{FF2B5EF4-FFF2-40B4-BE49-F238E27FC236}">
-                <a16:creationId xmlns:a16="http://schemas.microsoft.com/office/drawing/2014/main" id="{B1578A1E-A918-4D17-BF4D-15695443B57B}"/>
+                <a16:creationId xmlns:a16="http://schemas.microsoft.com/office/drawing/2014/main" id="{7CE48219-17DC-4672-AC61-A98170C7A6FC}"/>
               </a:ext>
             </a:extLst>
           </p:cNvPr>
-          <p:cNvSpPr/>
+          <p:cNvGrpSpPr/>
           <p:nvPr/>
-        </p:nvSpPr>
-        <p:spPr>
+        </p:nvGrpSpPr>
+        <p:grpSpPr>
           <a:xfrm>
-            <a:off x="2613991" y="5649349"/>
-            <a:ext cx="4149065" cy="363825"/>
+            <a:off x="2271090" y="533695"/>
+            <a:ext cx="4601819" cy="4794303"/>
+            <a:chOff x="2271090" y="533695"/>
+            <a:chExt cx="4601819" cy="4794303"/>
           </a:xfrm>
-          <a:prstGeom prst="rect">
-            <a:avLst/>
-          </a:prstGeom>
-          <a:noFill/>
-          <a:ln>
+        </p:grpSpPr>
+        <p:pic>
+          <p:nvPicPr>
+            <p:cNvPr id="3" name="図 2">
+              <a:extLst>
+                <a:ext uri="{FF2B5EF4-FFF2-40B4-BE49-F238E27FC236}">
+                  <a16:creationId xmlns:a16="http://schemas.microsoft.com/office/drawing/2014/main" id="{42FCFB75-A686-491E-B388-05DC530FF111}"/>
+                </a:ext>
+              </a:extLst>
+            </p:cNvPr>
+            <p:cNvPicPr>
+              <a:picLocks noChangeAspect="1"/>
+            </p:cNvPicPr>
+            <p:nvPr/>
+          </p:nvPicPr>
+          <p:blipFill rotWithShape="1">
+            <a:blip r:embed="rId2">
+              <a:extLst>
+                <a:ext uri="{28A0092B-C50C-407E-A947-70E740481C1C}">
+                  <a14:useLocalDpi xmlns:a14="http://schemas.microsoft.com/office/drawing/2010/main" val="0"/>
+                </a:ext>
+              </a:extLst>
+            </a:blip>
+            <a:srcRect l="8123" r="36480" b="4740"/>
+            <a:stretch/>
+          </p:blipFill>
+          <p:spPr>
+            <a:xfrm>
+              <a:off x="2271090" y="533695"/>
+              <a:ext cx="4601819" cy="4455749"/>
+            </a:xfrm>
+            <a:prstGeom prst="rect">
+              <a:avLst/>
+            </a:prstGeom>
+          </p:spPr>
+        </p:pic>
+        <p:sp>
+          <p:nvSpPr>
+            <p:cNvPr id="4" name="テキスト ボックス 3">
+              <a:extLst>
+                <a:ext uri="{FF2B5EF4-FFF2-40B4-BE49-F238E27FC236}">
+                  <a16:creationId xmlns:a16="http://schemas.microsoft.com/office/drawing/2014/main" id="{D014773D-74C3-4809-A705-E924C355AE0A}"/>
+                </a:ext>
+              </a:extLst>
+            </p:cNvPr>
+            <p:cNvSpPr txBox="1"/>
+            <p:nvPr/>
+          </p:nvSpPr>
+          <p:spPr>
+            <a:xfrm>
+              <a:off x="3478623" y="4989444"/>
+              <a:ext cx="2186752" cy="338554"/>
+            </a:xfrm>
+            <a:prstGeom prst="rect">
+              <a:avLst/>
+            </a:prstGeom>
             <a:noFill/>
-          </a:ln>
-        </p:spPr>
-        <p:style>
-          <a:lnRef idx="2">
-            <a:schemeClr val="accent1">
-              <a:shade val="50000"/>
-            </a:schemeClr>
-          </a:lnRef>
-          <a:fillRef idx="1">
-            <a:schemeClr val="accent1"/>
-          </a:fillRef>
-          <a:effectRef idx="0">
-            <a:schemeClr val="accent1"/>
-          </a:effectRef>
-          <a:fontRef idx="minor">
-            <a:schemeClr val="lt1"/>
-          </a:fontRef>
-        </p:style>
-        <p:txBody>
-          <a:bodyPr rtlCol="0" anchor="ctr"/>
-          <a:lstStyle/>
-          <a:p>
-            <a:pPr algn="ctr"/>
-            <a:endParaRPr kumimoji="1" lang="ja-JP" altLang="en-US" dirty="0"/>
-          </a:p>
-        </p:txBody>
-      </p:sp>
+          </p:spPr>
+          <p:txBody>
+            <a:bodyPr wrap="none" rtlCol="0">
+              <a:spAutoFit/>
+            </a:bodyPr>
+            <a:lstStyle/>
+            <a:p>
+              <a:r>
+                <a:rPr kumimoji="1" lang="en-US" altLang="ja-JP" sz="1600" dirty="0">
+                  <a:solidFill>
+                    <a:sysClr val="windowText" lastClr="000000"/>
+                  </a:solidFill>
+                </a:rPr>
+                <a:t>PAC meeting (Jan 2016)</a:t>
+              </a:r>
+              <a:endParaRPr kumimoji="1" lang="ja-JP" altLang="en-US" sz="1600" dirty="0">
+                <a:solidFill>
+                  <a:sysClr val="windowText" lastClr="000000"/>
+                </a:solidFill>
+              </a:endParaRPr>
+            </a:p>
+          </p:txBody>
+        </p:sp>
+      </p:grpSp>
     </p:spTree>
     <p:extLst>
       <p:ext uri="{BB962C8B-B14F-4D97-AF65-F5344CB8AC3E}">
@@ -4789,10 +4997,1120 @@
           </a:p>
         </p:txBody>
       </p:sp>
+      <p:grpSp>
+        <p:nvGrpSpPr>
+          <p:cNvPr id="2" name="グループ化 1">
+            <a:extLst>
+              <a:ext uri="{FF2B5EF4-FFF2-40B4-BE49-F238E27FC236}">
+                <a16:creationId xmlns:a16="http://schemas.microsoft.com/office/drawing/2014/main" id="{9E1461E4-0229-4A04-9F9E-AF0FADF52680}"/>
+              </a:ext>
+            </a:extLst>
+          </p:cNvPr>
+          <p:cNvGrpSpPr/>
+          <p:nvPr/>
+        </p:nvGrpSpPr>
+        <p:grpSpPr>
+          <a:xfrm>
+            <a:off x="283265" y="561107"/>
+            <a:ext cx="4661452" cy="5452067"/>
+            <a:chOff x="283265" y="561107"/>
+            <a:chExt cx="4661452" cy="5452067"/>
+          </a:xfrm>
+        </p:grpSpPr>
+        <p:pic>
+          <p:nvPicPr>
+            <p:cNvPr id="3" name="図 2">
+              <a:extLst>
+                <a:ext uri="{FF2B5EF4-FFF2-40B4-BE49-F238E27FC236}">
+                  <a16:creationId xmlns:a16="http://schemas.microsoft.com/office/drawing/2014/main" id="{44694569-2A21-442C-BAF3-180169E4F886}"/>
+                </a:ext>
+              </a:extLst>
+            </p:cNvPr>
+            <p:cNvPicPr>
+              <a:picLocks noChangeAspect="1"/>
+            </p:cNvPicPr>
+            <p:nvPr/>
+          </p:nvPicPr>
+          <p:blipFill rotWithShape="1">
+            <a:blip r:embed="rId2">
+              <a:extLst>
+                <a:ext uri="{28A0092B-C50C-407E-A947-70E740481C1C}">
+                  <a14:useLocalDpi xmlns:a14="http://schemas.microsoft.com/office/drawing/2010/main" val="0"/>
+                </a:ext>
+              </a:extLst>
+            </a:blip>
+            <a:srcRect l="869" t="1147" r="48153"/>
+            <a:stretch/>
+          </p:blipFill>
+          <p:spPr>
+            <a:xfrm>
+              <a:off x="283265" y="561107"/>
+              <a:ext cx="4661452" cy="5088242"/>
+            </a:xfrm>
+            <a:prstGeom prst="rect">
+              <a:avLst/>
+            </a:prstGeom>
+          </p:spPr>
+        </p:pic>
+        <p:sp>
+          <p:nvSpPr>
+            <p:cNvPr id="4" name="テキスト ボックス 3">
+              <a:extLst>
+                <a:ext uri="{FF2B5EF4-FFF2-40B4-BE49-F238E27FC236}">
+                  <a16:creationId xmlns:a16="http://schemas.microsoft.com/office/drawing/2014/main" id="{B556BE43-4500-4851-8A25-2351D25354E3}"/>
+                </a:ext>
+              </a:extLst>
+            </p:cNvPr>
+            <p:cNvSpPr txBox="1"/>
+            <p:nvPr/>
+          </p:nvSpPr>
+          <p:spPr>
+            <a:xfrm>
+              <a:off x="445160" y="5674620"/>
+              <a:ext cx="4337662" cy="338554"/>
+            </a:xfrm>
+            <a:prstGeom prst="rect">
+              <a:avLst/>
+            </a:prstGeom>
+            <a:noFill/>
+          </p:spPr>
+          <p:txBody>
+            <a:bodyPr wrap="none" rtlCol="0">
+              <a:spAutoFit/>
+            </a:bodyPr>
+            <a:lstStyle/>
+            <a:p>
+              <a:r>
+                <a:rPr kumimoji="1" lang="en-US" altLang="ja-JP" sz="1600" dirty="0">
+                  <a:solidFill>
+                    <a:sysClr val="windowText" lastClr="000000"/>
+                  </a:solidFill>
+                </a:rPr>
+                <a:t>Y. Endo, Master. Thesis, Gifu University (2017) P38</a:t>
+              </a:r>
+              <a:endParaRPr kumimoji="1" lang="ja-JP" altLang="en-US" sz="1600" dirty="0">
+                <a:solidFill>
+                  <a:sysClr val="windowText" lastClr="000000"/>
+                </a:solidFill>
+              </a:endParaRPr>
+            </a:p>
+          </p:txBody>
+        </p:sp>
+      </p:grpSp>
     </p:spTree>
     <p:extLst>
       <p:ext uri="{BB962C8B-B14F-4D97-AF65-F5344CB8AC3E}">
-        <p14:creationId xmlns:p14="http://schemas.microsoft.com/office/powerpoint/2010/main" val="1337592460"/>
+        <p14:creationId xmlns:p14="http://schemas.microsoft.com/office/powerpoint/2010/main" val="478686367"/>
+      </p:ext>
+    </p:extLst>
+  </p:cSld>
+  <p:clrMapOvr>
+    <a:masterClrMapping/>
+  </p:clrMapOvr>
+</p:sld>
+</file>
+
+<file path=ppt/slides/slide13.xml><?xml version="1.0" encoding="utf-8"?>
+<p:sld xmlns:a="http://schemas.openxmlformats.org/drawingml/2006/main" xmlns:r="http://schemas.openxmlformats.org/officeDocument/2006/relationships" xmlns:p="http://schemas.openxmlformats.org/presentationml/2006/main">
+  <p:cSld>
+    <p:spTree>
+      <p:nvGrpSpPr>
+        <p:cNvPr id="1" name=""/>
+        <p:cNvGrpSpPr/>
+        <p:nvPr/>
+      </p:nvGrpSpPr>
+      <p:grpSpPr>
+        <a:xfrm>
+          <a:off x="0" y="0"/>
+          <a:ext cx="0" cy="0"/>
+          <a:chOff x="0" y="0"/>
+          <a:chExt cx="0" cy="0"/>
+        </a:xfrm>
+      </p:grpSpPr>
+      <p:sp>
+        <p:nvSpPr>
+          <p:cNvPr id="6" name="正方形/長方形 5">
+            <a:extLst>
+              <a:ext uri="{FF2B5EF4-FFF2-40B4-BE49-F238E27FC236}">
+                <a16:creationId xmlns:a16="http://schemas.microsoft.com/office/drawing/2014/main" id="{B1578A1E-A918-4D17-BF4D-15695443B57B}"/>
+              </a:ext>
+            </a:extLst>
+          </p:cNvPr>
+          <p:cNvSpPr/>
+          <p:nvPr/>
+        </p:nvSpPr>
+        <p:spPr>
+          <a:xfrm>
+            <a:off x="2613991" y="5649349"/>
+            <a:ext cx="4149065" cy="363825"/>
+          </a:xfrm>
+          <a:prstGeom prst="rect">
+            <a:avLst/>
+          </a:prstGeom>
+          <a:noFill/>
+          <a:ln>
+            <a:noFill/>
+          </a:ln>
+        </p:spPr>
+        <p:style>
+          <a:lnRef idx="2">
+            <a:schemeClr val="accent1">
+              <a:shade val="50000"/>
+            </a:schemeClr>
+          </a:lnRef>
+          <a:fillRef idx="1">
+            <a:schemeClr val="accent1"/>
+          </a:fillRef>
+          <a:effectRef idx="0">
+            <a:schemeClr val="accent1"/>
+          </a:effectRef>
+          <a:fontRef idx="minor">
+            <a:schemeClr val="lt1"/>
+          </a:fontRef>
+        </p:style>
+        <p:txBody>
+          <a:bodyPr rtlCol="0" anchor="ctr"/>
+          <a:lstStyle/>
+          <a:p>
+            <a:pPr algn="ctr"/>
+            <a:endParaRPr kumimoji="1" lang="ja-JP" altLang="en-US" dirty="0"/>
+          </a:p>
+        </p:txBody>
+      </p:sp>
+      <p:grpSp>
+        <p:nvGrpSpPr>
+          <p:cNvPr id="4" name="グループ化 3">
+            <a:extLst>
+              <a:ext uri="{FF2B5EF4-FFF2-40B4-BE49-F238E27FC236}">
+                <a16:creationId xmlns:a16="http://schemas.microsoft.com/office/drawing/2014/main" id="{654DC170-1444-43E7-B84D-6A22DA0FDC9A}"/>
+              </a:ext>
+            </a:extLst>
+          </p:cNvPr>
+          <p:cNvGrpSpPr/>
+          <p:nvPr/>
+        </p:nvGrpSpPr>
+        <p:grpSpPr>
+          <a:xfrm>
+            <a:off x="1786942" y="844826"/>
+            <a:ext cx="4424224" cy="3955774"/>
+            <a:chOff x="1786942" y="844826"/>
+            <a:chExt cx="4424224" cy="3955774"/>
+          </a:xfrm>
+        </p:grpSpPr>
+        <p:pic>
+          <p:nvPicPr>
+            <p:cNvPr id="3" name="図 2">
+              <a:extLst>
+                <a:ext uri="{FF2B5EF4-FFF2-40B4-BE49-F238E27FC236}">
+                  <a16:creationId xmlns:a16="http://schemas.microsoft.com/office/drawing/2014/main" id="{44694569-2A21-442C-BAF3-180169E4F886}"/>
+                </a:ext>
+              </a:extLst>
+            </p:cNvPr>
+            <p:cNvPicPr>
+              <a:picLocks noChangeAspect="1"/>
+            </p:cNvPicPr>
+            <p:nvPr/>
+          </p:nvPicPr>
+          <p:blipFill rotWithShape="1">
+            <a:blip r:embed="rId2">
+              <a:extLst>
+                <a:ext uri="{28A0092B-C50C-407E-A947-70E740481C1C}">
+                  <a14:useLocalDpi xmlns:a14="http://schemas.microsoft.com/office/drawing/2010/main" val="0"/>
+                </a:ext>
+              </a:extLst>
+            </a:blip>
+            <a:srcRect l="64999" t="26249" b="1726"/>
+            <a:stretch/>
+          </p:blipFill>
+          <p:spPr>
+            <a:xfrm>
+              <a:off x="2355574" y="844826"/>
+              <a:ext cx="3200399" cy="3707296"/>
+            </a:xfrm>
+            <a:prstGeom prst="rect">
+              <a:avLst/>
+            </a:prstGeom>
+          </p:spPr>
+        </p:pic>
+        <p:sp>
+          <p:nvSpPr>
+            <p:cNvPr id="5" name="テキスト ボックス 4">
+              <a:extLst>
+                <a:ext uri="{FF2B5EF4-FFF2-40B4-BE49-F238E27FC236}">
+                  <a16:creationId xmlns:a16="http://schemas.microsoft.com/office/drawing/2014/main" id="{51EAD18A-862F-4221-B01D-9F6D06AE7626}"/>
+                </a:ext>
+              </a:extLst>
+            </p:cNvPr>
+            <p:cNvSpPr txBox="1"/>
+            <p:nvPr/>
+          </p:nvSpPr>
+          <p:spPr>
+            <a:xfrm>
+              <a:off x="1786942" y="4462046"/>
+              <a:ext cx="4424224" cy="338554"/>
+            </a:xfrm>
+            <a:prstGeom prst="rect">
+              <a:avLst/>
+            </a:prstGeom>
+            <a:noFill/>
+          </p:spPr>
+          <p:txBody>
+            <a:bodyPr wrap="none" rtlCol="0">
+              <a:spAutoFit/>
+            </a:bodyPr>
+            <a:lstStyle/>
+            <a:p>
+              <a:r>
+                <a:rPr kumimoji="1" lang="en-US" altLang="ja-JP" sz="1600" dirty="0">
+                  <a:solidFill>
+                    <a:sysClr val="windowText" lastClr="000000"/>
+                  </a:solidFill>
+                </a:rPr>
+                <a:t>Y. Endo, Master. Thesis, Gifu University (2017) P38</a:t>
+              </a:r>
+              <a:endParaRPr kumimoji="1" lang="ja-JP" altLang="en-US" sz="1600" dirty="0">
+                <a:solidFill>
+                  <a:sysClr val="windowText" lastClr="000000"/>
+                </a:solidFill>
+              </a:endParaRPr>
+            </a:p>
+          </p:txBody>
+        </p:sp>
+      </p:grpSp>
+    </p:spTree>
+    <p:extLst>
+      <p:ext uri="{BB962C8B-B14F-4D97-AF65-F5344CB8AC3E}">
+        <p14:creationId xmlns:p14="http://schemas.microsoft.com/office/powerpoint/2010/main" val="2939120618"/>
+      </p:ext>
+    </p:extLst>
+  </p:cSld>
+  <p:clrMapOvr>
+    <a:masterClrMapping/>
+  </p:clrMapOvr>
+</p:sld>
+</file>
+
+<file path=ppt/slides/slide14.xml><?xml version="1.0" encoding="utf-8"?>
+<p:sld xmlns:a="http://schemas.openxmlformats.org/drawingml/2006/main" xmlns:r="http://schemas.openxmlformats.org/officeDocument/2006/relationships" xmlns:p="http://schemas.openxmlformats.org/presentationml/2006/main">
+  <p:cSld>
+    <p:spTree>
+      <p:nvGrpSpPr>
+        <p:cNvPr id="1" name=""/>
+        <p:cNvGrpSpPr/>
+        <p:nvPr/>
+      </p:nvGrpSpPr>
+      <p:grpSpPr>
+        <a:xfrm>
+          <a:off x="0" y="0"/>
+          <a:ext cx="0" cy="0"/>
+          <a:chOff x="0" y="0"/>
+          <a:chExt cx="0" cy="0"/>
+        </a:xfrm>
+      </p:grpSpPr>
+      <p:sp>
+        <p:nvSpPr>
+          <p:cNvPr id="6" name="正方形/長方形 5">
+            <a:extLst>
+              <a:ext uri="{FF2B5EF4-FFF2-40B4-BE49-F238E27FC236}">
+                <a16:creationId xmlns:a16="http://schemas.microsoft.com/office/drawing/2014/main" id="{B1578A1E-A918-4D17-BF4D-15695443B57B}"/>
+              </a:ext>
+            </a:extLst>
+          </p:cNvPr>
+          <p:cNvSpPr/>
+          <p:nvPr/>
+        </p:nvSpPr>
+        <p:spPr>
+          <a:xfrm>
+            <a:off x="2613991" y="5649349"/>
+            <a:ext cx="4149065" cy="363825"/>
+          </a:xfrm>
+          <a:prstGeom prst="rect">
+            <a:avLst/>
+          </a:prstGeom>
+          <a:noFill/>
+          <a:ln>
+            <a:noFill/>
+          </a:ln>
+        </p:spPr>
+        <p:style>
+          <a:lnRef idx="2">
+            <a:schemeClr val="accent1">
+              <a:shade val="50000"/>
+            </a:schemeClr>
+          </a:lnRef>
+          <a:fillRef idx="1">
+            <a:schemeClr val="accent1"/>
+          </a:fillRef>
+          <a:effectRef idx="0">
+            <a:schemeClr val="accent1"/>
+          </a:effectRef>
+          <a:fontRef idx="minor">
+            <a:schemeClr val="lt1"/>
+          </a:fontRef>
+        </p:style>
+        <p:txBody>
+          <a:bodyPr rtlCol="0" anchor="ctr"/>
+          <a:lstStyle/>
+          <a:p>
+            <a:pPr algn="ctr"/>
+            <a:endParaRPr kumimoji="1" lang="ja-JP" altLang="en-US" dirty="0"/>
+          </a:p>
+        </p:txBody>
+      </p:sp>
+      <p:grpSp>
+        <p:nvGrpSpPr>
+          <p:cNvPr id="8" name="グループ化 7">
+            <a:extLst>
+              <a:ext uri="{FF2B5EF4-FFF2-40B4-BE49-F238E27FC236}">
+                <a16:creationId xmlns:a16="http://schemas.microsoft.com/office/drawing/2014/main" id="{20AE080E-D7ED-4A05-9C42-2EEFF580A0B6}"/>
+              </a:ext>
+            </a:extLst>
+          </p:cNvPr>
+          <p:cNvGrpSpPr/>
+          <p:nvPr/>
+        </p:nvGrpSpPr>
+        <p:grpSpPr>
+          <a:xfrm>
+            <a:off x="129208" y="858253"/>
+            <a:ext cx="4610333" cy="5311562"/>
+            <a:chOff x="129208" y="858253"/>
+            <a:chExt cx="4610333" cy="5311562"/>
+          </a:xfrm>
+        </p:grpSpPr>
+        <p:grpSp>
+          <p:nvGrpSpPr>
+            <p:cNvPr id="5" name="グループ化 4">
+              <a:extLst>
+                <a:ext uri="{FF2B5EF4-FFF2-40B4-BE49-F238E27FC236}">
+                  <a16:creationId xmlns:a16="http://schemas.microsoft.com/office/drawing/2014/main" id="{37BD33E3-B483-43A6-9F16-5D6727A6CC9C}"/>
+                </a:ext>
+              </a:extLst>
+            </p:cNvPr>
+            <p:cNvGrpSpPr/>
+            <p:nvPr/>
+          </p:nvGrpSpPr>
+          <p:grpSpPr>
+            <a:xfrm>
+              <a:off x="129208" y="858253"/>
+              <a:ext cx="4442791" cy="5141494"/>
+              <a:chOff x="129208" y="858253"/>
+              <a:chExt cx="4442791" cy="5141494"/>
+            </a:xfrm>
+          </p:grpSpPr>
+          <p:pic>
+            <p:nvPicPr>
+              <p:cNvPr id="3" name="図 2">
+                <a:extLst>
+                  <a:ext uri="{FF2B5EF4-FFF2-40B4-BE49-F238E27FC236}">
+                    <a16:creationId xmlns:a16="http://schemas.microsoft.com/office/drawing/2014/main" id="{94EE1FF2-A067-4F5D-89DF-9A527FF8DC57}"/>
+                  </a:ext>
+                </a:extLst>
+              </p:cNvPr>
+              <p:cNvPicPr>
+                <a:picLocks noChangeAspect="1"/>
+              </p:cNvPicPr>
+              <p:nvPr/>
+            </p:nvPicPr>
+            <p:blipFill rotWithShape="1">
+              <a:blip r:embed="rId2">
+                <a:extLst>
+                  <a:ext uri="{28A0092B-C50C-407E-A947-70E740481C1C}">
+                    <a14:useLocalDpi xmlns:a14="http://schemas.microsoft.com/office/drawing/2010/main" val="0"/>
+                  </a:ext>
+                </a:extLst>
+              </a:blip>
+              <a:srcRect l="1413" r="50000"/>
+              <a:stretch/>
+            </p:blipFill>
+            <p:spPr>
+              <a:xfrm>
+                <a:off x="129208" y="858253"/>
+                <a:ext cx="4442791" cy="5141494"/>
+              </a:xfrm>
+              <a:prstGeom prst="rect">
+                <a:avLst/>
+              </a:prstGeom>
+            </p:spPr>
+          </p:pic>
+          <p:sp>
+            <p:nvSpPr>
+              <p:cNvPr id="2" name="正方形/長方形 1">
+                <a:extLst>
+                  <a:ext uri="{FF2B5EF4-FFF2-40B4-BE49-F238E27FC236}">
+                    <a16:creationId xmlns:a16="http://schemas.microsoft.com/office/drawing/2014/main" id="{27F132B0-0CA1-4FF0-8C58-9D097CE44816}"/>
+                  </a:ext>
+                </a:extLst>
+              </p:cNvPr>
+              <p:cNvSpPr/>
+              <p:nvPr/>
+            </p:nvSpPr>
+            <p:spPr>
+              <a:xfrm>
+                <a:off x="4343399" y="1014838"/>
+                <a:ext cx="228600" cy="506895"/>
+              </a:xfrm>
+              <a:prstGeom prst="rect">
+                <a:avLst/>
+              </a:prstGeom>
+              <a:solidFill>
+                <a:schemeClr val="bg1"/>
+              </a:solidFill>
+              <a:ln>
+                <a:solidFill>
+                  <a:schemeClr val="bg1"/>
+                </a:solidFill>
+              </a:ln>
+            </p:spPr>
+            <p:style>
+              <a:lnRef idx="2">
+                <a:schemeClr val="accent1">
+                  <a:shade val="50000"/>
+                </a:schemeClr>
+              </a:lnRef>
+              <a:fillRef idx="1">
+                <a:schemeClr val="accent1"/>
+              </a:fillRef>
+              <a:effectRef idx="0">
+                <a:schemeClr val="accent1"/>
+              </a:effectRef>
+              <a:fontRef idx="minor">
+                <a:schemeClr val="lt1"/>
+              </a:fontRef>
+            </p:style>
+            <p:txBody>
+              <a:bodyPr rtlCol="0" anchor="ctr"/>
+              <a:lstStyle/>
+              <a:p>
+                <a:pPr algn="ctr"/>
+                <a:endParaRPr kumimoji="1" lang="ja-JP" altLang="en-US"/>
+              </a:p>
+            </p:txBody>
+          </p:sp>
+        </p:grpSp>
+        <p:sp>
+          <p:nvSpPr>
+            <p:cNvPr id="7" name="テキスト ボックス 6">
+              <a:extLst>
+                <a:ext uri="{FF2B5EF4-FFF2-40B4-BE49-F238E27FC236}">
+                  <a16:creationId xmlns:a16="http://schemas.microsoft.com/office/drawing/2014/main" id="{11162E15-DD4B-48CB-9ACF-50010FA2DF42}"/>
+                </a:ext>
+              </a:extLst>
+            </p:cNvPr>
+            <p:cNvSpPr txBox="1"/>
+            <p:nvPr/>
+          </p:nvSpPr>
+          <p:spPr>
+            <a:xfrm>
+              <a:off x="401879" y="5831261"/>
+              <a:ext cx="4337662" cy="338554"/>
+            </a:xfrm>
+            <a:prstGeom prst="rect">
+              <a:avLst/>
+            </a:prstGeom>
+            <a:noFill/>
+          </p:spPr>
+          <p:txBody>
+            <a:bodyPr wrap="none" rtlCol="0">
+              <a:spAutoFit/>
+            </a:bodyPr>
+            <a:lstStyle/>
+            <a:p>
+              <a:r>
+                <a:rPr kumimoji="1" lang="en-US" altLang="ja-JP" sz="1600" dirty="0">
+                  <a:solidFill>
+                    <a:sysClr val="windowText" lastClr="000000"/>
+                  </a:solidFill>
+                </a:rPr>
+                <a:t>Y. Endo, Master. Thesis, Gifu University (2017) P34</a:t>
+              </a:r>
+              <a:endParaRPr kumimoji="1" lang="ja-JP" altLang="en-US" sz="1600" dirty="0">
+                <a:solidFill>
+                  <a:sysClr val="windowText" lastClr="000000"/>
+                </a:solidFill>
+              </a:endParaRPr>
+            </a:p>
+          </p:txBody>
+        </p:sp>
+      </p:grpSp>
+    </p:spTree>
+    <p:extLst>
+      <p:ext uri="{BB962C8B-B14F-4D97-AF65-F5344CB8AC3E}">
+        <p14:creationId xmlns:p14="http://schemas.microsoft.com/office/powerpoint/2010/main" val="2417523272"/>
+      </p:ext>
+    </p:extLst>
+  </p:cSld>
+  <p:clrMapOvr>
+    <a:masterClrMapping/>
+  </p:clrMapOvr>
+</p:sld>
+</file>
+
+<file path=ppt/slides/slide15.xml><?xml version="1.0" encoding="utf-8"?>
+<p:sld xmlns:a="http://schemas.openxmlformats.org/drawingml/2006/main" xmlns:r="http://schemas.openxmlformats.org/officeDocument/2006/relationships" xmlns:p="http://schemas.openxmlformats.org/presentationml/2006/main">
+  <p:cSld>
+    <p:spTree>
+      <p:nvGrpSpPr>
+        <p:cNvPr id="1" name=""/>
+        <p:cNvGrpSpPr/>
+        <p:nvPr/>
+      </p:nvGrpSpPr>
+      <p:grpSpPr>
+        <a:xfrm>
+          <a:off x="0" y="0"/>
+          <a:ext cx="0" cy="0"/>
+          <a:chOff x="0" y="0"/>
+          <a:chExt cx="0" cy="0"/>
+        </a:xfrm>
+      </p:grpSpPr>
+      <p:grpSp>
+        <p:nvGrpSpPr>
+          <p:cNvPr id="5" name="グループ化 4">
+            <a:extLst>
+              <a:ext uri="{FF2B5EF4-FFF2-40B4-BE49-F238E27FC236}">
+                <a16:creationId xmlns:a16="http://schemas.microsoft.com/office/drawing/2014/main" id="{332E0FE4-232F-4DF0-AF15-FB57E92423F3}"/>
+              </a:ext>
+            </a:extLst>
+          </p:cNvPr>
+          <p:cNvGrpSpPr/>
+          <p:nvPr/>
+        </p:nvGrpSpPr>
+        <p:grpSpPr>
+          <a:xfrm>
+            <a:off x="2251336" y="599836"/>
+            <a:ext cx="4511720" cy="5413338"/>
+            <a:chOff x="2251336" y="599836"/>
+            <a:chExt cx="4511720" cy="5413338"/>
+          </a:xfrm>
+        </p:grpSpPr>
+        <p:sp>
+          <p:nvSpPr>
+            <p:cNvPr id="6" name="正方形/長方形 5">
+              <a:extLst>
+                <a:ext uri="{FF2B5EF4-FFF2-40B4-BE49-F238E27FC236}">
+                  <a16:creationId xmlns:a16="http://schemas.microsoft.com/office/drawing/2014/main" id="{B1578A1E-A918-4D17-BF4D-15695443B57B}"/>
+                </a:ext>
+              </a:extLst>
+            </p:cNvPr>
+            <p:cNvSpPr/>
+            <p:nvPr/>
+          </p:nvSpPr>
+          <p:spPr>
+            <a:xfrm>
+              <a:off x="2613991" y="5649349"/>
+              <a:ext cx="4149065" cy="363825"/>
+            </a:xfrm>
+            <a:prstGeom prst="rect">
+              <a:avLst/>
+            </a:prstGeom>
+            <a:noFill/>
+            <a:ln>
+              <a:noFill/>
+            </a:ln>
+          </p:spPr>
+          <p:style>
+            <a:lnRef idx="2">
+              <a:schemeClr val="accent1">
+                <a:shade val="50000"/>
+              </a:schemeClr>
+            </a:lnRef>
+            <a:fillRef idx="1">
+              <a:schemeClr val="accent1"/>
+            </a:fillRef>
+            <a:effectRef idx="0">
+              <a:schemeClr val="accent1"/>
+            </a:effectRef>
+            <a:fontRef idx="minor">
+              <a:schemeClr val="lt1"/>
+            </a:fontRef>
+          </p:style>
+          <p:txBody>
+            <a:bodyPr rtlCol="0" anchor="ctr"/>
+            <a:lstStyle/>
+            <a:p>
+              <a:pPr algn="ctr"/>
+              <a:endParaRPr kumimoji="1" lang="ja-JP" altLang="en-US" dirty="0"/>
+            </a:p>
+          </p:txBody>
+        </p:sp>
+        <p:grpSp>
+          <p:nvGrpSpPr>
+            <p:cNvPr id="2" name="グループ化 1">
+              <a:extLst>
+                <a:ext uri="{FF2B5EF4-FFF2-40B4-BE49-F238E27FC236}">
+                  <a16:creationId xmlns:a16="http://schemas.microsoft.com/office/drawing/2014/main" id="{37210CE4-A241-4D86-884C-904524E8B49E}"/>
+                </a:ext>
+              </a:extLst>
+            </p:cNvPr>
+            <p:cNvGrpSpPr/>
+            <p:nvPr/>
+          </p:nvGrpSpPr>
+          <p:grpSpPr>
+            <a:xfrm>
+              <a:off x="2345635" y="599836"/>
+              <a:ext cx="4149065" cy="5154921"/>
+              <a:chOff x="4412974" y="858253"/>
+              <a:chExt cx="4149065" cy="5154921"/>
+            </a:xfrm>
+          </p:grpSpPr>
+          <p:pic>
+            <p:nvPicPr>
+              <p:cNvPr id="3" name="図 2">
+                <a:extLst>
+                  <a:ext uri="{FF2B5EF4-FFF2-40B4-BE49-F238E27FC236}">
+                    <a16:creationId xmlns:a16="http://schemas.microsoft.com/office/drawing/2014/main" id="{94EE1FF2-A067-4F5D-89DF-9A527FF8DC57}"/>
+                  </a:ext>
+                </a:extLst>
+              </p:cNvPr>
+              <p:cNvPicPr>
+                <a:picLocks noChangeAspect="1"/>
+              </p:cNvPicPr>
+              <p:nvPr/>
+            </p:nvPicPr>
+            <p:blipFill rotWithShape="1">
+              <a:blip r:embed="rId2">
+                <a:extLst>
+                  <a:ext uri="{28A0092B-C50C-407E-A947-70E740481C1C}">
+                    <a14:useLocalDpi xmlns:a14="http://schemas.microsoft.com/office/drawing/2010/main" val="0"/>
+                  </a:ext>
+                </a:extLst>
+              </a:blip>
+              <a:srcRect l="48261" r="6365" b="-261"/>
+              <a:stretch/>
+            </p:blipFill>
+            <p:spPr>
+              <a:xfrm>
+                <a:off x="4412974" y="858253"/>
+                <a:ext cx="4149065" cy="5154921"/>
+              </a:xfrm>
+              <a:prstGeom prst="rect">
+                <a:avLst/>
+              </a:prstGeom>
+            </p:spPr>
+          </p:pic>
+          <p:sp>
+            <p:nvSpPr>
+              <p:cNvPr id="4" name="正方形/長方形 3">
+                <a:extLst>
+                  <a:ext uri="{FF2B5EF4-FFF2-40B4-BE49-F238E27FC236}">
+                    <a16:creationId xmlns:a16="http://schemas.microsoft.com/office/drawing/2014/main" id="{43F55D67-A1DB-4F89-B259-1425249EB08B}"/>
+                  </a:ext>
+                </a:extLst>
+              </p:cNvPr>
+              <p:cNvSpPr/>
+              <p:nvPr/>
+            </p:nvSpPr>
+            <p:spPr>
+              <a:xfrm>
+                <a:off x="4412974" y="2237351"/>
+                <a:ext cx="228600" cy="506895"/>
+              </a:xfrm>
+              <a:prstGeom prst="rect">
+                <a:avLst/>
+              </a:prstGeom>
+              <a:solidFill>
+                <a:schemeClr val="bg1"/>
+              </a:solidFill>
+              <a:ln>
+                <a:solidFill>
+                  <a:schemeClr val="bg1"/>
+                </a:solidFill>
+              </a:ln>
+            </p:spPr>
+            <p:style>
+              <a:lnRef idx="2">
+                <a:schemeClr val="accent1">
+                  <a:shade val="50000"/>
+                </a:schemeClr>
+              </a:lnRef>
+              <a:fillRef idx="1">
+                <a:schemeClr val="accent1"/>
+              </a:fillRef>
+              <a:effectRef idx="0">
+                <a:schemeClr val="accent1"/>
+              </a:effectRef>
+              <a:fontRef idx="minor">
+                <a:schemeClr val="lt1"/>
+              </a:fontRef>
+            </p:style>
+            <p:txBody>
+              <a:bodyPr rtlCol="0" anchor="ctr"/>
+              <a:lstStyle/>
+              <a:p>
+                <a:pPr algn="ctr"/>
+                <a:endParaRPr kumimoji="1" lang="ja-JP" altLang="en-US"/>
+              </a:p>
+            </p:txBody>
+          </p:sp>
+        </p:grpSp>
+        <p:sp>
+          <p:nvSpPr>
+            <p:cNvPr id="7" name="テキスト ボックス 6">
+              <a:extLst>
+                <a:ext uri="{FF2B5EF4-FFF2-40B4-BE49-F238E27FC236}">
+                  <a16:creationId xmlns:a16="http://schemas.microsoft.com/office/drawing/2014/main" id="{32A666DF-ED70-4CD6-AAB5-7DB90F0ED7AB}"/>
+                </a:ext>
+              </a:extLst>
+            </p:cNvPr>
+            <p:cNvSpPr txBox="1"/>
+            <p:nvPr/>
+          </p:nvSpPr>
+          <p:spPr>
+            <a:xfrm>
+              <a:off x="2251336" y="5624925"/>
+              <a:ext cx="4337662" cy="338554"/>
+            </a:xfrm>
+            <a:prstGeom prst="rect">
+              <a:avLst/>
+            </a:prstGeom>
+            <a:noFill/>
+          </p:spPr>
+          <p:txBody>
+            <a:bodyPr wrap="none" rtlCol="0">
+              <a:spAutoFit/>
+            </a:bodyPr>
+            <a:lstStyle/>
+            <a:p>
+              <a:r>
+                <a:rPr kumimoji="1" lang="en-US" altLang="ja-JP" sz="1600" dirty="0">
+                  <a:solidFill>
+                    <a:sysClr val="windowText" lastClr="000000"/>
+                  </a:solidFill>
+                </a:rPr>
+                <a:t>Y. Endo, Master. Thesis, Gifu University (2017) P34</a:t>
+              </a:r>
+              <a:endParaRPr kumimoji="1" lang="ja-JP" altLang="en-US" sz="1600" dirty="0">
+                <a:solidFill>
+                  <a:sysClr val="windowText" lastClr="000000"/>
+                </a:solidFill>
+              </a:endParaRPr>
+            </a:p>
+          </p:txBody>
+        </p:sp>
+      </p:grpSp>
+    </p:spTree>
+    <p:extLst>
+      <p:ext uri="{BB962C8B-B14F-4D97-AF65-F5344CB8AC3E}">
+        <p14:creationId xmlns:p14="http://schemas.microsoft.com/office/powerpoint/2010/main" val="1612587633"/>
+      </p:ext>
+    </p:extLst>
+  </p:cSld>
+  <p:clrMapOvr>
+    <a:masterClrMapping/>
+  </p:clrMapOvr>
+</p:sld>
+</file>
+
+<file path=ppt/slides/slide16.xml><?xml version="1.0" encoding="utf-8"?>
+<p:sld xmlns:a="http://schemas.openxmlformats.org/drawingml/2006/main" xmlns:r="http://schemas.openxmlformats.org/officeDocument/2006/relationships" xmlns:p="http://schemas.openxmlformats.org/presentationml/2006/main">
+  <p:cSld>
+    <p:spTree>
+      <p:nvGrpSpPr>
+        <p:cNvPr id="1" name=""/>
+        <p:cNvGrpSpPr/>
+        <p:nvPr/>
+      </p:nvGrpSpPr>
+      <p:grpSpPr>
+        <a:xfrm>
+          <a:off x="0" y="0"/>
+          <a:ext cx="0" cy="0"/>
+          <a:chOff x="0" y="0"/>
+          <a:chExt cx="0" cy="0"/>
+        </a:xfrm>
+      </p:grpSpPr>
+      <p:sp>
+        <p:nvSpPr>
+          <p:cNvPr id="6" name="正方形/長方形 5">
+            <a:extLst>
+              <a:ext uri="{FF2B5EF4-FFF2-40B4-BE49-F238E27FC236}">
+                <a16:creationId xmlns:a16="http://schemas.microsoft.com/office/drawing/2014/main" id="{B1578A1E-A918-4D17-BF4D-15695443B57B}"/>
+              </a:ext>
+            </a:extLst>
+          </p:cNvPr>
+          <p:cNvSpPr/>
+          <p:nvPr/>
+        </p:nvSpPr>
+        <p:spPr>
+          <a:xfrm>
+            <a:off x="2613991" y="5649349"/>
+            <a:ext cx="4149065" cy="363825"/>
+          </a:xfrm>
+          <a:prstGeom prst="rect">
+            <a:avLst/>
+          </a:prstGeom>
+          <a:noFill/>
+          <a:ln>
+            <a:noFill/>
+          </a:ln>
+        </p:spPr>
+        <p:style>
+          <a:lnRef idx="2">
+            <a:schemeClr val="accent1">
+              <a:shade val="50000"/>
+            </a:schemeClr>
+          </a:lnRef>
+          <a:fillRef idx="1">
+            <a:schemeClr val="accent1"/>
+          </a:fillRef>
+          <a:effectRef idx="0">
+            <a:schemeClr val="accent1"/>
+          </a:effectRef>
+          <a:fontRef idx="minor">
+            <a:schemeClr val="lt1"/>
+          </a:fontRef>
+        </p:style>
+        <p:txBody>
+          <a:bodyPr rtlCol="0" anchor="ctr"/>
+          <a:lstStyle/>
+          <a:p>
+            <a:pPr algn="ctr"/>
+            <a:endParaRPr kumimoji="1" lang="ja-JP" altLang="en-US" dirty="0"/>
+          </a:p>
+        </p:txBody>
+      </p:sp>
+    </p:spTree>
+    <p:extLst>
+      <p:ext uri="{BB962C8B-B14F-4D97-AF65-F5344CB8AC3E}">
+        <p14:creationId xmlns:p14="http://schemas.microsoft.com/office/powerpoint/2010/main" val="2437747526"/>
+      </p:ext>
+    </p:extLst>
+  </p:cSld>
+  <p:clrMapOvr>
+    <a:masterClrMapping/>
+  </p:clrMapOvr>
+</p:sld>
+</file>
+
+<file path=ppt/slides/slide17.xml><?xml version="1.0" encoding="utf-8"?>
+<p:sld xmlns:a="http://schemas.openxmlformats.org/drawingml/2006/main" xmlns:r="http://schemas.openxmlformats.org/officeDocument/2006/relationships" xmlns:p="http://schemas.openxmlformats.org/presentationml/2006/main">
+  <p:cSld>
+    <p:spTree>
+      <p:nvGrpSpPr>
+        <p:cNvPr id="1" name=""/>
+        <p:cNvGrpSpPr/>
+        <p:nvPr/>
+      </p:nvGrpSpPr>
+      <p:grpSpPr>
+        <a:xfrm>
+          <a:off x="0" y="0"/>
+          <a:ext cx="0" cy="0"/>
+          <a:chOff x="0" y="0"/>
+          <a:chExt cx="0" cy="0"/>
+        </a:xfrm>
+      </p:grpSpPr>
+      <p:sp>
+        <p:nvSpPr>
+          <p:cNvPr id="6" name="正方形/長方形 5">
+            <a:extLst>
+              <a:ext uri="{FF2B5EF4-FFF2-40B4-BE49-F238E27FC236}">
+                <a16:creationId xmlns:a16="http://schemas.microsoft.com/office/drawing/2014/main" id="{B1578A1E-A918-4D17-BF4D-15695443B57B}"/>
+              </a:ext>
+            </a:extLst>
+          </p:cNvPr>
+          <p:cNvSpPr/>
+          <p:nvPr/>
+        </p:nvSpPr>
+        <p:spPr>
+          <a:xfrm>
+            <a:off x="2613991" y="5649349"/>
+            <a:ext cx="4149065" cy="363825"/>
+          </a:xfrm>
+          <a:prstGeom prst="rect">
+            <a:avLst/>
+          </a:prstGeom>
+          <a:noFill/>
+          <a:ln>
+            <a:noFill/>
+          </a:ln>
+        </p:spPr>
+        <p:style>
+          <a:lnRef idx="2">
+            <a:schemeClr val="accent1">
+              <a:shade val="50000"/>
+            </a:schemeClr>
+          </a:lnRef>
+          <a:fillRef idx="1">
+            <a:schemeClr val="accent1"/>
+          </a:fillRef>
+          <a:effectRef idx="0">
+            <a:schemeClr val="accent1"/>
+          </a:effectRef>
+          <a:fontRef idx="minor">
+            <a:schemeClr val="lt1"/>
+          </a:fontRef>
+        </p:style>
+        <p:txBody>
+          <a:bodyPr rtlCol="0" anchor="ctr"/>
+          <a:lstStyle/>
+          <a:p>
+            <a:pPr algn="ctr"/>
+            <a:endParaRPr kumimoji="1" lang="ja-JP" altLang="en-US" dirty="0"/>
+          </a:p>
+        </p:txBody>
+      </p:sp>
+    </p:spTree>
+    <p:extLst>
+      <p:ext uri="{BB962C8B-B14F-4D97-AF65-F5344CB8AC3E}">
+        <p14:creationId xmlns:p14="http://schemas.microsoft.com/office/powerpoint/2010/main" val="2144650347"/>
+      </p:ext>
+    </p:extLst>
+  </p:cSld>
+  <p:clrMapOvr>
+    <a:masterClrMapping/>
+  </p:clrMapOvr>
+</p:sld>
+</file>
+
+<file path=ppt/slides/slide18.xml><?xml version="1.0" encoding="utf-8"?>
+<p:sld xmlns:a="http://schemas.openxmlformats.org/drawingml/2006/main" xmlns:r="http://schemas.openxmlformats.org/officeDocument/2006/relationships" xmlns:p="http://schemas.openxmlformats.org/presentationml/2006/main">
+  <p:cSld>
+    <p:spTree>
+      <p:nvGrpSpPr>
+        <p:cNvPr id="1" name=""/>
+        <p:cNvGrpSpPr/>
+        <p:nvPr/>
+      </p:nvGrpSpPr>
+      <p:grpSpPr>
+        <a:xfrm>
+          <a:off x="0" y="0"/>
+          <a:ext cx="0" cy="0"/>
+          <a:chOff x="0" y="0"/>
+          <a:chExt cx="0" cy="0"/>
+        </a:xfrm>
+      </p:grpSpPr>
+      <p:sp>
+        <p:nvSpPr>
+          <p:cNvPr id="6" name="正方形/長方形 5">
+            <a:extLst>
+              <a:ext uri="{FF2B5EF4-FFF2-40B4-BE49-F238E27FC236}">
+                <a16:creationId xmlns:a16="http://schemas.microsoft.com/office/drawing/2014/main" id="{B1578A1E-A918-4D17-BF4D-15695443B57B}"/>
+              </a:ext>
+            </a:extLst>
+          </p:cNvPr>
+          <p:cNvSpPr/>
+          <p:nvPr/>
+        </p:nvSpPr>
+        <p:spPr>
+          <a:xfrm>
+            <a:off x="2613991" y="5649349"/>
+            <a:ext cx="4149065" cy="363825"/>
+          </a:xfrm>
+          <a:prstGeom prst="rect">
+            <a:avLst/>
+          </a:prstGeom>
+          <a:noFill/>
+          <a:ln>
+            <a:noFill/>
+          </a:ln>
+        </p:spPr>
+        <p:style>
+          <a:lnRef idx="2">
+            <a:schemeClr val="accent1">
+              <a:shade val="50000"/>
+            </a:schemeClr>
+          </a:lnRef>
+          <a:fillRef idx="1">
+            <a:schemeClr val="accent1"/>
+          </a:fillRef>
+          <a:effectRef idx="0">
+            <a:schemeClr val="accent1"/>
+          </a:effectRef>
+          <a:fontRef idx="minor">
+            <a:schemeClr val="lt1"/>
+          </a:fontRef>
+        </p:style>
+        <p:txBody>
+          <a:bodyPr rtlCol="0" anchor="ctr"/>
+          <a:lstStyle/>
+          <a:p>
+            <a:pPr algn="ctr"/>
+            <a:endParaRPr kumimoji="1" lang="ja-JP" altLang="en-US" dirty="0"/>
+          </a:p>
+        </p:txBody>
+      </p:sp>
+    </p:spTree>
+    <p:extLst>
+      <p:ext uri="{BB962C8B-B14F-4D97-AF65-F5344CB8AC3E}">
+        <p14:creationId xmlns:p14="http://schemas.microsoft.com/office/powerpoint/2010/main" val="2764561612"/>
+      </p:ext>
+    </p:extLst>
+  </p:cSld>
+  <p:clrMapOvr>
+    <a:masterClrMapping/>
+  </p:clrMapOvr>
+</p:sld>
+</file>
+
+<file path=ppt/slides/slide19.xml><?xml version="1.0" encoding="utf-8"?>
+<p:sld xmlns:a="http://schemas.openxmlformats.org/drawingml/2006/main" xmlns:r="http://schemas.openxmlformats.org/officeDocument/2006/relationships" xmlns:p="http://schemas.openxmlformats.org/presentationml/2006/main">
+  <p:cSld>
+    <p:spTree>
+      <p:nvGrpSpPr>
+        <p:cNvPr id="1" name=""/>
+        <p:cNvGrpSpPr/>
+        <p:nvPr/>
+      </p:nvGrpSpPr>
+      <p:grpSpPr>
+        <a:xfrm>
+          <a:off x="0" y="0"/>
+          <a:ext cx="0" cy="0"/>
+          <a:chOff x="0" y="0"/>
+          <a:chExt cx="0" cy="0"/>
+        </a:xfrm>
+      </p:grpSpPr>
+      <p:sp>
+        <p:nvSpPr>
+          <p:cNvPr id="6" name="正方形/長方形 5">
+            <a:extLst>
+              <a:ext uri="{FF2B5EF4-FFF2-40B4-BE49-F238E27FC236}">
+                <a16:creationId xmlns:a16="http://schemas.microsoft.com/office/drawing/2014/main" id="{B1578A1E-A918-4D17-BF4D-15695443B57B}"/>
+              </a:ext>
+            </a:extLst>
+          </p:cNvPr>
+          <p:cNvSpPr/>
+          <p:nvPr/>
+        </p:nvSpPr>
+        <p:spPr>
+          <a:xfrm>
+            <a:off x="2613991" y="5649349"/>
+            <a:ext cx="4149065" cy="363825"/>
+          </a:xfrm>
+          <a:prstGeom prst="rect">
+            <a:avLst/>
+          </a:prstGeom>
+          <a:noFill/>
+          <a:ln>
+            <a:noFill/>
+          </a:ln>
+        </p:spPr>
+        <p:style>
+          <a:lnRef idx="2">
+            <a:schemeClr val="accent1">
+              <a:shade val="50000"/>
+            </a:schemeClr>
+          </a:lnRef>
+          <a:fillRef idx="1">
+            <a:schemeClr val="accent1"/>
+          </a:fillRef>
+          <a:effectRef idx="0">
+            <a:schemeClr val="accent1"/>
+          </a:effectRef>
+          <a:fontRef idx="minor">
+            <a:schemeClr val="lt1"/>
+          </a:fontRef>
+        </p:style>
+        <p:txBody>
+          <a:bodyPr rtlCol="0" anchor="ctr"/>
+          <a:lstStyle/>
+          <a:p>
+            <a:pPr algn="ctr"/>
+            <a:endParaRPr kumimoji="1" lang="ja-JP" altLang="en-US" dirty="0"/>
+          </a:p>
+        </p:txBody>
+      </p:sp>
+    </p:spTree>
+    <p:extLst>
+      <p:ext uri="{BB962C8B-B14F-4D97-AF65-F5344CB8AC3E}">
+        <p14:creationId xmlns:p14="http://schemas.microsoft.com/office/powerpoint/2010/main" val="2298121941"/>
       </p:ext>
     </p:extLst>
   </p:cSld>
@@ -6050,6 +7368,86 @@
 </p:sld>
 </file>
 
+<file path=ppt/slides/slide20.xml><?xml version="1.0" encoding="utf-8"?>
+<p:sld xmlns:a="http://schemas.openxmlformats.org/drawingml/2006/main" xmlns:r="http://schemas.openxmlformats.org/officeDocument/2006/relationships" xmlns:p="http://schemas.openxmlformats.org/presentationml/2006/main">
+  <p:cSld>
+    <p:spTree>
+      <p:nvGrpSpPr>
+        <p:cNvPr id="1" name=""/>
+        <p:cNvGrpSpPr/>
+        <p:nvPr/>
+      </p:nvGrpSpPr>
+      <p:grpSpPr>
+        <a:xfrm>
+          <a:off x="0" y="0"/>
+          <a:ext cx="0" cy="0"/>
+          <a:chOff x="0" y="0"/>
+          <a:chExt cx="0" cy="0"/>
+        </a:xfrm>
+      </p:grpSpPr>
+      <p:sp>
+        <p:nvSpPr>
+          <p:cNvPr id="6" name="正方形/長方形 5">
+            <a:extLst>
+              <a:ext uri="{FF2B5EF4-FFF2-40B4-BE49-F238E27FC236}">
+                <a16:creationId xmlns:a16="http://schemas.microsoft.com/office/drawing/2014/main" id="{B1578A1E-A918-4D17-BF4D-15695443B57B}"/>
+              </a:ext>
+            </a:extLst>
+          </p:cNvPr>
+          <p:cNvSpPr/>
+          <p:nvPr/>
+        </p:nvSpPr>
+        <p:spPr>
+          <a:xfrm>
+            <a:off x="2613991" y="5649349"/>
+            <a:ext cx="4149065" cy="363825"/>
+          </a:xfrm>
+          <a:prstGeom prst="rect">
+            <a:avLst/>
+          </a:prstGeom>
+          <a:noFill/>
+          <a:ln>
+            <a:noFill/>
+          </a:ln>
+        </p:spPr>
+        <p:style>
+          <a:lnRef idx="2">
+            <a:schemeClr val="accent1">
+              <a:shade val="50000"/>
+            </a:schemeClr>
+          </a:lnRef>
+          <a:fillRef idx="1">
+            <a:schemeClr val="accent1"/>
+          </a:fillRef>
+          <a:effectRef idx="0">
+            <a:schemeClr val="accent1"/>
+          </a:effectRef>
+          <a:fontRef idx="minor">
+            <a:schemeClr val="lt1"/>
+          </a:fontRef>
+        </p:style>
+        <p:txBody>
+          <a:bodyPr rtlCol="0" anchor="ctr"/>
+          <a:lstStyle/>
+          <a:p>
+            <a:pPr algn="ctr"/>
+            <a:endParaRPr kumimoji="1" lang="ja-JP" altLang="en-US" dirty="0"/>
+          </a:p>
+        </p:txBody>
+      </p:sp>
+    </p:spTree>
+    <p:extLst>
+      <p:ext uri="{BB962C8B-B14F-4D97-AF65-F5344CB8AC3E}">
+        <p14:creationId xmlns:p14="http://schemas.microsoft.com/office/powerpoint/2010/main" val="1502763109"/>
+      </p:ext>
+    </p:extLst>
+  </p:cSld>
+  <p:clrMapOvr>
+    <a:masterClrMapping/>
+  </p:clrMapOvr>
+</p:sld>
+</file>
+
 <file path=ppt/slides/slide3.xml><?xml version="1.0" encoding="utf-8"?>
 <p:sld xmlns:a="http://schemas.openxmlformats.org/drawingml/2006/main" xmlns:r="http://schemas.openxmlformats.org/officeDocument/2006/relationships" xmlns:p="http://schemas.openxmlformats.org/presentationml/2006/main">
   <p:cSld>
@@ -18583,6 +19981,206 @@
           </a:p>
         </p:txBody>
       </p:sp>
+      <p:grpSp>
+        <p:nvGrpSpPr>
+          <p:cNvPr id="18" name="グループ化 17">
+            <a:extLst>
+              <a:ext uri="{FF2B5EF4-FFF2-40B4-BE49-F238E27FC236}">
+                <a16:creationId xmlns:a16="http://schemas.microsoft.com/office/drawing/2014/main" id="{195DC6E6-36DD-4A1B-8722-D7E9132A8575}"/>
+              </a:ext>
+            </a:extLst>
+          </p:cNvPr>
+          <p:cNvGrpSpPr/>
+          <p:nvPr/>
+        </p:nvGrpSpPr>
+        <p:grpSpPr>
+          <a:xfrm>
+            <a:off x="-516837" y="631112"/>
+            <a:ext cx="4373219" cy="5200149"/>
+            <a:chOff x="129207" y="529025"/>
+            <a:chExt cx="4373219" cy="5200149"/>
+          </a:xfrm>
+        </p:grpSpPr>
+        <p:pic>
+          <p:nvPicPr>
+            <p:cNvPr id="15" name="図 14">
+              <a:extLst>
+                <a:ext uri="{FF2B5EF4-FFF2-40B4-BE49-F238E27FC236}">
+                  <a16:creationId xmlns:a16="http://schemas.microsoft.com/office/drawing/2014/main" id="{7091FFC4-DE22-49D6-806B-06E12D6D8B9C}"/>
+                </a:ext>
+              </a:extLst>
+            </p:cNvPr>
+            <p:cNvPicPr>
+              <a:picLocks noChangeAspect="1"/>
+            </p:cNvPicPr>
+            <p:nvPr/>
+          </p:nvPicPr>
+          <p:blipFill rotWithShape="1">
+            <a:blip r:embed="rId2">
+              <a:extLst>
+                <a:ext uri="{28A0092B-C50C-407E-A947-70E740481C1C}">
+                  <a14:useLocalDpi xmlns:a14="http://schemas.microsoft.com/office/drawing/2010/main" val="0"/>
+                </a:ext>
+              </a:extLst>
+            </a:blip>
+            <a:srcRect l="6194" r="45980" b="3048"/>
+            <a:stretch/>
+          </p:blipFill>
+          <p:spPr>
+            <a:xfrm>
+              <a:off x="129207" y="529025"/>
+              <a:ext cx="4373219" cy="4987193"/>
+            </a:xfrm>
+            <a:prstGeom prst="rect">
+              <a:avLst/>
+            </a:prstGeom>
+          </p:spPr>
+        </p:pic>
+        <p:sp>
+          <p:nvSpPr>
+            <p:cNvPr id="17" name="テキスト ボックス 16">
+              <a:extLst>
+                <a:ext uri="{FF2B5EF4-FFF2-40B4-BE49-F238E27FC236}">
+                  <a16:creationId xmlns:a16="http://schemas.microsoft.com/office/drawing/2014/main" id="{B2791F6B-B005-4D1C-913F-93DF58D82B3E}"/>
+                </a:ext>
+              </a:extLst>
+            </p:cNvPr>
+            <p:cNvSpPr txBox="1"/>
+            <p:nvPr/>
+          </p:nvSpPr>
+          <p:spPr>
+            <a:xfrm>
+              <a:off x="146985" y="5390620"/>
+              <a:ext cx="4337662" cy="338554"/>
+            </a:xfrm>
+            <a:prstGeom prst="rect">
+              <a:avLst/>
+            </a:prstGeom>
+            <a:noFill/>
+          </p:spPr>
+          <p:txBody>
+            <a:bodyPr wrap="none" rtlCol="0">
+              <a:spAutoFit/>
+            </a:bodyPr>
+            <a:lstStyle/>
+            <a:p>
+              <a:r>
+                <a:rPr kumimoji="1" lang="en-US" altLang="ja-JP" sz="1600" dirty="0">
+                  <a:solidFill>
+                    <a:sysClr val="windowText" lastClr="000000"/>
+                  </a:solidFill>
+                </a:rPr>
+                <a:t>Y. Endo, Master. Thesis, Gifu University (2017) P33</a:t>
+              </a:r>
+              <a:endParaRPr kumimoji="1" lang="ja-JP" altLang="en-US" sz="1600" dirty="0">
+                <a:solidFill>
+                  <a:sysClr val="windowText" lastClr="000000"/>
+                </a:solidFill>
+              </a:endParaRPr>
+            </a:p>
+          </p:txBody>
+        </p:sp>
+      </p:grpSp>
+      <p:grpSp>
+        <p:nvGrpSpPr>
+          <p:cNvPr id="20" name="グループ化 19">
+            <a:extLst>
+              <a:ext uri="{FF2B5EF4-FFF2-40B4-BE49-F238E27FC236}">
+                <a16:creationId xmlns:a16="http://schemas.microsoft.com/office/drawing/2014/main" id="{509A5DDB-076C-4A09-9277-3F582C9ADE74}"/>
+              </a:ext>
+            </a:extLst>
+          </p:cNvPr>
+          <p:cNvGrpSpPr/>
+          <p:nvPr/>
+        </p:nvGrpSpPr>
+        <p:grpSpPr>
+          <a:xfrm>
+            <a:off x="4346269" y="572704"/>
+            <a:ext cx="4337662" cy="5333280"/>
+            <a:chOff x="4346269" y="572704"/>
+            <a:chExt cx="4337662" cy="5333280"/>
+          </a:xfrm>
+        </p:grpSpPr>
+        <p:pic>
+          <p:nvPicPr>
+            <p:cNvPr id="16" name="図 15">
+              <a:extLst>
+                <a:ext uri="{FF2B5EF4-FFF2-40B4-BE49-F238E27FC236}">
+                  <a16:creationId xmlns:a16="http://schemas.microsoft.com/office/drawing/2014/main" id="{AAA93718-CE05-45C2-93F4-5BF32D46BA05}"/>
+                </a:ext>
+              </a:extLst>
+            </p:cNvPr>
+            <p:cNvPicPr>
+              <a:picLocks noChangeAspect="1"/>
+            </p:cNvPicPr>
+            <p:nvPr/>
+          </p:nvPicPr>
+          <p:blipFill rotWithShape="1">
+            <a:blip r:embed="rId2">
+              <a:extLst>
+                <a:ext uri="{28A0092B-C50C-407E-A947-70E740481C1C}">
+                  <a14:useLocalDpi xmlns:a14="http://schemas.microsoft.com/office/drawing/2010/main" val="0"/>
+                </a:ext>
+              </a:extLst>
+            </a:blip>
+            <a:srcRect l="53805" t="1309"/>
+            <a:stretch/>
+          </p:blipFill>
+          <p:spPr>
+            <a:xfrm>
+              <a:off x="4403035" y="572704"/>
+              <a:ext cx="4224130" cy="5076645"/>
+            </a:xfrm>
+            <a:prstGeom prst="rect">
+              <a:avLst/>
+            </a:prstGeom>
+          </p:spPr>
+        </p:pic>
+        <p:sp>
+          <p:nvSpPr>
+            <p:cNvPr id="19" name="テキスト ボックス 18">
+              <a:extLst>
+                <a:ext uri="{FF2B5EF4-FFF2-40B4-BE49-F238E27FC236}">
+                  <a16:creationId xmlns:a16="http://schemas.microsoft.com/office/drawing/2014/main" id="{50081A04-259F-406E-83C2-F5251EF8A4B5}"/>
+                </a:ext>
+              </a:extLst>
+            </p:cNvPr>
+            <p:cNvSpPr txBox="1"/>
+            <p:nvPr/>
+          </p:nvSpPr>
+          <p:spPr>
+            <a:xfrm>
+              <a:off x="4346269" y="5567430"/>
+              <a:ext cx="4337662" cy="338554"/>
+            </a:xfrm>
+            <a:prstGeom prst="rect">
+              <a:avLst/>
+            </a:prstGeom>
+            <a:noFill/>
+          </p:spPr>
+          <p:txBody>
+            <a:bodyPr wrap="none" rtlCol="0">
+              <a:spAutoFit/>
+            </a:bodyPr>
+            <a:lstStyle/>
+            <a:p>
+              <a:r>
+                <a:rPr kumimoji="1" lang="en-US" altLang="ja-JP" sz="1600" dirty="0">
+                  <a:solidFill>
+                    <a:sysClr val="windowText" lastClr="000000"/>
+                  </a:solidFill>
+                </a:rPr>
+                <a:t>Y. Endo, Master. Thesis, Gifu University (2017) P33</a:t>
+              </a:r>
+              <a:endParaRPr kumimoji="1" lang="ja-JP" altLang="en-US" sz="1600" dirty="0">
+                <a:solidFill>
+                  <a:sysClr val="windowText" lastClr="000000"/>
+                </a:solidFill>
+              </a:endParaRPr>
+            </a:p>
+          </p:txBody>
+        </p:sp>
+      </p:grpSp>
     </p:spTree>
     <p:extLst>
       <p:ext uri="{BB962C8B-B14F-4D97-AF65-F5344CB8AC3E}">

--- a/修論画像作成.pptx
+++ b/修論画像作成.pptx
@@ -135,6 +135,1321 @@
 <p1510:revInfo xmlns:a="http://schemas.openxmlformats.org/drawingml/2006/main" xmlns:r="http://schemas.openxmlformats.org/officeDocument/2006/relationships" xmlns:p1510="http://schemas.microsoft.com/office/powerpoint/2015/10/main"/>
 </file>
 
+<file path=ppt/charts/chart1.xml><?xml version="1.0" encoding="utf-8"?>
+<c:chartSpace xmlns:c="http://schemas.openxmlformats.org/drawingml/2006/chart" xmlns:a="http://schemas.openxmlformats.org/drawingml/2006/main" xmlns:r="http://schemas.openxmlformats.org/officeDocument/2006/relationships" xmlns:c16r2="http://schemas.microsoft.com/office/drawing/2015/06/chart">
+  <c:date1904 val="0"/>
+  <c:lang val="ja-JP"/>
+  <c:roundedCorners val="0"/>
+  <mc:AlternateContent xmlns:mc="http://schemas.openxmlformats.org/markup-compatibility/2006">
+    <mc:Choice xmlns:c14="http://schemas.microsoft.com/office/drawing/2007/8/2/chart" Requires="c14">
+      <c14:style val="102"/>
+    </mc:Choice>
+    <mc:Fallback>
+      <c:style val="2"/>
+    </mc:Fallback>
+  </mc:AlternateContent>
+  <c:chart>
+    <c:title>
+      <c:tx>
+        <c:rich>
+          <a:bodyPr rot="0" spcFirstLastPara="1" vertOverflow="ellipsis" vert="horz" wrap="square" anchor="ctr" anchorCtr="1"/>
+          <a:lstStyle/>
+          <a:p>
+            <a:pPr>
+              <a:defRPr sz="1400" b="0" i="0" u="none" strike="noStrike" kern="1200" spc="0" baseline="0">
+                <a:solidFill>
+                  <a:schemeClr val="tx1">
+                    <a:lumMod val="65000"/>
+                    <a:lumOff val="35000"/>
+                  </a:schemeClr>
+                </a:solidFill>
+                <a:latin typeface="+mn-lt"/>
+                <a:ea typeface="+mn-ea"/>
+                <a:cs typeface="+mn-cs"/>
+              </a:defRPr>
+            </a:pPr>
+            <a:r>
+              <a:rPr lang="en-US" altLang="ja-JP" baseline="0"/>
+              <a:t>#117</a:t>
+            </a:r>
+          </a:p>
+        </c:rich>
+      </c:tx>
+      <c:overlay val="0"/>
+      <c:spPr>
+        <a:noFill/>
+        <a:ln>
+          <a:noFill/>
+        </a:ln>
+        <a:effectLst/>
+      </c:spPr>
+      <c:txPr>
+        <a:bodyPr rot="0" spcFirstLastPara="1" vertOverflow="ellipsis" vert="horz" wrap="square" anchor="ctr" anchorCtr="1"/>
+        <a:lstStyle/>
+        <a:p>
+          <a:pPr>
+            <a:defRPr sz="1400" b="0" i="0" u="none" strike="noStrike" kern="1200" spc="0" baseline="0">
+              <a:solidFill>
+                <a:schemeClr val="tx1">
+                  <a:lumMod val="65000"/>
+                  <a:lumOff val="35000"/>
+                </a:schemeClr>
+              </a:solidFill>
+              <a:latin typeface="+mn-lt"/>
+              <a:ea typeface="+mn-ea"/>
+              <a:cs typeface="+mn-cs"/>
+            </a:defRPr>
+          </a:pPr>
+          <a:endParaRPr lang="ja-JP"/>
+        </a:p>
+      </c:txPr>
+    </c:title>
+    <c:autoTitleDeleted val="0"/>
+    <c:plotArea>
+      <c:layout/>
+      <c:scatterChart>
+        <c:scatterStyle val="lineMarker"/>
+        <c:varyColors val="0"/>
+        <c:ser>
+          <c:idx val="0"/>
+          <c:order val="0"/>
+          <c:spPr>
+            <a:ln w="19050" cap="rnd">
+              <a:noFill/>
+              <a:round/>
+            </a:ln>
+            <a:effectLst/>
+          </c:spPr>
+          <c:marker>
+            <c:symbol val="circle"/>
+            <c:size val="5"/>
+            <c:spPr>
+              <a:solidFill>
+                <a:schemeClr val="accent1"/>
+              </a:solidFill>
+              <a:ln w="9525">
+                <a:solidFill>
+                  <a:schemeClr val="accent1"/>
+                </a:solidFill>
+              </a:ln>
+              <a:effectLst/>
+            </c:spPr>
+          </c:marker>
+          <c:trendline>
+            <c:spPr>
+              <a:ln w="19050" cap="rnd">
+                <a:solidFill>
+                  <a:schemeClr val="accent1"/>
+                </a:solidFill>
+                <a:prstDash val="sysDot"/>
+              </a:ln>
+              <a:effectLst/>
+            </c:spPr>
+            <c:trendlineType val="linear"/>
+            <c:forward val="10"/>
+            <c:dispRSqr val="0"/>
+            <c:dispEq val="0"/>
+          </c:trendline>
+          <c:xVal>
+            <c:numRef>
+              <c:f>'#117_カセット6_ゲージ2'!$D$4:$D$11</c:f>
+              <c:numCache>
+                <c:formatCode>General</c:formatCode>
+                <c:ptCount val="8"/>
+                <c:pt idx="0">
+                  <c:v>0</c:v>
+                </c:pt>
+                <c:pt idx="1">
+                  <c:v>8.3333333333335702E-2</c:v>
+                </c:pt>
+                <c:pt idx="2">
+                  <c:v>0.16666666666666607</c:v>
+                </c:pt>
+                <c:pt idx="3">
+                  <c:v>0.33333333333333481</c:v>
+                </c:pt>
+                <c:pt idx="4">
+                  <c:v>0.49999999999999822</c:v>
+                </c:pt>
+                <c:pt idx="5">
+                  <c:v>0.66666666666666696</c:v>
+                </c:pt>
+                <c:pt idx="6">
+                  <c:v>0.8333333333333357</c:v>
+                </c:pt>
+                <c:pt idx="7">
+                  <c:v>0.84999999999999964</c:v>
+                </c:pt>
+              </c:numCache>
+            </c:numRef>
+          </c:xVal>
+          <c:yVal>
+            <c:numRef>
+              <c:f>'#117_カセット6_ゲージ2'!$E$4:$E$11</c:f>
+              <c:numCache>
+                <c:formatCode>0.0000_);[Red]\(0.0000\)</c:formatCode>
+                <c:ptCount val="8"/>
+                <c:pt idx="0">
+                  <c:v>8.8999999999999996E-2</c:v>
+                </c:pt>
+                <c:pt idx="1">
+                  <c:v>8.8499999999999995E-2</c:v>
+                </c:pt>
+                <c:pt idx="2">
+                  <c:v>8.7499999999999994E-2</c:v>
+                </c:pt>
+                <c:pt idx="3">
+                  <c:v>8.6999999999999994E-2</c:v>
+                </c:pt>
+                <c:pt idx="4">
+                  <c:v>8.6499999999999994E-2</c:v>
+                </c:pt>
+                <c:pt idx="5">
+                  <c:v>8.5500000000000007E-2</c:v>
+                </c:pt>
+                <c:pt idx="6">
+                  <c:v>8.5000000000000006E-2</c:v>
+                </c:pt>
+                <c:pt idx="7">
+                  <c:v>8.5000000000000006E-2</c:v>
+                </c:pt>
+              </c:numCache>
+            </c:numRef>
+          </c:yVal>
+          <c:smooth val="0"/>
+          <c:extLst>
+            <c:ext xmlns:c16="http://schemas.microsoft.com/office/drawing/2014/chart" uri="{C3380CC4-5D6E-409C-BE32-E72D297353CC}">
+              <c16:uniqueId val="{00000001-43E9-49B6-8819-B12F58591D0E}"/>
+            </c:ext>
+          </c:extLst>
+        </c:ser>
+        <c:ser>
+          <c:idx val="1"/>
+          <c:order val="1"/>
+          <c:spPr>
+            <a:ln w="25400" cap="rnd">
+              <a:noFill/>
+              <a:round/>
+            </a:ln>
+            <a:effectLst/>
+          </c:spPr>
+          <c:marker>
+            <c:symbol val="circle"/>
+            <c:size val="5"/>
+            <c:spPr>
+              <a:solidFill>
+                <a:schemeClr val="accent2"/>
+              </a:solidFill>
+              <a:ln w="9525">
+                <a:solidFill>
+                  <a:schemeClr val="accent2"/>
+                </a:solidFill>
+              </a:ln>
+              <a:effectLst/>
+            </c:spPr>
+          </c:marker>
+          <c:trendline>
+            <c:spPr>
+              <a:ln w="19050" cap="rnd">
+                <a:solidFill>
+                  <a:schemeClr val="accent2"/>
+                </a:solidFill>
+                <a:prstDash val="sysDot"/>
+              </a:ln>
+              <a:effectLst/>
+            </c:spPr>
+            <c:trendlineType val="linear"/>
+            <c:forward val="10"/>
+            <c:dispRSqr val="0"/>
+            <c:dispEq val="0"/>
+          </c:trendline>
+          <c:xVal>
+            <c:numRef>
+              <c:f>'#117_カセット6_ゲージ2'!$J$4:$J$9</c:f>
+              <c:numCache>
+                <c:formatCode>General</c:formatCode>
+                <c:ptCount val="6"/>
+                <c:pt idx="0">
+                  <c:v>0</c:v>
+                </c:pt>
+                <c:pt idx="1">
+                  <c:v>1.4833333333333361</c:v>
+                </c:pt>
+                <c:pt idx="2">
+                  <c:v>2.1166666666666671</c:v>
+                </c:pt>
+                <c:pt idx="3">
+                  <c:v>2.533333333333335</c:v>
+                </c:pt>
+                <c:pt idx="4">
+                  <c:v>-8.0166666666666657</c:v>
+                </c:pt>
+                <c:pt idx="5">
+                  <c:v>-3.0499999999999972</c:v>
+                </c:pt>
+              </c:numCache>
+            </c:numRef>
+          </c:xVal>
+          <c:yVal>
+            <c:numRef>
+              <c:f>'#117_カセット6_ゲージ2'!$K$4:$K$7</c:f>
+              <c:numCache>
+                <c:formatCode>0.0000_);[Red]\(0.0000\)</c:formatCode>
+                <c:ptCount val="4"/>
+                <c:pt idx="0">
+                  <c:v>0.09</c:v>
+                </c:pt>
+                <c:pt idx="1">
+                  <c:v>8.5500000000000007E-2</c:v>
+                </c:pt>
+                <c:pt idx="2">
+                  <c:v>8.5000000000000006E-2</c:v>
+                </c:pt>
+                <c:pt idx="3">
+                  <c:v>8.1500000000000003E-2</c:v>
+                </c:pt>
+              </c:numCache>
+            </c:numRef>
+          </c:yVal>
+          <c:smooth val="0"/>
+          <c:extLst xmlns:c15="http://schemas.microsoft.com/office/drawing/2012/chart">
+            <c:ext xmlns:c16="http://schemas.microsoft.com/office/drawing/2014/chart" uri="{C3380CC4-5D6E-409C-BE32-E72D297353CC}">
+              <c16:uniqueId val="{00000003-43E9-49B6-8819-B12F58591D0E}"/>
+            </c:ext>
+          </c:extLst>
+        </c:ser>
+        <c:ser>
+          <c:idx val="2"/>
+          <c:order val="2"/>
+          <c:spPr>
+            <a:ln w="25400" cap="rnd">
+              <a:noFill/>
+              <a:round/>
+            </a:ln>
+            <a:effectLst/>
+          </c:spPr>
+          <c:marker>
+            <c:symbol val="star"/>
+            <c:size val="5"/>
+            <c:spPr>
+              <a:noFill/>
+              <a:ln w="9525">
+                <a:solidFill>
+                  <a:srgbClr val="00B050"/>
+                </a:solidFill>
+              </a:ln>
+              <a:effectLst/>
+            </c:spPr>
+          </c:marker>
+          <c:trendline>
+            <c:spPr>
+              <a:ln w="19050" cap="rnd">
+                <a:solidFill>
+                  <a:schemeClr val="accent3"/>
+                </a:solidFill>
+                <a:prstDash val="sysDot"/>
+              </a:ln>
+              <a:effectLst/>
+            </c:spPr>
+            <c:trendlineType val="linear"/>
+            <c:forward val="15"/>
+            <c:dispRSqr val="0"/>
+            <c:dispEq val="0"/>
+          </c:trendline>
+          <c:xVal>
+            <c:numRef>
+              <c:f>'#117_カセット6_ゲージ2'!$P$4:$P$7</c:f>
+              <c:numCache>
+                <c:formatCode>General</c:formatCode>
+                <c:ptCount val="4"/>
+                <c:pt idx="0">
+                  <c:v>0</c:v>
+                </c:pt>
+                <c:pt idx="1">
+                  <c:v>0.1499999999999998</c:v>
+                </c:pt>
+                <c:pt idx="2">
+                  <c:v>0.36666666666666603</c:v>
+                </c:pt>
+                <c:pt idx="3">
+                  <c:v>0.5166666666666665</c:v>
+                </c:pt>
+              </c:numCache>
+              <c:extLst xmlns:c15="http://schemas.microsoft.com/office/drawing/2012/chart"/>
+            </c:numRef>
+          </c:xVal>
+          <c:yVal>
+            <c:numRef>
+              <c:f>'#117_カセット6_ゲージ2'!$Q$4:$Q$7</c:f>
+              <c:numCache>
+                <c:formatCode>0.0000_);[Red]\(0.0000\)</c:formatCode>
+                <c:ptCount val="4"/>
+                <c:pt idx="0">
+                  <c:v>8.7999999999999995E-2</c:v>
+                </c:pt>
+                <c:pt idx="1">
+                  <c:v>8.7499999999999994E-2</c:v>
+                </c:pt>
+                <c:pt idx="2">
+                  <c:v>8.7499999999999994E-2</c:v>
+                </c:pt>
+                <c:pt idx="3">
+                  <c:v>8.6999999999999994E-2</c:v>
+                </c:pt>
+              </c:numCache>
+              <c:extLst xmlns:c15="http://schemas.microsoft.com/office/drawing/2012/chart"/>
+            </c:numRef>
+          </c:yVal>
+          <c:smooth val="0"/>
+          <c:extLst xmlns:c15="http://schemas.microsoft.com/office/drawing/2012/chart">
+            <c:ext xmlns:c16="http://schemas.microsoft.com/office/drawing/2014/chart" uri="{C3380CC4-5D6E-409C-BE32-E72D297353CC}">
+              <c16:uniqueId val="{00000005-43E9-49B6-8819-B12F58591D0E}"/>
+            </c:ext>
+          </c:extLst>
+        </c:ser>
+        <c:dLbls>
+          <c:showLegendKey val="0"/>
+          <c:showVal val="0"/>
+          <c:showCatName val="0"/>
+          <c:showSerName val="0"/>
+          <c:showPercent val="0"/>
+          <c:showBubbleSize val="0"/>
+        </c:dLbls>
+        <c:axId val="164245752"/>
+        <c:axId val="164246080"/>
+        <c:extLst>
+          <c:ext xmlns:c15="http://schemas.microsoft.com/office/drawing/2012/chart" uri="{02D57815-91ED-43cb-92C2-25804820EDAC}">
+            <c15:filteredScatterSeries>
+              <c15:ser>
+                <c:idx val="3"/>
+                <c:order val="3"/>
+                <c:spPr>
+                  <a:ln w="25400" cap="rnd">
+                    <a:noFill/>
+                    <a:round/>
+                  </a:ln>
+                  <a:effectLst/>
+                </c:spPr>
+                <c:marker>
+                  <c:symbol val="plus"/>
+                  <c:size val="5"/>
+                  <c:spPr>
+                    <a:noFill/>
+                    <a:ln w="9525">
+                      <a:solidFill>
+                        <a:schemeClr val="accent4"/>
+                      </a:solidFill>
+                    </a:ln>
+                    <a:effectLst/>
+                  </c:spPr>
+                </c:marker>
+                <c:trendline>
+                  <c:spPr>
+                    <a:ln w="19050" cap="rnd">
+                      <a:solidFill>
+                        <a:schemeClr val="accent4"/>
+                      </a:solidFill>
+                      <a:prstDash val="sysDot"/>
+                    </a:ln>
+                    <a:effectLst/>
+                  </c:spPr>
+                  <c:trendlineType val="linear"/>
+                  <c:forward val="20"/>
+                  <c:dispRSqr val="0"/>
+                  <c:dispEq val="0"/>
+                </c:trendline>
+                <c:xVal>
+                  <c:numRef>
+                    <c:extLst>
+                      <c:ext uri="{02D57815-91ED-43cb-92C2-25804820EDAC}">
+                        <c15:formulaRef>
+                          <c15:sqref>'#117_カセット6_ゲージ2'!$W$4:$W$7</c15:sqref>
+                        </c15:formulaRef>
+                      </c:ext>
+                    </c:extLst>
+                    <c:numCache>
+                      <c:formatCode>General</c:formatCode>
+                      <c:ptCount val="4"/>
+                      <c:pt idx="0">
+                        <c:v>0</c:v>
+                      </c:pt>
+                      <c:pt idx="1">
+                        <c:v>8.3333333333333037E-2</c:v>
+                      </c:pt>
+                      <c:pt idx="2">
+                        <c:v>0.14999999999999947</c:v>
+                      </c:pt>
+                      <c:pt idx="3">
+                        <c:v>0.28333333333333233</c:v>
+                      </c:pt>
+                    </c:numCache>
+                  </c:numRef>
+                </c:xVal>
+                <c:yVal>
+                  <c:numRef>
+                    <c:extLst>
+                      <c:ext uri="{02D57815-91ED-43cb-92C2-25804820EDAC}">
+                        <c15:formulaRef>
+                          <c15:sqref>'#117_カセット6_ゲージ2'!$X$4:$X$7</c15:sqref>
+                        </c15:formulaRef>
+                      </c:ext>
+                    </c:extLst>
+                    <c:numCache>
+                      <c:formatCode>0.0000_);[Red]\(0.0000\)</c:formatCode>
+                      <c:ptCount val="4"/>
+                      <c:pt idx="0">
+                        <c:v>9.0999999999999998E-2</c:v>
+                      </c:pt>
+                      <c:pt idx="1">
+                        <c:v>9.0499999999999997E-2</c:v>
+                      </c:pt>
+                      <c:pt idx="2">
+                        <c:v>9.0499999999999997E-2</c:v>
+                      </c:pt>
+                      <c:pt idx="3">
+                        <c:v>9.0499999999999997E-2</c:v>
+                      </c:pt>
+                    </c:numCache>
+                  </c:numRef>
+                </c:yVal>
+                <c:smooth val="0"/>
+                <c:extLst>
+                  <c:ext xmlns:c16="http://schemas.microsoft.com/office/drawing/2014/chart" uri="{C3380CC4-5D6E-409C-BE32-E72D297353CC}">
+                    <c16:uniqueId val="{00000007-43E9-49B6-8819-B12F58591D0E}"/>
+                  </c:ext>
+                </c:extLst>
+              </c15:ser>
+            </c15:filteredScatterSeries>
+            <c15:filteredScatterSeries>
+              <c15:ser>
+                <c:idx val="4"/>
+                <c:order val="4"/>
+                <c:tx>
+                  <c:v>5</c:v>
+                </c:tx>
+                <c:spPr>
+                  <a:ln w="25400" cap="rnd">
+                    <a:noFill/>
+                    <a:round/>
+                  </a:ln>
+                  <a:effectLst/>
+                </c:spPr>
+                <c:marker>
+                  <c:symbol val="x"/>
+                  <c:size val="5"/>
+                  <c:spPr>
+                    <a:noFill/>
+                    <a:ln w="9525">
+                      <a:solidFill>
+                        <a:schemeClr val="accent5"/>
+                      </a:solidFill>
+                    </a:ln>
+                    <a:effectLst/>
+                  </c:spPr>
+                </c:marker>
+                <c:trendline>
+                  <c:spPr>
+                    <a:ln w="19050" cap="rnd">
+                      <a:solidFill>
+                        <a:schemeClr val="accent5"/>
+                      </a:solidFill>
+                      <a:prstDash val="sysDot"/>
+                    </a:ln>
+                    <a:effectLst/>
+                  </c:spPr>
+                  <c:trendlineType val="linear"/>
+                  <c:dispRSqr val="0"/>
+                  <c:dispEq val="0"/>
+                </c:trendline>
+                <c:xVal>
+                  <c:numRef>
+                    <c:extLst xmlns:c15="http://schemas.microsoft.com/office/drawing/2012/chart">
+                      <c:ext xmlns:c15="http://schemas.microsoft.com/office/drawing/2012/chart" uri="{02D57815-91ED-43cb-92C2-25804820EDAC}">
+                        <c15:formulaRef>
+                          <c15:sqref>'#117_カセット6_ゲージ2'!$AC$4:$AC$8</c15:sqref>
+                        </c15:formulaRef>
+                      </c:ext>
+                    </c:extLst>
+                    <c:numCache>
+                      <c:formatCode>General</c:formatCode>
+                      <c:ptCount val="5"/>
+                      <c:pt idx="0">
+                        <c:v>0</c:v>
+                      </c:pt>
+                      <c:pt idx="1">
+                        <c:v>2.166666666666667</c:v>
+                      </c:pt>
+                      <c:pt idx="2">
+                        <c:v>3.4833333333333316</c:v>
+                      </c:pt>
+                      <c:pt idx="3">
+                        <c:v>7.0999999999999988</c:v>
+                      </c:pt>
+                      <c:pt idx="4">
+                        <c:v>23.45</c:v>
+                      </c:pt>
+                    </c:numCache>
+                  </c:numRef>
+                </c:xVal>
+                <c:yVal>
+                  <c:numRef>
+                    <c:extLst xmlns:c15="http://schemas.microsoft.com/office/drawing/2012/chart">
+                      <c:ext xmlns:c15="http://schemas.microsoft.com/office/drawing/2012/chart" uri="{02D57815-91ED-43cb-92C2-25804820EDAC}">
+                        <c15:formulaRef>
+                          <c15:sqref>'#117_カセット6_ゲージ2'!$AD$4:$AD$8</c15:sqref>
+                        </c15:formulaRef>
+                      </c:ext>
+                    </c:extLst>
+                    <c:numCache>
+                      <c:formatCode>0.0000_);[Red]\(0.0000\)</c:formatCode>
+                      <c:ptCount val="5"/>
+                      <c:pt idx="0">
+                        <c:v>9.1999999999999998E-2</c:v>
+                      </c:pt>
+                      <c:pt idx="1">
+                        <c:v>9.0999999999999998E-2</c:v>
+                      </c:pt>
+                      <c:pt idx="2">
+                        <c:v>0.09</c:v>
+                      </c:pt>
+                      <c:pt idx="3">
+                        <c:v>8.8999999999999996E-2</c:v>
+                      </c:pt>
+                      <c:pt idx="4">
+                        <c:v>8.6999999999999994E-2</c:v>
+                      </c:pt>
+                    </c:numCache>
+                  </c:numRef>
+                </c:yVal>
+                <c:smooth val="0"/>
+                <c:extLst xmlns:c15="http://schemas.microsoft.com/office/drawing/2012/chart">
+                  <c:ext xmlns:c16="http://schemas.microsoft.com/office/drawing/2014/chart" uri="{C3380CC4-5D6E-409C-BE32-E72D297353CC}">
+                    <c16:uniqueId val="{00000009-43E9-49B6-8819-B12F58591D0E}"/>
+                  </c:ext>
+                </c:extLst>
+              </c15:ser>
+            </c15:filteredScatterSeries>
+          </c:ext>
+        </c:extLst>
+      </c:scatterChart>
+      <c:valAx>
+        <c:axId val="164245752"/>
+        <c:scaling>
+          <c:orientation val="minMax"/>
+          <c:max val="10"/>
+          <c:min val="0"/>
+        </c:scaling>
+        <c:delete val="0"/>
+        <c:axPos val="b"/>
+        <c:majorGridlines>
+          <c:spPr>
+            <a:ln w="9525" cap="flat" cmpd="sng" algn="ctr">
+              <a:solidFill>
+                <a:schemeClr val="tx1">
+                  <a:lumMod val="15000"/>
+                  <a:lumOff val="85000"/>
+                </a:schemeClr>
+              </a:solidFill>
+              <a:round/>
+            </a:ln>
+            <a:effectLst/>
+          </c:spPr>
+        </c:majorGridlines>
+        <c:numFmt formatCode="General" sourceLinked="1"/>
+        <c:majorTickMark val="none"/>
+        <c:minorTickMark val="none"/>
+        <c:tickLblPos val="nextTo"/>
+        <c:spPr>
+          <a:noFill/>
+          <a:ln w="9525" cap="flat" cmpd="sng" algn="ctr">
+            <a:solidFill>
+              <a:schemeClr val="tx1">
+                <a:lumMod val="25000"/>
+                <a:lumOff val="75000"/>
+              </a:schemeClr>
+            </a:solidFill>
+            <a:round/>
+          </a:ln>
+          <a:effectLst/>
+        </c:spPr>
+        <c:txPr>
+          <a:bodyPr rot="-60000000" spcFirstLastPara="1" vertOverflow="ellipsis" vert="horz" wrap="square" anchor="ctr" anchorCtr="1"/>
+          <a:lstStyle/>
+          <a:p>
+            <a:pPr>
+              <a:defRPr sz="900" b="0" i="0" u="none" strike="noStrike" kern="1200" baseline="0">
+                <a:solidFill>
+                  <a:schemeClr val="tx1">
+                    <a:lumMod val="65000"/>
+                    <a:lumOff val="35000"/>
+                  </a:schemeClr>
+                </a:solidFill>
+                <a:latin typeface="+mn-lt"/>
+                <a:ea typeface="+mn-ea"/>
+                <a:cs typeface="+mn-cs"/>
+              </a:defRPr>
+            </a:pPr>
+            <a:endParaRPr lang="ja-JP"/>
+          </a:p>
+        </c:txPr>
+        <c:crossAx val="164246080"/>
+        <c:crosses val="autoZero"/>
+        <c:crossBetween val="midCat"/>
+      </c:valAx>
+      <c:valAx>
+        <c:axId val="164246080"/>
+        <c:scaling>
+          <c:orientation val="minMax"/>
+          <c:min val="6.0000000000000012E-2"/>
+        </c:scaling>
+        <c:delete val="0"/>
+        <c:axPos val="l"/>
+        <c:majorGridlines>
+          <c:spPr>
+            <a:ln w="9525" cap="flat" cmpd="sng" algn="ctr">
+              <a:solidFill>
+                <a:schemeClr val="tx1">
+                  <a:lumMod val="15000"/>
+                  <a:lumOff val="85000"/>
+                </a:schemeClr>
+              </a:solidFill>
+              <a:round/>
+            </a:ln>
+            <a:effectLst/>
+          </c:spPr>
+        </c:majorGridlines>
+        <c:numFmt formatCode="0.0000_);[Red]\(0.0000\)" sourceLinked="1"/>
+        <c:majorTickMark val="none"/>
+        <c:minorTickMark val="none"/>
+        <c:tickLblPos val="nextTo"/>
+        <c:spPr>
+          <a:noFill/>
+          <a:ln w="9525" cap="flat" cmpd="sng" algn="ctr">
+            <a:solidFill>
+              <a:schemeClr val="tx1">
+                <a:lumMod val="25000"/>
+                <a:lumOff val="75000"/>
+              </a:schemeClr>
+            </a:solidFill>
+            <a:round/>
+          </a:ln>
+          <a:effectLst/>
+        </c:spPr>
+        <c:txPr>
+          <a:bodyPr rot="-60000000" spcFirstLastPara="1" vertOverflow="ellipsis" vert="horz" wrap="square" anchor="ctr" anchorCtr="1"/>
+          <a:lstStyle/>
+          <a:p>
+            <a:pPr>
+              <a:defRPr sz="900" b="0" i="0" u="none" strike="noStrike" kern="1200" baseline="0">
+                <a:solidFill>
+                  <a:schemeClr val="tx1">
+                    <a:lumMod val="65000"/>
+                    <a:lumOff val="35000"/>
+                  </a:schemeClr>
+                </a:solidFill>
+                <a:latin typeface="+mn-lt"/>
+                <a:ea typeface="+mn-ea"/>
+                <a:cs typeface="+mn-cs"/>
+              </a:defRPr>
+            </a:pPr>
+            <a:endParaRPr lang="ja-JP"/>
+          </a:p>
+        </c:txPr>
+        <c:crossAx val="164245752"/>
+        <c:crosses val="autoZero"/>
+        <c:crossBetween val="midCat"/>
+      </c:valAx>
+      <c:spPr>
+        <a:noFill/>
+        <a:ln>
+          <a:noFill/>
+        </a:ln>
+        <a:effectLst/>
+      </c:spPr>
+    </c:plotArea>
+    <c:plotVisOnly val="1"/>
+    <c:dispBlanksAs val="gap"/>
+    <c:showDLblsOverMax val="0"/>
+  </c:chart>
+  <c:spPr>
+    <a:noFill/>
+    <a:ln>
+      <a:noFill/>
+    </a:ln>
+    <a:effectLst/>
+  </c:spPr>
+  <c:txPr>
+    <a:bodyPr/>
+    <a:lstStyle/>
+    <a:p>
+      <a:pPr>
+        <a:defRPr/>
+      </a:pPr>
+      <a:endParaRPr lang="ja-JP"/>
+    </a:p>
+  </c:txPr>
+  <c:externalData r:id="rId3">
+    <c:autoUpdate val="0"/>
+  </c:externalData>
+</c:chartSpace>
+</file>
+
+<file path=ppt/charts/colors1.xml><?xml version="1.0" encoding="utf-8"?>
+<cs:colorStyle xmlns:cs="http://schemas.microsoft.com/office/drawing/2012/chartStyle" xmlns:a="http://schemas.openxmlformats.org/drawingml/2006/main" meth="cycle" id="10">
+  <a:schemeClr val="accent1"/>
+  <a:schemeClr val="accent2"/>
+  <a:schemeClr val="accent3"/>
+  <a:schemeClr val="accent4"/>
+  <a:schemeClr val="accent5"/>
+  <a:schemeClr val="accent6"/>
+  <cs:variation/>
+  <cs:variation>
+    <a:lumMod val="60000"/>
+  </cs:variation>
+  <cs:variation>
+    <a:lumMod val="80000"/>
+    <a:lumOff val="20000"/>
+  </cs:variation>
+  <cs:variation>
+    <a:lumMod val="80000"/>
+  </cs:variation>
+  <cs:variation>
+    <a:lumMod val="60000"/>
+    <a:lumOff val="40000"/>
+  </cs:variation>
+  <cs:variation>
+    <a:lumMod val="50000"/>
+  </cs:variation>
+  <cs:variation>
+    <a:lumMod val="70000"/>
+    <a:lumOff val="30000"/>
+  </cs:variation>
+  <cs:variation>
+    <a:lumMod val="70000"/>
+  </cs:variation>
+  <cs:variation>
+    <a:lumMod val="50000"/>
+    <a:lumOff val="50000"/>
+  </cs:variation>
+</cs:colorStyle>
+</file>
+
+<file path=ppt/charts/style1.xml><?xml version="1.0" encoding="utf-8"?>
+<cs:chartStyle xmlns:cs="http://schemas.microsoft.com/office/drawing/2012/chartStyle" xmlns:a="http://schemas.openxmlformats.org/drawingml/2006/main" id="240">
+  <cs:axisTitle>
+    <cs:lnRef idx="0"/>
+    <cs:fillRef idx="0"/>
+    <cs:effectRef idx="0"/>
+    <cs:fontRef idx="minor">
+      <a:schemeClr val="tx1">
+        <a:lumMod val="65000"/>
+        <a:lumOff val="35000"/>
+      </a:schemeClr>
+    </cs:fontRef>
+    <cs:defRPr sz="1000" kern="1200"/>
+  </cs:axisTitle>
+  <cs:categoryAxis>
+    <cs:lnRef idx="0"/>
+    <cs:fillRef idx="0"/>
+    <cs:effectRef idx="0"/>
+    <cs:fontRef idx="minor">
+      <a:schemeClr val="tx1">
+        <a:lumMod val="65000"/>
+        <a:lumOff val="35000"/>
+      </a:schemeClr>
+    </cs:fontRef>
+    <cs:spPr>
+      <a:ln w="9525" cap="flat" cmpd="sng" algn="ctr">
+        <a:solidFill>
+          <a:schemeClr val="tx1">
+            <a:lumMod val="25000"/>
+            <a:lumOff val="75000"/>
+          </a:schemeClr>
+        </a:solidFill>
+        <a:round/>
+      </a:ln>
+    </cs:spPr>
+    <cs:defRPr sz="900" kern="1200"/>
+  </cs:categoryAxis>
+  <cs:chartArea mods="allowNoFillOverride allowNoLineOverride">
+    <cs:lnRef idx="0"/>
+    <cs:fillRef idx="0"/>
+    <cs:effectRef idx="0"/>
+    <cs:fontRef idx="minor">
+      <a:schemeClr val="tx1"/>
+    </cs:fontRef>
+    <cs:spPr>
+      <a:solidFill>
+        <a:schemeClr val="bg1"/>
+      </a:solidFill>
+      <a:ln w="9525" cap="flat" cmpd="sng" algn="ctr">
+        <a:solidFill>
+          <a:schemeClr val="tx1">
+            <a:lumMod val="15000"/>
+            <a:lumOff val="85000"/>
+          </a:schemeClr>
+        </a:solidFill>
+        <a:round/>
+      </a:ln>
+    </cs:spPr>
+    <cs:defRPr sz="1000" kern="1200"/>
+  </cs:chartArea>
+  <cs:dataLabel>
+    <cs:lnRef idx="0"/>
+    <cs:fillRef idx="0"/>
+    <cs:effectRef idx="0"/>
+    <cs:fontRef idx="minor">
+      <a:schemeClr val="tx1">
+        <a:lumMod val="75000"/>
+        <a:lumOff val="25000"/>
+      </a:schemeClr>
+    </cs:fontRef>
+    <cs:defRPr sz="900" kern="1200"/>
+  </cs:dataLabel>
+  <cs:dataLabelCallout>
+    <cs:lnRef idx="0"/>
+    <cs:fillRef idx="0"/>
+    <cs:effectRef idx="0"/>
+    <cs:fontRef idx="minor">
+      <a:schemeClr val="dk1">
+        <a:lumMod val="65000"/>
+        <a:lumOff val="35000"/>
+      </a:schemeClr>
+    </cs:fontRef>
+    <cs:spPr>
+      <a:solidFill>
+        <a:schemeClr val="lt1"/>
+      </a:solidFill>
+      <a:ln>
+        <a:solidFill>
+          <a:schemeClr val="dk1">
+            <a:lumMod val="25000"/>
+            <a:lumOff val="75000"/>
+          </a:schemeClr>
+        </a:solidFill>
+      </a:ln>
+    </cs:spPr>
+    <cs:defRPr sz="900" kern="1200"/>
+    <cs:bodyPr rot="0" spcFirstLastPara="1" vertOverflow="clip" horzOverflow="clip" vert="horz" wrap="square" lIns="36576" tIns="18288" rIns="36576" bIns="18288" anchor="ctr" anchorCtr="1">
+      <a:spAutoFit/>
+    </cs:bodyPr>
+  </cs:dataLabelCallout>
+  <cs:dataPoint>
+    <cs:lnRef idx="0"/>
+    <cs:fillRef idx="1">
+      <cs:styleClr val="auto"/>
+    </cs:fillRef>
+    <cs:effectRef idx="0"/>
+    <cs:fontRef idx="minor">
+      <a:schemeClr val="tx1"/>
+    </cs:fontRef>
+  </cs:dataPoint>
+  <cs:dataPoint3D>
+    <cs:lnRef idx="0"/>
+    <cs:fillRef idx="1">
+      <cs:styleClr val="auto"/>
+    </cs:fillRef>
+    <cs:effectRef idx="0"/>
+    <cs:fontRef idx="minor">
+      <a:schemeClr val="tx1"/>
+    </cs:fontRef>
+  </cs:dataPoint3D>
+  <cs:dataPointLine>
+    <cs:lnRef idx="0">
+      <cs:styleClr val="auto"/>
+    </cs:lnRef>
+    <cs:fillRef idx="1"/>
+    <cs:effectRef idx="0"/>
+    <cs:fontRef idx="minor">
+      <a:schemeClr val="tx1"/>
+    </cs:fontRef>
+    <cs:spPr>
+      <a:ln w="19050" cap="rnd">
+        <a:solidFill>
+          <a:schemeClr val="phClr"/>
+        </a:solidFill>
+        <a:round/>
+      </a:ln>
+    </cs:spPr>
+  </cs:dataPointLine>
+  <cs:dataPointMarker>
+    <cs:lnRef idx="0">
+      <cs:styleClr val="auto"/>
+    </cs:lnRef>
+    <cs:fillRef idx="1">
+      <cs:styleClr val="auto"/>
+    </cs:fillRef>
+    <cs:effectRef idx="0"/>
+    <cs:fontRef idx="minor">
+      <a:schemeClr val="tx1"/>
+    </cs:fontRef>
+    <cs:spPr>
+      <a:ln w="9525">
+        <a:solidFill>
+          <a:schemeClr val="phClr"/>
+        </a:solidFill>
+      </a:ln>
+    </cs:spPr>
+  </cs:dataPointMarker>
+  <cs:dataPointMarkerLayout symbol="circle" size="5"/>
+  <cs:dataPointWireframe>
+    <cs:lnRef idx="0">
+      <cs:styleClr val="auto"/>
+    </cs:lnRef>
+    <cs:fillRef idx="0"/>
+    <cs:effectRef idx="0"/>
+    <cs:fontRef idx="minor">
+      <a:schemeClr val="dk1"/>
+    </cs:fontRef>
+    <cs:spPr>
+      <a:ln w="9525" cap="rnd">
+        <a:solidFill>
+          <a:schemeClr val="phClr"/>
+        </a:solidFill>
+        <a:round/>
+      </a:ln>
+    </cs:spPr>
+  </cs:dataPointWireframe>
+  <cs:dataTable>
+    <cs:lnRef idx="0"/>
+    <cs:fillRef idx="0"/>
+    <cs:effectRef idx="0"/>
+    <cs:fontRef idx="minor">
+      <a:schemeClr val="tx1">
+        <a:lumMod val="65000"/>
+        <a:lumOff val="35000"/>
+      </a:schemeClr>
+    </cs:fontRef>
+    <cs:spPr>
+      <a:noFill/>
+      <a:ln w="9525" cap="flat" cmpd="sng" algn="ctr">
+        <a:solidFill>
+          <a:schemeClr val="tx1">
+            <a:lumMod val="15000"/>
+            <a:lumOff val="85000"/>
+          </a:schemeClr>
+        </a:solidFill>
+        <a:round/>
+      </a:ln>
+    </cs:spPr>
+    <cs:defRPr sz="900" kern="1200"/>
+  </cs:dataTable>
+  <cs:downBar>
+    <cs:lnRef idx="0"/>
+    <cs:fillRef idx="0"/>
+    <cs:effectRef idx="0"/>
+    <cs:fontRef idx="minor">
+      <a:schemeClr val="tx1"/>
+    </cs:fontRef>
+    <cs:spPr>
+      <a:solidFill>
+        <a:schemeClr val="dk1">
+          <a:lumMod val="75000"/>
+          <a:lumOff val="25000"/>
+        </a:schemeClr>
+      </a:solidFill>
+      <a:ln w="9525" cap="flat" cmpd="sng" algn="ctr">
+        <a:solidFill>
+          <a:schemeClr val="tx1">
+            <a:lumMod val="65000"/>
+            <a:lumOff val="35000"/>
+          </a:schemeClr>
+        </a:solidFill>
+        <a:round/>
+      </a:ln>
+    </cs:spPr>
+  </cs:downBar>
+  <cs:dropLine>
+    <cs:lnRef idx="0"/>
+    <cs:fillRef idx="0"/>
+    <cs:effectRef idx="0"/>
+    <cs:fontRef idx="minor">
+      <a:schemeClr val="tx1"/>
+    </cs:fontRef>
+    <cs:spPr>
+      <a:ln w="9525" cap="flat" cmpd="sng" algn="ctr">
+        <a:solidFill>
+          <a:schemeClr val="tx1">
+            <a:lumMod val="35000"/>
+            <a:lumOff val="65000"/>
+          </a:schemeClr>
+        </a:solidFill>
+        <a:round/>
+      </a:ln>
+    </cs:spPr>
+  </cs:dropLine>
+  <cs:errorBar>
+    <cs:lnRef idx="0"/>
+    <cs:fillRef idx="0"/>
+    <cs:effectRef idx="0"/>
+    <cs:fontRef idx="minor">
+      <a:schemeClr val="tx1"/>
+    </cs:fontRef>
+    <cs:spPr>
+      <a:ln w="9525" cap="flat" cmpd="sng" algn="ctr">
+        <a:solidFill>
+          <a:schemeClr val="tx1">
+            <a:lumMod val="65000"/>
+            <a:lumOff val="35000"/>
+          </a:schemeClr>
+        </a:solidFill>
+        <a:round/>
+      </a:ln>
+    </cs:spPr>
+  </cs:errorBar>
+  <cs:floor>
+    <cs:lnRef idx="0"/>
+    <cs:fillRef idx="0"/>
+    <cs:effectRef idx="0"/>
+    <cs:fontRef idx="minor">
+      <a:schemeClr val="tx1"/>
+    </cs:fontRef>
+    <cs:spPr>
+      <a:noFill/>
+      <a:ln>
+        <a:noFill/>
+      </a:ln>
+    </cs:spPr>
+  </cs:floor>
+  <cs:gridlineMajor>
+    <cs:lnRef idx="0"/>
+    <cs:fillRef idx="0"/>
+    <cs:effectRef idx="0"/>
+    <cs:fontRef idx="minor">
+      <a:schemeClr val="tx1"/>
+    </cs:fontRef>
+    <cs:spPr>
+      <a:ln w="9525" cap="flat" cmpd="sng" algn="ctr">
+        <a:solidFill>
+          <a:schemeClr val="tx1">
+            <a:lumMod val="15000"/>
+            <a:lumOff val="85000"/>
+          </a:schemeClr>
+        </a:solidFill>
+        <a:round/>
+      </a:ln>
+    </cs:spPr>
+  </cs:gridlineMajor>
+  <cs:gridlineMinor>
+    <cs:lnRef idx="0"/>
+    <cs:fillRef idx="0"/>
+    <cs:effectRef idx="0"/>
+    <cs:fontRef idx="minor">
+      <a:schemeClr val="tx1"/>
+    </cs:fontRef>
+    <cs:spPr>
+      <a:ln w="9525" cap="flat" cmpd="sng" algn="ctr">
+        <a:solidFill>
+          <a:schemeClr val="tx1">
+            <a:lumMod val="5000"/>
+            <a:lumOff val="95000"/>
+          </a:schemeClr>
+        </a:solidFill>
+        <a:round/>
+      </a:ln>
+    </cs:spPr>
+  </cs:gridlineMinor>
+  <cs:hiLoLine>
+    <cs:lnRef idx="0"/>
+    <cs:fillRef idx="0"/>
+    <cs:effectRef idx="0"/>
+    <cs:fontRef idx="minor">
+      <a:schemeClr val="tx1"/>
+    </cs:fontRef>
+    <cs:spPr>
+      <a:ln w="9525" cap="flat" cmpd="sng" algn="ctr">
+        <a:solidFill>
+          <a:schemeClr val="tx1">
+            <a:lumMod val="50000"/>
+            <a:lumOff val="50000"/>
+          </a:schemeClr>
+        </a:solidFill>
+        <a:round/>
+      </a:ln>
+    </cs:spPr>
+  </cs:hiLoLine>
+  <cs:leaderLine>
+    <cs:lnRef idx="0"/>
+    <cs:fillRef idx="0"/>
+    <cs:effectRef idx="0"/>
+    <cs:fontRef idx="minor">
+      <a:schemeClr val="tx1"/>
+    </cs:fontRef>
+    <cs:spPr>
+      <a:ln w="9525" cap="flat" cmpd="sng" algn="ctr">
+        <a:solidFill>
+          <a:schemeClr val="tx1">
+            <a:lumMod val="35000"/>
+            <a:lumOff val="65000"/>
+          </a:schemeClr>
+        </a:solidFill>
+        <a:round/>
+      </a:ln>
+    </cs:spPr>
+  </cs:leaderLine>
+  <cs:legend>
+    <cs:lnRef idx="0"/>
+    <cs:fillRef idx="0"/>
+    <cs:effectRef idx="0"/>
+    <cs:fontRef idx="minor">
+      <a:schemeClr val="tx1">
+        <a:lumMod val="65000"/>
+        <a:lumOff val="35000"/>
+      </a:schemeClr>
+    </cs:fontRef>
+    <cs:defRPr sz="900" kern="1200"/>
+  </cs:legend>
+  <cs:plotArea mods="allowNoFillOverride allowNoLineOverride">
+    <cs:lnRef idx="0"/>
+    <cs:fillRef idx="0"/>
+    <cs:effectRef idx="0"/>
+    <cs:fontRef idx="minor">
+      <a:schemeClr val="tx1"/>
+    </cs:fontRef>
+  </cs:plotArea>
+  <cs:plotArea3D mods="allowNoFillOverride allowNoLineOverride">
+    <cs:lnRef idx="0"/>
+    <cs:fillRef idx="0"/>
+    <cs:effectRef idx="0"/>
+    <cs:fontRef idx="minor">
+      <a:schemeClr val="tx1"/>
+    </cs:fontRef>
+  </cs:plotArea3D>
+  <cs:seriesAxis>
+    <cs:lnRef idx="0"/>
+    <cs:fillRef idx="0"/>
+    <cs:effectRef idx="0"/>
+    <cs:fontRef idx="minor">
+      <a:schemeClr val="tx1">
+        <a:lumMod val="65000"/>
+        <a:lumOff val="35000"/>
+      </a:schemeClr>
+    </cs:fontRef>
+    <cs:defRPr sz="900" kern="1200"/>
+  </cs:seriesAxis>
+  <cs:seriesLine>
+    <cs:lnRef idx="0"/>
+    <cs:fillRef idx="0"/>
+    <cs:effectRef idx="0"/>
+    <cs:fontRef idx="minor">
+      <a:schemeClr val="tx1"/>
+    </cs:fontRef>
+    <cs:spPr>
+      <a:ln w="9525" cap="flat" cmpd="sng" algn="ctr">
+        <a:solidFill>
+          <a:schemeClr val="tx1">
+            <a:lumMod val="35000"/>
+            <a:lumOff val="65000"/>
+          </a:schemeClr>
+        </a:solidFill>
+        <a:round/>
+      </a:ln>
+    </cs:spPr>
+  </cs:seriesLine>
+  <cs:title>
+    <cs:lnRef idx="0"/>
+    <cs:fillRef idx="0"/>
+    <cs:effectRef idx="0"/>
+    <cs:fontRef idx="minor">
+      <a:schemeClr val="tx1">
+        <a:lumMod val="65000"/>
+        <a:lumOff val="35000"/>
+      </a:schemeClr>
+    </cs:fontRef>
+    <cs:defRPr sz="1400" b="0" kern="1200" spc="0" baseline="0"/>
+  </cs:title>
+  <cs:trendline>
+    <cs:lnRef idx="0">
+      <cs:styleClr val="auto"/>
+    </cs:lnRef>
+    <cs:fillRef idx="0"/>
+    <cs:effectRef idx="0"/>
+    <cs:fontRef idx="minor">
+      <a:schemeClr val="tx1"/>
+    </cs:fontRef>
+    <cs:spPr>
+      <a:ln w="19050" cap="rnd">
+        <a:solidFill>
+          <a:schemeClr val="phClr"/>
+        </a:solidFill>
+        <a:prstDash val="sysDot"/>
+      </a:ln>
+    </cs:spPr>
+  </cs:trendline>
+  <cs:trendlineLabel>
+    <cs:lnRef idx="0"/>
+    <cs:fillRef idx="0"/>
+    <cs:effectRef idx="0"/>
+    <cs:fontRef idx="minor">
+      <a:schemeClr val="tx1">
+        <a:lumMod val="65000"/>
+        <a:lumOff val="35000"/>
+      </a:schemeClr>
+    </cs:fontRef>
+    <cs:defRPr sz="900" kern="1200"/>
+  </cs:trendlineLabel>
+  <cs:upBar>
+    <cs:lnRef idx="0"/>
+    <cs:fillRef idx="0"/>
+    <cs:effectRef idx="0"/>
+    <cs:fontRef idx="minor">
+      <a:schemeClr val="tx1"/>
+    </cs:fontRef>
+    <cs:spPr>
+      <a:solidFill>
+        <a:schemeClr val="lt1"/>
+      </a:solidFill>
+      <a:ln w="9525" cap="flat" cmpd="sng" algn="ctr">
+        <a:solidFill>
+          <a:schemeClr val="tx1">
+            <a:lumMod val="65000"/>
+            <a:lumOff val="35000"/>
+          </a:schemeClr>
+        </a:solidFill>
+        <a:round/>
+      </a:ln>
+    </cs:spPr>
+  </cs:upBar>
+  <cs:valueAxis>
+    <cs:lnRef idx="0"/>
+    <cs:fillRef idx="0"/>
+    <cs:effectRef idx="0"/>
+    <cs:fontRef idx="minor">
+      <a:schemeClr val="tx1">
+        <a:lumMod val="65000"/>
+        <a:lumOff val="35000"/>
+      </a:schemeClr>
+    </cs:fontRef>
+    <cs:spPr>
+      <a:ln w="9525" cap="flat" cmpd="sng" algn="ctr">
+        <a:solidFill>
+          <a:schemeClr val="tx1">
+            <a:lumMod val="25000"/>
+            <a:lumOff val="75000"/>
+          </a:schemeClr>
+        </a:solidFill>
+        <a:round/>
+      </a:ln>
+    </cs:spPr>
+    <cs:defRPr sz="900" kern="1200"/>
+  </cs:valueAxis>
+  <cs:wall>
+    <cs:lnRef idx="0"/>
+    <cs:fillRef idx="0"/>
+    <cs:effectRef idx="0"/>
+    <cs:fontRef idx="minor">
+      <a:schemeClr val="tx1"/>
+    </cs:fontRef>
+    <cs:spPr>
+      <a:noFill/>
+      <a:ln>
+        <a:noFill/>
+      </a:ln>
+    </cs:spPr>
+  </cs:wall>
+</cs:chartStyle>
+</file>
+
 <file path=ppt/slideLayouts/slideLayout1.xml><?xml version="1.0" encoding="utf-8"?>
 <p:sldLayout xmlns:a="http://schemas.openxmlformats.org/drawingml/2006/main" xmlns:r="http://schemas.openxmlformats.org/officeDocument/2006/relationships" xmlns:p="http://schemas.openxmlformats.org/presentationml/2006/main" type="title" preserve="1">
   <p:cSld name="タイトル スライド">
@@ -266,7 +1581,7 @@
           <a:p>
             <a:fld id="{C6AC7F0E-DDCA-4467-BA12-379A322E0DE2}" type="datetimeFigureOut">
               <a:rPr kumimoji="1" lang="ja-JP" altLang="en-US" smtClean="0"/>
-              <a:t>2017/11/27</a:t>
+              <a:t>2017/11/28</a:t>
             </a:fld>
             <a:endParaRPr kumimoji="1" lang="ja-JP" altLang="en-US"/>
           </a:p>
@@ -468,7 +1783,7 @@
           <a:p>
             <a:fld id="{C6AC7F0E-DDCA-4467-BA12-379A322E0DE2}" type="datetimeFigureOut">
               <a:rPr kumimoji="1" lang="ja-JP" altLang="en-US" smtClean="0"/>
-              <a:t>2017/11/27</a:t>
+              <a:t>2017/11/28</a:t>
             </a:fld>
             <a:endParaRPr kumimoji="1" lang="ja-JP" altLang="en-US"/>
           </a:p>
@@ -680,7 +1995,7 @@
           <a:p>
             <a:fld id="{C6AC7F0E-DDCA-4467-BA12-379A322E0DE2}" type="datetimeFigureOut">
               <a:rPr kumimoji="1" lang="ja-JP" altLang="en-US" smtClean="0"/>
-              <a:t>2017/11/27</a:t>
+              <a:t>2017/11/28</a:t>
             </a:fld>
             <a:endParaRPr kumimoji="1" lang="ja-JP" altLang="en-US"/>
           </a:p>
@@ -882,7 +2197,7 @@
           <a:p>
             <a:fld id="{C6AC7F0E-DDCA-4467-BA12-379A322E0DE2}" type="datetimeFigureOut">
               <a:rPr kumimoji="1" lang="ja-JP" altLang="en-US" smtClean="0"/>
-              <a:t>2017/11/27</a:t>
+              <a:t>2017/11/28</a:t>
             </a:fld>
             <a:endParaRPr kumimoji="1" lang="ja-JP" altLang="en-US"/>
           </a:p>
@@ -1126,7 +2441,7 @@
           <a:p>
             <a:fld id="{C6AC7F0E-DDCA-4467-BA12-379A322E0DE2}" type="datetimeFigureOut">
               <a:rPr kumimoji="1" lang="ja-JP" altLang="en-US" smtClean="0"/>
-              <a:t>2017/11/27</a:t>
+              <a:t>2017/11/28</a:t>
             </a:fld>
             <a:endParaRPr kumimoji="1" lang="ja-JP" altLang="en-US"/>
           </a:p>
@@ -1422,7 +2737,7 @@
           <a:p>
             <a:fld id="{C6AC7F0E-DDCA-4467-BA12-379A322E0DE2}" type="datetimeFigureOut">
               <a:rPr kumimoji="1" lang="ja-JP" altLang="en-US" smtClean="0"/>
-              <a:t>2017/11/27</a:t>
+              <a:t>2017/11/28</a:t>
             </a:fld>
             <a:endParaRPr kumimoji="1" lang="ja-JP" altLang="en-US"/>
           </a:p>
@@ -1853,7 +3168,7 @@
           <a:p>
             <a:fld id="{C6AC7F0E-DDCA-4467-BA12-379A322E0DE2}" type="datetimeFigureOut">
               <a:rPr kumimoji="1" lang="ja-JP" altLang="en-US" smtClean="0"/>
-              <a:t>2017/11/27</a:t>
+              <a:t>2017/11/28</a:t>
             </a:fld>
             <a:endParaRPr kumimoji="1" lang="ja-JP" altLang="en-US"/>
           </a:p>
@@ -1971,7 +3286,7 @@
           <a:p>
             <a:fld id="{C6AC7F0E-DDCA-4467-BA12-379A322E0DE2}" type="datetimeFigureOut">
               <a:rPr kumimoji="1" lang="ja-JP" altLang="en-US" smtClean="0"/>
-              <a:t>2017/11/27</a:t>
+              <a:t>2017/11/28</a:t>
             </a:fld>
             <a:endParaRPr kumimoji="1" lang="ja-JP" altLang="en-US"/>
           </a:p>
@@ -2066,7 +3381,7 @@
           <a:p>
             <a:fld id="{C6AC7F0E-DDCA-4467-BA12-379A322E0DE2}" type="datetimeFigureOut">
               <a:rPr kumimoji="1" lang="ja-JP" altLang="en-US" smtClean="0"/>
-              <a:t>2017/11/27</a:t>
+              <a:t>2017/11/28</a:t>
             </a:fld>
             <a:endParaRPr kumimoji="1" lang="ja-JP" altLang="en-US"/>
           </a:p>
@@ -2375,7 +3690,7 @@
           <a:p>
             <a:fld id="{C6AC7F0E-DDCA-4467-BA12-379A322E0DE2}" type="datetimeFigureOut">
               <a:rPr kumimoji="1" lang="ja-JP" altLang="en-US" smtClean="0"/>
-              <a:t>2017/11/27</a:t>
+              <a:t>2017/11/28</a:t>
             </a:fld>
             <a:endParaRPr kumimoji="1" lang="ja-JP" altLang="en-US"/>
           </a:p>
@@ -2632,7 +3947,7 @@
           <a:p>
             <a:fld id="{C6AC7F0E-DDCA-4467-BA12-379A322E0DE2}" type="datetimeFigureOut">
               <a:rPr kumimoji="1" lang="ja-JP" altLang="en-US" smtClean="0"/>
-              <a:t>2017/11/27</a:t>
+              <a:t>2017/11/28</a:t>
             </a:fld>
             <a:endParaRPr kumimoji="1" lang="ja-JP" altLang="en-US"/>
           </a:p>
@@ -2877,7 +4192,7 @@
           <a:p>
             <a:fld id="{C6AC7F0E-DDCA-4467-BA12-379A322E0DE2}" type="datetimeFigureOut">
               <a:rPr kumimoji="1" lang="ja-JP" altLang="en-US" smtClean="0"/>
-              <a:t>2017/11/27</a:t>
+              <a:t>2017/11/28</a:t>
             </a:fld>
             <a:endParaRPr kumimoji="1" lang="ja-JP" altLang="en-US"/>
           </a:p>
@@ -5817,56 +7132,193 @@
           <a:chExt cx="0" cy="0"/>
         </a:xfrm>
       </p:grpSpPr>
-      <p:sp>
-        <p:nvSpPr>
-          <p:cNvPr id="6" name="正方形/長方形 5">
+      <p:grpSp>
+        <p:nvGrpSpPr>
+          <p:cNvPr id="3" name="グループ化 2">
             <a:extLst>
               <a:ext uri="{FF2B5EF4-FFF2-40B4-BE49-F238E27FC236}">
-                <a16:creationId xmlns:a16="http://schemas.microsoft.com/office/drawing/2014/main" id="{B1578A1E-A918-4D17-BF4D-15695443B57B}"/>
+                <a16:creationId xmlns:a16="http://schemas.microsoft.com/office/drawing/2014/main" id="{183E1473-1A47-4F59-BFF1-F5163AE529FA}"/>
               </a:ext>
             </a:extLst>
           </p:cNvPr>
-          <p:cNvSpPr/>
+          <p:cNvGrpSpPr/>
           <p:nvPr/>
-        </p:nvSpPr>
-        <p:spPr>
+        </p:nvGrpSpPr>
+        <p:grpSpPr>
           <a:xfrm>
-            <a:off x="2613991" y="5649349"/>
-            <a:ext cx="4149065" cy="363825"/>
+            <a:off x="1718847" y="1769364"/>
+            <a:ext cx="5367753" cy="3599628"/>
+            <a:chOff x="1718847" y="1769364"/>
+            <a:chExt cx="5367753" cy="3599628"/>
           </a:xfrm>
-          <a:prstGeom prst="rect">
-            <a:avLst/>
-          </a:prstGeom>
-          <a:noFill/>
-          <a:ln>
+        </p:grpSpPr>
+        <p:graphicFrame>
+          <p:nvGraphicFramePr>
+            <p:cNvPr id="4" name="グラフ 3">
+              <a:extLst>
+                <a:ext uri="{FF2B5EF4-FFF2-40B4-BE49-F238E27FC236}">
+                  <a16:creationId xmlns:a16="http://schemas.microsoft.com/office/drawing/2014/main" id="{7820A71D-8F42-45E3-ACFB-24D103AA7B5D}"/>
+                </a:ext>
+              </a:extLst>
+            </p:cNvPr>
+            <p:cNvGraphicFramePr>
+              <a:graphicFrameLocks/>
+            </p:cNvGraphicFramePr>
+            <p:nvPr>
+              <p:extLst>
+                <p:ext uri="{D42A27DB-BD31-4B8C-83A1-F6EECF244321}">
+                  <p14:modId xmlns:p14="http://schemas.microsoft.com/office/powerpoint/2010/main" val="3083264367"/>
+                </p:ext>
+              </p:extLst>
+            </p:nvPr>
+          </p:nvGraphicFramePr>
+          <p:xfrm>
+            <a:off x="2057400" y="1769364"/>
+            <a:ext cx="5029200" cy="3319272"/>
+          </p:xfrm>
+          <a:graphic>
+            <a:graphicData uri="http://schemas.openxmlformats.org/drawingml/2006/chart">
+              <c:chart xmlns:c="http://schemas.openxmlformats.org/drawingml/2006/chart" xmlns:r="http://schemas.openxmlformats.org/officeDocument/2006/relationships" r:id="rId2"/>
+            </a:graphicData>
+          </a:graphic>
+        </p:graphicFrame>
+        <p:sp>
+          <p:nvSpPr>
+            <p:cNvPr id="5" name="テキスト ボックス 4">
+              <a:extLst>
+                <a:ext uri="{FF2B5EF4-FFF2-40B4-BE49-F238E27FC236}">
+                  <a16:creationId xmlns:a16="http://schemas.microsoft.com/office/drawing/2014/main" id="{F8AC03E1-0F33-462E-8349-71C432CEE223}"/>
+                </a:ext>
+              </a:extLst>
+            </p:cNvPr>
+            <p:cNvSpPr txBox="1"/>
+            <p:nvPr/>
+          </p:nvSpPr>
+          <p:spPr>
+            <a:xfrm>
+              <a:off x="4106472" y="5030438"/>
+              <a:ext cx="1164101" cy="338554"/>
+            </a:xfrm>
+            <a:prstGeom prst="rect">
+              <a:avLst/>
+            </a:prstGeom>
             <a:noFill/>
-          </a:ln>
-        </p:spPr>
-        <p:style>
-          <a:lnRef idx="2">
-            <a:schemeClr val="accent1">
-              <a:shade val="50000"/>
-            </a:schemeClr>
-          </a:lnRef>
-          <a:fillRef idx="1">
-            <a:schemeClr val="accent1"/>
-          </a:fillRef>
-          <a:effectRef idx="0">
-            <a:schemeClr val="accent1"/>
-          </a:effectRef>
-          <a:fontRef idx="minor">
-            <a:schemeClr val="lt1"/>
-          </a:fontRef>
-        </p:style>
-        <p:txBody>
-          <a:bodyPr rtlCol="0" anchor="ctr"/>
-          <a:lstStyle/>
-          <a:p>
-            <a:pPr algn="ctr"/>
-            <a:endParaRPr kumimoji="1" lang="ja-JP" altLang="en-US" dirty="0"/>
-          </a:p>
-        </p:txBody>
-      </p:sp>
+          </p:spPr>
+          <p:txBody>
+            <a:bodyPr wrap="none" rtlCol="0">
+              <a:spAutoFit/>
+            </a:bodyPr>
+            <a:lstStyle/>
+            <a:p>
+              <a:r>
+                <a:rPr kumimoji="1" lang="en-US" altLang="ja-JP" sz="1600" dirty="0">
+                  <a:solidFill>
+                    <a:sysClr val="windowText" lastClr="000000"/>
+                  </a:solidFill>
+                </a:rPr>
+                <a:t>Time</a:t>
+              </a:r>
+              <a:r>
+                <a:rPr kumimoji="1" lang="ja-JP" altLang="en-US" sz="1600" dirty="0">
+                  <a:solidFill>
+                    <a:sysClr val="windowText" lastClr="000000"/>
+                  </a:solidFill>
+                </a:rPr>
+                <a:t> </a:t>
+              </a:r>
+              <a:r>
+                <a:rPr kumimoji="1" lang="en-US" altLang="ja-JP" sz="1600" dirty="0">
+                  <a:solidFill>
+                    <a:sysClr val="windowText" lastClr="000000"/>
+                  </a:solidFill>
+                </a:rPr>
+                <a:t>[hour]</a:t>
+              </a:r>
+              <a:endParaRPr kumimoji="1" lang="ja-JP" altLang="en-US" sz="1600" dirty="0">
+                <a:solidFill>
+                  <a:sysClr val="windowText" lastClr="000000"/>
+                </a:solidFill>
+              </a:endParaRPr>
+            </a:p>
+          </p:txBody>
+        </p:sp>
+        <p:sp>
+          <p:nvSpPr>
+            <p:cNvPr id="7" name="テキスト ボックス 6">
+              <a:extLst>
+                <a:ext uri="{FF2B5EF4-FFF2-40B4-BE49-F238E27FC236}">
+                  <a16:creationId xmlns:a16="http://schemas.microsoft.com/office/drawing/2014/main" id="{54819717-7470-468B-90F3-5DF5CCB82C4C}"/>
+                </a:ext>
+              </a:extLst>
+            </p:cNvPr>
+            <p:cNvSpPr txBox="1"/>
+            <p:nvPr/>
+          </p:nvSpPr>
+          <p:spPr>
+            <a:xfrm rot="16200000">
+              <a:off x="1154686" y="3259722"/>
+              <a:ext cx="1466876" cy="338554"/>
+            </a:xfrm>
+            <a:prstGeom prst="rect">
+              <a:avLst/>
+            </a:prstGeom>
+            <a:noFill/>
+          </p:spPr>
+          <p:txBody>
+            <a:bodyPr wrap="none" rtlCol="0">
+              <a:spAutoFit/>
+            </a:bodyPr>
+            <a:lstStyle/>
+            <a:p>
+              <a:r>
+                <a:rPr kumimoji="1" lang="en-US" altLang="ja-JP" sz="1600" dirty="0">
+                  <a:solidFill>
+                    <a:sysClr val="windowText" lastClr="000000"/>
+                  </a:solidFill>
+                </a:rPr>
+                <a:t>Vacuum</a:t>
+              </a:r>
+              <a:r>
+                <a:rPr kumimoji="1" lang="ja-JP" altLang="en-US" sz="1600" dirty="0">
+                  <a:solidFill>
+                    <a:sysClr val="windowText" lastClr="000000"/>
+                  </a:solidFill>
+                </a:rPr>
+                <a:t> </a:t>
+              </a:r>
+              <a:r>
+                <a:rPr kumimoji="1" lang="en-US" altLang="ja-JP" sz="1600" dirty="0">
+                  <a:solidFill>
+                    <a:sysClr val="windowText" lastClr="000000"/>
+                  </a:solidFill>
+                </a:rPr>
+                <a:t>[-</a:t>
+              </a:r>
+              <a:r>
+                <a:rPr kumimoji="1" lang="en-US" altLang="ja-JP" sz="1600" dirty="0" err="1">
+                  <a:solidFill>
+                    <a:sysClr val="windowText" lastClr="000000"/>
+                  </a:solidFill>
+                </a:rPr>
+                <a:t>Mpa</a:t>
+              </a:r>
+              <a:r>
+                <a:rPr kumimoji="1" lang="en-US" altLang="ja-JP" sz="1600" dirty="0">
+                  <a:solidFill>
+                    <a:sysClr val="windowText" lastClr="000000"/>
+                  </a:solidFill>
+                </a:rPr>
+                <a:t>]</a:t>
+              </a:r>
+              <a:endParaRPr kumimoji="1" lang="ja-JP" altLang="en-US" sz="1600" dirty="0">
+                <a:solidFill>
+                  <a:sysClr val="windowText" lastClr="000000"/>
+                </a:solidFill>
+              </a:endParaRPr>
+            </a:p>
+          </p:txBody>
+        </p:sp>
+      </p:grpSp>
     </p:spTree>
     <p:extLst>
       <p:ext uri="{BB962C8B-B14F-4D97-AF65-F5344CB8AC3E}">

--- a/修論画像作成.pptx
+++ b/修論画像作成.pptx
@@ -21,10 +21,11 @@
     <p:sldId id="269" r:id="rId15"/>
     <p:sldId id="276" r:id="rId16"/>
     <p:sldId id="270" r:id="rId17"/>
-    <p:sldId id="271" r:id="rId18"/>
-    <p:sldId id="272" r:id="rId19"/>
-    <p:sldId id="273" r:id="rId20"/>
-    <p:sldId id="274" r:id="rId21"/>
+    <p:sldId id="277" r:id="rId18"/>
+    <p:sldId id="271" r:id="rId19"/>
+    <p:sldId id="272" r:id="rId20"/>
+    <p:sldId id="273" r:id="rId21"/>
+    <p:sldId id="274" r:id="rId22"/>
   </p:sldIdLst>
   <p:sldSz cx="9144000" cy="6858000" type="screen4x3"/>
   <p:notesSz cx="6858000" cy="9144000"/>
@@ -1581,7 +1582,7 @@
           <a:p>
             <a:fld id="{C6AC7F0E-DDCA-4467-BA12-379A322E0DE2}" type="datetimeFigureOut">
               <a:rPr kumimoji="1" lang="ja-JP" altLang="en-US" smtClean="0"/>
-              <a:t>2017/11/28</a:t>
+              <a:t>2017/11/29</a:t>
             </a:fld>
             <a:endParaRPr kumimoji="1" lang="ja-JP" altLang="en-US"/>
           </a:p>
@@ -1783,7 +1784,7 @@
           <a:p>
             <a:fld id="{C6AC7F0E-DDCA-4467-BA12-379A322E0DE2}" type="datetimeFigureOut">
               <a:rPr kumimoji="1" lang="ja-JP" altLang="en-US" smtClean="0"/>
-              <a:t>2017/11/28</a:t>
+              <a:t>2017/11/29</a:t>
             </a:fld>
             <a:endParaRPr kumimoji="1" lang="ja-JP" altLang="en-US"/>
           </a:p>
@@ -1995,7 +1996,7 @@
           <a:p>
             <a:fld id="{C6AC7F0E-DDCA-4467-BA12-379A322E0DE2}" type="datetimeFigureOut">
               <a:rPr kumimoji="1" lang="ja-JP" altLang="en-US" smtClean="0"/>
-              <a:t>2017/11/28</a:t>
+              <a:t>2017/11/29</a:t>
             </a:fld>
             <a:endParaRPr kumimoji="1" lang="ja-JP" altLang="en-US"/>
           </a:p>
@@ -2197,7 +2198,7 @@
           <a:p>
             <a:fld id="{C6AC7F0E-DDCA-4467-BA12-379A322E0DE2}" type="datetimeFigureOut">
               <a:rPr kumimoji="1" lang="ja-JP" altLang="en-US" smtClean="0"/>
-              <a:t>2017/11/28</a:t>
+              <a:t>2017/11/29</a:t>
             </a:fld>
             <a:endParaRPr kumimoji="1" lang="ja-JP" altLang="en-US"/>
           </a:p>
@@ -2441,7 +2442,7 @@
           <a:p>
             <a:fld id="{C6AC7F0E-DDCA-4467-BA12-379A322E0DE2}" type="datetimeFigureOut">
               <a:rPr kumimoji="1" lang="ja-JP" altLang="en-US" smtClean="0"/>
-              <a:t>2017/11/28</a:t>
+              <a:t>2017/11/29</a:t>
             </a:fld>
             <a:endParaRPr kumimoji="1" lang="ja-JP" altLang="en-US"/>
           </a:p>
@@ -2737,7 +2738,7 @@
           <a:p>
             <a:fld id="{C6AC7F0E-DDCA-4467-BA12-379A322E0DE2}" type="datetimeFigureOut">
               <a:rPr kumimoji="1" lang="ja-JP" altLang="en-US" smtClean="0"/>
-              <a:t>2017/11/28</a:t>
+              <a:t>2017/11/29</a:t>
             </a:fld>
             <a:endParaRPr kumimoji="1" lang="ja-JP" altLang="en-US"/>
           </a:p>
@@ -3168,7 +3169,7 @@
           <a:p>
             <a:fld id="{C6AC7F0E-DDCA-4467-BA12-379A322E0DE2}" type="datetimeFigureOut">
               <a:rPr kumimoji="1" lang="ja-JP" altLang="en-US" smtClean="0"/>
-              <a:t>2017/11/28</a:t>
+              <a:t>2017/11/29</a:t>
             </a:fld>
             <a:endParaRPr kumimoji="1" lang="ja-JP" altLang="en-US"/>
           </a:p>
@@ -3286,7 +3287,7 @@
           <a:p>
             <a:fld id="{C6AC7F0E-DDCA-4467-BA12-379A322E0DE2}" type="datetimeFigureOut">
               <a:rPr kumimoji="1" lang="ja-JP" altLang="en-US" smtClean="0"/>
-              <a:t>2017/11/28</a:t>
+              <a:t>2017/11/29</a:t>
             </a:fld>
             <a:endParaRPr kumimoji="1" lang="ja-JP" altLang="en-US"/>
           </a:p>
@@ -3381,7 +3382,7 @@
           <a:p>
             <a:fld id="{C6AC7F0E-DDCA-4467-BA12-379A322E0DE2}" type="datetimeFigureOut">
               <a:rPr kumimoji="1" lang="ja-JP" altLang="en-US" smtClean="0"/>
-              <a:t>2017/11/28</a:t>
+              <a:t>2017/11/29</a:t>
             </a:fld>
             <a:endParaRPr kumimoji="1" lang="ja-JP" altLang="en-US"/>
           </a:p>
@@ -3690,7 +3691,7 @@
           <a:p>
             <a:fld id="{C6AC7F0E-DDCA-4467-BA12-379A322E0DE2}" type="datetimeFigureOut">
               <a:rPr kumimoji="1" lang="ja-JP" altLang="en-US" smtClean="0"/>
-              <a:t>2017/11/28</a:t>
+              <a:t>2017/11/29</a:t>
             </a:fld>
             <a:endParaRPr kumimoji="1" lang="ja-JP" altLang="en-US"/>
           </a:p>
@@ -3947,7 +3948,7 @@
           <a:p>
             <a:fld id="{C6AC7F0E-DDCA-4467-BA12-379A322E0DE2}" type="datetimeFigureOut">
               <a:rPr kumimoji="1" lang="ja-JP" altLang="en-US" smtClean="0"/>
-              <a:t>2017/11/28</a:t>
+              <a:t>2017/11/29</a:t>
             </a:fld>
             <a:endParaRPr kumimoji="1" lang="ja-JP" altLang="en-US"/>
           </a:p>
@@ -4192,7 +4193,7 @@
           <a:p>
             <a:fld id="{C6AC7F0E-DDCA-4467-BA12-379A322E0DE2}" type="datetimeFigureOut">
               <a:rPr kumimoji="1" lang="ja-JP" altLang="en-US" smtClean="0"/>
-              <a:t>2017/11/28</a:t>
+              <a:t>2017/11/29</a:t>
             </a:fld>
             <a:endParaRPr kumimoji="1" lang="ja-JP" altLang="en-US"/>
           </a:p>
@@ -7351,20 +7352,40 @@
       </p:grpSpPr>
       <p:sp>
         <p:nvSpPr>
-          <p:cNvPr id="6" name="正方形/長方形 5">
-            <a:extLst>
-              <a:ext uri="{FF2B5EF4-FFF2-40B4-BE49-F238E27FC236}">
-                <a16:creationId xmlns:a16="http://schemas.microsoft.com/office/drawing/2014/main" id="{B1578A1E-A918-4D17-BF4D-15695443B57B}"/>
-              </a:ext>
-            </a:extLst>
-          </p:cNvPr>
-          <p:cNvSpPr/>
+          <p:cNvPr id="158" name="スライド番号プレースホルダー 3"/>
+          <p:cNvSpPr>
+            <a:spLocks noGrp="1"/>
+          </p:cNvSpPr>
+          <p:nvPr>
+            <p:ph type="sldNum" sz="quarter" idx="12"/>
+          </p:nvPr>
+        </p:nvSpPr>
+        <p:spPr/>
+        <p:txBody>
+          <a:bodyPr/>
+          <a:lstStyle/>
+          <a:p>
+            <a:fld id="{A62B5364-244E-48C9-9385-65543814ADC3}" type="slidenum">
+              <a:rPr lang="en-US" altLang="ja-JP"/>
+              <a:pPr/>
+              <a:t>17</a:t>
+            </a:fld>
+            <a:endParaRPr lang="en-US" altLang="ja-JP"/>
+          </a:p>
+        </p:txBody>
+      </p:sp>
+      <p:sp>
+        <p:nvSpPr>
+          <p:cNvPr id="11268" name="Text Box 4"/>
+          <p:cNvSpPr txBox="1">
+            <a:spLocks noChangeArrowheads="1"/>
+          </p:cNvSpPr>
           <p:nvPr/>
         </p:nvSpPr>
-        <p:spPr>
+        <p:spPr bwMode="auto">
           <a:xfrm>
-            <a:off x="2613991" y="5649349"/>
-            <a:ext cx="4149065" cy="363825"/>
+            <a:off x="248092" y="404831"/>
+            <a:ext cx="3815468" cy="584775"/>
           </a:xfrm>
           <a:prstGeom prst="rect">
             <a:avLst/>
@@ -7373,36 +7394,7051 @@
           <a:ln>
             <a:noFill/>
           </a:ln>
+          <a:effectLst/>
+          <a:extLst>
+            <a:ext uri="{909E8E84-426E-40DD-AFC4-6F175D3DCCD1}">
+              <a14:hiddenFill xmlns:a14="http://schemas.microsoft.com/office/drawing/2010/main">
+                <a:solidFill>
+                  <a:schemeClr val="accent1"/>
+                </a:solidFill>
+              </a14:hiddenFill>
+            </a:ext>
+            <a:ext uri="{91240B29-F687-4F45-9708-019B960494DF}">
+              <a14:hiddenLine xmlns:a14="http://schemas.microsoft.com/office/drawing/2010/main" w="9525">
+                <a:solidFill>
+                  <a:schemeClr val="tx1"/>
+                </a:solidFill>
+                <a:miter lim="800000"/>
+                <a:headEnd/>
+                <a:tailEnd/>
+              </a14:hiddenLine>
+            </a:ext>
+            <a:ext uri="{AF507438-7753-43E0-B8FC-AC1667EBCBE1}">
+              <a14:hiddenEffects xmlns:a14="http://schemas.microsoft.com/office/drawing/2010/main">
+                <a:effectLst>
+                  <a:outerShdw dist="35921" dir="2700000" algn="ctr" rotWithShape="0">
+                    <a:schemeClr val="bg2"/>
+                  </a:outerShdw>
+                </a:effectLst>
+              </a14:hiddenEffects>
+            </a:ext>
+          </a:extLst>
         </p:spPr>
-        <p:style>
-          <a:lnRef idx="2">
-            <a:schemeClr val="accent1">
-              <a:shade val="50000"/>
-            </a:schemeClr>
-          </a:lnRef>
-          <a:fillRef idx="1">
-            <a:schemeClr val="accent1"/>
-          </a:fillRef>
-          <a:effectRef idx="0">
-            <a:schemeClr val="accent1"/>
-          </a:effectRef>
-          <a:fontRef idx="minor">
-            <a:schemeClr val="lt1"/>
-          </a:fontRef>
-        </p:style>
         <p:txBody>
-          <a:bodyPr rtlCol="0" anchor="ctr"/>
+          <a:bodyPr wrap="none">
+            <a:spAutoFit/>
+          </a:bodyPr>
           <a:lstStyle/>
           <a:p>
-            <a:pPr algn="ctr"/>
-            <a:endParaRPr kumimoji="1" lang="ja-JP" altLang="en-US" dirty="0"/>
+            <a:r>
+              <a:rPr lang="ja-JP" altLang="en-US" sz="1600" dirty="0"/>
+              <a:t>青と赤の点の集団は同じパターンなのか。</a:t>
+            </a:r>
+            <a:endParaRPr lang="en-US" altLang="ja-JP" sz="1600" dirty="0"/>
+          </a:p>
+          <a:p>
+            <a:r>
+              <a:rPr lang="ja-JP" altLang="en-US" sz="1600" dirty="0"/>
+              <a:t>どのようにずらしたら重なるか。</a:t>
+            </a:r>
+            <a:endParaRPr lang="en-US" altLang="ja-JP" sz="1600" dirty="0"/>
+          </a:p>
+        </p:txBody>
+      </p:sp>
+      <p:grpSp>
+        <p:nvGrpSpPr>
+          <p:cNvPr id="11542" name="Group 278"/>
+          <p:cNvGrpSpPr>
+            <a:grpSpLocks/>
+          </p:cNvGrpSpPr>
+          <p:nvPr/>
+        </p:nvGrpSpPr>
+        <p:grpSpPr bwMode="auto">
+          <a:xfrm>
+            <a:off x="4199138" y="11694"/>
+            <a:ext cx="1376911" cy="1355180"/>
+            <a:chOff x="249" y="618"/>
+            <a:chExt cx="1330" cy="1310"/>
+          </a:xfrm>
+        </p:grpSpPr>
+        <p:grpSp>
+          <p:nvGrpSpPr>
+            <p:cNvPr id="11272" name="Group 8"/>
+            <p:cNvGrpSpPr>
+              <a:grpSpLocks/>
+            </p:cNvGrpSpPr>
+            <p:nvPr/>
+          </p:nvGrpSpPr>
+          <p:grpSpPr bwMode="auto">
+            <a:xfrm>
+              <a:off x="249" y="618"/>
+              <a:ext cx="1330" cy="1310"/>
+              <a:chOff x="340" y="482"/>
+              <a:chExt cx="1905" cy="1905"/>
+            </a:xfrm>
+          </p:grpSpPr>
+          <p:sp>
+            <p:nvSpPr>
+              <p:cNvPr id="11269" name="Line 5"/>
+              <p:cNvSpPr>
+                <a:spLocks noChangeShapeType="1"/>
+              </p:cNvSpPr>
+              <p:nvPr/>
+            </p:nvSpPr>
+            <p:spPr bwMode="auto">
+              <a:xfrm>
+                <a:off x="340" y="1434"/>
+                <a:ext cx="1905" cy="0"/>
+              </a:xfrm>
+              <a:prstGeom prst="line">
+                <a:avLst/>
+              </a:prstGeom>
+              <a:noFill/>
+              <a:ln w="9525">
+                <a:solidFill>
+                  <a:schemeClr val="bg2"/>
+                </a:solidFill>
+                <a:round/>
+                <a:headEnd/>
+                <a:tailEnd type="triangle" w="med" len="med"/>
+              </a:ln>
+              <a:effectLst/>
+              <a:extLst>
+                <a:ext uri="{909E8E84-426E-40DD-AFC4-6F175D3DCCD1}">
+                  <a14:hiddenFill xmlns:a14="http://schemas.microsoft.com/office/drawing/2010/main">
+                    <a:noFill/>
+                  </a14:hiddenFill>
+                </a:ext>
+                <a:ext uri="{AF507438-7753-43E0-B8FC-AC1667EBCBE1}">
+                  <a14:hiddenEffects xmlns:a14="http://schemas.microsoft.com/office/drawing/2010/main">
+                    <a:effectLst>
+                      <a:outerShdw dist="35921" dir="2700000" algn="ctr" rotWithShape="0">
+                        <a:schemeClr val="bg2"/>
+                      </a:outerShdw>
+                    </a:effectLst>
+                  </a14:hiddenEffects>
+                </a:ext>
+              </a:extLst>
+            </p:spPr>
+            <p:txBody>
+              <a:bodyPr/>
+              <a:lstStyle/>
+              <a:p>
+                <a:endParaRPr lang="ja-JP" altLang="en-US"/>
+              </a:p>
+            </p:txBody>
+          </p:sp>
+          <p:sp>
+            <p:nvSpPr>
+              <p:cNvPr id="11270" name="Line 6"/>
+              <p:cNvSpPr>
+                <a:spLocks noChangeShapeType="1"/>
+              </p:cNvSpPr>
+              <p:nvPr/>
+            </p:nvSpPr>
+            <p:spPr bwMode="auto">
+              <a:xfrm flipH="1" flipV="1">
+                <a:off x="1292" y="482"/>
+                <a:ext cx="0" cy="1905"/>
+              </a:xfrm>
+              <a:prstGeom prst="line">
+                <a:avLst/>
+              </a:prstGeom>
+              <a:noFill/>
+              <a:ln w="9525">
+                <a:solidFill>
+                  <a:schemeClr val="bg2"/>
+                </a:solidFill>
+                <a:round/>
+                <a:headEnd/>
+                <a:tailEnd type="triangle" w="med" len="med"/>
+              </a:ln>
+              <a:effectLst/>
+              <a:extLst>
+                <a:ext uri="{909E8E84-426E-40DD-AFC4-6F175D3DCCD1}">
+                  <a14:hiddenFill xmlns:a14="http://schemas.microsoft.com/office/drawing/2010/main">
+                    <a:noFill/>
+                  </a14:hiddenFill>
+                </a:ext>
+                <a:ext uri="{AF507438-7753-43E0-B8FC-AC1667EBCBE1}">
+                  <a14:hiddenEffects xmlns:a14="http://schemas.microsoft.com/office/drawing/2010/main">
+                    <a:effectLst>
+                      <a:outerShdw dist="35921" dir="2700000" algn="ctr" rotWithShape="0">
+                        <a:schemeClr val="bg2"/>
+                      </a:outerShdw>
+                    </a:effectLst>
+                  </a14:hiddenEffects>
+                </a:ext>
+              </a:extLst>
+            </p:spPr>
+            <p:txBody>
+              <a:bodyPr/>
+              <a:lstStyle/>
+              <a:p>
+                <a:endParaRPr lang="ja-JP" altLang="en-US"/>
+              </a:p>
+            </p:txBody>
+          </p:sp>
+          <p:sp>
+            <p:nvSpPr>
+              <p:cNvPr id="11271" name="Rectangle 7"/>
+              <p:cNvSpPr>
+                <a:spLocks noChangeArrowheads="1"/>
+              </p:cNvSpPr>
+              <p:nvPr/>
+            </p:nvSpPr>
+            <p:spPr bwMode="auto">
+              <a:xfrm>
+                <a:off x="340" y="482"/>
+                <a:ext cx="1905" cy="1905"/>
+              </a:xfrm>
+              <a:prstGeom prst="rect">
+                <a:avLst/>
+              </a:prstGeom>
+              <a:noFill/>
+              <a:ln w="9525">
+                <a:solidFill>
+                  <a:schemeClr val="bg2"/>
+                </a:solidFill>
+                <a:miter lim="800000"/>
+                <a:headEnd/>
+                <a:tailEnd/>
+              </a:ln>
+              <a:effectLst/>
+              <a:extLst>
+                <a:ext uri="{909E8E84-426E-40DD-AFC4-6F175D3DCCD1}">
+                  <a14:hiddenFill xmlns:a14="http://schemas.microsoft.com/office/drawing/2010/main">
+                    <a:solidFill>
+                      <a:schemeClr val="accent1"/>
+                    </a:solidFill>
+                  </a14:hiddenFill>
+                </a:ext>
+                <a:ext uri="{AF507438-7753-43E0-B8FC-AC1667EBCBE1}">
+                  <a14:hiddenEffects xmlns:a14="http://schemas.microsoft.com/office/drawing/2010/main">
+                    <a:effectLst>
+                      <a:outerShdw dist="35921" dir="2700000" algn="ctr" rotWithShape="0">
+                        <a:schemeClr val="bg2"/>
+                      </a:outerShdw>
+                    </a:effectLst>
+                  </a14:hiddenEffects>
+                </a:ext>
+              </a:extLst>
+            </p:spPr>
+            <p:txBody>
+              <a:bodyPr wrap="none" anchor="ctr"/>
+              <a:lstStyle/>
+              <a:p>
+                <a:endParaRPr lang="ja-JP" altLang="en-US"/>
+              </a:p>
+            </p:txBody>
+          </p:sp>
+        </p:grpSp>
+        <p:grpSp>
+          <p:nvGrpSpPr>
+            <p:cNvPr id="11291" name="Group 27"/>
+            <p:cNvGrpSpPr>
+              <a:grpSpLocks/>
+            </p:cNvGrpSpPr>
+            <p:nvPr/>
+          </p:nvGrpSpPr>
+          <p:grpSpPr bwMode="auto">
+            <a:xfrm>
+              <a:off x="523" y="772"/>
+              <a:ext cx="549" cy="886"/>
+              <a:chOff x="2608" y="1887"/>
+              <a:chExt cx="636" cy="1044"/>
+            </a:xfrm>
+          </p:grpSpPr>
+          <p:sp>
+            <p:nvSpPr>
+              <p:cNvPr id="11281" name="Oval 17"/>
+              <p:cNvSpPr>
+                <a:spLocks noChangeArrowheads="1"/>
+              </p:cNvSpPr>
+              <p:nvPr/>
+            </p:nvSpPr>
+            <p:spPr bwMode="auto">
+              <a:xfrm>
+                <a:off x="3016" y="1933"/>
+                <a:ext cx="46" cy="46"/>
+              </a:xfrm>
+              <a:prstGeom prst="ellipse">
+                <a:avLst/>
+              </a:prstGeom>
+              <a:solidFill>
+                <a:srgbClr val="000099"/>
+              </a:solidFill>
+              <a:ln w="9525">
+                <a:solidFill>
+                  <a:schemeClr val="tx1"/>
+                </a:solidFill>
+                <a:round/>
+                <a:headEnd/>
+                <a:tailEnd/>
+              </a:ln>
+              <a:effectLst/>
+              <a:extLst>
+                <a:ext uri="{AF507438-7753-43E0-B8FC-AC1667EBCBE1}">
+                  <a14:hiddenEffects xmlns:a14="http://schemas.microsoft.com/office/drawing/2010/main">
+                    <a:effectLst>
+                      <a:outerShdw dist="35921" dir="2700000" algn="ctr" rotWithShape="0">
+                        <a:schemeClr val="bg2"/>
+                      </a:outerShdw>
+                    </a:effectLst>
+                  </a14:hiddenEffects>
+                </a:ext>
+              </a:extLst>
+            </p:spPr>
+            <p:txBody>
+              <a:bodyPr wrap="none" anchor="ctr"/>
+              <a:lstStyle/>
+              <a:p>
+                <a:endParaRPr lang="ja-JP" altLang="en-US"/>
+              </a:p>
+            </p:txBody>
+          </p:sp>
+          <p:sp>
+            <p:nvSpPr>
+              <p:cNvPr id="11282" name="Oval 18"/>
+              <p:cNvSpPr>
+                <a:spLocks noChangeArrowheads="1"/>
+              </p:cNvSpPr>
+              <p:nvPr/>
+            </p:nvSpPr>
+            <p:spPr bwMode="auto">
+              <a:xfrm>
+                <a:off x="2698" y="2885"/>
+                <a:ext cx="46" cy="46"/>
+              </a:xfrm>
+              <a:prstGeom prst="ellipse">
+                <a:avLst/>
+              </a:prstGeom>
+              <a:solidFill>
+                <a:srgbClr val="000099"/>
+              </a:solidFill>
+              <a:ln w="9525">
+                <a:solidFill>
+                  <a:schemeClr val="tx1"/>
+                </a:solidFill>
+                <a:round/>
+                <a:headEnd/>
+                <a:tailEnd/>
+              </a:ln>
+              <a:effectLst/>
+              <a:extLst>
+                <a:ext uri="{AF507438-7753-43E0-B8FC-AC1667EBCBE1}">
+                  <a14:hiddenEffects xmlns:a14="http://schemas.microsoft.com/office/drawing/2010/main">
+                    <a:effectLst>
+                      <a:outerShdw dist="35921" dir="2700000" algn="ctr" rotWithShape="0">
+                        <a:schemeClr val="bg2"/>
+                      </a:outerShdw>
+                    </a:effectLst>
+                  </a14:hiddenEffects>
+                </a:ext>
+              </a:extLst>
+            </p:spPr>
+            <p:txBody>
+              <a:bodyPr wrap="none" anchor="ctr"/>
+              <a:lstStyle/>
+              <a:p>
+                <a:endParaRPr lang="ja-JP" altLang="en-US"/>
+              </a:p>
+            </p:txBody>
+          </p:sp>
+          <p:sp>
+            <p:nvSpPr>
+              <p:cNvPr id="11283" name="Oval 19"/>
+              <p:cNvSpPr>
+                <a:spLocks noChangeArrowheads="1"/>
+              </p:cNvSpPr>
+              <p:nvPr/>
+            </p:nvSpPr>
+            <p:spPr bwMode="auto">
+              <a:xfrm>
+                <a:off x="3198" y="2794"/>
+                <a:ext cx="46" cy="46"/>
+              </a:xfrm>
+              <a:prstGeom prst="ellipse">
+                <a:avLst/>
+              </a:prstGeom>
+              <a:solidFill>
+                <a:srgbClr val="000099"/>
+              </a:solidFill>
+              <a:ln w="9525">
+                <a:solidFill>
+                  <a:schemeClr val="tx1"/>
+                </a:solidFill>
+                <a:round/>
+                <a:headEnd/>
+                <a:tailEnd/>
+              </a:ln>
+              <a:effectLst/>
+              <a:extLst>
+                <a:ext uri="{AF507438-7753-43E0-B8FC-AC1667EBCBE1}">
+                  <a14:hiddenEffects xmlns:a14="http://schemas.microsoft.com/office/drawing/2010/main">
+                    <a:effectLst>
+                      <a:outerShdw dist="35921" dir="2700000" algn="ctr" rotWithShape="0">
+                        <a:schemeClr val="bg2"/>
+                      </a:outerShdw>
+                    </a:effectLst>
+                  </a14:hiddenEffects>
+                </a:ext>
+              </a:extLst>
+            </p:spPr>
+            <p:txBody>
+              <a:bodyPr wrap="none" anchor="ctr"/>
+              <a:lstStyle/>
+              <a:p>
+                <a:endParaRPr lang="ja-JP" altLang="en-US"/>
+              </a:p>
+            </p:txBody>
+          </p:sp>
+          <p:sp>
+            <p:nvSpPr>
+              <p:cNvPr id="11286" name="Oval 22"/>
+              <p:cNvSpPr>
+                <a:spLocks noChangeArrowheads="1"/>
+              </p:cNvSpPr>
+              <p:nvPr/>
+            </p:nvSpPr>
+            <p:spPr bwMode="auto">
+              <a:xfrm>
+                <a:off x="2608" y="1887"/>
+                <a:ext cx="46" cy="46"/>
+              </a:xfrm>
+              <a:prstGeom prst="ellipse">
+                <a:avLst/>
+              </a:prstGeom>
+              <a:solidFill>
+                <a:srgbClr val="000099"/>
+              </a:solidFill>
+              <a:ln w="9525">
+                <a:solidFill>
+                  <a:schemeClr val="tx1"/>
+                </a:solidFill>
+                <a:round/>
+                <a:headEnd/>
+                <a:tailEnd/>
+              </a:ln>
+              <a:effectLst/>
+              <a:extLst>
+                <a:ext uri="{AF507438-7753-43E0-B8FC-AC1667EBCBE1}">
+                  <a14:hiddenEffects xmlns:a14="http://schemas.microsoft.com/office/drawing/2010/main">
+                    <a:effectLst>
+                      <a:outerShdw dist="35921" dir="2700000" algn="ctr" rotWithShape="0">
+                        <a:schemeClr val="bg2"/>
+                      </a:outerShdw>
+                    </a:effectLst>
+                  </a14:hiddenEffects>
+                </a:ext>
+              </a:extLst>
+            </p:spPr>
+            <p:txBody>
+              <a:bodyPr wrap="none" anchor="ctr"/>
+              <a:lstStyle/>
+              <a:p>
+                <a:endParaRPr lang="ja-JP" altLang="en-US"/>
+              </a:p>
+            </p:txBody>
+          </p:sp>
+          <p:sp>
+            <p:nvSpPr>
+              <p:cNvPr id="11287" name="Oval 23"/>
+              <p:cNvSpPr>
+                <a:spLocks noChangeArrowheads="1"/>
+              </p:cNvSpPr>
+              <p:nvPr/>
+            </p:nvSpPr>
+            <p:spPr bwMode="auto">
+              <a:xfrm>
+                <a:off x="2789" y="2432"/>
+                <a:ext cx="46" cy="46"/>
+              </a:xfrm>
+              <a:prstGeom prst="ellipse">
+                <a:avLst/>
+              </a:prstGeom>
+              <a:solidFill>
+                <a:srgbClr val="000099"/>
+              </a:solidFill>
+              <a:ln w="9525">
+                <a:solidFill>
+                  <a:schemeClr val="tx1"/>
+                </a:solidFill>
+                <a:round/>
+                <a:headEnd/>
+                <a:tailEnd/>
+              </a:ln>
+              <a:effectLst/>
+              <a:extLst>
+                <a:ext uri="{AF507438-7753-43E0-B8FC-AC1667EBCBE1}">
+                  <a14:hiddenEffects xmlns:a14="http://schemas.microsoft.com/office/drawing/2010/main">
+                    <a:effectLst>
+                      <a:outerShdw dist="35921" dir="2700000" algn="ctr" rotWithShape="0">
+                        <a:schemeClr val="bg2"/>
+                      </a:outerShdw>
+                    </a:effectLst>
+                  </a14:hiddenEffects>
+                </a:ext>
+              </a:extLst>
+            </p:spPr>
+            <p:txBody>
+              <a:bodyPr wrap="none" anchor="ctr"/>
+              <a:lstStyle/>
+              <a:p>
+                <a:endParaRPr lang="ja-JP" altLang="en-US"/>
+              </a:p>
+            </p:txBody>
+          </p:sp>
+          <p:sp>
+            <p:nvSpPr>
+              <p:cNvPr id="11288" name="Oval 24"/>
+              <p:cNvSpPr>
+                <a:spLocks noChangeArrowheads="1"/>
+              </p:cNvSpPr>
+              <p:nvPr/>
+            </p:nvSpPr>
+            <p:spPr bwMode="auto">
+              <a:xfrm>
+                <a:off x="2880" y="2386"/>
+                <a:ext cx="46" cy="46"/>
+              </a:xfrm>
+              <a:prstGeom prst="ellipse">
+                <a:avLst/>
+              </a:prstGeom>
+              <a:solidFill>
+                <a:srgbClr val="000099"/>
+              </a:solidFill>
+              <a:ln w="9525">
+                <a:solidFill>
+                  <a:schemeClr val="tx1"/>
+                </a:solidFill>
+                <a:round/>
+                <a:headEnd/>
+                <a:tailEnd/>
+              </a:ln>
+              <a:effectLst/>
+              <a:extLst>
+                <a:ext uri="{AF507438-7753-43E0-B8FC-AC1667EBCBE1}">
+                  <a14:hiddenEffects xmlns:a14="http://schemas.microsoft.com/office/drawing/2010/main">
+                    <a:effectLst>
+                      <a:outerShdw dist="35921" dir="2700000" algn="ctr" rotWithShape="0">
+                        <a:schemeClr val="bg2"/>
+                      </a:outerShdw>
+                    </a:effectLst>
+                  </a14:hiddenEffects>
+                </a:ext>
+              </a:extLst>
+            </p:spPr>
+            <p:txBody>
+              <a:bodyPr wrap="none" anchor="ctr"/>
+              <a:lstStyle/>
+              <a:p>
+                <a:endParaRPr lang="ja-JP" altLang="en-US"/>
+              </a:p>
+            </p:txBody>
+          </p:sp>
+          <p:sp>
+            <p:nvSpPr>
+              <p:cNvPr id="11289" name="Oval 25"/>
+              <p:cNvSpPr>
+                <a:spLocks noChangeArrowheads="1"/>
+              </p:cNvSpPr>
+              <p:nvPr/>
+            </p:nvSpPr>
+            <p:spPr bwMode="auto">
+              <a:xfrm>
+                <a:off x="2925" y="2341"/>
+                <a:ext cx="46" cy="46"/>
+              </a:xfrm>
+              <a:prstGeom prst="ellipse">
+                <a:avLst/>
+              </a:prstGeom>
+              <a:solidFill>
+                <a:srgbClr val="000099"/>
+              </a:solidFill>
+              <a:ln w="9525">
+                <a:solidFill>
+                  <a:schemeClr val="tx1"/>
+                </a:solidFill>
+                <a:round/>
+                <a:headEnd/>
+                <a:tailEnd/>
+              </a:ln>
+              <a:effectLst/>
+              <a:extLst>
+                <a:ext uri="{AF507438-7753-43E0-B8FC-AC1667EBCBE1}">
+                  <a14:hiddenEffects xmlns:a14="http://schemas.microsoft.com/office/drawing/2010/main">
+                    <a:effectLst>
+                      <a:outerShdw dist="35921" dir="2700000" algn="ctr" rotWithShape="0">
+                        <a:schemeClr val="bg2"/>
+                      </a:outerShdw>
+                    </a:effectLst>
+                  </a14:hiddenEffects>
+                </a:ext>
+              </a:extLst>
+            </p:spPr>
+            <p:txBody>
+              <a:bodyPr wrap="none" anchor="ctr"/>
+              <a:lstStyle/>
+              <a:p>
+                <a:endParaRPr lang="ja-JP" altLang="en-US"/>
+              </a:p>
+            </p:txBody>
+          </p:sp>
+        </p:grpSp>
+      </p:grpSp>
+      <p:grpSp>
+        <p:nvGrpSpPr>
+          <p:cNvPr id="11543" name="Group 279"/>
+          <p:cNvGrpSpPr>
+            <a:grpSpLocks/>
+          </p:cNvGrpSpPr>
+          <p:nvPr/>
+        </p:nvGrpSpPr>
+        <p:grpSpPr bwMode="auto">
+          <a:xfrm>
+            <a:off x="6027485" y="11693"/>
+            <a:ext cx="1374935" cy="1353205"/>
+            <a:chOff x="249" y="2347"/>
+            <a:chExt cx="1330" cy="1310"/>
+          </a:xfrm>
+        </p:grpSpPr>
+        <p:grpSp>
+          <p:nvGrpSpPr>
+            <p:cNvPr id="11276" name="Group 12"/>
+            <p:cNvGrpSpPr>
+              <a:grpSpLocks/>
+            </p:cNvGrpSpPr>
+            <p:nvPr/>
+          </p:nvGrpSpPr>
+          <p:grpSpPr bwMode="auto">
+            <a:xfrm>
+              <a:off x="249" y="2347"/>
+              <a:ext cx="1330" cy="1310"/>
+              <a:chOff x="295" y="2297"/>
+              <a:chExt cx="1905" cy="1905"/>
+            </a:xfrm>
+          </p:grpSpPr>
+          <p:sp>
+            <p:nvSpPr>
+              <p:cNvPr id="11273" name="Line 9"/>
+              <p:cNvSpPr>
+                <a:spLocks noChangeShapeType="1"/>
+              </p:cNvSpPr>
+              <p:nvPr/>
+            </p:nvSpPr>
+            <p:spPr bwMode="auto">
+              <a:xfrm>
+                <a:off x="295" y="3249"/>
+                <a:ext cx="1905" cy="1"/>
+              </a:xfrm>
+              <a:prstGeom prst="line">
+                <a:avLst/>
+              </a:prstGeom>
+              <a:noFill/>
+              <a:ln w="9525">
+                <a:solidFill>
+                  <a:schemeClr val="bg2"/>
+                </a:solidFill>
+                <a:round/>
+                <a:headEnd/>
+                <a:tailEnd type="triangle" w="med" len="med"/>
+              </a:ln>
+              <a:effectLst/>
+              <a:extLst>
+                <a:ext uri="{909E8E84-426E-40DD-AFC4-6F175D3DCCD1}">
+                  <a14:hiddenFill xmlns:a14="http://schemas.microsoft.com/office/drawing/2010/main">
+                    <a:noFill/>
+                  </a14:hiddenFill>
+                </a:ext>
+                <a:ext uri="{AF507438-7753-43E0-B8FC-AC1667EBCBE1}">
+                  <a14:hiddenEffects xmlns:a14="http://schemas.microsoft.com/office/drawing/2010/main">
+                    <a:effectLst>
+                      <a:outerShdw dist="35921" dir="2700000" algn="ctr" rotWithShape="0">
+                        <a:schemeClr val="bg2"/>
+                      </a:outerShdw>
+                    </a:effectLst>
+                  </a14:hiddenEffects>
+                </a:ext>
+              </a:extLst>
+            </p:spPr>
+            <p:txBody>
+              <a:bodyPr/>
+              <a:lstStyle/>
+              <a:p>
+                <a:endParaRPr lang="ja-JP" altLang="en-US"/>
+              </a:p>
+            </p:txBody>
+          </p:sp>
+          <p:sp>
+            <p:nvSpPr>
+              <p:cNvPr id="11274" name="Line 10"/>
+              <p:cNvSpPr>
+                <a:spLocks noChangeShapeType="1"/>
+              </p:cNvSpPr>
+              <p:nvPr/>
+            </p:nvSpPr>
+            <p:spPr bwMode="auto">
+              <a:xfrm flipH="1" flipV="1">
+                <a:off x="1247" y="2297"/>
+                <a:ext cx="0" cy="1905"/>
+              </a:xfrm>
+              <a:prstGeom prst="line">
+                <a:avLst/>
+              </a:prstGeom>
+              <a:noFill/>
+              <a:ln w="9525">
+                <a:solidFill>
+                  <a:schemeClr val="bg2"/>
+                </a:solidFill>
+                <a:round/>
+                <a:headEnd/>
+                <a:tailEnd type="triangle" w="med" len="med"/>
+              </a:ln>
+              <a:effectLst/>
+              <a:extLst>
+                <a:ext uri="{909E8E84-426E-40DD-AFC4-6F175D3DCCD1}">
+                  <a14:hiddenFill xmlns:a14="http://schemas.microsoft.com/office/drawing/2010/main">
+                    <a:noFill/>
+                  </a14:hiddenFill>
+                </a:ext>
+                <a:ext uri="{AF507438-7753-43E0-B8FC-AC1667EBCBE1}">
+                  <a14:hiddenEffects xmlns:a14="http://schemas.microsoft.com/office/drawing/2010/main">
+                    <a:effectLst>
+                      <a:outerShdw dist="35921" dir="2700000" algn="ctr" rotWithShape="0">
+                        <a:schemeClr val="bg2"/>
+                      </a:outerShdw>
+                    </a:effectLst>
+                  </a14:hiddenEffects>
+                </a:ext>
+              </a:extLst>
+            </p:spPr>
+            <p:txBody>
+              <a:bodyPr/>
+              <a:lstStyle/>
+              <a:p>
+                <a:endParaRPr lang="ja-JP" altLang="en-US"/>
+              </a:p>
+            </p:txBody>
+          </p:sp>
+          <p:sp>
+            <p:nvSpPr>
+              <p:cNvPr id="11275" name="Rectangle 11"/>
+              <p:cNvSpPr>
+                <a:spLocks noChangeArrowheads="1"/>
+              </p:cNvSpPr>
+              <p:nvPr/>
+            </p:nvSpPr>
+            <p:spPr bwMode="auto">
+              <a:xfrm>
+                <a:off x="295" y="2297"/>
+                <a:ext cx="1905" cy="1905"/>
+              </a:xfrm>
+              <a:prstGeom prst="rect">
+                <a:avLst/>
+              </a:prstGeom>
+              <a:noFill/>
+              <a:ln w="9525">
+                <a:solidFill>
+                  <a:schemeClr val="bg2"/>
+                </a:solidFill>
+                <a:miter lim="800000"/>
+                <a:headEnd/>
+                <a:tailEnd/>
+              </a:ln>
+              <a:effectLst/>
+              <a:extLst>
+                <a:ext uri="{909E8E84-426E-40DD-AFC4-6F175D3DCCD1}">
+                  <a14:hiddenFill xmlns:a14="http://schemas.microsoft.com/office/drawing/2010/main">
+                    <a:solidFill>
+                      <a:schemeClr val="accent1"/>
+                    </a:solidFill>
+                  </a14:hiddenFill>
+                </a:ext>
+                <a:ext uri="{AF507438-7753-43E0-B8FC-AC1667EBCBE1}">
+                  <a14:hiddenEffects xmlns:a14="http://schemas.microsoft.com/office/drawing/2010/main">
+                    <a:effectLst>
+                      <a:outerShdw dist="35921" dir="2700000" algn="ctr" rotWithShape="0">
+                        <a:schemeClr val="bg2"/>
+                      </a:outerShdw>
+                    </a:effectLst>
+                  </a14:hiddenEffects>
+                </a:ext>
+              </a:extLst>
+            </p:spPr>
+            <p:txBody>
+              <a:bodyPr wrap="none" anchor="ctr"/>
+              <a:lstStyle/>
+              <a:p>
+                <a:endParaRPr lang="ja-JP" altLang="en-US"/>
+              </a:p>
+            </p:txBody>
+          </p:sp>
+        </p:grpSp>
+        <p:grpSp>
+          <p:nvGrpSpPr>
+            <p:cNvPr id="11293" name="Group 29"/>
+            <p:cNvGrpSpPr>
+              <a:grpSpLocks/>
+            </p:cNvGrpSpPr>
+            <p:nvPr/>
+          </p:nvGrpSpPr>
+          <p:grpSpPr bwMode="auto">
+            <a:xfrm>
+              <a:off x="796" y="2661"/>
+              <a:ext cx="548" cy="886"/>
+              <a:chOff x="2608" y="1887"/>
+              <a:chExt cx="636" cy="1044"/>
+            </a:xfrm>
+          </p:grpSpPr>
+          <p:sp>
+            <p:nvSpPr>
+              <p:cNvPr id="11294" name="Oval 30"/>
+              <p:cNvSpPr>
+                <a:spLocks noChangeArrowheads="1"/>
+              </p:cNvSpPr>
+              <p:nvPr/>
+            </p:nvSpPr>
+            <p:spPr bwMode="auto">
+              <a:xfrm>
+                <a:off x="3016" y="1933"/>
+                <a:ext cx="46" cy="46"/>
+              </a:xfrm>
+              <a:prstGeom prst="ellipse">
+                <a:avLst/>
+              </a:prstGeom>
+              <a:solidFill>
+                <a:srgbClr val="FF3399"/>
+              </a:solidFill>
+              <a:ln w="9525">
+                <a:solidFill>
+                  <a:srgbClr val="FF0000"/>
+                </a:solidFill>
+                <a:round/>
+                <a:headEnd/>
+                <a:tailEnd/>
+              </a:ln>
+              <a:effectLst/>
+              <a:extLst>
+                <a:ext uri="{AF507438-7753-43E0-B8FC-AC1667EBCBE1}">
+                  <a14:hiddenEffects xmlns:a14="http://schemas.microsoft.com/office/drawing/2010/main">
+                    <a:effectLst>
+                      <a:outerShdw dist="35921" dir="2700000" algn="ctr" rotWithShape="0">
+                        <a:schemeClr val="bg2"/>
+                      </a:outerShdw>
+                    </a:effectLst>
+                  </a14:hiddenEffects>
+                </a:ext>
+              </a:extLst>
+            </p:spPr>
+            <p:txBody>
+              <a:bodyPr wrap="none" anchor="ctr"/>
+              <a:lstStyle/>
+              <a:p>
+                <a:endParaRPr lang="ja-JP" altLang="en-US"/>
+              </a:p>
+            </p:txBody>
+          </p:sp>
+          <p:sp>
+            <p:nvSpPr>
+              <p:cNvPr id="11295" name="Oval 31"/>
+              <p:cNvSpPr>
+                <a:spLocks noChangeArrowheads="1"/>
+              </p:cNvSpPr>
+              <p:nvPr/>
+            </p:nvSpPr>
+            <p:spPr bwMode="auto">
+              <a:xfrm>
+                <a:off x="2698" y="2885"/>
+                <a:ext cx="46" cy="46"/>
+              </a:xfrm>
+              <a:prstGeom prst="ellipse">
+                <a:avLst/>
+              </a:prstGeom>
+              <a:solidFill>
+                <a:srgbClr val="FF3399"/>
+              </a:solidFill>
+              <a:ln w="9525">
+                <a:solidFill>
+                  <a:srgbClr val="FF0000"/>
+                </a:solidFill>
+                <a:round/>
+                <a:headEnd/>
+                <a:tailEnd/>
+              </a:ln>
+              <a:effectLst/>
+              <a:extLst>
+                <a:ext uri="{AF507438-7753-43E0-B8FC-AC1667EBCBE1}">
+                  <a14:hiddenEffects xmlns:a14="http://schemas.microsoft.com/office/drawing/2010/main">
+                    <a:effectLst>
+                      <a:outerShdw dist="35921" dir="2700000" algn="ctr" rotWithShape="0">
+                        <a:schemeClr val="bg2"/>
+                      </a:outerShdw>
+                    </a:effectLst>
+                  </a14:hiddenEffects>
+                </a:ext>
+              </a:extLst>
+            </p:spPr>
+            <p:txBody>
+              <a:bodyPr wrap="none" anchor="ctr"/>
+              <a:lstStyle/>
+              <a:p>
+                <a:endParaRPr lang="ja-JP" altLang="en-US"/>
+              </a:p>
+            </p:txBody>
+          </p:sp>
+          <p:sp>
+            <p:nvSpPr>
+              <p:cNvPr id="11296" name="Oval 32"/>
+              <p:cNvSpPr>
+                <a:spLocks noChangeArrowheads="1"/>
+              </p:cNvSpPr>
+              <p:nvPr/>
+            </p:nvSpPr>
+            <p:spPr bwMode="auto">
+              <a:xfrm>
+                <a:off x="3198" y="2794"/>
+                <a:ext cx="46" cy="46"/>
+              </a:xfrm>
+              <a:prstGeom prst="ellipse">
+                <a:avLst/>
+              </a:prstGeom>
+              <a:solidFill>
+                <a:srgbClr val="FF3399"/>
+              </a:solidFill>
+              <a:ln w="9525">
+                <a:solidFill>
+                  <a:srgbClr val="FF0000"/>
+                </a:solidFill>
+                <a:round/>
+                <a:headEnd/>
+                <a:tailEnd/>
+              </a:ln>
+              <a:effectLst/>
+              <a:extLst>
+                <a:ext uri="{AF507438-7753-43E0-B8FC-AC1667EBCBE1}">
+                  <a14:hiddenEffects xmlns:a14="http://schemas.microsoft.com/office/drawing/2010/main">
+                    <a:effectLst>
+                      <a:outerShdw dist="35921" dir="2700000" algn="ctr" rotWithShape="0">
+                        <a:schemeClr val="bg2"/>
+                      </a:outerShdw>
+                    </a:effectLst>
+                  </a14:hiddenEffects>
+                </a:ext>
+              </a:extLst>
+            </p:spPr>
+            <p:txBody>
+              <a:bodyPr wrap="none" anchor="ctr"/>
+              <a:lstStyle/>
+              <a:p>
+                <a:endParaRPr lang="ja-JP" altLang="en-US"/>
+              </a:p>
+            </p:txBody>
+          </p:sp>
+          <p:sp>
+            <p:nvSpPr>
+              <p:cNvPr id="11297" name="Oval 33"/>
+              <p:cNvSpPr>
+                <a:spLocks noChangeArrowheads="1"/>
+              </p:cNvSpPr>
+              <p:nvPr/>
+            </p:nvSpPr>
+            <p:spPr bwMode="auto">
+              <a:xfrm>
+                <a:off x="2608" y="1887"/>
+                <a:ext cx="46" cy="46"/>
+              </a:xfrm>
+              <a:prstGeom prst="ellipse">
+                <a:avLst/>
+              </a:prstGeom>
+              <a:solidFill>
+                <a:srgbClr val="FF3399"/>
+              </a:solidFill>
+              <a:ln w="9525">
+                <a:solidFill>
+                  <a:srgbClr val="FF0000"/>
+                </a:solidFill>
+                <a:round/>
+                <a:headEnd/>
+                <a:tailEnd/>
+              </a:ln>
+              <a:effectLst/>
+              <a:extLst>
+                <a:ext uri="{AF507438-7753-43E0-B8FC-AC1667EBCBE1}">
+                  <a14:hiddenEffects xmlns:a14="http://schemas.microsoft.com/office/drawing/2010/main">
+                    <a:effectLst>
+                      <a:outerShdw dist="35921" dir="2700000" algn="ctr" rotWithShape="0">
+                        <a:schemeClr val="bg2"/>
+                      </a:outerShdw>
+                    </a:effectLst>
+                  </a14:hiddenEffects>
+                </a:ext>
+              </a:extLst>
+            </p:spPr>
+            <p:txBody>
+              <a:bodyPr wrap="none" anchor="ctr"/>
+              <a:lstStyle/>
+              <a:p>
+                <a:endParaRPr lang="ja-JP" altLang="en-US"/>
+              </a:p>
+            </p:txBody>
+          </p:sp>
+          <p:sp>
+            <p:nvSpPr>
+              <p:cNvPr id="11298" name="Oval 34"/>
+              <p:cNvSpPr>
+                <a:spLocks noChangeArrowheads="1"/>
+              </p:cNvSpPr>
+              <p:nvPr/>
+            </p:nvSpPr>
+            <p:spPr bwMode="auto">
+              <a:xfrm>
+                <a:off x="2789" y="2432"/>
+                <a:ext cx="46" cy="46"/>
+              </a:xfrm>
+              <a:prstGeom prst="ellipse">
+                <a:avLst/>
+              </a:prstGeom>
+              <a:solidFill>
+                <a:srgbClr val="FF3399"/>
+              </a:solidFill>
+              <a:ln w="9525">
+                <a:solidFill>
+                  <a:srgbClr val="FF0000"/>
+                </a:solidFill>
+                <a:round/>
+                <a:headEnd/>
+                <a:tailEnd/>
+              </a:ln>
+              <a:effectLst/>
+              <a:extLst>
+                <a:ext uri="{AF507438-7753-43E0-B8FC-AC1667EBCBE1}">
+                  <a14:hiddenEffects xmlns:a14="http://schemas.microsoft.com/office/drawing/2010/main">
+                    <a:effectLst>
+                      <a:outerShdw dist="35921" dir="2700000" algn="ctr" rotWithShape="0">
+                        <a:schemeClr val="bg2"/>
+                      </a:outerShdw>
+                    </a:effectLst>
+                  </a14:hiddenEffects>
+                </a:ext>
+              </a:extLst>
+            </p:spPr>
+            <p:txBody>
+              <a:bodyPr wrap="none" anchor="ctr"/>
+              <a:lstStyle/>
+              <a:p>
+                <a:endParaRPr lang="ja-JP" altLang="en-US"/>
+              </a:p>
+            </p:txBody>
+          </p:sp>
+          <p:sp>
+            <p:nvSpPr>
+              <p:cNvPr id="11299" name="Oval 35"/>
+              <p:cNvSpPr>
+                <a:spLocks noChangeArrowheads="1"/>
+              </p:cNvSpPr>
+              <p:nvPr/>
+            </p:nvSpPr>
+            <p:spPr bwMode="auto">
+              <a:xfrm>
+                <a:off x="2880" y="2386"/>
+                <a:ext cx="46" cy="46"/>
+              </a:xfrm>
+              <a:prstGeom prst="ellipse">
+                <a:avLst/>
+              </a:prstGeom>
+              <a:solidFill>
+                <a:srgbClr val="FF3399"/>
+              </a:solidFill>
+              <a:ln w="9525">
+                <a:solidFill>
+                  <a:srgbClr val="FF0000"/>
+                </a:solidFill>
+                <a:round/>
+                <a:headEnd/>
+                <a:tailEnd/>
+              </a:ln>
+              <a:effectLst/>
+              <a:extLst>
+                <a:ext uri="{AF507438-7753-43E0-B8FC-AC1667EBCBE1}">
+                  <a14:hiddenEffects xmlns:a14="http://schemas.microsoft.com/office/drawing/2010/main">
+                    <a:effectLst>
+                      <a:outerShdw dist="35921" dir="2700000" algn="ctr" rotWithShape="0">
+                        <a:schemeClr val="bg2"/>
+                      </a:outerShdw>
+                    </a:effectLst>
+                  </a14:hiddenEffects>
+                </a:ext>
+              </a:extLst>
+            </p:spPr>
+            <p:txBody>
+              <a:bodyPr wrap="none" anchor="ctr"/>
+              <a:lstStyle/>
+              <a:p>
+                <a:endParaRPr lang="ja-JP" altLang="en-US"/>
+              </a:p>
+            </p:txBody>
+          </p:sp>
+          <p:sp>
+            <p:nvSpPr>
+              <p:cNvPr id="11300" name="Oval 36"/>
+              <p:cNvSpPr>
+                <a:spLocks noChangeArrowheads="1"/>
+              </p:cNvSpPr>
+              <p:nvPr/>
+            </p:nvSpPr>
+            <p:spPr bwMode="auto">
+              <a:xfrm>
+                <a:off x="2925" y="2341"/>
+                <a:ext cx="46" cy="46"/>
+              </a:xfrm>
+              <a:prstGeom prst="ellipse">
+                <a:avLst/>
+              </a:prstGeom>
+              <a:solidFill>
+                <a:srgbClr val="FF3399"/>
+              </a:solidFill>
+              <a:ln w="9525">
+                <a:solidFill>
+                  <a:srgbClr val="FF0000"/>
+                </a:solidFill>
+                <a:round/>
+                <a:headEnd/>
+                <a:tailEnd/>
+              </a:ln>
+              <a:effectLst/>
+              <a:extLst>
+                <a:ext uri="{AF507438-7753-43E0-B8FC-AC1667EBCBE1}">
+                  <a14:hiddenEffects xmlns:a14="http://schemas.microsoft.com/office/drawing/2010/main">
+                    <a:effectLst>
+                      <a:outerShdw dist="35921" dir="2700000" algn="ctr" rotWithShape="0">
+                        <a:schemeClr val="bg2"/>
+                      </a:outerShdw>
+                    </a:effectLst>
+                  </a14:hiddenEffects>
+                </a:ext>
+              </a:extLst>
+            </p:spPr>
+            <p:txBody>
+              <a:bodyPr wrap="none" anchor="ctr"/>
+              <a:lstStyle/>
+              <a:p>
+                <a:endParaRPr lang="ja-JP" altLang="en-US"/>
+              </a:p>
+            </p:txBody>
+          </p:sp>
+        </p:grpSp>
+      </p:grpSp>
+      <p:grpSp>
+        <p:nvGrpSpPr>
+          <p:cNvPr id="11491" name="Group 227"/>
+          <p:cNvGrpSpPr>
+            <a:grpSpLocks/>
+          </p:cNvGrpSpPr>
+          <p:nvPr/>
+        </p:nvGrpSpPr>
+        <p:grpSpPr bwMode="auto">
+          <a:xfrm>
+            <a:off x="2973388" y="1711325"/>
+            <a:ext cx="2111375" cy="2079625"/>
+            <a:chOff x="340" y="482"/>
+            <a:chExt cx="1905" cy="1905"/>
+          </a:xfrm>
+        </p:grpSpPr>
+        <p:sp>
+          <p:nvSpPr>
+            <p:cNvPr id="11492" name="Line 228"/>
+            <p:cNvSpPr>
+              <a:spLocks noChangeShapeType="1"/>
+            </p:cNvSpPr>
+            <p:nvPr/>
+          </p:nvSpPr>
+          <p:spPr bwMode="auto">
+            <a:xfrm>
+              <a:off x="340" y="1434"/>
+              <a:ext cx="1905" cy="0"/>
+            </a:xfrm>
+            <a:prstGeom prst="line">
+              <a:avLst/>
+            </a:prstGeom>
+            <a:noFill/>
+            <a:ln w="9525">
+              <a:solidFill>
+                <a:schemeClr val="bg2"/>
+              </a:solidFill>
+              <a:round/>
+              <a:headEnd/>
+              <a:tailEnd type="triangle" w="med" len="med"/>
+            </a:ln>
+            <a:effectLst/>
+            <a:extLst>
+              <a:ext uri="{909E8E84-426E-40DD-AFC4-6F175D3DCCD1}">
+                <a14:hiddenFill xmlns:a14="http://schemas.microsoft.com/office/drawing/2010/main">
+                  <a:noFill/>
+                </a14:hiddenFill>
+              </a:ext>
+              <a:ext uri="{AF507438-7753-43E0-B8FC-AC1667EBCBE1}">
+                <a14:hiddenEffects xmlns:a14="http://schemas.microsoft.com/office/drawing/2010/main">
+                  <a:effectLst>
+                    <a:outerShdw dist="35921" dir="2700000" algn="ctr" rotWithShape="0">
+                      <a:schemeClr val="bg2"/>
+                    </a:outerShdw>
+                  </a:effectLst>
+                </a14:hiddenEffects>
+              </a:ext>
+            </a:extLst>
+          </p:spPr>
+          <p:txBody>
+            <a:bodyPr/>
+            <a:lstStyle/>
+            <a:p>
+              <a:endParaRPr lang="ja-JP" altLang="en-US"/>
+            </a:p>
+          </p:txBody>
+        </p:sp>
+        <p:sp>
+          <p:nvSpPr>
+            <p:cNvPr id="11493" name="Line 229"/>
+            <p:cNvSpPr>
+              <a:spLocks noChangeShapeType="1"/>
+            </p:cNvSpPr>
+            <p:nvPr/>
+          </p:nvSpPr>
+          <p:spPr bwMode="auto">
+            <a:xfrm flipH="1" flipV="1">
+              <a:off x="1292" y="482"/>
+              <a:ext cx="0" cy="1905"/>
+            </a:xfrm>
+            <a:prstGeom prst="line">
+              <a:avLst/>
+            </a:prstGeom>
+            <a:noFill/>
+            <a:ln w="9525">
+              <a:solidFill>
+                <a:schemeClr val="bg2"/>
+              </a:solidFill>
+              <a:round/>
+              <a:headEnd/>
+              <a:tailEnd type="triangle" w="med" len="med"/>
+            </a:ln>
+            <a:effectLst/>
+            <a:extLst>
+              <a:ext uri="{909E8E84-426E-40DD-AFC4-6F175D3DCCD1}">
+                <a14:hiddenFill xmlns:a14="http://schemas.microsoft.com/office/drawing/2010/main">
+                  <a:noFill/>
+                </a14:hiddenFill>
+              </a:ext>
+              <a:ext uri="{AF507438-7753-43E0-B8FC-AC1667EBCBE1}">
+                <a14:hiddenEffects xmlns:a14="http://schemas.microsoft.com/office/drawing/2010/main">
+                  <a:effectLst>
+                    <a:outerShdw dist="35921" dir="2700000" algn="ctr" rotWithShape="0">
+                      <a:schemeClr val="bg2"/>
+                    </a:outerShdw>
+                  </a:effectLst>
+                </a14:hiddenEffects>
+              </a:ext>
+            </a:extLst>
+          </p:spPr>
+          <p:txBody>
+            <a:bodyPr/>
+            <a:lstStyle/>
+            <a:p>
+              <a:endParaRPr lang="ja-JP" altLang="en-US"/>
+            </a:p>
+          </p:txBody>
+        </p:sp>
+        <p:sp>
+          <p:nvSpPr>
+            <p:cNvPr id="11494" name="Rectangle 230"/>
+            <p:cNvSpPr>
+              <a:spLocks noChangeArrowheads="1"/>
+            </p:cNvSpPr>
+            <p:nvPr/>
+          </p:nvSpPr>
+          <p:spPr bwMode="auto">
+            <a:xfrm>
+              <a:off x="340" y="482"/>
+              <a:ext cx="1905" cy="1905"/>
+            </a:xfrm>
+            <a:prstGeom prst="rect">
+              <a:avLst/>
+            </a:prstGeom>
+            <a:noFill/>
+            <a:ln w="9525">
+              <a:solidFill>
+                <a:schemeClr val="bg2"/>
+              </a:solidFill>
+              <a:miter lim="800000"/>
+              <a:headEnd/>
+              <a:tailEnd/>
+            </a:ln>
+            <a:effectLst/>
+            <a:extLst>
+              <a:ext uri="{909E8E84-426E-40DD-AFC4-6F175D3DCCD1}">
+                <a14:hiddenFill xmlns:a14="http://schemas.microsoft.com/office/drawing/2010/main">
+                  <a:solidFill>
+                    <a:schemeClr val="accent1"/>
+                  </a:solidFill>
+                </a14:hiddenFill>
+              </a:ext>
+              <a:ext uri="{AF507438-7753-43E0-B8FC-AC1667EBCBE1}">
+                <a14:hiddenEffects xmlns:a14="http://schemas.microsoft.com/office/drawing/2010/main">
+                  <a:effectLst>
+                    <a:outerShdw dist="35921" dir="2700000" algn="ctr" rotWithShape="0">
+                      <a:schemeClr val="bg2"/>
+                    </a:outerShdw>
+                  </a:effectLst>
+                </a14:hiddenEffects>
+              </a:ext>
+            </a:extLst>
+          </p:spPr>
+          <p:txBody>
+            <a:bodyPr wrap="none" anchor="ctr"/>
+            <a:lstStyle/>
+            <a:p>
+              <a:endParaRPr lang="ja-JP" altLang="en-US"/>
+            </a:p>
+          </p:txBody>
+        </p:sp>
+      </p:grpSp>
+      <p:grpSp>
+        <p:nvGrpSpPr>
+          <p:cNvPr id="11495" name="Group 231"/>
+          <p:cNvGrpSpPr>
+            <a:grpSpLocks/>
+          </p:cNvGrpSpPr>
+          <p:nvPr/>
+        </p:nvGrpSpPr>
+        <p:grpSpPr bwMode="auto">
+          <a:xfrm>
+            <a:off x="3408363" y="1955800"/>
+            <a:ext cx="871537" cy="1406525"/>
+            <a:chOff x="2608" y="1887"/>
+            <a:chExt cx="636" cy="1044"/>
+          </a:xfrm>
+        </p:grpSpPr>
+        <p:sp>
+          <p:nvSpPr>
+            <p:cNvPr id="11496" name="Oval 232"/>
+            <p:cNvSpPr>
+              <a:spLocks noChangeArrowheads="1"/>
+            </p:cNvSpPr>
+            <p:nvPr/>
+          </p:nvSpPr>
+          <p:spPr bwMode="auto">
+            <a:xfrm>
+              <a:off x="3016" y="1933"/>
+              <a:ext cx="46" cy="46"/>
+            </a:xfrm>
+            <a:prstGeom prst="ellipse">
+              <a:avLst/>
+            </a:prstGeom>
+            <a:solidFill>
+              <a:srgbClr val="000099"/>
+            </a:solidFill>
+            <a:ln w="9525">
+              <a:solidFill>
+                <a:schemeClr val="tx1"/>
+              </a:solidFill>
+              <a:round/>
+              <a:headEnd/>
+              <a:tailEnd/>
+            </a:ln>
+            <a:effectLst/>
+            <a:extLst>
+              <a:ext uri="{AF507438-7753-43E0-B8FC-AC1667EBCBE1}">
+                <a14:hiddenEffects xmlns:a14="http://schemas.microsoft.com/office/drawing/2010/main">
+                  <a:effectLst>
+                    <a:outerShdw dist="35921" dir="2700000" algn="ctr" rotWithShape="0">
+                      <a:schemeClr val="bg2"/>
+                    </a:outerShdw>
+                  </a:effectLst>
+                </a14:hiddenEffects>
+              </a:ext>
+            </a:extLst>
+          </p:spPr>
+          <p:txBody>
+            <a:bodyPr wrap="none" anchor="ctr"/>
+            <a:lstStyle/>
+            <a:p>
+              <a:endParaRPr lang="ja-JP" altLang="en-US"/>
+            </a:p>
+          </p:txBody>
+        </p:sp>
+        <p:sp>
+          <p:nvSpPr>
+            <p:cNvPr id="11497" name="Oval 233"/>
+            <p:cNvSpPr>
+              <a:spLocks noChangeArrowheads="1"/>
+            </p:cNvSpPr>
+            <p:nvPr/>
+          </p:nvSpPr>
+          <p:spPr bwMode="auto">
+            <a:xfrm>
+              <a:off x="2698" y="2885"/>
+              <a:ext cx="46" cy="46"/>
+            </a:xfrm>
+            <a:prstGeom prst="ellipse">
+              <a:avLst/>
+            </a:prstGeom>
+            <a:solidFill>
+              <a:srgbClr val="000099"/>
+            </a:solidFill>
+            <a:ln w="9525">
+              <a:solidFill>
+                <a:schemeClr val="tx1"/>
+              </a:solidFill>
+              <a:round/>
+              <a:headEnd/>
+              <a:tailEnd/>
+            </a:ln>
+            <a:effectLst/>
+            <a:extLst>
+              <a:ext uri="{AF507438-7753-43E0-B8FC-AC1667EBCBE1}">
+                <a14:hiddenEffects xmlns:a14="http://schemas.microsoft.com/office/drawing/2010/main">
+                  <a:effectLst>
+                    <a:outerShdw dist="35921" dir="2700000" algn="ctr" rotWithShape="0">
+                      <a:schemeClr val="bg2"/>
+                    </a:outerShdw>
+                  </a:effectLst>
+                </a14:hiddenEffects>
+              </a:ext>
+            </a:extLst>
+          </p:spPr>
+          <p:txBody>
+            <a:bodyPr wrap="none" anchor="ctr"/>
+            <a:lstStyle/>
+            <a:p>
+              <a:endParaRPr lang="ja-JP" altLang="en-US"/>
+            </a:p>
+          </p:txBody>
+        </p:sp>
+        <p:sp>
+          <p:nvSpPr>
+            <p:cNvPr id="11498" name="Oval 234"/>
+            <p:cNvSpPr>
+              <a:spLocks noChangeArrowheads="1"/>
+            </p:cNvSpPr>
+            <p:nvPr/>
+          </p:nvSpPr>
+          <p:spPr bwMode="auto">
+            <a:xfrm>
+              <a:off x="3198" y="2794"/>
+              <a:ext cx="46" cy="46"/>
+            </a:xfrm>
+            <a:prstGeom prst="ellipse">
+              <a:avLst/>
+            </a:prstGeom>
+            <a:solidFill>
+              <a:srgbClr val="000099"/>
+            </a:solidFill>
+            <a:ln w="9525">
+              <a:solidFill>
+                <a:schemeClr val="tx1"/>
+              </a:solidFill>
+              <a:round/>
+              <a:headEnd/>
+              <a:tailEnd/>
+            </a:ln>
+            <a:effectLst/>
+            <a:extLst>
+              <a:ext uri="{AF507438-7753-43E0-B8FC-AC1667EBCBE1}">
+                <a14:hiddenEffects xmlns:a14="http://schemas.microsoft.com/office/drawing/2010/main">
+                  <a:effectLst>
+                    <a:outerShdw dist="35921" dir="2700000" algn="ctr" rotWithShape="0">
+                      <a:schemeClr val="bg2"/>
+                    </a:outerShdw>
+                  </a:effectLst>
+                </a14:hiddenEffects>
+              </a:ext>
+            </a:extLst>
+          </p:spPr>
+          <p:txBody>
+            <a:bodyPr wrap="none" anchor="ctr"/>
+            <a:lstStyle/>
+            <a:p>
+              <a:endParaRPr lang="ja-JP" altLang="en-US"/>
+            </a:p>
+          </p:txBody>
+        </p:sp>
+        <p:sp>
+          <p:nvSpPr>
+            <p:cNvPr id="11499" name="Oval 235"/>
+            <p:cNvSpPr>
+              <a:spLocks noChangeArrowheads="1"/>
+            </p:cNvSpPr>
+            <p:nvPr/>
+          </p:nvSpPr>
+          <p:spPr bwMode="auto">
+            <a:xfrm>
+              <a:off x="2608" y="1887"/>
+              <a:ext cx="46" cy="46"/>
+            </a:xfrm>
+            <a:prstGeom prst="ellipse">
+              <a:avLst/>
+            </a:prstGeom>
+            <a:solidFill>
+              <a:srgbClr val="000099"/>
+            </a:solidFill>
+            <a:ln w="9525">
+              <a:solidFill>
+                <a:schemeClr val="tx1"/>
+              </a:solidFill>
+              <a:round/>
+              <a:headEnd/>
+              <a:tailEnd/>
+            </a:ln>
+            <a:effectLst/>
+            <a:extLst>
+              <a:ext uri="{AF507438-7753-43E0-B8FC-AC1667EBCBE1}">
+                <a14:hiddenEffects xmlns:a14="http://schemas.microsoft.com/office/drawing/2010/main">
+                  <a:effectLst>
+                    <a:outerShdw dist="35921" dir="2700000" algn="ctr" rotWithShape="0">
+                      <a:schemeClr val="bg2"/>
+                    </a:outerShdw>
+                  </a:effectLst>
+                </a14:hiddenEffects>
+              </a:ext>
+            </a:extLst>
+          </p:spPr>
+          <p:txBody>
+            <a:bodyPr wrap="none" anchor="ctr"/>
+            <a:lstStyle/>
+            <a:p>
+              <a:endParaRPr lang="ja-JP" altLang="en-US"/>
+            </a:p>
+          </p:txBody>
+        </p:sp>
+        <p:sp>
+          <p:nvSpPr>
+            <p:cNvPr id="11500" name="Oval 236"/>
+            <p:cNvSpPr>
+              <a:spLocks noChangeArrowheads="1"/>
+            </p:cNvSpPr>
+            <p:nvPr/>
+          </p:nvSpPr>
+          <p:spPr bwMode="auto">
+            <a:xfrm>
+              <a:off x="2789" y="2432"/>
+              <a:ext cx="46" cy="46"/>
+            </a:xfrm>
+            <a:prstGeom prst="ellipse">
+              <a:avLst/>
+            </a:prstGeom>
+            <a:solidFill>
+              <a:srgbClr val="000099"/>
+            </a:solidFill>
+            <a:ln w="9525">
+              <a:solidFill>
+                <a:schemeClr val="tx1"/>
+              </a:solidFill>
+              <a:round/>
+              <a:headEnd/>
+              <a:tailEnd/>
+            </a:ln>
+            <a:effectLst/>
+            <a:extLst>
+              <a:ext uri="{AF507438-7753-43E0-B8FC-AC1667EBCBE1}">
+                <a14:hiddenEffects xmlns:a14="http://schemas.microsoft.com/office/drawing/2010/main">
+                  <a:effectLst>
+                    <a:outerShdw dist="35921" dir="2700000" algn="ctr" rotWithShape="0">
+                      <a:schemeClr val="bg2"/>
+                    </a:outerShdw>
+                  </a:effectLst>
+                </a14:hiddenEffects>
+              </a:ext>
+            </a:extLst>
+          </p:spPr>
+          <p:txBody>
+            <a:bodyPr wrap="none" anchor="ctr"/>
+            <a:lstStyle/>
+            <a:p>
+              <a:endParaRPr lang="ja-JP" altLang="en-US"/>
+            </a:p>
+          </p:txBody>
+        </p:sp>
+        <p:sp>
+          <p:nvSpPr>
+            <p:cNvPr id="11501" name="Oval 237"/>
+            <p:cNvSpPr>
+              <a:spLocks noChangeArrowheads="1"/>
+            </p:cNvSpPr>
+            <p:nvPr/>
+          </p:nvSpPr>
+          <p:spPr bwMode="auto">
+            <a:xfrm>
+              <a:off x="2880" y="2386"/>
+              <a:ext cx="46" cy="46"/>
+            </a:xfrm>
+            <a:prstGeom prst="ellipse">
+              <a:avLst/>
+            </a:prstGeom>
+            <a:solidFill>
+              <a:srgbClr val="000099"/>
+            </a:solidFill>
+            <a:ln w="9525">
+              <a:solidFill>
+                <a:schemeClr val="tx1"/>
+              </a:solidFill>
+              <a:round/>
+              <a:headEnd/>
+              <a:tailEnd/>
+            </a:ln>
+            <a:effectLst/>
+            <a:extLst>
+              <a:ext uri="{AF507438-7753-43E0-B8FC-AC1667EBCBE1}">
+                <a14:hiddenEffects xmlns:a14="http://schemas.microsoft.com/office/drawing/2010/main">
+                  <a:effectLst>
+                    <a:outerShdw dist="35921" dir="2700000" algn="ctr" rotWithShape="0">
+                      <a:schemeClr val="bg2"/>
+                    </a:outerShdw>
+                  </a:effectLst>
+                </a14:hiddenEffects>
+              </a:ext>
+            </a:extLst>
+          </p:spPr>
+          <p:txBody>
+            <a:bodyPr wrap="none" anchor="ctr"/>
+            <a:lstStyle/>
+            <a:p>
+              <a:endParaRPr lang="ja-JP" altLang="en-US"/>
+            </a:p>
+          </p:txBody>
+        </p:sp>
+        <p:sp>
+          <p:nvSpPr>
+            <p:cNvPr id="11502" name="Oval 238"/>
+            <p:cNvSpPr>
+              <a:spLocks noChangeArrowheads="1"/>
+            </p:cNvSpPr>
+            <p:nvPr/>
+          </p:nvSpPr>
+          <p:spPr bwMode="auto">
+            <a:xfrm>
+              <a:off x="2925" y="2341"/>
+              <a:ext cx="46" cy="46"/>
+            </a:xfrm>
+            <a:prstGeom prst="ellipse">
+              <a:avLst/>
+            </a:prstGeom>
+            <a:solidFill>
+              <a:srgbClr val="000099"/>
+            </a:solidFill>
+            <a:ln w="9525">
+              <a:solidFill>
+                <a:schemeClr val="tx1"/>
+              </a:solidFill>
+              <a:round/>
+              <a:headEnd/>
+              <a:tailEnd/>
+            </a:ln>
+            <a:effectLst/>
+            <a:extLst>
+              <a:ext uri="{AF507438-7753-43E0-B8FC-AC1667EBCBE1}">
+                <a14:hiddenEffects xmlns:a14="http://schemas.microsoft.com/office/drawing/2010/main">
+                  <a:effectLst>
+                    <a:outerShdw dist="35921" dir="2700000" algn="ctr" rotWithShape="0">
+                      <a:schemeClr val="bg2"/>
+                    </a:outerShdw>
+                  </a:effectLst>
+                </a14:hiddenEffects>
+              </a:ext>
+            </a:extLst>
+          </p:spPr>
+          <p:txBody>
+            <a:bodyPr wrap="none" anchor="ctr"/>
+            <a:lstStyle/>
+            <a:p>
+              <a:endParaRPr lang="ja-JP" altLang="en-US"/>
+            </a:p>
+          </p:txBody>
+        </p:sp>
+      </p:grpSp>
+      <p:grpSp>
+        <p:nvGrpSpPr>
+          <p:cNvPr id="11503" name="Group 239"/>
+          <p:cNvGrpSpPr>
+            <a:grpSpLocks/>
+          </p:cNvGrpSpPr>
+          <p:nvPr/>
+        </p:nvGrpSpPr>
+        <p:grpSpPr bwMode="auto">
+          <a:xfrm>
+            <a:off x="3841750" y="2200275"/>
+            <a:ext cx="869950" cy="1408113"/>
+            <a:chOff x="2608" y="1887"/>
+            <a:chExt cx="636" cy="1044"/>
+          </a:xfrm>
+        </p:grpSpPr>
+        <p:sp>
+          <p:nvSpPr>
+            <p:cNvPr id="11504" name="Oval 240"/>
+            <p:cNvSpPr>
+              <a:spLocks noChangeArrowheads="1"/>
+            </p:cNvSpPr>
+            <p:nvPr/>
+          </p:nvSpPr>
+          <p:spPr bwMode="auto">
+            <a:xfrm>
+              <a:off x="3016" y="1933"/>
+              <a:ext cx="46" cy="46"/>
+            </a:xfrm>
+            <a:prstGeom prst="ellipse">
+              <a:avLst/>
+            </a:prstGeom>
+            <a:solidFill>
+              <a:srgbClr val="FF3399"/>
+            </a:solidFill>
+            <a:ln w="9525">
+              <a:solidFill>
+                <a:schemeClr val="tx1"/>
+              </a:solidFill>
+              <a:round/>
+              <a:headEnd/>
+              <a:tailEnd/>
+            </a:ln>
+            <a:effectLst/>
+            <a:extLst>
+              <a:ext uri="{AF507438-7753-43E0-B8FC-AC1667EBCBE1}">
+                <a14:hiddenEffects xmlns:a14="http://schemas.microsoft.com/office/drawing/2010/main">
+                  <a:effectLst>
+                    <a:outerShdw dist="35921" dir="2700000" algn="ctr" rotWithShape="0">
+                      <a:schemeClr val="bg2"/>
+                    </a:outerShdw>
+                  </a:effectLst>
+                </a14:hiddenEffects>
+              </a:ext>
+            </a:extLst>
+          </p:spPr>
+          <p:txBody>
+            <a:bodyPr wrap="none" anchor="ctr"/>
+            <a:lstStyle/>
+            <a:p>
+              <a:endParaRPr lang="ja-JP" altLang="en-US"/>
+            </a:p>
+          </p:txBody>
+        </p:sp>
+        <p:sp>
+          <p:nvSpPr>
+            <p:cNvPr id="11505" name="Oval 241"/>
+            <p:cNvSpPr>
+              <a:spLocks noChangeArrowheads="1"/>
+            </p:cNvSpPr>
+            <p:nvPr/>
+          </p:nvSpPr>
+          <p:spPr bwMode="auto">
+            <a:xfrm>
+              <a:off x="2698" y="2885"/>
+              <a:ext cx="46" cy="46"/>
+            </a:xfrm>
+            <a:prstGeom prst="ellipse">
+              <a:avLst/>
+            </a:prstGeom>
+            <a:solidFill>
+              <a:srgbClr val="FF3399"/>
+            </a:solidFill>
+            <a:ln w="9525">
+              <a:solidFill>
+                <a:schemeClr val="tx1"/>
+              </a:solidFill>
+              <a:round/>
+              <a:headEnd/>
+              <a:tailEnd/>
+            </a:ln>
+            <a:effectLst/>
+            <a:extLst>
+              <a:ext uri="{AF507438-7753-43E0-B8FC-AC1667EBCBE1}">
+                <a14:hiddenEffects xmlns:a14="http://schemas.microsoft.com/office/drawing/2010/main">
+                  <a:effectLst>
+                    <a:outerShdw dist="35921" dir="2700000" algn="ctr" rotWithShape="0">
+                      <a:schemeClr val="bg2"/>
+                    </a:outerShdw>
+                  </a:effectLst>
+                </a14:hiddenEffects>
+              </a:ext>
+            </a:extLst>
+          </p:spPr>
+          <p:txBody>
+            <a:bodyPr wrap="none" anchor="ctr"/>
+            <a:lstStyle/>
+            <a:p>
+              <a:endParaRPr lang="ja-JP" altLang="en-US"/>
+            </a:p>
+          </p:txBody>
+        </p:sp>
+        <p:sp>
+          <p:nvSpPr>
+            <p:cNvPr id="11506" name="Oval 242"/>
+            <p:cNvSpPr>
+              <a:spLocks noChangeArrowheads="1"/>
+            </p:cNvSpPr>
+            <p:nvPr/>
+          </p:nvSpPr>
+          <p:spPr bwMode="auto">
+            <a:xfrm>
+              <a:off x="3198" y="2794"/>
+              <a:ext cx="46" cy="46"/>
+            </a:xfrm>
+            <a:prstGeom prst="ellipse">
+              <a:avLst/>
+            </a:prstGeom>
+            <a:solidFill>
+              <a:srgbClr val="FF3399"/>
+            </a:solidFill>
+            <a:ln w="9525">
+              <a:solidFill>
+                <a:schemeClr val="tx1"/>
+              </a:solidFill>
+              <a:round/>
+              <a:headEnd/>
+              <a:tailEnd/>
+            </a:ln>
+            <a:effectLst/>
+            <a:extLst>
+              <a:ext uri="{AF507438-7753-43E0-B8FC-AC1667EBCBE1}">
+                <a14:hiddenEffects xmlns:a14="http://schemas.microsoft.com/office/drawing/2010/main">
+                  <a:effectLst>
+                    <a:outerShdw dist="35921" dir="2700000" algn="ctr" rotWithShape="0">
+                      <a:schemeClr val="bg2"/>
+                    </a:outerShdw>
+                  </a:effectLst>
+                </a14:hiddenEffects>
+              </a:ext>
+            </a:extLst>
+          </p:spPr>
+          <p:txBody>
+            <a:bodyPr wrap="none" anchor="ctr"/>
+            <a:lstStyle/>
+            <a:p>
+              <a:endParaRPr lang="ja-JP" altLang="en-US"/>
+            </a:p>
+          </p:txBody>
+        </p:sp>
+        <p:sp>
+          <p:nvSpPr>
+            <p:cNvPr id="11507" name="Oval 243"/>
+            <p:cNvSpPr>
+              <a:spLocks noChangeArrowheads="1"/>
+            </p:cNvSpPr>
+            <p:nvPr/>
+          </p:nvSpPr>
+          <p:spPr bwMode="auto">
+            <a:xfrm>
+              <a:off x="2608" y="1887"/>
+              <a:ext cx="46" cy="46"/>
+            </a:xfrm>
+            <a:prstGeom prst="ellipse">
+              <a:avLst/>
+            </a:prstGeom>
+            <a:solidFill>
+              <a:srgbClr val="FF3399"/>
+            </a:solidFill>
+            <a:ln w="9525">
+              <a:solidFill>
+                <a:schemeClr val="tx1"/>
+              </a:solidFill>
+              <a:round/>
+              <a:headEnd/>
+              <a:tailEnd/>
+            </a:ln>
+            <a:effectLst/>
+            <a:extLst>
+              <a:ext uri="{AF507438-7753-43E0-B8FC-AC1667EBCBE1}">
+                <a14:hiddenEffects xmlns:a14="http://schemas.microsoft.com/office/drawing/2010/main">
+                  <a:effectLst>
+                    <a:outerShdw dist="35921" dir="2700000" algn="ctr" rotWithShape="0">
+                      <a:schemeClr val="bg2"/>
+                    </a:outerShdw>
+                  </a:effectLst>
+                </a14:hiddenEffects>
+              </a:ext>
+            </a:extLst>
+          </p:spPr>
+          <p:txBody>
+            <a:bodyPr wrap="none" anchor="ctr"/>
+            <a:lstStyle/>
+            <a:p>
+              <a:endParaRPr lang="ja-JP" altLang="en-US"/>
+            </a:p>
+          </p:txBody>
+        </p:sp>
+        <p:sp>
+          <p:nvSpPr>
+            <p:cNvPr id="11508" name="Oval 244"/>
+            <p:cNvSpPr>
+              <a:spLocks noChangeArrowheads="1"/>
+            </p:cNvSpPr>
+            <p:nvPr/>
+          </p:nvSpPr>
+          <p:spPr bwMode="auto">
+            <a:xfrm>
+              <a:off x="2789" y="2432"/>
+              <a:ext cx="46" cy="46"/>
+            </a:xfrm>
+            <a:prstGeom prst="ellipse">
+              <a:avLst/>
+            </a:prstGeom>
+            <a:solidFill>
+              <a:srgbClr val="FF3399"/>
+            </a:solidFill>
+            <a:ln w="9525">
+              <a:solidFill>
+                <a:schemeClr val="tx1"/>
+              </a:solidFill>
+              <a:round/>
+              <a:headEnd/>
+              <a:tailEnd/>
+            </a:ln>
+            <a:effectLst/>
+            <a:extLst>
+              <a:ext uri="{AF507438-7753-43E0-B8FC-AC1667EBCBE1}">
+                <a14:hiddenEffects xmlns:a14="http://schemas.microsoft.com/office/drawing/2010/main">
+                  <a:effectLst>
+                    <a:outerShdw dist="35921" dir="2700000" algn="ctr" rotWithShape="0">
+                      <a:schemeClr val="bg2"/>
+                    </a:outerShdw>
+                  </a:effectLst>
+                </a14:hiddenEffects>
+              </a:ext>
+            </a:extLst>
+          </p:spPr>
+          <p:txBody>
+            <a:bodyPr wrap="none" anchor="ctr"/>
+            <a:lstStyle/>
+            <a:p>
+              <a:endParaRPr lang="ja-JP" altLang="en-US"/>
+            </a:p>
+          </p:txBody>
+        </p:sp>
+        <p:sp>
+          <p:nvSpPr>
+            <p:cNvPr id="11509" name="Oval 245"/>
+            <p:cNvSpPr>
+              <a:spLocks noChangeArrowheads="1"/>
+            </p:cNvSpPr>
+            <p:nvPr/>
+          </p:nvSpPr>
+          <p:spPr bwMode="auto">
+            <a:xfrm>
+              <a:off x="2880" y="2386"/>
+              <a:ext cx="46" cy="46"/>
+            </a:xfrm>
+            <a:prstGeom prst="ellipse">
+              <a:avLst/>
+            </a:prstGeom>
+            <a:solidFill>
+              <a:srgbClr val="FF3399"/>
+            </a:solidFill>
+            <a:ln w="9525">
+              <a:solidFill>
+                <a:schemeClr val="tx1"/>
+              </a:solidFill>
+              <a:round/>
+              <a:headEnd/>
+              <a:tailEnd/>
+            </a:ln>
+            <a:effectLst/>
+            <a:extLst>
+              <a:ext uri="{AF507438-7753-43E0-B8FC-AC1667EBCBE1}">
+                <a14:hiddenEffects xmlns:a14="http://schemas.microsoft.com/office/drawing/2010/main">
+                  <a:effectLst>
+                    <a:outerShdw dist="35921" dir="2700000" algn="ctr" rotWithShape="0">
+                      <a:schemeClr val="bg2"/>
+                    </a:outerShdw>
+                  </a:effectLst>
+                </a14:hiddenEffects>
+              </a:ext>
+            </a:extLst>
+          </p:spPr>
+          <p:txBody>
+            <a:bodyPr wrap="none" anchor="ctr"/>
+            <a:lstStyle/>
+            <a:p>
+              <a:endParaRPr lang="ja-JP" altLang="en-US"/>
+            </a:p>
+          </p:txBody>
+        </p:sp>
+        <p:sp>
+          <p:nvSpPr>
+            <p:cNvPr id="11510" name="Oval 246"/>
+            <p:cNvSpPr>
+              <a:spLocks noChangeArrowheads="1"/>
+            </p:cNvSpPr>
+            <p:nvPr/>
+          </p:nvSpPr>
+          <p:spPr bwMode="auto">
+            <a:xfrm>
+              <a:off x="2925" y="2341"/>
+              <a:ext cx="46" cy="46"/>
+            </a:xfrm>
+            <a:prstGeom prst="ellipse">
+              <a:avLst/>
+            </a:prstGeom>
+            <a:solidFill>
+              <a:srgbClr val="FF3399"/>
+            </a:solidFill>
+            <a:ln w="9525">
+              <a:solidFill>
+                <a:schemeClr val="tx1"/>
+              </a:solidFill>
+              <a:round/>
+              <a:headEnd/>
+              <a:tailEnd/>
+            </a:ln>
+            <a:effectLst/>
+            <a:extLst>
+              <a:ext uri="{AF507438-7753-43E0-B8FC-AC1667EBCBE1}">
+                <a14:hiddenEffects xmlns:a14="http://schemas.microsoft.com/office/drawing/2010/main">
+                  <a:effectLst>
+                    <a:outerShdw dist="35921" dir="2700000" algn="ctr" rotWithShape="0">
+                      <a:schemeClr val="bg2"/>
+                    </a:outerShdw>
+                  </a:effectLst>
+                </a14:hiddenEffects>
+              </a:ext>
+            </a:extLst>
+          </p:spPr>
+          <p:txBody>
+            <a:bodyPr wrap="none" anchor="ctr"/>
+            <a:lstStyle/>
+            <a:p>
+              <a:endParaRPr lang="ja-JP" altLang="en-US"/>
+            </a:p>
+          </p:txBody>
+        </p:sp>
+      </p:grpSp>
+      <p:sp>
+        <p:nvSpPr>
+          <p:cNvPr id="11511" name="Line 247"/>
+          <p:cNvSpPr>
+            <a:spLocks noChangeShapeType="1"/>
+          </p:cNvSpPr>
+          <p:nvPr/>
+        </p:nvSpPr>
+        <p:spPr bwMode="auto">
+          <a:xfrm>
+            <a:off x="4003675" y="2062163"/>
+            <a:ext cx="0" cy="1511300"/>
+          </a:xfrm>
+          <a:prstGeom prst="line">
+            <a:avLst/>
+          </a:prstGeom>
+          <a:noFill/>
+          <a:ln w="9525">
+            <a:solidFill>
+              <a:schemeClr val="tx1"/>
+            </a:solidFill>
+            <a:round/>
+            <a:headEnd/>
+            <a:tailEnd type="triangle" w="med" len="med"/>
+          </a:ln>
+          <a:effectLst/>
+          <a:extLst>
+            <a:ext uri="{909E8E84-426E-40DD-AFC4-6F175D3DCCD1}">
+              <a14:hiddenFill xmlns:a14="http://schemas.microsoft.com/office/drawing/2010/main">
+                <a:noFill/>
+              </a14:hiddenFill>
+            </a:ext>
+            <a:ext uri="{AF507438-7753-43E0-B8FC-AC1667EBCBE1}">
+              <a14:hiddenEffects xmlns:a14="http://schemas.microsoft.com/office/drawing/2010/main">
+                <a:effectLst>
+                  <a:outerShdw dist="35921" dir="2700000" algn="ctr" rotWithShape="0">
+                    <a:schemeClr val="bg2"/>
+                  </a:outerShdw>
+                </a:effectLst>
+              </a14:hiddenEffects>
+            </a:ext>
+          </a:extLst>
+        </p:spPr>
+        <p:txBody>
+          <a:bodyPr/>
+          <a:lstStyle/>
+          <a:p>
+            <a:endParaRPr lang="ja-JP" altLang="en-US"/>
+          </a:p>
+        </p:txBody>
+      </p:sp>
+      <p:sp>
+        <p:nvSpPr>
+          <p:cNvPr id="11512" name="Line 248"/>
+          <p:cNvSpPr>
+            <a:spLocks noChangeShapeType="1"/>
+          </p:cNvSpPr>
+          <p:nvPr/>
+        </p:nvSpPr>
+        <p:spPr bwMode="auto">
+          <a:xfrm>
+            <a:off x="4003675" y="2062163"/>
+            <a:ext cx="649288" cy="1366837"/>
+          </a:xfrm>
+          <a:prstGeom prst="line">
+            <a:avLst/>
+          </a:prstGeom>
+          <a:noFill/>
+          <a:ln w="9525">
+            <a:solidFill>
+              <a:schemeClr val="tx1"/>
+            </a:solidFill>
+            <a:round/>
+            <a:headEnd/>
+            <a:tailEnd type="triangle" w="med" len="med"/>
+          </a:ln>
+          <a:effectLst/>
+          <a:extLst>
+            <a:ext uri="{909E8E84-426E-40DD-AFC4-6F175D3DCCD1}">
+              <a14:hiddenFill xmlns:a14="http://schemas.microsoft.com/office/drawing/2010/main">
+                <a:noFill/>
+              </a14:hiddenFill>
+            </a:ext>
+            <a:ext uri="{AF507438-7753-43E0-B8FC-AC1667EBCBE1}">
+              <a14:hiddenEffects xmlns:a14="http://schemas.microsoft.com/office/drawing/2010/main">
+                <a:effectLst>
+                  <a:outerShdw dist="35921" dir="2700000" algn="ctr" rotWithShape="0">
+                    <a:schemeClr val="bg2"/>
+                  </a:outerShdw>
+                </a:effectLst>
+              </a14:hiddenEffects>
+            </a:ext>
+          </a:extLst>
+        </p:spPr>
+        <p:txBody>
+          <a:bodyPr/>
+          <a:lstStyle/>
+          <a:p>
+            <a:endParaRPr lang="ja-JP" altLang="en-US"/>
+          </a:p>
+        </p:txBody>
+      </p:sp>
+      <p:sp>
+        <p:nvSpPr>
+          <p:cNvPr id="11513" name="Line 249"/>
+          <p:cNvSpPr>
+            <a:spLocks noChangeShapeType="1"/>
+          </p:cNvSpPr>
+          <p:nvPr/>
+        </p:nvSpPr>
+        <p:spPr bwMode="auto">
+          <a:xfrm>
+            <a:off x="4003675" y="2062163"/>
+            <a:ext cx="144463" cy="936625"/>
+          </a:xfrm>
+          <a:prstGeom prst="line">
+            <a:avLst/>
+          </a:prstGeom>
+          <a:noFill/>
+          <a:ln w="9525">
+            <a:solidFill>
+              <a:schemeClr val="tx1"/>
+            </a:solidFill>
+            <a:round/>
+            <a:headEnd/>
+            <a:tailEnd type="triangle" w="med" len="med"/>
+          </a:ln>
+          <a:effectLst/>
+          <a:extLst>
+            <a:ext uri="{909E8E84-426E-40DD-AFC4-6F175D3DCCD1}">
+              <a14:hiddenFill xmlns:a14="http://schemas.microsoft.com/office/drawing/2010/main">
+                <a:noFill/>
+              </a14:hiddenFill>
+            </a:ext>
+            <a:ext uri="{AF507438-7753-43E0-B8FC-AC1667EBCBE1}">
+              <a14:hiddenEffects xmlns:a14="http://schemas.microsoft.com/office/drawing/2010/main">
+                <a:effectLst>
+                  <a:outerShdw dist="35921" dir="2700000" algn="ctr" rotWithShape="0">
+                    <a:schemeClr val="bg2"/>
+                  </a:outerShdw>
+                </a:effectLst>
+              </a14:hiddenEffects>
+            </a:ext>
+          </a:extLst>
+        </p:spPr>
+        <p:txBody>
+          <a:bodyPr/>
+          <a:lstStyle/>
+          <a:p>
+            <a:endParaRPr lang="ja-JP" altLang="en-US"/>
+          </a:p>
+        </p:txBody>
+      </p:sp>
+      <p:sp>
+        <p:nvSpPr>
+          <p:cNvPr id="11514" name="Line 250"/>
+          <p:cNvSpPr>
+            <a:spLocks noChangeShapeType="1"/>
+          </p:cNvSpPr>
+          <p:nvPr/>
+        </p:nvSpPr>
+        <p:spPr bwMode="auto">
+          <a:xfrm>
+            <a:off x="4003675" y="2062163"/>
+            <a:ext cx="288925" cy="792162"/>
+          </a:xfrm>
+          <a:prstGeom prst="line">
+            <a:avLst/>
+          </a:prstGeom>
+          <a:noFill/>
+          <a:ln w="9525">
+            <a:solidFill>
+              <a:schemeClr val="tx1"/>
+            </a:solidFill>
+            <a:round/>
+            <a:headEnd/>
+            <a:tailEnd type="triangle" w="med" len="med"/>
+          </a:ln>
+          <a:effectLst/>
+          <a:extLst>
+            <a:ext uri="{909E8E84-426E-40DD-AFC4-6F175D3DCCD1}">
+              <a14:hiddenFill xmlns:a14="http://schemas.microsoft.com/office/drawing/2010/main">
+                <a:noFill/>
+              </a14:hiddenFill>
+            </a:ext>
+            <a:ext uri="{AF507438-7753-43E0-B8FC-AC1667EBCBE1}">
+              <a14:hiddenEffects xmlns:a14="http://schemas.microsoft.com/office/drawing/2010/main">
+                <a:effectLst>
+                  <a:outerShdw dist="35921" dir="2700000" algn="ctr" rotWithShape="0">
+                    <a:schemeClr val="bg2"/>
+                  </a:outerShdw>
+                </a:effectLst>
+              </a14:hiddenEffects>
+            </a:ext>
+          </a:extLst>
+        </p:spPr>
+        <p:txBody>
+          <a:bodyPr/>
+          <a:lstStyle/>
+          <a:p>
+            <a:endParaRPr lang="ja-JP" altLang="en-US"/>
+          </a:p>
+        </p:txBody>
+      </p:sp>
+      <p:sp>
+        <p:nvSpPr>
+          <p:cNvPr id="11515" name="Line 251"/>
+          <p:cNvSpPr>
+            <a:spLocks noChangeShapeType="1"/>
+          </p:cNvSpPr>
+          <p:nvPr/>
+        </p:nvSpPr>
+        <p:spPr bwMode="auto">
+          <a:xfrm flipH="1">
+            <a:off x="3860800" y="2062163"/>
+            <a:ext cx="142875" cy="215900"/>
+          </a:xfrm>
+          <a:prstGeom prst="line">
+            <a:avLst/>
+          </a:prstGeom>
+          <a:noFill/>
+          <a:ln w="9525">
+            <a:solidFill>
+              <a:schemeClr val="tx1"/>
+            </a:solidFill>
+            <a:round/>
+            <a:headEnd/>
+            <a:tailEnd type="triangle" w="med" len="med"/>
+          </a:ln>
+          <a:effectLst/>
+          <a:extLst>
+            <a:ext uri="{909E8E84-426E-40DD-AFC4-6F175D3DCCD1}">
+              <a14:hiddenFill xmlns:a14="http://schemas.microsoft.com/office/drawing/2010/main">
+                <a:noFill/>
+              </a14:hiddenFill>
+            </a:ext>
+            <a:ext uri="{AF507438-7753-43E0-B8FC-AC1667EBCBE1}">
+              <a14:hiddenEffects xmlns:a14="http://schemas.microsoft.com/office/drawing/2010/main">
+                <a:effectLst>
+                  <a:outerShdw dist="35921" dir="2700000" algn="ctr" rotWithShape="0">
+                    <a:schemeClr val="bg2"/>
+                  </a:outerShdw>
+                </a:effectLst>
+              </a14:hiddenEffects>
+            </a:ext>
+          </a:extLst>
+        </p:spPr>
+        <p:txBody>
+          <a:bodyPr/>
+          <a:lstStyle/>
+          <a:p>
+            <a:endParaRPr lang="ja-JP" altLang="en-US"/>
+          </a:p>
+        </p:txBody>
+      </p:sp>
+      <p:sp>
+        <p:nvSpPr>
+          <p:cNvPr id="11516" name="Line 252"/>
+          <p:cNvSpPr>
+            <a:spLocks noChangeShapeType="1"/>
+          </p:cNvSpPr>
+          <p:nvPr/>
+        </p:nvSpPr>
+        <p:spPr bwMode="auto">
+          <a:xfrm>
+            <a:off x="4003675" y="2062163"/>
+            <a:ext cx="433388" cy="215900"/>
+          </a:xfrm>
+          <a:prstGeom prst="line">
+            <a:avLst/>
+          </a:prstGeom>
+          <a:noFill/>
+          <a:ln w="9525">
+            <a:solidFill>
+              <a:schemeClr val="tx1"/>
+            </a:solidFill>
+            <a:round/>
+            <a:headEnd/>
+            <a:tailEnd type="triangle" w="med" len="med"/>
+          </a:ln>
+          <a:effectLst/>
+          <a:extLst>
+            <a:ext uri="{909E8E84-426E-40DD-AFC4-6F175D3DCCD1}">
+              <a14:hiddenFill xmlns:a14="http://schemas.microsoft.com/office/drawing/2010/main">
+                <a:noFill/>
+              </a14:hiddenFill>
+            </a:ext>
+            <a:ext uri="{AF507438-7753-43E0-B8FC-AC1667EBCBE1}">
+              <a14:hiddenEffects xmlns:a14="http://schemas.microsoft.com/office/drawing/2010/main">
+                <a:effectLst>
+                  <a:outerShdw dist="35921" dir="2700000" algn="ctr" rotWithShape="0">
+                    <a:schemeClr val="bg2"/>
+                  </a:outerShdw>
+                </a:effectLst>
+              </a14:hiddenEffects>
+            </a:ext>
+          </a:extLst>
+        </p:spPr>
+        <p:txBody>
+          <a:bodyPr/>
+          <a:lstStyle/>
+          <a:p>
+            <a:endParaRPr lang="ja-JP" altLang="en-US"/>
+          </a:p>
+        </p:txBody>
+      </p:sp>
+      <p:grpSp>
+        <p:nvGrpSpPr>
+          <p:cNvPr id="11517" name="Group 253"/>
+          <p:cNvGrpSpPr>
+            <a:grpSpLocks/>
+          </p:cNvGrpSpPr>
+          <p:nvPr/>
+        </p:nvGrpSpPr>
+        <p:grpSpPr bwMode="auto">
+          <a:xfrm>
+            <a:off x="2974975" y="4292600"/>
+            <a:ext cx="2111375" cy="2079625"/>
+            <a:chOff x="340" y="482"/>
+            <a:chExt cx="1905" cy="1905"/>
+          </a:xfrm>
+        </p:grpSpPr>
+        <p:sp>
+          <p:nvSpPr>
+            <p:cNvPr id="11518" name="Line 254"/>
+            <p:cNvSpPr>
+              <a:spLocks noChangeShapeType="1"/>
+            </p:cNvSpPr>
+            <p:nvPr/>
+          </p:nvSpPr>
+          <p:spPr bwMode="auto">
+            <a:xfrm>
+              <a:off x="340" y="1434"/>
+              <a:ext cx="1905" cy="0"/>
+            </a:xfrm>
+            <a:prstGeom prst="line">
+              <a:avLst/>
+            </a:prstGeom>
+            <a:noFill/>
+            <a:ln w="9525">
+              <a:solidFill>
+                <a:schemeClr val="bg2"/>
+              </a:solidFill>
+              <a:round/>
+              <a:headEnd/>
+              <a:tailEnd type="triangle" w="med" len="med"/>
+            </a:ln>
+            <a:effectLst/>
+            <a:extLst>
+              <a:ext uri="{909E8E84-426E-40DD-AFC4-6F175D3DCCD1}">
+                <a14:hiddenFill xmlns:a14="http://schemas.microsoft.com/office/drawing/2010/main">
+                  <a:noFill/>
+                </a14:hiddenFill>
+              </a:ext>
+              <a:ext uri="{AF507438-7753-43E0-B8FC-AC1667EBCBE1}">
+                <a14:hiddenEffects xmlns:a14="http://schemas.microsoft.com/office/drawing/2010/main">
+                  <a:effectLst>
+                    <a:outerShdw dist="35921" dir="2700000" algn="ctr" rotWithShape="0">
+                      <a:schemeClr val="bg2"/>
+                    </a:outerShdw>
+                  </a:effectLst>
+                </a14:hiddenEffects>
+              </a:ext>
+            </a:extLst>
+          </p:spPr>
+          <p:txBody>
+            <a:bodyPr/>
+            <a:lstStyle/>
+            <a:p>
+              <a:endParaRPr lang="ja-JP" altLang="en-US"/>
+            </a:p>
+          </p:txBody>
+        </p:sp>
+        <p:sp>
+          <p:nvSpPr>
+            <p:cNvPr id="11519" name="Line 255"/>
+            <p:cNvSpPr>
+              <a:spLocks noChangeShapeType="1"/>
+            </p:cNvSpPr>
+            <p:nvPr/>
+          </p:nvSpPr>
+          <p:spPr bwMode="auto">
+            <a:xfrm flipH="1" flipV="1">
+              <a:off x="1292" y="482"/>
+              <a:ext cx="0" cy="1905"/>
+            </a:xfrm>
+            <a:prstGeom prst="line">
+              <a:avLst/>
+            </a:prstGeom>
+            <a:noFill/>
+            <a:ln w="9525">
+              <a:solidFill>
+                <a:schemeClr val="bg2"/>
+              </a:solidFill>
+              <a:round/>
+              <a:headEnd/>
+              <a:tailEnd type="triangle" w="med" len="med"/>
+            </a:ln>
+            <a:effectLst/>
+            <a:extLst>
+              <a:ext uri="{909E8E84-426E-40DD-AFC4-6F175D3DCCD1}">
+                <a14:hiddenFill xmlns:a14="http://schemas.microsoft.com/office/drawing/2010/main">
+                  <a:noFill/>
+                </a14:hiddenFill>
+              </a:ext>
+              <a:ext uri="{AF507438-7753-43E0-B8FC-AC1667EBCBE1}">
+                <a14:hiddenEffects xmlns:a14="http://schemas.microsoft.com/office/drawing/2010/main">
+                  <a:effectLst>
+                    <a:outerShdw dist="35921" dir="2700000" algn="ctr" rotWithShape="0">
+                      <a:schemeClr val="bg2"/>
+                    </a:outerShdw>
+                  </a:effectLst>
+                </a14:hiddenEffects>
+              </a:ext>
+            </a:extLst>
+          </p:spPr>
+          <p:txBody>
+            <a:bodyPr/>
+            <a:lstStyle/>
+            <a:p>
+              <a:endParaRPr lang="ja-JP" altLang="en-US"/>
+            </a:p>
+          </p:txBody>
+        </p:sp>
+        <p:sp>
+          <p:nvSpPr>
+            <p:cNvPr id="11520" name="Rectangle 256"/>
+            <p:cNvSpPr>
+              <a:spLocks noChangeArrowheads="1"/>
+            </p:cNvSpPr>
+            <p:nvPr/>
+          </p:nvSpPr>
+          <p:spPr bwMode="auto">
+            <a:xfrm>
+              <a:off x="340" y="482"/>
+              <a:ext cx="1905" cy="1905"/>
+            </a:xfrm>
+            <a:prstGeom prst="rect">
+              <a:avLst/>
+            </a:prstGeom>
+            <a:noFill/>
+            <a:ln w="9525">
+              <a:solidFill>
+                <a:schemeClr val="bg2"/>
+              </a:solidFill>
+              <a:miter lim="800000"/>
+              <a:headEnd/>
+              <a:tailEnd/>
+            </a:ln>
+            <a:effectLst/>
+            <a:extLst>
+              <a:ext uri="{909E8E84-426E-40DD-AFC4-6F175D3DCCD1}">
+                <a14:hiddenFill xmlns:a14="http://schemas.microsoft.com/office/drawing/2010/main">
+                  <a:solidFill>
+                    <a:schemeClr val="accent1"/>
+                  </a:solidFill>
+                </a14:hiddenFill>
+              </a:ext>
+              <a:ext uri="{AF507438-7753-43E0-B8FC-AC1667EBCBE1}">
+                <a14:hiddenEffects xmlns:a14="http://schemas.microsoft.com/office/drawing/2010/main">
+                  <a:effectLst>
+                    <a:outerShdw dist="35921" dir="2700000" algn="ctr" rotWithShape="0">
+                      <a:schemeClr val="bg2"/>
+                    </a:outerShdw>
+                  </a:effectLst>
+                </a14:hiddenEffects>
+              </a:ext>
+            </a:extLst>
+          </p:spPr>
+          <p:txBody>
+            <a:bodyPr wrap="none" anchor="ctr"/>
+            <a:lstStyle/>
+            <a:p>
+              <a:endParaRPr lang="ja-JP" altLang="en-US"/>
+            </a:p>
+          </p:txBody>
+        </p:sp>
+      </p:grpSp>
+      <p:sp>
+        <p:nvSpPr>
+          <p:cNvPr id="11536" name="Line 272"/>
+          <p:cNvSpPr>
+            <a:spLocks noChangeShapeType="1"/>
+          </p:cNvSpPr>
+          <p:nvPr/>
+        </p:nvSpPr>
+        <p:spPr bwMode="auto">
+          <a:xfrm>
+            <a:off x="4016375" y="5319713"/>
+            <a:ext cx="0" cy="1511300"/>
+          </a:xfrm>
+          <a:prstGeom prst="line">
+            <a:avLst/>
+          </a:prstGeom>
+          <a:noFill/>
+          <a:ln w="9525">
+            <a:solidFill>
+              <a:schemeClr val="tx1"/>
+            </a:solidFill>
+            <a:round/>
+            <a:headEnd/>
+            <a:tailEnd type="triangle" w="med" len="med"/>
+          </a:ln>
+          <a:effectLst/>
+          <a:extLst>
+            <a:ext uri="{909E8E84-426E-40DD-AFC4-6F175D3DCCD1}">
+              <a14:hiddenFill xmlns:a14="http://schemas.microsoft.com/office/drawing/2010/main">
+                <a:noFill/>
+              </a14:hiddenFill>
+            </a:ext>
+            <a:ext uri="{AF507438-7753-43E0-B8FC-AC1667EBCBE1}">
+              <a14:hiddenEffects xmlns:a14="http://schemas.microsoft.com/office/drawing/2010/main">
+                <a:effectLst>
+                  <a:outerShdw dist="35921" dir="2700000" algn="ctr" rotWithShape="0">
+                    <a:schemeClr val="bg2"/>
+                  </a:outerShdw>
+                </a:effectLst>
+              </a14:hiddenEffects>
+            </a:ext>
+          </a:extLst>
+        </p:spPr>
+        <p:txBody>
+          <a:bodyPr/>
+          <a:lstStyle/>
+          <a:p>
+            <a:endParaRPr lang="ja-JP" altLang="en-US"/>
+          </a:p>
+        </p:txBody>
+      </p:sp>
+      <p:sp>
+        <p:nvSpPr>
+          <p:cNvPr id="11537" name="Line 273"/>
+          <p:cNvSpPr>
+            <a:spLocks noChangeShapeType="1"/>
+          </p:cNvSpPr>
+          <p:nvPr/>
+        </p:nvSpPr>
+        <p:spPr bwMode="auto">
+          <a:xfrm>
+            <a:off x="4016375" y="5319713"/>
+            <a:ext cx="649288" cy="1366837"/>
+          </a:xfrm>
+          <a:prstGeom prst="line">
+            <a:avLst/>
+          </a:prstGeom>
+          <a:noFill/>
+          <a:ln w="9525">
+            <a:solidFill>
+              <a:schemeClr val="tx1"/>
+            </a:solidFill>
+            <a:round/>
+            <a:headEnd/>
+            <a:tailEnd type="triangle" w="med" len="med"/>
+          </a:ln>
+          <a:effectLst/>
+          <a:extLst>
+            <a:ext uri="{909E8E84-426E-40DD-AFC4-6F175D3DCCD1}">
+              <a14:hiddenFill xmlns:a14="http://schemas.microsoft.com/office/drawing/2010/main">
+                <a:noFill/>
+              </a14:hiddenFill>
+            </a:ext>
+            <a:ext uri="{AF507438-7753-43E0-B8FC-AC1667EBCBE1}">
+              <a14:hiddenEffects xmlns:a14="http://schemas.microsoft.com/office/drawing/2010/main">
+                <a:effectLst>
+                  <a:outerShdw dist="35921" dir="2700000" algn="ctr" rotWithShape="0">
+                    <a:schemeClr val="bg2"/>
+                  </a:outerShdw>
+                </a:effectLst>
+              </a14:hiddenEffects>
+            </a:ext>
+          </a:extLst>
+        </p:spPr>
+        <p:txBody>
+          <a:bodyPr/>
+          <a:lstStyle/>
+          <a:p>
+            <a:endParaRPr lang="ja-JP" altLang="en-US"/>
+          </a:p>
+        </p:txBody>
+      </p:sp>
+      <p:sp>
+        <p:nvSpPr>
+          <p:cNvPr id="11538" name="Line 274"/>
+          <p:cNvSpPr>
+            <a:spLocks noChangeShapeType="1"/>
+          </p:cNvSpPr>
+          <p:nvPr/>
+        </p:nvSpPr>
+        <p:spPr bwMode="auto">
+          <a:xfrm>
+            <a:off x="4016375" y="5319713"/>
+            <a:ext cx="144463" cy="936625"/>
+          </a:xfrm>
+          <a:prstGeom prst="line">
+            <a:avLst/>
+          </a:prstGeom>
+          <a:noFill/>
+          <a:ln w="9525">
+            <a:solidFill>
+              <a:schemeClr val="tx1"/>
+            </a:solidFill>
+            <a:round/>
+            <a:headEnd/>
+            <a:tailEnd type="triangle" w="med" len="med"/>
+          </a:ln>
+          <a:effectLst/>
+          <a:extLst>
+            <a:ext uri="{909E8E84-426E-40DD-AFC4-6F175D3DCCD1}">
+              <a14:hiddenFill xmlns:a14="http://schemas.microsoft.com/office/drawing/2010/main">
+                <a:noFill/>
+              </a14:hiddenFill>
+            </a:ext>
+            <a:ext uri="{AF507438-7753-43E0-B8FC-AC1667EBCBE1}">
+              <a14:hiddenEffects xmlns:a14="http://schemas.microsoft.com/office/drawing/2010/main">
+                <a:effectLst>
+                  <a:outerShdw dist="35921" dir="2700000" algn="ctr" rotWithShape="0">
+                    <a:schemeClr val="bg2"/>
+                  </a:outerShdw>
+                </a:effectLst>
+              </a14:hiddenEffects>
+            </a:ext>
+          </a:extLst>
+        </p:spPr>
+        <p:txBody>
+          <a:bodyPr/>
+          <a:lstStyle/>
+          <a:p>
+            <a:endParaRPr lang="ja-JP" altLang="en-US"/>
+          </a:p>
+        </p:txBody>
+      </p:sp>
+      <p:sp>
+        <p:nvSpPr>
+          <p:cNvPr id="11539" name="Line 275"/>
+          <p:cNvSpPr>
+            <a:spLocks noChangeShapeType="1"/>
+          </p:cNvSpPr>
+          <p:nvPr/>
+        </p:nvSpPr>
+        <p:spPr bwMode="auto">
+          <a:xfrm>
+            <a:off x="4016375" y="5319713"/>
+            <a:ext cx="288925" cy="792162"/>
+          </a:xfrm>
+          <a:prstGeom prst="line">
+            <a:avLst/>
+          </a:prstGeom>
+          <a:noFill/>
+          <a:ln w="9525">
+            <a:solidFill>
+              <a:schemeClr val="tx1"/>
+            </a:solidFill>
+            <a:round/>
+            <a:headEnd/>
+            <a:tailEnd type="triangle" w="med" len="med"/>
+          </a:ln>
+          <a:effectLst/>
+          <a:extLst>
+            <a:ext uri="{909E8E84-426E-40DD-AFC4-6F175D3DCCD1}">
+              <a14:hiddenFill xmlns:a14="http://schemas.microsoft.com/office/drawing/2010/main">
+                <a:noFill/>
+              </a14:hiddenFill>
+            </a:ext>
+            <a:ext uri="{AF507438-7753-43E0-B8FC-AC1667EBCBE1}">
+              <a14:hiddenEffects xmlns:a14="http://schemas.microsoft.com/office/drawing/2010/main">
+                <a:effectLst>
+                  <a:outerShdw dist="35921" dir="2700000" algn="ctr" rotWithShape="0">
+                    <a:schemeClr val="bg2"/>
+                  </a:outerShdw>
+                </a:effectLst>
+              </a14:hiddenEffects>
+            </a:ext>
+          </a:extLst>
+        </p:spPr>
+        <p:txBody>
+          <a:bodyPr/>
+          <a:lstStyle/>
+          <a:p>
+            <a:endParaRPr lang="ja-JP" altLang="en-US"/>
+          </a:p>
+        </p:txBody>
+      </p:sp>
+      <p:sp>
+        <p:nvSpPr>
+          <p:cNvPr id="11540" name="Line 276"/>
+          <p:cNvSpPr>
+            <a:spLocks noChangeShapeType="1"/>
+          </p:cNvSpPr>
+          <p:nvPr/>
+        </p:nvSpPr>
+        <p:spPr bwMode="auto">
+          <a:xfrm flipH="1">
+            <a:off x="3873500" y="5319713"/>
+            <a:ext cx="142875" cy="215900"/>
+          </a:xfrm>
+          <a:prstGeom prst="line">
+            <a:avLst/>
+          </a:prstGeom>
+          <a:noFill/>
+          <a:ln w="9525">
+            <a:solidFill>
+              <a:schemeClr val="tx1"/>
+            </a:solidFill>
+            <a:round/>
+            <a:headEnd/>
+            <a:tailEnd type="triangle" w="med" len="med"/>
+          </a:ln>
+          <a:effectLst/>
+          <a:extLst>
+            <a:ext uri="{909E8E84-426E-40DD-AFC4-6F175D3DCCD1}">
+              <a14:hiddenFill xmlns:a14="http://schemas.microsoft.com/office/drawing/2010/main">
+                <a:noFill/>
+              </a14:hiddenFill>
+            </a:ext>
+            <a:ext uri="{AF507438-7753-43E0-B8FC-AC1667EBCBE1}">
+              <a14:hiddenEffects xmlns:a14="http://schemas.microsoft.com/office/drawing/2010/main">
+                <a:effectLst>
+                  <a:outerShdw dist="35921" dir="2700000" algn="ctr" rotWithShape="0">
+                    <a:schemeClr val="bg2"/>
+                  </a:outerShdw>
+                </a:effectLst>
+              </a14:hiddenEffects>
+            </a:ext>
+          </a:extLst>
+        </p:spPr>
+        <p:txBody>
+          <a:bodyPr/>
+          <a:lstStyle/>
+          <a:p>
+            <a:endParaRPr lang="ja-JP" altLang="en-US"/>
+          </a:p>
+        </p:txBody>
+      </p:sp>
+      <p:sp>
+        <p:nvSpPr>
+          <p:cNvPr id="11541" name="Line 277"/>
+          <p:cNvSpPr>
+            <a:spLocks noChangeShapeType="1"/>
+          </p:cNvSpPr>
+          <p:nvPr/>
+        </p:nvSpPr>
+        <p:spPr bwMode="auto">
+          <a:xfrm>
+            <a:off x="4016375" y="5319713"/>
+            <a:ext cx="433388" cy="215900"/>
+          </a:xfrm>
+          <a:prstGeom prst="line">
+            <a:avLst/>
+          </a:prstGeom>
+          <a:noFill/>
+          <a:ln w="9525">
+            <a:solidFill>
+              <a:schemeClr val="tx1"/>
+            </a:solidFill>
+            <a:round/>
+            <a:headEnd/>
+            <a:tailEnd type="triangle" w="med" len="med"/>
+          </a:ln>
+          <a:effectLst/>
+          <a:extLst>
+            <a:ext uri="{909E8E84-426E-40DD-AFC4-6F175D3DCCD1}">
+              <a14:hiddenFill xmlns:a14="http://schemas.microsoft.com/office/drawing/2010/main">
+                <a:noFill/>
+              </a14:hiddenFill>
+            </a:ext>
+            <a:ext uri="{AF507438-7753-43E0-B8FC-AC1667EBCBE1}">
+              <a14:hiddenEffects xmlns:a14="http://schemas.microsoft.com/office/drawing/2010/main">
+                <a:effectLst>
+                  <a:outerShdw dist="35921" dir="2700000" algn="ctr" rotWithShape="0">
+                    <a:schemeClr val="bg2"/>
+                  </a:outerShdw>
+                </a:effectLst>
+              </a14:hiddenEffects>
+            </a:ext>
+          </a:extLst>
+        </p:spPr>
+        <p:txBody>
+          <a:bodyPr/>
+          <a:lstStyle/>
+          <a:p>
+            <a:endParaRPr lang="ja-JP" altLang="en-US"/>
+          </a:p>
+        </p:txBody>
+      </p:sp>
+      <p:sp>
+        <p:nvSpPr>
+          <p:cNvPr id="11581" name="Line 317"/>
+          <p:cNvSpPr>
+            <a:spLocks noChangeShapeType="1"/>
+          </p:cNvSpPr>
+          <p:nvPr/>
+        </p:nvSpPr>
+        <p:spPr bwMode="auto">
+          <a:xfrm>
+            <a:off x="4008438" y="2081213"/>
+            <a:ext cx="215900" cy="865187"/>
+          </a:xfrm>
+          <a:prstGeom prst="line">
+            <a:avLst/>
+          </a:prstGeom>
+          <a:noFill/>
+          <a:ln w="9525">
+            <a:solidFill>
+              <a:schemeClr val="tx1"/>
+            </a:solidFill>
+            <a:round/>
+            <a:headEnd/>
+            <a:tailEnd type="triangle" w="med" len="med"/>
+          </a:ln>
+          <a:effectLst/>
+          <a:extLst>
+            <a:ext uri="{909E8E84-426E-40DD-AFC4-6F175D3DCCD1}">
+              <a14:hiddenFill xmlns:a14="http://schemas.microsoft.com/office/drawing/2010/main">
+                <a:noFill/>
+              </a14:hiddenFill>
+            </a:ext>
+            <a:ext uri="{AF507438-7753-43E0-B8FC-AC1667EBCBE1}">
+              <a14:hiddenEffects xmlns:a14="http://schemas.microsoft.com/office/drawing/2010/main">
+                <a:effectLst>
+                  <a:outerShdw dist="35921" dir="2700000" algn="ctr" rotWithShape="0">
+                    <a:schemeClr val="bg2"/>
+                  </a:outerShdw>
+                </a:effectLst>
+              </a14:hiddenEffects>
+            </a:ext>
+          </a:extLst>
+        </p:spPr>
+        <p:txBody>
+          <a:bodyPr/>
+          <a:lstStyle/>
+          <a:p>
+            <a:endParaRPr lang="ja-JP" altLang="en-US"/>
+          </a:p>
+        </p:txBody>
+      </p:sp>
+      <p:sp>
+        <p:nvSpPr>
+          <p:cNvPr id="11582" name="Line 318"/>
+          <p:cNvSpPr>
+            <a:spLocks noChangeShapeType="1"/>
+          </p:cNvSpPr>
+          <p:nvPr/>
+        </p:nvSpPr>
+        <p:spPr bwMode="auto">
+          <a:xfrm>
+            <a:off x="4008438" y="5300663"/>
+            <a:ext cx="215900" cy="865187"/>
+          </a:xfrm>
+          <a:prstGeom prst="line">
+            <a:avLst/>
+          </a:prstGeom>
+          <a:noFill/>
+          <a:ln w="9525">
+            <a:solidFill>
+              <a:schemeClr val="tx1"/>
+            </a:solidFill>
+            <a:round/>
+            <a:headEnd/>
+            <a:tailEnd type="triangle" w="med" len="med"/>
+          </a:ln>
+          <a:effectLst/>
+          <a:extLst>
+            <a:ext uri="{909E8E84-426E-40DD-AFC4-6F175D3DCCD1}">
+              <a14:hiddenFill xmlns:a14="http://schemas.microsoft.com/office/drawing/2010/main">
+                <a:noFill/>
+              </a14:hiddenFill>
+            </a:ext>
+            <a:ext uri="{AF507438-7753-43E0-B8FC-AC1667EBCBE1}">
+              <a14:hiddenEffects xmlns:a14="http://schemas.microsoft.com/office/drawing/2010/main">
+                <a:effectLst>
+                  <a:outerShdw dist="35921" dir="2700000" algn="ctr" rotWithShape="0">
+                    <a:schemeClr val="bg2"/>
+                  </a:outerShdw>
+                </a:effectLst>
+              </a14:hiddenEffects>
+            </a:ext>
+          </a:extLst>
+        </p:spPr>
+        <p:txBody>
+          <a:bodyPr/>
+          <a:lstStyle/>
+          <a:p>
+            <a:endParaRPr lang="ja-JP" altLang="en-US"/>
+          </a:p>
+        </p:txBody>
+      </p:sp>
+      <p:sp>
+        <p:nvSpPr>
+          <p:cNvPr id="11632" name="Text Box 368"/>
+          <p:cNvSpPr txBox="1">
+            <a:spLocks noChangeArrowheads="1"/>
+          </p:cNvSpPr>
+          <p:nvPr/>
+        </p:nvSpPr>
+        <p:spPr bwMode="auto">
+          <a:xfrm>
+            <a:off x="4704216" y="933119"/>
+            <a:ext cx="1147302" cy="400110"/>
+          </a:xfrm>
+          <a:prstGeom prst="rect">
+            <a:avLst/>
+          </a:prstGeom>
+          <a:noFill/>
+          <a:ln>
+            <a:noFill/>
+          </a:ln>
+          <a:effectLst/>
+          <a:extLst>
+            <a:ext uri="{909E8E84-426E-40DD-AFC4-6F175D3DCCD1}">
+              <a14:hiddenFill xmlns:a14="http://schemas.microsoft.com/office/drawing/2010/main">
+                <a:solidFill>
+                  <a:schemeClr val="accent1"/>
+                </a:solidFill>
+              </a14:hiddenFill>
+            </a:ext>
+            <a:ext uri="{91240B29-F687-4F45-9708-019B960494DF}">
+              <a14:hiddenLine xmlns:a14="http://schemas.microsoft.com/office/drawing/2010/main" w="9525">
+                <a:solidFill>
+                  <a:schemeClr val="tx1"/>
+                </a:solidFill>
+                <a:miter lim="800000"/>
+                <a:headEnd/>
+                <a:tailEnd/>
+              </a14:hiddenLine>
+            </a:ext>
+            <a:ext uri="{AF507438-7753-43E0-B8FC-AC1667EBCBE1}">
+              <a14:hiddenEffects xmlns:a14="http://schemas.microsoft.com/office/drawing/2010/main">
+                <a:effectLst>
+                  <a:outerShdw dist="35921" dir="2700000" algn="ctr" rotWithShape="0">
+                    <a:schemeClr val="bg2"/>
+                  </a:outerShdw>
+                </a:effectLst>
+              </a14:hiddenEffects>
+            </a:ext>
+          </a:extLst>
+        </p:spPr>
+        <p:txBody>
+          <a:bodyPr wrap="none">
+            <a:spAutoFit/>
+          </a:bodyPr>
+          <a:lstStyle/>
+          <a:p>
+            <a:r>
+              <a:rPr lang="en-US" altLang="ja-JP" sz="2000" dirty="0">
+                <a:solidFill>
+                  <a:srgbClr val="0070C0"/>
+                </a:solidFill>
+              </a:rPr>
+              <a:t>pattern 1</a:t>
+            </a:r>
+          </a:p>
+        </p:txBody>
+      </p:sp>
+      <p:sp>
+        <p:nvSpPr>
+          <p:cNvPr id="11633" name="Text Box 369"/>
+          <p:cNvSpPr txBox="1">
+            <a:spLocks noChangeArrowheads="1"/>
+          </p:cNvSpPr>
+          <p:nvPr/>
+        </p:nvSpPr>
+        <p:spPr bwMode="auto">
+          <a:xfrm>
+            <a:off x="7167631" y="921132"/>
+            <a:ext cx="1147302" cy="400110"/>
+          </a:xfrm>
+          <a:prstGeom prst="rect">
+            <a:avLst/>
+          </a:prstGeom>
+          <a:noFill/>
+          <a:ln>
+            <a:noFill/>
+          </a:ln>
+          <a:effectLst/>
+          <a:extLst>
+            <a:ext uri="{909E8E84-426E-40DD-AFC4-6F175D3DCCD1}">
+              <a14:hiddenFill xmlns:a14="http://schemas.microsoft.com/office/drawing/2010/main">
+                <a:solidFill>
+                  <a:schemeClr val="accent1"/>
+                </a:solidFill>
+              </a14:hiddenFill>
+            </a:ext>
+            <a:ext uri="{91240B29-F687-4F45-9708-019B960494DF}">
+              <a14:hiddenLine xmlns:a14="http://schemas.microsoft.com/office/drawing/2010/main" w="9525">
+                <a:solidFill>
+                  <a:schemeClr val="tx1"/>
+                </a:solidFill>
+                <a:miter lim="800000"/>
+                <a:headEnd/>
+                <a:tailEnd/>
+              </a14:hiddenLine>
+            </a:ext>
+            <a:ext uri="{AF507438-7753-43E0-B8FC-AC1667EBCBE1}">
+              <a14:hiddenEffects xmlns:a14="http://schemas.microsoft.com/office/drawing/2010/main">
+                <a:effectLst>
+                  <a:outerShdw dist="35921" dir="2700000" algn="ctr" rotWithShape="0">
+                    <a:schemeClr val="bg2"/>
+                  </a:outerShdw>
+                </a:effectLst>
+              </a14:hiddenEffects>
+            </a:ext>
+          </a:extLst>
+        </p:spPr>
+        <p:txBody>
+          <a:bodyPr wrap="none">
+            <a:spAutoFit/>
+          </a:bodyPr>
+          <a:lstStyle/>
+          <a:p>
+            <a:r>
+              <a:rPr lang="en-US" altLang="ja-JP" sz="2000" dirty="0">
+                <a:solidFill>
+                  <a:srgbClr val="FF0000"/>
+                </a:solidFill>
+              </a:rPr>
+              <a:t>pattern 2</a:t>
+            </a:r>
+          </a:p>
+        </p:txBody>
+      </p:sp>
+      <p:sp>
+        <p:nvSpPr>
+          <p:cNvPr id="11637" name="Text Box 373"/>
+          <p:cNvSpPr txBox="1">
+            <a:spLocks noChangeArrowheads="1"/>
+          </p:cNvSpPr>
+          <p:nvPr/>
+        </p:nvSpPr>
+        <p:spPr bwMode="auto">
+          <a:xfrm>
+            <a:off x="8416925" y="3789363"/>
+            <a:ext cx="476250" cy="366712"/>
+          </a:xfrm>
+          <a:prstGeom prst="rect">
+            <a:avLst/>
+          </a:prstGeom>
+          <a:noFill/>
+          <a:ln>
+            <a:noFill/>
+          </a:ln>
+          <a:effectLst/>
+          <a:extLst>
+            <a:ext uri="{909E8E84-426E-40DD-AFC4-6F175D3DCCD1}">
+              <a14:hiddenFill xmlns:a14="http://schemas.microsoft.com/office/drawing/2010/main">
+                <a:solidFill>
+                  <a:schemeClr val="accent1"/>
+                </a:solidFill>
+              </a14:hiddenFill>
+            </a:ext>
+            <a:ext uri="{91240B29-F687-4F45-9708-019B960494DF}">
+              <a14:hiddenLine xmlns:a14="http://schemas.microsoft.com/office/drawing/2010/main" w="9525">
+                <a:solidFill>
+                  <a:schemeClr val="tx1"/>
+                </a:solidFill>
+                <a:miter lim="800000"/>
+                <a:headEnd/>
+                <a:tailEnd/>
+              </a14:hiddenLine>
+            </a:ext>
+            <a:ext uri="{AF507438-7753-43E0-B8FC-AC1667EBCBE1}">
+              <a14:hiddenEffects xmlns:a14="http://schemas.microsoft.com/office/drawing/2010/main">
+                <a:effectLst>
+                  <a:outerShdw dist="35921" dir="2700000" algn="ctr" rotWithShape="0">
+                    <a:schemeClr val="bg2"/>
+                  </a:outerShdw>
+                </a:effectLst>
+              </a14:hiddenEffects>
+            </a:ext>
+          </a:extLst>
+        </p:spPr>
+        <p:txBody>
+          <a:bodyPr wrap="none">
+            <a:spAutoFit/>
+          </a:bodyPr>
+          <a:lstStyle/>
+          <a:p>
+            <a:r>
+              <a:rPr lang="en-US" altLang="ja-JP"/>
+              <a:t>….</a:t>
+            </a:r>
+          </a:p>
+        </p:txBody>
+      </p:sp>
+      <p:grpSp>
+        <p:nvGrpSpPr>
+          <p:cNvPr id="11646" name="Group 382"/>
+          <p:cNvGrpSpPr>
+            <a:grpSpLocks/>
+          </p:cNvGrpSpPr>
+          <p:nvPr/>
+        </p:nvGrpSpPr>
+        <p:grpSpPr bwMode="auto">
+          <a:xfrm>
+            <a:off x="6142037" y="1700213"/>
+            <a:ext cx="2203450" cy="4660900"/>
+            <a:chOff x="240" y="1071"/>
+            <a:chExt cx="1388" cy="2936"/>
+          </a:xfrm>
+        </p:grpSpPr>
+        <p:grpSp>
+          <p:nvGrpSpPr>
+            <p:cNvPr id="11301" name="Group 37"/>
+            <p:cNvGrpSpPr>
+              <a:grpSpLocks/>
+            </p:cNvGrpSpPr>
+            <p:nvPr/>
+          </p:nvGrpSpPr>
+          <p:grpSpPr bwMode="auto">
+            <a:xfrm>
+              <a:off x="240" y="1071"/>
+              <a:ext cx="1330" cy="1310"/>
+              <a:chOff x="340" y="482"/>
+              <a:chExt cx="1905" cy="1905"/>
+            </a:xfrm>
+          </p:grpSpPr>
+          <p:sp>
+            <p:nvSpPr>
+              <p:cNvPr id="11302" name="Line 38"/>
+              <p:cNvSpPr>
+                <a:spLocks noChangeShapeType="1"/>
+              </p:cNvSpPr>
+              <p:nvPr/>
+            </p:nvSpPr>
+            <p:spPr bwMode="auto">
+              <a:xfrm>
+                <a:off x="340" y="1434"/>
+                <a:ext cx="1905" cy="0"/>
+              </a:xfrm>
+              <a:prstGeom prst="line">
+                <a:avLst/>
+              </a:prstGeom>
+              <a:noFill/>
+              <a:ln w="9525">
+                <a:solidFill>
+                  <a:schemeClr val="bg2"/>
+                </a:solidFill>
+                <a:round/>
+                <a:headEnd/>
+                <a:tailEnd type="triangle" w="med" len="med"/>
+              </a:ln>
+              <a:effectLst/>
+              <a:extLst>
+                <a:ext uri="{909E8E84-426E-40DD-AFC4-6F175D3DCCD1}">
+                  <a14:hiddenFill xmlns:a14="http://schemas.microsoft.com/office/drawing/2010/main">
+                    <a:noFill/>
+                  </a14:hiddenFill>
+                </a:ext>
+                <a:ext uri="{AF507438-7753-43E0-B8FC-AC1667EBCBE1}">
+                  <a14:hiddenEffects xmlns:a14="http://schemas.microsoft.com/office/drawing/2010/main">
+                    <a:effectLst>
+                      <a:outerShdw dist="35921" dir="2700000" algn="ctr" rotWithShape="0">
+                        <a:schemeClr val="bg2"/>
+                      </a:outerShdw>
+                    </a:effectLst>
+                  </a14:hiddenEffects>
+                </a:ext>
+              </a:extLst>
+            </p:spPr>
+            <p:txBody>
+              <a:bodyPr/>
+              <a:lstStyle/>
+              <a:p>
+                <a:endParaRPr lang="ja-JP" altLang="en-US"/>
+              </a:p>
+            </p:txBody>
+          </p:sp>
+          <p:sp>
+            <p:nvSpPr>
+              <p:cNvPr id="11303" name="Line 39"/>
+              <p:cNvSpPr>
+                <a:spLocks noChangeShapeType="1"/>
+              </p:cNvSpPr>
+              <p:nvPr/>
+            </p:nvSpPr>
+            <p:spPr bwMode="auto">
+              <a:xfrm flipH="1" flipV="1">
+                <a:off x="1292" y="482"/>
+                <a:ext cx="0" cy="1905"/>
+              </a:xfrm>
+              <a:prstGeom prst="line">
+                <a:avLst/>
+              </a:prstGeom>
+              <a:noFill/>
+              <a:ln w="9525">
+                <a:solidFill>
+                  <a:schemeClr val="bg2"/>
+                </a:solidFill>
+                <a:round/>
+                <a:headEnd/>
+                <a:tailEnd type="triangle" w="med" len="med"/>
+              </a:ln>
+              <a:effectLst/>
+              <a:extLst>
+                <a:ext uri="{909E8E84-426E-40DD-AFC4-6F175D3DCCD1}">
+                  <a14:hiddenFill xmlns:a14="http://schemas.microsoft.com/office/drawing/2010/main">
+                    <a:noFill/>
+                  </a14:hiddenFill>
+                </a:ext>
+                <a:ext uri="{AF507438-7753-43E0-B8FC-AC1667EBCBE1}">
+                  <a14:hiddenEffects xmlns:a14="http://schemas.microsoft.com/office/drawing/2010/main">
+                    <a:effectLst>
+                      <a:outerShdw dist="35921" dir="2700000" algn="ctr" rotWithShape="0">
+                        <a:schemeClr val="bg2"/>
+                      </a:outerShdw>
+                    </a:effectLst>
+                  </a14:hiddenEffects>
+                </a:ext>
+              </a:extLst>
+            </p:spPr>
+            <p:txBody>
+              <a:bodyPr/>
+              <a:lstStyle/>
+              <a:p>
+                <a:endParaRPr lang="ja-JP" altLang="en-US"/>
+              </a:p>
+            </p:txBody>
+          </p:sp>
+          <p:sp>
+            <p:nvSpPr>
+              <p:cNvPr id="11304" name="Rectangle 40"/>
+              <p:cNvSpPr>
+                <a:spLocks noChangeArrowheads="1"/>
+              </p:cNvSpPr>
+              <p:nvPr/>
+            </p:nvSpPr>
+            <p:spPr bwMode="auto">
+              <a:xfrm>
+                <a:off x="340" y="482"/>
+                <a:ext cx="1905" cy="1905"/>
+              </a:xfrm>
+              <a:prstGeom prst="rect">
+                <a:avLst/>
+              </a:prstGeom>
+              <a:noFill/>
+              <a:ln w="9525">
+                <a:solidFill>
+                  <a:schemeClr val="bg2"/>
+                </a:solidFill>
+                <a:miter lim="800000"/>
+                <a:headEnd/>
+                <a:tailEnd/>
+              </a:ln>
+              <a:effectLst/>
+              <a:extLst>
+                <a:ext uri="{909E8E84-426E-40DD-AFC4-6F175D3DCCD1}">
+                  <a14:hiddenFill xmlns:a14="http://schemas.microsoft.com/office/drawing/2010/main">
+                    <a:solidFill>
+                      <a:schemeClr val="accent1"/>
+                    </a:solidFill>
+                  </a14:hiddenFill>
+                </a:ext>
+                <a:ext uri="{AF507438-7753-43E0-B8FC-AC1667EBCBE1}">
+                  <a14:hiddenEffects xmlns:a14="http://schemas.microsoft.com/office/drawing/2010/main">
+                    <a:effectLst>
+                      <a:outerShdw dist="35921" dir="2700000" algn="ctr" rotWithShape="0">
+                        <a:schemeClr val="bg2"/>
+                      </a:outerShdw>
+                    </a:effectLst>
+                  </a14:hiddenEffects>
+                </a:ext>
+              </a:extLst>
+            </p:spPr>
+            <p:txBody>
+              <a:bodyPr wrap="none" anchor="ctr"/>
+              <a:lstStyle/>
+              <a:p>
+                <a:endParaRPr lang="ja-JP" altLang="en-US"/>
+              </a:p>
+            </p:txBody>
+          </p:sp>
+        </p:grpSp>
+        <p:grpSp>
+          <p:nvGrpSpPr>
+            <p:cNvPr id="11309" name="Group 45"/>
+            <p:cNvGrpSpPr>
+              <a:grpSpLocks/>
+            </p:cNvGrpSpPr>
+            <p:nvPr/>
+          </p:nvGrpSpPr>
+          <p:grpSpPr bwMode="auto">
+            <a:xfrm>
+              <a:off x="514" y="1225"/>
+              <a:ext cx="549" cy="886"/>
+              <a:chOff x="2608" y="1887"/>
+              <a:chExt cx="636" cy="1044"/>
+            </a:xfrm>
+          </p:grpSpPr>
+          <p:sp>
+            <p:nvSpPr>
+              <p:cNvPr id="11310" name="Oval 46"/>
+              <p:cNvSpPr>
+                <a:spLocks noChangeArrowheads="1"/>
+              </p:cNvSpPr>
+              <p:nvPr/>
+            </p:nvSpPr>
+            <p:spPr bwMode="auto">
+              <a:xfrm>
+                <a:off x="3016" y="1933"/>
+                <a:ext cx="46" cy="46"/>
+              </a:xfrm>
+              <a:prstGeom prst="ellipse">
+                <a:avLst/>
+              </a:prstGeom>
+              <a:solidFill>
+                <a:srgbClr val="000099"/>
+              </a:solidFill>
+              <a:ln w="9525">
+                <a:solidFill>
+                  <a:schemeClr val="tx1"/>
+                </a:solidFill>
+                <a:round/>
+                <a:headEnd/>
+                <a:tailEnd/>
+              </a:ln>
+              <a:effectLst/>
+              <a:extLst>
+                <a:ext uri="{AF507438-7753-43E0-B8FC-AC1667EBCBE1}">
+                  <a14:hiddenEffects xmlns:a14="http://schemas.microsoft.com/office/drawing/2010/main">
+                    <a:effectLst>
+                      <a:outerShdw dist="35921" dir="2700000" algn="ctr" rotWithShape="0">
+                        <a:schemeClr val="bg2"/>
+                      </a:outerShdw>
+                    </a:effectLst>
+                  </a14:hiddenEffects>
+                </a:ext>
+              </a:extLst>
+            </p:spPr>
+            <p:txBody>
+              <a:bodyPr wrap="none" anchor="ctr"/>
+              <a:lstStyle/>
+              <a:p>
+                <a:endParaRPr lang="ja-JP" altLang="en-US"/>
+              </a:p>
+            </p:txBody>
+          </p:sp>
+          <p:sp>
+            <p:nvSpPr>
+              <p:cNvPr id="11311" name="Oval 47"/>
+              <p:cNvSpPr>
+                <a:spLocks noChangeArrowheads="1"/>
+              </p:cNvSpPr>
+              <p:nvPr/>
+            </p:nvSpPr>
+            <p:spPr bwMode="auto">
+              <a:xfrm>
+                <a:off x="2698" y="2885"/>
+                <a:ext cx="46" cy="46"/>
+              </a:xfrm>
+              <a:prstGeom prst="ellipse">
+                <a:avLst/>
+              </a:prstGeom>
+              <a:solidFill>
+                <a:srgbClr val="000099"/>
+              </a:solidFill>
+              <a:ln w="9525">
+                <a:solidFill>
+                  <a:schemeClr val="tx1"/>
+                </a:solidFill>
+                <a:round/>
+                <a:headEnd/>
+                <a:tailEnd/>
+              </a:ln>
+              <a:effectLst/>
+              <a:extLst>
+                <a:ext uri="{AF507438-7753-43E0-B8FC-AC1667EBCBE1}">
+                  <a14:hiddenEffects xmlns:a14="http://schemas.microsoft.com/office/drawing/2010/main">
+                    <a:effectLst>
+                      <a:outerShdw dist="35921" dir="2700000" algn="ctr" rotWithShape="0">
+                        <a:schemeClr val="bg2"/>
+                      </a:outerShdw>
+                    </a:effectLst>
+                  </a14:hiddenEffects>
+                </a:ext>
+              </a:extLst>
+            </p:spPr>
+            <p:txBody>
+              <a:bodyPr wrap="none" anchor="ctr"/>
+              <a:lstStyle/>
+              <a:p>
+                <a:endParaRPr lang="ja-JP" altLang="en-US"/>
+              </a:p>
+            </p:txBody>
+          </p:sp>
+          <p:sp>
+            <p:nvSpPr>
+              <p:cNvPr id="11312" name="Oval 48"/>
+              <p:cNvSpPr>
+                <a:spLocks noChangeArrowheads="1"/>
+              </p:cNvSpPr>
+              <p:nvPr/>
+            </p:nvSpPr>
+            <p:spPr bwMode="auto">
+              <a:xfrm>
+                <a:off x="3198" y="2794"/>
+                <a:ext cx="46" cy="46"/>
+              </a:xfrm>
+              <a:prstGeom prst="ellipse">
+                <a:avLst/>
+              </a:prstGeom>
+              <a:solidFill>
+                <a:srgbClr val="000099"/>
+              </a:solidFill>
+              <a:ln w="9525">
+                <a:solidFill>
+                  <a:schemeClr val="tx1"/>
+                </a:solidFill>
+                <a:round/>
+                <a:headEnd/>
+                <a:tailEnd/>
+              </a:ln>
+              <a:effectLst/>
+              <a:extLst>
+                <a:ext uri="{AF507438-7753-43E0-B8FC-AC1667EBCBE1}">
+                  <a14:hiddenEffects xmlns:a14="http://schemas.microsoft.com/office/drawing/2010/main">
+                    <a:effectLst>
+                      <a:outerShdw dist="35921" dir="2700000" algn="ctr" rotWithShape="0">
+                        <a:schemeClr val="bg2"/>
+                      </a:outerShdw>
+                    </a:effectLst>
+                  </a14:hiddenEffects>
+                </a:ext>
+              </a:extLst>
+            </p:spPr>
+            <p:txBody>
+              <a:bodyPr wrap="none" anchor="ctr"/>
+              <a:lstStyle/>
+              <a:p>
+                <a:endParaRPr lang="ja-JP" altLang="en-US"/>
+              </a:p>
+            </p:txBody>
+          </p:sp>
+          <p:sp>
+            <p:nvSpPr>
+              <p:cNvPr id="11313" name="Oval 49"/>
+              <p:cNvSpPr>
+                <a:spLocks noChangeArrowheads="1"/>
+              </p:cNvSpPr>
+              <p:nvPr/>
+            </p:nvSpPr>
+            <p:spPr bwMode="auto">
+              <a:xfrm>
+                <a:off x="2608" y="1887"/>
+                <a:ext cx="46" cy="46"/>
+              </a:xfrm>
+              <a:prstGeom prst="ellipse">
+                <a:avLst/>
+              </a:prstGeom>
+              <a:solidFill>
+                <a:srgbClr val="000099"/>
+              </a:solidFill>
+              <a:ln w="9525">
+                <a:solidFill>
+                  <a:schemeClr val="tx1"/>
+                </a:solidFill>
+                <a:round/>
+                <a:headEnd/>
+                <a:tailEnd/>
+              </a:ln>
+              <a:effectLst/>
+              <a:extLst>
+                <a:ext uri="{AF507438-7753-43E0-B8FC-AC1667EBCBE1}">
+                  <a14:hiddenEffects xmlns:a14="http://schemas.microsoft.com/office/drawing/2010/main">
+                    <a:effectLst>
+                      <a:outerShdw dist="35921" dir="2700000" algn="ctr" rotWithShape="0">
+                        <a:schemeClr val="bg2"/>
+                      </a:outerShdw>
+                    </a:effectLst>
+                  </a14:hiddenEffects>
+                </a:ext>
+              </a:extLst>
+            </p:spPr>
+            <p:txBody>
+              <a:bodyPr wrap="none" anchor="ctr"/>
+              <a:lstStyle/>
+              <a:p>
+                <a:endParaRPr lang="ja-JP" altLang="en-US"/>
+              </a:p>
+            </p:txBody>
+          </p:sp>
+          <p:sp>
+            <p:nvSpPr>
+              <p:cNvPr id="11314" name="Oval 50"/>
+              <p:cNvSpPr>
+                <a:spLocks noChangeArrowheads="1"/>
+              </p:cNvSpPr>
+              <p:nvPr/>
+            </p:nvSpPr>
+            <p:spPr bwMode="auto">
+              <a:xfrm>
+                <a:off x="2789" y="2432"/>
+                <a:ext cx="46" cy="46"/>
+              </a:xfrm>
+              <a:prstGeom prst="ellipse">
+                <a:avLst/>
+              </a:prstGeom>
+              <a:solidFill>
+                <a:srgbClr val="000099"/>
+              </a:solidFill>
+              <a:ln w="9525">
+                <a:solidFill>
+                  <a:schemeClr val="tx1"/>
+                </a:solidFill>
+                <a:round/>
+                <a:headEnd/>
+                <a:tailEnd/>
+              </a:ln>
+              <a:effectLst/>
+              <a:extLst>
+                <a:ext uri="{AF507438-7753-43E0-B8FC-AC1667EBCBE1}">
+                  <a14:hiddenEffects xmlns:a14="http://schemas.microsoft.com/office/drawing/2010/main">
+                    <a:effectLst>
+                      <a:outerShdw dist="35921" dir="2700000" algn="ctr" rotWithShape="0">
+                        <a:schemeClr val="bg2"/>
+                      </a:outerShdw>
+                    </a:effectLst>
+                  </a14:hiddenEffects>
+                </a:ext>
+              </a:extLst>
+            </p:spPr>
+            <p:txBody>
+              <a:bodyPr wrap="none" anchor="ctr"/>
+              <a:lstStyle/>
+              <a:p>
+                <a:endParaRPr lang="ja-JP" altLang="en-US"/>
+              </a:p>
+            </p:txBody>
+          </p:sp>
+          <p:sp>
+            <p:nvSpPr>
+              <p:cNvPr id="11315" name="Oval 51"/>
+              <p:cNvSpPr>
+                <a:spLocks noChangeArrowheads="1"/>
+              </p:cNvSpPr>
+              <p:nvPr/>
+            </p:nvSpPr>
+            <p:spPr bwMode="auto">
+              <a:xfrm>
+                <a:off x="2880" y="2386"/>
+                <a:ext cx="46" cy="46"/>
+              </a:xfrm>
+              <a:prstGeom prst="ellipse">
+                <a:avLst/>
+              </a:prstGeom>
+              <a:solidFill>
+                <a:srgbClr val="000099"/>
+              </a:solidFill>
+              <a:ln w="9525">
+                <a:solidFill>
+                  <a:schemeClr val="tx1"/>
+                </a:solidFill>
+                <a:round/>
+                <a:headEnd/>
+                <a:tailEnd/>
+              </a:ln>
+              <a:effectLst/>
+              <a:extLst>
+                <a:ext uri="{AF507438-7753-43E0-B8FC-AC1667EBCBE1}">
+                  <a14:hiddenEffects xmlns:a14="http://schemas.microsoft.com/office/drawing/2010/main">
+                    <a:effectLst>
+                      <a:outerShdw dist="35921" dir="2700000" algn="ctr" rotWithShape="0">
+                        <a:schemeClr val="bg2"/>
+                      </a:outerShdw>
+                    </a:effectLst>
+                  </a14:hiddenEffects>
+                </a:ext>
+              </a:extLst>
+            </p:spPr>
+            <p:txBody>
+              <a:bodyPr wrap="none" anchor="ctr"/>
+              <a:lstStyle/>
+              <a:p>
+                <a:endParaRPr lang="ja-JP" altLang="en-US"/>
+              </a:p>
+            </p:txBody>
+          </p:sp>
+          <p:sp>
+            <p:nvSpPr>
+              <p:cNvPr id="11316" name="Oval 52"/>
+              <p:cNvSpPr>
+                <a:spLocks noChangeArrowheads="1"/>
+              </p:cNvSpPr>
+              <p:nvPr/>
+            </p:nvSpPr>
+            <p:spPr bwMode="auto">
+              <a:xfrm>
+                <a:off x="2925" y="2341"/>
+                <a:ext cx="46" cy="46"/>
+              </a:xfrm>
+              <a:prstGeom prst="ellipse">
+                <a:avLst/>
+              </a:prstGeom>
+              <a:solidFill>
+                <a:srgbClr val="000099"/>
+              </a:solidFill>
+              <a:ln w="9525">
+                <a:solidFill>
+                  <a:schemeClr val="tx1"/>
+                </a:solidFill>
+                <a:round/>
+                <a:headEnd/>
+                <a:tailEnd/>
+              </a:ln>
+              <a:effectLst/>
+              <a:extLst>
+                <a:ext uri="{AF507438-7753-43E0-B8FC-AC1667EBCBE1}">
+                  <a14:hiddenEffects xmlns:a14="http://schemas.microsoft.com/office/drawing/2010/main">
+                    <a:effectLst>
+                      <a:outerShdw dist="35921" dir="2700000" algn="ctr" rotWithShape="0">
+                        <a:schemeClr val="bg2"/>
+                      </a:outerShdw>
+                    </a:effectLst>
+                  </a14:hiddenEffects>
+                </a:ext>
+              </a:extLst>
+            </p:spPr>
+            <p:txBody>
+              <a:bodyPr wrap="none" anchor="ctr"/>
+              <a:lstStyle/>
+              <a:p>
+                <a:endParaRPr lang="ja-JP" altLang="en-US"/>
+              </a:p>
+            </p:txBody>
+          </p:sp>
+        </p:grpSp>
+        <p:grpSp>
+          <p:nvGrpSpPr>
+            <p:cNvPr id="11317" name="Group 53"/>
+            <p:cNvGrpSpPr>
+              <a:grpSpLocks/>
+            </p:cNvGrpSpPr>
+            <p:nvPr/>
+          </p:nvGrpSpPr>
+          <p:grpSpPr bwMode="auto">
+            <a:xfrm>
+              <a:off x="787" y="1379"/>
+              <a:ext cx="548" cy="887"/>
+              <a:chOff x="2608" y="1887"/>
+              <a:chExt cx="636" cy="1044"/>
+            </a:xfrm>
+          </p:grpSpPr>
+          <p:sp>
+            <p:nvSpPr>
+              <p:cNvPr id="11318" name="Oval 54"/>
+              <p:cNvSpPr>
+                <a:spLocks noChangeArrowheads="1"/>
+              </p:cNvSpPr>
+              <p:nvPr/>
+            </p:nvSpPr>
+            <p:spPr bwMode="auto">
+              <a:xfrm>
+                <a:off x="3016" y="1933"/>
+                <a:ext cx="46" cy="46"/>
+              </a:xfrm>
+              <a:prstGeom prst="ellipse">
+                <a:avLst/>
+              </a:prstGeom>
+              <a:solidFill>
+                <a:srgbClr val="FF3399"/>
+              </a:solidFill>
+              <a:ln w="9525">
+                <a:solidFill>
+                  <a:schemeClr val="tx1"/>
+                </a:solidFill>
+                <a:round/>
+                <a:headEnd/>
+                <a:tailEnd/>
+              </a:ln>
+              <a:effectLst/>
+              <a:extLst>
+                <a:ext uri="{AF507438-7753-43E0-B8FC-AC1667EBCBE1}">
+                  <a14:hiddenEffects xmlns:a14="http://schemas.microsoft.com/office/drawing/2010/main">
+                    <a:effectLst>
+                      <a:outerShdw dist="35921" dir="2700000" algn="ctr" rotWithShape="0">
+                        <a:schemeClr val="bg2"/>
+                      </a:outerShdw>
+                    </a:effectLst>
+                  </a14:hiddenEffects>
+                </a:ext>
+              </a:extLst>
+            </p:spPr>
+            <p:txBody>
+              <a:bodyPr wrap="none" anchor="ctr"/>
+              <a:lstStyle/>
+              <a:p>
+                <a:endParaRPr lang="ja-JP" altLang="en-US"/>
+              </a:p>
+            </p:txBody>
+          </p:sp>
+          <p:sp>
+            <p:nvSpPr>
+              <p:cNvPr id="11319" name="Oval 55"/>
+              <p:cNvSpPr>
+                <a:spLocks noChangeArrowheads="1"/>
+              </p:cNvSpPr>
+              <p:nvPr/>
+            </p:nvSpPr>
+            <p:spPr bwMode="auto">
+              <a:xfrm>
+                <a:off x="2698" y="2885"/>
+                <a:ext cx="46" cy="46"/>
+              </a:xfrm>
+              <a:prstGeom prst="ellipse">
+                <a:avLst/>
+              </a:prstGeom>
+              <a:solidFill>
+                <a:srgbClr val="FF3399"/>
+              </a:solidFill>
+              <a:ln w="9525">
+                <a:solidFill>
+                  <a:schemeClr val="tx1"/>
+                </a:solidFill>
+                <a:round/>
+                <a:headEnd/>
+                <a:tailEnd/>
+              </a:ln>
+              <a:effectLst/>
+              <a:extLst>
+                <a:ext uri="{AF507438-7753-43E0-B8FC-AC1667EBCBE1}">
+                  <a14:hiddenEffects xmlns:a14="http://schemas.microsoft.com/office/drawing/2010/main">
+                    <a:effectLst>
+                      <a:outerShdw dist="35921" dir="2700000" algn="ctr" rotWithShape="0">
+                        <a:schemeClr val="bg2"/>
+                      </a:outerShdw>
+                    </a:effectLst>
+                  </a14:hiddenEffects>
+                </a:ext>
+              </a:extLst>
+            </p:spPr>
+            <p:txBody>
+              <a:bodyPr wrap="none" anchor="ctr"/>
+              <a:lstStyle/>
+              <a:p>
+                <a:endParaRPr lang="ja-JP" altLang="en-US"/>
+              </a:p>
+            </p:txBody>
+          </p:sp>
+          <p:sp>
+            <p:nvSpPr>
+              <p:cNvPr id="11320" name="Oval 56"/>
+              <p:cNvSpPr>
+                <a:spLocks noChangeArrowheads="1"/>
+              </p:cNvSpPr>
+              <p:nvPr/>
+            </p:nvSpPr>
+            <p:spPr bwMode="auto">
+              <a:xfrm>
+                <a:off x="3198" y="2794"/>
+                <a:ext cx="46" cy="46"/>
+              </a:xfrm>
+              <a:prstGeom prst="ellipse">
+                <a:avLst/>
+              </a:prstGeom>
+              <a:solidFill>
+                <a:srgbClr val="FF3399"/>
+              </a:solidFill>
+              <a:ln w="9525">
+                <a:solidFill>
+                  <a:schemeClr val="tx1"/>
+                </a:solidFill>
+                <a:round/>
+                <a:headEnd/>
+                <a:tailEnd/>
+              </a:ln>
+              <a:effectLst/>
+              <a:extLst>
+                <a:ext uri="{AF507438-7753-43E0-B8FC-AC1667EBCBE1}">
+                  <a14:hiddenEffects xmlns:a14="http://schemas.microsoft.com/office/drawing/2010/main">
+                    <a:effectLst>
+                      <a:outerShdw dist="35921" dir="2700000" algn="ctr" rotWithShape="0">
+                        <a:schemeClr val="bg2"/>
+                      </a:outerShdw>
+                    </a:effectLst>
+                  </a14:hiddenEffects>
+                </a:ext>
+              </a:extLst>
+            </p:spPr>
+            <p:txBody>
+              <a:bodyPr wrap="none" anchor="ctr"/>
+              <a:lstStyle/>
+              <a:p>
+                <a:endParaRPr lang="ja-JP" altLang="en-US"/>
+              </a:p>
+            </p:txBody>
+          </p:sp>
+          <p:sp>
+            <p:nvSpPr>
+              <p:cNvPr id="11321" name="Oval 57"/>
+              <p:cNvSpPr>
+                <a:spLocks noChangeArrowheads="1"/>
+              </p:cNvSpPr>
+              <p:nvPr/>
+            </p:nvSpPr>
+            <p:spPr bwMode="auto">
+              <a:xfrm>
+                <a:off x="2608" y="1887"/>
+                <a:ext cx="46" cy="46"/>
+              </a:xfrm>
+              <a:prstGeom prst="ellipse">
+                <a:avLst/>
+              </a:prstGeom>
+              <a:solidFill>
+                <a:srgbClr val="FF3399"/>
+              </a:solidFill>
+              <a:ln w="9525">
+                <a:solidFill>
+                  <a:schemeClr val="tx1"/>
+                </a:solidFill>
+                <a:round/>
+                <a:headEnd/>
+                <a:tailEnd/>
+              </a:ln>
+              <a:effectLst/>
+              <a:extLst>
+                <a:ext uri="{AF507438-7753-43E0-B8FC-AC1667EBCBE1}">
+                  <a14:hiddenEffects xmlns:a14="http://schemas.microsoft.com/office/drawing/2010/main">
+                    <a:effectLst>
+                      <a:outerShdw dist="35921" dir="2700000" algn="ctr" rotWithShape="0">
+                        <a:schemeClr val="bg2"/>
+                      </a:outerShdw>
+                    </a:effectLst>
+                  </a14:hiddenEffects>
+                </a:ext>
+              </a:extLst>
+            </p:spPr>
+            <p:txBody>
+              <a:bodyPr wrap="none" anchor="ctr"/>
+              <a:lstStyle/>
+              <a:p>
+                <a:endParaRPr lang="ja-JP" altLang="en-US"/>
+              </a:p>
+            </p:txBody>
+          </p:sp>
+          <p:sp>
+            <p:nvSpPr>
+              <p:cNvPr id="11322" name="Oval 58"/>
+              <p:cNvSpPr>
+                <a:spLocks noChangeArrowheads="1"/>
+              </p:cNvSpPr>
+              <p:nvPr/>
+            </p:nvSpPr>
+            <p:spPr bwMode="auto">
+              <a:xfrm>
+                <a:off x="2789" y="2432"/>
+                <a:ext cx="46" cy="46"/>
+              </a:xfrm>
+              <a:prstGeom prst="ellipse">
+                <a:avLst/>
+              </a:prstGeom>
+              <a:solidFill>
+                <a:srgbClr val="FF3399"/>
+              </a:solidFill>
+              <a:ln w="9525">
+                <a:solidFill>
+                  <a:schemeClr val="tx1"/>
+                </a:solidFill>
+                <a:round/>
+                <a:headEnd/>
+                <a:tailEnd/>
+              </a:ln>
+              <a:effectLst/>
+              <a:extLst>
+                <a:ext uri="{AF507438-7753-43E0-B8FC-AC1667EBCBE1}">
+                  <a14:hiddenEffects xmlns:a14="http://schemas.microsoft.com/office/drawing/2010/main">
+                    <a:effectLst>
+                      <a:outerShdw dist="35921" dir="2700000" algn="ctr" rotWithShape="0">
+                        <a:schemeClr val="bg2"/>
+                      </a:outerShdw>
+                    </a:effectLst>
+                  </a14:hiddenEffects>
+                </a:ext>
+              </a:extLst>
+            </p:spPr>
+            <p:txBody>
+              <a:bodyPr wrap="none" anchor="ctr"/>
+              <a:lstStyle/>
+              <a:p>
+                <a:endParaRPr lang="ja-JP" altLang="en-US"/>
+              </a:p>
+            </p:txBody>
+          </p:sp>
+          <p:sp>
+            <p:nvSpPr>
+              <p:cNvPr id="11323" name="Oval 59"/>
+              <p:cNvSpPr>
+                <a:spLocks noChangeArrowheads="1"/>
+              </p:cNvSpPr>
+              <p:nvPr/>
+            </p:nvSpPr>
+            <p:spPr bwMode="auto">
+              <a:xfrm>
+                <a:off x="2880" y="2386"/>
+                <a:ext cx="46" cy="46"/>
+              </a:xfrm>
+              <a:prstGeom prst="ellipse">
+                <a:avLst/>
+              </a:prstGeom>
+              <a:solidFill>
+                <a:srgbClr val="FF3399"/>
+              </a:solidFill>
+              <a:ln w="9525">
+                <a:solidFill>
+                  <a:schemeClr val="tx1"/>
+                </a:solidFill>
+                <a:round/>
+                <a:headEnd/>
+                <a:tailEnd/>
+              </a:ln>
+              <a:effectLst/>
+              <a:extLst>
+                <a:ext uri="{AF507438-7753-43E0-B8FC-AC1667EBCBE1}">
+                  <a14:hiddenEffects xmlns:a14="http://schemas.microsoft.com/office/drawing/2010/main">
+                    <a:effectLst>
+                      <a:outerShdw dist="35921" dir="2700000" algn="ctr" rotWithShape="0">
+                        <a:schemeClr val="bg2"/>
+                      </a:outerShdw>
+                    </a:effectLst>
+                  </a14:hiddenEffects>
+                </a:ext>
+              </a:extLst>
+            </p:spPr>
+            <p:txBody>
+              <a:bodyPr wrap="none" anchor="ctr"/>
+              <a:lstStyle/>
+              <a:p>
+                <a:endParaRPr lang="ja-JP" altLang="en-US"/>
+              </a:p>
+            </p:txBody>
+          </p:sp>
+          <p:sp>
+            <p:nvSpPr>
+              <p:cNvPr id="11324" name="Oval 60"/>
+              <p:cNvSpPr>
+                <a:spLocks noChangeArrowheads="1"/>
+              </p:cNvSpPr>
+              <p:nvPr/>
+            </p:nvSpPr>
+            <p:spPr bwMode="auto">
+              <a:xfrm>
+                <a:off x="2925" y="2341"/>
+                <a:ext cx="46" cy="46"/>
+              </a:xfrm>
+              <a:prstGeom prst="ellipse">
+                <a:avLst/>
+              </a:prstGeom>
+              <a:solidFill>
+                <a:srgbClr val="FF3399"/>
+              </a:solidFill>
+              <a:ln w="9525">
+                <a:solidFill>
+                  <a:schemeClr val="tx1"/>
+                </a:solidFill>
+                <a:round/>
+                <a:headEnd/>
+                <a:tailEnd/>
+              </a:ln>
+              <a:effectLst/>
+              <a:extLst>
+                <a:ext uri="{AF507438-7753-43E0-B8FC-AC1667EBCBE1}">
+                  <a14:hiddenEffects xmlns:a14="http://schemas.microsoft.com/office/drawing/2010/main">
+                    <a:effectLst>
+                      <a:outerShdw dist="35921" dir="2700000" algn="ctr" rotWithShape="0">
+                        <a:schemeClr val="bg2"/>
+                      </a:outerShdw>
+                    </a:effectLst>
+                  </a14:hiddenEffects>
+                </a:ext>
+              </a:extLst>
+            </p:spPr>
+            <p:txBody>
+              <a:bodyPr wrap="none" anchor="ctr"/>
+              <a:lstStyle/>
+              <a:p>
+                <a:endParaRPr lang="ja-JP" altLang="en-US"/>
+              </a:p>
+            </p:txBody>
+          </p:sp>
+        </p:grpSp>
+        <p:sp>
+          <p:nvSpPr>
+            <p:cNvPr id="11326" name="Line 62"/>
+            <p:cNvSpPr>
+              <a:spLocks noChangeShapeType="1"/>
+            </p:cNvSpPr>
+            <p:nvPr/>
+          </p:nvSpPr>
+          <p:spPr bwMode="auto">
+            <a:xfrm>
+              <a:off x="605" y="2082"/>
+              <a:ext cx="292" cy="169"/>
+            </a:xfrm>
+            <a:prstGeom prst="line">
+              <a:avLst/>
+            </a:prstGeom>
+            <a:noFill/>
+            <a:ln w="9525">
+              <a:solidFill>
+                <a:schemeClr val="tx1"/>
+              </a:solidFill>
+              <a:round/>
+              <a:headEnd/>
+              <a:tailEnd type="triangle" w="med" len="med"/>
+            </a:ln>
+            <a:effectLst/>
+            <a:extLst>
+              <a:ext uri="{909E8E84-426E-40DD-AFC4-6F175D3DCCD1}">
+                <a14:hiddenFill xmlns:a14="http://schemas.microsoft.com/office/drawing/2010/main">
+                  <a:noFill/>
+                </a14:hiddenFill>
+              </a:ext>
+              <a:ext uri="{AF507438-7753-43E0-B8FC-AC1667EBCBE1}">
+                <a14:hiddenEffects xmlns:a14="http://schemas.microsoft.com/office/drawing/2010/main">
+                  <a:effectLst>
+                    <a:outerShdw dist="35921" dir="2700000" algn="ctr" rotWithShape="0">
+                      <a:schemeClr val="bg2"/>
+                    </a:outerShdw>
+                  </a:effectLst>
+                </a14:hiddenEffects>
+              </a:ext>
+            </a:extLst>
+          </p:spPr>
+          <p:txBody>
+            <a:bodyPr/>
+            <a:lstStyle/>
+            <a:p>
+              <a:endParaRPr lang="ja-JP" altLang="en-US"/>
+            </a:p>
+          </p:txBody>
+        </p:sp>
+        <p:sp>
+          <p:nvSpPr>
+            <p:cNvPr id="11327" name="Line 63"/>
+            <p:cNvSpPr>
+              <a:spLocks noChangeShapeType="1"/>
+            </p:cNvSpPr>
+            <p:nvPr/>
+          </p:nvSpPr>
+          <p:spPr bwMode="auto">
+            <a:xfrm>
+              <a:off x="605" y="2082"/>
+              <a:ext cx="726" cy="91"/>
+            </a:xfrm>
+            <a:prstGeom prst="line">
+              <a:avLst/>
+            </a:prstGeom>
+            <a:noFill/>
+            <a:ln w="9525">
+              <a:solidFill>
+                <a:schemeClr val="tx1"/>
+              </a:solidFill>
+              <a:round/>
+              <a:headEnd/>
+              <a:tailEnd type="triangle" w="med" len="med"/>
+            </a:ln>
+            <a:effectLst/>
+            <a:extLst>
+              <a:ext uri="{909E8E84-426E-40DD-AFC4-6F175D3DCCD1}">
+                <a14:hiddenFill xmlns:a14="http://schemas.microsoft.com/office/drawing/2010/main">
+                  <a:noFill/>
+                </a14:hiddenFill>
+              </a:ext>
+              <a:ext uri="{AF507438-7753-43E0-B8FC-AC1667EBCBE1}">
+                <a14:hiddenEffects xmlns:a14="http://schemas.microsoft.com/office/drawing/2010/main">
+                  <a:effectLst>
+                    <a:outerShdw dist="35921" dir="2700000" algn="ctr" rotWithShape="0">
+                      <a:schemeClr val="bg2"/>
+                    </a:outerShdw>
+                  </a:effectLst>
+                </a14:hiddenEffects>
+              </a:ext>
+            </a:extLst>
+          </p:spPr>
+          <p:txBody>
+            <a:bodyPr/>
+            <a:lstStyle/>
+            <a:p>
+              <a:endParaRPr lang="ja-JP" altLang="en-US"/>
+            </a:p>
+          </p:txBody>
+        </p:sp>
+        <p:sp>
+          <p:nvSpPr>
+            <p:cNvPr id="11328" name="Line 64"/>
+            <p:cNvSpPr>
+              <a:spLocks noChangeShapeType="1"/>
+            </p:cNvSpPr>
+            <p:nvPr/>
+          </p:nvSpPr>
+          <p:spPr bwMode="auto">
+            <a:xfrm flipV="1">
+              <a:off x="605" y="1856"/>
+              <a:ext cx="363" cy="226"/>
+            </a:xfrm>
+            <a:prstGeom prst="line">
+              <a:avLst/>
+            </a:prstGeom>
+            <a:noFill/>
+            <a:ln w="9525">
+              <a:solidFill>
+                <a:schemeClr val="tx1"/>
+              </a:solidFill>
+              <a:round/>
+              <a:headEnd/>
+              <a:tailEnd type="triangle" w="med" len="med"/>
+            </a:ln>
+            <a:effectLst/>
+            <a:extLst>
+              <a:ext uri="{909E8E84-426E-40DD-AFC4-6F175D3DCCD1}">
+                <a14:hiddenFill xmlns:a14="http://schemas.microsoft.com/office/drawing/2010/main">
+                  <a:noFill/>
+                </a14:hiddenFill>
+              </a:ext>
+              <a:ext uri="{AF507438-7753-43E0-B8FC-AC1667EBCBE1}">
+                <a14:hiddenEffects xmlns:a14="http://schemas.microsoft.com/office/drawing/2010/main">
+                  <a:effectLst>
+                    <a:outerShdw dist="35921" dir="2700000" algn="ctr" rotWithShape="0">
+                      <a:schemeClr val="bg2"/>
+                    </a:outerShdw>
+                  </a:effectLst>
+                </a14:hiddenEffects>
+              </a:ext>
+            </a:extLst>
+          </p:spPr>
+          <p:txBody>
+            <a:bodyPr/>
+            <a:lstStyle/>
+            <a:p>
+              <a:endParaRPr lang="ja-JP" altLang="en-US"/>
+            </a:p>
+          </p:txBody>
+        </p:sp>
+        <p:sp>
+          <p:nvSpPr>
+            <p:cNvPr id="11329" name="Line 65"/>
+            <p:cNvSpPr>
+              <a:spLocks noChangeShapeType="1"/>
+            </p:cNvSpPr>
+            <p:nvPr/>
+          </p:nvSpPr>
+          <p:spPr bwMode="auto">
+            <a:xfrm flipV="1">
+              <a:off x="605" y="1765"/>
+              <a:ext cx="499" cy="317"/>
+            </a:xfrm>
+            <a:prstGeom prst="line">
+              <a:avLst/>
+            </a:prstGeom>
+            <a:noFill/>
+            <a:ln w="9525">
+              <a:solidFill>
+                <a:schemeClr val="tx1"/>
+              </a:solidFill>
+              <a:round/>
+              <a:headEnd/>
+              <a:tailEnd type="triangle" w="med" len="med"/>
+            </a:ln>
+            <a:effectLst/>
+            <a:extLst>
+              <a:ext uri="{909E8E84-426E-40DD-AFC4-6F175D3DCCD1}">
+                <a14:hiddenFill xmlns:a14="http://schemas.microsoft.com/office/drawing/2010/main">
+                  <a:noFill/>
+                </a14:hiddenFill>
+              </a:ext>
+              <a:ext uri="{AF507438-7753-43E0-B8FC-AC1667EBCBE1}">
+                <a14:hiddenEffects xmlns:a14="http://schemas.microsoft.com/office/drawing/2010/main">
+                  <a:effectLst>
+                    <a:outerShdw dist="35921" dir="2700000" algn="ctr" rotWithShape="0">
+                      <a:schemeClr val="bg2"/>
+                    </a:outerShdw>
+                  </a:effectLst>
+                </a14:hiddenEffects>
+              </a:ext>
+            </a:extLst>
+          </p:spPr>
+          <p:txBody>
+            <a:bodyPr/>
+            <a:lstStyle/>
+            <a:p>
+              <a:endParaRPr lang="ja-JP" altLang="en-US"/>
+            </a:p>
+          </p:txBody>
+        </p:sp>
+        <p:sp>
+          <p:nvSpPr>
+            <p:cNvPr id="11331" name="Line 67"/>
+            <p:cNvSpPr>
+              <a:spLocks noChangeShapeType="1"/>
+            </p:cNvSpPr>
+            <p:nvPr/>
+          </p:nvSpPr>
+          <p:spPr bwMode="auto">
+            <a:xfrm flipV="1">
+              <a:off x="605" y="1393"/>
+              <a:ext cx="198" cy="689"/>
+            </a:xfrm>
+            <a:prstGeom prst="line">
+              <a:avLst/>
+            </a:prstGeom>
+            <a:noFill/>
+            <a:ln w="9525">
+              <a:solidFill>
+                <a:schemeClr val="tx1"/>
+              </a:solidFill>
+              <a:round/>
+              <a:headEnd/>
+              <a:tailEnd type="triangle" w="med" len="med"/>
+            </a:ln>
+            <a:effectLst/>
+            <a:extLst>
+              <a:ext uri="{909E8E84-426E-40DD-AFC4-6F175D3DCCD1}">
+                <a14:hiddenFill xmlns:a14="http://schemas.microsoft.com/office/drawing/2010/main">
+                  <a:noFill/>
+                </a14:hiddenFill>
+              </a:ext>
+              <a:ext uri="{AF507438-7753-43E0-B8FC-AC1667EBCBE1}">
+                <a14:hiddenEffects xmlns:a14="http://schemas.microsoft.com/office/drawing/2010/main">
+                  <a:effectLst>
+                    <a:outerShdw dist="35921" dir="2700000" algn="ctr" rotWithShape="0">
+                      <a:schemeClr val="bg2"/>
+                    </a:outerShdw>
+                  </a:effectLst>
+                </a14:hiddenEffects>
+              </a:ext>
+            </a:extLst>
+          </p:spPr>
+          <p:txBody>
+            <a:bodyPr/>
+            <a:lstStyle/>
+            <a:p>
+              <a:endParaRPr lang="ja-JP" altLang="en-US"/>
+            </a:p>
+          </p:txBody>
+        </p:sp>
+        <p:sp>
+          <p:nvSpPr>
+            <p:cNvPr id="11399" name="Line 135"/>
+            <p:cNvSpPr>
+              <a:spLocks noChangeShapeType="1"/>
+            </p:cNvSpPr>
+            <p:nvPr/>
+          </p:nvSpPr>
+          <p:spPr bwMode="auto">
+            <a:xfrm flipV="1">
+              <a:off x="605" y="1433"/>
+              <a:ext cx="546" cy="649"/>
+            </a:xfrm>
+            <a:prstGeom prst="line">
+              <a:avLst/>
+            </a:prstGeom>
+            <a:noFill/>
+            <a:ln w="9525">
+              <a:solidFill>
+                <a:schemeClr val="tx1"/>
+              </a:solidFill>
+              <a:round/>
+              <a:headEnd/>
+              <a:tailEnd type="triangle" w="med" len="med"/>
+            </a:ln>
+            <a:effectLst/>
+            <a:extLst>
+              <a:ext uri="{909E8E84-426E-40DD-AFC4-6F175D3DCCD1}">
+                <a14:hiddenFill xmlns:a14="http://schemas.microsoft.com/office/drawing/2010/main">
+                  <a:noFill/>
+                </a14:hiddenFill>
+              </a:ext>
+              <a:ext uri="{AF507438-7753-43E0-B8FC-AC1667EBCBE1}">
+                <a14:hiddenEffects xmlns:a14="http://schemas.microsoft.com/office/drawing/2010/main">
+                  <a:effectLst>
+                    <a:outerShdw dist="35921" dir="2700000" algn="ctr" rotWithShape="0">
+                      <a:schemeClr val="bg2"/>
+                    </a:outerShdw>
+                  </a:effectLst>
+                </a14:hiddenEffects>
+              </a:ext>
+            </a:extLst>
+          </p:spPr>
+          <p:txBody>
+            <a:bodyPr/>
+            <a:lstStyle/>
+            <a:p>
+              <a:endParaRPr lang="ja-JP" altLang="en-US"/>
+            </a:p>
+          </p:txBody>
+        </p:sp>
+        <p:grpSp>
+          <p:nvGrpSpPr>
+            <p:cNvPr id="11400" name="Group 136"/>
+            <p:cNvGrpSpPr>
+              <a:grpSpLocks/>
+            </p:cNvGrpSpPr>
+            <p:nvPr/>
+          </p:nvGrpSpPr>
+          <p:grpSpPr bwMode="auto">
+            <a:xfrm>
+              <a:off x="241" y="2697"/>
+              <a:ext cx="1330" cy="1310"/>
+              <a:chOff x="340" y="482"/>
+              <a:chExt cx="1905" cy="1905"/>
+            </a:xfrm>
+          </p:grpSpPr>
+          <p:sp>
+            <p:nvSpPr>
+              <p:cNvPr id="11401" name="Line 137"/>
+              <p:cNvSpPr>
+                <a:spLocks noChangeShapeType="1"/>
+              </p:cNvSpPr>
+              <p:nvPr/>
+            </p:nvSpPr>
+            <p:spPr bwMode="auto">
+              <a:xfrm>
+                <a:off x="340" y="1434"/>
+                <a:ext cx="1905" cy="0"/>
+              </a:xfrm>
+              <a:prstGeom prst="line">
+                <a:avLst/>
+              </a:prstGeom>
+              <a:noFill/>
+              <a:ln w="9525">
+                <a:solidFill>
+                  <a:schemeClr val="bg2"/>
+                </a:solidFill>
+                <a:round/>
+                <a:headEnd/>
+                <a:tailEnd type="triangle" w="med" len="med"/>
+              </a:ln>
+              <a:effectLst/>
+              <a:extLst>
+                <a:ext uri="{909E8E84-426E-40DD-AFC4-6F175D3DCCD1}">
+                  <a14:hiddenFill xmlns:a14="http://schemas.microsoft.com/office/drawing/2010/main">
+                    <a:noFill/>
+                  </a14:hiddenFill>
+                </a:ext>
+                <a:ext uri="{AF507438-7753-43E0-B8FC-AC1667EBCBE1}">
+                  <a14:hiddenEffects xmlns:a14="http://schemas.microsoft.com/office/drawing/2010/main">
+                    <a:effectLst>
+                      <a:outerShdw dist="35921" dir="2700000" algn="ctr" rotWithShape="0">
+                        <a:schemeClr val="bg2"/>
+                      </a:outerShdw>
+                    </a:effectLst>
+                  </a14:hiddenEffects>
+                </a:ext>
+              </a:extLst>
+            </p:spPr>
+            <p:txBody>
+              <a:bodyPr/>
+              <a:lstStyle/>
+              <a:p>
+                <a:endParaRPr lang="ja-JP" altLang="en-US"/>
+              </a:p>
+            </p:txBody>
+          </p:sp>
+          <p:sp>
+            <p:nvSpPr>
+              <p:cNvPr id="11402" name="Line 138"/>
+              <p:cNvSpPr>
+                <a:spLocks noChangeShapeType="1"/>
+              </p:cNvSpPr>
+              <p:nvPr/>
+            </p:nvSpPr>
+            <p:spPr bwMode="auto">
+              <a:xfrm flipH="1" flipV="1">
+                <a:off x="1292" y="482"/>
+                <a:ext cx="0" cy="1905"/>
+              </a:xfrm>
+              <a:prstGeom prst="line">
+                <a:avLst/>
+              </a:prstGeom>
+              <a:noFill/>
+              <a:ln w="9525">
+                <a:solidFill>
+                  <a:schemeClr val="bg2"/>
+                </a:solidFill>
+                <a:round/>
+                <a:headEnd/>
+                <a:tailEnd type="triangle" w="med" len="med"/>
+              </a:ln>
+              <a:effectLst/>
+              <a:extLst>
+                <a:ext uri="{909E8E84-426E-40DD-AFC4-6F175D3DCCD1}">
+                  <a14:hiddenFill xmlns:a14="http://schemas.microsoft.com/office/drawing/2010/main">
+                    <a:noFill/>
+                  </a14:hiddenFill>
+                </a:ext>
+                <a:ext uri="{AF507438-7753-43E0-B8FC-AC1667EBCBE1}">
+                  <a14:hiddenEffects xmlns:a14="http://schemas.microsoft.com/office/drawing/2010/main">
+                    <a:effectLst>
+                      <a:outerShdw dist="35921" dir="2700000" algn="ctr" rotWithShape="0">
+                        <a:schemeClr val="bg2"/>
+                      </a:outerShdw>
+                    </a:effectLst>
+                  </a14:hiddenEffects>
+                </a:ext>
+              </a:extLst>
+            </p:spPr>
+            <p:txBody>
+              <a:bodyPr/>
+              <a:lstStyle/>
+              <a:p>
+                <a:endParaRPr lang="ja-JP" altLang="en-US"/>
+              </a:p>
+            </p:txBody>
+          </p:sp>
+          <p:sp>
+            <p:nvSpPr>
+              <p:cNvPr id="11403" name="Rectangle 139"/>
+              <p:cNvSpPr>
+                <a:spLocks noChangeArrowheads="1"/>
+              </p:cNvSpPr>
+              <p:nvPr/>
+            </p:nvSpPr>
+            <p:spPr bwMode="auto">
+              <a:xfrm>
+                <a:off x="340" y="482"/>
+                <a:ext cx="1905" cy="1905"/>
+              </a:xfrm>
+              <a:prstGeom prst="rect">
+                <a:avLst/>
+              </a:prstGeom>
+              <a:noFill/>
+              <a:ln w="9525">
+                <a:solidFill>
+                  <a:schemeClr val="bg2"/>
+                </a:solidFill>
+                <a:miter lim="800000"/>
+                <a:headEnd/>
+                <a:tailEnd/>
+              </a:ln>
+              <a:effectLst/>
+              <a:extLst>
+                <a:ext uri="{909E8E84-426E-40DD-AFC4-6F175D3DCCD1}">
+                  <a14:hiddenFill xmlns:a14="http://schemas.microsoft.com/office/drawing/2010/main">
+                    <a:solidFill>
+                      <a:schemeClr val="accent1"/>
+                    </a:solidFill>
+                  </a14:hiddenFill>
+                </a:ext>
+                <a:ext uri="{AF507438-7753-43E0-B8FC-AC1667EBCBE1}">
+                  <a14:hiddenEffects xmlns:a14="http://schemas.microsoft.com/office/drawing/2010/main">
+                    <a:effectLst>
+                      <a:outerShdw dist="35921" dir="2700000" algn="ctr" rotWithShape="0">
+                        <a:schemeClr val="bg2"/>
+                      </a:outerShdw>
+                    </a:effectLst>
+                  </a14:hiddenEffects>
+                </a:ext>
+              </a:extLst>
+            </p:spPr>
+            <p:txBody>
+              <a:bodyPr wrap="none" anchor="ctr"/>
+              <a:lstStyle/>
+              <a:p>
+                <a:endParaRPr lang="ja-JP" altLang="en-US"/>
+              </a:p>
+            </p:txBody>
+          </p:sp>
+        </p:grpSp>
+        <p:sp>
+          <p:nvSpPr>
+            <p:cNvPr id="11583" name="Line 319"/>
+            <p:cNvSpPr>
+              <a:spLocks noChangeShapeType="1"/>
+            </p:cNvSpPr>
+            <p:nvPr/>
+          </p:nvSpPr>
+          <p:spPr bwMode="auto">
+            <a:xfrm flipV="1">
+              <a:off x="605" y="1826"/>
+              <a:ext cx="436" cy="256"/>
+            </a:xfrm>
+            <a:prstGeom prst="line">
+              <a:avLst/>
+            </a:prstGeom>
+            <a:noFill/>
+            <a:ln w="9525">
+              <a:solidFill>
+                <a:schemeClr val="tx1"/>
+              </a:solidFill>
+              <a:round/>
+              <a:headEnd/>
+              <a:tailEnd type="triangle" w="med" len="med"/>
+            </a:ln>
+            <a:effectLst/>
+            <a:extLst>
+              <a:ext uri="{909E8E84-426E-40DD-AFC4-6F175D3DCCD1}">
+                <a14:hiddenFill xmlns:a14="http://schemas.microsoft.com/office/drawing/2010/main">
+                  <a:noFill/>
+                </a14:hiddenFill>
+              </a:ext>
+              <a:ext uri="{AF507438-7753-43E0-B8FC-AC1667EBCBE1}">
+                <a14:hiddenEffects xmlns:a14="http://schemas.microsoft.com/office/drawing/2010/main">
+                  <a:effectLst>
+                    <a:outerShdw dist="35921" dir="2700000" algn="ctr" rotWithShape="0">
+                      <a:schemeClr val="bg2"/>
+                    </a:outerShdw>
+                  </a:effectLst>
+                </a14:hiddenEffects>
+              </a:ext>
+            </a:extLst>
+          </p:spPr>
+          <p:txBody>
+            <a:bodyPr/>
+            <a:lstStyle/>
+            <a:p>
+              <a:endParaRPr lang="ja-JP" altLang="en-US"/>
+            </a:p>
+          </p:txBody>
+        </p:sp>
+        <p:grpSp>
+          <p:nvGrpSpPr>
+            <p:cNvPr id="11608" name="Group 344"/>
+            <p:cNvGrpSpPr>
+              <a:grpSpLocks/>
+            </p:cNvGrpSpPr>
+            <p:nvPr/>
+          </p:nvGrpSpPr>
+          <p:grpSpPr bwMode="auto">
+            <a:xfrm>
+              <a:off x="902" y="2674"/>
+              <a:ext cx="726" cy="858"/>
+              <a:chOff x="1152" y="2650"/>
+              <a:chExt cx="726" cy="858"/>
+            </a:xfrm>
+          </p:grpSpPr>
+          <p:sp>
+            <p:nvSpPr>
+              <p:cNvPr id="11601" name="Line 337"/>
+              <p:cNvSpPr>
+                <a:spLocks noChangeShapeType="1"/>
+              </p:cNvSpPr>
+              <p:nvPr/>
+            </p:nvSpPr>
+            <p:spPr bwMode="auto">
+              <a:xfrm>
+                <a:off x="1152" y="3339"/>
+                <a:ext cx="292" cy="169"/>
+              </a:xfrm>
+              <a:prstGeom prst="line">
+                <a:avLst/>
+              </a:prstGeom>
+              <a:noFill/>
+              <a:ln w="9525">
+                <a:solidFill>
+                  <a:schemeClr val="tx1"/>
+                </a:solidFill>
+                <a:round/>
+                <a:headEnd/>
+                <a:tailEnd type="triangle" w="med" len="med"/>
+              </a:ln>
+              <a:effectLst/>
+              <a:extLst>
+                <a:ext uri="{909E8E84-426E-40DD-AFC4-6F175D3DCCD1}">
+                  <a14:hiddenFill xmlns:a14="http://schemas.microsoft.com/office/drawing/2010/main">
+                    <a:noFill/>
+                  </a14:hiddenFill>
+                </a:ext>
+                <a:ext uri="{AF507438-7753-43E0-B8FC-AC1667EBCBE1}">
+                  <a14:hiddenEffects xmlns:a14="http://schemas.microsoft.com/office/drawing/2010/main">
+                    <a:effectLst>
+                      <a:outerShdw dist="35921" dir="2700000" algn="ctr" rotWithShape="0">
+                        <a:schemeClr val="bg2"/>
+                      </a:outerShdw>
+                    </a:effectLst>
+                  </a14:hiddenEffects>
+                </a:ext>
+              </a:extLst>
+            </p:spPr>
+            <p:txBody>
+              <a:bodyPr/>
+              <a:lstStyle/>
+              <a:p>
+                <a:endParaRPr lang="ja-JP" altLang="en-US"/>
+              </a:p>
+            </p:txBody>
+          </p:sp>
+          <p:sp>
+            <p:nvSpPr>
+              <p:cNvPr id="11602" name="Line 338"/>
+              <p:cNvSpPr>
+                <a:spLocks noChangeShapeType="1"/>
+              </p:cNvSpPr>
+              <p:nvPr/>
+            </p:nvSpPr>
+            <p:spPr bwMode="auto">
+              <a:xfrm>
+                <a:off x="1152" y="3339"/>
+                <a:ext cx="726" cy="91"/>
+              </a:xfrm>
+              <a:prstGeom prst="line">
+                <a:avLst/>
+              </a:prstGeom>
+              <a:noFill/>
+              <a:ln w="9525">
+                <a:solidFill>
+                  <a:schemeClr val="tx1"/>
+                </a:solidFill>
+                <a:round/>
+                <a:headEnd/>
+                <a:tailEnd type="triangle" w="med" len="med"/>
+              </a:ln>
+              <a:effectLst/>
+              <a:extLst>
+                <a:ext uri="{909E8E84-426E-40DD-AFC4-6F175D3DCCD1}">
+                  <a14:hiddenFill xmlns:a14="http://schemas.microsoft.com/office/drawing/2010/main">
+                    <a:noFill/>
+                  </a14:hiddenFill>
+                </a:ext>
+                <a:ext uri="{AF507438-7753-43E0-B8FC-AC1667EBCBE1}">
+                  <a14:hiddenEffects xmlns:a14="http://schemas.microsoft.com/office/drawing/2010/main">
+                    <a:effectLst>
+                      <a:outerShdw dist="35921" dir="2700000" algn="ctr" rotWithShape="0">
+                        <a:schemeClr val="bg2"/>
+                      </a:outerShdw>
+                    </a:effectLst>
+                  </a14:hiddenEffects>
+                </a:ext>
+              </a:extLst>
+            </p:spPr>
+            <p:txBody>
+              <a:bodyPr/>
+              <a:lstStyle/>
+              <a:p>
+                <a:endParaRPr lang="ja-JP" altLang="en-US"/>
+              </a:p>
+            </p:txBody>
+          </p:sp>
+          <p:sp>
+            <p:nvSpPr>
+              <p:cNvPr id="11603" name="Line 339"/>
+              <p:cNvSpPr>
+                <a:spLocks noChangeShapeType="1"/>
+              </p:cNvSpPr>
+              <p:nvPr/>
+            </p:nvSpPr>
+            <p:spPr bwMode="auto">
+              <a:xfrm flipV="1">
+                <a:off x="1152" y="3113"/>
+                <a:ext cx="363" cy="226"/>
+              </a:xfrm>
+              <a:prstGeom prst="line">
+                <a:avLst/>
+              </a:prstGeom>
+              <a:noFill/>
+              <a:ln w="9525">
+                <a:solidFill>
+                  <a:schemeClr val="tx1"/>
+                </a:solidFill>
+                <a:round/>
+                <a:headEnd/>
+                <a:tailEnd type="triangle" w="med" len="med"/>
+              </a:ln>
+              <a:effectLst/>
+              <a:extLst>
+                <a:ext uri="{909E8E84-426E-40DD-AFC4-6F175D3DCCD1}">
+                  <a14:hiddenFill xmlns:a14="http://schemas.microsoft.com/office/drawing/2010/main">
+                    <a:noFill/>
+                  </a14:hiddenFill>
+                </a:ext>
+                <a:ext uri="{AF507438-7753-43E0-B8FC-AC1667EBCBE1}">
+                  <a14:hiddenEffects xmlns:a14="http://schemas.microsoft.com/office/drawing/2010/main">
+                    <a:effectLst>
+                      <a:outerShdw dist="35921" dir="2700000" algn="ctr" rotWithShape="0">
+                        <a:schemeClr val="bg2"/>
+                      </a:outerShdw>
+                    </a:effectLst>
+                  </a14:hiddenEffects>
+                </a:ext>
+              </a:extLst>
+            </p:spPr>
+            <p:txBody>
+              <a:bodyPr/>
+              <a:lstStyle/>
+              <a:p>
+                <a:endParaRPr lang="ja-JP" altLang="en-US"/>
+              </a:p>
+            </p:txBody>
+          </p:sp>
+          <p:sp>
+            <p:nvSpPr>
+              <p:cNvPr id="11604" name="Line 340"/>
+              <p:cNvSpPr>
+                <a:spLocks noChangeShapeType="1"/>
+              </p:cNvSpPr>
+              <p:nvPr/>
+            </p:nvSpPr>
+            <p:spPr bwMode="auto">
+              <a:xfrm flipV="1">
+                <a:off x="1152" y="3022"/>
+                <a:ext cx="499" cy="317"/>
+              </a:xfrm>
+              <a:prstGeom prst="line">
+                <a:avLst/>
+              </a:prstGeom>
+              <a:noFill/>
+              <a:ln w="9525">
+                <a:solidFill>
+                  <a:schemeClr val="tx1"/>
+                </a:solidFill>
+                <a:round/>
+                <a:headEnd/>
+                <a:tailEnd type="triangle" w="med" len="med"/>
+              </a:ln>
+              <a:effectLst/>
+              <a:extLst>
+                <a:ext uri="{909E8E84-426E-40DD-AFC4-6F175D3DCCD1}">
+                  <a14:hiddenFill xmlns:a14="http://schemas.microsoft.com/office/drawing/2010/main">
+                    <a:noFill/>
+                  </a14:hiddenFill>
+                </a:ext>
+                <a:ext uri="{AF507438-7753-43E0-B8FC-AC1667EBCBE1}">
+                  <a14:hiddenEffects xmlns:a14="http://schemas.microsoft.com/office/drawing/2010/main">
+                    <a:effectLst>
+                      <a:outerShdw dist="35921" dir="2700000" algn="ctr" rotWithShape="0">
+                        <a:schemeClr val="bg2"/>
+                      </a:outerShdw>
+                    </a:effectLst>
+                  </a14:hiddenEffects>
+                </a:ext>
+              </a:extLst>
+            </p:spPr>
+            <p:txBody>
+              <a:bodyPr/>
+              <a:lstStyle/>
+              <a:p>
+                <a:endParaRPr lang="ja-JP" altLang="en-US"/>
+              </a:p>
+            </p:txBody>
+          </p:sp>
+          <p:sp>
+            <p:nvSpPr>
+              <p:cNvPr id="11605" name="Line 341"/>
+              <p:cNvSpPr>
+                <a:spLocks noChangeShapeType="1"/>
+              </p:cNvSpPr>
+              <p:nvPr/>
+            </p:nvSpPr>
+            <p:spPr bwMode="auto">
+              <a:xfrm flipV="1">
+                <a:off x="1152" y="2650"/>
+                <a:ext cx="198" cy="689"/>
+              </a:xfrm>
+              <a:prstGeom prst="line">
+                <a:avLst/>
+              </a:prstGeom>
+              <a:noFill/>
+              <a:ln w="9525">
+                <a:solidFill>
+                  <a:schemeClr val="tx1"/>
+                </a:solidFill>
+                <a:round/>
+                <a:headEnd/>
+                <a:tailEnd type="triangle" w="med" len="med"/>
+              </a:ln>
+              <a:effectLst/>
+              <a:extLst>
+                <a:ext uri="{909E8E84-426E-40DD-AFC4-6F175D3DCCD1}">
+                  <a14:hiddenFill xmlns:a14="http://schemas.microsoft.com/office/drawing/2010/main">
+                    <a:noFill/>
+                  </a14:hiddenFill>
+                </a:ext>
+                <a:ext uri="{AF507438-7753-43E0-B8FC-AC1667EBCBE1}">
+                  <a14:hiddenEffects xmlns:a14="http://schemas.microsoft.com/office/drawing/2010/main">
+                    <a:effectLst>
+                      <a:outerShdw dist="35921" dir="2700000" algn="ctr" rotWithShape="0">
+                        <a:schemeClr val="bg2"/>
+                      </a:outerShdw>
+                    </a:effectLst>
+                  </a14:hiddenEffects>
+                </a:ext>
+              </a:extLst>
+            </p:spPr>
+            <p:txBody>
+              <a:bodyPr/>
+              <a:lstStyle/>
+              <a:p>
+                <a:endParaRPr lang="ja-JP" altLang="en-US"/>
+              </a:p>
+            </p:txBody>
+          </p:sp>
+          <p:sp>
+            <p:nvSpPr>
+              <p:cNvPr id="11606" name="Line 342"/>
+              <p:cNvSpPr>
+                <a:spLocks noChangeShapeType="1"/>
+              </p:cNvSpPr>
+              <p:nvPr/>
+            </p:nvSpPr>
+            <p:spPr bwMode="auto">
+              <a:xfrm flipV="1">
+                <a:off x="1152" y="2690"/>
+                <a:ext cx="546" cy="649"/>
+              </a:xfrm>
+              <a:prstGeom prst="line">
+                <a:avLst/>
+              </a:prstGeom>
+              <a:noFill/>
+              <a:ln w="9525">
+                <a:solidFill>
+                  <a:schemeClr val="tx1"/>
+                </a:solidFill>
+                <a:round/>
+                <a:headEnd/>
+                <a:tailEnd type="triangle" w="med" len="med"/>
+              </a:ln>
+              <a:effectLst/>
+              <a:extLst>
+                <a:ext uri="{909E8E84-426E-40DD-AFC4-6F175D3DCCD1}">
+                  <a14:hiddenFill xmlns:a14="http://schemas.microsoft.com/office/drawing/2010/main">
+                    <a:noFill/>
+                  </a14:hiddenFill>
+                </a:ext>
+                <a:ext uri="{AF507438-7753-43E0-B8FC-AC1667EBCBE1}">
+                  <a14:hiddenEffects xmlns:a14="http://schemas.microsoft.com/office/drawing/2010/main">
+                    <a:effectLst>
+                      <a:outerShdw dist="35921" dir="2700000" algn="ctr" rotWithShape="0">
+                        <a:schemeClr val="bg2"/>
+                      </a:outerShdw>
+                    </a:effectLst>
+                  </a14:hiddenEffects>
+                </a:ext>
+              </a:extLst>
+            </p:spPr>
+            <p:txBody>
+              <a:bodyPr/>
+              <a:lstStyle/>
+              <a:p>
+                <a:endParaRPr lang="ja-JP" altLang="en-US"/>
+              </a:p>
+            </p:txBody>
+          </p:sp>
+          <p:sp>
+            <p:nvSpPr>
+              <p:cNvPr id="11607" name="Line 343"/>
+              <p:cNvSpPr>
+                <a:spLocks noChangeShapeType="1"/>
+              </p:cNvSpPr>
+              <p:nvPr/>
+            </p:nvSpPr>
+            <p:spPr bwMode="auto">
+              <a:xfrm flipV="1">
+                <a:off x="1152" y="3083"/>
+                <a:ext cx="436" cy="256"/>
+              </a:xfrm>
+              <a:prstGeom prst="line">
+                <a:avLst/>
+              </a:prstGeom>
+              <a:noFill/>
+              <a:ln w="9525">
+                <a:solidFill>
+                  <a:schemeClr val="tx1"/>
+                </a:solidFill>
+                <a:round/>
+                <a:headEnd/>
+                <a:tailEnd type="triangle" w="med" len="med"/>
+              </a:ln>
+              <a:effectLst/>
+              <a:extLst>
+                <a:ext uri="{909E8E84-426E-40DD-AFC4-6F175D3DCCD1}">
+                  <a14:hiddenFill xmlns:a14="http://schemas.microsoft.com/office/drawing/2010/main">
+                    <a:noFill/>
+                  </a14:hiddenFill>
+                </a:ext>
+                <a:ext uri="{AF507438-7753-43E0-B8FC-AC1667EBCBE1}">
+                  <a14:hiddenEffects xmlns:a14="http://schemas.microsoft.com/office/drawing/2010/main">
+                    <a:effectLst>
+                      <a:outerShdw dist="35921" dir="2700000" algn="ctr" rotWithShape="0">
+                        <a:schemeClr val="bg2"/>
+                      </a:outerShdw>
+                    </a:effectLst>
+                  </a14:hiddenEffects>
+                </a:ext>
+              </a:extLst>
+            </p:spPr>
+            <p:txBody>
+              <a:bodyPr/>
+              <a:lstStyle/>
+              <a:p>
+                <a:endParaRPr lang="ja-JP" altLang="en-US"/>
+              </a:p>
+            </p:txBody>
+          </p:sp>
+        </p:grpSp>
+        <p:sp>
+          <p:nvSpPr>
+            <p:cNvPr id="11641" name="Oval 377"/>
+            <p:cNvSpPr>
+              <a:spLocks noChangeArrowheads="1"/>
+            </p:cNvSpPr>
+            <p:nvPr/>
+          </p:nvSpPr>
+          <p:spPr bwMode="auto">
+            <a:xfrm>
+              <a:off x="1066" y="3430"/>
+              <a:ext cx="226" cy="227"/>
+            </a:xfrm>
+            <a:prstGeom prst="ellipse">
+              <a:avLst/>
+            </a:prstGeom>
+            <a:noFill/>
+            <a:ln w="19050">
+              <a:solidFill>
+                <a:srgbClr val="FF0000"/>
+              </a:solidFill>
+              <a:prstDash val="dash"/>
+              <a:round/>
+              <a:headEnd/>
+              <a:tailEnd/>
+            </a:ln>
+            <a:effectLst/>
+            <a:extLst>
+              <a:ext uri="{909E8E84-426E-40DD-AFC4-6F175D3DCCD1}">
+                <a14:hiddenFill xmlns:a14="http://schemas.microsoft.com/office/drawing/2010/main">
+                  <a:solidFill>
+                    <a:schemeClr val="accent1"/>
+                  </a:solidFill>
+                </a14:hiddenFill>
+              </a:ext>
+              <a:ext uri="{AF507438-7753-43E0-B8FC-AC1667EBCBE1}">
+                <a14:hiddenEffects xmlns:a14="http://schemas.microsoft.com/office/drawing/2010/main">
+                  <a:effectLst>
+                    <a:outerShdw dist="35921" dir="2700000" algn="ctr" rotWithShape="0">
+                      <a:schemeClr val="bg2"/>
+                    </a:outerShdw>
+                  </a:effectLst>
+                </a14:hiddenEffects>
+              </a:ext>
+            </a:extLst>
+          </p:spPr>
+          <p:txBody>
+            <a:bodyPr wrap="none" anchor="ctr"/>
+            <a:lstStyle/>
+            <a:p>
+              <a:endParaRPr lang="ja-JP" altLang="en-US"/>
+            </a:p>
+          </p:txBody>
+        </p:sp>
+      </p:grpSp>
+      <p:sp>
+        <p:nvSpPr>
+          <p:cNvPr id="11642" name="Oval 378"/>
+          <p:cNvSpPr>
+            <a:spLocks noChangeArrowheads="1"/>
+          </p:cNvSpPr>
+          <p:nvPr/>
+        </p:nvSpPr>
+        <p:spPr bwMode="auto">
+          <a:xfrm>
+            <a:off x="4284663" y="5373688"/>
+            <a:ext cx="358775" cy="360362"/>
+          </a:xfrm>
+          <a:prstGeom prst="ellipse">
+            <a:avLst/>
+          </a:prstGeom>
+          <a:noFill/>
+          <a:ln w="19050">
+            <a:solidFill>
+              <a:srgbClr val="FF0000"/>
+            </a:solidFill>
+            <a:prstDash val="dash"/>
+            <a:round/>
+            <a:headEnd/>
+            <a:tailEnd/>
+          </a:ln>
+          <a:effectLst/>
+          <a:extLst>
+            <a:ext uri="{909E8E84-426E-40DD-AFC4-6F175D3DCCD1}">
+              <a14:hiddenFill xmlns:a14="http://schemas.microsoft.com/office/drawing/2010/main">
+                <a:solidFill>
+                  <a:schemeClr val="accent1"/>
+                </a:solidFill>
+              </a14:hiddenFill>
+            </a:ext>
+            <a:ext uri="{AF507438-7753-43E0-B8FC-AC1667EBCBE1}">
+              <a14:hiddenEffects xmlns:a14="http://schemas.microsoft.com/office/drawing/2010/main">
+                <a:effectLst>
+                  <a:outerShdw dist="35921" dir="2700000" algn="ctr" rotWithShape="0">
+                    <a:schemeClr val="bg2"/>
+                  </a:outerShdw>
+                </a:effectLst>
+              </a14:hiddenEffects>
+            </a:ext>
+          </a:extLst>
+        </p:spPr>
+        <p:txBody>
+          <a:bodyPr wrap="none" anchor="ctr"/>
+          <a:lstStyle/>
+          <a:p>
+            <a:endParaRPr lang="ja-JP" altLang="en-US"/>
+          </a:p>
+        </p:txBody>
+      </p:sp>
+      <p:grpSp>
+        <p:nvGrpSpPr>
+          <p:cNvPr id="11645" name="Group 381"/>
+          <p:cNvGrpSpPr>
+            <a:grpSpLocks/>
+          </p:cNvGrpSpPr>
+          <p:nvPr/>
+        </p:nvGrpSpPr>
+        <p:grpSpPr bwMode="auto">
+          <a:xfrm>
+            <a:off x="236538" y="1700213"/>
+            <a:ext cx="2279650" cy="5207000"/>
+            <a:chOff x="3506" y="1085"/>
+            <a:chExt cx="1436" cy="3280"/>
+          </a:xfrm>
+        </p:grpSpPr>
+        <p:grpSp>
+          <p:nvGrpSpPr>
+            <p:cNvPr id="11544" name="Group 280"/>
+            <p:cNvGrpSpPr>
+              <a:grpSpLocks/>
+            </p:cNvGrpSpPr>
+            <p:nvPr/>
+          </p:nvGrpSpPr>
+          <p:grpSpPr bwMode="auto">
+            <a:xfrm>
+              <a:off x="3506" y="1085"/>
+              <a:ext cx="1330" cy="1310"/>
+              <a:chOff x="340" y="482"/>
+              <a:chExt cx="1905" cy="1905"/>
+            </a:xfrm>
+          </p:grpSpPr>
+          <p:sp>
+            <p:nvSpPr>
+              <p:cNvPr id="11545" name="Line 281"/>
+              <p:cNvSpPr>
+                <a:spLocks noChangeShapeType="1"/>
+              </p:cNvSpPr>
+              <p:nvPr/>
+            </p:nvSpPr>
+            <p:spPr bwMode="auto">
+              <a:xfrm>
+                <a:off x="340" y="1434"/>
+                <a:ext cx="1905" cy="0"/>
+              </a:xfrm>
+              <a:prstGeom prst="line">
+                <a:avLst/>
+              </a:prstGeom>
+              <a:noFill/>
+              <a:ln w="9525">
+                <a:solidFill>
+                  <a:schemeClr val="bg2"/>
+                </a:solidFill>
+                <a:round/>
+                <a:headEnd/>
+                <a:tailEnd type="triangle" w="med" len="med"/>
+              </a:ln>
+              <a:effectLst/>
+              <a:extLst>
+                <a:ext uri="{909E8E84-426E-40DD-AFC4-6F175D3DCCD1}">
+                  <a14:hiddenFill xmlns:a14="http://schemas.microsoft.com/office/drawing/2010/main">
+                    <a:noFill/>
+                  </a14:hiddenFill>
+                </a:ext>
+                <a:ext uri="{AF507438-7753-43E0-B8FC-AC1667EBCBE1}">
+                  <a14:hiddenEffects xmlns:a14="http://schemas.microsoft.com/office/drawing/2010/main">
+                    <a:effectLst>
+                      <a:outerShdw dist="35921" dir="2700000" algn="ctr" rotWithShape="0">
+                        <a:schemeClr val="bg2"/>
+                      </a:outerShdw>
+                    </a:effectLst>
+                  </a14:hiddenEffects>
+                </a:ext>
+              </a:extLst>
+            </p:spPr>
+            <p:txBody>
+              <a:bodyPr/>
+              <a:lstStyle/>
+              <a:p>
+                <a:endParaRPr lang="ja-JP" altLang="en-US"/>
+              </a:p>
+            </p:txBody>
+          </p:sp>
+          <p:sp>
+            <p:nvSpPr>
+              <p:cNvPr id="11546" name="Line 282"/>
+              <p:cNvSpPr>
+                <a:spLocks noChangeShapeType="1"/>
+              </p:cNvSpPr>
+              <p:nvPr/>
+            </p:nvSpPr>
+            <p:spPr bwMode="auto">
+              <a:xfrm flipH="1" flipV="1">
+                <a:off x="1292" y="482"/>
+                <a:ext cx="0" cy="1905"/>
+              </a:xfrm>
+              <a:prstGeom prst="line">
+                <a:avLst/>
+              </a:prstGeom>
+              <a:noFill/>
+              <a:ln w="9525">
+                <a:solidFill>
+                  <a:schemeClr val="bg2"/>
+                </a:solidFill>
+                <a:round/>
+                <a:headEnd/>
+                <a:tailEnd type="triangle" w="med" len="med"/>
+              </a:ln>
+              <a:effectLst/>
+              <a:extLst>
+                <a:ext uri="{909E8E84-426E-40DD-AFC4-6F175D3DCCD1}">
+                  <a14:hiddenFill xmlns:a14="http://schemas.microsoft.com/office/drawing/2010/main">
+                    <a:noFill/>
+                  </a14:hiddenFill>
+                </a:ext>
+                <a:ext uri="{AF507438-7753-43E0-B8FC-AC1667EBCBE1}">
+                  <a14:hiddenEffects xmlns:a14="http://schemas.microsoft.com/office/drawing/2010/main">
+                    <a:effectLst>
+                      <a:outerShdw dist="35921" dir="2700000" algn="ctr" rotWithShape="0">
+                        <a:schemeClr val="bg2"/>
+                      </a:outerShdw>
+                    </a:effectLst>
+                  </a14:hiddenEffects>
+                </a:ext>
+              </a:extLst>
+            </p:spPr>
+            <p:txBody>
+              <a:bodyPr/>
+              <a:lstStyle/>
+              <a:p>
+                <a:endParaRPr lang="ja-JP" altLang="en-US"/>
+              </a:p>
+            </p:txBody>
+          </p:sp>
+          <p:sp>
+            <p:nvSpPr>
+              <p:cNvPr id="11547" name="Rectangle 283"/>
+              <p:cNvSpPr>
+                <a:spLocks noChangeArrowheads="1"/>
+              </p:cNvSpPr>
+              <p:nvPr/>
+            </p:nvSpPr>
+            <p:spPr bwMode="auto">
+              <a:xfrm>
+                <a:off x="340" y="482"/>
+                <a:ext cx="1905" cy="1905"/>
+              </a:xfrm>
+              <a:prstGeom prst="rect">
+                <a:avLst/>
+              </a:prstGeom>
+              <a:noFill/>
+              <a:ln w="9525">
+                <a:solidFill>
+                  <a:schemeClr val="bg2"/>
+                </a:solidFill>
+                <a:miter lim="800000"/>
+                <a:headEnd/>
+                <a:tailEnd/>
+              </a:ln>
+              <a:effectLst/>
+              <a:extLst>
+                <a:ext uri="{909E8E84-426E-40DD-AFC4-6F175D3DCCD1}">
+                  <a14:hiddenFill xmlns:a14="http://schemas.microsoft.com/office/drawing/2010/main">
+                    <a:solidFill>
+                      <a:schemeClr val="accent1"/>
+                    </a:solidFill>
+                  </a14:hiddenFill>
+                </a:ext>
+                <a:ext uri="{AF507438-7753-43E0-B8FC-AC1667EBCBE1}">
+                  <a14:hiddenEffects xmlns:a14="http://schemas.microsoft.com/office/drawing/2010/main">
+                    <a:effectLst>
+                      <a:outerShdw dist="35921" dir="2700000" algn="ctr" rotWithShape="0">
+                        <a:schemeClr val="bg2"/>
+                      </a:outerShdw>
+                    </a:effectLst>
+                  </a14:hiddenEffects>
+                </a:ext>
+              </a:extLst>
+            </p:spPr>
+            <p:txBody>
+              <a:bodyPr wrap="none" anchor="ctr"/>
+              <a:lstStyle/>
+              <a:p>
+                <a:endParaRPr lang="ja-JP" altLang="en-US"/>
+              </a:p>
+            </p:txBody>
+          </p:sp>
+        </p:grpSp>
+        <p:grpSp>
+          <p:nvGrpSpPr>
+            <p:cNvPr id="11548" name="Group 284"/>
+            <p:cNvGrpSpPr>
+              <a:grpSpLocks/>
+            </p:cNvGrpSpPr>
+            <p:nvPr/>
+          </p:nvGrpSpPr>
+          <p:grpSpPr bwMode="auto">
+            <a:xfrm>
+              <a:off x="3780" y="1239"/>
+              <a:ext cx="549" cy="886"/>
+              <a:chOff x="2608" y="1887"/>
+              <a:chExt cx="636" cy="1044"/>
+            </a:xfrm>
+          </p:grpSpPr>
+          <p:sp>
+            <p:nvSpPr>
+              <p:cNvPr id="11549" name="Oval 285"/>
+              <p:cNvSpPr>
+                <a:spLocks noChangeArrowheads="1"/>
+              </p:cNvSpPr>
+              <p:nvPr/>
+            </p:nvSpPr>
+            <p:spPr bwMode="auto">
+              <a:xfrm>
+                <a:off x="3016" y="1933"/>
+                <a:ext cx="46" cy="46"/>
+              </a:xfrm>
+              <a:prstGeom prst="ellipse">
+                <a:avLst/>
+              </a:prstGeom>
+              <a:solidFill>
+                <a:srgbClr val="000099"/>
+              </a:solidFill>
+              <a:ln w="9525">
+                <a:solidFill>
+                  <a:schemeClr val="tx1"/>
+                </a:solidFill>
+                <a:round/>
+                <a:headEnd/>
+                <a:tailEnd/>
+              </a:ln>
+              <a:effectLst/>
+              <a:extLst>
+                <a:ext uri="{AF507438-7753-43E0-B8FC-AC1667EBCBE1}">
+                  <a14:hiddenEffects xmlns:a14="http://schemas.microsoft.com/office/drawing/2010/main">
+                    <a:effectLst>
+                      <a:outerShdw dist="35921" dir="2700000" algn="ctr" rotWithShape="0">
+                        <a:schemeClr val="bg2"/>
+                      </a:outerShdw>
+                    </a:effectLst>
+                  </a14:hiddenEffects>
+                </a:ext>
+              </a:extLst>
+            </p:spPr>
+            <p:txBody>
+              <a:bodyPr wrap="none" anchor="ctr"/>
+              <a:lstStyle/>
+              <a:p>
+                <a:endParaRPr lang="ja-JP" altLang="en-US"/>
+              </a:p>
+            </p:txBody>
+          </p:sp>
+          <p:sp>
+            <p:nvSpPr>
+              <p:cNvPr id="11550" name="Oval 286"/>
+              <p:cNvSpPr>
+                <a:spLocks noChangeArrowheads="1"/>
+              </p:cNvSpPr>
+              <p:nvPr/>
+            </p:nvSpPr>
+            <p:spPr bwMode="auto">
+              <a:xfrm>
+                <a:off x="2698" y="2885"/>
+                <a:ext cx="46" cy="46"/>
+              </a:xfrm>
+              <a:prstGeom prst="ellipse">
+                <a:avLst/>
+              </a:prstGeom>
+              <a:solidFill>
+                <a:srgbClr val="000099"/>
+              </a:solidFill>
+              <a:ln w="9525">
+                <a:solidFill>
+                  <a:schemeClr val="tx1"/>
+                </a:solidFill>
+                <a:round/>
+                <a:headEnd/>
+                <a:tailEnd/>
+              </a:ln>
+              <a:effectLst/>
+              <a:extLst>
+                <a:ext uri="{AF507438-7753-43E0-B8FC-AC1667EBCBE1}">
+                  <a14:hiddenEffects xmlns:a14="http://schemas.microsoft.com/office/drawing/2010/main">
+                    <a:effectLst>
+                      <a:outerShdw dist="35921" dir="2700000" algn="ctr" rotWithShape="0">
+                        <a:schemeClr val="bg2"/>
+                      </a:outerShdw>
+                    </a:effectLst>
+                  </a14:hiddenEffects>
+                </a:ext>
+              </a:extLst>
+            </p:spPr>
+            <p:txBody>
+              <a:bodyPr wrap="none" anchor="ctr"/>
+              <a:lstStyle/>
+              <a:p>
+                <a:endParaRPr lang="ja-JP" altLang="en-US"/>
+              </a:p>
+            </p:txBody>
+          </p:sp>
+          <p:sp>
+            <p:nvSpPr>
+              <p:cNvPr id="11551" name="Oval 287"/>
+              <p:cNvSpPr>
+                <a:spLocks noChangeArrowheads="1"/>
+              </p:cNvSpPr>
+              <p:nvPr/>
+            </p:nvSpPr>
+            <p:spPr bwMode="auto">
+              <a:xfrm>
+                <a:off x="3198" y="2794"/>
+                <a:ext cx="46" cy="46"/>
+              </a:xfrm>
+              <a:prstGeom prst="ellipse">
+                <a:avLst/>
+              </a:prstGeom>
+              <a:solidFill>
+                <a:srgbClr val="000099"/>
+              </a:solidFill>
+              <a:ln w="9525">
+                <a:solidFill>
+                  <a:schemeClr val="tx1"/>
+                </a:solidFill>
+                <a:round/>
+                <a:headEnd/>
+                <a:tailEnd/>
+              </a:ln>
+              <a:effectLst/>
+              <a:extLst>
+                <a:ext uri="{AF507438-7753-43E0-B8FC-AC1667EBCBE1}">
+                  <a14:hiddenEffects xmlns:a14="http://schemas.microsoft.com/office/drawing/2010/main">
+                    <a:effectLst>
+                      <a:outerShdw dist="35921" dir="2700000" algn="ctr" rotWithShape="0">
+                        <a:schemeClr val="bg2"/>
+                      </a:outerShdw>
+                    </a:effectLst>
+                  </a14:hiddenEffects>
+                </a:ext>
+              </a:extLst>
+            </p:spPr>
+            <p:txBody>
+              <a:bodyPr wrap="none" anchor="ctr"/>
+              <a:lstStyle/>
+              <a:p>
+                <a:endParaRPr lang="ja-JP" altLang="en-US"/>
+              </a:p>
+            </p:txBody>
+          </p:sp>
+          <p:sp>
+            <p:nvSpPr>
+              <p:cNvPr id="11552" name="Oval 288"/>
+              <p:cNvSpPr>
+                <a:spLocks noChangeArrowheads="1"/>
+              </p:cNvSpPr>
+              <p:nvPr/>
+            </p:nvSpPr>
+            <p:spPr bwMode="auto">
+              <a:xfrm>
+                <a:off x="2608" y="1887"/>
+                <a:ext cx="46" cy="46"/>
+              </a:xfrm>
+              <a:prstGeom prst="ellipse">
+                <a:avLst/>
+              </a:prstGeom>
+              <a:solidFill>
+                <a:srgbClr val="000099"/>
+              </a:solidFill>
+              <a:ln w="9525">
+                <a:solidFill>
+                  <a:schemeClr val="tx1"/>
+                </a:solidFill>
+                <a:round/>
+                <a:headEnd/>
+                <a:tailEnd/>
+              </a:ln>
+              <a:effectLst/>
+              <a:extLst>
+                <a:ext uri="{AF507438-7753-43E0-B8FC-AC1667EBCBE1}">
+                  <a14:hiddenEffects xmlns:a14="http://schemas.microsoft.com/office/drawing/2010/main">
+                    <a:effectLst>
+                      <a:outerShdw dist="35921" dir="2700000" algn="ctr" rotWithShape="0">
+                        <a:schemeClr val="bg2"/>
+                      </a:outerShdw>
+                    </a:effectLst>
+                  </a14:hiddenEffects>
+                </a:ext>
+              </a:extLst>
+            </p:spPr>
+            <p:txBody>
+              <a:bodyPr wrap="none" anchor="ctr"/>
+              <a:lstStyle/>
+              <a:p>
+                <a:endParaRPr lang="ja-JP" altLang="en-US"/>
+              </a:p>
+            </p:txBody>
+          </p:sp>
+          <p:sp>
+            <p:nvSpPr>
+              <p:cNvPr id="11553" name="Oval 289"/>
+              <p:cNvSpPr>
+                <a:spLocks noChangeArrowheads="1"/>
+              </p:cNvSpPr>
+              <p:nvPr/>
+            </p:nvSpPr>
+            <p:spPr bwMode="auto">
+              <a:xfrm>
+                <a:off x="2789" y="2432"/>
+                <a:ext cx="46" cy="46"/>
+              </a:xfrm>
+              <a:prstGeom prst="ellipse">
+                <a:avLst/>
+              </a:prstGeom>
+              <a:solidFill>
+                <a:srgbClr val="000099"/>
+              </a:solidFill>
+              <a:ln w="9525">
+                <a:solidFill>
+                  <a:schemeClr val="tx1"/>
+                </a:solidFill>
+                <a:round/>
+                <a:headEnd/>
+                <a:tailEnd/>
+              </a:ln>
+              <a:effectLst/>
+              <a:extLst>
+                <a:ext uri="{AF507438-7753-43E0-B8FC-AC1667EBCBE1}">
+                  <a14:hiddenEffects xmlns:a14="http://schemas.microsoft.com/office/drawing/2010/main">
+                    <a:effectLst>
+                      <a:outerShdw dist="35921" dir="2700000" algn="ctr" rotWithShape="0">
+                        <a:schemeClr val="bg2"/>
+                      </a:outerShdw>
+                    </a:effectLst>
+                  </a14:hiddenEffects>
+                </a:ext>
+              </a:extLst>
+            </p:spPr>
+            <p:txBody>
+              <a:bodyPr wrap="none" anchor="ctr"/>
+              <a:lstStyle/>
+              <a:p>
+                <a:endParaRPr lang="ja-JP" altLang="en-US"/>
+              </a:p>
+            </p:txBody>
+          </p:sp>
+          <p:sp>
+            <p:nvSpPr>
+              <p:cNvPr id="11554" name="Oval 290"/>
+              <p:cNvSpPr>
+                <a:spLocks noChangeArrowheads="1"/>
+              </p:cNvSpPr>
+              <p:nvPr/>
+            </p:nvSpPr>
+            <p:spPr bwMode="auto">
+              <a:xfrm>
+                <a:off x="2880" y="2386"/>
+                <a:ext cx="46" cy="46"/>
+              </a:xfrm>
+              <a:prstGeom prst="ellipse">
+                <a:avLst/>
+              </a:prstGeom>
+              <a:solidFill>
+                <a:srgbClr val="000099"/>
+              </a:solidFill>
+              <a:ln w="9525">
+                <a:solidFill>
+                  <a:schemeClr val="tx1"/>
+                </a:solidFill>
+                <a:round/>
+                <a:headEnd/>
+                <a:tailEnd/>
+              </a:ln>
+              <a:effectLst/>
+              <a:extLst>
+                <a:ext uri="{AF507438-7753-43E0-B8FC-AC1667EBCBE1}">
+                  <a14:hiddenEffects xmlns:a14="http://schemas.microsoft.com/office/drawing/2010/main">
+                    <a:effectLst>
+                      <a:outerShdw dist="35921" dir="2700000" algn="ctr" rotWithShape="0">
+                        <a:schemeClr val="bg2"/>
+                      </a:outerShdw>
+                    </a:effectLst>
+                  </a14:hiddenEffects>
+                </a:ext>
+              </a:extLst>
+            </p:spPr>
+            <p:txBody>
+              <a:bodyPr wrap="none" anchor="ctr"/>
+              <a:lstStyle/>
+              <a:p>
+                <a:endParaRPr lang="ja-JP" altLang="en-US"/>
+              </a:p>
+            </p:txBody>
+          </p:sp>
+          <p:sp>
+            <p:nvSpPr>
+              <p:cNvPr id="11555" name="Oval 291"/>
+              <p:cNvSpPr>
+                <a:spLocks noChangeArrowheads="1"/>
+              </p:cNvSpPr>
+              <p:nvPr/>
+            </p:nvSpPr>
+            <p:spPr bwMode="auto">
+              <a:xfrm>
+                <a:off x="2925" y="2341"/>
+                <a:ext cx="46" cy="46"/>
+              </a:xfrm>
+              <a:prstGeom prst="ellipse">
+                <a:avLst/>
+              </a:prstGeom>
+              <a:solidFill>
+                <a:srgbClr val="000099"/>
+              </a:solidFill>
+              <a:ln w="9525">
+                <a:solidFill>
+                  <a:schemeClr val="tx1"/>
+                </a:solidFill>
+                <a:round/>
+                <a:headEnd/>
+                <a:tailEnd/>
+              </a:ln>
+              <a:effectLst/>
+              <a:extLst>
+                <a:ext uri="{AF507438-7753-43E0-B8FC-AC1667EBCBE1}">
+                  <a14:hiddenEffects xmlns:a14="http://schemas.microsoft.com/office/drawing/2010/main">
+                    <a:effectLst>
+                      <a:outerShdw dist="35921" dir="2700000" algn="ctr" rotWithShape="0">
+                        <a:schemeClr val="bg2"/>
+                      </a:outerShdw>
+                    </a:effectLst>
+                  </a14:hiddenEffects>
+                </a:ext>
+              </a:extLst>
+            </p:spPr>
+            <p:txBody>
+              <a:bodyPr wrap="none" anchor="ctr"/>
+              <a:lstStyle/>
+              <a:p>
+                <a:endParaRPr lang="ja-JP" altLang="en-US"/>
+              </a:p>
+            </p:txBody>
+          </p:sp>
+        </p:grpSp>
+        <p:grpSp>
+          <p:nvGrpSpPr>
+            <p:cNvPr id="11556" name="Group 292"/>
+            <p:cNvGrpSpPr>
+              <a:grpSpLocks/>
+            </p:cNvGrpSpPr>
+            <p:nvPr/>
+          </p:nvGrpSpPr>
+          <p:grpSpPr bwMode="auto">
+            <a:xfrm>
+              <a:off x="4053" y="1393"/>
+              <a:ext cx="548" cy="887"/>
+              <a:chOff x="2608" y="1887"/>
+              <a:chExt cx="636" cy="1044"/>
+            </a:xfrm>
+          </p:grpSpPr>
+          <p:sp>
+            <p:nvSpPr>
+              <p:cNvPr id="11557" name="Oval 293"/>
+              <p:cNvSpPr>
+                <a:spLocks noChangeArrowheads="1"/>
+              </p:cNvSpPr>
+              <p:nvPr/>
+            </p:nvSpPr>
+            <p:spPr bwMode="auto">
+              <a:xfrm>
+                <a:off x="3016" y="1933"/>
+                <a:ext cx="46" cy="46"/>
+              </a:xfrm>
+              <a:prstGeom prst="ellipse">
+                <a:avLst/>
+              </a:prstGeom>
+              <a:solidFill>
+                <a:srgbClr val="FF3399"/>
+              </a:solidFill>
+              <a:ln w="9525">
+                <a:solidFill>
+                  <a:schemeClr val="tx1"/>
+                </a:solidFill>
+                <a:round/>
+                <a:headEnd/>
+                <a:tailEnd/>
+              </a:ln>
+              <a:effectLst/>
+              <a:extLst>
+                <a:ext uri="{AF507438-7753-43E0-B8FC-AC1667EBCBE1}">
+                  <a14:hiddenEffects xmlns:a14="http://schemas.microsoft.com/office/drawing/2010/main">
+                    <a:effectLst>
+                      <a:outerShdw dist="35921" dir="2700000" algn="ctr" rotWithShape="0">
+                        <a:schemeClr val="bg2"/>
+                      </a:outerShdw>
+                    </a:effectLst>
+                  </a14:hiddenEffects>
+                </a:ext>
+              </a:extLst>
+            </p:spPr>
+            <p:txBody>
+              <a:bodyPr wrap="none" anchor="ctr"/>
+              <a:lstStyle/>
+              <a:p>
+                <a:endParaRPr lang="ja-JP" altLang="en-US"/>
+              </a:p>
+            </p:txBody>
+          </p:sp>
+          <p:sp>
+            <p:nvSpPr>
+              <p:cNvPr id="11558" name="Oval 294"/>
+              <p:cNvSpPr>
+                <a:spLocks noChangeArrowheads="1"/>
+              </p:cNvSpPr>
+              <p:nvPr/>
+            </p:nvSpPr>
+            <p:spPr bwMode="auto">
+              <a:xfrm>
+                <a:off x="2698" y="2885"/>
+                <a:ext cx="46" cy="46"/>
+              </a:xfrm>
+              <a:prstGeom prst="ellipse">
+                <a:avLst/>
+              </a:prstGeom>
+              <a:solidFill>
+                <a:srgbClr val="FF3399"/>
+              </a:solidFill>
+              <a:ln w="9525">
+                <a:solidFill>
+                  <a:schemeClr val="tx1"/>
+                </a:solidFill>
+                <a:round/>
+                <a:headEnd/>
+                <a:tailEnd/>
+              </a:ln>
+              <a:effectLst/>
+              <a:extLst>
+                <a:ext uri="{AF507438-7753-43E0-B8FC-AC1667EBCBE1}">
+                  <a14:hiddenEffects xmlns:a14="http://schemas.microsoft.com/office/drawing/2010/main">
+                    <a:effectLst>
+                      <a:outerShdw dist="35921" dir="2700000" algn="ctr" rotWithShape="0">
+                        <a:schemeClr val="bg2"/>
+                      </a:outerShdw>
+                    </a:effectLst>
+                  </a14:hiddenEffects>
+                </a:ext>
+              </a:extLst>
+            </p:spPr>
+            <p:txBody>
+              <a:bodyPr wrap="none" anchor="ctr"/>
+              <a:lstStyle/>
+              <a:p>
+                <a:endParaRPr lang="ja-JP" altLang="en-US"/>
+              </a:p>
+            </p:txBody>
+          </p:sp>
+          <p:sp>
+            <p:nvSpPr>
+              <p:cNvPr id="11559" name="Oval 295"/>
+              <p:cNvSpPr>
+                <a:spLocks noChangeArrowheads="1"/>
+              </p:cNvSpPr>
+              <p:nvPr/>
+            </p:nvSpPr>
+            <p:spPr bwMode="auto">
+              <a:xfrm>
+                <a:off x="3198" y="2794"/>
+                <a:ext cx="46" cy="46"/>
+              </a:xfrm>
+              <a:prstGeom prst="ellipse">
+                <a:avLst/>
+              </a:prstGeom>
+              <a:solidFill>
+                <a:srgbClr val="FF3399"/>
+              </a:solidFill>
+              <a:ln w="9525">
+                <a:solidFill>
+                  <a:schemeClr val="tx1"/>
+                </a:solidFill>
+                <a:round/>
+                <a:headEnd/>
+                <a:tailEnd/>
+              </a:ln>
+              <a:effectLst/>
+              <a:extLst>
+                <a:ext uri="{AF507438-7753-43E0-B8FC-AC1667EBCBE1}">
+                  <a14:hiddenEffects xmlns:a14="http://schemas.microsoft.com/office/drawing/2010/main">
+                    <a:effectLst>
+                      <a:outerShdw dist="35921" dir="2700000" algn="ctr" rotWithShape="0">
+                        <a:schemeClr val="bg2"/>
+                      </a:outerShdw>
+                    </a:effectLst>
+                  </a14:hiddenEffects>
+                </a:ext>
+              </a:extLst>
+            </p:spPr>
+            <p:txBody>
+              <a:bodyPr wrap="none" anchor="ctr"/>
+              <a:lstStyle/>
+              <a:p>
+                <a:endParaRPr lang="ja-JP" altLang="en-US"/>
+              </a:p>
+            </p:txBody>
+          </p:sp>
+          <p:sp>
+            <p:nvSpPr>
+              <p:cNvPr id="11560" name="Oval 296"/>
+              <p:cNvSpPr>
+                <a:spLocks noChangeArrowheads="1"/>
+              </p:cNvSpPr>
+              <p:nvPr/>
+            </p:nvSpPr>
+            <p:spPr bwMode="auto">
+              <a:xfrm>
+                <a:off x="2608" y="1887"/>
+                <a:ext cx="46" cy="46"/>
+              </a:xfrm>
+              <a:prstGeom prst="ellipse">
+                <a:avLst/>
+              </a:prstGeom>
+              <a:solidFill>
+                <a:srgbClr val="FF3399"/>
+              </a:solidFill>
+              <a:ln w="9525">
+                <a:solidFill>
+                  <a:schemeClr val="tx1"/>
+                </a:solidFill>
+                <a:round/>
+                <a:headEnd/>
+                <a:tailEnd/>
+              </a:ln>
+              <a:effectLst/>
+              <a:extLst>
+                <a:ext uri="{AF507438-7753-43E0-B8FC-AC1667EBCBE1}">
+                  <a14:hiddenEffects xmlns:a14="http://schemas.microsoft.com/office/drawing/2010/main">
+                    <a:effectLst>
+                      <a:outerShdw dist="35921" dir="2700000" algn="ctr" rotWithShape="0">
+                        <a:schemeClr val="bg2"/>
+                      </a:outerShdw>
+                    </a:effectLst>
+                  </a14:hiddenEffects>
+                </a:ext>
+              </a:extLst>
+            </p:spPr>
+            <p:txBody>
+              <a:bodyPr wrap="none" anchor="ctr"/>
+              <a:lstStyle/>
+              <a:p>
+                <a:endParaRPr lang="ja-JP" altLang="en-US"/>
+              </a:p>
+            </p:txBody>
+          </p:sp>
+          <p:sp>
+            <p:nvSpPr>
+              <p:cNvPr id="11561" name="Oval 297"/>
+              <p:cNvSpPr>
+                <a:spLocks noChangeArrowheads="1"/>
+              </p:cNvSpPr>
+              <p:nvPr/>
+            </p:nvSpPr>
+            <p:spPr bwMode="auto">
+              <a:xfrm>
+                <a:off x="2789" y="2432"/>
+                <a:ext cx="46" cy="46"/>
+              </a:xfrm>
+              <a:prstGeom prst="ellipse">
+                <a:avLst/>
+              </a:prstGeom>
+              <a:solidFill>
+                <a:srgbClr val="FF3399"/>
+              </a:solidFill>
+              <a:ln w="9525">
+                <a:solidFill>
+                  <a:schemeClr val="tx1"/>
+                </a:solidFill>
+                <a:round/>
+                <a:headEnd/>
+                <a:tailEnd/>
+              </a:ln>
+              <a:effectLst/>
+              <a:extLst>
+                <a:ext uri="{AF507438-7753-43E0-B8FC-AC1667EBCBE1}">
+                  <a14:hiddenEffects xmlns:a14="http://schemas.microsoft.com/office/drawing/2010/main">
+                    <a:effectLst>
+                      <a:outerShdw dist="35921" dir="2700000" algn="ctr" rotWithShape="0">
+                        <a:schemeClr val="bg2"/>
+                      </a:outerShdw>
+                    </a:effectLst>
+                  </a14:hiddenEffects>
+                </a:ext>
+              </a:extLst>
+            </p:spPr>
+            <p:txBody>
+              <a:bodyPr wrap="none" anchor="ctr"/>
+              <a:lstStyle/>
+              <a:p>
+                <a:endParaRPr lang="ja-JP" altLang="en-US"/>
+              </a:p>
+            </p:txBody>
+          </p:sp>
+          <p:sp>
+            <p:nvSpPr>
+              <p:cNvPr id="11562" name="Oval 298"/>
+              <p:cNvSpPr>
+                <a:spLocks noChangeArrowheads="1"/>
+              </p:cNvSpPr>
+              <p:nvPr/>
+            </p:nvSpPr>
+            <p:spPr bwMode="auto">
+              <a:xfrm>
+                <a:off x="2880" y="2386"/>
+                <a:ext cx="46" cy="46"/>
+              </a:xfrm>
+              <a:prstGeom prst="ellipse">
+                <a:avLst/>
+              </a:prstGeom>
+              <a:solidFill>
+                <a:srgbClr val="FF3399"/>
+              </a:solidFill>
+              <a:ln w="9525">
+                <a:solidFill>
+                  <a:schemeClr val="tx1"/>
+                </a:solidFill>
+                <a:round/>
+                <a:headEnd/>
+                <a:tailEnd/>
+              </a:ln>
+              <a:effectLst/>
+              <a:extLst>
+                <a:ext uri="{AF507438-7753-43E0-B8FC-AC1667EBCBE1}">
+                  <a14:hiddenEffects xmlns:a14="http://schemas.microsoft.com/office/drawing/2010/main">
+                    <a:effectLst>
+                      <a:outerShdw dist="35921" dir="2700000" algn="ctr" rotWithShape="0">
+                        <a:schemeClr val="bg2"/>
+                      </a:outerShdw>
+                    </a:effectLst>
+                  </a14:hiddenEffects>
+                </a:ext>
+              </a:extLst>
+            </p:spPr>
+            <p:txBody>
+              <a:bodyPr wrap="none" anchor="ctr"/>
+              <a:lstStyle/>
+              <a:p>
+                <a:endParaRPr lang="ja-JP" altLang="en-US"/>
+              </a:p>
+            </p:txBody>
+          </p:sp>
+          <p:sp>
+            <p:nvSpPr>
+              <p:cNvPr id="11563" name="Oval 299"/>
+              <p:cNvSpPr>
+                <a:spLocks noChangeArrowheads="1"/>
+              </p:cNvSpPr>
+              <p:nvPr/>
+            </p:nvSpPr>
+            <p:spPr bwMode="auto">
+              <a:xfrm>
+                <a:off x="2925" y="2341"/>
+                <a:ext cx="46" cy="46"/>
+              </a:xfrm>
+              <a:prstGeom prst="ellipse">
+                <a:avLst/>
+              </a:prstGeom>
+              <a:solidFill>
+                <a:srgbClr val="FF3399"/>
+              </a:solidFill>
+              <a:ln w="9525">
+                <a:solidFill>
+                  <a:schemeClr val="tx1"/>
+                </a:solidFill>
+                <a:round/>
+                <a:headEnd/>
+                <a:tailEnd/>
+              </a:ln>
+              <a:effectLst/>
+              <a:extLst>
+                <a:ext uri="{AF507438-7753-43E0-B8FC-AC1667EBCBE1}">
+                  <a14:hiddenEffects xmlns:a14="http://schemas.microsoft.com/office/drawing/2010/main">
+                    <a:effectLst>
+                      <a:outerShdw dist="35921" dir="2700000" algn="ctr" rotWithShape="0">
+                        <a:schemeClr val="bg2"/>
+                      </a:outerShdw>
+                    </a:effectLst>
+                  </a14:hiddenEffects>
+                </a:ext>
+              </a:extLst>
+            </p:spPr>
+            <p:txBody>
+              <a:bodyPr wrap="none" anchor="ctr"/>
+              <a:lstStyle/>
+              <a:p>
+                <a:endParaRPr lang="ja-JP" altLang="en-US"/>
+              </a:p>
+            </p:txBody>
+          </p:sp>
+        </p:grpSp>
+        <p:sp>
+          <p:nvSpPr>
+            <p:cNvPr id="11564" name="Line 300"/>
+            <p:cNvSpPr>
+              <a:spLocks noChangeShapeType="1"/>
+            </p:cNvSpPr>
+            <p:nvPr/>
+          </p:nvSpPr>
+          <p:spPr bwMode="auto">
+            <a:xfrm>
+              <a:off x="3794" y="1261"/>
+              <a:ext cx="363" cy="997"/>
+            </a:xfrm>
+            <a:prstGeom prst="line">
+              <a:avLst/>
+            </a:prstGeom>
+            <a:noFill/>
+            <a:ln w="9525">
+              <a:solidFill>
+                <a:schemeClr val="tx1"/>
+              </a:solidFill>
+              <a:round/>
+              <a:headEnd/>
+              <a:tailEnd type="triangle" w="med" len="med"/>
+            </a:ln>
+            <a:effectLst/>
+            <a:extLst>
+              <a:ext uri="{909E8E84-426E-40DD-AFC4-6F175D3DCCD1}">
+                <a14:hiddenFill xmlns:a14="http://schemas.microsoft.com/office/drawing/2010/main">
+                  <a:noFill/>
+                </a14:hiddenFill>
+              </a:ext>
+              <a:ext uri="{AF507438-7753-43E0-B8FC-AC1667EBCBE1}">
+                <a14:hiddenEffects xmlns:a14="http://schemas.microsoft.com/office/drawing/2010/main">
+                  <a:effectLst>
+                    <a:outerShdw dist="35921" dir="2700000" algn="ctr" rotWithShape="0">
+                      <a:schemeClr val="bg2"/>
+                    </a:outerShdw>
+                  </a:effectLst>
+                </a14:hiddenEffects>
+              </a:ext>
+            </a:extLst>
+          </p:spPr>
+          <p:txBody>
+            <a:bodyPr/>
+            <a:lstStyle/>
+            <a:p>
+              <a:endParaRPr lang="ja-JP" altLang="en-US"/>
+            </a:p>
+          </p:txBody>
+        </p:sp>
+        <p:sp>
+          <p:nvSpPr>
+            <p:cNvPr id="11565" name="Line 301"/>
+            <p:cNvSpPr>
+              <a:spLocks noChangeShapeType="1"/>
+            </p:cNvSpPr>
+            <p:nvPr/>
+          </p:nvSpPr>
+          <p:spPr bwMode="auto">
+            <a:xfrm>
+              <a:off x="3794" y="1261"/>
+              <a:ext cx="772" cy="906"/>
+            </a:xfrm>
+            <a:prstGeom prst="line">
+              <a:avLst/>
+            </a:prstGeom>
+            <a:noFill/>
+            <a:ln w="9525">
+              <a:solidFill>
+                <a:schemeClr val="tx1"/>
+              </a:solidFill>
+              <a:round/>
+              <a:headEnd/>
+              <a:tailEnd type="triangle" w="med" len="med"/>
+            </a:ln>
+            <a:effectLst/>
+            <a:extLst>
+              <a:ext uri="{909E8E84-426E-40DD-AFC4-6F175D3DCCD1}">
+                <a14:hiddenFill xmlns:a14="http://schemas.microsoft.com/office/drawing/2010/main">
+                  <a:noFill/>
+                </a14:hiddenFill>
+              </a:ext>
+              <a:ext uri="{AF507438-7753-43E0-B8FC-AC1667EBCBE1}">
+                <a14:hiddenEffects xmlns:a14="http://schemas.microsoft.com/office/drawing/2010/main">
+                  <a:effectLst>
+                    <a:outerShdw dist="35921" dir="2700000" algn="ctr" rotWithShape="0">
+                      <a:schemeClr val="bg2"/>
+                    </a:outerShdw>
+                  </a:effectLst>
+                </a14:hiddenEffects>
+              </a:ext>
+            </a:extLst>
+          </p:spPr>
+          <p:txBody>
+            <a:bodyPr/>
+            <a:lstStyle/>
+            <a:p>
+              <a:endParaRPr lang="ja-JP" altLang="en-US"/>
+            </a:p>
+          </p:txBody>
+        </p:sp>
+        <p:sp>
+          <p:nvSpPr>
+            <p:cNvPr id="11566" name="Line 302"/>
+            <p:cNvSpPr>
+              <a:spLocks noChangeShapeType="1"/>
+            </p:cNvSpPr>
+            <p:nvPr/>
+          </p:nvSpPr>
+          <p:spPr bwMode="auto">
+            <a:xfrm>
+              <a:off x="3794" y="1261"/>
+              <a:ext cx="454" cy="635"/>
+            </a:xfrm>
+            <a:prstGeom prst="line">
+              <a:avLst/>
+            </a:prstGeom>
+            <a:noFill/>
+            <a:ln w="9525">
+              <a:solidFill>
+                <a:schemeClr val="tx1"/>
+              </a:solidFill>
+              <a:round/>
+              <a:headEnd/>
+              <a:tailEnd type="triangle" w="med" len="med"/>
+            </a:ln>
+            <a:effectLst/>
+            <a:extLst>
+              <a:ext uri="{909E8E84-426E-40DD-AFC4-6F175D3DCCD1}">
+                <a14:hiddenFill xmlns:a14="http://schemas.microsoft.com/office/drawing/2010/main">
+                  <a:noFill/>
+                </a14:hiddenFill>
+              </a:ext>
+              <a:ext uri="{AF507438-7753-43E0-B8FC-AC1667EBCBE1}">
+                <a14:hiddenEffects xmlns:a14="http://schemas.microsoft.com/office/drawing/2010/main">
+                  <a:effectLst>
+                    <a:outerShdw dist="35921" dir="2700000" algn="ctr" rotWithShape="0">
+                      <a:schemeClr val="bg2"/>
+                    </a:outerShdw>
+                  </a:effectLst>
+                </a14:hiddenEffects>
+              </a:ext>
+            </a:extLst>
+          </p:spPr>
+          <p:txBody>
+            <a:bodyPr/>
+            <a:lstStyle/>
+            <a:p>
+              <a:endParaRPr lang="ja-JP" altLang="en-US"/>
+            </a:p>
+          </p:txBody>
+        </p:sp>
+        <p:sp>
+          <p:nvSpPr>
+            <p:cNvPr id="11567" name="Line 303"/>
+            <p:cNvSpPr>
+              <a:spLocks noChangeShapeType="1"/>
+            </p:cNvSpPr>
+            <p:nvPr/>
+          </p:nvSpPr>
+          <p:spPr bwMode="auto">
+            <a:xfrm>
+              <a:off x="3794" y="1261"/>
+              <a:ext cx="545" cy="544"/>
+            </a:xfrm>
+            <a:prstGeom prst="line">
+              <a:avLst/>
+            </a:prstGeom>
+            <a:noFill/>
+            <a:ln w="9525">
+              <a:solidFill>
+                <a:schemeClr val="tx1"/>
+              </a:solidFill>
+              <a:round/>
+              <a:headEnd/>
+              <a:tailEnd type="triangle" w="med" len="med"/>
+            </a:ln>
+            <a:effectLst/>
+            <a:extLst>
+              <a:ext uri="{909E8E84-426E-40DD-AFC4-6F175D3DCCD1}">
+                <a14:hiddenFill xmlns:a14="http://schemas.microsoft.com/office/drawing/2010/main">
+                  <a:noFill/>
+                </a14:hiddenFill>
+              </a:ext>
+              <a:ext uri="{AF507438-7753-43E0-B8FC-AC1667EBCBE1}">
+                <a14:hiddenEffects xmlns:a14="http://schemas.microsoft.com/office/drawing/2010/main">
+                  <a:effectLst>
+                    <a:outerShdw dist="35921" dir="2700000" algn="ctr" rotWithShape="0">
+                      <a:schemeClr val="bg2"/>
+                    </a:outerShdw>
+                  </a:effectLst>
+                </a14:hiddenEffects>
+              </a:ext>
+            </a:extLst>
+          </p:spPr>
+          <p:txBody>
+            <a:bodyPr/>
+            <a:lstStyle/>
+            <a:p>
+              <a:endParaRPr lang="ja-JP" altLang="en-US"/>
+            </a:p>
+          </p:txBody>
+        </p:sp>
+        <p:sp>
+          <p:nvSpPr>
+            <p:cNvPr id="11568" name="Line 304"/>
+            <p:cNvSpPr>
+              <a:spLocks noChangeShapeType="1"/>
+            </p:cNvSpPr>
+            <p:nvPr/>
+          </p:nvSpPr>
+          <p:spPr bwMode="auto">
+            <a:xfrm>
+              <a:off x="3794" y="1261"/>
+              <a:ext cx="272" cy="181"/>
+            </a:xfrm>
+            <a:prstGeom prst="line">
+              <a:avLst/>
+            </a:prstGeom>
+            <a:noFill/>
+            <a:ln w="9525">
+              <a:solidFill>
+                <a:schemeClr val="tx1"/>
+              </a:solidFill>
+              <a:round/>
+              <a:headEnd/>
+              <a:tailEnd type="triangle" w="med" len="med"/>
+            </a:ln>
+            <a:effectLst/>
+            <a:extLst>
+              <a:ext uri="{909E8E84-426E-40DD-AFC4-6F175D3DCCD1}">
+                <a14:hiddenFill xmlns:a14="http://schemas.microsoft.com/office/drawing/2010/main">
+                  <a:noFill/>
+                </a14:hiddenFill>
+              </a:ext>
+              <a:ext uri="{AF507438-7753-43E0-B8FC-AC1667EBCBE1}">
+                <a14:hiddenEffects xmlns:a14="http://schemas.microsoft.com/office/drawing/2010/main">
+                  <a:effectLst>
+                    <a:outerShdw dist="35921" dir="2700000" algn="ctr" rotWithShape="0">
+                      <a:schemeClr val="bg2"/>
+                    </a:outerShdw>
+                  </a:effectLst>
+                </a14:hiddenEffects>
+              </a:ext>
+            </a:extLst>
+          </p:spPr>
+          <p:txBody>
+            <a:bodyPr/>
+            <a:lstStyle/>
+            <a:p>
+              <a:endParaRPr lang="ja-JP" altLang="en-US"/>
+            </a:p>
+          </p:txBody>
+        </p:sp>
+        <p:sp>
+          <p:nvSpPr>
+            <p:cNvPr id="11569" name="Line 305"/>
+            <p:cNvSpPr>
+              <a:spLocks noChangeShapeType="1"/>
+            </p:cNvSpPr>
+            <p:nvPr/>
+          </p:nvSpPr>
+          <p:spPr bwMode="auto">
+            <a:xfrm>
+              <a:off x="3794" y="1261"/>
+              <a:ext cx="636" cy="181"/>
+            </a:xfrm>
+            <a:prstGeom prst="line">
+              <a:avLst/>
+            </a:prstGeom>
+            <a:noFill/>
+            <a:ln w="9525">
+              <a:solidFill>
+                <a:schemeClr val="tx1"/>
+              </a:solidFill>
+              <a:round/>
+              <a:headEnd/>
+              <a:tailEnd type="triangle" w="med" len="med"/>
+            </a:ln>
+            <a:effectLst/>
+            <a:extLst>
+              <a:ext uri="{909E8E84-426E-40DD-AFC4-6F175D3DCCD1}">
+                <a14:hiddenFill xmlns:a14="http://schemas.microsoft.com/office/drawing/2010/main">
+                  <a:noFill/>
+                </a14:hiddenFill>
+              </a:ext>
+              <a:ext uri="{AF507438-7753-43E0-B8FC-AC1667EBCBE1}">
+                <a14:hiddenEffects xmlns:a14="http://schemas.microsoft.com/office/drawing/2010/main">
+                  <a:effectLst>
+                    <a:outerShdw dist="35921" dir="2700000" algn="ctr" rotWithShape="0">
+                      <a:schemeClr val="bg2"/>
+                    </a:outerShdw>
+                  </a:effectLst>
+                </a14:hiddenEffects>
+              </a:ext>
+            </a:extLst>
+          </p:spPr>
+          <p:txBody>
+            <a:bodyPr/>
+            <a:lstStyle/>
+            <a:p>
+              <a:endParaRPr lang="ja-JP" altLang="en-US"/>
+            </a:p>
+          </p:txBody>
+        </p:sp>
+        <p:grpSp>
+          <p:nvGrpSpPr>
+            <p:cNvPr id="11570" name="Group 306"/>
+            <p:cNvGrpSpPr>
+              <a:grpSpLocks/>
+            </p:cNvGrpSpPr>
+            <p:nvPr/>
+          </p:nvGrpSpPr>
+          <p:grpSpPr bwMode="auto">
+            <a:xfrm>
+              <a:off x="3507" y="2711"/>
+              <a:ext cx="1330" cy="1310"/>
+              <a:chOff x="340" y="482"/>
+              <a:chExt cx="1905" cy="1905"/>
+            </a:xfrm>
+          </p:grpSpPr>
+          <p:sp>
+            <p:nvSpPr>
+              <p:cNvPr id="11571" name="Line 307"/>
+              <p:cNvSpPr>
+                <a:spLocks noChangeShapeType="1"/>
+              </p:cNvSpPr>
+              <p:nvPr/>
+            </p:nvSpPr>
+            <p:spPr bwMode="auto">
+              <a:xfrm>
+                <a:off x="340" y="1434"/>
+                <a:ext cx="1905" cy="0"/>
+              </a:xfrm>
+              <a:prstGeom prst="line">
+                <a:avLst/>
+              </a:prstGeom>
+              <a:noFill/>
+              <a:ln w="9525">
+                <a:solidFill>
+                  <a:schemeClr val="bg2"/>
+                </a:solidFill>
+                <a:round/>
+                <a:headEnd/>
+                <a:tailEnd type="triangle" w="med" len="med"/>
+              </a:ln>
+              <a:effectLst/>
+              <a:extLst>
+                <a:ext uri="{909E8E84-426E-40DD-AFC4-6F175D3DCCD1}">
+                  <a14:hiddenFill xmlns:a14="http://schemas.microsoft.com/office/drawing/2010/main">
+                    <a:noFill/>
+                  </a14:hiddenFill>
+                </a:ext>
+                <a:ext uri="{AF507438-7753-43E0-B8FC-AC1667EBCBE1}">
+                  <a14:hiddenEffects xmlns:a14="http://schemas.microsoft.com/office/drawing/2010/main">
+                    <a:effectLst>
+                      <a:outerShdw dist="35921" dir="2700000" algn="ctr" rotWithShape="0">
+                        <a:schemeClr val="bg2"/>
+                      </a:outerShdw>
+                    </a:effectLst>
+                  </a14:hiddenEffects>
+                </a:ext>
+              </a:extLst>
+            </p:spPr>
+            <p:txBody>
+              <a:bodyPr/>
+              <a:lstStyle/>
+              <a:p>
+                <a:endParaRPr lang="ja-JP" altLang="en-US"/>
+              </a:p>
+            </p:txBody>
+          </p:sp>
+          <p:sp>
+            <p:nvSpPr>
+              <p:cNvPr id="11572" name="Line 308"/>
+              <p:cNvSpPr>
+                <a:spLocks noChangeShapeType="1"/>
+              </p:cNvSpPr>
+              <p:nvPr/>
+            </p:nvSpPr>
+            <p:spPr bwMode="auto">
+              <a:xfrm flipH="1" flipV="1">
+                <a:off x="1292" y="482"/>
+                <a:ext cx="0" cy="1905"/>
+              </a:xfrm>
+              <a:prstGeom prst="line">
+                <a:avLst/>
+              </a:prstGeom>
+              <a:noFill/>
+              <a:ln w="9525">
+                <a:solidFill>
+                  <a:schemeClr val="bg2"/>
+                </a:solidFill>
+                <a:round/>
+                <a:headEnd/>
+                <a:tailEnd type="triangle" w="med" len="med"/>
+              </a:ln>
+              <a:effectLst/>
+              <a:extLst>
+                <a:ext uri="{909E8E84-426E-40DD-AFC4-6F175D3DCCD1}">
+                  <a14:hiddenFill xmlns:a14="http://schemas.microsoft.com/office/drawing/2010/main">
+                    <a:noFill/>
+                  </a14:hiddenFill>
+                </a:ext>
+                <a:ext uri="{AF507438-7753-43E0-B8FC-AC1667EBCBE1}">
+                  <a14:hiddenEffects xmlns:a14="http://schemas.microsoft.com/office/drawing/2010/main">
+                    <a:effectLst>
+                      <a:outerShdw dist="35921" dir="2700000" algn="ctr" rotWithShape="0">
+                        <a:schemeClr val="bg2"/>
+                      </a:outerShdw>
+                    </a:effectLst>
+                  </a14:hiddenEffects>
+                </a:ext>
+              </a:extLst>
+            </p:spPr>
+            <p:txBody>
+              <a:bodyPr/>
+              <a:lstStyle/>
+              <a:p>
+                <a:endParaRPr lang="ja-JP" altLang="en-US"/>
+              </a:p>
+            </p:txBody>
+          </p:sp>
+          <p:sp>
+            <p:nvSpPr>
+              <p:cNvPr id="11573" name="Rectangle 309"/>
+              <p:cNvSpPr>
+                <a:spLocks noChangeArrowheads="1"/>
+              </p:cNvSpPr>
+              <p:nvPr/>
+            </p:nvSpPr>
+            <p:spPr bwMode="auto">
+              <a:xfrm>
+                <a:off x="340" y="482"/>
+                <a:ext cx="1905" cy="1905"/>
+              </a:xfrm>
+              <a:prstGeom prst="rect">
+                <a:avLst/>
+              </a:prstGeom>
+              <a:noFill/>
+              <a:ln w="9525">
+                <a:solidFill>
+                  <a:schemeClr val="bg2"/>
+                </a:solidFill>
+                <a:miter lim="800000"/>
+                <a:headEnd/>
+                <a:tailEnd/>
+              </a:ln>
+              <a:effectLst/>
+              <a:extLst>
+                <a:ext uri="{909E8E84-426E-40DD-AFC4-6F175D3DCCD1}">
+                  <a14:hiddenFill xmlns:a14="http://schemas.microsoft.com/office/drawing/2010/main">
+                    <a:solidFill>
+                      <a:schemeClr val="accent1"/>
+                    </a:solidFill>
+                  </a14:hiddenFill>
+                </a:ext>
+                <a:ext uri="{AF507438-7753-43E0-B8FC-AC1667EBCBE1}">
+                  <a14:hiddenEffects xmlns:a14="http://schemas.microsoft.com/office/drawing/2010/main">
+                    <a:effectLst>
+                      <a:outerShdw dist="35921" dir="2700000" algn="ctr" rotWithShape="0">
+                        <a:schemeClr val="bg2"/>
+                      </a:outerShdw>
+                    </a:effectLst>
+                  </a14:hiddenEffects>
+                </a:ext>
+              </a:extLst>
+            </p:spPr>
+            <p:txBody>
+              <a:bodyPr wrap="none" anchor="ctr"/>
+              <a:lstStyle/>
+              <a:p>
+                <a:endParaRPr lang="ja-JP" altLang="en-US"/>
+              </a:p>
+            </p:txBody>
+          </p:sp>
+        </p:grpSp>
+        <p:sp>
+          <p:nvSpPr>
+            <p:cNvPr id="11580" name="Line 316"/>
+            <p:cNvSpPr>
+              <a:spLocks noChangeShapeType="1"/>
+            </p:cNvSpPr>
+            <p:nvPr/>
+          </p:nvSpPr>
+          <p:spPr bwMode="auto">
+            <a:xfrm>
+              <a:off x="3794" y="1261"/>
+              <a:ext cx="499" cy="544"/>
+            </a:xfrm>
+            <a:prstGeom prst="line">
+              <a:avLst/>
+            </a:prstGeom>
+            <a:noFill/>
+            <a:ln w="9525">
+              <a:solidFill>
+                <a:schemeClr val="tx1"/>
+              </a:solidFill>
+              <a:round/>
+              <a:headEnd/>
+              <a:tailEnd type="triangle" w="med" len="med"/>
+            </a:ln>
+            <a:effectLst/>
+            <a:extLst>
+              <a:ext uri="{909E8E84-426E-40DD-AFC4-6F175D3DCCD1}">
+                <a14:hiddenFill xmlns:a14="http://schemas.microsoft.com/office/drawing/2010/main">
+                  <a:noFill/>
+                </a14:hiddenFill>
+              </a:ext>
+              <a:ext uri="{AF507438-7753-43E0-B8FC-AC1667EBCBE1}">
+                <a14:hiddenEffects xmlns:a14="http://schemas.microsoft.com/office/drawing/2010/main">
+                  <a:effectLst>
+                    <a:outerShdw dist="35921" dir="2700000" algn="ctr" rotWithShape="0">
+                      <a:schemeClr val="bg2"/>
+                    </a:outerShdw>
+                  </a:effectLst>
+                </a14:hiddenEffects>
+              </a:ext>
+            </a:extLst>
+          </p:spPr>
+          <p:txBody>
+            <a:bodyPr/>
+            <a:lstStyle/>
+            <a:p>
+              <a:endParaRPr lang="ja-JP" altLang="en-US"/>
+            </a:p>
+          </p:txBody>
+        </p:sp>
+        <p:sp>
+          <p:nvSpPr>
+            <p:cNvPr id="11625" name="Line 361"/>
+            <p:cNvSpPr>
+              <a:spLocks noChangeShapeType="1"/>
+            </p:cNvSpPr>
+            <p:nvPr/>
+          </p:nvSpPr>
+          <p:spPr bwMode="auto">
+            <a:xfrm>
+              <a:off x="4170" y="3368"/>
+              <a:ext cx="363" cy="997"/>
+            </a:xfrm>
+            <a:prstGeom prst="line">
+              <a:avLst/>
+            </a:prstGeom>
+            <a:noFill/>
+            <a:ln w="9525">
+              <a:solidFill>
+                <a:schemeClr val="tx1"/>
+              </a:solidFill>
+              <a:round/>
+              <a:headEnd/>
+              <a:tailEnd type="triangle" w="med" len="med"/>
+            </a:ln>
+            <a:effectLst/>
+            <a:extLst>
+              <a:ext uri="{909E8E84-426E-40DD-AFC4-6F175D3DCCD1}">
+                <a14:hiddenFill xmlns:a14="http://schemas.microsoft.com/office/drawing/2010/main">
+                  <a:noFill/>
+                </a14:hiddenFill>
+              </a:ext>
+              <a:ext uri="{AF507438-7753-43E0-B8FC-AC1667EBCBE1}">
+                <a14:hiddenEffects xmlns:a14="http://schemas.microsoft.com/office/drawing/2010/main">
+                  <a:effectLst>
+                    <a:outerShdw dist="35921" dir="2700000" algn="ctr" rotWithShape="0">
+                      <a:schemeClr val="bg2"/>
+                    </a:outerShdw>
+                  </a:effectLst>
+                </a14:hiddenEffects>
+              </a:ext>
+            </a:extLst>
+          </p:spPr>
+          <p:txBody>
+            <a:bodyPr/>
+            <a:lstStyle/>
+            <a:p>
+              <a:endParaRPr lang="ja-JP" altLang="en-US"/>
+            </a:p>
+          </p:txBody>
+        </p:sp>
+        <p:sp>
+          <p:nvSpPr>
+            <p:cNvPr id="11626" name="Line 362"/>
+            <p:cNvSpPr>
+              <a:spLocks noChangeShapeType="1"/>
+            </p:cNvSpPr>
+            <p:nvPr/>
+          </p:nvSpPr>
+          <p:spPr bwMode="auto">
+            <a:xfrm>
+              <a:off x="4170" y="3368"/>
+              <a:ext cx="772" cy="906"/>
+            </a:xfrm>
+            <a:prstGeom prst="line">
+              <a:avLst/>
+            </a:prstGeom>
+            <a:noFill/>
+            <a:ln w="9525">
+              <a:solidFill>
+                <a:schemeClr val="tx1"/>
+              </a:solidFill>
+              <a:round/>
+              <a:headEnd/>
+              <a:tailEnd type="triangle" w="med" len="med"/>
+            </a:ln>
+            <a:effectLst/>
+            <a:extLst>
+              <a:ext uri="{909E8E84-426E-40DD-AFC4-6F175D3DCCD1}">
+                <a14:hiddenFill xmlns:a14="http://schemas.microsoft.com/office/drawing/2010/main">
+                  <a:noFill/>
+                </a14:hiddenFill>
+              </a:ext>
+              <a:ext uri="{AF507438-7753-43E0-B8FC-AC1667EBCBE1}">
+                <a14:hiddenEffects xmlns:a14="http://schemas.microsoft.com/office/drawing/2010/main">
+                  <a:effectLst>
+                    <a:outerShdw dist="35921" dir="2700000" algn="ctr" rotWithShape="0">
+                      <a:schemeClr val="bg2"/>
+                    </a:outerShdw>
+                  </a:effectLst>
+                </a14:hiddenEffects>
+              </a:ext>
+            </a:extLst>
+          </p:spPr>
+          <p:txBody>
+            <a:bodyPr/>
+            <a:lstStyle/>
+            <a:p>
+              <a:endParaRPr lang="ja-JP" altLang="en-US"/>
+            </a:p>
+          </p:txBody>
+        </p:sp>
+        <p:sp>
+          <p:nvSpPr>
+            <p:cNvPr id="11627" name="Line 363"/>
+            <p:cNvSpPr>
+              <a:spLocks noChangeShapeType="1"/>
+            </p:cNvSpPr>
+            <p:nvPr/>
+          </p:nvSpPr>
+          <p:spPr bwMode="auto">
+            <a:xfrm>
+              <a:off x="4170" y="3368"/>
+              <a:ext cx="454" cy="635"/>
+            </a:xfrm>
+            <a:prstGeom prst="line">
+              <a:avLst/>
+            </a:prstGeom>
+            <a:noFill/>
+            <a:ln w="9525">
+              <a:solidFill>
+                <a:schemeClr val="tx1"/>
+              </a:solidFill>
+              <a:round/>
+              <a:headEnd/>
+              <a:tailEnd type="triangle" w="med" len="med"/>
+            </a:ln>
+            <a:effectLst/>
+            <a:extLst>
+              <a:ext uri="{909E8E84-426E-40DD-AFC4-6F175D3DCCD1}">
+                <a14:hiddenFill xmlns:a14="http://schemas.microsoft.com/office/drawing/2010/main">
+                  <a:noFill/>
+                </a14:hiddenFill>
+              </a:ext>
+              <a:ext uri="{AF507438-7753-43E0-B8FC-AC1667EBCBE1}">
+                <a14:hiddenEffects xmlns:a14="http://schemas.microsoft.com/office/drawing/2010/main">
+                  <a:effectLst>
+                    <a:outerShdw dist="35921" dir="2700000" algn="ctr" rotWithShape="0">
+                      <a:schemeClr val="bg2"/>
+                    </a:outerShdw>
+                  </a:effectLst>
+                </a14:hiddenEffects>
+              </a:ext>
+            </a:extLst>
+          </p:spPr>
+          <p:txBody>
+            <a:bodyPr/>
+            <a:lstStyle/>
+            <a:p>
+              <a:endParaRPr lang="ja-JP" altLang="en-US"/>
+            </a:p>
+          </p:txBody>
+        </p:sp>
+        <p:sp>
+          <p:nvSpPr>
+            <p:cNvPr id="11628" name="Line 364"/>
+            <p:cNvSpPr>
+              <a:spLocks noChangeShapeType="1"/>
+            </p:cNvSpPr>
+            <p:nvPr/>
+          </p:nvSpPr>
+          <p:spPr bwMode="auto">
+            <a:xfrm>
+              <a:off x="4170" y="3368"/>
+              <a:ext cx="545" cy="544"/>
+            </a:xfrm>
+            <a:prstGeom prst="line">
+              <a:avLst/>
+            </a:prstGeom>
+            <a:noFill/>
+            <a:ln w="9525">
+              <a:solidFill>
+                <a:schemeClr val="tx1"/>
+              </a:solidFill>
+              <a:round/>
+              <a:headEnd/>
+              <a:tailEnd type="triangle" w="med" len="med"/>
+            </a:ln>
+            <a:effectLst/>
+            <a:extLst>
+              <a:ext uri="{909E8E84-426E-40DD-AFC4-6F175D3DCCD1}">
+                <a14:hiddenFill xmlns:a14="http://schemas.microsoft.com/office/drawing/2010/main">
+                  <a:noFill/>
+                </a14:hiddenFill>
+              </a:ext>
+              <a:ext uri="{AF507438-7753-43E0-B8FC-AC1667EBCBE1}">
+                <a14:hiddenEffects xmlns:a14="http://schemas.microsoft.com/office/drawing/2010/main">
+                  <a:effectLst>
+                    <a:outerShdw dist="35921" dir="2700000" algn="ctr" rotWithShape="0">
+                      <a:schemeClr val="bg2"/>
+                    </a:outerShdw>
+                  </a:effectLst>
+                </a14:hiddenEffects>
+              </a:ext>
+            </a:extLst>
+          </p:spPr>
+          <p:txBody>
+            <a:bodyPr/>
+            <a:lstStyle/>
+            <a:p>
+              <a:endParaRPr lang="ja-JP" altLang="en-US"/>
+            </a:p>
+          </p:txBody>
+        </p:sp>
+        <p:sp>
+          <p:nvSpPr>
+            <p:cNvPr id="11629" name="Line 365"/>
+            <p:cNvSpPr>
+              <a:spLocks noChangeShapeType="1"/>
+            </p:cNvSpPr>
+            <p:nvPr/>
+          </p:nvSpPr>
+          <p:spPr bwMode="auto">
+            <a:xfrm>
+              <a:off x="4170" y="3368"/>
+              <a:ext cx="272" cy="181"/>
+            </a:xfrm>
+            <a:prstGeom prst="line">
+              <a:avLst/>
+            </a:prstGeom>
+            <a:noFill/>
+            <a:ln w="9525">
+              <a:solidFill>
+                <a:schemeClr val="tx1"/>
+              </a:solidFill>
+              <a:round/>
+              <a:headEnd/>
+              <a:tailEnd type="triangle" w="med" len="med"/>
+            </a:ln>
+            <a:effectLst/>
+            <a:extLst>
+              <a:ext uri="{909E8E84-426E-40DD-AFC4-6F175D3DCCD1}">
+                <a14:hiddenFill xmlns:a14="http://schemas.microsoft.com/office/drawing/2010/main">
+                  <a:noFill/>
+                </a14:hiddenFill>
+              </a:ext>
+              <a:ext uri="{AF507438-7753-43E0-B8FC-AC1667EBCBE1}">
+                <a14:hiddenEffects xmlns:a14="http://schemas.microsoft.com/office/drawing/2010/main">
+                  <a:effectLst>
+                    <a:outerShdw dist="35921" dir="2700000" algn="ctr" rotWithShape="0">
+                      <a:schemeClr val="bg2"/>
+                    </a:outerShdw>
+                  </a:effectLst>
+                </a14:hiddenEffects>
+              </a:ext>
+            </a:extLst>
+          </p:spPr>
+          <p:txBody>
+            <a:bodyPr/>
+            <a:lstStyle/>
+            <a:p>
+              <a:endParaRPr lang="ja-JP" altLang="en-US"/>
+            </a:p>
+          </p:txBody>
+        </p:sp>
+        <p:sp>
+          <p:nvSpPr>
+            <p:cNvPr id="11630" name="Line 366"/>
+            <p:cNvSpPr>
+              <a:spLocks noChangeShapeType="1"/>
+            </p:cNvSpPr>
+            <p:nvPr/>
+          </p:nvSpPr>
+          <p:spPr bwMode="auto">
+            <a:xfrm>
+              <a:off x="4170" y="3368"/>
+              <a:ext cx="636" cy="181"/>
+            </a:xfrm>
+            <a:prstGeom prst="line">
+              <a:avLst/>
+            </a:prstGeom>
+            <a:noFill/>
+            <a:ln w="9525">
+              <a:solidFill>
+                <a:schemeClr val="tx1"/>
+              </a:solidFill>
+              <a:round/>
+              <a:headEnd/>
+              <a:tailEnd type="triangle" w="med" len="med"/>
+            </a:ln>
+            <a:effectLst/>
+            <a:extLst>
+              <a:ext uri="{909E8E84-426E-40DD-AFC4-6F175D3DCCD1}">
+                <a14:hiddenFill xmlns:a14="http://schemas.microsoft.com/office/drawing/2010/main">
+                  <a:noFill/>
+                </a14:hiddenFill>
+              </a:ext>
+              <a:ext uri="{AF507438-7753-43E0-B8FC-AC1667EBCBE1}">
+                <a14:hiddenEffects xmlns:a14="http://schemas.microsoft.com/office/drawing/2010/main">
+                  <a:effectLst>
+                    <a:outerShdw dist="35921" dir="2700000" algn="ctr" rotWithShape="0">
+                      <a:schemeClr val="bg2"/>
+                    </a:outerShdw>
+                  </a:effectLst>
+                </a14:hiddenEffects>
+              </a:ext>
+            </a:extLst>
+          </p:spPr>
+          <p:txBody>
+            <a:bodyPr/>
+            <a:lstStyle/>
+            <a:p>
+              <a:endParaRPr lang="ja-JP" altLang="en-US"/>
+            </a:p>
+          </p:txBody>
+        </p:sp>
+        <p:sp>
+          <p:nvSpPr>
+            <p:cNvPr id="11631" name="Line 367"/>
+            <p:cNvSpPr>
+              <a:spLocks noChangeShapeType="1"/>
+            </p:cNvSpPr>
+            <p:nvPr/>
+          </p:nvSpPr>
+          <p:spPr bwMode="auto">
+            <a:xfrm>
+              <a:off x="4170" y="3368"/>
+              <a:ext cx="499" cy="544"/>
+            </a:xfrm>
+            <a:prstGeom prst="line">
+              <a:avLst/>
+            </a:prstGeom>
+            <a:noFill/>
+            <a:ln w="9525">
+              <a:solidFill>
+                <a:schemeClr val="tx1"/>
+              </a:solidFill>
+              <a:round/>
+              <a:headEnd/>
+              <a:tailEnd type="triangle" w="med" len="med"/>
+            </a:ln>
+            <a:effectLst/>
+            <a:extLst>
+              <a:ext uri="{909E8E84-426E-40DD-AFC4-6F175D3DCCD1}">
+                <a14:hiddenFill xmlns:a14="http://schemas.microsoft.com/office/drawing/2010/main">
+                  <a:noFill/>
+                </a14:hiddenFill>
+              </a:ext>
+              <a:ext uri="{AF507438-7753-43E0-B8FC-AC1667EBCBE1}">
+                <a14:hiddenEffects xmlns:a14="http://schemas.microsoft.com/office/drawing/2010/main">
+                  <a:effectLst>
+                    <a:outerShdw dist="35921" dir="2700000" algn="ctr" rotWithShape="0">
+                      <a:schemeClr val="bg2"/>
+                    </a:outerShdw>
+                  </a:effectLst>
+                </a14:hiddenEffects>
+              </a:ext>
+            </a:extLst>
+          </p:spPr>
+          <p:txBody>
+            <a:bodyPr/>
+            <a:lstStyle/>
+            <a:p>
+              <a:endParaRPr lang="ja-JP" altLang="en-US"/>
+            </a:p>
+          </p:txBody>
+        </p:sp>
+        <p:sp>
+          <p:nvSpPr>
+            <p:cNvPr id="11643" name="Oval 379"/>
+            <p:cNvSpPr>
+              <a:spLocks noChangeArrowheads="1"/>
+            </p:cNvSpPr>
+            <p:nvPr/>
+          </p:nvSpPr>
+          <p:spPr bwMode="auto">
+            <a:xfrm>
+              <a:off x="4332" y="3430"/>
+              <a:ext cx="226" cy="227"/>
+            </a:xfrm>
+            <a:prstGeom prst="ellipse">
+              <a:avLst/>
+            </a:prstGeom>
+            <a:noFill/>
+            <a:ln w="19050">
+              <a:solidFill>
+                <a:srgbClr val="FF0000"/>
+              </a:solidFill>
+              <a:prstDash val="dash"/>
+              <a:round/>
+              <a:headEnd/>
+              <a:tailEnd/>
+            </a:ln>
+            <a:effectLst/>
+            <a:extLst>
+              <a:ext uri="{909E8E84-426E-40DD-AFC4-6F175D3DCCD1}">
+                <a14:hiddenFill xmlns:a14="http://schemas.microsoft.com/office/drawing/2010/main">
+                  <a:solidFill>
+                    <a:schemeClr val="accent1"/>
+                  </a:solidFill>
+                </a14:hiddenFill>
+              </a:ext>
+              <a:ext uri="{AF507438-7753-43E0-B8FC-AC1667EBCBE1}">
+                <a14:hiddenEffects xmlns:a14="http://schemas.microsoft.com/office/drawing/2010/main">
+                  <a:effectLst>
+                    <a:outerShdw dist="35921" dir="2700000" algn="ctr" rotWithShape="0">
+                      <a:schemeClr val="bg2"/>
+                    </a:outerShdw>
+                  </a:effectLst>
+                </a14:hiddenEffects>
+              </a:ext>
+            </a:extLst>
+          </p:spPr>
+          <p:txBody>
+            <a:bodyPr wrap="none" anchor="ctr"/>
+            <a:lstStyle/>
+            <a:p>
+              <a:endParaRPr lang="ja-JP" altLang="en-US"/>
+            </a:p>
+          </p:txBody>
+        </p:sp>
+      </p:grpSp>
+      <p:sp>
+        <p:nvSpPr>
+          <p:cNvPr id="11644" name="Line 380"/>
+          <p:cNvSpPr>
+            <a:spLocks noChangeShapeType="1"/>
+          </p:cNvSpPr>
+          <p:nvPr/>
+        </p:nvSpPr>
+        <p:spPr bwMode="auto">
+          <a:xfrm>
+            <a:off x="0" y="1412875"/>
+            <a:ext cx="9144000" cy="0"/>
+          </a:xfrm>
+          <a:prstGeom prst="line">
+            <a:avLst/>
+          </a:prstGeom>
+          <a:noFill/>
+          <a:ln w="9525">
+            <a:solidFill>
+              <a:schemeClr val="tx1"/>
+            </a:solidFill>
+            <a:round/>
+            <a:headEnd/>
+            <a:tailEnd/>
+          </a:ln>
+          <a:effectLst/>
+          <a:extLst>
+            <a:ext uri="{909E8E84-426E-40DD-AFC4-6F175D3DCCD1}">
+              <a14:hiddenFill xmlns:a14="http://schemas.microsoft.com/office/drawing/2010/main">
+                <a:noFill/>
+              </a14:hiddenFill>
+            </a:ext>
+            <a:ext uri="{AF507438-7753-43E0-B8FC-AC1667EBCBE1}">
+              <a14:hiddenEffects xmlns:a14="http://schemas.microsoft.com/office/drawing/2010/main">
+                <a:effectLst>
+                  <a:outerShdw dist="35921" dir="2700000" algn="ctr" rotWithShape="0">
+                    <a:schemeClr val="bg2"/>
+                  </a:outerShdw>
+                </a:effectLst>
+              </a14:hiddenEffects>
+            </a:ext>
+          </a:extLst>
+        </p:spPr>
+        <p:txBody>
+          <a:bodyPr/>
+          <a:lstStyle/>
+          <a:p>
+            <a:endParaRPr lang="ja-JP" altLang="en-US"/>
+          </a:p>
+        </p:txBody>
+      </p:sp>
+      <p:sp>
+        <p:nvSpPr>
+          <p:cNvPr id="11647" name="Text Box 383"/>
+          <p:cNvSpPr txBox="1">
+            <a:spLocks noChangeArrowheads="1"/>
+          </p:cNvSpPr>
+          <p:nvPr/>
+        </p:nvSpPr>
+        <p:spPr bwMode="auto">
+          <a:xfrm>
+            <a:off x="5319713" y="3789363"/>
+            <a:ext cx="476250" cy="366712"/>
+          </a:xfrm>
+          <a:prstGeom prst="rect">
+            <a:avLst/>
+          </a:prstGeom>
+          <a:noFill/>
+          <a:ln>
+            <a:noFill/>
+          </a:ln>
+          <a:effectLst/>
+          <a:extLst>
+            <a:ext uri="{909E8E84-426E-40DD-AFC4-6F175D3DCCD1}">
+              <a14:hiddenFill xmlns:a14="http://schemas.microsoft.com/office/drawing/2010/main">
+                <a:solidFill>
+                  <a:schemeClr val="accent1"/>
+                </a:solidFill>
+              </a14:hiddenFill>
+            </a:ext>
+            <a:ext uri="{91240B29-F687-4F45-9708-019B960494DF}">
+              <a14:hiddenLine xmlns:a14="http://schemas.microsoft.com/office/drawing/2010/main" w="9525">
+                <a:solidFill>
+                  <a:schemeClr val="tx1"/>
+                </a:solidFill>
+                <a:miter lim="800000"/>
+                <a:headEnd/>
+                <a:tailEnd/>
+              </a14:hiddenLine>
+            </a:ext>
+            <a:ext uri="{AF507438-7753-43E0-B8FC-AC1667EBCBE1}">
+              <a14:hiddenEffects xmlns:a14="http://schemas.microsoft.com/office/drawing/2010/main">
+                <a:effectLst>
+                  <a:outerShdw dist="35921" dir="2700000" algn="ctr" rotWithShape="0">
+                    <a:schemeClr val="bg2"/>
+                  </a:outerShdw>
+                </a:effectLst>
+              </a14:hiddenEffects>
+            </a:ext>
+          </a:extLst>
+        </p:spPr>
+        <p:txBody>
+          <a:bodyPr wrap="none">
+            <a:spAutoFit/>
+          </a:bodyPr>
+          <a:lstStyle/>
+          <a:p>
+            <a:r>
+              <a:rPr lang="en-US" altLang="ja-JP"/>
+              <a:t>….</a:t>
+            </a:r>
+          </a:p>
+        </p:txBody>
+      </p:sp>
+      <p:sp>
+        <p:nvSpPr>
+          <p:cNvPr id="3" name="テキスト ボックス 2"/>
+          <p:cNvSpPr txBox="1"/>
+          <p:nvPr/>
+        </p:nvSpPr>
+        <p:spPr>
+          <a:xfrm>
+            <a:off x="826362" y="3820121"/>
+            <a:ext cx="4416594" cy="923330"/>
+          </a:xfrm>
+          <a:prstGeom prst="rect">
+            <a:avLst/>
+          </a:prstGeom>
+          <a:noFill/>
+        </p:spPr>
+        <p:txBody>
+          <a:bodyPr wrap="none" rtlCol="0">
+            <a:spAutoFit/>
+          </a:bodyPr>
+          <a:lstStyle/>
+          <a:p>
+            <a:r>
+              <a:rPr lang="ja-JP" altLang="en-US" dirty="0"/>
+              <a:t>両者をまず適当に同じ座標系に載せ、</a:t>
+            </a:r>
+            <a:endParaRPr lang="en-US" altLang="ja-JP" dirty="0"/>
+          </a:p>
+          <a:p>
+            <a:r>
+              <a:rPr kumimoji="1" lang="ja-JP" altLang="en-US" dirty="0"/>
+              <a:t>全ての組み合わせ</a:t>
+            </a:r>
+            <a:r>
+              <a:rPr lang="ja-JP" altLang="en-US" dirty="0"/>
+              <a:t>で矢印をひき、</a:t>
+            </a:r>
+            <a:endParaRPr lang="en-US" altLang="ja-JP" dirty="0"/>
+          </a:p>
+          <a:p>
+            <a:r>
+              <a:rPr kumimoji="1" lang="ja-JP" altLang="en-US" dirty="0"/>
+              <a:t>原点を合わせ、二次元平面に累積していく。</a:t>
+            </a:r>
+          </a:p>
+        </p:txBody>
+      </p:sp>
+      <p:sp>
+        <p:nvSpPr>
+          <p:cNvPr id="160" name="テキスト ボックス 159"/>
+          <p:cNvSpPr txBox="1"/>
+          <p:nvPr/>
+        </p:nvSpPr>
+        <p:spPr>
+          <a:xfrm>
+            <a:off x="5227909" y="5915971"/>
+            <a:ext cx="2601994" cy="646331"/>
+          </a:xfrm>
+          <a:prstGeom prst="rect">
+            <a:avLst/>
+          </a:prstGeom>
+          <a:solidFill>
+            <a:schemeClr val="bg1"/>
+          </a:solidFill>
+          <a:ln>
+            <a:solidFill>
+              <a:schemeClr val="accent1"/>
+            </a:solidFill>
+          </a:ln>
+        </p:spPr>
+        <p:txBody>
+          <a:bodyPr wrap="none" rtlCol="0">
+            <a:spAutoFit/>
+          </a:bodyPr>
+          <a:lstStyle/>
+          <a:p>
+            <a:r>
+              <a:rPr lang="ja-JP" altLang="en-US" dirty="0"/>
+              <a:t>二次元ヒストグラムの</a:t>
+            </a:r>
+            <a:endParaRPr lang="en-US" altLang="ja-JP" dirty="0"/>
+          </a:p>
+          <a:p>
+            <a:r>
+              <a:rPr kumimoji="1" lang="ja-JP" altLang="en-US" dirty="0"/>
+              <a:t>ピーク検出処理に帰着。</a:t>
+            </a:r>
           </a:p>
         </p:txBody>
       </p:sp>
     </p:spTree>
     <p:extLst>
       <p:ext uri="{BB962C8B-B14F-4D97-AF65-F5344CB8AC3E}">
-        <p14:creationId xmlns:p14="http://schemas.microsoft.com/office/powerpoint/2010/main" val="2144650347"/>
+        <p14:creationId xmlns:p14="http://schemas.microsoft.com/office/powerpoint/2010/main" val="606357010"/>
       </p:ext>
     </p:extLst>
   </p:cSld>
@@ -7482,7 +14518,7 @@
     </p:spTree>
     <p:extLst>
       <p:ext uri="{BB962C8B-B14F-4D97-AF65-F5344CB8AC3E}">
-        <p14:creationId xmlns:p14="http://schemas.microsoft.com/office/powerpoint/2010/main" val="2764561612"/>
+        <p14:creationId xmlns:p14="http://schemas.microsoft.com/office/powerpoint/2010/main" val="2144650347"/>
       </p:ext>
     </p:extLst>
   </p:cSld>
@@ -7562,7 +14598,7 @@
     </p:spTree>
     <p:extLst>
       <p:ext uri="{BB962C8B-B14F-4D97-AF65-F5344CB8AC3E}">
-        <p14:creationId xmlns:p14="http://schemas.microsoft.com/office/powerpoint/2010/main" val="2298121941"/>
+        <p14:creationId xmlns:p14="http://schemas.microsoft.com/office/powerpoint/2010/main" val="2764561612"/>
       </p:ext>
     </p:extLst>
   </p:cSld>
@@ -8821,6 +15857,86 @@
 </file>
 
 <file path=ppt/slides/slide20.xml><?xml version="1.0" encoding="utf-8"?>
+<p:sld xmlns:a="http://schemas.openxmlformats.org/drawingml/2006/main" xmlns:r="http://schemas.openxmlformats.org/officeDocument/2006/relationships" xmlns:p="http://schemas.openxmlformats.org/presentationml/2006/main">
+  <p:cSld>
+    <p:spTree>
+      <p:nvGrpSpPr>
+        <p:cNvPr id="1" name=""/>
+        <p:cNvGrpSpPr/>
+        <p:nvPr/>
+      </p:nvGrpSpPr>
+      <p:grpSpPr>
+        <a:xfrm>
+          <a:off x="0" y="0"/>
+          <a:ext cx="0" cy="0"/>
+          <a:chOff x="0" y="0"/>
+          <a:chExt cx="0" cy="0"/>
+        </a:xfrm>
+      </p:grpSpPr>
+      <p:sp>
+        <p:nvSpPr>
+          <p:cNvPr id="6" name="正方形/長方形 5">
+            <a:extLst>
+              <a:ext uri="{FF2B5EF4-FFF2-40B4-BE49-F238E27FC236}">
+                <a16:creationId xmlns:a16="http://schemas.microsoft.com/office/drawing/2014/main" id="{B1578A1E-A918-4D17-BF4D-15695443B57B}"/>
+              </a:ext>
+            </a:extLst>
+          </p:cNvPr>
+          <p:cNvSpPr/>
+          <p:nvPr/>
+        </p:nvSpPr>
+        <p:spPr>
+          <a:xfrm>
+            <a:off x="2613991" y="5649349"/>
+            <a:ext cx="4149065" cy="363825"/>
+          </a:xfrm>
+          <a:prstGeom prst="rect">
+            <a:avLst/>
+          </a:prstGeom>
+          <a:noFill/>
+          <a:ln>
+            <a:noFill/>
+          </a:ln>
+        </p:spPr>
+        <p:style>
+          <a:lnRef idx="2">
+            <a:schemeClr val="accent1">
+              <a:shade val="50000"/>
+            </a:schemeClr>
+          </a:lnRef>
+          <a:fillRef idx="1">
+            <a:schemeClr val="accent1"/>
+          </a:fillRef>
+          <a:effectRef idx="0">
+            <a:schemeClr val="accent1"/>
+          </a:effectRef>
+          <a:fontRef idx="minor">
+            <a:schemeClr val="lt1"/>
+          </a:fontRef>
+        </p:style>
+        <p:txBody>
+          <a:bodyPr rtlCol="0" anchor="ctr"/>
+          <a:lstStyle/>
+          <a:p>
+            <a:pPr algn="ctr"/>
+            <a:endParaRPr kumimoji="1" lang="ja-JP" altLang="en-US" dirty="0"/>
+          </a:p>
+        </p:txBody>
+      </p:sp>
+    </p:spTree>
+    <p:extLst>
+      <p:ext uri="{BB962C8B-B14F-4D97-AF65-F5344CB8AC3E}">
+        <p14:creationId xmlns:p14="http://schemas.microsoft.com/office/powerpoint/2010/main" val="2298121941"/>
+      </p:ext>
+    </p:extLst>
+  </p:cSld>
+  <p:clrMapOvr>
+    <a:masterClrMapping/>
+  </p:clrMapOvr>
+</p:sld>
+</file>
+
+<file path=ppt/slides/slide21.xml><?xml version="1.0" encoding="utf-8"?>
 <p:sld xmlns:a="http://schemas.openxmlformats.org/drawingml/2006/main" xmlns:r="http://schemas.openxmlformats.org/officeDocument/2006/relationships" xmlns:p="http://schemas.openxmlformats.org/presentationml/2006/main">
   <p:cSld>
     <p:spTree>

--- a/修論画像作成.pptx
+++ b/修論画像作成.pptx
@@ -16,16 +16,22 @@
     <p:sldId id="263" r:id="rId10"/>
     <p:sldId id="264" r:id="rId11"/>
     <p:sldId id="265" r:id="rId12"/>
-    <p:sldId id="268" r:id="rId13"/>
-    <p:sldId id="275" r:id="rId14"/>
-    <p:sldId id="269" r:id="rId15"/>
-    <p:sldId id="276" r:id="rId16"/>
-    <p:sldId id="270" r:id="rId17"/>
-    <p:sldId id="277" r:id="rId18"/>
-    <p:sldId id="271" r:id="rId19"/>
-    <p:sldId id="272" r:id="rId20"/>
-    <p:sldId id="273" r:id="rId21"/>
-    <p:sldId id="274" r:id="rId22"/>
+    <p:sldId id="278" r:id="rId13"/>
+    <p:sldId id="279" r:id="rId14"/>
+    <p:sldId id="280" r:id="rId15"/>
+    <p:sldId id="281" r:id="rId16"/>
+    <p:sldId id="282" r:id="rId17"/>
+    <p:sldId id="283" r:id="rId18"/>
+    <p:sldId id="268" r:id="rId19"/>
+    <p:sldId id="275" r:id="rId20"/>
+    <p:sldId id="269" r:id="rId21"/>
+    <p:sldId id="276" r:id="rId22"/>
+    <p:sldId id="270" r:id="rId23"/>
+    <p:sldId id="277" r:id="rId24"/>
+    <p:sldId id="271" r:id="rId25"/>
+    <p:sldId id="272" r:id="rId26"/>
+    <p:sldId id="273" r:id="rId27"/>
+    <p:sldId id="274" r:id="rId28"/>
   </p:sldIdLst>
   <p:sldSz cx="9144000" cy="6858000" type="screen4x3"/>
   <p:notesSz cx="6858000" cy="9144000"/>
@@ -1582,7 +1588,7 @@
           <a:p>
             <a:fld id="{C6AC7F0E-DDCA-4467-BA12-379A322E0DE2}" type="datetimeFigureOut">
               <a:rPr kumimoji="1" lang="ja-JP" altLang="en-US" smtClean="0"/>
-              <a:t>2017/11/29</a:t>
+              <a:t>2017/12/4</a:t>
             </a:fld>
             <a:endParaRPr kumimoji="1" lang="ja-JP" altLang="en-US"/>
           </a:p>
@@ -1784,7 +1790,7 @@
           <a:p>
             <a:fld id="{C6AC7F0E-DDCA-4467-BA12-379A322E0DE2}" type="datetimeFigureOut">
               <a:rPr kumimoji="1" lang="ja-JP" altLang="en-US" smtClean="0"/>
-              <a:t>2017/11/29</a:t>
+              <a:t>2017/12/4</a:t>
             </a:fld>
             <a:endParaRPr kumimoji="1" lang="ja-JP" altLang="en-US"/>
           </a:p>
@@ -1996,7 +2002,7 @@
           <a:p>
             <a:fld id="{C6AC7F0E-DDCA-4467-BA12-379A322E0DE2}" type="datetimeFigureOut">
               <a:rPr kumimoji="1" lang="ja-JP" altLang="en-US" smtClean="0"/>
-              <a:t>2017/11/29</a:t>
+              <a:t>2017/12/4</a:t>
             </a:fld>
             <a:endParaRPr kumimoji="1" lang="ja-JP" altLang="en-US"/>
           </a:p>
@@ -2198,7 +2204,7 @@
           <a:p>
             <a:fld id="{C6AC7F0E-DDCA-4467-BA12-379A322E0DE2}" type="datetimeFigureOut">
               <a:rPr kumimoji="1" lang="ja-JP" altLang="en-US" smtClean="0"/>
-              <a:t>2017/11/29</a:t>
+              <a:t>2017/12/4</a:t>
             </a:fld>
             <a:endParaRPr kumimoji="1" lang="ja-JP" altLang="en-US"/>
           </a:p>
@@ -2442,7 +2448,7 @@
           <a:p>
             <a:fld id="{C6AC7F0E-DDCA-4467-BA12-379A322E0DE2}" type="datetimeFigureOut">
               <a:rPr kumimoji="1" lang="ja-JP" altLang="en-US" smtClean="0"/>
-              <a:t>2017/11/29</a:t>
+              <a:t>2017/12/4</a:t>
             </a:fld>
             <a:endParaRPr kumimoji="1" lang="ja-JP" altLang="en-US"/>
           </a:p>
@@ -2738,7 +2744,7 @@
           <a:p>
             <a:fld id="{C6AC7F0E-DDCA-4467-BA12-379A322E0DE2}" type="datetimeFigureOut">
               <a:rPr kumimoji="1" lang="ja-JP" altLang="en-US" smtClean="0"/>
-              <a:t>2017/11/29</a:t>
+              <a:t>2017/12/4</a:t>
             </a:fld>
             <a:endParaRPr kumimoji="1" lang="ja-JP" altLang="en-US"/>
           </a:p>
@@ -3169,7 +3175,7 @@
           <a:p>
             <a:fld id="{C6AC7F0E-DDCA-4467-BA12-379A322E0DE2}" type="datetimeFigureOut">
               <a:rPr kumimoji="1" lang="ja-JP" altLang="en-US" smtClean="0"/>
-              <a:t>2017/11/29</a:t>
+              <a:t>2017/12/4</a:t>
             </a:fld>
             <a:endParaRPr kumimoji="1" lang="ja-JP" altLang="en-US"/>
           </a:p>
@@ -3287,7 +3293,7 @@
           <a:p>
             <a:fld id="{C6AC7F0E-DDCA-4467-BA12-379A322E0DE2}" type="datetimeFigureOut">
               <a:rPr kumimoji="1" lang="ja-JP" altLang="en-US" smtClean="0"/>
-              <a:t>2017/11/29</a:t>
+              <a:t>2017/12/4</a:t>
             </a:fld>
             <a:endParaRPr kumimoji="1" lang="ja-JP" altLang="en-US"/>
           </a:p>
@@ -3382,7 +3388,7 @@
           <a:p>
             <a:fld id="{C6AC7F0E-DDCA-4467-BA12-379A322E0DE2}" type="datetimeFigureOut">
               <a:rPr kumimoji="1" lang="ja-JP" altLang="en-US" smtClean="0"/>
-              <a:t>2017/11/29</a:t>
+              <a:t>2017/12/4</a:t>
             </a:fld>
             <a:endParaRPr kumimoji="1" lang="ja-JP" altLang="en-US"/>
           </a:p>
@@ -3691,7 +3697,7 @@
           <a:p>
             <a:fld id="{C6AC7F0E-DDCA-4467-BA12-379A322E0DE2}" type="datetimeFigureOut">
               <a:rPr kumimoji="1" lang="ja-JP" altLang="en-US" smtClean="0"/>
-              <a:t>2017/11/29</a:t>
+              <a:t>2017/12/4</a:t>
             </a:fld>
             <a:endParaRPr kumimoji="1" lang="ja-JP" altLang="en-US"/>
           </a:p>
@@ -3948,7 +3954,7 @@
           <a:p>
             <a:fld id="{C6AC7F0E-DDCA-4467-BA12-379A322E0DE2}" type="datetimeFigureOut">
               <a:rPr kumimoji="1" lang="ja-JP" altLang="en-US" smtClean="0"/>
-              <a:t>2017/11/29</a:t>
+              <a:t>2017/12/4</a:t>
             </a:fld>
             <a:endParaRPr kumimoji="1" lang="ja-JP" altLang="en-US"/>
           </a:p>
@@ -4193,7 +4199,7 @@
           <a:p>
             <a:fld id="{C6AC7F0E-DDCA-4467-BA12-379A322E0DE2}" type="datetimeFigureOut">
               <a:rPr kumimoji="1" lang="ja-JP" altLang="en-US" smtClean="0"/>
-              <a:t>2017/11/29</a:t>
+              <a:t>2017/12/4</a:t>
             </a:fld>
             <a:endParaRPr kumimoji="1" lang="ja-JP" altLang="en-US"/>
           </a:p>
@@ -6263,6 +6269,361 @@
           <a:chExt cx="0" cy="0"/>
         </a:xfrm>
       </p:grpSpPr>
+      <p:pic>
+        <p:nvPicPr>
+          <p:cNvPr id="6" name="図 5">
+            <a:extLst>
+              <a:ext uri="{FF2B5EF4-FFF2-40B4-BE49-F238E27FC236}">
+                <a16:creationId xmlns:a16="http://schemas.microsoft.com/office/drawing/2014/main" id="{520E760D-92C6-4615-BD30-8E47C7532DFB}"/>
+              </a:ext>
+            </a:extLst>
+          </p:cNvPr>
+          <p:cNvPicPr>
+            <a:picLocks noChangeAspect="1"/>
+          </p:cNvPicPr>
+          <p:nvPr/>
+        </p:nvPicPr>
+        <p:blipFill rotWithShape="1">
+          <a:blip r:embed="rId2">
+            <a:extLst>
+              <a:ext uri="{28A0092B-C50C-407E-A947-70E740481C1C}">
+                <a14:useLocalDpi xmlns:a14="http://schemas.microsoft.com/office/drawing/2010/main" val="0"/>
+              </a:ext>
+            </a:extLst>
+          </a:blip>
+          <a:srcRect l="21848" r="3696"/>
+          <a:stretch/>
+        </p:blipFill>
+        <p:spPr>
+          <a:xfrm>
+            <a:off x="1262270" y="705687"/>
+            <a:ext cx="6808306" cy="5148451"/>
+          </a:xfrm>
+          <a:prstGeom prst="rect">
+            <a:avLst/>
+          </a:prstGeom>
+        </p:spPr>
+      </p:pic>
+    </p:spTree>
+    <p:extLst>
+      <p:ext uri="{BB962C8B-B14F-4D97-AF65-F5344CB8AC3E}">
+        <p14:creationId xmlns:p14="http://schemas.microsoft.com/office/powerpoint/2010/main" val="535601077"/>
+      </p:ext>
+    </p:extLst>
+  </p:cSld>
+  <p:clrMapOvr>
+    <a:masterClrMapping/>
+  </p:clrMapOvr>
+</p:sld>
+</file>
+
+<file path=ppt/slides/slide13.xml><?xml version="1.0" encoding="utf-8"?>
+<p:sld xmlns:a="http://schemas.openxmlformats.org/drawingml/2006/main" xmlns:r="http://schemas.openxmlformats.org/officeDocument/2006/relationships" xmlns:p="http://schemas.openxmlformats.org/presentationml/2006/main">
+  <p:cSld>
+    <p:spTree>
+      <p:nvGrpSpPr>
+        <p:cNvPr id="1" name=""/>
+        <p:cNvGrpSpPr/>
+        <p:nvPr/>
+      </p:nvGrpSpPr>
+      <p:grpSpPr>
+        <a:xfrm>
+          <a:off x="0" y="0"/>
+          <a:ext cx="0" cy="0"/>
+          <a:chOff x="0" y="0"/>
+          <a:chExt cx="0" cy="0"/>
+        </a:xfrm>
+      </p:grpSpPr>
+      <p:pic>
+        <p:nvPicPr>
+          <p:cNvPr id="3" name="図 2">
+            <a:extLst>
+              <a:ext uri="{FF2B5EF4-FFF2-40B4-BE49-F238E27FC236}">
+                <a16:creationId xmlns:a16="http://schemas.microsoft.com/office/drawing/2014/main" id="{9FE21BA2-0DF2-4D72-8735-E4D99BBDB02A}"/>
+              </a:ext>
+            </a:extLst>
+          </p:cNvPr>
+          <p:cNvPicPr>
+            <a:picLocks noChangeAspect="1"/>
+          </p:cNvPicPr>
+          <p:nvPr/>
+        </p:nvPicPr>
+        <p:blipFill rotWithShape="1">
+          <a:blip r:embed="rId2">
+            <a:extLst>
+              <a:ext uri="{28A0092B-C50C-407E-A947-70E740481C1C}">
+                <a14:useLocalDpi xmlns:a14="http://schemas.microsoft.com/office/drawing/2010/main" val="0"/>
+              </a:ext>
+            </a:extLst>
+          </a:blip>
+          <a:srcRect l="7065" r="17392"/>
+          <a:stretch/>
+        </p:blipFill>
+        <p:spPr>
+          <a:xfrm>
+            <a:off x="815009" y="658756"/>
+            <a:ext cx="6907696" cy="5142921"/>
+          </a:xfrm>
+          <a:prstGeom prst="rect">
+            <a:avLst/>
+          </a:prstGeom>
+        </p:spPr>
+      </p:pic>
+    </p:spTree>
+    <p:extLst>
+      <p:ext uri="{BB962C8B-B14F-4D97-AF65-F5344CB8AC3E}">
+        <p14:creationId xmlns:p14="http://schemas.microsoft.com/office/powerpoint/2010/main" val="2232936152"/>
+      </p:ext>
+    </p:extLst>
+  </p:cSld>
+  <p:clrMapOvr>
+    <a:masterClrMapping/>
+  </p:clrMapOvr>
+</p:sld>
+</file>
+
+<file path=ppt/slides/slide14.xml><?xml version="1.0" encoding="utf-8"?>
+<p:sld xmlns:a="http://schemas.openxmlformats.org/drawingml/2006/main" xmlns:r="http://schemas.openxmlformats.org/officeDocument/2006/relationships" xmlns:p="http://schemas.openxmlformats.org/presentationml/2006/main">
+  <p:cSld>
+    <p:spTree>
+      <p:nvGrpSpPr>
+        <p:cNvPr id="1" name=""/>
+        <p:cNvGrpSpPr/>
+        <p:nvPr/>
+      </p:nvGrpSpPr>
+      <p:grpSpPr>
+        <a:xfrm>
+          <a:off x="0" y="0"/>
+          <a:ext cx="0" cy="0"/>
+          <a:chOff x="0" y="0"/>
+          <a:chExt cx="0" cy="0"/>
+        </a:xfrm>
+      </p:grpSpPr>
+      <p:pic>
+        <p:nvPicPr>
+          <p:cNvPr id="3" name="図 2">
+            <a:extLst>
+              <a:ext uri="{FF2B5EF4-FFF2-40B4-BE49-F238E27FC236}">
+                <a16:creationId xmlns:a16="http://schemas.microsoft.com/office/drawing/2014/main" id="{6BBCE8D3-EC65-42EA-A2FE-365C7638164E}"/>
+              </a:ext>
+            </a:extLst>
+          </p:cNvPr>
+          <p:cNvPicPr>
+            <a:picLocks noChangeAspect="1"/>
+          </p:cNvPicPr>
+          <p:nvPr/>
+        </p:nvPicPr>
+        <p:blipFill rotWithShape="1">
+          <a:blip r:embed="rId2">
+            <a:extLst>
+              <a:ext uri="{28A0092B-C50C-407E-A947-70E740481C1C}">
+                <a14:useLocalDpi xmlns:a14="http://schemas.microsoft.com/office/drawing/2010/main" val="0"/>
+              </a:ext>
+            </a:extLst>
+          </a:blip>
+          <a:srcRect l="16087" r="17935"/>
+          <a:stretch/>
+        </p:blipFill>
+        <p:spPr>
+          <a:xfrm>
+            <a:off x="1470991" y="854309"/>
+            <a:ext cx="6033052" cy="5149381"/>
+          </a:xfrm>
+          <a:prstGeom prst="rect">
+            <a:avLst/>
+          </a:prstGeom>
+        </p:spPr>
+      </p:pic>
+    </p:spTree>
+    <p:extLst>
+      <p:ext uri="{BB962C8B-B14F-4D97-AF65-F5344CB8AC3E}">
+        <p14:creationId xmlns:p14="http://schemas.microsoft.com/office/powerpoint/2010/main" val="4130199666"/>
+      </p:ext>
+    </p:extLst>
+  </p:cSld>
+  <p:clrMapOvr>
+    <a:masterClrMapping/>
+  </p:clrMapOvr>
+</p:sld>
+</file>
+
+<file path=ppt/slides/slide15.xml><?xml version="1.0" encoding="utf-8"?>
+<p:sld xmlns:a="http://schemas.openxmlformats.org/drawingml/2006/main" xmlns:r="http://schemas.openxmlformats.org/officeDocument/2006/relationships" xmlns:p="http://schemas.openxmlformats.org/presentationml/2006/main">
+  <p:cSld>
+    <p:spTree>
+      <p:nvGrpSpPr>
+        <p:cNvPr id="1" name=""/>
+        <p:cNvGrpSpPr/>
+        <p:nvPr/>
+      </p:nvGrpSpPr>
+      <p:grpSpPr>
+        <a:xfrm>
+          <a:off x="0" y="0"/>
+          <a:ext cx="0" cy="0"/>
+          <a:chOff x="0" y="0"/>
+          <a:chExt cx="0" cy="0"/>
+        </a:xfrm>
+      </p:grpSpPr>
+      <p:pic>
+        <p:nvPicPr>
+          <p:cNvPr id="3" name="図 2">
+            <a:extLst>
+              <a:ext uri="{FF2B5EF4-FFF2-40B4-BE49-F238E27FC236}">
+                <a16:creationId xmlns:a16="http://schemas.microsoft.com/office/drawing/2014/main" id="{6FD1CEAF-4DE8-4A90-AACF-D187665F8142}"/>
+              </a:ext>
+            </a:extLst>
+          </p:cNvPr>
+          <p:cNvPicPr>
+            <a:picLocks noChangeAspect="1"/>
+          </p:cNvPicPr>
+          <p:nvPr/>
+        </p:nvPicPr>
+        <p:blipFill rotWithShape="1">
+          <a:blip r:embed="rId2">
+            <a:extLst>
+              <a:ext uri="{28A0092B-C50C-407E-A947-70E740481C1C}">
+                <a14:useLocalDpi xmlns:a14="http://schemas.microsoft.com/office/drawing/2010/main" val="0"/>
+              </a:ext>
+            </a:extLst>
+          </a:blip>
+          <a:srcRect t="3600" b="23261"/>
+          <a:stretch/>
+        </p:blipFill>
+        <p:spPr>
+          <a:xfrm>
+            <a:off x="1075233" y="1470992"/>
+            <a:ext cx="6735115" cy="2773017"/>
+          </a:xfrm>
+          <a:prstGeom prst="rect">
+            <a:avLst/>
+          </a:prstGeom>
+        </p:spPr>
+      </p:pic>
+    </p:spTree>
+    <p:extLst>
+      <p:ext uri="{BB962C8B-B14F-4D97-AF65-F5344CB8AC3E}">
+        <p14:creationId xmlns:p14="http://schemas.microsoft.com/office/powerpoint/2010/main" val="3905974755"/>
+      </p:ext>
+    </p:extLst>
+  </p:cSld>
+  <p:clrMapOvr>
+    <a:masterClrMapping/>
+  </p:clrMapOvr>
+</p:sld>
+</file>
+
+<file path=ppt/slides/slide16.xml><?xml version="1.0" encoding="utf-8"?>
+<p:sld xmlns:a="http://schemas.openxmlformats.org/drawingml/2006/main" xmlns:r="http://schemas.openxmlformats.org/officeDocument/2006/relationships" xmlns:p="http://schemas.openxmlformats.org/presentationml/2006/main">
+  <p:cSld>
+    <p:spTree>
+      <p:nvGrpSpPr>
+        <p:cNvPr id="1" name=""/>
+        <p:cNvGrpSpPr/>
+        <p:nvPr/>
+      </p:nvGrpSpPr>
+      <p:grpSpPr>
+        <a:xfrm>
+          <a:off x="0" y="0"/>
+          <a:ext cx="0" cy="0"/>
+          <a:chOff x="0" y="0"/>
+          <a:chExt cx="0" cy="0"/>
+        </a:xfrm>
+      </p:grpSpPr>
+      <p:pic>
+        <p:nvPicPr>
+          <p:cNvPr id="3" name="図 2">
+            <a:extLst>
+              <a:ext uri="{FF2B5EF4-FFF2-40B4-BE49-F238E27FC236}">
+                <a16:creationId xmlns:a16="http://schemas.microsoft.com/office/drawing/2014/main" id="{C279C976-D39F-4F1B-AC7D-B888860B4933}"/>
+              </a:ext>
+            </a:extLst>
+          </p:cNvPr>
+          <p:cNvPicPr>
+            <a:picLocks noChangeAspect="1"/>
+          </p:cNvPicPr>
+          <p:nvPr/>
+        </p:nvPicPr>
+        <p:blipFill rotWithShape="1">
+          <a:blip r:embed="rId2">
+            <a:extLst>
+              <a:ext uri="{28A0092B-C50C-407E-A947-70E740481C1C}">
+                <a14:useLocalDpi xmlns:a14="http://schemas.microsoft.com/office/drawing/2010/main" val="0"/>
+              </a:ext>
+            </a:extLst>
+          </a:blip>
+          <a:srcRect r="53049"/>
+          <a:stretch/>
+        </p:blipFill>
+        <p:spPr>
+          <a:xfrm>
+            <a:off x="2287871" y="952154"/>
+            <a:ext cx="4132807" cy="4953691"/>
+          </a:xfrm>
+          <a:prstGeom prst="rect">
+            <a:avLst/>
+          </a:prstGeom>
+        </p:spPr>
+      </p:pic>
+    </p:spTree>
+    <p:extLst>
+      <p:ext uri="{BB962C8B-B14F-4D97-AF65-F5344CB8AC3E}">
+        <p14:creationId xmlns:p14="http://schemas.microsoft.com/office/powerpoint/2010/main" val="2368488587"/>
+      </p:ext>
+    </p:extLst>
+  </p:cSld>
+  <p:clrMapOvr>
+    <a:masterClrMapping/>
+  </p:clrMapOvr>
+</p:sld>
+</file>
+
+<file path=ppt/slides/slide17.xml><?xml version="1.0" encoding="utf-8"?>
+<p:sld xmlns:a="http://schemas.openxmlformats.org/drawingml/2006/main" xmlns:r="http://schemas.openxmlformats.org/officeDocument/2006/relationships" xmlns:p="http://schemas.openxmlformats.org/presentationml/2006/main">
+  <p:cSld>
+    <p:spTree>
+      <p:nvGrpSpPr>
+        <p:cNvPr id="1" name=""/>
+        <p:cNvGrpSpPr/>
+        <p:nvPr/>
+      </p:nvGrpSpPr>
+      <p:grpSpPr>
+        <a:xfrm>
+          <a:off x="0" y="0"/>
+          <a:ext cx="0" cy="0"/>
+          <a:chOff x="0" y="0"/>
+          <a:chExt cx="0" cy="0"/>
+        </a:xfrm>
+      </p:grpSpPr>
+    </p:spTree>
+    <p:extLst>
+      <p:ext uri="{BB962C8B-B14F-4D97-AF65-F5344CB8AC3E}">
+        <p14:creationId xmlns:p14="http://schemas.microsoft.com/office/powerpoint/2010/main" val="290819705"/>
+      </p:ext>
+    </p:extLst>
+  </p:cSld>
+  <p:clrMapOvr>
+    <a:masterClrMapping/>
+  </p:clrMapOvr>
+</p:sld>
+</file>
+
+<file path=ppt/slides/slide18.xml><?xml version="1.0" encoding="utf-8"?>
+<p:sld xmlns:a="http://schemas.openxmlformats.org/drawingml/2006/main" xmlns:r="http://schemas.openxmlformats.org/officeDocument/2006/relationships" xmlns:p="http://schemas.openxmlformats.org/presentationml/2006/main">
+  <p:cSld>
+    <p:spTree>
+      <p:nvGrpSpPr>
+        <p:cNvPr id="1" name=""/>
+        <p:cNvGrpSpPr/>
+        <p:nvPr/>
+      </p:nvGrpSpPr>
+      <p:grpSpPr>
+        <a:xfrm>
+          <a:off x="0" y="0"/>
+          <a:ext cx="0" cy="0"/>
+          <a:chOff x="0" y="0"/>
+          <a:chExt cx="0" cy="0"/>
+        </a:xfrm>
+      </p:grpSpPr>
       <p:sp>
         <p:nvSpPr>
           <p:cNvPr id="6" name="正方形/長方形 5">
@@ -6426,7 +6787,7 @@
 </p:sld>
 </file>
 
-<file path=ppt/slides/slide13.xml><?xml version="1.0" encoding="utf-8"?>
+<file path=ppt/slides/slide19.xml><?xml version="1.0" encoding="utf-8"?>
 <p:sld xmlns:a="http://schemas.openxmlformats.org/drawingml/2006/main" xmlns:r="http://schemas.openxmlformats.org/officeDocument/2006/relationships" xmlns:p="http://schemas.openxmlformats.org/presentationml/2006/main">
   <p:cSld>
     <p:spTree>
@@ -6606,7 +6967,1255 @@
 </p:sld>
 </file>
 
-<file path=ppt/slides/slide14.xml><?xml version="1.0" encoding="utf-8"?>
+<file path=ppt/slides/slide2.xml><?xml version="1.0" encoding="utf-8"?>
+<p:sld xmlns:a="http://schemas.openxmlformats.org/drawingml/2006/main" xmlns:r="http://schemas.openxmlformats.org/officeDocument/2006/relationships" xmlns:p="http://schemas.openxmlformats.org/presentationml/2006/main">
+  <p:cSld>
+    <p:spTree>
+      <p:nvGrpSpPr>
+        <p:cNvPr id="1" name=""/>
+        <p:cNvGrpSpPr/>
+        <p:nvPr/>
+      </p:nvGrpSpPr>
+      <p:grpSpPr>
+        <a:xfrm>
+          <a:off x="0" y="0"/>
+          <a:ext cx="0" cy="0"/>
+          <a:chOff x="0" y="0"/>
+          <a:chExt cx="0" cy="0"/>
+        </a:xfrm>
+      </p:grpSpPr>
+      <p:grpSp>
+        <p:nvGrpSpPr>
+          <p:cNvPr id="54" name="グループ化 53"/>
+          <p:cNvGrpSpPr/>
+          <p:nvPr/>
+        </p:nvGrpSpPr>
+        <p:grpSpPr>
+          <a:xfrm>
+            <a:off x="219215" y="-98542"/>
+            <a:ext cx="7885439" cy="5097285"/>
+            <a:chOff x="219215" y="1166737"/>
+            <a:chExt cx="7885439" cy="5097285"/>
+          </a:xfrm>
+        </p:grpSpPr>
+        <p:sp>
+          <p:nvSpPr>
+            <p:cNvPr id="6" name="正方形/長方形 5"/>
+            <p:cNvSpPr/>
+            <p:nvPr/>
+          </p:nvSpPr>
+          <p:spPr>
+            <a:xfrm>
+              <a:off x="6692939" y="1746546"/>
+              <a:ext cx="1157468" cy="1077440"/>
+            </a:xfrm>
+            <a:prstGeom prst="rect">
+              <a:avLst/>
+            </a:prstGeom>
+            <a:solidFill>
+              <a:srgbClr val="FF0000"/>
+            </a:solidFill>
+            <a:ln>
+              <a:solidFill>
+                <a:srgbClr val="FF0000"/>
+              </a:solidFill>
+            </a:ln>
+          </p:spPr>
+          <p:style>
+            <a:lnRef idx="2">
+              <a:schemeClr val="accent1">
+                <a:shade val="50000"/>
+              </a:schemeClr>
+            </a:lnRef>
+            <a:fillRef idx="1">
+              <a:schemeClr val="accent1"/>
+            </a:fillRef>
+            <a:effectRef idx="0">
+              <a:schemeClr val="accent1"/>
+            </a:effectRef>
+            <a:fontRef idx="minor">
+              <a:schemeClr val="lt1"/>
+            </a:fontRef>
+          </p:style>
+          <p:txBody>
+            <a:bodyPr rtlCol="0" anchor="ctr"/>
+            <a:lstStyle/>
+            <a:p>
+              <a:pPr algn="ctr"/>
+              <a:endParaRPr kumimoji="1" lang="ja-JP" altLang="en-US"/>
+            </a:p>
+          </p:txBody>
+        </p:sp>
+        <p:cxnSp>
+          <p:nvCxnSpPr>
+            <p:cNvPr id="7" name="直線コネクタ 6"/>
+            <p:cNvCxnSpPr/>
+            <p:nvPr/>
+          </p:nvCxnSpPr>
+          <p:spPr>
+            <a:xfrm flipH="1">
+              <a:off x="2805640" y="1722953"/>
+              <a:ext cx="1" cy="3801978"/>
+            </a:xfrm>
+            <a:prstGeom prst="line">
+              <a:avLst/>
+            </a:prstGeom>
+            <a:ln w="38100">
+              <a:solidFill>
+                <a:schemeClr val="tx1"/>
+              </a:solidFill>
+            </a:ln>
+          </p:spPr>
+          <p:style>
+            <a:lnRef idx="1">
+              <a:schemeClr val="accent1"/>
+            </a:lnRef>
+            <a:fillRef idx="0">
+              <a:schemeClr val="accent1"/>
+            </a:fillRef>
+            <a:effectRef idx="0">
+              <a:schemeClr val="accent1"/>
+            </a:effectRef>
+            <a:fontRef idx="minor">
+              <a:schemeClr val="tx1"/>
+            </a:fontRef>
+          </p:style>
+        </p:cxnSp>
+        <p:cxnSp>
+          <p:nvCxnSpPr>
+            <p:cNvPr id="8" name="直線コネクタ 7"/>
+            <p:cNvCxnSpPr/>
+            <p:nvPr/>
+          </p:nvCxnSpPr>
+          <p:spPr>
+            <a:xfrm>
+              <a:off x="904653" y="3623939"/>
+              <a:ext cx="1900987" cy="0"/>
+            </a:xfrm>
+            <a:prstGeom prst="line">
+              <a:avLst/>
+            </a:prstGeom>
+            <a:ln w="76200">
+              <a:solidFill>
+                <a:schemeClr val="bg2">
+                  <a:lumMod val="50000"/>
+                </a:schemeClr>
+              </a:solidFill>
+            </a:ln>
+          </p:spPr>
+          <p:style>
+            <a:lnRef idx="1">
+              <a:schemeClr val="accent1"/>
+            </a:lnRef>
+            <a:fillRef idx="0">
+              <a:schemeClr val="accent1"/>
+            </a:fillRef>
+            <a:effectRef idx="0">
+              <a:schemeClr val="accent1"/>
+            </a:effectRef>
+            <a:fontRef idx="minor">
+              <a:schemeClr val="tx1"/>
+            </a:fontRef>
+          </p:style>
+        </p:cxnSp>
+        <p:cxnSp>
+          <p:nvCxnSpPr>
+            <p:cNvPr id="9" name="直線コネクタ 8"/>
+            <p:cNvCxnSpPr/>
+            <p:nvPr/>
+          </p:nvCxnSpPr>
+          <p:spPr>
+            <a:xfrm rot="16200000">
+              <a:off x="1855149" y="2673445"/>
+              <a:ext cx="1900987" cy="0"/>
+            </a:xfrm>
+            <a:prstGeom prst="line">
+              <a:avLst/>
+            </a:prstGeom>
+            <a:ln w="76200">
+              <a:solidFill>
+                <a:schemeClr val="bg1">
+                  <a:lumMod val="50000"/>
+                </a:schemeClr>
+              </a:solidFill>
+            </a:ln>
+          </p:spPr>
+          <p:style>
+            <a:lnRef idx="1">
+              <a:schemeClr val="accent1"/>
+            </a:lnRef>
+            <a:fillRef idx="0">
+              <a:schemeClr val="accent1"/>
+            </a:fillRef>
+            <a:effectRef idx="0">
+              <a:schemeClr val="accent1"/>
+            </a:effectRef>
+            <a:fontRef idx="minor">
+              <a:schemeClr val="tx1"/>
+            </a:fontRef>
+          </p:style>
+        </p:cxnSp>
+        <p:sp>
+          <p:nvSpPr>
+            <p:cNvPr id="10" name="角丸四角形 19"/>
+            <p:cNvSpPr/>
+            <p:nvPr/>
+          </p:nvSpPr>
+          <p:spPr>
+            <a:xfrm>
+              <a:off x="3344468" y="1815805"/>
+              <a:ext cx="998621" cy="914400"/>
+            </a:xfrm>
+            <a:prstGeom prst="roundRect">
+              <a:avLst/>
+            </a:prstGeom>
+            <a:solidFill>
+              <a:schemeClr val="bg1">
+                <a:lumMod val="75000"/>
+              </a:schemeClr>
+            </a:solidFill>
+            <a:ln>
+              <a:solidFill>
+                <a:schemeClr val="bg1">
+                  <a:lumMod val="75000"/>
+                </a:schemeClr>
+              </a:solidFill>
+            </a:ln>
+          </p:spPr>
+          <p:style>
+            <a:lnRef idx="2">
+              <a:schemeClr val="accent1">
+                <a:shade val="50000"/>
+              </a:schemeClr>
+            </a:lnRef>
+            <a:fillRef idx="1">
+              <a:schemeClr val="accent1"/>
+            </a:fillRef>
+            <a:effectRef idx="0">
+              <a:schemeClr val="accent1"/>
+            </a:effectRef>
+            <a:fontRef idx="minor">
+              <a:schemeClr val="lt1"/>
+            </a:fontRef>
+          </p:style>
+          <p:txBody>
+            <a:bodyPr rtlCol="0" anchor="ctr"/>
+            <a:lstStyle/>
+            <a:p>
+              <a:pPr algn="ctr"/>
+              <a:endParaRPr kumimoji="1" lang="ja-JP" altLang="en-US"/>
+            </a:p>
+          </p:txBody>
+        </p:sp>
+        <p:sp>
+          <p:nvSpPr>
+            <p:cNvPr id="11" name="円/楕円 20"/>
+            <p:cNvSpPr/>
+            <p:nvPr/>
+          </p:nvSpPr>
+          <p:spPr>
+            <a:xfrm>
+              <a:off x="3482829" y="1924082"/>
+              <a:ext cx="721898" cy="721898"/>
+            </a:xfrm>
+            <a:prstGeom prst="ellipse">
+              <a:avLst/>
+            </a:prstGeom>
+            <a:solidFill>
+              <a:srgbClr val="E89CE6"/>
+            </a:solidFill>
+            <a:ln>
+              <a:solidFill>
+                <a:srgbClr val="E89CE6"/>
+              </a:solidFill>
+            </a:ln>
+          </p:spPr>
+          <p:style>
+            <a:lnRef idx="2">
+              <a:schemeClr val="accent1">
+                <a:shade val="50000"/>
+              </a:schemeClr>
+            </a:lnRef>
+            <a:fillRef idx="1">
+              <a:schemeClr val="accent1"/>
+            </a:fillRef>
+            <a:effectRef idx="0">
+              <a:schemeClr val="accent1"/>
+            </a:effectRef>
+            <a:fontRef idx="minor">
+              <a:schemeClr val="lt1"/>
+            </a:fontRef>
+          </p:style>
+          <p:txBody>
+            <a:bodyPr rtlCol="0" anchor="ctr"/>
+            <a:lstStyle/>
+            <a:p>
+              <a:pPr algn="ctr"/>
+              <a:endParaRPr kumimoji="1" lang="ja-JP" altLang="en-US"/>
+            </a:p>
+          </p:txBody>
+        </p:sp>
+        <p:sp>
+          <p:nvSpPr>
+            <p:cNvPr id="12" name="正方形/長方形 11"/>
+            <p:cNvSpPr/>
+            <p:nvPr/>
+          </p:nvSpPr>
+          <p:spPr>
+            <a:xfrm>
+              <a:off x="2824145" y="4324624"/>
+              <a:ext cx="4352159" cy="1176250"/>
+            </a:xfrm>
+            <a:prstGeom prst="rect">
+              <a:avLst/>
+            </a:prstGeom>
+            <a:solidFill>
+              <a:schemeClr val="accent2">
+                <a:lumMod val="60000"/>
+                <a:lumOff val="40000"/>
+              </a:schemeClr>
+            </a:solidFill>
+            <a:ln>
+              <a:solidFill>
+                <a:schemeClr val="accent2">
+                  <a:lumMod val="60000"/>
+                  <a:lumOff val="40000"/>
+                </a:schemeClr>
+              </a:solidFill>
+            </a:ln>
+          </p:spPr>
+          <p:style>
+            <a:lnRef idx="2">
+              <a:schemeClr val="accent1">
+                <a:shade val="50000"/>
+              </a:schemeClr>
+            </a:lnRef>
+            <a:fillRef idx="1">
+              <a:schemeClr val="accent1"/>
+            </a:fillRef>
+            <a:effectRef idx="0">
+              <a:schemeClr val="accent1"/>
+            </a:effectRef>
+            <a:fontRef idx="minor">
+              <a:schemeClr val="lt1"/>
+            </a:fontRef>
+          </p:style>
+          <p:txBody>
+            <a:bodyPr rtlCol="0" anchor="ctr"/>
+            <a:lstStyle/>
+            <a:p>
+              <a:pPr algn="ctr"/>
+              <a:endParaRPr kumimoji="1" lang="ja-JP" altLang="en-US"/>
+            </a:p>
+          </p:txBody>
+        </p:sp>
+        <p:sp>
+          <p:nvSpPr>
+            <p:cNvPr id="13" name="正方形/長方形 12"/>
+            <p:cNvSpPr/>
+            <p:nvPr/>
+          </p:nvSpPr>
+          <p:spPr>
+            <a:xfrm>
+              <a:off x="904654" y="1722952"/>
+              <a:ext cx="7200000" cy="3801979"/>
+            </a:xfrm>
+            <a:prstGeom prst="rect">
+              <a:avLst/>
+            </a:prstGeom>
+            <a:noFill/>
+            <a:ln w="38100">
+              <a:solidFill>
+                <a:schemeClr val="tx1"/>
+              </a:solidFill>
+            </a:ln>
+          </p:spPr>
+          <p:style>
+            <a:lnRef idx="2">
+              <a:schemeClr val="accent1">
+                <a:shade val="50000"/>
+              </a:schemeClr>
+            </a:lnRef>
+            <a:fillRef idx="1">
+              <a:schemeClr val="accent1"/>
+            </a:fillRef>
+            <a:effectRef idx="0">
+              <a:schemeClr val="accent1"/>
+            </a:effectRef>
+            <a:fontRef idx="minor">
+              <a:schemeClr val="lt1"/>
+            </a:fontRef>
+          </p:style>
+          <p:txBody>
+            <a:bodyPr rtlCol="0" anchor="ctr"/>
+            <a:lstStyle/>
+            <a:p>
+              <a:pPr algn="ctr"/>
+              <a:endParaRPr kumimoji="1" lang="ja-JP" altLang="en-US"/>
+            </a:p>
+          </p:txBody>
+        </p:sp>
+        <p:cxnSp>
+          <p:nvCxnSpPr>
+            <p:cNvPr id="14" name="直線コネクタ 13"/>
+            <p:cNvCxnSpPr/>
+            <p:nvPr/>
+          </p:nvCxnSpPr>
+          <p:spPr>
+            <a:xfrm>
+              <a:off x="904653" y="5515457"/>
+              <a:ext cx="1900987" cy="0"/>
+            </a:xfrm>
+            <a:prstGeom prst="line">
+              <a:avLst/>
+            </a:prstGeom>
+            <a:ln w="76200">
+              <a:solidFill>
+                <a:schemeClr val="bg1">
+                  <a:lumMod val="50000"/>
+                </a:schemeClr>
+              </a:solidFill>
+            </a:ln>
+          </p:spPr>
+          <p:style>
+            <a:lnRef idx="1">
+              <a:schemeClr val="accent1"/>
+            </a:lnRef>
+            <a:fillRef idx="0">
+              <a:schemeClr val="accent1"/>
+            </a:fillRef>
+            <a:effectRef idx="0">
+              <a:schemeClr val="accent1"/>
+            </a:effectRef>
+            <a:fontRef idx="minor">
+              <a:schemeClr val="tx1"/>
+            </a:fontRef>
+          </p:style>
+        </p:cxnSp>
+        <p:sp>
+          <p:nvSpPr>
+            <p:cNvPr id="15" name="正方形/長方形 14"/>
+            <p:cNvSpPr/>
+            <p:nvPr/>
+          </p:nvSpPr>
+          <p:spPr>
+            <a:xfrm>
+              <a:off x="4996419" y="1746546"/>
+              <a:ext cx="1696520" cy="2049337"/>
+            </a:xfrm>
+            <a:prstGeom prst="rect">
+              <a:avLst/>
+            </a:prstGeom>
+            <a:solidFill>
+              <a:schemeClr val="accent2">
+                <a:lumMod val="60000"/>
+                <a:lumOff val="40000"/>
+              </a:schemeClr>
+            </a:solidFill>
+            <a:ln>
+              <a:solidFill>
+                <a:schemeClr val="accent2">
+                  <a:lumMod val="40000"/>
+                  <a:lumOff val="60000"/>
+                </a:schemeClr>
+              </a:solidFill>
+            </a:ln>
+          </p:spPr>
+          <p:style>
+            <a:lnRef idx="2">
+              <a:schemeClr val="accent1">
+                <a:shade val="50000"/>
+              </a:schemeClr>
+            </a:lnRef>
+            <a:fillRef idx="1">
+              <a:schemeClr val="accent1"/>
+            </a:fillRef>
+            <a:effectRef idx="0">
+              <a:schemeClr val="accent1"/>
+            </a:effectRef>
+            <a:fontRef idx="minor">
+              <a:schemeClr val="lt1"/>
+            </a:fontRef>
+          </p:style>
+          <p:txBody>
+            <a:bodyPr rtlCol="0" anchor="ctr"/>
+            <a:lstStyle/>
+            <a:p>
+              <a:pPr algn="ctr"/>
+              <a:endParaRPr kumimoji="1" lang="ja-JP" altLang="en-US"/>
+            </a:p>
+          </p:txBody>
+        </p:sp>
+        <p:sp>
+          <p:nvSpPr>
+            <p:cNvPr id="16" name="テキスト ボックス 15"/>
+            <p:cNvSpPr txBox="1"/>
+            <p:nvPr/>
+          </p:nvSpPr>
+          <p:spPr>
+            <a:xfrm>
+              <a:off x="1519480" y="5525358"/>
+              <a:ext cx="671331" cy="369332"/>
+            </a:xfrm>
+            <a:prstGeom prst="rect">
+              <a:avLst/>
+            </a:prstGeom>
+            <a:noFill/>
+          </p:spPr>
+          <p:txBody>
+            <a:bodyPr wrap="square" rtlCol="0">
+              <a:spAutoFit/>
+            </a:bodyPr>
+            <a:lstStyle/>
+            <a:p>
+              <a:r>
+                <a:rPr kumimoji="1" lang="ja-JP" altLang="en-US" b="1" dirty="0">
+                  <a:latin typeface="游明朝" panose="02020400000000000000" pitchFamily="18" charset="-128"/>
+                  <a:ea typeface="游明朝" panose="02020400000000000000" pitchFamily="18" charset="-128"/>
+                </a:rPr>
+                <a:t>入口</a:t>
+              </a:r>
+            </a:p>
+          </p:txBody>
+        </p:sp>
+        <p:sp>
+          <p:nvSpPr>
+            <p:cNvPr id="17" name="テキスト ボックス 16"/>
+            <p:cNvSpPr txBox="1"/>
+            <p:nvPr/>
+          </p:nvSpPr>
+          <p:spPr>
+            <a:xfrm>
+              <a:off x="1113163" y="2730205"/>
+              <a:ext cx="1365812" cy="369332"/>
+            </a:xfrm>
+            <a:prstGeom prst="rect">
+              <a:avLst/>
+            </a:prstGeom>
+            <a:noFill/>
+          </p:spPr>
+          <p:txBody>
+            <a:bodyPr wrap="square" rtlCol="0">
+              <a:spAutoFit/>
+            </a:bodyPr>
+            <a:lstStyle/>
+            <a:p>
+              <a:r>
+                <a:rPr lang="ja-JP" altLang="en-US" b="1" dirty="0">
+                  <a:latin typeface="游明朝" panose="02020400000000000000" pitchFamily="18" charset="-128"/>
+                  <a:ea typeface="游明朝" panose="02020400000000000000" pitchFamily="18" charset="-128"/>
+                </a:rPr>
+                <a:t>カーテン</a:t>
+              </a:r>
+              <a:endParaRPr kumimoji="1" lang="ja-JP" altLang="en-US" b="1" dirty="0">
+                <a:latin typeface="游明朝" panose="02020400000000000000" pitchFamily="18" charset="-128"/>
+                <a:ea typeface="游明朝" panose="02020400000000000000" pitchFamily="18" charset="-128"/>
+              </a:endParaRPr>
+            </a:p>
+          </p:txBody>
+        </p:sp>
+        <p:cxnSp>
+          <p:nvCxnSpPr>
+            <p:cNvPr id="18" name="直線矢印コネクタ 17"/>
+            <p:cNvCxnSpPr>
+              <a:cxnSpLocks/>
+            </p:cNvCxnSpPr>
+            <p:nvPr/>
+          </p:nvCxnSpPr>
+          <p:spPr>
+            <a:xfrm>
+              <a:off x="2279897" y="2914871"/>
+              <a:ext cx="489314" cy="182922"/>
+            </a:xfrm>
+            <a:prstGeom prst="straightConnector1">
+              <a:avLst/>
+            </a:prstGeom>
+            <a:ln w="38100">
+              <a:prstDash val="sysDash"/>
+              <a:tailEnd type="triangle"/>
+            </a:ln>
+          </p:spPr>
+          <p:style>
+            <a:lnRef idx="1">
+              <a:schemeClr val="accent1"/>
+            </a:lnRef>
+            <a:fillRef idx="0">
+              <a:schemeClr val="accent1"/>
+            </a:fillRef>
+            <a:effectRef idx="0">
+              <a:schemeClr val="accent1"/>
+            </a:effectRef>
+            <a:fontRef idx="minor">
+              <a:schemeClr val="tx1"/>
+            </a:fontRef>
+          </p:style>
+        </p:cxnSp>
+        <p:cxnSp>
+          <p:nvCxnSpPr>
+            <p:cNvPr id="19" name="直線矢印コネクタ 18"/>
+            <p:cNvCxnSpPr>
+              <a:cxnSpLocks/>
+            </p:cNvCxnSpPr>
+            <p:nvPr/>
+          </p:nvCxnSpPr>
+          <p:spPr>
+            <a:xfrm>
+              <a:off x="2009236" y="3093776"/>
+              <a:ext cx="257577" cy="475068"/>
+            </a:xfrm>
+            <a:prstGeom prst="straightConnector1">
+              <a:avLst/>
+            </a:prstGeom>
+            <a:ln w="38100">
+              <a:prstDash val="sysDash"/>
+              <a:tailEnd type="triangle"/>
+            </a:ln>
+          </p:spPr>
+          <p:style>
+            <a:lnRef idx="1">
+              <a:schemeClr val="accent1"/>
+            </a:lnRef>
+            <a:fillRef idx="0">
+              <a:schemeClr val="accent1"/>
+            </a:fillRef>
+            <a:effectRef idx="0">
+              <a:schemeClr val="accent1"/>
+            </a:effectRef>
+            <a:fontRef idx="minor">
+              <a:schemeClr val="tx1"/>
+            </a:fontRef>
+          </p:style>
+        </p:cxnSp>
+        <p:cxnSp>
+          <p:nvCxnSpPr>
+            <p:cNvPr id="20" name="直線矢印コネクタ 19"/>
+            <p:cNvCxnSpPr>
+              <a:cxnSpLocks/>
+            </p:cNvCxnSpPr>
+            <p:nvPr/>
+          </p:nvCxnSpPr>
+          <p:spPr>
+            <a:xfrm>
+              <a:off x="1552739" y="3232298"/>
+              <a:ext cx="328722" cy="1841454"/>
+            </a:xfrm>
+            <a:prstGeom prst="straightConnector1">
+              <a:avLst/>
+            </a:prstGeom>
+            <a:ln w="38100">
+              <a:prstDash val="sysDash"/>
+              <a:tailEnd type="triangle"/>
+            </a:ln>
+          </p:spPr>
+          <p:style>
+            <a:lnRef idx="1">
+              <a:schemeClr val="accent1"/>
+            </a:lnRef>
+            <a:fillRef idx="0">
+              <a:schemeClr val="accent1"/>
+            </a:fillRef>
+            <a:effectRef idx="0">
+              <a:schemeClr val="accent1"/>
+            </a:effectRef>
+            <a:fontRef idx="minor">
+              <a:schemeClr val="tx1"/>
+            </a:fontRef>
+          </p:style>
+        </p:cxnSp>
+        <p:sp>
+          <p:nvSpPr>
+            <p:cNvPr id="21" name="テキスト ボックス 20"/>
+            <p:cNvSpPr txBox="1"/>
+            <p:nvPr/>
+          </p:nvSpPr>
+          <p:spPr>
+            <a:xfrm>
+              <a:off x="3417327" y="1962311"/>
+              <a:ext cx="924180" cy="646331"/>
+            </a:xfrm>
+            <a:prstGeom prst="rect">
+              <a:avLst/>
+            </a:prstGeom>
+            <a:noFill/>
+          </p:spPr>
+          <p:txBody>
+            <a:bodyPr wrap="square" rtlCol="0">
+              <a:spAutoFit/>
+            </a:bodyPr>
+            <a:lstStyle/>
+            <a:p>
+              <a:r>
+                <a:rPr lang="ja-JP" altLang="en-US" b="1" dirty="0">
+                  <a:latin typeface="游明朝" panose="02020400000000000000" pitchFamily="18" charset="-128"/>
+                  <a:ea typeface="游明朝" panose="02020400000000000000" pitchFamily="18" charset="-128"/>
+                </a:rPr>
+                <a:t>加湿器 </a:t>
+              </a:r>
+              <a:endParaRPr lang="en-US" altLang="ja-JP" b="1" dirty="0">
+                <a:latin typeface="游明朝" panose="02020400000000000000" pitchFamily="18" charset="-128"/>
+                <a:ea typeface="游明朝" panose="02020400000000000000" pitchFamily="18" charset="-128"/>
+              </a:endParaRPr>
+            </a:p>
+            <a:p>
+              <a:r>
+                <a:rPr lang="ja-JP" altLang="en-US" b="1" dirty="0">
+                  <a:latin typeface="游明朝" panose="02020400000000000000" pitchFamily="18" charset="-128"/>
+                  <a:ea typeface="游明朝" panose="02020400000000000000" pitchFamily="18" charset="-128"/>
+                </a:rPr>
+                <a:t>除湿器</a:t>
+              </a:r>
+              <a:endParaRPr kumimoji="1" lang="ja-JP" altLang="en-US" b="1" dirty="0">
+                <a:latin typeface="游明朝" panose="02020400000000000000" pitchFamily="18" charset="-128"/>
+                <a:ea typeface="游明朝" panose="02020400000000000000" pitchFamily="18" charset="-128"/>
+              </a:endParaRPr>
+            </a:p>
+          </p:txBody>
+        </p:sp>
+        <p:sp>
+          <p:nvSpPr>
+            <p:cNvPr id="22" name="テキスト ボックス 21"/>
+            <p:cNvSpPr txBox="1"/>
+            <p:nvPr/>
+          </p:nvSpPr>
+          <p:spPr>
+            <a:xfrm>
+              <a:off x="5415360" y="3472907"/>
+              <a:ext cx="1038219" cy="369332"/>
+            </a:xfrm>
+            <a:prstGeom prst="rect">
+              <a:avLst/>
+            </a:prstGeom>
+            <a:noFill/>
+          </p:spPr>
+          <p:txBody>
+            <a:bodyPr wrap="square" rtlCol="0">
+              <a:spAutoFit/>
+            </a:bodyPr>
+            <a:lstStyle/>
+            <a:p>
+              <a:r>
+                <a:rPr lang="ja-JP" altLang="en-US" b="1" dirty="0">
+                  <a:latin typeface="游明朝" panose="02020400000000000000" pitchFamily="18" charset="-128"/>
+                  <a:ea typeface="游明朝" panose="02020400000000000000" pitchFamily="18" charset="-128"/>
+                </a:rPr>
+                <a:t>作業机</a:t>
+              </a:r>
+              <a:endParaRPr kumimoji="1" lang="ja-JP" altLang="en-US" b="1" dirty="0">
+                <a:latin typeface="游明朝" panose="02020400000000000000" pitchFamily="18" charset="-128"/>
+                <a:ea typeface="游明朝" panose="02020400000000000000" pitchFamily="18" charset="-128"/>
+              </a:endParaRPr>
+            </a:p>
+          </p:txBody>
+        </p:sp>
+        <p:sp>
+          <p:nvSpPr>
+            <p:cNvPr id="25" name="テキスト ボックス 24"/>
+            <p:cNvSpPr txBox="1"/>
+            <p:nvPr/>
+          </p:nvSpPr>
+          <p:spPr>
+            <a:xfrm>
+              <a:off x="7067754" y="2097136"/>
+              <a:ext cx="557029" cy="369332"/>
+            </a:xfrm>
+            <a:prstGeom prst="rect">
+              <a:avLst/>
+            </a:prstGeom>
+            <a:noFill/>
+          </p:spPr>
+          <p:txBody>
+            <a:bodyPr wrap="square" rtlCol="0">
+              <a:spAutoFit/>
+            </a:bodyPr>
+            <a:lstStyle/>
+            <a:p>
+              <a:r>
+                <a:rPr lang="ja-JP" altLang="en-US" b="1" dirty="0">
+                  <a:latin typeface="游明朝" panose="02020400000000000000" pitchFamily="18" charset="-128"/>
+                  <a:ea typeface="游明朝" panose="02020400000000000000" pitchFamily="18" charset="-128"/>
+                </a:rPr>
+                <a:t>棚</a:t>
+              </a:r>
+              <a:endParaRPr kumimoji="1" lang="ja-JP" altLang="en-US" b="1" dirty="0">
+                <a:latin typeface="游明朝" panose="02020400000000000000" pitchFamily="18" charset="-128"/>
+                <a:ea typeface="游明朝" panose="02020400000000000000" pitchFamily="18" charset="-128"/>
+              </a:endParaRPr>
+            </a:p>
+          </p:txBody>
+        </p:sp>
+        <p:sp>
+          <p:nvSpPr>
+            <p:cNvPr id="30" name="正方形/長方形 29"/>
+            <p:cNvSpPr/>
+            <p:nvPr/>
+          </p:nvSpPr>
+          <p:spPr>
+            <a:xfrm>
+              <a:off x="5266147" y="2281802"/>
+              <a:ext cx="1129356" cy="1129356"/>
+            </a:xfrm>
+            <a:prstGeom prst="rect">
+              <a:avLst/>
+            </a:prstGeom>
+            <a:solidFill>
+              <a:schemeClr val="bg2">
+                <a:lumMod val="75000"/>
+              </a:schemeClr>
+            </a:solidFill>
+            <a:ln>
+              <a:solidFill>
+                <a:schemeClr val="bg2">
+                  <a:lumMod val="75000"/>
+                </a:schemeClr>
+              </a:solidFill>
+            </a:ln>
+          </p:spPr>
+          <p:style>
+            <a:lnRef idx="2">
+              <a:schemeClr val="accent1">
+                <a:shade val="50000"/>
+              </a:schemeClr>
+            </a:lnRef>
+            <a:fillRef idx="1">
+              <a:schemeClr val="accent1"/>
+            </a:fillRef>
+            <a:effectRef idx="0">
+              <a:schemeClr val="accent1"/>
+            </a:effectRef>
+            <a:fontRef idx="minor">
+              <a:schemeClr val="lt1"/>
+            </a:fontRef>
+          </p:style>
+          <p:txBody>
+            <a:bodyPr rtlCol="0" anchor="ctr"/>
+            <a:lstStyle/>
+            <a:p>
+              <a:pPr algn="ctr"/>
+              <a:endParaRPr kumimoji="1" lang="ja-JP" altLang="en-US"/>
+            </a:p>
+          </p:txBody>
+        </p:sp>
+        <p:sp>
+          <p:nvSpPr>
+            <p:cNvPr id="31" name="テキスト ボックス 30"/>
+            <p:cNvSpPr txBox="1"/>
+            <p:nvPr/>
+          </p:nvSpPr>
+          <p:spPr>
+            <a:xfrm>
+              <a:off x="5326089" y="2689935"/>
+              <a:ext cx="1443333" cy="369332"/>
+            </a:xfrm>
+            <a:prstGeom prst="rect">
+              <a:avLst/>
+            </a:prstGeom>
+            <a:noFill/>
+          </p:spPr>
+          <p:txBody>
+            <a:bodyPr wrap="square" rtlCol="0">
+              <a:spAutoFit/>
+            </a:bodyPr>
+            <a:lstStyle/>
+            <a:p>
+              <a:r>
+                <a:rPr kumimoji="1" lang="ja-JP" altLang="en-US" b="1" dirty="0">
+                  <a:latin typeface="游明朝" panose="02020400000000000000" pitchFamily="18" charset="-128"/>
+                  <a:ea typeface="游明朝" panose="02020400000000000000" pitchFamily="18" charset="-128"/>
+                </a:rPr>
+                <a:t>カセット</a:t>
+              </a:r>
+            </a:p>
+          </p:txBody>
+        </p:sp>
+        <p:sp>
+          <p:nvSpPr>
+            <p:cNvPr id="36" name="正方形/長方形 35"/>
+            <p:cNvSpPr/>
+            <p:nvPr/>
+          </p:nvSpPr>
+          <p:spPr>
+            <a:xfrm>
+              <a:off x="7725734" y="4324624"/>
+              <a:ext cx="349090" cy="1176250"/>
+            </a:xfrm>
+            <a:prstGeom prst="rect">
+              <a:avLst/>
+            </a:prstGeom>
+            <a:solidFill>
+              <a:schemeClr val="bg1">
+                <a:lumMod val="65000"/>
+              </a:schemeClr>
+            </a:solidFill>
+            <a:ln>
+              <a:solidFill>
+                <a:schemeClr val="bg1">
+                  <a:lumMod val="65000"/>
+                </a:schemeClr>
+              </a:solidFill>
+            </a:ln>
+          </p:spPr>
+          <p:style>
+            <a:lnRef idx="2">
+              <a:schemeClr val="accent1">
+                <a:shade val="50000"/>
+              </a:schemeClr>
+            </a:lnRef>
+            <a:fillRef idx="1">
+              <a:schemeClr val="accent1"/>
+            </a:fillRef>
+            <a:effectRef idx="0">
+              <a:schemeClr val="accent1"/>
+            </a:effectRef>
+            <a:fontRef idx="minor">
+              <a:schemeClr val="lt1"/>
+            </a:fontRef>
+          </p:style>
+          <p:txBody>
+            <a:bodyPr rtlCol="0" anchor="ctr"/>
+            <a:lstStyle/>
+            <a:p>
+              <a:pPr algn="ctr"/>
+              <a:endParaRPr kumimoji="1" lang="ja-JP" altLang="en-US"/>
+            </a:p>
+          </p:txBody>
+        </p:sp>
+        <p:sp>
+          <p:nvSpPr>
+            <p:cNvPr id="37" name="テキスト ボックス 36"/>
+            <p:cNvSpPr txBox="1"/>
+            <p:nvPr/>
+          </p:nvSpPr>
+          <p:spPr>
+            <a:xfrm>
+              <a:off x="7313599" y="3676785"/>
+              <a:ext cx="761225" cy="369332"/>
+            </a:xfrm>
+            <a:prstGeom prst="rect">
+              <a:avLst/>
+            </a:prstGeom>
+            <a:noFill/>
+          </p:spPr>
+          <p:txBody>
+            <a:bodyPr wrap="square" rtlCol="0">
+              <a:spAutoFit/>
+            </a:bodyPr>
+            <a:lstStyle/>
+            <a:p>
+              <a:r>
+                <a:rPr lang="ja-JP" altLang="en-US" b="1" dirty="0">
+                  <a:latin typeface="游明朝" panose="02020400000000000000" pitchFamily="18" charset="-128"/>
+                  <a:ea typeface="游明朝" panose="02020400000000000000" pitchFamily="18" charset="-128"/>
+                </a:rPr>
+                <a:t>空調</a:t>
+              </a:r>
+              <a:endParaRPr kumimoji="1" lang="ja-JP" altLang="en-US" b="1" dirty="0">
+                <a:latin typeface="游明朝" panose="02020400000000000000" pitchFamily="18" charset="-128"/>
+                <a:ea typeface="游明朝" panose="02020400000000000000" pitchFamily="18" charset="-128"/>
+              </a:endParaRPr>
+            </a:p>
+          </p:txBody>
+        </p:sp>
+        <p:cxnSp>
+          <p:nvCxnSpPr>
+            <p:cNvPr id="39" name="直線矢印コネクタ 38"/>
+            <p:cNvCxnSpPr>
+              <a:cxnSpLocks/>
+            </p:cNvCxnSpPr>
+            <p:nvPr/>
+          </p:nvCxnSpPr>
+          <p:spPr>
+            <a:xfrm>
+              <a:off x="7692417" y="3969550"/>
+              <a:ext cx="136074" cy="376340"/>
+            </a:xfrm>
+            <a:prstGeom prst="straightConnector1">
+              <a:avLst/>
+            </a:prstGeom>
+            <a:ln w="38100">
+              <a:prstDash val="sysDash"/>
+              <a:tailEnd type="triangle"/>
+            </a:ln>
+          </p:spPr>
+          <p:style>
+            <a:lnRef idx="1">
+              <a:schemeClr val="accent1"/>
+            </a:lnRef>
+            <a:fillRef idx="0">
+              <a:schemeClr val="accent1"/>
+            </a:fillRef>
+            <a:effectRef idx="0">
+              <a:schemeClr val="accent1"/>
+            </a:effectRef>
+            <a:fontRef idx="minor">
+              <a:schemeClr val="tx1"/>
+            </a:fontRef>
+          </p:style>
+        </p:cxnSp>
+        <p:sp>
+          <p:nvSpPr>
+            <p:cNvPr id="41" name="テキスト ボックス 40"/>
+            <p:cNvSpPr txBox="1"/>
+            <p:nvPr/>
+          </p:nvSpPr>
+          <p:spPr>
+            <a:xfrm>
+              <a:off x="4504498" y="4731102"/>
+              <a:ext cx="1038219" cy="369332"/>
+            </a:xfrm>
+            <a:prstGeom prst="rect">
+              <a:avLst/>
+            </a:prstGeom>
+            <a:noFill/>
+          </p:spPr>
+          <p:txBody>
+            <a:bodyPr wrap="square" rtlCol="0">
+              <a:spAutoFit/>
+            </a:bodyPr>
+            <a:lstStyle/>
+            <a:p>
+              <a:r>
+                <a:rPr lang="ja-JP" altLang="en-US" b="1" dirty="0">
+                  <a:latin typeface="游明朝" panose="02020400000000000000" pitchFamily="18" charset="-128"/>
+                  <a:ea typeface="游明朝" panose="02020400000000000000" pitchFamily="18" charset="-128"/>
+                </a:rPr>
+                <a:t>作業机</a:t>
+              </a:r>
+              <a:endParaRPr kumimoji="1" lang="ja-JP" altLang="en-US" b="1" dirty="0">
+                <a:latin typeface="游明朝" panose="02020400000000000000" pitchFamily="18" charset="-128"/>
+                <a:ea typeface="游明朝" panose="02020400000000000000" pitchFamily="18" charset="-128"/>
+              </a:endParaRPr>
+            </a:p>
+          </p:txBody>
+        </p:sp>
+        <p:cxnSp>
+          <p:nvCxnSpPr>
+            <p:cNvPr id="46" name="直線矢印コネクタ 45"/>
+            <p:cNvCxnSpPr/>
+            <p:nvPr/>
+          </p:nvCxnSpPr>
+          <p:spPr>
+            <a:xfrm>
+              <a:off x="723017" y="1722951"/>
+              <a:ext cx="0" cy="3801980"/>
+            </a:xfrm>
+            <a:prstGeom prst="straightConnector1">
+              <a:avLst/>
+            </a:prstGeom>
+            <a:ln w="28575">
+              <a:headEnd type="triangle"/>
+              <a:tailEnd type="triangle"/>
+            </a:ln>
+          </p:spPr>
+          <p:style>
+            <a:lnRef idx="1">
+              <a:schemeClr val="accent1"/>
+            </a:lnRef>
+            <a:fillRef idx="0">
+              <a:schemeClr val="accent1"/>
+            </a:fillRef>
+            <a:effectRef idx="0">
+              <a:schemeClr val="accent1"/>
+            </a:effectRef>
+            <a:fontRef idx="minor">
+              <a:schemeClr val="tx1"/>
+            </a:fontRef>
+          </p:style>
+        </p:cxnSp>
+        <p:cxnSp>
+          <p:nvCxnSpPr>
+            <p:cNvPr id="47" name="直線矢印コネクタ 46"/>
+            <p:cNvCxnSpPr>
+              <a:cxnSpLocks/>
+            </p:cNvCxnSpPr>
+            <p:nvPr/>
+          </p:nvCxnSpPr>
+          <p:spPr>
+            <a:xfrm flipH="1">
+              <a:off x="867774" y="1527130"/>
+              <a:ext cx="7207050" cy="0"/>
+            </a:xfrm>
+            <a:prstGeom prst="straightConnector1">
+              <a:avLst/>
+            </a:prstGeom>
+            <a:ln w="28575">
+              <a:headEnd type="triangle"/>
+              <a:tailEnd type="triangle"/>
+            </a:ln>
+          </p:spPr>
+          <p:style>
+            <a:lnRef idx="1">
+              <a:schemeClr val="accent1"/>
+            </a:lnRef>
+            <a:fillRef idx="0">
+              <a:schemeClr val="accent1"/>
+            </a:fillRef>
+            <a:effectRef idx="0">
+              <a:schemeClr val="accent1"/>
+            </a:effectRef>
+            <a:fontRef idx="minor">
+              <a:schemeClr val="tx1"/>
+            </a:fontRef>
+          </p:style>
+        </p:cxnSp>
+        <p:cxnSp>
+          <p:nvCxnSpPr>
+            <p:cNvPr id="49" name="直線矢印コネクタ 48"/>
+            <p:cNvCxnSpPr>
+              <a:cxnSpLocks/>
+            </p:cNvCxnSpPr>
+            <p:nvPr/>
+          </p:nvCxnSpPr>
+          <p:spPr>
+            <a:xfrm flipH="1">
+              <a:off x="2837942" y="5859985"/>
+              <a:ext cx="5266712" cy="0"/>
+            </a:xfrm>
+            <a:prstGeom prst="straightConnector1">
+              <a:avLst/>
+            </a:prstGeom>
+            <a:ln w="28575">
+              <a:headEnd type="triangle"/>
+              <a:tailEnd type="triangle"/>
+            </a:ln>
+          </p:spPr>
+          <p:style>
+            <a:lnRef idx="1">
+              <a:schemeClr val="accent1"/>
+            </a:lnRef>
+            <a:fillRef idx="0">
+              <a:schemeClr val="accent1"/>
+            </a:fillRef>
+            <a:effectRef idx="0">
+              <a:schemeClr val="accent1"/>
+            </a:effectRef>
+            <a:fontRef idx="minor">
+              <a:schemeClr val="tx1"/>
+            </a:fontRef>
+          </p:style>
+        </p:cxnSp>
+        <p:sp>
+          <p:nvSpPr>
+            <p:cNvPr id="51" name="テキスト ボックス 50"/>
+            <p:cNvSpPr txBox="1"/>
+            <p:nvPr/>
+          </p:nvSpPr>
+          <p:spPr>
+            <a:xfrm>
+              <a:off x="5266147" y="5894690"/>
+              <a:ext cx="671331" cy="369332"/>
+            </a:xfrm>
+            <a:prstGeom prst="rect">
+              <a:avLst/>
+            </a:prstGeom>
+            <a:noFill/>
+          </p:spPr>
+          <p:txBody>
+            <a:bodyPr wrap="square" rtlCol="0">
+              <a:spAutoFit/>
+            </a:bodyPr>
+            <a:lstStyle/>
+            <a:p>
+              <a:r>
+                <a:rPr kumimoji="1" lang="en-US" altLang="ja-JP" b="1" dirty="0">
+                  <a:latin typeface="游明朝" panose="02020400000000000000" pitchFamily="18" charset="-128"/>
+                  <a:ea typeface="游明朝" panose="02020400000000000000" pitchFamily="18" charset="-128"/>
+                </a:rPr>
+                <a:t>3m</a:t>
+              </a:r>
+              <a:endParaRPr kumimoji="1" lang="ja-JP" altLang="en-US" b="1" dirty="0">
+                <a:latin typeface="游明朝" panose="02020400000000000000" pitchFamily="18" charset="-128"/>
+                <a:ea typeface="游明朝" panose="02020400000000000000" pitchFamily="18" charset="-128"/>
+              </a:endParaRPr>
+            </a:p>
+          </p:txBody>
+        </p:sp>
+        <p:sp>
+          <p:nvSpPr>
+            <p:cNvPr id="52" name="テキスト ボックス 51"/>
+            <p:cNvSpPr txBox="1"/>
+            <p:nvPr/>
+          </p:nvSpPr>
+          <p:spPr>
+            <a:xfrm>
+              <a:off x="4334025" y="1166737"/>
+              <a:ext cx="671331" cy="369332"/>
+            </a:xfrm>
+            <a:prstGeom prst="rect">
+              <a:avLst/>
+            </a:prstGeom>
+            <a:noFill/>
+          </p:spPr>
+          <p:txBody>
+            <a:bodyPr wrap="square" rtlCol="0">
+              <a:spAutoFit/>
+            </a:bodyPr>
+            <a:lstStyle/>
+            <a:p>
+              <a:r>
+                <a:rPr kumimoji="1" lang="en-US" altLang="ja-JP" b="1" dirty="0">
+                  <a:latin typeface="游明朝" panose="02020400000000000000" pitchFamily="18" charset="-128"/>
+                  <a:ea typeface="游明朝" panose="02020400000000000000" pitchFamily="18" charset="-128"/>
+                </a:rPr>
+                <a:t>4m</a:t>
+              </a:r>
+              <a:endParaRPr kumimoji="1" lang="ja-JP" altLang="en-US" b="1" dirty="0">
+                <a:latin typeface="游明朝" panose="02020400000000000000" pitchFamily="18" charset="-128"/>
+                <a:ea typeface="游明朝" panose="02020400000000000000" pitchFamily="18" charset="-128"/>
+              </a:endParaRPr>
+            </a:p>
+          </p:txBody>
+        </p:sp>
+        <p:sp>
+          <p:nvSpPr>
+            <p:cNvPr id="53" name="テキスト ボックス 52"/>
+            <p:cNvSpPr txBox="1"/>
+            <p:nvPr/>
+          </p:nvSpPr>
+          <p:spPr>
+            <a:xfrm>
+              <a:off x="219215" y="3505903"/>
+              <a:ext cx="671331" cy="369332"/>
+            </a:xfrm>
+            <a:prstGeom prst="rect">
+              <a:avLst/>
+            </a:prstGeom>
+            <a:noFill/>
+          </p:spPr>
+          <p:txBody>
+            <a:bodyPr wrap="square" rtlCol="0">
+              <a:spAutoFit/>
+            </a:bodyPr>
+            <a:lstStyle/>
+            <a:p>
+              <a:r>
+                <a:rPr kumimoji="1" lang="en-US" altLang="ja-JP" b="1" dirty="0">
+                  <a:latin typeface="游明朝" panose="02020400000000000000" pitchFamily="18" charset="-128"/>
+                  <a:ea typeface="游明朝" panose="02020400000000000000" pitchFamily="18" charset="-128"/>
+                </a:rPr>
+                <a:t>2m</a:t>
+              </a:r>
+              <a:endParaRPr kumimoji="1" lang="ja-JP" altLang="en-US" b="1" dirty="0">
+                <a:latin typeface="游明朝" panose="02020400000000000000" pitchFamily="18" charset="-128"/>
+                <a:ea typeface="游明朝" panose="02020400000000000000" pitchFamily="18" charset="-128"/>
+              </a:endParaRPr>
+            </a:p>
+          </p:txBody>
+        </p:sp>
+      </p:grpSp>
+    </p:spTree>
+    <p:extLst>
+      <p:ext uri="{BB962C8B-B14F-4D97-AF65-F5344CB8AC3E}">
+        <p14:creationId xmlns:p14="http://schemas.microsoft.com/office/powerpoint/2010/main" val="914625076"/>
+      </p:ext>
+    </p:extLst>
+  </p:cSld>
+  <p:clrMapOvr>
+    <a:masterClrMapping/>
+  </p:clrMapOvr>
+</p:sld>
+</file>
+
+<file path=ppt/slides/slide20.xml><?xml version="1.0" encoding="utf-8"?>
 <p:sld xmlns:a="http://schemas.openxmlformats.org/drawingml/2006/main" xmlns:r="http://schemas.openxmlformats.org/officeDocument/2006/relationships" xmlns:p="http://schemas.openxmlformats.org/presentationml/2006/main">
   <p:cSld>
     <p:spTree>
@@ -6861,7 +8470,7 @@
 </p:sld>
 </file>
 
-<file path=ppt/slides/slide15.xml><?xml version="1.0" encoding="utf-8"?>
+<file path=ppt/slides/slide21.xml><?xml version="1.0" encoding="utf-8"?>
 <p:sld xmlns:a="http://schemas.openxmlformats.org/drawingml/2006/main" xmlns:r="http://schemas.openxmlformats.org/officeDocument/2006/relationships" xmlns:p="http://schemas.openxmlformats.org/presentationml/2006/main">
   <p:cSld>
     <p:spTree>
@@ -7116,7 +8725,7 @@
 </p:sld>
 </file>
 
-<file path=ppt/slides/slide16.xml><?xml version="1.0" encoding="utf-8"?>
+<file path=ppt/slides/slide22.xml><?xml version="1.0" encoding="utf-8"?>
 <p:sld xmlns:a="http://schemas.openxmlformats.org/drawingml/2006/main" xmlns:r="http://schemas.openxmlformats.org/officeDocument/2006/relationships" xmlns:p="http://schemas.openxmlformats.org/presentationml/2006/main">
   <p:cSld>
     <p:spTree>
@@ -7333,7 +8942,7 @@
 </p:sld>
 </file>
 
-<file path=ppt/slides/slide17.xml><?xml version="1.0" encoding="utf-8"?>
+<file path=ppt/slides/slide23.xml><?xml version="1.0" encoding="utf-8"?>
 <p:sld xmlns:a="http://schemas.openxmlformats.org/drawingml/2006/main" xmlns:r="http://schemas.openxmlformats.org/officeDocument/2006/relationships" xmlns:p="http://schemas.openxmlformats.org/presentationml/2006/main">
   <p:cSld>
     <p:spTree>
@@ -7368,7 +8977,7 @@
             <a:fld id="{A62B5364-244E-48C9-9385-65543814ADC3}" type="slidenum">
               <a:rPr lang="en-US" altLang="ja-JP"/>
               <a:pPr/>
-              <a:t>17</a:t>
+              <a:t>23</a:t>
             </a:fld>
             <a:endParaRPr lang="en-US" altLang="ja-JP"/>
           </a:p>
@@ -14448,7 +16057,7 @@
 </p:sld>
 </file>
 
-<file path=ppt/slides/slide18.xml><?xml version="1.0" encoding="utf-8"?>
+<file path=ppt/slides/slide24.xml><?xml version="1.0" encoding="utf-8"?>
 <p:sld xmlns:a="http://schemas.openxmlformats.org/drawingml/2006/main" xmlns:r="http://schemas.openxmlformats.org/officeDocument/2006/relationships" xmlns:p="http://schemas.openxmlformats.org/presentationml/2006/main">
   <p:cSld>
     <p:spTree>
@@ -14528,7 +16137,7 @@
 </p:sld>
 </file>
 
-<file path=ppt/slides/slide19.xml><?xml version="1.0" encoding="utf-8"?>
+<file path=ppt/slides/slide25.xml><?xml version="1.0" encoding="utf-8"?>
 <p:sld xmlns:a="http://schemas.openxmlformats.org/drawingml/2006/main" xmlns:r="http://schemas.openxmlformats.org/officeDocument/2006/relationships" xmlns:p="http://schemas.openxmlformats.org/presentationml/2006/main">
   <p:cSld>
     <p:spTree>
@@ -14608,1255 +16217,7 @@
 </p:sld>
 </file>
 
-<file path=ppt/slides/slide2.xml><?xml version="1.0" encoding="utf-8"?>
-<p:sld xmlns:a="http://schemas.openxmlformats.org/drawingml/2006/main" xmlns:r="http://schemas.openxmlformats.org/officeDocument/2006/relationships" xmlns:p="http://schemas.openxmlformats.org/presentationml/2006/main">
-  <p:cSld>
-    <p:spTree>
-      <p:nvGrpSpPr>
-        <p:cNvPr id="1" name=""/>
-        <p:cNvGrpSpPr/>
-        <p:nvPr/>
-      </p:nvGrpSpPr>
-      <p:grpSpPr>
-        <a:xfrm>
-          <a:off x="0" y="0"/>
-          <a:ext cx="0" cy="0"/>
-          <a:chOff x="0" y="0"/>
-          <a:chExt cx="0" cy="0"/>
-        </a:xfrm>
-      </p:grpSpPr>
-      <p:grpSp>
-        <p:nvGrpSpPr>
-          <p:cNvPr id="54" name="グループ化 53"/>
-          <p:cNvGrpSpPr/>
-          <p:nvPr/>
-        </p:nvGrpSpPr>
-        <p:grpSpPr>
-          <a:xfrm>
-            <a:off x="219215" y="-98542"/>
-            <a:ext cx="7885439" cy="5097285"/>
-            <a:chOff x="219215" y="1166737"/>
-            <a:chExt cx="7885439" cy="5097285"/>
-          </a:xfrm>
-        </p:grpSpPr>
-        <p:sp>
-          <p:nvSpPr>
-            <p:cNvPr id="6" name="正方形/長方形 5"/>
-            <p:cNvSpPr/>
-            <p:nvPr/>
-          </p:nvSpPr>
-          <p:spPr>
-            <a:xfrm>
-              <a:off x="6692939" y="1746546"/>
-              <a:ext cx="1157468" cy="1077440"/>
-            </a:xfrm>
-            <a:prstGeom prst="rect">
-              <a:avLst/>
-            </a:prstGeom>
-            <a:solidFill>
-              <a:srgbClr val="FF0000"/>
-            </a:solidFill>
-            <a:ln>
-              <a:solidFill>
-                <a:srgbClr val="FF0000"/>
-              </a:solidFill>
-            </a:ln>
-          </p:spPr>
-          <p:style>
-            <a:lnRef idx="2">
-              <a:schemeClr val="accent1">
-                <a:shade val="50000"/>
-              </a:schemeClr>
-            </a:lnRef>
-            <a:fillRef idx="1">
-              <a:schemeClr val="accent1"/>
-            </a:fillRef>
-            <a:effectRef idx="0">
-              <a:schemeClr val="accent1"/>
-            </a:effectRef>
-            <a:fontRef idx="minor">
-              <a:schemeClr val="lt1"/>
-            </a:fontRef>
-          </p:style>
-          <p:txBody>
-            <a:bodyPr rtlCol="0" anchor="ctr"/>
-            <a:lstStyle/>
-            <a:p>
-              <a:pPr algn="ctr"/>
-              <a:endParaRPr kumimoji="1" lang="ja-JP" altLang="en-US"/>
-            </a:p>
-          </p:txBody>
-        </p:sp>
-        <p:cxnSp>
-          <p:nvCxnSpPr>
-            <p:cNvPr id="7" name="直線コネクタ 6"/>
-            <p:cNvCxnSpPr/>
-            <p:nvPr/>
-          </p:nvCxnSpPr>
-          <p:spPr>
-            <a:xfrm flipH="1">
-              <a:off x="2805640" y="1722953"/>
-              <a:ext cx="1" cy="3801978"/>
-            </a:xfrm>
-            <a:prstGeom prst="line">
-              <a:avLst/>
-            </a:prstGeom>
-            <a:ln w="38100">
-              <a:solidFill>
-                <a:schemeClr val="tx1"/>
-              </a:solidFill>
-            </a:ln>
-          </p:spPr>
-          <p:style>
-            <a:lnRef idx="1">
-              <a:schemeClr val="accent1"/>
-            </a:lnRef>
-            <a:fillRef idx="0">
-              <a:schemeClr val="accent1"/>
-            </a:fillRef>
-            <a:effectRef idx="0">
-              <a:schemeClr val="accent1"/>
-            </a:effectRef>
-            <a:fontRef idx="minor">
-              <a:schemeClr val="tx1"/>
-            </a:fontRef>
-          </p:style>
-        </p:cxnSp>
-        <p:cxnSp>
-          <p:nvCxnSpPr>
-            <p:cNvPr id="8" name="直線コネクタ 7"/>
-            <p:cNvCxnSpPr/>
-            <p:nvPr/>
-          </p:nvCxnSpPr>
-          <p:spPr>
-            <a:xfrm>
-              <a:off x="904653" y="3623939"/>
-              <a:ext cx="1900987" cy="0"/>
-            </a:xfrm>
-            <a:prstGeom prst="line">
-              <a:avLst/>
-            </a:prstGeom>
-            <a:ln w="76200">
-              <a:solidFill>
-                <a:schemeClr val="bg2">
-                  <a:lumMod val="50000"/>
-                </a:schemeClr>
-              </a:solidFill>
-            </a:ln>
-          </p:spPr>
-          <p:style>
-            <a:lnRef idx="1">
-              <a:schemeClr val="accent1"/>
-            </a:lnRef>
-            <a:fillRef idx="0">
-              <a:schemeClr val="accent1"/>
-            </a:fillRef>
-            <a:effectRef idx="0">
-              <a:schemeClr val="accent1"/>
-            </a:effectRef>
-            <a:fontRef idx="minor">
-              <a:schemeClr val="tx1"/>
-            </a:fontRef>
-          </p:style>
-        </p:cxnSp>
-        <p:cxnSp>
-          <p:nvCxnSpPr>
-            <p:cNvPr id="9" name="直線コネクタ 8"/>
-            <p:cNvCxnSpPr/>
-            <p:nvPr/>
-          </p:nvCxnSpPr>
-          <p:spPr>
-            <a:xfrm rot="16200000">
-              <a:off x="1855149" y="2673445"/>
-              <a:ext cx="1900987" cy="0"/>
-            </a:xfrm>
-            <a:prstGeom prst="line">
-              <a:avLst/>
-            </a:prstGeom>
-            <a:ln w="76200">
-              <a:solidFill>
-                <a:schemeClr val="bg1">
-                  <a:lumMod val="50000"/>
-                </a:schemeClr>
-              </a:solidFill>
-            </a:ln>
-          </p:spPr>
-          <p:style>
-            <a:lnRef idx="1">
-              <a:schemeClr val="accent1"/>
-            </a:lnRef>
-            <a:fillRef idx="0">
-              <a:schemeClr val="accent1"/>
-            </a:fillRef>
-            <a:effectRef idx="0">
-              <a:schemeClr val="accent1"/>
-            </a:effectRef>
-            <a:fontRef idx="minor">
-              <a:schemeClr val="tx1"/>
-            </a:fontRef>
-          </p:style>
-        </p:cxnSp>
-        <p:sp>
-          <p:nvSpPr>
-            <p:cNvPr id="10" name="角丸四角形 19"/>
-            <p:cNvSpPr/>
-            <p:nvPr/>
-          </p:nvSpPr>
-          <p:spPr>
-            <a:xfrm>
-              <a:off x="3344468" y="1815805"/>
-              <a:ext cx="998621" cy="914400"/>
-            </a:xfrm>
-            <a:prstGeom prst="roundRect">
-              <a:avLst/>
-            </a:prstGeom>
-            <a:solidFill>
-              <a:schemeClr val="bg1">
-                <a:lumMod val="75000"/>
-              </a:schemeClr>
-            </a:solidFill>
-            <a:ln>
-              <a:solidFill>
-                <a:schemeClr val="bg1">
-                  <a:lumMod val="75000"/>
-                </a:schemeClr>
-              </a:solidFill>
-            </a:ln>
-          </p:spPr>
-          <p:style>
-            <a:lnRef idx="2">
-              <a:schemeClr val="accent1">
-                <a:shade val="50000"/>
-              </a:schemeClr>
-            </a:lnRef>
-            <a:fillRef idx="1">
-              <a:schemeClr val="accent1"/>
-            </a:fillRef>
-            <a:effectRef idx="0">
-              <a:schemeClr val="accent1"/>
-            </a:effectRef>
-            <a:fontRef idx="minor">
-              <a:schemeClr val="lt1"/>
-            </a:fontRef>
-          </p:style>
-          <p:txBody>
-            <a:bodyPr rtlCol="0" anchor="ctr"/>
-            <a:lstStyle/>
-            <a:p>
-              <a:pPr algn="ctr"/>
-              <a:endParaRPr kumimoji="1" lang="ja-JP" altLang="en-US"/>
-            </a:p>
-          </p:txBody>
-        </p:sp>
-        <p:sp>
-          <p:nvSpPr>
-            <p:cNvPr id="11" name="円/楕円 20"/>
-            <p:cNvSpPr/>
-            <p:nvPr/>
-          </p:nvSpPr>
-          <p:spPr>
-            <a:xfrm>
-              <a:off x="3482829" y="1924082"/>
-              <a:ext cx="721898" cy="721898"/>
-            </a:xfrm>
-            <a:prstGeom prst="ellipse">
-              <a:avLst/>
-            </a:prstGeom>
-            <a:solidFill>
-              <a:srgbClr val="E89CE6"/>
-            </a:solidFill>
-            <a:ln>
-              <a:solidFill>
-                <a:srgbClr val="E89CE6"/>
-              </a:solidFill>
-            </a:ln>
-          </p:spPr>
-          <p:style>
-            <a:lnRef idx="2">
-              <a:schemeClr val="accent1">
-                <a:shade val="50000"/>
-              </a:schemeClr>
-            </a:lnRef>
-            <a:fillRef idx="1">
-              <a:schemeClr val="accent1"/>
-            </a:fillRef>
-            <a:effectRef idx="0">
-              <a:schemeClr val="accent1"/>
-            </a:effectRef>
-            <a:fontRef idx="minor">
-              <a:schemeClr val="lt1"/>
-            </a:fontRef>
-          </p:style>
-          <p:txBody>
-            <a:bodyPr rtlCol="0" anchor="ctr"/>
-            <a:lstStyle/>
-            <a:p>
-              <a:pPr algn="ctr"/>
-              <a:endParaRPr kumimoji="1" lang="ja-JP" altLang="en-US"/>
-            </a:p>
-          </p:txBody>
-        </p:sp>
-        <p:sp>
-          <p:nvSpPr>
-            <p:cNvPr id="12" name="正方形/長方形 11"/>
-            <p:cNvSpPr/>
-            <p:nvPr/>
-          </p:nvSpPr>
-          <p:spPr>
-            <a:xfrm>
-              <a:off x="2824145" y="4324624"/>
-              <a:ext cx="4352159" cy="1176250"/>
-            </a:xfrm>
-            <a:prstGeom prst="rect">
-              <a:avLst/>
-            </a:prstGeom>
-            <a:solidFill>
-              <a:schemeClr val="accent2">
-                <a:lumMod val="60000"/>
-                <a:lumOff val="40000"/>
-              </a:schemeClr>
-            </a:solidFill>
-            <a:ln>
-              <a:solidFill>
-                <a:schemeClr val="accent2">
-                  <a:lumMod val="60000"/>
-                  <a:lumOff val="40000"/>
-                </a:schemeClr>
-              </a:solidFill>
-            </a:ln>
-          </p:spPr>
-          <p:style>
-            <a:lnRef idx="2">
-              <a:schemeClr val="accent1">
-                <a:shade val="50000"/>
-              </a:schemeClr>
-            </a:lnRef>
-            <a:fillRef idx="1">
-              <a:schemeClr val="accent1"/>
-            </a:fillRef>
-            <a:effectRef idx="0">
-              <a:schemeClr val="accent1"/>
-            </a:effectRef>
-            <a:fontRef idx="minor">
-              <a:schemeClr val="lt1"/>
-            </a:fontRef>
-          </p:style>
-          <p:txBody>
-            <a:bodyPr rtlCol="0" anchor="ctr"/>
-            <a:lstStyle/>
-            <a:p>
-              <a:pPr algn="ctr"/>
-              <a:endParaRPr kumimoji="1" lang="ja-JP" altLang="en-US"/>
-            </a:p>
-          </p:txBody>
-        </p:sp>
-        <p:sp>
-          <p:nvSpPr>
-            <p:cNvPr id="13" name="正方形/長方形 12"/>
-            <p:cNvSpPr/>
-            <p:nvPr/>
-          </p:nvSpPr>
-          <p:spPr>
-            <a:xfrm>
-              <a:off x="904654" y="1722952"/>
-              <a:ext cx="7200000" cy="3801979"/>
-            </a:xfrm>
-            <a:prstGeom prst="rect">
-              <a:avLst/>
-            </a:prstGeom>
-            <a:noFill/>
-            <a:ln w="38100">
-              <a:solidFill>
-                <a:schemeClr val="tx1"/>
-              </a:solidFill>
-            </a:ln>
-          </p:spPr>
-          <p:style>
-            <a:lnRef idx="2">
-              <a:schemeClr val="accent1">
-                <a:shade val="50000"/>
-              </a:schemeClr>
-            </a:lnRef>
-            <a:fillRef idx="1">
-              <a:schemeClr val="accent1"/>
-            </a:fillRef>
-            <a:effectRef idx="0">
-              <a:schemeClr val="accent1"/>
-            </a:effectRef>
-            <a:fontRef idx="minor">
-              <a:schemeClr val="lt1"/>
-            </a:fontRef>
-          </p:style>
-          <p:txBody>
-            <a:bodyPr rtlCol="0" anchor="ctr"/>
-            <a:lstStyle/>
-            <a:p>
-              <a:pPr algn="ctr"/>
-              <a:endParaRPr kumimoji="1" lang="ja-JP" altLang="en-US"/>
-            </a:p>
-          </p:txBody>
-        </p:sp>
-        <p:cxnSp>
-          <p:nvCxnSpPr>
-            <p:cNvPr id="14" name="直線コネクタ 13"/>
-            <p:cNvCxnSpPr/>
-            <p:nvPr/>
-          </p:nvCxnSpPr>
-          <p:spPr>
-            <a:xfrm>
-              <a:off x="904653" y="5515457"/>
-              <a:ext cx="1900987" cy="0"/>
-            </a:xfrm>
-            <a:prstGeom prst="line">
-              <a:avLst/>
-            </a:prstGeom>
-            <a:ln w="76200">
-              <a:solidFill>
-                <a:schemeClr val="bg1">
-                  <a:lumMod val="50000"/>
-                </a:schemeClr>
-              </a:solidFill>
-            </a:ln>
-          </p:spPr>
-          <p:style>
-            <a:lnRef idx="1">
-              <a:schemeClr val="accent1"/>
-            </a:lnRef>
-            <a:fillRef idx="0">
-              <a:schemeClr val="accent1"/>
-            </a:fillRef>
-            <a:effectRef idx="0">
-              <a:schemeClr val="accent1"/>
-            </a:effectRef>
-            <a:fontRef idx="minor">
-              <a:schemeClr val="tx1"/>
-            </a:fontRef>
-          </p:style>
-        </p:cxnSp>
-        <p:sp>
-          <p:nvSpPr>
-            <p:cNvPr id="15" name="正方形/長方形 14"/>
-            <p:cNvSpPr/>
-            <p:nvPr/>
-          </p:nvSpPr>
-          <p:spPr>
-            <a:xfrm>
-              <a:off x="4996419" y="1746546"/>
-              <a:ext cx="1696520" cy="2049337"/>
-            </a:xfrm>
-            <a:prstGeom prst="rect">
-              <a:avLst/>
-            </a:prstGeom>
-            <a:solidFill>
-              <a:schemeClr val="accent2">
-                <a:lumMod val="60000"/>
-                <a:lumOff val="40000"/>
-              </a:schemeClr>
-            </a:solidFill>
-            <a:ln>
-              <a:solidFill>
-                <a:schemeClr val="accent2">
-                  <a:lumMod val="40000"/>
-                  <a:lumOff val="60000"/>
-                </a:schemeClr>
-              </a:solidFill>
-            </a:ln>
-          </p:spPr>
-          <p:style>
-            <a:lnRef idx="2">
-              <a:schemeClr val="accent1">
-                <a:shade val="50000"/>
-              </a:schemeClr>
-            </a:lnRef>
-            <a:fillRef idx="1">
-              <a:schemeClr val="accent1"/>
-            </a:fillRef>
-            <a:effectRef idx="0">
-              <a:schemeClr val="accent1"/>
-            </a:effectRef>
-            <a:fontRef idx="minor">
-              <a:schemeClr val="lt1"/>
-            </a:fontRef>
-          </p:style>
-          <p:txBody>
-            <a:bodyPr rtlCol="0" anchor="ctr"/>
-            <a:lstStyle/>
-            <a:p>
-              <a:pPr algn="ctr"/>
-              <a:endParaRPr kumimoji="1" lang="ja-JP" altLang="en-US"/>
-            </a:p>
-          </p:txBody>
-        </p:sp>
-        <p:sp>
-          <p:nvSpPr>
-            <p:cNvPr id="16" name="テキスト ボックス 15"/>
-            <p:cNvSpPr txBox="1"/>
-            <p:nvPr/>
-          </p:nvSpPr>
-          <p:spPr>
-            <a:xfrm>
-              <a:off x="1519480" y="5525358"/>
-              <a:ext cx="671331" cy="369332"/>
-            </a:xfrm>
-            <a:prstGeom prst="rect">
-              <a:avLst/>
-            </a:prstGeom>
-            <a:noFill/>
-          </p:spPr>
-          <p:txBody>
-            <a:bodyPr wrap="square" rtlCol="0">
-              <a:spAutoFit/>
-            </a:bodyPr>
-            <a:lstStyle/>
-            <a:p>
-              <a:r>
-                <a:rPr kumimoji="1" lang="ja-JP" altLang="en-US" b="1" dirty="0">
-                  <a:latin typeface="游明朝" panose="02020400000000000000" pitchFamily="18" charset="-128"/>
-                  <a:ea typeface="游明朝" panose="02020400000000000000" pitchFamily="18" charset="-128"/>
-                </a:rPr>
-                <a:t>入口</a:t>
-              </a:r>
-            </a:p>
-          </p:txBody>
-        </p:sp>
-        <p:sp>
-          <p:nvSpPr>
-            <p:cNvPr id="17" name="テキスト ボックス 16"/>
-            <p:cNvSpPr txBox="1"/>
-            <p:nvPr/>
-          </p:nvSpPr>
-          <p:spPr>
-            <a:xfrm>
-              <a:off x="1113163" y="2730205"/>
-              <a:ext cx="1365812" cy="369332"/>
-            </a:xfrm>
-            <a:prstGeom prst="rect">
-              <a:avLst/>
-            </a:prstGeom>
-            <a:noFill/>
-          </p:spPr>
-          <p:txBody>
-            <a:bodyPr wrap="square" rtlCol="0">
-              <a:spAutoFit/>
-            </a:bodyPr>
-            <a:lstStyle/>
-            <a:p>
-              <a:r>
-                <a:rPr lang="ja-JP" altLang="en-US" b="1" dirty="0">
-                  <a:latin typeface="游明朝" panose="02020400000000000000" pitchFamily="18" charset="-128"/>
-                  <a:ea typeface="游明朝" panose="02020400000000000000" pitchFamily="18" charset="-128"/>
-                </a:rPr>
-                <a:t>カーテン</a:t>
-              </a:r>
-              <a:endParaRPr kumimoji="1" lang="ja-JP" altLang="en-US" b="1" dirty="0">
-                <a:latin typeface="游明朝" panose="02020400000000000000" pitchFamily="18" charset="-128"/>
-                <a:ea typeface="游明朝" panose="02020400000000000000" pitchFamily="18" charset="-128"/>
-              </a:endParaRPr>
-            </a:p>
-          </p:txBody>
-        </p:sp>
-        <p:cxnSp>
-          <p:nvCxnSpPr>
-            <p:cNvPr id="18" name="直線矢印コネクタ 17"/>
-            <p:cNvCxnSpPr>
-              <a:cxnSpLocks/>
-            </p:cNvCxnSpPr>
-            <p:nvPr/>
-          </p:nvCxnSpPr>
-          <p:spPr>
-            <a:xfrm>
-              <a:off x="2279897" y="2914871"/>
-              <a:ext cx="489314" cy="182922"/>
-            </a:xfrm>
-            <a:prstGeom prst="straightConnector1">
-              <a:avLst/>
-            </a:prstGeom>
-            <a:ln w="38100">
-              <a:prstDash val="sysDash"/>
-              <a:tailEnd type="triangle"/>
-            </a:ln>
-          </p:spPr>
-          <p:style>
-            <a:lnRef idx="1">
-              <a:schemeClr val="accent1"/>
-            </a:lnRef>
-            <a:fillRef idx="0">
-              <a:schemeClr val="accent1"/>
-            </a:fillRef>
-            <a:effectRef idx="0">
-              <a:schemeClr val="accent1"/>
-            </a:effectRef>
-            <a:fontRef idx="minor">
-              <a:schemeClr val="tx1"/>
-            </a:fontRef>
-          </p:style>
-        </p:cxnSp>
-        <p:cxnSp>
-          <p:nvCxnSpPr>
-            <p:cNvPr id="19" name="直線矢印コネクタ 18"/>
-            <p:cNvCxnSpPr>
-              <a:cxnSpLocks/>
-            </p:cNvCxnSpPr>
-            <p:nvPr/>
-          </p:nvCxnSpPr>
-          <p:spPr>
-            <a:xfrm>
-              <a:off x="2009236" y="3093776"/>
-              <a:ext cx="257577" cy="475068"/>
-            </a:xfrm>
-            <a:prstGeom prst="straightConnector1">
-              <a:avLst/>
-            </a:prstGeom>
-            <a:ln w="38100">
-              <a:prstDash val="sysDash"/>
-              <a:tailEnd type="triangle"/>
-            </a:ln>
-          </p:spPr>
-          <p:style>
-            <a:lnRef idx="1">
-              <a:schemeClr val="accent1"/>
-            </a:lnRef>
-            <a:fillRef idx="0">
-              <a:schemeClr val="accent1"/>
-            </a:fillRef>
-            <a:effectRef idx="0">
-              <a:schemeClr val="accent1"/>
-            </a:effectRef>
-            <a:fontRef idx="minor">
-              <a:schemeClr val="tx1"/>
-            </a:fontRef>
-          </p:style>
-        </p:cxnSp>
-        <p:cxnSp>
-          <p:nvCxnSpPr>
-            <p:cNvPr id="20" name="直線矢印コネクタ 19"/>
-            <p:cNvCxnSpPr>
-              <a:cxnSpLocks/>
-            </p:cNvCxnSpPr>
-            <p:nvPr/>
-          </p:nvCxnSpPr>
-          <p:spPr>
-            <a:xfrm>
-              <a:off x="1552739" y="3232298"/>
-              <a:ext cx="328722" cy="1841454"/>
-            </a:xfrm>
-            <a:prstGeom prst="straightConnector1">
-              <a:avLst/>
-            </a:prstGeom>
-            <a:ln w="38100">
-              <a:prstDash val="sysDash"/>
-              <a:tailEnd type="triangle"/>
-            </a:ln>
-          </p:spPr>
-          <p:style>
-            <a:lnRef idx="1">
-              <a:schemeClr val="accent1"/>
-            </a:lnRef>
-            <a:fillRef idx="0">
-              <a:schemeClr val="accent1"/>
-            </a:fillRef>
-            <a:effectRef idx="0">
-              <a:schemeClr val="accent1"/>
-            </a:effectRef>
-            <a:fontRef idx="minor">
-              <a:schemeClr val="tx1"/>
-            </a:fontRef>
-          </p:style>
-        </p:cxnSp>
-        <p:sp>
-          <p:nvSpPr>
-            <p:cNvPr id="21" name="テキスト ボックス 20"/>
-            <p:cNvSpPr txBox="1"/>
-            <p:nvPr/>
-          </p:nvSpPr>
-          <p:spPr>
-            <a:xfrm>
-              <a:off x="3417327" y="1962311"/>
-              <a:ext cx="924180" cy="646331"/>
-            </a:xfrm>
-            <a:prstGeom prst="rect">
-              <a:avLst/>
-            </a:prstGeom>
-            <a:noFill/>
-          </p:spPr>
-          <p:txBody>
-            <a:bodyPr wrap="square" rtlCol="0">
-              <a:spAutoFit/>
-            </a:bodyPr>
-            <a:lstStyle/>
-            <a:p>
-              <a:r>
-                <a:rPr lang="ja-JP" altLang="en-US" b="1" dirty="0">
-                  <a:latin typeface="游明朝" panose="02020400000000000000" pitchFamily="18" charset="-128"/>
-                  <a:ea typeface="游明朝" panose="02020400000000000000" pitchFamily="18" charset="-128"/>
-                </a:rPr>
-                <a:t>加湿器 </a:t>
-              </a:r>
-              <a:endParaRPr lang="en-US" altLang="ja-JP" b="1" dirty="0">
-                <a:latin typeface="游明朝" panose="02020400000000000000" pitchFamily="18" charset="-128"/>
-                <a:ea typeface="游明朝" panose="02020400000000000000" pitchFamily="18" charset="-128"/>
-              </a:endParaRPr>
-            </a:p>
-            <a:p>
-              <a:r>
-                <a:rPr lang="ja-JP" altLang="en-US" b="1" dirty="0">
-                  <a:latin typeface="游明朝" panose="02020400000000000000" pitchFamily="18" charset="-128"/>
-                  <a:ea typeface="游明朝" panose="02020400000000000000" pitchFamily="18" charset="-128"/>
-                </a:rPr>
-                <a:t>除湿器</a:t>
-              </a:r>
-              <a:endParaRPr kumimoji="1" lang="ja-JP" altLang="en-US" b="1" dirty="0">
-                <a:latin typeface="游明朝" panose="02020400000000000000" pitchFamily="18" charset="-128"/>
-                <a:ea typeface="游明朝" panose="02020400000000000000" pitchFamily="18" charset="-128"/>
-              </a:endParaRPr>
-            </a:p>
-          </p:txBody>
-        </p:sp>
-        <p:sp>
-          <p:nvSpPr>
-            <p:cNvPr id="22" name="テキスト ボックス 21"/>
-            <p:cNvSpPr txBox="1"/>
-            <p:nvPr/>
-          </p:nvSpPr>
-          <p:spPr>
-            <a:xfrm>
-              <a:off x="5415360" y="3472907"/>
-              <a:ext cx="1038219" cy="369332"/>
-            </a:xfrm>
-            <a:prstGeom prst="rect">
-              <a:avLst/>
-            </a:prstGeom>
-            <a:noFill/>
-          </p:spPr>
-          <p:txBody>
-            <a:bodyPr wrap="square" rtlCol="0">
-              <a:spAutoFit/>
-            </a:bodyPr>
-            <a:lstStyle/>
-            <a:p>
-              <a:r>
-                <a:rPr lang="ja-JP" altLang="en-US" b="1" dirty="0">
-                  <a:latin typeface="游明朝" panose="02020400000000000000" pitchFamily="18" charset="-128"/>
-                  <a:ea typeface="游明朝" panose="02020400000000000000" pitchFamily="18" charset="-128"/>
-                </a:rPr>
-                <a:t>作業机</a:t>
-              </a:r>
-              <a:endParaRPr kumimoji="1" lang="ja-JP" altLang="en-US" b="1" dirty="0">
-                <a:latin typeface="游明朝" panose="02020400000000000000" pitchFamily="18" charset="-128"/>
-                <a:ea typeface="游明朝" panose="02020400000000000000" pitchFamily="18" charset="-128"/>
-              </a:endParaRPr>
-            </a:p>
-          </p:txBody>
-        </p:sp>
-        <p:sp>
-          <p:nvSpPr>
-            <p:cNvPr id="25" name="テキスト ボックス 24"/>
-            <p:cNvSpPr txBox="1"/>
-            <p:nvPr/>
-          </p:nvSpPr>
-          <p:spPr>
-            <a:xfrm>
-              <a:off x="7067754" y="2097136"/>
-              <a:ext cx="557029" cy="369332"/>
-            </a:xfrm>
-            <a:prstGeom prst="rect">
-              <a:avLst/>
-            </a:prstGeom>
-            <a:noFill/>
-          </p:spPr>
-          <p:txBody>
-            <a:bodyPr wrap="square" rtlCol="0">
-              <a:spAutoFit/>
-            </a:bodyPr>
-            <a:lstStyle/>
-            <a:p>
-              <a:r>
-                <a:rPr lang="ja-JP" altLang="en-US" b="1" dirty="0">
-                  <a:latin typeface="游明朝" panose="02020400000000000000" pitchFamily="18" charset="-128"/>
-                  <a:ea typeface="游明朝" panose="02020400000000000000" pitchFamily="18" charset="-128"/>
-                </a:rPr>
-                <a:t>棚</a:t>
-              </a:r>
-              <a:endParaRPr kumimoji="1" lang="ja-JP" altLang="en-US" b="1" dirty="0">
-                <a:latin typeface="游明朝" panose="02020400000000000000" pitchFamily="18" charset="-128"/>
-                <a:ea typeface="游明朝" panose="02020400000000000000" pitchFamily="18" charset="-128"/>
-              </a:endParaRPr>
-            </a:p>
-          </p:txBody>
-        </p:sp>
-        <p:sp>
-          <p:nvSpPr>
-            <p:cNvPr id="30" name="正方形/長方形 29"/>
-            <p:cNvSpPr/>
-            <p:nvPr/>
-          </p:nvSpPr>
-          <p:spPr>
-            <a:xfrm>
-              <a:off x="5266147" y="2281802"/>
-              <a:ext cx="1129356" cy="1129356"/>
-            </a:xfrm>
-            <a:prstGeom prst="rect">
-              <a:avLst/>
-            </a:prstGeom>
-            <a:solidFill>
-              <a:schemeClr val="bg2">
-                <a:lumMod val="75000"/>
-              </a:schemeClr>
-            </a:solidFill>
-            <a:ln>
-              <a:solidFill>
-                <a:schemeClr val="bg2">
-                  <a:lumMod val="75000"/>
-                </a:schemeClr>
-              </a:solidFill>
-            </a:ln>
-          </p:spPr>
-          <p:style>
-            <a:lnRef idx="2">
-              <a:schemeClr val="accent1">
-                <a:shade val="50000"/>
-              </a:schemeClr>
-            </a:lnRef>
-            <a:fillRef idx="1">
-              <a:schemeClr val="accent1"/>
-            </a:fillRef>
-            <a:effectRef idx="0">
-              <a:schemeClr val="accent1"/>
-            </a:effectRef>
-            <a:fontRef idx="minor">
-              <a:schemeClr val="lt1"/>
-            </a:fontRef>
-          </p:style>
-          <p:txBody>
-            <a:bodyPr rtlCol="0" anchor="ctr"/>
-            <a:lstStyle/>
-            <a:p>
-              <a:pPr algn="ctr"/>
-              <a:endParaRPr kumimoji="1" lang="ja-JP" altLang="en-US"/>
-            </a:p>
-          </p:txBody>
-        </p:sp>
-        <p:sp>
-          <p:nvSpPr>
-            <p:cNvPr id="31" name="テキスト ボックス 30"/>
-            <p:cNvSpPr txBox="1"/>
-            <p:nvPr/>
-          </p:nvSpPr>
-          <p:spPr>
-            <a:xfrm>
-              <a:off x="5326089" y="2689935"/>
-              <a:ext cx="1443333" cy="369332"/>
-            </a:xfrm>
-            <a:prstGeom prst="rect">
-              <a:avLst/>
-            </a:prstGeom>
-            <a:noFill/>
-          </p:spPr>
-          <p:txBody>
-            <a:bodyPr wrap="square" rtlCol="0">
-              <a:spAutoFit/>
-            </a:bodyPr>
-            <a:lstStyle/>
-            <a:p>
-              <a:r>
-                <a:rPr kumimoji="1" lang="ja-JP" altLang="en-US" b="1" dirty="0">
-                  <a:latin typeface="游明朝" panose="02020400000000000000" pitchFamily="18" charset="-128"/>
-                  <a:ea typeface="游明朝" panose="02020400000000000000" pitchFamily="18" charset="-128"/>
-                </a:rPr>
-                <a:t>カセット</a:t>
-              </a:r>
-            </a:p>
-          </p:txBody>
-        </p:sp>
-        <p:sp>
-          <p:nvSpPr>
-            <p:cNvPr id="36" name="正方形/長方形 35"/>
-            <p:cNvSpPr/>
-            <p:nvPr/>
-          </p:nvSpPr>
-          <p:spPr>
-            <a:xfrm>
-              <a:off x="7725734" y="4324624"/>
-              <a:ext cx="349090" cy="1176250"/>
-            </a:xfrm>
-            <a:prstGeom prst="rect">
-              <a:avLst/>
-            </a:prstGeom>
-            <a:solidFill>
-              <a:schemeClr val="bg1">
-                <a:lumMod val="65000"/>
-              </a:schemeClr>
-            </a:solidFill>
-            <a:ln>
-              <a:solidFill>
-                <a:schemeClr val="bg1">
-                  <a:lumMod val="65000"/>
-                </a:schemeClr>
-              </a:solidFill>
-            </a:ln>
-          </p:spPr>
-          <p:style>
-            <a:lnRef idx="2">
-              <a:schemeClr val="accent1">
-                <a:shade val="50000"/>
-              </a:schemeClr>
-            </a:lnRef>
-            <a:fillRef idx="1">
-              <a:schemeClr val="accent1"/>
-            </a:fillRef>
-            <a:effectRef idx="0">
-              <a:schemeClr val="accent1"/>
-            </a:effectRef>
-            <a:fontRef idx="minor">
-              <a:schemeClr val="lt1"/>
-            </a:fontRef>
-          </p:style>
-          <p:txBody>
-            <a:bodyPr rtlCol="0" anchor="ctr"/>
-            <a:lstStyle/>
-            <a:p>
-              <a:pPr algn="ctr"/>
-              <a:endParaRPr kumimoji="1" lang="ja-JP" altLang="en-US"/>
-            </a:p>
-          </p:txBody>
-        </p:sp>
-        <p:sp>
-          <p:nvSpPr>
-            <p:cNvPr id="37" name="テキスト ボックス 36"/>
-            <p:cNvSpPr txBox="1"/>
-            <p:nvPr/>
-          </p:nvSpPr>
-          <p:spPr>
-            <a:xfrm>
-              <a:off x="7313599" y="3676785"/>
-              <a:ext cx="761225" cy="369332"/>
-            </a:xfrm>
-            <a:prstGeom prst="rect">
-              <a:avLst/>
-            </a:prstGeom>
-            <a:noFill/>
-          </p:spPr>
-          <p:txBody>
-            <a:bodyPr wrap="square" rtlCol="0">
-              <a:spAutoFit/>
-            </a:bodyPr>
-            <a:lstStyle/>
-            <a:p>
-              <a:r>
-                <a:rPr lang="ja-JP" altLang="en-US" b="1" dirty="0">
-                  <a:latin typeface="游明朝" panose="02020400000000000000" pitchFamily="18" charset="-128"/>
-                  <a:ea typeface="游明朝" panose="02020400000000000000" pitchFamily="18" charset="-128"/>
-                </a:rPr>
-                <a:t>空調</a:t>
-              </a:r>
-              <a:endParaRPr kumimoji="1" lang="ja-JP" altLang="en-US" b="1" dirty="0">
-                <a:latin typeface="游明朝" panose="02020400000000000000" pitchFamily="18" charset="-128"/>
-                <a:ea typeface="游明朝" panose="02020400000000000000" pitchFamily="18" charset="-128"/>
-              </a:endParaRPr>
-            </a:p>
-          </p:txBody>
-        </p:sp>
-        <p:cxnSp>
-          <p:nvCxnSpPr>
-            <p:cNvPr id="39" name="直線矢印コネクタ 38"/>
-            <p:cNvCxnSpPr>
-              <a:cxnSpLocks/>
-            </p:cNvCxnSpPr>
-            <p:nvPr/>
-          </p:nvCxnSpPr>
-          <p:spPr>
-            <a:xfrm>
-              <a:off x="7692417" y="3969550"/>
-              <a:ext cx="136074" cy="376340"/>
-            </a:xfrm>
-            <a:prstGeom prst="straightConnector1">
-              <a:avLst/>
-            </a:prstGeom>
-            <a:ln w="38100">
-              <a:prstDash val="sysDash"/>
-              <a:tailEnd type="triangle"/>
-            </a:ln>
-          </p:spPr>
-          <p:style>
-            <a:lnRef idx="1">
-              <a:schemeClr val="accent1"/>
-            </a:lnRef>
-            <a:fillRef idx="0">
-              <a:schemeClr val="accent1"/>
-            </a:fillRef>
-            <a:effectRef idx="0">
-              <a:schemeClr val="accent1"/>
-            </a:effectRef>
-            <a:fontRef idx="minor">
-              <a:schemeClr val="tx1"/>
-            </a:fontRef>
-          </p:style>
-        </p:cxnSp>
-        <p:sp>
-          <p:nvSpPr>
-            <p:cNvPr id="41" name="テキスト ボックス 40"/>
-            <p:cNvSpPr txBox="1"/>
-            <p:nvPr/>
-          </p:nvSpPr>
-          <p:spPr>
-            <a:xfrm>
-              <a:off x="4504498" y="4731102"/>
-              <a:ext cx="1038219" cy="369332"/>
-            </a:xfrm>
-            <a:prstGeom prst="rect">
-              <a:avLst/>
-            </a:prstGeom>
-            <a:noFill/>
-          </p:spPr>
-          <p:txBody>
-            <a:bodyPr wrap="square" rtlCol="0">
-              <a:spAutoFit/>
-            </a:bodyPr>
-            <a:lstStyle/>
-            <a:p>
-              <a:r>
-                <a:rPr lang="ja-JP" altLang="en-US" b="1" dirty="0">
-                  <a:latin typeface="游明朝" panose="02020400000000000000" pitchFamily="18" charset="-128"/>
-                  <a:ea typeface="游明朝" panose="02020400000000000000" pitchFamily="18" charset="-128"/>
-                </a:rPr>
-                <a:t>作業机</a:t>
-              </a:r>
-              <a:endParaRPr kumimoji="1" lang="ja-JP" altLang="en-US" b="1" dirty="0">
-                <a:latin typeface="游明朝" panose="02020400000000000000" pitchFamily="18" charset="-128"/>
-                <a:ea typeface="游明朝" panose="02020400000000000000" pitchFamily="18" charset="-128"/>
-              </a:endParaRPr>
-            </a:p>
-          </p:txBody>
-        </p:sp>
-        <p:cxnSp>
-          <p:nvCxnSpPr>
-            <p:cNvPr id="46" name="直線矢印コネクタ 45"/>
-            <p:cNvCxnSpPr/>
-            <p:nvPr/>
-          </p:nvCxnSpPr>
-          <p:spPr>
-            <a:xfrm>
-              <a:off x="723017" y="1722951"/>
-              <a:ext cx="0" cy="3801980"/>
-            </a:xfrm>
-            <a:prstGeom prst="straightConnector1">
-              <a:avLst/>
-            </a:prstGeom>
-            <a:ln w="28575">
-              <a:headEnd type="triangle"/>
-              <a:tailEnd type="triangle"/>
-            </a:ln>
-          </p:spPr>
-          <p:style>
-            <a:lnRef idx="1">
-              <a:schemeClr val="accent1"/>
-            </a:lnRef>
-            <a:fillRef idx="0">
-              <a:schemeClr val="accent1"/>
-            </a:fillRef>
-            <a:effectRef idx="0">
-              <a:schemeClr val="accent1"/>
-            </a:effectRef>
-            <a:fontRef idx="minor">
-              <a:schemeClr val="tx1"/>
-            </a:fontRef>
-          </p:style>
-        </p:cxnSp>
-        <p:cxnSp>
-          <p:nvCxnSpPr>
-            <p:cNvPr id="47" name="直線矢印コネクタ 46"/>
-            <p:cNvCxnSpPr>
-              <a:cxnSpLocks/>
-            </p:cNvCxnSpPr>
-            <p:nvPr/>
-          </p:nvCxnSpPr>
-          <p:spPr>
-            <a:xfrm flipH="1">
-              <a:off x="867774" y="1527130"/>
-              <a:ext cx="7207050" cy="0"/>
-            </a:xfrm>
-            <a:prstGeom prst="straightConnector1">
-              <a:avLst/>
-            </a:prstGeom>
-            <a:ln w="28575">
-              <a:headEnd type="triangle"/>
-              <a:tailEnd type="triangle"/>
-            </a:ln>
-          </p:spPr>
-          <p:style>
-            <a:lnRef idx="1">
-              <a:schemeClr val="accent1"/>
-            </a:lnRef>
-            <a:fillRef idx="0">
-              <a:schemeClr val="accent1"/>
-            </a:fillRef>
-            <a:effectRef idx="0">
-              <a:schemeClr val="accent1"/>
-            </a:effectRef>
-            <a:fontRef idx="minor">
-              <a:schemeClr val="tx1"/>
-            </a:fontRef>
-          </p:style>
-        </p:cxnSp>
-        <p:cxnSp>
-          <p:nvCxnSpPr>
-            <p:cNvPr id="49" name="直線矢印コネクタ 48"/>
-            <p:cNvCxnSpPr>
-              <a:cxnSpLocks/>
-            </p:cNvCxnSpPr>
-            <p:nvPr/>
-          </p:nvCxnSpPr>
-          <p:spPr>
-            <a:xfrm flipH="1">
-              <a:off x="2837942" y="5859985"/>
-              <a:ext cx="5266712" cy="0"/>
-            </a:xfrm>
-            <a:prstGeom prst="straightConnector1">
-              <a:avLst/>
-            </a:prstGeom>
-            <a:ln w="28575">
-              <a:headEnd type="triangle"/>
-              <a:tailEnd type="triangle"/>
-            </a:ln>
-          </p:spPr>
-          <p:style>
-            <a:lnRef idx="1">
-              <a:schemeClr val="accent1"/>
-            </a:lnRef>
-            <a:fillRef idx="0">
-              <a:schemeClr val="accent1"/>
-            </a:fillRef>
-            <a:effectRef idx="0">
-              <a:schemeClr val="accent1"/>
-            </a:effectRef>
-            <a:fontRef idx="minor">
-              <a:schemeClr val="tx1"/>
-            </a:fontRef>
-          </p:style>
-        </p:cxnSp>
-        <p:sp>
-          <p:nvSpPr>
-            <p:cNvPr id="51" name="テキスト ボックス 50"/>
-            <p:cNvSpPr txBox="1"/>
-            <p:nvPr/>
-          </p:nvSpPr>
-          <p:spPr>
-            <a:xfrm>
-              <a:off x="5266147" y="5894690"/>
-              <a:ext cx="671331" cy="369332"/>
-            </a:xfrm>
-            <a:prstGeom prst="rect">
-              <a:avLst/>
-            </a:prstGeom>
-            <a:noFill/>
-          </p:spPr>
-          <p:txBody>
-            <a:bodyPr wrap="square" rtlCol="0">
-              <a:spAutoFit/>
-            </a:bodyPr>
-            <a:lstStyle/>
-            <a:p>
-              <a:r>
-                <a:rPr kumimoji="1" lang="en-US" altLang="ja-JP" b="1" dirty="0">
-                  <a:latin typeface="游明朝" panose="02020400000000000000" pitchFamily="18" charset="-128"/>
-                  <a:ea typeface="游明朝" panose="02020400000000000000" pitchFamily="18" charset="-128"/>
-                </a:rPr>
-                <a:t>3m</a:t>
-              </a:r>
-              <a:endParaRPr kumimoji="1" lang="ja-JP" altLang="en-US" b="1" dirty="0">
-                <a:latin typeface="游明朝" panose="02020400000000000000" pitchFamily="18" charset="-128"/>
-                <a:ea typeface="游明朝" panose="02020400000000000000" pitchFamily="18" charset="-128"/>
-              </a:endParaRPr>
-            </a:p>
-          </p:txBody>
-        </p:sp>
-        <p:sp>
-          <p:nvSpPr>
-            <p:cNvPr id="52" name="テキスト ボックス 51"/>
-            <p:cNvSpPr txBox="1"/>
-            <p:nvPr/>
-          </p:nvSpPr>
-          <p:spPr>
-            <a:xfrm>
-              <a:off x="4334025" y="1166737"/>
-              <a:ext cx="671331" cy="369332"/>
-            </a:xfrm>
-            <a:prstGeom prst="rect">
-              <a:avLst/>
-            </a:prstGeom>
-            <a:noFill/>
-          </p:spPr>
-          <p:txBody>
-            <a:bodyPr wrap="square" rtlCol="0">
-              <a:spAutoFit/>
-            </a:bodyPr>
-            <a:lstStyle/>
-            <a:p>
-              <a:r>
-                <a:rPr kumimoji="1" lang="en-US" altLang="ja-JP" b="1" dirty="0">
-                  <a:latin typeface="游明朝" panose="02020400000000000000" pitchFamily="18" charset="-128"/>
-                  <a:ea typeface="游明朝" panose="02020400000000000000" pitchFamily="18" charset="-128"/>
-                </a:rPr>
-                <a:t>4m</a:t>
-              </a:r>
-              <a:endParaRPr kumimoji="1" lang="ja-JP" altLang="en-US" b="1" dirty="0">
-                <a:latin typeface="游明朝" panose="02020400000000000000" pitchFamily="18" charset="-128"/>
-                <a:ea typeface="游明朝" panose="02020400000000000000" pitchFamily="18" charset="-128"/>
-              </a:endParaRPr>
-            </a:p>
-          </p:txBody>
-        </p:sp>
-        <p:sp>
-          <p:nvSpPr>
-            <p:cNvPr id="53" name="テキスト ボックス 52"/>
-            <p:cNvSpPr txBox="1"/>
-            <p:nvPr/>
-          </p:nvSpPr>
-          <p:spPr>
-            <a:xfrm>
-              <a:off x="219215" y="3505903"/>
-              <a:ext cx="671331" cy="369332"/>
-            </a:xfrm>
-            <a:prstGeom prst="rect">
-              <a:avLst/>
-            </a:prstGeom>
-            <a:noFill/>
-          </p:spPr>
-          <p:txBody>
-            <a:bodyPr wrap="square" rtlCol="0">
-              <a:spAutoFit/>
-            </a:bodyPr>
-            <a:lstStyle/>
-            <a:p>
-              <a:r>
-                <a:rPr kumimoji="1" lang="en-US" altLang="ja-JP" b="1" dirty="0">
-                  <a:latin typeface="游明朝" panose="02020400000000000000" pitchFamily="18" charset="-128"/>
-                  <a:ea typeface="游明朝" panose="02020400000000000000" pitchFamily="18" charset="-128"/>
-                </a:rPr>
-                <a:t>2m</a:t>
-              </a:r>
-              <a:endParaRPr kumimoji="1" lang="ja-JP" altLang="en-US" b="1" dirty="0">
-                <a:latin typeface="游明朝" panose="02020400000000000000" pitchFamily="18" charset="-128"/>
-                <a:ea typeface="游明朝" panose="02020400000000000000" pitchFamily="18" charset="-128"/>
-              </a:endParaRPr>
-            </a:p>
-          </p:txBody>
-        </p:sp>
-      </p:grpSp>
-    </p:spTree>
-    <p:extLst>
-      <p:ext uri="{BB962C8B-B14F-4D97-AF65-F5344CB8AC3E}">
-        <p14:creationId xmlns:p14="http://schemas.microsoft.com/office/powerpoint/2010/main" val="914625076"/>
-      </p:ext>
-    </p:extLst>
-  </p:cSld>
-  <p:clrMapOvr>
-    <a:masterClrMapping/>
-  </p:clrMapOvr>
-</p:sld>
-</file>
-
-<file path=ppt/slides/slide20.xml><?xml version="1.0" encoding="utf-8"?>
+<file path=ppt/slides/slide26.xml><?xml version="1.0" encoding="utf-8"?>
 <p:sld xmlns:a="http://schemas.openxmlformats.org/drawingml/2006/main" xmlns:r="http://schemas.openxmlformats.org/officeDocument/2006/relationships" xmlns:p="http://schemas.openxmlformats.org/presentationml/2006/main">
   <p:cSld>
     <p:spTree>
@@ -15936,7 +16297,7 @@
 </p:sld>
 </file>
 
-<file path=ppt/slides/slide21.xml><?xml version="1.0" encoding="utf-8"?>
+<file path=ppt/slides/slide27.xml><?xml version="1.0" encoding="utf-8"?>
 <p:sld xmlns:a="http://schemas.openxmlformats.org/drawingml/2006/main" xmlns:r="http://schemas.openxmlformats.org/officeDocument/2006/relationships" xmlns:p="http://schemas.openxmlformats.org/presentationml/2006/main">
   <p:cSld>
     <p:spTree>

--- a/修論画像作成.pptx
+++ b/修論画像作成.pptx
@@ -1588,7 +1588,7 @@
           <a:p>
             <a:fld id="{C6AC7F0E-DDCA-4467-BA12-379A322E0DE2}" type="datetimeFigureOut">
               <a:rPr kumimoji="1" lang="ja-JP" altLang="en-US" smtClean="0"/>
-              <a:t>2017/12/4</a:t>
+              <a:t>2017/12/5</a:t>
             </a:fld>
             <a:endParaRPr kumimoji="1" lang="ja-JP" altLang="en-US"/>
           </a:p>
@@ -1790,7 +1790,7 @@
           <a:p>
             <a:fld id="{C6AC7F0E-DDCA-4467-BA12-379A322E0DE2}" type="datetimeFigureOut">
               <a:rPr kumimoji="1" lang="ja-JP" altLang="en-US" smtClean="0"/>
-              <a:t>2017/12/4</a:t>
+              <a:t>2017/12/5</a:t>
             </a:fld>
             <a:endParaRPr kumimoji="1" lang="ja-JP" altLang="en-US"/>
           </a:p>
@@ -2002,7 +2002,7 @@
           <a:p>
             <a:fld id="{C6AC7F0E-DDCA-4467-BA12-379A322E0DE2}" type="datetimeFigureOut">
               <a:rPr kumimoji="1" lang="ja-JP" altLang="en-US" smtClean="0"/>
-              <a:t>2017/12/4</a:t>
+              <a:t>2017/12/5</a:t>
             </a:fld>
             <a:endParaRPr kumimoji="1" lang="ja-JP" altLang="en-US"/>
           </a:p>
@@ -2204,7 +2204,7 @@
           <a:p>
             <a:fld id="{C6AC7F0E-DDCA-4467-BA12-379A322E0DE2}" type="datetimeFigureOut">
               <a:rPr kumimoji="1" lang="ja-JP" altLang="en-US" smtClean="0"/>
-              <a:t>2017/12/4</a:t>
+              <a:t>2017/12/5</a:t>
             </a:fld>
             <a:endParaRPr kumimoji="1" lang="ja-JP" altLang="en-US"/>
           </a:p>
@@ -2448,7 +2448,7 @@
           <a:p>
             <a:fld id="{C6AC7F0E-DDCA-4467-BA12-379A322E0DE2}" type="datetimeFigureOut">
               <a:rPr kumimoji="1" lang="ja-JP" altLang="en-US" smtClean="0"/>
-              <a:t>2017/12/4</a:t>
+              <a:t>2017/12/5</a:t>
             </a:fld>
             <a:endParaRPr kumimoji="1" lang="ja-JP" altLang="en-US"/>
           </a:p>
@@ -2744,7 +2744,7 @@
           <a:p>
             <a:fld id="{C6AC7F0E-DDCA-4467-BA12-379A322E0DE2}" type="datetimeFigureOut">
               <a:rPr kumimoji="1" lang="ja-JP" altLang="en-US" smtClean="0"/>
-              <a:t>2017/12/4</a:t>
+              <a:t>2017/12/5</a:t>
             </a:fld>
             <a:endParaRPr kumimoji="1" lang="ja-JP" altLang="en-US"/>
           </a:p>
@@ -3175,7 +3175,7 @@
           <a:p>
             <a:fld id="{C6AC7F0E-DDCA-4467-BA12-379A322E0DE2}" type="datetimeFigureOut">
               <a:rPr kumimoji="1" lang="ja-JP" altLang="en-US" smtClean="0"/>
-              <a:t>2017/12/4</a:t>
+              <a:t>2017/12/5</a:t>
             </a:fld>
             <a:endParaRPr kumimoji="1" lang="ja-JP" altLang="en-US"/>
           </a:p>
@@ -3293,7 +3293,7 @@
           <a:p>
             <a:fld id="{C6AC7F0E-DDCA-4467-BA12-379A322E0DE2}" type="datetimeFigureOut">
               <a:rPr kumimoji="1" lang="ja-JP" altLang="en-US" smtClean="0"/>
-              <a:t>2017/12/4</a:t>
+              <a:t>2017/12/5</a:t>
             </a:fld>
             <a:endParaRPr kumimoji="1" lang="ja-JP" altLang="en-US"/>
           </a:p>
@@ -3388,7 +3388,7 @@
           <a:p>
             <a:fld id="{C6AC7F0E-DDCA-4467-BA12-379A322E0DE2}" type="datetimeFigureOut">
               <a:rPr kumimoji="1" lang="ja-JP" altLang="en-US" smtClean="0"/>
-              <a:t>2017/12/4</a:t>
+              <a:t>2017/12/5</a:t>
             </a:fld>
             <a:endParaRPr kumimoji="1" lang="ja-JP" altLang="en-US"/>
           </a:p>
@@ -3697,7 +3697,7 @@
           <a:p>
             <a:fld id="{C6AC7F0E-DDCA-4467-BA12-379A322E0DE2}" type="datetimeFigureOut">
               <a:rPr kumimoji="1" lang="ja-JP" altLang="en-US" smtClean="0"/>
-              <a:t>2017/12/4</a:t>
+              <a:t>2017/12/5</a:t>
             </a:fld>
             <a:endParaRPr kumimoji="1" lang="ja-JP" altLang="en-US"/>
           </a:p>
@@ -3954,7 +3954,7 @@
           <a:p>
             <a:fld id="{C6AC7F0E-DDCA-4467-BA12-379A322E0DE2}" type="datetimeFigureOut">
               <a:rPr kumimoji="1" lang="ja-JP" altLang="en-US" smtClean="0"/>
-              <a:t>2017/12/4</a:t>
+              <a:t>2017/12/5</a:t>
             </a:fld>
             <a:endParaRPr kumimoji="1" lang="ja-JP" altLang="en-US"/>
           </a:p>
@@ -4199,7 +4199,7 @@
           <a:p>
             <a:fld id="{C6AC7F0E-DDCA-4467-BA12-379A322E0DE2}" type="datetimeFigureOut">
               <a:rPr kumimoji="1" lang="ja-JP" altLang="en-US" smtClean="0"/>
-              <a:t>2017/12/4</a:t>
+              <a:t>2017/12/5</a:t>
             </a:fld>
             <a:endParaRPr kumimoji="1" lang="ja-JP" altLang="en-US"/>
           </a:p>
@@ -6594,6 +6594,41 @@
           <a:chExt cx="0" cy="0"/>
         </a:xfrm>
       </p:grpSpPr>
+      <p:pic>
+        <p:nvPicPr>
+          <p:cNvPr id="3" name="図 2">
+            <a:extLst>
+              <a:ext uri="{FF2B5EF4-FFF2-40B4-BE49-F238E27FC236}">
+                <a16:creationId xmlns:a16="http://schemas.microsoft.com/office/drawing/2014/main" id="{F96AE641-F733-4365-9774-12A46E549200}"/>
+              </a:ext>
+            </a:extLst>
+          </p:cNvPr>
+          <p:cNvPicPr>
+            <a:picLocks noChangeAspect="1"/>
+          </p:cNvPicPr>
+          <p:nvPr/>
+        </p:nvPicPr>
+        <p:blipFill rotWithShape="1">
+          <a:blip r:embed="rId2">
+            <a:extLst>
+              <a:ext uri="{28A0092B-C50C-407E-A947-70E740481C1C}">
+                <a14:useLocalDpi xmlns:a14="http://schemas.microsoft.com/office/drawing/2010/main" val="0"/>
+              </a:ext>
+            </a:extLst>
+          </a:blip>
+          <a:srcRect l="18805" t="1335" r="38260"/>
+          <a:stretch/>
+        </p:blipFill>
+        <p:spPr>
+          <a:xfrm>
+            <a:off x="1719470" y="924339"/>
+            <a:ext cx="3925956" cy="5078044"/>
+          </a:xfrm>
+          <a:prstGeom prst="rect">
+            <a:avLst/>
+          </a:prstGeom>
+        </p:spPr>
+      </p:pic>
     </p:spTree>
     <p:extLst>
       <p:ext uri="{BB962C8B-B14F-4D97-AF65-F5344CB8AC3E}">

--- a/修論画像作成.pptx
+++ b/修論画像作成.pptx
@@ -16159,6 +16159,42 @@
           </a:p>
         </p:txBody>
       </p:sp>
+      <p:pic>
+        <p:nvPicPr>
+          <p:cNvPr id="3" name="図 2">
+            <a:extLst>
+              <a:ext uri="{FF2B5EF4-FFF2-40B4-BE49-F238E27FC236}">
+                <a16:creationId xmlns:a16="http://schemas.microsoft.com/office/drawing/2014/main" id="{249E0BBC-642A-4E53-8C4D-A45FCE2E1986}"/>
+              </a:ext>
+            </a:extLst>
+          </p:cNvPr>
+          <p:cNvPicPr>
+            <a:picLocks noChangeAspect="1"/>
+          </p:cNvPicPr>
+          <p:nvPr/>
+        </p:nvPicPr>
+        <p:blipFill>
+          <a:blip r:embed="rId2">
+            <a:extLst>
+              <a:ext uri="{28A0092B-C50C-407E-A947-70E740481C1C}">
+                <a14:useLocalDpi xmlns:a14="http://schemas.microsoft.com/office/drawing/2010/main" val="0"/>
+              </a:ext>
+            </a:extLst>
+          </a:blip>
+          <a:stretch>
+            <a:fillRect/>
+          </a:stretch>
+        </p:blipFill>
+        <p:spPr>
+          <a:xfrm>
+            <a:off x="975810" y="1404655"/>
+            <a:ext cx="7192379" cy="4048690"/>
+          </a:xfrm>
+          <a:prstGeom prst="rect">
+            <a:avLst/>
+          </a:prstGeom>
+        </p:spPr>
+      </p:pic>
     </p:spTree>
     <p:extLst>
       <p:ext uri="{BB962C8B-B14F-4D97-AF65-F5344CB8AC3E}">

--- a/修論画像作成.pptx
+++ b/修論画像作成.pptx
@@ -1588,7 +1588,7 @@
           <a:p>
             <a:fld id="{C6AC7F0E-DDCA-4467-BA12-379A322E0DE2}" type="datetimeFigureOut">
               <a:rPr kumimoji="1" lang="ja-JP" altLang="en-US" smtClean="0"/>
-              <a:t>2017/12/5</a:t>
+              <a:t>2017/12/6</a:t>
             </a:fld>
             <a:endParaRPr kumimoji="1" lang="ja-JP" altLang="en-US"/>
           </a:p>
@@ -1790,7 +1790,7 @@
           <a:p>
             <a:fld id="{C6AC7F0E-DDCA-4467-BA12-379A322E0DE2}" type="datetimeFigureOut">
               <a:rPr kumimoji="1" lang="ja-JP" altLang="en-US" smtClean="0"/>
-              <a:t>2017/12/5</a:t>
+              <a:t>2017/12/6</a:t>
             </a:fld>
             <a:endParaRPr kumimoji="1" lang="ja-JP" altLang="en-US"/>
           </a:p>
@@ -2002,7 +2002,7 @@
           <a:p>
             <a:fld id="{C6AC7F0E-DDCA-4467-BA12-379A322E0DE2}" type="datetimeFigureOut">
               <a:rPr kumimoji="1" lang="ja-JP" altLang="en-US" smtClean="0"/>
-              <a:t>2017/12/5</a:t>
+              <a:t>2017/12/6</a:t>
             </a:fld>
             <a:endParaRPr kumimoji="1" lang="ja-JP" altLang="en-US"/>
           </a:p>
@@ -2204,7 +2204,7 @@
           <a:p>
             <a:fld id="{C6AC7F0E-DDCA-4467-BA12-379A322E0DE2}" type="datetimeFigureOut">
               <a:rPr kumimoji="1" lang="ja-JP" altLang="en-US" smtClean="0"/>
-              <a:t>2017/12/5</a:t>
+              <a:t>2017/12/6</a:t>
             </a:fld>
             <a:endParaRPr kumimoji="1" lang="ja-JP" altLang="en-US"/>
           </a:p>
@@ -2448,7 +2448,7 @@
           <a:p>
             <a:fld id="{C6AC7F0E-DDCA-4467-BA12-379A322E0DE2}" type="datetimeFigureOut">
               <a:rPr kumimoji="1" lang="ja-JP" altLang="en-US" smtClean="0"/>
-              <a:t>2017/12/5</a:t>
+              <a:t>2017/12/6</a:t>
             </a:fld>
             <a:endParaRPr kumimoji="1" lang="ja-JP" altLang="en-US"/>
           </a:p>
@@ -2744,7 +2744,7 @@
           <a:p>
             <a:fld id="{C6AC7F0E-DDCA-4467-BA12-379A322E0DE2}" type="datetimeFigureOut">
               <a:rPr kumimoji="1" lang="ja-JP" altLang="en-US" smtClean="0"/>
-              <a:t>2017/12/5</a:t>
+              <a:t>2017/12/6</a:t>
             </a:fld>
             <a:endParaRPr kumimoji="1" lang="ja-JP" altLang="en-US"/>
           </a:p>
@@ -3175,7 +3175,7 @@
           <a:p>
             <a:fld id="{C6AC7F0E-DDCA-4467-BA12-379A322E0DE2}" type="datetimeFigureOut">
               <a:rPr kumimoji="1" lang="ja-JP" altLang="en-US" smtClean="0"/>
-              <a:t>2017/12/5</a:t>
+              <a:t>2017/12/6</a:t>
             </a:fld>
             <a:endParaRPr kumimoji="1" lang="ja-JP" altLang="en-US"/>
           </a:p>
@@ -3293,7 +3293,7 @@
           <a:p>
             <a:fld id="{C6AC7F0E-DDCA-4467-BA12-379A322E0DE2}" type="datetimeFigureOut">
               <a:rPr kumimoji="1" lang="ja-JP" altLang="en-US" smtClean="0"/>
-              <a:t>2017/12/5</a:t>
+              <a:t>2017/12/6</a:t>
             </a:fld>
             <a:endParaRPr kumimoji="1" lang="ja-JP" altLang="en-US"/>
           </a:p>
@@ -3388,7 +3388,7 @@
           <a:p>
             <a:fld id="{C6AC7F0E-DDCA-4467-BA12-379A322E0DE2}" type="datetimeFigureOut">
               <a:rPr kumimoji="1" lang="ja-JP" altLang="en-US" smtClean="0"/>
-              <a:t>2017/12/5</a:t>
+              <a:t>2017/12/6</a:t>
             </a:fld>
             <a:endParaRPr kumimoji="1" lang="ja-JP" altLang="en-US"/>
           </a:p>
@@ -3697,7 +3697,7 @@
           <a:p>
             <a:fld id="{C6AC7F0E-DDCA-4467-BA12-379A322E0DE2}" type="datetimeFigureOut">
               <a:rPr kumimoji="1" lang="ja-JP" altLang="en-US" smtClean="0"/>
-              <a:t>2017/12/5</a:t>
+              <a:t>2017/12/6</a:t>
             </a:fld>
             <a:endParaRPr kumimoji="1" lang="ja-JP" altLang="en-US"/>
           </a:p>
@@ -3954,7 +3954,7 @@
           <a:p>
             <a:fld id="{C6AC7F0E-DDCA-4467-BA12-379A322E0DE2}" type="datetimeFigureOut">
               <a:rPr kumimoji="1" lang="ja-JP" altLang="en-US" smtClean="0"/>
-              <a:t>2017/12/5</a:t>
+              <a:t>2017/12/6</a:t>
             </a:fld>
             <a:endParaRPr kumimoji="1" lang="ja-JP" altLang="en-US"/>
           </a:p>
@@ -4199,7 +4199,7 @@
           <a:p>
             <a:fld id="{C6AC7F0E-DDCA-4467-BA12-379A322E0DE2}" type="datetimeFigureOut">
               <a:rPr kumimoji="1" lang="ja-JP" altLang="en-US" smtClean="0"/>
-              <a:t>2017/12/5</a:t>
+              <a:t>2017/12/6</a:t>
             </a:fld>
             <a:endParaRPr kumimoji="1" lang="ja-JP" altLang="en-US"/>
           </a:p>
@@ -6464,41 +6464,333 @@
           <a:chExt cx="0" cy="0"/>
         </a:xfrm>
       </p:grpSpPr>
-      <p:pic>
-        <p:nvPicPr>
-          <p:cNvPr id="3" name="図 2">
+      <p:grpSp>
+        <p:nvGrpSpPr>
+          <p:cNvPr id="2" name="グループ化 1">
             <a:extLst>
               <a:ext uri="{FF2B5EF4-FFF2-40B4-BE49-F238E27FC236}">
-                <a16:creationId xmlns:a16="http://schemas.microsoft.com/office/drawing/2014/main" id="{6FD1CEAF-4DE8-4A90-AACF-D187665F8142}"/>
+                <a16:creationId xmlns:a16="http://schemas.microsoft.com/office/drawing/2014/main" id="{EB48FF22-6CD1-48EA-96C9-39198B42EEBC}"/>
               </a:ext>
             </a:extLst>
           </p:cNvPr>
-          <p:cNvPicPr>
-            <a:picLocks noChangeAspect="1"/>
-          </p:cNvPicPr>
+          <p:cNvGrpSpPr/>
           <p:nvPr/>
-        </p:nvPicPr>
-        <p:blipFill rotWithShape="1">
-          <a:blip r:embed="rId2">
-            <a:extLst>
-              <a:ext uri="{28A0092B-C50C-407E-A947-70E740481C1C}">
-                <a14:useLocalDpi xmlns:a14="http://schemas.microsoft.com/office/drawing/2010/main" val="0"/>
-              </a:ext>
-            </a:extLst>
-          </a:blip>
-          <a:srcRect t="3600" b="23261"/>
-          <a:stretch/>
-        </p:blipFill>
-        <p:spPr>
+        </p:nvGrpSpPr>
+        <p:grpSpPr>
           <a:xfrm>
-            <a:off x="1075233" y="1470992"/>
-            <a:ext cx="6735115" cy="2773017"/>
+            <a:off x="854731" y="1470992"/>
+            <a:ext cx="6735115" cy="3339262"/>
+            <a:chOff x="854731" y="1470992"/>
+            <a:chExt cx="6735115" cy="3339262"/>
           </a:xfrm>
-          <a:prstGeom prst="rect">
-            <a:avLst/>
-          </a:prstGeom>
-        </p:spPr>
-      </p:pic>
+        </p:grpSpPr>
+        <p:pic>
+          <p:nvPicPr>
+            <p:cNvPr id="3" name="図 2">
+              <a:extLst>
+                <a:ext uri="{FF2B5EF4-FFF2-40B4-BE49-F238E27FC236}">
+                  <a16:creationId xmlns:a16="http://schemas.microsoft.com/office/drawing/2014/main" id="{6FD1CEAF-4DE8-4A90-AACF-D187665F8142}"/>
+                </a:ext>
+              </a:extLst>
+            </p:cNvPr>
+            <p:cNvPicPr>
+              <a:picLocks noChangeAspect="1"/>
+            </p:cNvPicPr>
+            <p:nvPr/>
+          </p:nvPicPr>
+          <p:blipFill rotWithShape="1">
+            <a:blip r:embed="rId2">
+              <a:extLst>
+                <a:ext uri="{28A0092B-C50C-407E-A947-70E740481C1C}">
+                  <a14:useLocalDpi xmlns:a14="http://schemas.microsoft.com/office/drawing/2010/main" val="0"/>
+                </a:ext>
+              </a:extLst>
+            </a:blip>
+            <a:srcRect t="3600" b="23261"/>
+            <a:stretch/>
+          </p:blipFill>
+          <p:spPr>
+            <a:xfrm>
+              <a:off x="854731" y="1470992"/>
+              <a:ext cx="6735115" cy="2773017"/>
+            </a:xfrm>
+            <a:prstGeom prst="rect">
+              <a:avLst/>
+            </a:prstGeom>
+          </p:spPr>
+        </p:pic>
+        <mc:AlternateContent xmlns:mc="http://schemas.openxmlformats.org/markup-compatibility/2006">
+          <mc:Choice xmlns:a14="http://schemas.microsoft.com/office/drawing/2010/main" Requires="a14">
+            <p:sp>
+              <p:nvSpPr>
+                <p:cNvPr id="4" name="テキスト ボックス 3">
+                  <a:extLst>
+                    <a:ext uri="{FF2B5EF4-FFF2-40B4-BE49-F238E27FC236}">
+                      <a16:creationId xmlns:a16="http://schemas.microsoft.com/office/drawing/2014/main" id="{DCF678A0-0069-4B71-9550-D919B793D42E}"/>
+                    </a:ext>
+                  </a:extLst>
+                </p:cNvPr>
+                <p:cNvSpPr txBox="1"/>
+                <p:nvPr/>
+              </p:nvSpPr>
+              <p:spPr>
+                <a:xfrm>
+                  <a:off x="2254635" y="4244009"/>
+                  <a:ext cx="3935308" cy="566245"/>
+                </a:xfrm>
+                <a:prstGeom prst="rect">
+                  <a:avLst/>
+                </a:prstGeom>
+                <a:solidFill>
+                  <a:schemeClr val="bg1"/>
+                </a:solidFill>
+                <a:ln>
+                  <a:solidFill>
+                    <a:schemeClr val="accent1"/>
+                  </a:solidFill>
+                </a:ln>
+              </p:spPr>
+              <p:txBody>
+                <a:bodyPr wrap="none" rtlCol="0">
+                  <a:spAutoFit/>
+                </a:bodyPr>
+                <a:lstStyle/>
+                <a:p>
+                  <a14:m>
+                    <m:oMathPara xmlns:m="http://schemas.openxmlformats.org/officeDocument/2006/math">
+                      <m:oMathParaPr>
+                        <m:jc m:val="centerGroup"/>
+                      </m:oMathParaPr>
+                      <m:oMath xmlns:m="http://schemas.openxmlformats.org/officeDocument/2006/math">
+                        <m:sSup>
+                          <m:sSupPr>
+                            <m:ctrlPr>
+                              <a:rPr lang="en-US" altLang="ja-JP" sz="2800" i="1" smtClean="0">
+                                <a:latin typeface="Cambria Math" panose="02040503050406030204" pitchFamily="18" charset="0"/>
+                                <a:ea typeface="Cambria Math" panose="02040503050406030204" pitchFamily="18" charset="0"/>
+                              </a:rPr>
+                            </m:ctrlPr>
+                          </m:sSupPr>
+                          <m:e>
+                            <m:r>
+                              <m:rPr>
+                                <m:sty m:val="p"/>
+                              </m:rPr>
+                              <a:rPr lang="el-GR" altLang="ja-JP" sz="2800" i="1">
+                                <a:latin typeface="Cambria Math" panose="02040503050406030204" pitchFamily="18" charset="0"/>
+                                <a:ea typeface="Cambria Math" panose="02040503050406030204" pitchFamily="18" charset="0"/>
+                              </a:rPr>
+                              <m:t>Ξ</m:t>
+                            </m:r>
+                          </m:e>
+                          <m:sup>
+                            <m:r>
+                              <a:rPr lang="en-US" altLang="ja-JP" sz="2800" i="1">
+                                <a:latin typeface="Cambria Math" panose="02040503050406030204" pitchFamily="18" charset="0"/>
+                                <a:ea typeface="Cambria Math" panose="02040503050406030204" pitchFamily="18" charset="0"/>
+                              </a:rPr>
+                              <m:t>−</m:t>
+                            </m:r>
+                          </m:sup>
+                        </m:sSup>
+                        <m:r>
+                          <a:rPr lang="en-US" altLang="ja-JP" sz="2800" b="0" i="1" smtClean="0">
+                            <a:latin typeface="Cambria Math" panose="02040503050406030204" pitchFamily="18" charset="0"/>
+                            <a:ea typeface="Cambria Math" panose="02040503050406030204" pitchFamily="18" charset="0"/>
+                          </a:rPr>
+                          <m:t>+</m:t>
+                        </m:r>
+                        <m:sPre>
+                          <m:sPrePr>
+                            <m:ctrlPr>
+                              <a:rPr kumimoji="1" lang="en-US" altLang="ja-JP" sz="2800" i="1">
+                                <a:latin typeface="Cambria Math" panose="02040503050406030204" pitchFamily="18" charset="0"/>
+                              </a:rPr>
+                            </m:ctrlPr>
+                          </m:sPrePr>
+                          <m:sub/>
+                          <m:sup>
+                            <m:r>
+                              <a:rPr lang="en-US" altLang="ja-JP" sz="2800" i="1">
+                                <a:latin typeface="Cambria Math" panose="02040503050406030204" pitchFamily="18" charset="0"/>
+                              </a:rPr>
+                              <m:t>1</m:t>
+                            </m:r>
+                            <m:r>
+                              <a:rPr lang="en-US" altLang="ja-JP" sz="2800" b="0" i="1" smtClean="0">
+                                <a:latin typeface="Cambria Math" panose="02040503050406030204" pitchFamily="18" charset="0"/>
+                              </a:rPr>
+                              <m:t>4</m:t>
+                            </m:r>
+                          </m:sup>
+                          <m:e>
+                            <m:r>
+                              <m:rPr>
+                                <m:sty m:val="p"/>
+                              </m:rPr>
+                              <a:rPr lang="en-US" altLang="ja-JP" sz="2800" b="0" i="0" smtClean="0">
+                                <a:latin typeface="Cambria Math" panose="02040503050406030204" pitchFamily="18" charset="0"/>
+                              </a:rPr>
+                              <m:t>N</m:t>
+                            </m:r>
+                          </m:e>
+                        </m:sPre>
+                        <m:r>
+                          <a:rPr lang="en-US" altLang="ja-JP" sz="2800" b="0" i="1" smtClean="0">
+                            <a:latin typeface="Cambria Math" panose="02040503050406030204" pitchFamily="18" charset="0"/>
+                            <a:ea typeface="Cambria Math" panose="02040503050406030204" pitchFamily="18" charset="0"/>
+                          </a:rPr>
+                          <m:t>→</m:t>
+                        </m:r>
+                        <m:sPre>
+                          <m:sPrePr>
+                            <m:ctrlPr>
+                              <a:rPr lang="en-US" altLang="ja-JP" sz="2800" b="0" i="1" smtClean="0">
+                                <a:latin typeface="Cambria Math" panose="02040503050406030204" pitchFamily="18" charset="0"/>
+                                <a:ea typeface="Cambria Math" panose="02040503050406030204" pitchFamily="18" charset="0"/>
+                              </a:rPr>
+                            </m:ctrlPr>
+                          </m:sPrePr>
+                          <m:sub>
+                            <m:r>
+                              <m:rPr>
+                                <m:sty m:val="p"/>
+                              </m:rPr>
+                              <a:rPr lang="el-GR" altLang="ja-JP" sz="2800" b="0" i="1" smtClean="0">
+                                <a:latin typeface="Cambria Math" panose="02040503050406030204" pitchFamily="18" charset="0"/>
+                                <a:ea typeface="Cambria Math" panose="02040503050406030204" pitchFamily="18" charset="0"/>
+                              </a:rPr>
+                              <m:t>Λ</m:t>
+                            </m:r>
+                          </m:sub>
+                          <m:sup>
+                            <m:r>
+                              <a:rPr lang="en-US" altLang="ja-JP" sz="2800" b="0" i="1" smtClean="0">
+                                <a:latin typeface="Cambria Math" panose="02040503050406030204" pitchFamily="18" charset="0"/>
+                              </a:rPr>
+                              <m:t>10</m:t>
+                            </m:r>
+                          </m:sup>
+                          <m:e>
+                            <m:r>
+                              <m:rPr>
+                                <m:sty m:val="p"/>
+                              </m:rPr>
+                              <a:rPr lang="en-US" altLang="ja-JP" sz="2800" b="0" i="0" smtClean="0">
+                                <a:latin typeface="Cambria Math" panose="02040503050406030204" pitchFamily="18" charset="0"/>
+                              </a:rPr>
+                              <m:t>Be</m:t>
+                            </m:r>
+                          </m:e>
+                        </m:sPre>
+                        <m:r>
+                          <a:rPr lang="en-US" altLang="ja-JP" sz="2800" b="0" i="1" smtClean="0">
+                            <a:latin typeface="Cambria Math" panose="02040503050406030204" pitchFamily="18" charset="0"/>
+                            <a:ea typeface="Cambria Math" panose="02040503050406030204" pitchFamily="18" charset="0"/>
+                          </a:rPr>
+                          <m:t>+</m:t>
+                        </m:r>
+                        <m:sPre>
+                          <m:sPrePr>
+                            <m:ctrlPr>
+                              <a:rPr lang="en-US" altLang="ja-JP" sz="2800" b="0" i="1" smtClean="0">
+                                <a:latin typeface="Cambria Math" panose="02040503050406030204" pitchFamily="18" charset="0"/>
+                              </a:rPr>
+                            </m:ctrlPr>
+                          </m:sPrePr>
+                          <m:sub>
+                            <m:r>
+                              <m:rPr>
+                                <m:sty m:val="p"/>
+                              </m:rPr>
+                              <a:rPr lang="el-GR" altLang="ja-JP" sz="2800" b="0" i="1" smtClean="0">
+                                <a:latin typeface="Cambria Math" panose="02040503050406030204" pitchFamily="18" charset="0"/>
+                                <a:ea typeface="Cambria Math" panose="02040503050406030204" pitchFamily="18" charset="0"/>
+                              </a:rPr>
+                              <m:t>Λ</m:t>
+                            </m:r>
+                          </m:sub>
+                          <m:sup>
+                            <m:r>
+                              <a:rPr lang="en-US" altLang="ja-JP" sz="2800" b="0" i="1" smtClean="0">
+                                <a:latin typeface="Cambria Math" panose="02040503050406030204" pitchFamily="18" charset="0"/>
+                              </a:rPr>
+                              <m:t>5</m:t>
+                            </m:r>
+                          </m:sup>
+                          <m:e>
+                            <m:r>
+                              <m:rPr>
+                                <m:sty m:val="p"/>
+                              </m:rPr>
+                              <a:rPr lang="en-US" altLang="ja-JP" sz="2800" b="0" i="0" smtClean="0">
+                                <a:latin typeface="Cambria Math" panose="02040503050406030204" pitchFamily="18" charset="0"/>
+                              </a:rPr>
+                              <m:t>He</m:t>
+                            </m:r>
+                          </m:e>
+                        </m:sPre>
+                      </m:oMath>
+                    </m:oMathPara>
+                  </a14:m>
+                  <a:endParaRPr lang="en-US" altLang="ja-JP" sz="2800" dirty="0">
+                    <a:ea typeface="Cambria Math" panose="02040503050406030204" pitchFamily="18" charset="0"/>
+                  </a:endParaRPr>
+                </a:p>
+              </p:txBody>
+            </p:sp>
+          </mc:Choice>
+          <mc:Fallback>
+            <p:sp>
+              <p:nvSpPr>
+                <p:cNvPr id="4" name="テキスト ボックス 3">
+                  <a:extLst>
+                    <a:ext uri="{FF2B5EF4-FFF2-40B4-BE49-F238E27FC236}">
+                      <a16:creationId xmlns:a16="http://schemas.microsoft.com/office/drawing/2014/main" id="{DCF678A0-0069-4B71-9550-D919B793D42E}"/>
+                    </a:ext>
+                  </a:extLst>
+                </p:cNvPr>
+                <p:cNvSpPr txBox="1">
+                  <a:spLocks noRot="1" noChangeAspect="1" noMove="1" noResize="1" noEditPoints="1" noAdjustHandles="1" noChangeArrowheads="1" noChangeShapeType="1" noTextEdit="1"/>
+                </p:cNvSpPr>
+                <p:nvPr/>
+              </p:nvSpPr>
+              <p:spPr>
+                <a:xfrm>
+                  <a:off x="2254635" y="4244009"/>
+                  <a:ext cx="3935308" cy="566245"/>
+                </a:xfrm>
+                <a:prstGeom prst="rect">
+                  <a:avLst/>
+                </a:prstGeom>
+                <a:blipFill>
+                  <a:blip r:embed="rId3"/>
+                  <a:stretch>
+                    <a:fillRect/>
+                  </a:stretch>
+                </a:blipFill>
+                <a:ln>
+                  <a:solidFill>
+                    <a:schemeClr val="accent1"/>
+                  </a:solidFill>
+                </a:ln>
+              </p:spPr>
+              <p:txBody>
+                <a:bodyPr/>
+                <a:lstStyle/>
+                <a:p>
+                  <a:r>
+                    <a:rPr lang="ja-JP" altLang="en-US">
+                      <a:noFill/>
+                    </a:rPr>
+                    <a:t> </a:t>
+                  </a:r>
+                </a:p>
+              </p:txBody>
+            </p:sp>
+          </mc:Fallback>
+        </mc:AlternateContent>
+      </p:grpSp>
     </p:spTree>
     <p:extLst>
       <p:ext uri="{BB962C8B-B14F-4D97-AF65-F5344CB8AC3E}">
@@ -6529,41 +6821,480 @@
           <a:chExt cx="0" cy="0"/>
         </a:xfrm>
       </p:grpSpPr>
-      <p:pic>
-        <p:nvPicPr>
-          <p:cNvPr id="3" name="図 2">
+      <p:grpSp>
+        <p:nvGrpSpPr>
+          <p:cNvPr id="2" name="グループ化 1">
             <a:extLst>
               <a:ext uri="{FF2B5EF4-FFF2-40B4-BE49-F238E27FC236}">
-                <a16:creationId xmlns:a16="http://schemas.microsoft.com/office/drawing/2014/main" id="{C279C976-D39F-4F1B-AC7D-B888860B4933}"/>
+                <a16:creationId xmlns:a16="http://schemas.microsoft.com/office/drawing/2014/main" id="{7F036C0A-4D8E-4BDB-B647-F7B234513A71}"/>
               </a:ext>
             </a:extLst>
           </p:cNvPr>
-          <p:cNvPicPr>
-            <a:picLocks noChangeAspect="1"/>
-          </p:cNvPicPr>
+          <p:cNvGrpSpPr/>
           <p:nvPr/>
-        </p:nvPicPr>
-        <p:blipFill rotWithShape="1">
-          <a:blip r:embed="rId2">
-            <a:extLst>
-              <a:ext uri="{28A0092B-C50C-407E-A947-70E740481C1C}">
-                <a14:useLocalDpi xmlns:a14="http://schemas.microsoft.com/office/drawing/2010/main" val="0"/>
-              </a:ext>
-            </a:extLst>
-          </a:blip>
-          <a:srcRect r="53049"/>
-          <a:stretch/>
-        </p:blipFill>
-        <p:spPr>
+        </p:nvGrpSpPr>
+        <p:grpSpPr>
           <a:xfrm>
-            <a:off x="2287871" y="952154"/>
-            <a:ext cx="4132807" cy="4953691"/>
+            <a:off x="-771563" y="-1547394"/>
+            <a:ext cx="5500767" cy="7751548"/>
+            <a:chOff x="-125519" y="-1448003"/>
+            <a:chExt cx="5500767" cy="7751548"/>
           </a:xfrm>
-          <a:prstGeom prst="rect">
-            <a:avLst/>
-          </a:prstGeom>
-        </p:spPr>
-      </p:pic>
+        </p:grpSpPr>
+        <p:pic>
+          <p:nvPicPr>
+            <p:cNvPr id="3" name="図 2">
+              <a:extLst>
+                <a:ext uri="{FF2B5EF4-FFF2-40B4-BE49-F238E27FC236}">
+                  <a16:creationId xmlns:a16="http://schemas.microsoft.com/office/drawing/2014/main" id="{C279C976-D39F-4F1B-AC7D-B888860B4933}"/>
+                </a:ext>
+              </a:extLst>
+            </p:cNvPr>
+            <p:cNvPicPr>
+              <a:picLocks noChangeAspect="1"/>
+            </p:cNvPicPr>
+            <p:nvPr/>
+          </p:nvPicPr>
+          <p:blipFill rotWithShape="1">
+            <a:blip r:embed="rId2">
+              <a:extLst>
+                <a:ext uri="{28A0092B-C50C-407E-A947-70E740481C1C}">
+                  <a14:useLocalDpi xmlns:a14="http://schemas.microsoft.com/office/drawing/2010/main" val="0"/>
+                </a:ext>
+              </a:extLst>
+            </a:blip>
+            <a:srcRect r="53049"/>
+            <a:stretch/>
+          </p:blipFill>
+          <p:spPr>
+            <a:xfrm>
+              <a:off x="-125519" y="-1448003"/>
+              <a:ext cx="5500767" cy="6593363"/>
+            </a:xfrm>
+            <a:prstGeom prst="rect">
+              <a:avLst/>
+            </a:prstGeom>
+          </p:spPr>
+        </p:pic>
+        <mc:AlternateContent xmlns:mc="http://schemas.openxmlformats.org/markup-compatibility/2006">
+          <mc:Choice xmlns:a14="http://schemas.microsoft.com/office/drawing/2010/main" Requires="a14">
+            <p:sp>
+              <p:nvSpPr>
+                <p:cNvPr id="4" name="テキスト ボックス 3">
+                  <a:extLst>
+                    <a:ext uri="{FF2B5EF4-FFF2-40B4-BE49-F238E27FC236}">
+                      <a16:creationId xmlns:a16="http://schemas.microsoft.com/office/drawing/2014/main" id="{D4D04BBA-BDC5-475D-90D3-1BEAADCB28B9}"/>
+                    </a:ext>
+                  </a:extLst>
+                </p:cNvPr>
+                <p:cNvSpPr txBox="1"/>
+                <p:nvPr/>
+              </p:nvSpPr>
+              <p:spPr>
+                <a:xfrm>
+                  <a:off x="307500" y="5279867"/>
+                  <a:ext cx="4634730" cy="1023678"/>
+                </a:xfrm>
+                <a:prstGeom prst="rect">
+                  <a:avLst/>
+                </a:prstGeom>
+                <a:solidFill>
+                  <a:schemeClr val="bg1"/>
+                </a:solidFill>
+                <a:ln>
+                  <a:solidFill>
+                    <a:schemeClr val="accent1"/>
+                  </a:solidFill>
+                </a:ln>
+              </p:spPr>
+              <p:txBody>
+                <a:bodyPr wrap="none" rtlCol="0">
+                  <a:spAutoFit/>
+                </a:bodyPr>
+                <a:lstStyle/>
+                <a:p>
+                  <a14:m>
+                    <m:oMathPara xmlns:m="http://schemas.openxmlformats.org/officeDocument/2006/math">
+                      <m:oMathParaPr>
+                        <m:jc m:val="centerGroup"/>
+                      </m:oMathParaPr>
+                      <m:oMath xmlns:m="http://schemas.openxmlformats.org/officeDocument/2006/math">
+                        <m:sPre>
+                          <m:sPrePr>
+                            <m:ctrlPr>
+                              <a:rPr kumimoji="1" lang="en-US" altLang="ja-JP" sz="2800" i="1" smtClean="0">
+                                <a:latin typeface="Cambria Math" panose="02040503050406030204" pitchFamily="18" charset="0"/>
+                              </a:rPr>
+                            </m:ctrlPr>
+                          </m:sPrePr>
+                          <m:sub/>
+                          <m:sup>
+                            <m:r>
+                              <a:rPr lang="en-US" altLang="ja-JP" sz="2800" b="0" i="1" smtClean="0">
+                                <a:latin typeface="Cambria Math" panose="02040503050406030204" pitchFamily="18" charset="0"/>
+                              </a:rPr>
+                              <m:t>12</m:t>
+                            </m:r>
+                          </m:sup>
+                          <m:e>
+                            <m:r>
+                              <m:rPr>
+                                <m:sty m:val="p"/>
+                              </m:rPr>
+                              <a:rPr lang="en-US" altLang="ja-JP" sz="2800" b="0" i="0" smtClean="0">
+                                <a:latin typeface="Cambria Math" panose="02040503050406030204" pitchFamily="18" charset="0"/>
+                              </a:rPr>
+                              <m:t>C</m:t>
+                            </m:r>
+                          </m:e>
+                        </m:sPre>
+                        <m:r>
+                          <a:rPr lang="en-US" altLang="ja-JP" sz="2800" b="0" i="1" smtClean="0">
+                            <a:latin typeface="Cambria Math" panose="02040503050406030204" pitchFamily="18" charset="0"/>
+                            <a:ea typeface="Cambria Math" panose="02040503050406030204" pitchFamily="18" charset="0"/>
+                          </a:rPr>
+                          <m:t>+</m:t>
+                        </m:r>
+                        <m:sSup>
+                          <m:sSupPr>
+                            <m:ctrlPr>
+                              <a:rPr lang="en-US" altLang="ja-JP" sz="2800" b="0" i="1" smtClean="0">
+                                <a:latin typeface="Cambria Math" panose="02040503050406030204" pitchFamily="18" charset="0"/>
+                                <a:ea typeface="Cambria Math" panose="02040503050406030204" pitchFamily="18" charset="0"/>
+                              </a:rPr>
+                            </m:ctrlPr>
+                          </m:sSupPr>
+                          <m:e>
+                            <m:r>
+                              <m:rPr>
+                                <m:sty m:val="p"/>
+                              </m:rPr>
+                              <a:rPr lang="el-GR" altLang="ja-JP" sz="2800" b="0" i="1" smtClean="0">
+                                <a:latin typeface="Cambria Math" panose="02040503050406030204" pitchFamily="18" charset="0"/>
+                                <a:ea typeface="Cambria Math" panose="02040503050406030204" pitchFamily="18" charset="0"/>
+                              </a:rPr>
+                              <m:t>Ξ</m:t>
+                            </m:r>
+                          </m:e>
+                          <m:sup>
+                            <m:r>
+                              <a:rPr lang="en-US" altLang="ja-JP" sz="2800" b="0" i="1" smtClean="0">
+                                <a:latin typeface="Cambria Math" panose="02040503050406030204" pitchFamily="18" charset="0"/>
+                                <a:ea typeface="Cambria Math" panose="02040503050406030204" pitchFamily="18" charset="0"/>
+                              </a:rPr>
+                              <m:t>−</m:t>
+                            </m:r>
+                          </m:sup>
+                        </m:sSup>
+                        <m:r>
+                          <a:rPr lang="en-US" altLang="ja-JP" sz="2800" b="0" i="1" smtClean="0">
+                            <a:latin typeface="Cambria Math" panose="02040503050406030204" pitchFamily="18" charset="0"/>
+                            <a:ea typeface="Cambria Math" panose="02040503050406030204" pitchFamily="18" charset="0"/>
+                          </a:rPr>
+                          <m:t>→</m:t>
+                        </m:r>
+                        <m:sPre>
+                          <m:sPrePr>
+                            <m:ctrlPr>
+                              <a:rPr lang="en-US" altLang="ja-JP" sz="2800" b="0" i="1" smtClean="0">
+                                <a:latin typeface="Cambria Math" panose="02040503050406030204" pitchFamily="18" charset="0"/>
+                                <a:ea typeface="Cambria Math" panose="02040503050406030204" pitchFamily="18" charset="0"/>
+                              </a:rPr>
+                            </m:ctrlPr>
+                          </m:sPrePr>
+                          <m:sub>
+                            <m:r>
+                              <m:rPr>
+                                <m:sty m:val="p"/>
+                              </m:rPr>
+                              <a:rPr lang="el-GR" altLang="ja-JP" sz="2800" b="0" i="1" smtClean="0">
+                                <a:latin typeface="Cambria Math" panose="02040503050406030204" pitchFamily="18" charset="0"/>
+                                <a:ea typeface="Cambria Math" panose="02040503050406030204" pitchFamily="18" charset="0"/>
+                              </a:rPr>
+                              <m:t>ΛΛ</m:t>
+                            </m:r>
+                          </m:sub>
+                          <m:sup>
+                            <m:r>
+                              <a:rPr lang="en-US" altLang="ja-JP" sz="2800" b="0" i="1" smtClean="0">
+                                <a:latin typeface="Cambria Math" panose="02040503050406030204" pitchFamily="18" charset="0"/>
+                              </a:rPr>
+                              <m:t>6</m:t>
+                            </m:r>
+                          </m:sup>
+                          <m:e>
+                            <m:r>
+                              <m:rPr>
+                                <m:sty m:val="p"/>
+                              </m:rPr>
+                              <a:rPr lang="en-US" altLang="ja-JP" sz="2800" b="0" i="0" smtClean="0">
+                                <a:latin typeface="Cambria Math" panose="02040503050406030204" pitchFamily="18" charset="0"/>
+                              </a:rPr>
+                              <m:t>He</m:t>
+                            </m:r>
+                          </m:e>
+                        </m:sPre>
+                        <m:r>
+                          <a:rPr lang="en-US" altLang="ja-JP" sz="2800" b="0" i="1" smtClean="0">
+                            <a:latin typeface="Cambria Math" panose="02040503050406030204" pitchFamily="18" charset="0"/>
+                            <a:ea typeface="Cambria Math" panose="02040503050406030204" pitchFamily="18" charset="0"/>
+                          </a:rPr>
+                          <m:t>+</m:t>
+                        </m:r>
+                        <m:sPre>
+                          <m:sPrePr>
+                            <m:ctrlPr>
+                              <a:rPr lang="en-US" altLang="ja-JP" sz="2800" b="0" i="1" smtClean="0">
+                                <a:latin typeface="Cambria Math" panose="02040503050406030204" pitchFamily="18" charset="0"/>
+                              </a:rPr>
+                            </m:ctrlPr>
+                          </m:sPrePr>
+                          <m:sub/>
+                          <m:sup>
+                            <m:r>
+                              <a:rPr lang="en-US" altLang="ja-JP" sz="2800" b="0" i="1" smtClean="0">
+                                <a:latin typeface="Cambria Math" panose="02040503050406030204" pitchFamily="18" charset="0"/>
+                              </a:rPr>
+                              <m:t>4</m:t>
+                            </m:r>
+                          </m:sup>
+                          <m:e>
+                            <m:r>
+                              <m:rPr>
+                                <m:sty m:val="p"/>
+                              </m:rPr>
+                              <a:rPr lang="en-US" altLang="ja-JP" sz="2800" b="0" i="0" smtClean="0">
+                                <a:latin typeface="Cambria Math" panose="02040503050406030204" pitchFamily="18" charset="0"/>
+                              </a:rPr>
+                              <m:t>He</m:t>
+                            </m:r>
+                          </m:e>
+                        </m:sPre>
+                        <m:r>
+                          <a:rPr lang="en-US" altLang="ja-JP" sz="2800" i="1" smtClean="0">
+                            <a:latin typeface="Cambria Math" panose="02040503050406030204" pitchFamily="18" charset="0"/>
+                            <a:ea typeface="Cambria Math" panose="02040503050406030204" pitchFamily="18" charset="0"/>
+                          </a:rPr>
+                          <m:t>+</m:t>
+                        </m:r>
+                        <m:r>
+                          <a:rPr lang="ja-JP" altLang="en-US" sz="2800" i="1" smtClean="0">
+                            <a:latin typeface="Cambria Math" panose="02040503050406030204" pitchFamily="18" charset="0"/>
+                            <a:ea typeface="Cambria Math" panose="02040503050406030204" pitchFamily="18" charset="0"/>
+                          </a:rPr>
+                          <m:t>𝜏</m:t>
+                        </m:r>
+                      </m:oMath>
+                    </m:oMathPara>
+                  </a14:m>
+                  <a:endParaRPr lang="en-US" altLang="ja-JP" sz="2800" dirty="0">
+                    <a:ea typeface="Cambria Math" panose="02040503050406030204" pitchFamily="18" charset="0"/>
+                  </a:endParaRPr>
+                </a:p>
+                <a:p>
+                  <a:pPr/>
+                  <a14:m>
+                    <m:oMathPara xmlns:m="http://schemas.openxmlformats.org/officeDocument/2006/math">
+                      <m:oMathParaPr>
+                        <m:jc m:val="centerGroup"/>
+                      </m:oMathParaPr>
+                      <m:oMath xmlns:m="http://schemas.openxmlformats.org/officeDocument/2006/math">
+                        <m:sPre>
+                          <m:sPrePr>
+                            <m:ctrlPr>
+                              <a:rPr lang="en-US" altLang="ja-JP" sz="2800" i="1">
+                                <a:latin typeface="Cambria Math" panose="02040503050406030204" pitchFamily="18" charset="0"/>
+                                <a:ea typeface="Cambria Math" panose="02040503050406030204" pitchFamily="18" charset="0"/>
+                              </a:rPr>
+                            </m:ctrlPr>
+                          </m:sPrePr>
+                          <m:sub>
+                            <m:r>
+                              <m:rPr>
+                                <m:sty m:val="p"/>
+                              </m:rPr>
+                              <a:rPr lang="el-GR" altLang="ja-JP" sz="2800" i="1">
+                                <a:latin typeface="Cambria Math" panose="02040503050406030204" pitchFamily="18" charset="0"/>
+                                <a:ea typeface="Cambria Math" panose="02040503050406030204" pitchFamily="18" charset="0"/>
+                              </a:rPr>
+                              <m:t>ΛΛ</m:t>
+                            </m:r>
+                          </m:sub>
+                          <m:sup>
+                            <m:r>
+                              <a:rPr lang="en-US" altLang="ja-JP" sz="2800" i="1">
+                                <a:latin typeface="Cambria Math" panose="02040503050406030204" pitchFamily="18" charset="0"/>
+                              </a:rPr>
+                              <m:t>6</m:t>
+                            </m:r>
+                          </m:sup>
+                          <m:e>
+                            <m:r>
+                              <m:rPr>
+                                <m:sty m:val="p"/>
+                              </m:rPr>
+                              <a:rPr lang="en-US" altLang="ja-JP" sz="2800">
+                                <a:latin typeface="Cambria Math" panose="02040503050406030204" pitchFamily="18" charset="0"/>
+                              </a:rPr>
+                              <m:t>He</m:t>
+                            </m:r>
+                          </m:e>
+                        </m:sPre>
+                        <m:r>
+                          <a:rPr lang="en-US" altLang="ja-JP" sz="2800" i="1">
+                            <a:latin typeface="Cambria Math" panose="02040503050406030204" pitchFamily="18" charset="0"/>
+                            <a:ea typeface="Cambria Math" panose="02040503050406030204" pitchFamily="18" charset="0"/>
+                          </a:rPr>
+                          <m:t>→+</m:t>
+                        </m:r>
+                        <m:sPre>
+                          <m:sPrePr>
+                            <m:ctrlPr>
+                              <a:rPr lang="en-US" altLang="ja-JP" sz="2800" i="1">
+                                <a:latin typeface="Cambria Math" panose="02040503050406030204" pitchFamily="18" charset="0"/>
+                              </a:rPr>
+                            </m:ctrlPr>
+                          </m:sPrePr>
+                          <m:sub>
+                            <m:r>
+                              <m:rPr>
+                                <m:sty m:val="p"/>
+                              </m:rPr>
+                              <a:rPr lang="el-GR" altLang="ja-JP" sz="2800" i="1" smtClean="0">
+                                <a:latin typeface="Cambria Math" panose="02040503050406030204" pitchFamily="18" charset="0"/>
+                                <a:ea typeface="Cambria Math" panose="02040503050406030204" pitchFamily="18" charset="0"/>
+                              </a:rPr>
+                              <m:t>Λ</m:t>
+                            </m:r>
+                          </m:sub>
+                          <m:sup>
+                            <m:r>
+                              <a:rPr lang="en-US" altLang="ja-JP" sz="2800" b="0" i="1" smtClean="0">
+                                <a:latin typeface="Cambria Math" panose="02040503050406030204" pitchFamily="18" charset="0"/>
+                              </a:rPr>
+                              <m:t>5</m:t>
+                            </m:r>
+                          </m:sup>
+                          <m:e>
+                            <m:r>
+                              <m:rPr>
+                                <m:sty m:val="p"/>
+                              </m:rPr>
+                              <a:rPr lang="en-US" altLang="ja-JP" sz="2800">
+                                <a:latin typeface="Cambria Math" panose="02040503050406030204" pitchFamily="18" charset="0"/>
+                              </a:rPr>
+                              <m:t>He</m:t>
+                            </m:r>
+                          </m:e>
+                        </m:sPre>
+                        <m:r>
+                          <a:rPr lang="en-US" altLang="ja-JP" sz="2800" i="1">
+                            <a:latin typeface="Cambria Math" panose="02040503050406030204" pitchFamily="18" charset="0"/>
+                            <a:ea typeface="Cambria Math" panose="02040503050406030204" pitchFamily="18" charset="0"/>
+                          </a:rPr>
+                          <m:t>+</m:t>
+                        </m:r>
+                        <m:r>
+                          <a:rPr lang="en-US" altLang="ja-JP" sz="2800" b="0" i="1" smtClean="0">
+                            <a:latin typeface="Cambria Math" panose="02040503050406030204" pitchFamily="18" charset="0"/>
+                            <a:ea typeface="Cambria Math" panose="02040503050406030204" pitchFamily="18" charset="0"/>
+                          </a:rPr>
+                          <m:t>𝑝</m:t>
+                        </m:r>
+                        <m:sSup>
+                          <m:sSupPr>
+                            <m:ctrlPr>
+                              <a:rPr lang="en-US" altLang="ja-JP" sz="2800" b="0" i="1" smtClean="0">
+                                <a:latin typeface="Cambria Math" panose="02040503050406030204" pitchFamily="18" charset="0"/>
+                                <a:ea typeface="Cambria Math" panose="02040503050406030204" pitchFamily="18" charset="0"/>
+                              </a:rPr>
+                            </m:ctrlPr>
+                          </m:sSupPr>
+                          <m:e>
+                            <m:r>
+                              <a:rPr lang="en-US" altLang="ja-JP" sz="2800" b="0" i="1" smtClean="0">
+                                <a:latin typeface="Cambria Math" panose="02040503050406030204" pitchFamily="18" charset="0"/>
+                                <a:ea typeface="Cambria Math" panose="02040503050406030204" pitchFamily="18" charset="0"/>
+                              </a:rPr>
+                              <m:t>+</m:t>
+                            </m:r>
+                            <m:r>
+                              <a:rPr lang="ja-JP" altLang="en-US" sz="2800" b="0" i="1" smtClean="0">
+                                <a:latin typeface="Cambria Math" panose="02040503050406030204" pitchFamily="18" charset="0"/>
+                                <a:ea typeface="Cambria Math" panose="02040503050406030204" pitchFamily="18" charset="0"/>
+                              </a:rPr>
+                              <m:t>𝜋</m:t>
+                            </m:r>
+                          </m:e>
+                          <m:sup>
+                            <m:r>
+                              <a:rPr lang="en-US" altLang="ja-JP" sz="2800" b="0" i="1" smtClean="0">
+                                <a:latin typeface="Cambria Math" panose="02040503050406030204" pitchFamily="18" charset="0"/>
+                                <a:ea typeface="Cambria Math" panose="02040503050406030204" pitchFamily="18" charset="0"/>
+                              </a:rPr>
+                              <m:t>−</m:t>
+                            </m:r>
+                          </m:sup>
+                        </m:sSup>
+                      </m:oMath>
+                    </m:oMathPara>
+                  </a14:m>
+                  <a:endParaRPr kumimoji="1" lang="en-US" altLang="ja-JP" sz="2800" dirty="0"/>
+                </a:p>
+              </p:txBody>
+            </p:sp>
+          </mc:Choice>
+          <mc:Fallback>
+            <p:sp>
+              <p:nvSpPr>
+                <p:cNvPr id="4" name="テキスト ボックス 3">
+                  <a:extLst>
+                    <a:ext uri="{FF2B5EF4-FFF2-40B4-BE49-F238E27FC236}">
+                      <a16:creationId xmlns:a16="http://schemas.microsoft.com/office/drawing/2014/main" id="{D4D04BBA-BDC5-475D-90D3-1BEAADCB28B9}"/>
+                    </a:ext>
+                  </a:extLst>
+                </p:cNvPr>
+                <p:cNvSpPr txBox="1">
+                  <a:spLocks noRot="1" noChangeAspect="1" noMove="1" noResize="1" noEditPoints="1" noAdjustHandles="1" noChangeArrowheads="1" noChangeShapeType="1" noTextEdit="1"/>
+                </p:cNvSpPr>
+                <p:nvPr/>
+              </p:nvSpPr>
+              <p:spPr>
+                <a:xfrm>
+                  <a:off x="307500" y="5279867"/>
+                  <a:ext cx="4634730" cy="1023678"/>
+                </a:xfrm>
+                <a:prstGeom prst="rect">
+                  <a:avLst/>
+                </a:prstGeom>
+                <a:blipFill>
+                  <a:blip r:embed="rId3"/>
+                  <a:stretch>
+                    <a:fillRect/>
+                  </a:stretch>
+                </a:blipFill>
+                <a:ln>
+                  <a:solidFill>
+                    <a:schemeClr val="accent1"/>
+                  </a:solidFill>
+                </a:ln>
+              </p:spPr>
+              <p:txBody>
+                <a:bodyPr/>
+                <a:lstStyle/>
+                <a:p>
+                  <a:r>
+                    <a:rPr lang="ja-JP" altLang="en-US">
+                      <a:noFill/>
+                    </a:rPr>
+                    <a:t> </a:t>
+                  </a:r>
+                </a:p>
+              </p:txBody>
+            </p:sp>
+          </mc:Fallback>
+        </mc:AlternateContent>
+      </p:grpSp>
     </p:spTree>
     <p:extLst>
       <p:ext uri="{BB962C8B-B14F-4D97-AF65-F5344CB8AC3E}">

--- a/修論画像作成.pptx
+++ b/修論画像作成.pptx
@@ -6519,8 +6519,8 @@
             </a:prstGeom>
           </p:spPr>
         </p:pic>
-        <mc:AlternateContent xmlns:mc="http://schemas.openxmlformats.org/markup-compatibility/2006">
-          <mc:Choice xmlns:a14="http://schemas.microsoft.com/office/drawing/2010/main" Requires="a14">
+        <mc:AlternateContent xmlns:mc="http://schemas.openxmlformats.org/markup-compatibility/2006" xmlns:a14="http://schemas.microsoft.com/office/drawing/2010/main">
+          <mc:Choice Requires="a14">
             <p:sp>
               <p:nvSpPr>
                 <p:cNvPr id="4" name="テキスト ボックス 3">
@@ -6556,6 +6556,7 @@
                 </a:bodyPr>
                 <a:lstStyle/>
                 <a:p>
+                  <a:pPr/>
                   <a14:m>
                     <m:oMathPara xmlns:m="http://schemas.openxmlformats.org/officeDocument/2006/math">
                       <m:oMathParaPr>
@@ -6740,7 +6741,7 @@
               </p:txBody>
             </p:sp>
           </mc:Choice>
-          <mc:Fallback>
+          <mc:Fallback xmlns="">
             <p:sp>
               <p:nvSpPr>
                 <p:cNvPr id="4" name="テキスト ボックス 3">
@@ -6876,8 +6877,8 @@
             </a:prstGeom>
           </p:spPr>
         </p:pic>
-        <mc:AlternateContent xmlns:mc="http://schemas.openxmlformats.org/markup-compatibility/2006">
-          <mc:Choice xmlns:a14="http://schemas.microsoft.com/office/drawing/2010/main" Requires="a14">
+        <mc:AlternateContent xmlns:mc="http://schemas.openxmlformats.org/markup-compatibility/2006" xmlns:a14="http://schemas.microsoft.com/office/drawing/2010/main">
+          <mc:Choice Requires="a14">
             <p:sp>
               <p:nvSpPr>
                 <p:cNvPr id="4" name="テキスト ボックス 3">
@@ -6913,6 +6914,7 @@
                 </a:bodyPr>
                 <a:lstStyle/>
                 <a:p>
+                  <a:pPr/>
                   <a14:m>
                     <m:oMathPara xmlns:m="http://schemas.openxmlformats.org/officeDocument/2006/math">
                       <m:oMathParaPr>
@@ -7244,7 +7246,7 @@
               </p:txBody>
             </p:sp>
           </mc:Choice>
-          <mc:Fallback>
+          <mc:Fallback xmlns="">
             <p:sp>
               <p:nvSpPr>
                 <p:cNvPr id="4" name="テキスト ボックス 3">
@@ -17006,6 +17008,41 @@
           </a:p>
         </p:txBody>
       </p:sp>
+      <p:pic>
+        <p:nvPicPr>
+          <p:cNvPr id="3" name="図 2">
+            <a:extLst>
+              <a:ext uri="{FF2B5EF4-FFF2-40B4-BE49-F238E27FC236}">
+                <a16:creationId xmlns:a16="http://schemas.microsoft.com/office/drawing/2014/main" id="{249C820A-7C0E-41B7-8CD3-4E172E272955}"/>
+              </a:ext>
+            </a:extLst>
+          </p:cNvPr>
+          <p:cNvPicPr>
+            <a:picLocks noChangeAspect="1"/>
+          </p:cNvPicPr>
+          <p:nvPr/>
+        </p:nvPicPr>
+        <p:blipFill rotWithShape="1">
+          <a:blip r:embed="rId2">
+            <a:extLst>
+              <a:ext uri="{28A0092B-C50C-407E-A947-70E740481C1C}">
+                <a14:useLocalDpi xmlns:a14="http://schemas.microsoft.com/office/drawing/2010/main" val="0"/>
+              </a:ext>
+            </a:extLst>
+          </a:blip>
+          <a:srcRect l="30325" r="3044"/>
+          <a:stretch/>
+        </p:blipFill>
+        <p:spPr>
+          <a:xfrm>
+            <a:off x="1525656" y="768598"/>
+            <a:ext cx="6092688" cy="5141900"/>
+          </a:xfrm>
+          <a:prstGeom prst="rect">
+            <a:avLst/>
+          </a:prstGeom>
+        </p:spPr>
+      </p:pic>
     </p:spTree>
     <p:extLst>
       <p:ext uri="{BB962C8B-B14F-4D97-AF65-F5344CB8AC3E}">
